--- a/Poster.pptx
+++ b/Poster.pptx
@@ -2401,7 +2401,7 @@
         <p:spPr bwMode="auto">
           <a:xfrm>
             <a:off x="1524000" y="1935163"/>
-            <a:ext cx="8007350" cy="1189037"/>
+            <a:ext cx="10238700" cy="1200329"/>
           </a:xfrm>
           <a:prstGeom prst="rect">
             <a:avLst/>
@@ -2423,13 +2423,13 @@
           <a:p>
             <a:pPr algn="l"/>
             <a:r>
-              <a:rPr lang="en-US" sz="7200" b="1">
+              <a:rPr lang="en-US" sz="7200" b="1" dirty="0">
                 <a:solidFill>
                   <a:srgbClr val="FFFFFF"/>
                 </a:solidFill>
                 <a:latin typeface="Arial" charset="0"/>
               </a:rPr>
-              <a:t>Department Name</a:t>
+              <a:t>College of Engineering</a:t>
             </a:r>
           </a:p>
         </p:txBody>
@@ -2445,7 +2445,7 @@
         <p:spPr bwMode="auto">
           <a:xfrm>
             <a:off x="23241000" y="1660525"/>
-            <a:ext cx="19202400" cy="1311275"/>
+            <a:ext cx="19202400" cy="1324786"/>
           </a:xfrm>
           <a:prstGeom prst="rect">
             <a:avLst/>
@@ -2474,13 +2474,13 @@
               </a:spcBef>
             </a:pPr>
             <a:r>
-              <a:rPr lang="en-US" sz="4000">
+              <a:rPr lang="en-US" sz="4000" dirty="0">
                 <a:solidFill>
                   <a:schemeClr val="bg1"/>
                 </a:solidFill>
                 <a:latin typeface="Arial" charset="0"/>
               </a:rPr>
-              <a:t>Association or meeting title</a:t>
+              <a:t>Spring 2025 Honors Poster Presentation</a:t>
             </a:r>
           </a:p>
           <a:p>
@@ -2493,7 +2493,7 @@
               </a:spcBef>
             </a:pPr>
             <a:r>
-              <a:rPr lang="en-US" sz="4000">
+              <a:rPr lang="en-US" sz="4000" dirty="0">
                 <a:solidFill>
                   <a:schemeClr val="bg1"/>
                 </a:solidFill>
@@ -2547,7 +2547,7 @@
                 </a:solidFill>
                 <a:latin typeface="Arial" charset="0"/>
               </a:rPr>
-              <a:t>Principal investigators</a:t>
+              <a:t>Nathan Van Utrecht</a:t>
             </a:r>
           </a:p>
         </p:txBody>
@@ -2620,7 +2620,7 @@
         <p:spPr bwMode="auto">
           <a:xfrm>
             <a:off x="1597025" y="5692775"/>
-            <a:ext cx="5718175" cy="1311275"/>
+            <a:ext cx="9193542" cy="1323439"/>
           </a:xfrm>
           <a:prstGeom prst="rect">
             <a:avLst/>
@@ -2642,10 +2642,10 @@
           <a:p>
             <a:pPr algn="l"/>
             <a:r>
-              <a:rPr lang="en-US" sz="8000" b="1">
+              <a:rPr lang="en-US" sz="8000" b="1" dirty="0">
                 <a:latin typeface="Arial" charset="0"/>
               </a:rPr>
-              <a:t>Poster Title</a:t>
+              <a:t>Learning the Goal </a:t>
             </a:r>
           </a:p>
         </p:txBody>

--- a/Poster.pptx
+++ b/Poster.pptx
@@ -2401,7 +2401,7 @@
         <p:spPr bwMode="auto">
           <a:xfrm>
             <a:off x="1524000" y="1935163"/>
-            <a:ext cx="10238700" cy="1200329"/>
+            <a:ext cx="17266265" cy="1200329"/>
           </a:xfrm>
           <a:prstGeom prst="rect">
             <a:avLst/>
@@ -2429,7 +2429,7 @@
                 </a:solidFill>
                 <a:latin typeface="Arial" charset="0"/>
               </a:rPr>
-              <a:t>College of Engineering</a:t>
+              <a:t>Department of Mechanical Engineering</a:t>
             </a:r>
           </a:p>
         </p:txBody>
@@ -2619,8 +2619,8 @@
         </p:nvSpPr>
         <p:spPr bwMode="auto">
           <a:xfrm>
-            <a:off x="1597025" y="5692775"/>
-            <a:ext cx="9193542" cy="1323439"/>
+            <a:off x="767430" y="5594248"/>
+            <a:ext cx="42356339" cy="1015663"/>
           </a:xfrm>
           <a:prstGeom prst="rect">
             <a:avLst/>
@@ -2642,53 +2642,10 @@
           <a:p>
             <a:pPr algn="l"/>
             <a:r>
-              <a:rPr lang="en-US" sz="8000" b="1" dirty="0">
+              <a:rPr lang="en-US" sz="6000" b="1" dirty="0">
                 <a:latin typeface="Arial" charset="0"/>
               </a:rPr>
-              <a:t>Learning the Goal </a:t>
-            </a:r>
-          </a:p>
-        </p:txBody>
-      </p:sp>
-      <p:sp>
-        <p:nvSpPr>
-          <p:cNvPr id="2066" name="Text Box 18"/>
-          <p:cNvSpPr txBox="1">
-            <a:spLocks noChangeArrowheads="1"/>
-          </p:cNvSpPr>
-          <p:nvPr/>
-        </p:nvSpPr>
-        <p:spPr bwMode="auto">
-          <a:xfrm>
-            <a:off x="1752600" y="8001000"/>
-            <a:ext cx="8229600" cy="701675"/>
-          </a:xfrm>
-          <a:prstGeom prst="rect">
-            <a:avLst/>
-          </a:prstGeom>
-          <a:noFill/>
-          <a:ln w="9525">
-            <a:noFill/>
-            <a:miter lim="800000"/>
-            <a:headEnd/>
-            <a:tailEnd/>
-          </a:ln>
-          <a:effectLst/>
-        </p:spPr>
-        <p:txBody>
-          <a:bodyPr>
-            <a:spAutoFit/>
-          </a:bodyPr>
-          <a:lstStyle/>
-          <a:p>
-            <a:pPr algn="l">
-              <a:spcBef>
-                <a:spcPct val="50000"/>
-              </a:spcBef>
-            </a:pPr>
-            <a:r>
-              <a:rPr lang="en-US" sz="4000" dirty="0"/>
-              <a:t>Content</a:t>
+              <a:t>From Demonstrations to Adaptation: Assessing Imitation Learning Robustness and Learned Reward Transferability</a:t>
             </a:r>
           </a:p>
         </p:txBody>

--- a/Poster.pptx
+++ b/Poster.pptx
@@ -44,8 +44,8 @@
         </p:nvSpPr>
         <p:spPr>
           <a:xfrm>
-            <a:off x="533520" y="764280"/>
-            <a:ext cx="6704640" cy="3771360"/>
+            <a:off x="0" y="764280"/>
+            <a:ext cx="0" cy="0"/>
           </a:xfrm>
           <a:prstGeom prst="rect">
             <a:avLst/>
@@ -60,24 +60,25 @@
             <a:noAutofit/>
           </a:bodyPr>
           <a:p>
+            <a:pPr algn="ctr"/>
             <a:r>
-              <a:rPr b="0" lang="en-US" sz="1800" strike="noStrike" u="none">
-                <a:solidFill>
-                  <a:schemeClr val="dk1"/>
-                </a:solidFill>
-                <a:effectLst/>
-                <a:uFillTx/>
-                <a:latin typeface="Aptos"/>
+              <a:rPr b="0" lang="en-US" sz="4400" strike="noStrike" u="none">
+                <a:solidFill>
+                  <a:srgbClr val="000000"/>
+                </a:solidFill>
+                <a:effectLst/>
+                <a:uFillTx/>
+                <a:latin typeface="Arial"/>
               </a:rPr>
               <a:t>Click to move the slide</a:t>
             </a:r>
-            <a:endParaRPr b="0" lang="en-US" sz="1800" strike="noStrike" u="none">
-              <a:solidFill>
-                <a:schemeClr val="dk1"/>
-              </a:solidFill>
-              <a:effectLst/>
-              <a:uFillTx/>
-              <a:latin typeface="Aptos"/>
+            <a:endParaRPr b="0" lang="en-US" sz="4400" strike="noStrike" u="none">
+              <a:solidFill>
+                <a:srgbClr val="000000"/>
+              </a:solidFill>
+              <a:effectLst/>
+              <a:uFillTx/>
+              <a:latin typeface="Arial"/>
             </a:endParaRPr>
           </a:p>
         </p:txBody>
@@ -364,7 +365,7 @@
             <a:pPr indent="0" algn="r">
               <a:buNone/>
             </a:pPr>
-            <a:fld id="{1B6516A8-1C41-4F81-84F6-70AC301A9CB7}" type="slidenum">
+            <a:fld id="{B46140A9-32DD-4EB2-8ADA-9F502FE5939C}" type="slidenum">
               <a:rPr b="0" lang="en-US" sz="1400" strike="noStrike" u="none">
                 <a:solidFill>
                   <a:srgbClr val="000000"/>
@@ -422,7 +423,7 @@
         <p:spPr>
           <a:xfrm>
             <a:off x="1371600" y="1143000"/>
-            <a:ext cx="4114440" cy="3085920"/>
+            <a:ext cx="4114080" cy="3085560"/>
           </a:xfrm>
           <a:prstGeom prst="rect">
             <a:avLst/>
@@ -445,7 +446,7 @@
         <p:spPr>
           <a:xfrm>
             <a:off x="685800" y="4400640"/>
-            <a:ext cx="5486040" cy="3600000"/>
+            <a:ext cx="5485680" cy="3599640"/>
           </a:xfrm>
           <a:prstGeom prst="rect">
             <a:avLst/>
@@ -487,7 +488,7 @@
         <p:spPr>
           <a:xfrm>
             <a:off x="3884760" y="8685360"/>
-            <a:ext cx="2971440" cy="458280"/>
+            <a:ext cx="2971080" cy="457920"/>
           </a:xfrm>
           <a:prstGeom prst="rect">
             <a:avLst/>
@@ -507,6 +508,9 @@
                 <a:spcPct val="100000"/>
               </a:lnSpc>
               <a:buNone/>
+              <a:tabLst>
+                <a:tab algn="l" pos="0"/>
+              </a:tabLst>
               <a:defRPr b="0" lang="en-US" sz="1200" strike="noStrike" u="none">
                 <a:solidFill>
                   <a:srgbClr val="000000"/>
@@ -523,8 +527,11 @@
                 <a:spcPct val="100000"/>
               </a:lnSpc>
               <a:buNone/>
-            </a:pPr>
-            <a:fld id="{71DCE854-9F13-4239-8744-89BA8DCDB38E}" type="slidenum">
+              <a:tabLst>
+                <a:tab algn="l" pos="0"/>
+              </a:tabLst>
+            </a:pPr>
+            <a:fld id="{34064405-1677-4CA5-B8EF-7CF2C335ACD6}" type="slidenum">
               <a:rPr b="0" lang="en-US" sz="1200" strike="noStrike" u="none">
                 <a:solidFill>
                   <a:srgbClr val="000000"/>
@@ -552,8 +559,8 @@
 </file>
 
 <file path=ppt/slideLayouts/slideLayout1.xml><?xml version="1.0" encoding="utf-8"?>
-<p:sldLayout xmlns:a="http://schemas.openxmlformats.org/drawingml/2006/main" xmlns:p="http://schemas.openxmlformats.org/presentationml/2006/main" xmlns:r="http://schemas.openxmlformats.org/officeDocument/2006/relationships" xmlns:p14="http://schemas.microsoft.com/office/powerpoint/2010/main" xmlns:p15="http://schemas.microsoft.com/office/powerpoint/2012/main" xmlns:mc="http://schemas.openxmlformats.org/markup-compatibility/2006" type="title" preserve="1">
-  <p:cSld name="Title Slide">
+<p:sldLayout xmlns:a="http://schemas.openxmlformats.org/drawingml/2006/main" xmlns:p="http://schemas.openxmlformats.org/presentationml/2006/main" xmlns:r="http://schemas.openxmlformats.org/officeDocument/2006/relationships" xmlns:p14="http://schemas.microsoft.com/office/powerpoint/2010/main" xmlns:p15="http://schemas.microsoft.com/office/powerpoint/2012/main" xmlns:mc="http://schemas.openxmlformats.org/markup-compatibility/2006" type="blank" preserve="1">
+  <p:cSld name="Blank">
     <p:bg>
       <p:bgPr>
         <a:solidFill>
@@ -582,69 +589,13 @@
             <a:spLocks noGrp="1"/>
           </p:cNvSpPr>
           <p:nvPr>
-            <p:ph type="title"/>
-          </p:nvPr>
-        </p:nvSpPr>
-        <p:spPr>
-          <a:xfrm>
-            <a:off x="3291840" y="5387400"/>
-            <a:ext cx="37307160" cy="11460240"/>
-          </a:xfrm>
-          <a:prstGeom prst="rect">
-            <a:avLst/>
-          </a:prstGeom>
-          <a:noFill/>
-          <a:ln w="0">
-            <a:noFill/>
-          </a:ln>
-        </p:spPr>
-        <p:txBody>
-          <a:bodyPr lIns="91440" rIns="91440" tIns="45720" bIns="45720" anchor="b">
-            <a:noAutofit/>
-          </a:bodyPr>
-          <a:p>
-            <a:pPr indent="0" algn="ctr" defTabSz="4389120">
-              <a:lnSpc>
-                <a:spcPct val="90000"/>
-              </a:lnSpc>
-              <a:buNone/>
-            </a:pPr>
-            <a:r>
-              <a:rPr b="0" lang="en-US" sz="28800" strike="noStrike" u="none">
-                <a:solidFill>
-                  <a:schemeClr val="dk1"/>
-                </a:solidFill>
-                <a:effectLst/>
-                <a:uFillTx/>
-                <a:latin typeface="Aptos Display"/>
-              </a:rPr>
-              <a:t>Click to edit Master title style</a:t>
-            </a:r>
-            <a:endParaRPr b="0" lang="en-US" sz="28800" strike="noStrike" u="none">
-              <a:solidFill>
-                <a:schemeClr val="dk1"/>
-              </a:solidFill>
-              <a:effectLst/>
-              <a:uFillTx/>
-              <a:latin typeface="Aptos"/>
-            </a:endParaRPr>
-          </a:p>
-        </p:txBody>
-      </p:sp>
-      <p:sp>
-        <p:nvSpPr>
-          <p:cNvPr id="1" name="PlaceHolder 2"/>
-          <p:cNvSpPr>
-            <a:spLocks noGrp="1"/>
-          </p:cNvSpPr>
-          <p:nvPr>
             <p:ph type="dt" idx="1"/>
           </p:nvPr>
         </p:nvSpPr>
         <p:spPr>
           <a:xfrm>
             <a:off x="3017520" y="30510360"/>
-            <a:ext cx="9875160" cy="1752120"/>
+            <a:ext cx="9874800" cy="1751760"/>
           </a:xfrm>
           <a:prstGeom prst="rect">
             <a:avLst/>
@@ -664,6 +615,9 @@
                 <a:spcPct val="100000"/>
               </a:lnSpc>
               <a:buNone/>
+              <a:tabLst>
+                <a:tab algn="l" pos="0"/>
+              </a:tabLst>
               <a:defRPr b="0" lang="en-US" sz="5760" strike="noStrike" u="none">
                 <a:solidFill>
                   <a:schemeClr val="dk1">
@@ -682,6 +636,9 @@
                 <a:spcPct val="100000"/>
               </a:lnSpc>
               <a:buNone/>
+              <a:tabLst>
+                <a:tab algn="l" pos="0"/>
+              </a:tabLst>
             </a:pPr>
             <a:r>
               <a:rPr b="0" lang="en-US" sz="5760" strike="noStrike" u="none">
@@ -709,7 +666,7 @@
       </p:sp>
       <p:sp>
         <p:nvSpPr>
-          <p:cNvPr id="2" name="PlaceHolder 3"/>
+          <p:cNvPr id="1" name="PlaceHolder 2"/>
           <p:cNvSpPr>
             <a:spLocks noGrp="1"/>
           </p:cNvSpPr>
@@ -720,7 +677,7 @@
         <p:spPr>
           <a:xfrm>
             <a:off x="14538960" y="30510360"/>
-            <a:ext cx="14812920" cy="1752120"/>
+            <a:ext cx="14812560" cy="1751760"/>
           </a:xfrm>
           <a:prstGeom prst="rect">
             <a:avLst/>
@@ -736,7 +693,13 @@
           </a:bodyPr>
           <a:lstStyle>
             <a:lvl1pPr indent="0" algn="ctr">
-              <a:buNone/>
+              <a:lnSpc>
+                <a:spcPct val="100000"/>
+              </a:lnSpc>
+              <a:buNone/>
+              <a:tabLst>
+                <a:tab algn="l" pos="0"/>
+              </a:tabLst>
               <a:defRPr b="0" lang="en-US" sz="1400" strike="noStrike" u="none">
                 <a:solidFill>
                   <a:srgbClr val="000000"/>
@@ -749,7 +712,13 @@
           </a:lstStyle>
           <a:p>
             <a:pPr indent="0" algn="ctr">
-              <a:buNone/>
+              <a:lnSpc>
+                <a:spcPct val="100000"/>
+              </a:lnSpc>
+              <a:buNone/>
+              <a:tabLst>
+                <a:tab algn="l" pos="0"/>
+              </a:tabLst>
             </a:pPr>
             <a:r>
               <a:rPr b="0" lang="en-US" sz="1400" strike="noStrike" u="none">
@@ -775,7 +744,7 @@
       </p:sp>
       <p:sp>
         <p:nvSpPr>
-          <p:cNvPr id="3" name="PlaceHolder 4"/>
+          <p:cNvPr id="2" name="PlaceHolder 3"/>
           <p:cNvSpPr>
             <a:spLocks noGrp="1"/>
           </p:cNvSpPr>
@@ -786,7 +755,7 @@
         <p:spPr>
           <a:xfrm>
             <a:off x="30998160" y="30510360"/>
-            <a:ext cx="9875160" cy="1752120"/>
+            <a:ext cx="9874800" cy="1751760"/>
           </a:xfrm>
           <a:prstGeom prst="rect">
             <a:avLst/>
@@ -806,6 +775,9 @@
                 <a:spcPct val="100000"/>
               </a:lnSpc>
               <a:buNone/>
+              <a:tabLst>
+                <a:tab algn="l" pos="0"/>
+              </a:tabLst>
               <a:defRPr b="0" lang="en-US" sz="5760" strike="noStrike" u="none">
                 <a:solidFill>
                   <a:schemeClr val="dk1">
@@ -824,8 +796,11 @@
                 <a:spcPct val="100000"/>
               </a:lnSpc>
               <a:buNone/>
-            </a:pPr>
-            <a:fld id="{B6CC4385-C6B2-4427-8590-1C710FB04751}" type="slidenum">
+              <a:tabLst>
+                <a:tab algn="l" pos="0"/>
+              </a:tabLst>
+            </a:pPr>
+            <a:fld id="{51AA141D-342E-4F72-9A80-AA813862D42A}" type="slidenum">
               <a:rPr b="0" lang="en-US" sz="5760" strike="noStrike" u="none">
                 <a:solidFill>
                   <a:schemeClr val="dk1">
@@ -856,7 +831,7 @@
 
 <file path=ppt/slideLayouts/slideLayout10.xml><?xml version="1.0" encoding="utf-8"?>
 <p:sldLayout xmlns:a="http://schemas.openxmlformats.org/drawingml/2006/main" xmlns:p="http://schemas.openxmlformats.org/presentationml/2006/main" xmlns:r="http://schemas.openxmlformats.org/officeDocument/2006/relationships" xmlns:p14="http://schemas.microsoft.com/office/powerpoint/2010/main" xmlns:p15="http://schemas.microsoft.com/office/powerpoint/2012/main" xmlns:mc="http://schemas.openxmlformats.org/markup-compatibility/2006" type="blank" preserve="1">
-  <p:cSld name="Content with Caption">
+  <p:cSld name="Comparison">
     <p:bg>
       <p:bgPr>
         <a:solidFill>
@@ -890,8 +865,8 @@
         </p:nvSpPr>
         <p:spPr>
           <a:xfrm>
-            <a:off x="3023280" y="2194560"/>
-            <a:ext cx="14155560" cy="7680600"/>
+            <a:off x="3023280" y="1752480"/>
+            <a:ext cx="37855440" cy="6361920"/>
           </a:xfrm>
           <a:prstGeom prst="rect">
             <a:avLst/>
@@ -902,7 +877,7 @@
           </a:ln>
         </p:spPr>
         <p:txBody>
-          <a:bodyPr lIns="91440" rIns="91440" tIns="45720" bIns="45720" anchor="b">
+          <a:bodyPr lIns="91440" rIns="91440" tIns="45720" bIns="45720" anchor="ctr">
             <a:noAutofit/>
           </a:bodyPr>
           <a:p>
@@ -911,9 +886,12 @@
                 <a:spcPct val="90000"/>
               </a:lnSpc>
               <a:buNone/>
+              <a:tabLst>
+                <a:tab algn="l" pos="0"/>
+              </a:tabLst>
             </a:pPr>
             <a:r>
-              <a:rPr b="0" lang="en-US" sz="15360" strike="noStrike" u="none">
+              <a:rPr b="0" lang="en-US" sz="21120" strike="noStrike" u="none">
                 <a:solidFill>
                   <a:schemeClr val="dk1"/>
                 </a:solidFill>
@@ -923,13 +901,13 @@
               </a:rPr>
               <a:t>Click to edit Master title style</a:t>
             </a:r>
-            <a:endParaRPr b="0" lang="en-US" sz="15360" strike="noStrike" u="none">
-              <a:solidFill>
-                <a:schemeClr val="dk1"/>
-              </a:solidFill>
-              <a:effectLst/>
-              <a:uFillTx/>
-              <a:latin typeface="Aptos"/>
+            <a:endParaRPr b="0" lang="en-US" sz="21120" strike="noStrike" u="none">
+              <a:solidFill>
+                <a:srgbClr val="000000"/>
+              </a:solidFill>
+              <a:effectLst/>
+              <a:uFillTx/>
+              <a:latin typeface="Arial"/>
             </a:endParaRPr>
           </a:p>
         </p:txBody>
@@ -946,8 +924,8 @@
         </p:nvSpPr>
         <p:spPr>
           <a:xfrm>
-            <a:off x="18659520" y="4739760"/>
-            <a:ext cx="22219560" cy="23393160"/>
+            <a:off x="3023280" y="8069760"/>
+            <a:ext cx="18567360" cy="3953880"/>
           </a:xfrm>
           <a:prstGeom prst="rect">
             <a:avLst/>
@@ -958,25 +936,24 @@
           </a:ln>
         </p:spPr>
         <p:txBody>
-          <a:bodyPr lIns="91440" rIns="91440" tIns="45720" bIns="45720" anchor="t">
+          <a:bodyPr lIns="91440" rIns="91440" tIns="45720" bIns="45720" anchor="b">
             <a:noAutofit/>
           </a:bodyPr>
           <a:p>
-            <a:pPr marL="1097280" indent="-1097280" defTabSz="4389120">
+            <a:pPr indent="0" defTabSz="4389120">
               <a:lnSpc>
                 <a:spcPct val="90000"/>
               </a:lnSpc>
               <a:spcBef>
                 <a:spcPts val="4799"/>
               </a:spcBef>
-              <a:buClr>
-                <a:srgbClr val="000000"/>
-              </a:buClr>
-              <a:buFont typeface="Arial"/>
-              <a:buChar char="•"/>
+              <a:buNone/>
+              <a:tabLst>
+                <a:tab algn="l" pos="0"/>
+              </a:tabLst>
             </a:pPr>
             <a:r>
-              <a:rPr b="0" lang="en-US" sz="15360" strike="noStrike" u="none">
+              <a:rPr b="1" lang="en-US" sz="11520" strike="noStrike" u="none">
                 <a:solidFill>
                   <a:schemeClr val="dk1"/>
                 </a:solidFill>
@@ -986,149 +963,13 @@
               </a:rPr>
               <a:t>Click to edit Master text styles</a:t>
             </a:r>
-            <a:endParaRPr b="0" lang="en-US" sz="15360" strike="noStrike" u="none">
-              <a:solidFill>
-                <a:schemeClr val="dk1"/>
-              </a:solidFill>
-              <a:effectLst/>
-              <a:uFillTx/>
-              <a:latin typeface="Aptos"/>
-            </a:endParaRPr>
-          </a:p>
-          <a:p>
-            <a:pPr lvl="1" marL="3291840" indent="-1097280" defTabSz="4389120">
-              <a:lnSpc>
-                <a:spcPct val="90000"/>
-              </a:lnSpc>
-              <a:spcBef>
-                <a:spcPts val="2401"/>
-              </a:spcBef>
-              <a:buClr>
-                <a:srgbClr val="000000"/>
-              </a:buClr>
-              <a:buFont typeface="Arial"/>
-              <a:buChar char="•"/>
-            </a:pPr>
-            <a:r>
-              <a:rPr b="0" lang="en-US" sz="13439" strike="noStrike" u="none">
-                <a:solidFill>
-                  <a:schemeClr val="dk1"/>
-                </a:solidFill>
-                <a:effectLst/>
-                <a:uFillTx/>
-                <a:latin typeface="Aptos"/>
-              </a:rPr>
-              <a:t>Second level</a:t>
-            </a:r>
-            <a:endParaRPr b="0" lang="en-US" sz="13439" strike="noStrike" u="none">
-              <a:solidFill>
-                <a:schemeClr val="dk1"/>
-              </a:solidFill>
-              <a:effectLst/>
-              <a:uFillTx/>
-              <a:latin typeface="Aptos"/>
-            </a:endParaRPr>
-          </a:p>
-          <a:p>
-            <a:pPr lvl="2" marL="5486400" indent="-1097280" defTabSz="4389120">
-              <a:lnSpc>
-                <a:spcPct val="90000"/>
-              </a:lnSpc>
-              <a:spcBef>
-                <a:spcPts val="2401"/>
-              </a:spcBef>
-              <a:buClr>
-                <a:srgbClr val="000000"/>
-              </a:buClr>
-              <a:buFont typeface="Arial"/>
-              <a:buChar char="•"/>
-            </a:pPr>
-            <a:r>
-              <a:rPr b="0" lang="en-US" sz="11520" strike="noStrike" u="none">
-                <a:solidFill>
-                  <a:schemeClr val="dk1"/>
-                </a:solidFill>
-                <a:effectLst/>
-                <a:uFillTx/>
-                <a:latin typeface="Aptos"/>
-              </a:rPr>
-              <a:t>Third level</a:t>
-            </a:r>
             <a:endParaRPr b="0" lang="en-US" sz="11520" strike="noStrike" u="none">
               <a:solidFill>
-                <a:schemeClr val="dk1"/>
-              </a:solidFill>
-              <a:effectLst/>
-              <a:uFillTx/>
-              <a:latin typeface="Aptos"/>
-            </a:endParaRPr>
-          </a:p>
-          <a:p>
-            <a:pPr lvl="3" marL="7680960" indent="-1097280" defTabSz="4389120">
-              <a:lnSpc>
-                <a:spcPct val="90000"/>
-              </a:lnSpc>
-              <a:spcBef>
-                <a:spcPts val="2401"/>
-              </a:spcBef>
-              <a:buClr>
-                <a:srgbClr val="000000"/>
-              </a:buClr>
-              <a:buFont typeface="Arial"/>
-              <a:buChar char="•"/>
-            </a:pPr>
-            <a:r>
-              <a:rPr b="0" lang="en-US" sz="9600" strike="noStrike" u="none">
-                <a:solidFill>
-                  <a:schemeClr val="dk1"/>
-                </a:solidFill>
-                <a:effectLst/>
-                <a:uFillTx/>
-                <a:latin typeface="Aptos"/>
-              </a:rPr>
-              <a:t>Fourth level</a:t>
-            </a:r>
-            <a:endParaRPr b="0" lang="en-US" sz="9600" strike="noStrike" u="none">
-              <a:solidFill>
-                <a:schemeClr val="dk1"/>
-              </a:solidFill>
-              <a:effectLst/>
-              <a:uFillTx/>
-              <a:latin typeface="Aptos"/>
-            </a:endParaRPr>
-          </a:p>
-          <a:p>
-            <a:pPr lvl="4" marL="9875520" indent="-1097280" defTabSz="4389120">
-              <a:lnSpc>
-                <a:spcPct val="90000"/>
-              </a:lnSpc>
-              <a:spcBef>
-                <a:spcPts val="2401"/>
-              </a:spcBef>
-              <a:buClr>
-                <a:srgbClr val="000000"/>
-              </a:buClr>
-              <a:buFont typeface="Arial"/>
-              <a:buChar char="•"/>
-            </a:pPr>
-            <a:r>
-              <a:rPr b="0" lang="en-US" sz="9600" strike="noStrike" u="none">
-                <a:solidFill>
-                  <a:schemeClr val="dk1"/>
-                </a:solidFill>
-                <a:effectLst/>
-                <a:uFillTx/>
-                <a:latin typeface="Aptos"/>
-              </a:rPr>
-              <a:t>Fifth level</a:t>
-            </a:r>
-            <a:endParaRPr b="0" lang="en-US" sz="9600" strike="noStrike" u="none">
-              <a:solidFill>
-                <a:schemeClr val="dk1"/>
-              </a:solidFill>
-              <a:effectLst/>
-              <a:uFillTx/>
-              <a:latin typeface="Aptos"/>
+                <a:srgbClr val="000000"/>
+              </a:solidFill>
+              <a:effectLst/>
+              <a:uFillTx/>
+              <a:latin typeface="Arial"/>
             </a:endParaRPr>
           </a:p>
         </p:txBody>
@@ -1145,8 +986,8 @@
         </p:nvSpPr>
         <p:spPr>
           <a:xfrm>
-            <a:off x="3023280" y="9875520"/>
-            <a:ext cx="14155560" cy="18295200"/>
+            <a:off x="3023280" y="12024360"/>
+            <a:ext cx="18567360" cy="17685360"/>
           </a:xfrm>
           <a:prstGeom prst="rect">
             <a:avLst/>
@@ -1161,20 +1002,21 @@
             <a:noAutofit/>
           </a:bodyPr>
           <a:p>
-            <a:pPr indent="0" defTabSz="4389120">
+            <a:pPr marL="1097280" indent="-1097280" defTabSz="4389120">
               <a:lnSpc>
                 <a:spcPct val="90000"/>
               </a:lnSpc>
               <a:spcBef>
                 <a:spcPts val="4799"/>
               </a:spcBef>
-              <a:buNone/>
-              <a:tabLst>
-                <a:tab algn="l" pos="0"/>
-              </a:tabLst>
+              <a:buClr>
+                <a:srgbClr val="000000"/>
+              </a:buClr>
+              <a:buFont typeface="Arial"/>
+              <a:buChar char="•"/>
             </a:pPr>
             <a:r>
-              <a:rPr b="0" lang="en-US" sz="7680" strike="noStrike" u="none">
+              <a:rPr b="0" lang="en-US" sz="13439" strike="noStrike" u="none">
                 <a:solidFill>
                   <a:schemeClr val="dk1"/>
                 </a:solidFill>
@@ -1184,13 +1026,149 @@
               </a:rPr>
               <a:t>Click to edit Master text styles</a:t>
             </a:r>
-            <a:endParaRPr b="0" lang="en-US" sz="7680" strike="noStrike" u="none">
-              <a:solidFill>
-                <a:schemeClr val="dk1"/>
-              </a:solidFill>
-              <a:effectLst/>
-              <a:uFillTx/>
-              <a:latin typeface="Aptos"/>
+            <a:endParaRPr b="0" lang="en-US" sz="13439" strike="noStrike" u="none">
+              <a:solidFill>
+                <a:srgbClr val="000000"/>
+              </a:solidFill>
+              <a:effectLst/>
+              <a:uFillTx/>
+              <a:latin typeface="Arial"/>
+            </a:endParaRPr>
+          </a:p>
+          <a:p>
+            <a:pPr lvl="1" marL="3291840" indent="-1097280" defTabSz="4389120">
+              <a:lnSpc>
+                <a:spcPct val="90000"/>
+              </a:lnSpc>
+              <a:spcBef>
+                <a:spcPts val="2401"/>
+              </a:spcBef>
+              <a:buClr>
+                <a:srgbClr val="000000"/>
+              </a:buClr>
+              <a:buFont typeface="Arial"/>
+              <a:buChar char="•"/>
+            </a:pPr>
+            <a:r>
+              <a:rPr b="0" lang="en-US" sz="11520" strike="noStrike" u="none">
+                <a:solidFill>
+                  <a:schemeClr val="dk1"/>
+                </a:solidFill>
+                <a:effectLst/>
+                <a:uFillTx/>
+                <a:latin typeface="Aptos"/>
+              </a:rPr>
+              <a:t>Second level</a:t>
+            </a:r>
+            <a:endParaRPr b="0" lang="en-US" sz="11520" strike="noStrike" u="none">
+              <a:solidFill>
+                <a:srgbClr val="000000"/>
+              </a:solidFill>
+              <a:effectLst/>
+              <a:uFillTx/>
+              <a:latin typeface="Arial"/>
+            </a:endParaRPr>
+          </a:p>
+          <a:p>
+            <a:pPr lvl="2" marL="5486400" indent="-1097280" defTabSz="4389120">
+              <a:lnSpc>
+                <a:spcPct val="90000"/>
+              </a:lnSpc>
+              <a:spcBef>
+                <a:spcPts val="2401"/>
+              </a:spcBef>
+              <a:buClr>
+                <a:srgbClr val="000000"/>
+              </a:buClr>
+              <a:buFont typeface="Arial"/>
+              <a:buChar char="•"/>
+            </a:pPr>
+            <a:r>
+              <a:rPr b="0" lang="en-US" sz="9600" strike="noStrike" u="none">
+                <a:solidFill>
+                  <a:schemeClr val="dk1"/>
+                </a:solidFill>
+                <a:effectLst/>
+                <a:uFillTx/>
+                <a:latin typeface="Aptos"/>
+              </a:rPr>
+              <a:t>Third level</a:t>
+            </a:r>
+            <a:endParaRPr b="0" lang="en-US" sz="9600" strike="noStrike" u="none">
+              <a:solidFill>
+                <a:srgbClr val="000000"/>
+              </a:solidFill>
+              <a:effectLst/>
+              <a:uFillTx/>
+              <a:latin typeface="Arial"/>
+            </a:endParaRPr>
+          </a:p>
+          <a:p>
+            <a:pPr lvl="3" marL="7680960" indent="-1097280" defTabSz="4389120">
+              <a:lnSpc>
+                <a:spcPct val="90000"/>
+              </a:lnSpc>
+              <a:spcBef>
+                <a:spcPts val="2401"/>
+              </a:spcBef>
+              <a:buClr>
+                <a:srgbClr val="000000"/>
+              </a:buClr>
+              <a:buFont typeface="Arial"/>
+              <a:buChar char="•"/>
+            </a:pPr>
+            <a:r>
+              <a:rPr b="0" lang="en-US" sz="8640" strike="noStrike" u="none">
+                <a:solidFill>
+                  <a:schemeClr val="dk1"/>
+                </a:solidFill>
+                <a:effectLst/>
+                <a:uFillTx/>
+                <a:latin typeface="Aptos"/>
+              </a:rPr>
+              <a:t>Fourth level</a:t>
+            </a:r>
+            <a:endParaRPr b="0" lang="en-US" sz="8640" strike="noStrike" u="none">
+              <a:solidFill>
+                <a:srgbClr val="000000"/>
+              </a:solidFill>
+              <a:effectLst/>
+              <a:uFillTx/>
+              <a:latin typeface="Arial"/>
+            </a:endParaRPr>
+          </a:p>
+          <a:p>
+            <a:pPr lvl="4" marL="9875520" indent="-1097280" defTabSz="4389120">
+              <a:lnSpc>
+                <a:spcPct val="90000"/>
+              </a:lnSpc>
+              <a:spcBef>
+                <a:spcPts val="2401"/>
+              </a:spcBef>
+              <a:buClr>
+                <a:srgbClr val="000000"/>
+              </a:buClr>
+              <a:buFont typeface="Arial"/>
+              <a:buChar char="•"/>
+            </a:pPr>
+            <a:r>
+              <a:rPr b="0" lang="en-US" sz="8640" strike="noStrike" u="none">
+                <a:solidFill>
+                  <a:schemeClr val="dk1"/>
+                </a:solidFill>
+                <a:effectLst/>
+                <a:uFillTx/>
+                <a:latin typeface="Aptos"/>
+              </a:rPr>
+              <a:t>Fifth level</a:t>
+            </a:r>
+            <a:endParaRPr b="0" lang="en-US" sz="8640" strike="noStrike" u="none">
+              <a:solidFill>
+                <a:srgbClr val="000000"/>
+              </a:solidFill>
+              <a:effectLst/>
+              <a:uFillTx/>
+              <a:latin typeface="Arial"/>
             </a:endParaRPr>
           </a:p>
         </p:txBody>
@@ -1198,6 +1176,267 @@
       <p:sp>
         <p:nvSpPr>
           <p:cNvPr id="48" name="PlaceHolder 4"/>
+          <p:cNvSpPr>
+            <a:spLocks noGrp="1"/>
+          </p:cNvSpPr>
+          <p:nvPr>
+            <p:ph type="body"/>
+          </p:nvPr>
+        </p:nvSpPr>
+        <p:spPr>
+          <a:xfrm>
+            <a:off x="22219920" y="8069760"/>
+            <a:ext cx="18658800" cy="3953880"/>
+          </a:xfrm>
+          <a:prstGeom prst="rect">
+            <a:avLst/>
+          </a:prstGeom>
+          <a:noFill/>
+          <a:ln w="0">
+            <a:noFill/>
+          </a:ln>
+        </p:spPr>
+        <p:txBody>
+          <a:bodyPr lIns="91440" rIns="91440" tIns="45720" bIns="45720" anchor="b">
+            <a:noAutofit/>
+          </a:bodyPr>
+          <a:p>
+            <a:pPr indent="0" defTabSz="4389120">
+              <a:lnSpc>
+                <a:spcPct val="90000"/>
+              </a:lnSpc>
+              <a:spcBef>
+                <a:spcPts val="4799"/>
+              </a:spcBef>
+              <a:buNone/>
+              <a:tabLst>
+                <a:tab algn="l" pos="0"/>
+              </a:tabLst>
+            </a:pPr>
+            <a:r>
+              <a:rPr b="1" lang="en-US" sz="11520" strike="noStrike" u="none">
+                <a:solidFill>
+                  <a:schemeClr val="dk1"/>
+                </a:solidFill>
+                <a:effectLst/>
+                <a:uFillTx/>
+                <a:latin typeface="Aptos"/>
+              </a:rPr>
+              <a:t>Click to edit Master text styles</a:t>
+            </a:r>
+            <a:endParaRPr b="0" lang="en-US" sz="11520" strike="noStrike" u="none">
+              <a:solidFill>
+                <a:srgbClr val="000000"/>
+              </a:solidFill>
+              <a:effectLst/>
+              <a:uFillTx/>
+              <a:latin typeface="Arial"/>
+            </a:endParaRPr>
+          </a:p>
+        </p:txBody>
+      </p:sp>
+      <p:sp>
+        <p:nvSpPr>
+          <p:cNvPr id="49" name="PlaceHolder 5"/>
+          <p:cNvSpPr>
+            <a:spLocks noGrp="1"/>
+          </p:cNvSpPr>
+          <p:nvPr>
+            <p:ph type="body"/>
+          </p:nvPr>
+        </p:nvSpPr>
+        <p:spPr>
+          <a:xfrm>
+            <a:off x="22219920" y="12024360"/>
+            <a:ext cx="18658800" cy="17685360"/>
+          </a:xfrm>
+          <a:prstGeom prst="rect">
+            <a:avLst/>
+          </a:prstGeom>
+          <a:noFill/>
+          <a:ln w="0">
+            <a:noFill/>
+          </a:ln>
+        </p:spPr>
+        <p:txBody>
+          <a:bodyPr lIns="91440" rIns="91440" tIns="45720" bIns="45720" anchor="t">
+            <a:noAutofit/>
+          </a:bodyPr>
+          <a:p>
+            <a:pPr marL="1097280" indent="-1097280" defTabSz="4389120">
+              <a:lnSpc>
+                <a:spcPct val="90000"/>
+              </a:lnSpc>
+              <a:spcBef>
+                <a:spcPts val="4799"/>
+              </a:spcBef>
+              <a:buClr>
+                <a:srgbClr val="000000"/>
+              </a:buClr>
+              <a:buFont typeface="Arial"/>
+              <a:buChar char="•"/>
+            </a:pPr>
+            <a:r>
+              <a:rPr b="0" lang="en-US" sz="13439" strike="noStrike" u="none">
+                <a:solidFill>
+                  <a:schemeClr val="dk1"/>
+                </a:solidFill>
+                <a:effectLst/>
+                <a:uFillTx/>
+                <a:latin typeface="Aptos"/>
+              </a:rPr>
+              <a:t>Click to edit Master text styles</a:t>
+            </a:r>
+            <a:endParaRPr b="0" lang="en-US" sz="13439" strike="noStrike" u="none">
+              <a:solidFill>
+                <a:srgbClr val="000000"/>
+              </a:solidFill>
+              <a:effectLst/>
+              <a:uFillTx/>
+              <a:latin typeface="Arial"/>
+            </a:endParaRPr>
+          </a:p>
+          <a:p>
+            <a:pPr lvl="1" marL="3291840" indent="-1097280" defTabSz="4389120">
+              <a:lnSpc>
+                <a:spcPct val="90000"/>
+              </a:lnSpc>
+              <a:spcBef>
+                <a:spcPts val="2401"/>
+              </a:spcBef>
+              <a:buClr>
+                <a:srgbClr val="000000"/>
+              </a:buClr>
+              <a:buFont typeface="Arial"/>
+              <a:buChar char="•"/>
+            </a:pPr>
+            <a:r>
+              <a:rPr b="0" lang="en-US" sz="11520" strike="noStrike" u="none">
+                <a:solidFill>
+                  <a:schemeClr val="dk1"/>
+                </a:solidFill>
+                <a:effectLst/>
+                <a:uFillTx/>
+                <a:latin typeface="Aptos"/>
+              </a:rPr>
+              <a:t>Second level</a:t>
+            </a:r>
+            <a:endParaRPr b="0" lang="en-US" sz="11520" strike="noStrike" u="none">
+              <a:solidFill>
+                <a:srgbClr val="000000"/>
+              </a:solidFill>
+              <a:effectLst/>
+              <a:uFillTx/>
+              <a:latin typeface="Arial"/>
+            </a:endParaRPr>
+          </a:p>
+          <a:p>
+            <a:pPr lvl="2" marL="5486400" indent="-1097280" defTabSz="4389120">
+              <a:lnSpc>
+                <a:spcPct val="90000"/>
+              </a:lnSpc>
+              <a:spcBef>
+                <a:spcPts val="2401"/>
+              </a:spcBef>
+              <a:buClr>
+                <a:srgbClr val="000000"/>
+              </a:buClr>
+              <a:buFont typeface="Arial"/>
+              <a:buChar char="•"/>
+            </a:pPr>
+            <a:r>
+              <a:rPr b="0" lang="en-US" sz="9600" strike="noStrike" u="none">
+                <a:solidFill>
+                  <a:schemeClr val="dk1"/>
+                </a:solidFill>
+                <a:effectLst/>
+                <a:uFillTx/>
+                <a:latin typeface="Aptos"/>
+              </a:rPr>
+              <a:t>Third level</a:t>
+            </a:r>
+            <a:endParaRPr b="0" lang="en-US" sz="9600" strike="noStrike" u="none">
+              <a:solidFill>
+                <a:srgbClr val="000000"/>
+              </a:solidFill>
+              <a:effectLst/>
+              <a:uFillTx/>
+              <a:latin typeface="Arial"/>
+            </a:endParaRPr>
+          </a:p>
+          <a:p>
+            <a:pPr lvl="3" marL="7680960" indent="-1097280" defTabSz="4389120">
+              <a:lnSpc>
+                <a:spcPct val="90000"/>
+              </a:lnSpc>
+              <a:spcBef>
+                <a:spcPts val="2401"/>
+              </a:spcBef>
+              <a:buClr>
+                <a:srgbClr val="000000"/>
+              </a:buClr>
+              <a:buFont typeface="Arial"/>
+              <a:buChar char="•"/>
+            </a:pPr>
+            <a:r>
+              <a:rPr b="0" lang="en-US" sz="8640" strike="noStrike" u="none">
+                <a:solidFill>
+                  <a:schemeClr val="dk1"/>
+                </a:solidFill>
+                <a:effectLst/>
+                <a:uFillTx/>
+                <a:latin typeface="Aptos"/>
+              </a:rPr>
+              <a:t>Fourth level</a:t>
+            </a:r>
+            <a:endParaRPr b="0" lang="en-US" sz="8640" strike="noStrike" u="none">
+              <a:solidFill>
+                <a:srgbClr val="000000"/>
+              </a:solidFill>
+              <a:effectLst/>
+              <a:uFillTx/>
+              <a:latin typeface="Arial"/>
+            </a:endParaRPr>
+          </a:p>
+          <a:p>
+            <a:pPr lvl="4" marL="9875520" indent="-1097280" defTabSz="4389120">
+              <a:lnSpc>
+                <a:spcPct val="90000"/>
+              </a:lnSpc>
+              <a:spcBef>
+                <a:spcPts val="2401"/>
+              </a:spcBef>
+              <a:buClr>
+                <a:srgbClr val="000000"/>
+              </a:buClr>
+              <a:buFont typeface="Arial"/>
+              <a:buChar char="•"/>
+            </a:pPr>
+            <a:r>
+              <a:rPr b="0" lang="en-US" sz="8640" strike="noStrike" u="none">
+                <a:solidFill>
+                  <a:schemeClr val="dk1"/>
+                </a:solidFill>
+                <a:effectLst/>
+                <a:uFillTx/>
+                <a:latin typeface="Aptos"/>
+              </a:rPr>
+              <a:t>Fifth level</a:t>
+            </a:r>
+            <a:endParaRPr b="0" lang="en-US" sz="8640" strike="noStrike" u="none">
+              <a:solidFill>
+                <a:srgbClr val="000000"/>
+              </a:solidFill>
+              <a:effectLst/>
+              <a:uFillTx/>
+              <a:latin typeface="Arial"/>
+            </a:endParaRPr>
+          </a:p>
+        </p:txBody>
+      </p:sp>
+      <p:sp>
+        <p:nvSpPr>
+          <p:cNvPr id="50" name="PlaceHolder 6"/>
           <p:cNvSpPr>
             <a:spLocks noGrp="1"/>
           </p:cNvSpPr>
@@ -1208,7 +1447,7 @@
         <p:spPr>
           <a:xfrm>
             <a:off x="3017520" y="30510360"/>
-            <a:ext cx="9875160" cy="1752120"/>
+            <a:ext cx="9874800" cy="1751760"/>
           </a:xfrm>
           <a:prstGeom prst="rect">
             <a:avLst/>
@@ -1228,6 +1467,9 @@
                 <a:spcPct val="100000"/>
               </a:lnSpc>
               <a:buNone/>
+              <a:tabLst>
+                <a:tab algn="l" pos="0"/>
+              </a:tabLst>
               <a:defRPr b="0" lang="en-US" sz="5760" strike="noStrike" u="none">
                 <a:solidFill>
                   <a:schemeClr val="dk1">
@@ -1246,6 +1488,9 @@
                 <a:spcPct val="100000"/>
               </a:lnSpc>
               <a:buNone/>
+              <a:tabLst>
+                <a:tab algn="l" pos="0"/>
+              </a:tabLst>
             </a:pPr>
             <a:r>
               <a:rPr b="0" lang="en-US" sz="5760" strike="noStrike" u="none">
@@ -1273,7 +1518,7 @@
       </p:sp>
       <p:sp>
         <p:nvSpPr>
-          <p:cNvPr id="49" name="PlaceHolder 5"/>
+          <p:cNvPr id="51" name="PlaceHolder 7"/>
           <p:cNvSpPr>
             <a:spLocks noGrp="1"/>
           </p:cNvSpPr>
@@ -1284,7 +1529,7 @@
         <p:spPr>
           <a:xfrm>
             <a:off x="14538960" y="30510360"/>
-            <a:ext cx="14812920" cy="1752120"/>
+            <a:ext cx="14812560" cy="1751760"/>
           </a:xfrm>
           <a:prstGeom prst="rect">
             <a:avLst/>
@@ -1300,7 +1545,13 @@
           </a:bodyPr>
           <a:lstStyle>
             <a:lvl1pPr indent="0" algn="ctr">
-              <a:buNone/>
+              <a:lnSpc>
+                <a:spcPct val="100000"/>
+              </a:lnSpc>
+              <a:buNone/>
+              <a:tabLst>
+                <a:tab algn="l" pos="0"/>
+              </a:tabLst>
               <a:defRPr b="0" lang="en-US" sz="1400" strike="noStrike" u="none">
                 <a:solidFill>
                   <a:srgbClr val="000000"/>
@@ -1313,7 +1564,13 @@
           </a:lstStyle>
           <a:p>
             <a:pPr indent="0" algn="ctr">
-              <a:buNone/>
+              <a:lnSpc>
+                <a:spcPct val="100000"/>
+              </a:lnSpc>
+              <a:buNone/>
+              <a:tabLst>
+                <a:tab algn="l" pos="0"/>
+              </a:tabLst>
             </a:pPr>
             <a:r>
               <a:rPr b="0" lang="en-US" sz="1400" strike="noStrike" u="none">
@@ -1339,7 +1596,7 @@
       </p:sp>
       <p:sp>
         <p:nvSpPr>
-          <p:cNvPr id="50" name="PlaceHolder 6"/>
+          <p:cNvPr id="52" name="PlaceHolder 8"/>
           <p:cNvSpPr>
             <a:spLocks noGrp="1"/>
           </p:cNvSpPr>
@@ -1350,7 +1607,7 @@
         <p:spPr>
           <a:xfrm>
             <a:off x="30998160" y="30510360"/>
-            <a:ext cx="9875160" cy="1752120"/>
+            <a:ext cx="9874800" cy="1751760"/>
           </a:xfrm>
           <a:prstGeom prst="rect">
             <a:avLst/>
@@ -1370,6 +1627,9 @@
                 <a:spcPct val="100000"/>
               </a:lnSpc>
               <a:buNone/>
+              <a:tabLst>
+                <a:tab algn="l" pos="0"/>
+              </a:tabLst>
               <a:defRPr b="0" lang="en-US" sz="5760" strike="noStrike" u="none">
                 <a:solidFill>
                   <a:schemeClr val="dk1">
@@ -1388,8 +1648,11 @@
                 <a:spcPct val="100000"/>
               </a:lnSpc>
               <a:buNone/>
-            </a:pPr>
-            <a:fld id="{B06CE0C3-8B36-41A8-A2E6-AF876F2CFB26}" type="slidenum">
+              <a:tabLst>
+                <a:tab algn="l" pos="0"/>
+              </a:tabLst>
+            </a:pPr>
+            <a:fld id="{027556E5-9DC8-4EB8-98A6-7E6FDB9E6604}" type="slidenum">
               <a:rPr b="0" lang="en-US" sz="5760" strike="noStrike" u="none">
                 <a:solidFill>
                   <a:schemeClr val="dk1">
@@ -1419,8 +1682,8 @@
 </file>
 
 <file path=ppt/slideLayouts/slideLayout11.xml><?xml version="1.0" encoding="utf-8"?>
-<p:sldLayout xmlns:a="http://schemas.openxmlformats.org/drawingml/2006/main" xmlns:p="http://schemas.openxmlformats.org/presentationml/2006/main" xmlns:r="http://schemas.openxmlformats.org/officeDocument/2006/relationships" xmlns:p14="http://schemas.microsoft.com/office/powerpoint/2010/main" xmlns:p15="http://schemas.microsoft.com/office/powerpoint/2012/main" xmlns:mc="http://schemas.openxmlformats.org/markup-compatibility/2006" type="blank" preserve="1">
-  <p:cSld name="Picture with Caption">
+<p:sldLayout xmlns:a="http://schemas.openxmlformats.org/drawingml/2006/main" xmlns:p="http://schemas.openxmlformats.org/presentationml/2006/main" xmlns:r="http://schemas.openxmlformats.org/officeDocument/2006/relationships" xmlns:p14="http://schemas.microsoft.com/office/powerpoint/2010/main" xmlns:p15="http://schemas.microsoft.com/office/powerpoint/2012/main" xmlns:mc="http://schemas.openxmlformats.org/markup-compatibility/2006" type="titleOnly" preserve="1">
+  <p:cSld name="Title Only">
     <p:bg>
       <p:bgPr>
         <a:solidFill>
@@ -1444,7 +1707,7 @@
       </p:grpSpPr>
       <p:sp>
         <p:nvSpPr>
-          <p:cNvPr id="51" name="PlaceHolder 1"/>
+          <p:cNvPr id="53" name="PlaceHolder 1"/>
           <p:cNvSpPr>
             <a:spLocks noGrp="1"/>
           </p:cNvSpPr>
@@ -1454,8 +1717,8 @@
         </p:nvSpPr>
         <p:spPr>
           <a:xfrm>
-            <a:off x="3023280" y="2194560"/>
-            <a:ext cx="14155560" cy="7680600"/>
+            <a:off x="3017520" y="1752480"/>
+            <a:ext cx="37855440" cy="6361920"/>
           </a:xfrm>
           <a:prstGeom prst="rect">
             <a:avLst/>
@@ -1466,7 +1729,7 @@
           </a:ln>
         </p:spPr>
         <p:txBody>
-          <a:bodyPr lIns="91440" rIns="91440" tIns="45720" bIns="45720" anchor="b">
+          <a:bodyPr lIns="91440" rIns="91440" tIns="45720" bIns="45720" anchor="ctr">
             <a:noAutofit/>
           </a:bodyPr>
           <a:p>
@@ -1475,9 +1738,12 @@
                 <a:spcPct val="90000"/>
               </a:lnSpc>
               <a:buNone/>
+              <a:tabLst>
+                <a:tab algn="l" pos="0"/>
+              </a:tabLst>
             </a:pPr>
             <a:r>
-              <a:rPr b="0" lang="en-US" sz="15360" strike="noStrike" u="none">
+              <a:rPr b="0" lang="en-US" sz="21120" strike="noStrike" u="none">
                 <a:solidFill>
                   <a:schemeClr val="dk1"/>
                 </a:solidFill>
@@ -1487,141 +1753,20 @@
               </a:rPr>
               <a:t>Click to edit Master title style</a:t>
             </a:r>
-            <a:endParaRPr b="0" lang="en-US" sz="15360" strike="noStrike" u="none">
-              <a:solidFill>
-                <a:schemeClr val="dk1"/>
-              </a:solidFill>
-              <a:effectLst/>
-              <a:uFillTx/>
-              <a:latin typeface="Aptos"/>
+            <a:endParaRPr b="0" lang="en-US" sz="21120" strike="noStrike" u="none">
+              <a:solidFill>
+                <a:srgbClr val="000000"/>
+              </a:solidFill>
+              <a:effectLst/>
+              <a:uFillTx/>
+              <a:latin typeface="Arial"/>
             </a:endParaRPr>
           </a:p>
         </p:txBody>
       </p:sp>
       <p:sp>
         <p:nvSpPr>
-          <p:cNvPr id="52" name="PlaceHolder 2"/>
-          <p:cNvSpPr>
-            <a:spLocks noGrp="1"/>
-          </p:cNvSpPr>
-          <p:nvPr>
-            <p:ph type="body"/>
-          </p:nvPr>
-        </p:nvSpPr>
-        <p:spPr>
-          <a:xfrm>
-            <a:off x="18659520" y="4739760"/>
-            <a:ext cx="22219560" cy="23393160"/>
-          </a:xfrm>
-          <a:prstGeom prst="rect">
-            <a:avLst/>
-          </a:prstGeom>
-          <a:noFill/>
-          <a:ln w="0">
-            <a:noFill/>
-          </a:ln>
-        </p:spPr>
-        <p:txBody>
-          <a:bodyPr lIns="90000" rIns="90000" tIns="45000" bIns="45000" anchor="t">
-            <a:noAutofit/>
-          </a:bodyPr>
-          <a:p>
-            <a:pPr indent="0" defTabSz="457200">
-              <a:lnSpc>
-                <a:spcPct val="100000"/>
-              </a:lnSpc>
-              <a:buNone/>
-              <a:tabLst>
-                <a:tab algn="l" pos="0"/>
-              </a:tabLst>
-            </a:pPr>
-            <a:r>
-              <a:rPr b="0" lang="en-US" sz="15360" strike="noStrike" u="none">
-                <a:solidFill>
-                  <a:schemeClr val="dk1"/>
-                </a:solidFill>
-                <a:effectLst/>
-                <a:uFillTx/>
-                <a:latin typeface="Aptos"/>
-              </a:rPr>
-              <a:t>Click icon to add picture</a:t>
-            </a:r>
-            <a:endParaRPr b="0" lang="en-US" sz="15360" strike="noStrike" u="none">
-              <a:solidFill>
-                <a:schemeClr val="dk1"/>
-              </a:solidFill>
-              <a:effectLst/>
-              <a:uFillTx/>
-              <a:latin typeface="Aptos"/>
-            </a:endParaRPr>
-          </a:p>
-        </p:txBody>
-      </p:sp>
-      <p:sp>
-        <p:nvSpPr>
-          <p:cNvPr id="53" name="PlaceHolder 3"/>
-          <p:cNvSpPr>
-            <a:spLocks noGrp="1"/>
-          </p:cNvSpPr>
-          <p:nvPr>
-            <p:ph type="body"/>
-          </p:nvPr>
-        </p:nvSpPr>
-        <p:spPr>
-          <a:xfrm>
-            <a:off x="3023280" y="9875520"/>
-            <a:ext cx="14155560" cy="18295200"/>
-          </a:xfrm>
-          <a:prstGeom prst="rect">
-            <a:avLst/>
-          </a:prstGeom>
-          <a:noFill/>
-          <a:ln w="0">
-            <a:noFill/>
-          </a:ln>
-        </p:spPr>
-        <p:txBody>
-          <a:bodyPr lIns="91440" rIns="91440" tIns="45720" bIns="45720" anchor="t">
-            <a:noAutofit/>
-          </a:bodyPr>
-          <a:p>
-            <a:pPr indent="0" defTabSz="4389120">
-              <a:lnSpc>
-                <a:spcPct val="90000"/>
-              </a:lnSpc>
-              <a:spcBef>
-                <a:spcPts val="4799"/>
-              </a:spcBef>
-              <a:buNone/>
-              <a:tabLst>
-                <a:tab algn="l" pos="0"/>
-              </a:tabLst>
-            </a:pPr>
-            <a:r>
-              <a:rPr b="0" lang="en-US" sz="7680" strike="noStrike" u="none">
-                <a:solidFill>
-                  <a:schemeClr val="dk1"/>
-                </a:solidFill>
-                <a:effectLst/>
-                <a:uFillTx/>
-                <a:latin typeface="Aptos"/>
-              </a:rPr>
-              <a:t>Click to edit Master text styles</a:t>
-            </a:r>
-            <a:endParaRPr b="0" lang="en-US" sz="7680" strike="noStrike" u="none">
-              <a:solidFill>
-                <a:schemeClr val="dk1"/>
-              </a:solidFill>
-              <a:effectLst/>
-              <a:uFillTx/>
-              <a:latin typeface="Aptos"/>
-            </a:endParaRPr>
-          </a:p>
-        </p:txBody>
-      </p:sp>
-      <p:sp>
-        <p:nvSpPr>
-          <p:cNvPr id="54" name="PlaceHolder 4"/>
+          <p:cNvPr id="54" name="PlaceHolder 2"/>
           <p:cNvSpPr>
             <a:spLocks noGrp="1"/>
           </p:cNvSpPr>
@@ -1632,7 +1777,7 @@
         <p:spPr>
           <a:xfrm>
             <a:off x="3017520" y="30510360"/>
-            <a:ext cx="9875160" cy="1752120"/>
+            <a:ext cx="9874800" cy="1751760"/>
           </a:xfrm>
           <a:prstGeom prst="rect">
             <a:avLst/>
@@ -1652,6 +1797,9 @@
                 <a:spcPct val="100000"/>
               </a:lnSpc>
               <a:buNone/>
+              <a:tabLst>
+                <a:tab algn="l" pos="0"/>
+              </a:tabLst>
               <a:defRPr b="0" lang="en-US" sz="5760" strike="noStrike" u="none">
                 <a:solidFill>
                   <a:schemeClr val="dk1">
@@ -1670,6 +1818,9 @@
                 <a:spcPct val="100000"/>
               </a:lnSpc>
               <a:buNone/>
+              <a:tabLst>
+                <a:tab algn="l" pos="0"/>
+              </a:tabLst>
             </a:pPr>
             <a:r>
               <a:rPr b="0" lang="en-US" sz="5760" strike="noStrike" u="none">
@@ -1697,7 +1848,7 @@
       </p:sp>
       <p:sp>
         <p:nvSpPr>
-          <p:cNvPr id="55" name="PlaceHolder 5"/>
+          <p:cNvPr id="55" name="PlaceHolder 3"/>
           <p:cNvSpPr>
             <a:spLocks noGrp="1"/>
           </p:cNvSpPr>
@@ -1708,7 +1859,7 @@
         <p:spPr>
           <a:xfrm>
             <a:off x="14538960" y="30510360"/>
-            <a:ext cx="14812920" cy="1752120"/>
+            <a:ext cx="14812560" cy="1751760"/>
           </a:xfrm>
           <a:prstGeom prst="rect">
             <a:avLst/>
@@ -1724,7 +1875,13 @@
           </a:bodyPr>
           <a:lstStyle>
             <a:lvl1pPr indent="0" algn="ctr">
-              <a:buNone/>
+              <a:lnSpc>
+                <a:spcPct val="100000"/>
+              </a:lnSpc>
+              <a:buNone/>
+              <a:tabLst>
+                <a:tab algn="l" pos="0"/>
+              </a:tabLst>
               <a:defRPr b="0" lang="en-US" sz="1400" strike="noStrike" u="none">
                 <a:solidFill>
                   <a:srgbClr val="000000"/>
@@ -1737,7 +1894,13 @@
           </a:lstStyle>
           <a:p>
             <a:pPr indent="0" algn="ctr">
-              <a:buNone/>
+              <a:lnSpc>
+                <a:spcPct val="100000"/>
+              </a:lnSpc>
+              <a:buNone/>
+              <a:tabLst>
+                <a:tab algn="l" pos="0"/>
+              </a:tabLst>
             </a:pPr>
             <a:r>
               <a:rPr b="0" lang="en-US" sz="1400" strike="noStrike" u="none">
@@ -1763,7 +1926,7 @@
       </p:sp>
       <p:sp>
         <p:nvSpPr>
-          <p:cNvPr id="56" name="PlaceHolder 6"/>
+          <p:cNvPr id="56" name="PlaceHolder 4"/>
           <p:cNvSpPr>
             <a:spLocks noGrp="1"/>
           </p:cNvSpPr>
@@ -1774,7 +1937,7 @@
         <p:spPr>
           <a:xfrm>
             <a:off x="30998160" y="30510360"/>
-            <a:ext cx="9875160" cy="1752120"/>
+            <a:ext cx="9874800" cy="1751760"/>
           </a:xfrm>
           <a:prstGeom prst="rect">
             <a:avLst/>
@@ -1794,6 +1957,9 @@
                 <a:spcPct val="100000"/>
               </a:lnSpc>
               <a:buNone/>
+              <a:tabLst>
+                <a:tab algn="l" pos="0"/>
+              </a:tabLst>
               <a:defRPr b="0" lang="en-US" sz="5760" strike="noStrike" u="none">
                 <a:solidFill>
                   <a:schemeClr val="dk1">
@@ -1812,8 +1978,11 @@
                 <a:spcPct val="100000"/>
               </a:lnSpc>
               <a:buNone/>
-            </a:pPr>
-            <a:fld id="{2E6A72CF-B73B-4C67-A796-8912F8CF8270}" type="slidenum">
+              <a:tabLst>
+                <a:tab algn="l" pos="0"/>
+              </a:tabLst>
+            </a:pPr>
+            <a:fld id="{37D4D1ED-396B-4F51-8D3D-18566AD71EC9}" type="slidenum">
               <a:rPr b="0" lang="en-US" sz="5760" strike="noStrike" u="none">
                 <a:solidFill>
                   <a:schemeClr val="dk1">
@@ -1843,8 +2012,8 @@
 </file>
 
 <file path=ppt/slideLayouts/slideLayout2.xml><?xml version="1.0" encoding="utf-8"?>
-<p:sldLayout xmlns:a="http://schemas.openxmlformats.org/drawingml/2006/main" xmlns:p="http://schemas.openxmlformats.org/presentationml/2006/main" xmlns:r="http://schemas.openxmlformats.org/officeDocument/2006/relationships" xmlns:p14="http://schemas.microsoft.com/office/powerpoint/2010/main" xmlns:p15="http://schemas.microsoft.com/office/powerpoint/2012/main" xmlns:mc="http://schemas.openxmlformats.org/markup-compatibility/2006" type="vertTx" preserve="1">
-  <p:cSld name="Title and Vertical Text">
+<p:sldLayout xmlns:a="http://schemas.openxmlformats.org/drawingml/2006/main" xmlns:p="http://schemas.openxmlformats.org/presentationml/2006/main" xmlns:r="http://schemas.openxmlformats.org/officeDocument/2006/relationships" xmlns:p14="http://schemas.microsoft.com/office/powerpoint/2010/main" xmlns:p15="http://schemas.microsoft.com/office/powerpoint/2012/main" xmlns:mc="http://schemas.openxmlformats.org/markup-compatibility/2006" type="blank" preserve="1">
+  <p:cSld name="Content with Caption">
     <p:bg>
       <p:bgPr>
         <a:solidFill>
@@ -1868,7 +2037,7 @@
       </p:grpSpPr>
       <p:sp>
         <p:nvSpPr>
-          <p:cNvPr id="4" name="PlaceHolder 1"/>
+          <p:cNvPr id="3" name="PlaceHolder 1"/>
           <p:cNvSpPr>
             <a:spLocks noGrp="1"/>
           </p:cNvSpPr>
@@ -1878,8 +2047,8 @@
         </p:nvSpPr>
         <p:spPr>
           <a:xfrm>
-            <a:off x="3017520" y="1752480"/>
-            <a:ext cx="37855800" cy="6362280"/>
+            <a:off x="3023280" y="2194560"/>
+            <a:ext cx="14155200" cy="7680240"/>
           </a:xfrm>
           <a:prstGeom prst="rect">
             <a:avLst/>
@@ -1890,7 +2059,7 @@
           </a:ln>
         </p:spPr>
         <p:txBody>
-          <a:bodyPr lIns="91440" rIns="91440" tIns="45720" bIns="45720" anchor="ctr">
+          <a:bodyPr lIns="91440" rIns="91440" tIns="45720" bIns="45720" anchor="b">
             <a:noAutofit/>
           </a:bodyPr>
           <a:p>
@@ -1899,9 +2068,12 @@
                 <a:spcPct val="90000"/>
               </a:lnSpc>
               <a:buNone/>
+              <a:tabLst>
+                <a:tab algn="l" pos="0"/>
+              </a:tabLst>
             </a:pPr>
             <a:r>
-              <a:rPr b="0" lang="en-US" sz="21120" strike="noStrike" u="none">
+              <a:rPr b="0" lang="en-US" sz="15360" strike="noStrike" u="none">
                 <a:solidFill>
                   <a:schemeClr val="dk1"/>
                 </a:solidFill>
@@ -1911,20 +2083,20 @@
               </a:rPr>
               <a:t>Click to edit Master title style</a:t>
             </a:r>
-            <a:endParaRPr b="0" lang="en-US" sz="21120" strike="noStrike" u="none">
-              <a:solidFill>
-                <a:schemeClr val="dk1"/>
-              </a:solidFill>
-              <a:effectLst/>
-              <a:uFillTx/>
-              <a:latin typeface="Aptos"/>
+            <a:endParaRPr b="0" lang="en-US" sz="15360" strike="noStrike" u="none">
+              <a:solidFill>
+                <a:srgbClr val="000000"/>
+              </a:solidFill>
+              <a:effectLst/>
+              <a:uFillTx/>
+              <a:latin typeface="Arial"/>
             </a:endParaRPr>
           </a:p>
         </p:txBody>
       </p:sp>
       <p:sp>
         <p:nvSpPr>
-          <p:cNvPr id="5" name="PlaceHolder 2"/>
+          <p:cNvPr id="4" name="PlaceHolder 2"/>
           <p:cNvSpPr>
             <a:spLocks noGrp="1"/>
           </p:cNvSpPr>
@@ -1934,8 +2106,8 @@
         </p:nvSpPr>
         <p:spPr>
           <a:xfrm>
-            <a:off x="3017520" y="8763120"/>
-            <a:ext cx="37855800" cy="20886120"/>
+            <a:off x="18659520" y="4739760"/>
+            <a:ext cx="22219200" cy="23392800"/>
           </a:xfrm>
           <a:prstGeom prst="rect">
             <a:avLst/>
@@ -1946,7 +2118,7 @@
           </a:ln>
         </p:spPr>
         <p:txBody>
-          <a:bodyPr lIns="91440" rIns="91440" tIns="45720" bIns="45720" anchor="t" vert="eaVert">
+          <a:bodyPr lIns="91440" rIns="91440" tIns="45720" bIns="45720" anchor="t">
             <a:noAutofit/>
           </a:bodyPr>
           <a:p>
@@ -1964,7 +2136,7 @@
               <a:buChar char="•"/>
             </a:pPr>
             <a:r>
-              <a:rPr b="0" lang="en-US" sz="13439" strike="noStrike" u="none">
+              <a:rPr b="0" lang="en-US" sz="15360" strike="noStrike" u="none">
                 <a:solidFill>
                   <a:schemeClr val="dk1"/>
                 </a:solidFill>
@@ -1974,13 +2146,13 @@
               </a:rPr>
               <a:t>Click to edit Master text styles</a:t>
             </a:r>
-            <a:endParaRPr b="0" lang="en-US" sz="13439" strike="noStrike" u="none">
-              <a:solidFill>
-                <a:schemeClr val="dk1"/>
-              </a:solidFill>
-              <a:effectLst/>
-              <a:uFillTx/>
-              <a:latin typeface="Aptos"/>
+            <a:endParaRPr b="0" lang="en-US" sz="15360" strike="noStrike" u="none">
+              <a:solidFill>
+                <a:srgbClr val="000000"/>
+              </a:solidFill>
+              <a:effectLst/>
+              <a:uFillTx/>
+              <a:latin typeface="Arial"/>
             </a:endParaRPr>
           </a:p>
           <a:p>
@@ -1998,7 +2170,7 @@
               <a:buChar char="•"/>
             </a:pPr>
             <a:r>
-              <a:rPr b="0" lang="en-US" sz="11520" strike="noStrike" u="none">
+              <a:rPr b="0" lang="en-US" sz="13439" strike="noStrike" u="none">
                 <a:solidFill>
                   <a:schemeClr val="dk1"/>
                 </a:solidFill>
@@ -2008,13 +2180,13 @@
               </a:rPr>
               <a:t>Second level</a:t>
             </a:r>
-            <a:endParaRPr b="0" lang="en-US" sz="11520" strike="noStrike" u="none">
-              <a:solidFill>
-                <a:schemeClr val="dk1"/>
-              </a:solidFill>
-              <a:effectLst/>
-              <a:uFillTx/>
-              <a:latin typeface="Aptos"/>
+            <a:endParaRPr b="0" lang="en-US" sz="13439" strike="noStrike" u="none">
+              <a:solidFill>
+                <a:srgbClr val="000000"/>
+              </a:solidFill>
+              <a:effectLst/>
+              <a:uFillTx/>
+              <a:latin typeface="Arial"/>
             </a:endParaRPr>
           </a:p>
           <a:p>
@@ -2032,7 +2204,7 @@
               <a:buChar char="•"/>
             </a:pPr>
             <a:r>
-              <a:rPr b="0" lang="en-US" sz="9600" strike="noStrike" u="none">
+              <a:rPr b="0" lang="en-US" sz="11520" strike="noStrike" u="none">
                 <a:solidFill>
                   <a:schemeClr val="dk1"/>
                 </a:solidFill>
@@ -2042,13 +2214,13 @@
               </a:rPr>
               <a:t>Third level</a:t>
             </a:r>
-            <a:endParaRPr b="0" lang="en-US" sz="9600" strike="noStrike" u="none">
-              <a:solidFill>
-                <a:schemeClr val="dk1"/>
-              </a:solidFill>
-              <a:effectLst/>
-              <a:uFillTx/>
-              <a:latin typeface="Aptos"/>
+            <a:endParaRPr b="0" lang="en-US" sz="11520" strike="noStrike" u="none">
+              <a:solidFill>
+                <a:srgbClr val="000000"/>
+              </a:solidFill>
+              <a:effectLst/>
+              <a:uFillTx/>
+              <a:latin typeface="Arial"/>
             </a:endParaRPr>
           </a:p>
           <a:p>
@@ -2066,7 +2238,7 @@
               <a:buChar char="•"/>
             </a:pPr>
             <a:r>
-              <a:rPr b="0" lang="en-US" sz="8640" strike="noStrike" u="none">
+              <a:rPr b="0" lang="en-US" sz="9600" strike="noStrike" u="none">
                 <a:solidFill>
                   <a:schemeClr val="dk1"/>
                 </a:solidFill>
@@ -2076,13 +2248,13 @@
               </a:rPr>
               <a:t>Fourth level</a:t>
             </a:r>
-            <a:endParaRPr b="0" lang="en-US" sz="8640" strike="noStrike" u="none">
-              <a:solidFill>
-                <a:schemeClr val="dk1"/>
-              </a:solidFill>
-              <a:effectLst/>
-              <a:uFillTx/>
-              <a:latin typeface="Aptos"/>
+            <a:endParaRPr b="0" lang="en-US" sz="9600" strike="noStrike" u="none">
+              <a:solidFill>
+                <a:srgbClr val="000000"/>
+              </a:solidFill>
+              <a:effectLst/>
+              <a:uFillTx/>
+              <a:latin typeface="Arial"/>
             </a:endParaRPr>
           </a:p>
           <a:p>
@@ -2100,7 +2272,7 @@
               <a:buChar char="•"/>
             </a:pPr>
             <a:r>
-              <a:rPr b="0" lang="en-US" sz="8640" strike="noStrike" u="none">
+              <a:rPr b="0" lang="en-US" sz="9600" strike="noStrike" u="none">
                 <a:solidFill>
                   <a:schemeClr val="dk1"/>
                 </a:solidFill>
@@ -2110,20 +2282,82 @@
               </a:rPr>
               <a:t>Fifth level</a:t>
             </a:r>
-            <a:endParaRPr b="0" lang="en-US" sz="8640" strike="noStrike" u="none">
-              <a:solidFill>
-                <a:schemeClr val="dk1"/>
-              </a:solidFill>
-              <a:effectLst/>
-              <a:uFillTx/>
-              <a:latin typeface="Aptos"/>
+            <a:endParaRPr b="0" lang="en-US" sz="9600" strike="noStrike" u="none">
+              <a:solidFill>
+                <a:srgbClr val="000000"/>
+              </a:solidFill>
+              <a:effectLst/>
+              <a:uFillTx/>
+              <a:latin typeface="Arial"/>
             </a:endParaRPr>
           </a:p>
         </p:txBody>
       </p:sp>
       <p:sp>
         <p:nvSpPr>
-          <p:cNvPr id="6" name="PlaceHolder 3"/>
+          <p:cNvPr id="5" name="PlaceHolder 3"/>
+          <p:cNvSpPr>
+            <a:spLocks noGrp="1"/>
+          </p:cNvSpPr>
+          <p:nvPr>
+            <p:ph type="body"/>
+          </p:nvPr>
+        </p:nvSpPr>
+        <p:spPr>
+          <a:xfrm>
+            <a:off x="3023280" y="9875520"/>
+            <a:ext cx="14155200" cy="18294840"/>
+          </a:xfrm>
+          <a:prstGeom prst="rect">
+            <a:avLst/>
+          </a:prstGeom>
+          <a:noFill/>
+          <a:ln w="0">
+            <a:noFill/>
+          </a:ln>
+        </p:spPr>
+        <p:txBody>
+          <a:bodyPr lIns="91440" rIns="91440" tIns="45720" bIns="45720" anchor="t">
+            <a:noAutofit/>
+          </a:bodyPr>
+          <a:p>
+            <a:pPr indent="0" defTabSz="4389120">
+              <a:lnSpc>
+                <a:spcPct val="90000"/>
+              </a:lnSpc>
+              <a:spcBef>
+                <a:spcPts val="4799"/>
+              </a:spcBef>
+              <a:buNone/>
+              <a:tabLst>
+                <a:tab algn="l" pos="0"/>
+              </a:tabLst>
+            </a:pPr>
+            <a:r>
+              <a:rPr b="0" lang="en-US" sz="7680" strike="noStrike" u="none">
+                <a:solidFill>
+                  <a:schemeClr val="dk1"/>
+                </a:solidFill>
+                <a:effectLst/>
+                <a:uFillTx/>
+                <a:latin typeface="Aptos"/>
+              </a:rPr>
+              <a:t>Click to edit Master text styles</a:t>
+            </a:r>
+            <a:endParaRPr b="0" lang="en-US" sz="7680" strike="noStrike" u="none">
+              <a:solidFill>
+                <a:srgbClr val="000000"/>
+              </a:solidFill>
+              <a:effectLst/>
+              <a:uFillTx/>
+              <a:latin typeface="Arial"/>
+            </a:endParaRPr>
+          </a:p>
+        </p:txBody>
+      </p:sp>
+      <p:sp>
+        <p:nvSpPr>
+          <p:cNvPr id="6" name="PlaceHolder 4"/>
           <p:cNvSpPr>
             <a:spLocks noGrp="1"/>
           </p:cNvSpPr>
@@ -2134,7 +2368,7 @@
         <p:spPr>
           <a:xfrm>
             <a:off x="3017520" y="30510360"/>
-            <a:ext cx="9875160" cy="1752120"/>
+            <a:ext cx="9874800" cy="1751760"/>
           </a:xfrm>
           <a:prstGeom prst="rect">
             <a:avLst/>
@@ -2154,6 +2388,9 @@
                 <a:spcPct val="100000"/>
               </a:lnSpc>
               <a:buNone/>
+              <a:tabLst>
+                <a:tab algn="l" pos="0"/>
+              </a:tabLst>
               <a:defRPr b="0" lang="en-US" sz="5760" strike="noStrike" u="none">
                 <a:solidFill>
                   <a:schemeClr val="dk1">
@@ -2172,6 +2409,9 @@
                 <a:spcPct val="100000"/>
               </a:lnSpc>
               <a:buNone/>
+              <a:tabLst>
+                <a:tab algn="l" pos="0"/>
+              </a:tabLst>
             </a:pPr>
             <a:r>
               <a:rPr b="0" lang="en-US" sz="5760" strike="noStrike" u="none">
@@ -2199,7 +2439,7 @@
       </p:sp>
       <p:sp>
         <p:nvSpPr>
-          <p:cNvPr id="7" name="PlaceHolder 4"/>
+          <p:cNvPr id="7" name="PlaceHolder 5"/>
           <p:cNvSpPr>
             <a:spLocks noGrp="1"/>
           </p:cNvSpPr>
@@ -2210,7 +2450,7 @@
         <p:spPr>
           <a:xfrm>
             <a:off x="14538960" y="30510360"/>
-            <a:ext cx="14812920" cy="1752120"/>
+            <a:ext cx="14812560" cy="1751760"/>
           </a:xfrm>
           <a:prstGeom prst="rect">
             <a:avLst/>
@@ -2226,7 +2466,13 @@
           </a:bodyPr>
           <a:lstStyle>
             <a:lvl1pPr indent="0" algn="ctr">
-              <a:buNone/>
+              <a:lnSpc>
+                <a:spcPct val="100000"/>
+              </a:lnSpc>
+              <a:buNone/>
+              <a:tabLst>
+                <a:tab algn="l" pos="0"/>
+              </a:tabLst>
               <a:defRPr b="0" lang="en-US" sz="1400" strike="noStrike" u="none">
                 <a:solidFill>
                   <a:srgbClr val="000000"/>
@@ -2239,7 +2485,13 @@
           </a:lstStyle>
           <a:p>
             <a:pPr indent="0" algn="ctr">
-              <a:buNone/>
+              <a:lnSpc>
+                <a:spcPct val="100000"/>
+              </a:lnSpc>
+              <a:buNone/>
+              <a:tabLst>
+                <a:tab algn="l" pos="0"/>
+              </a:tabLst>
             </a:pPr>
             <a:r>
               <a:rPr b="0" lang="en-US" sz="1400" strike="noStrike" u="none">
@@ -2265,7 +2517,7 @@
       </p:sp>
       <p:sp>
         <p:nvSpPr>
-          <p:cNvPr id="8" name="PlaceHolder 5"/>
+          <p:cNvPr id="8" name="PlaceHolder 6"/>
           <p:cNvSpPr>
             <a:spLocks noGrp="1"/>
           </p:cNvSpPr>
@@ -2276,7 +2528,7 @@
         <p:spPr>
           <a:xfrm>
             <a:off x="30998160" y="30510360"/>
-            <a:ext cx="9875160" cy="1752120"/>
+            <a:ext cx="9874800" cy="1751760"/>
           </a:xfrm>
           <a:prstGeom prst="rect">
             <a:avLst/>
@@ -2296,6 +2548,9 @@
                 <a:spcPct val="100000"/>
               </a:lnSpc>
               <a:buNone/>
+              <a:tabLst>
+                <a:tab algn="l" pos="0"/>
+              </a:tabLst>
               <a:defRPr b="0" lang="en-US" sz="5760" strike="noStrike" u="none">
                 <a:solidFill>
                   <a:schemeClr val="dk1">
@@ -2314,8 +2569,11 @@
                 <a:spcPct val="100000"/>
               </a:lnSpc>
               <a:buNone/>
-            </a:pPr>
-            <a:fld id="{3556E1CD-FC7B-4400-A3D2-4D380CD0160F}" type="slidenum">
+              <a:tabLst>
+                <a:tab algn="l" pos="0"/>
+              </a:tabLst>
+            </a:pPr>
+            <a:fld id="{E57463F7-55A8-4F34-A9C0-749F27514277}" type="slidenum">
               <a:rPr b="0" lang="en-US" sz="5760" strike="noStrike" u="none">
                 <a:solidFill>
                   <a:schemeClr val="dk1">
@@ -2345,8 +2603,8 @@
 </file>
 
 <file path=ppt/slideLayouts/slideLayout3.xml><?xml version="1.0" encoding="utf-8"?>
-<p:sldLayout xmlns:a="http://schemas.openxmlformats.org/drawingml/2006/main" xmlns:p="http://schemas.openxmlformats.org/presentationml/2006/main" xmlns:r="http://schemas.openxmlformats.org/officeDocument/2006/relationships" xmlns:p14="http://schemas.microsoft.com/office/powerpoint/2010/main" xmlns:p15="http://schemas.microsoft.com/office/powerpoint/2012/main" xmlns:mc="http://schemas.openxmlformats.org/markup-compatibility/2006" type="vertTitleAndTx" preserve="1">
-  <p:cSld name="Vertical Title and Text">
+<p:sldLayout xmlns:a="http://schemas.openxmlformats.org/drawingml/2006/main" xmlns:p="http://schemas.openxmlformats.org/presentationml/2006/main" xmlns:r="http://schemas.openxmlformats.org/officeDocument/2006/relationships" xmlns:p14="http://schemas.microsoft.com/office/powerpoint/2010/main" xmlns:p15="http://schemas.microsoft.com/office/powerpoint/2012/main" xmlns:mc="http://schemas.openxmlformats.org/markup-compatibility/2006" type="blank" preserve="1">
+  <p:cSld name="Picture with Caption">
     <p:bg>
       <p:bgPr>
         <a:solidFill>
@@ -2380,8 +2638,8 @@
         </p:nvSpPr>
         <p:spPr>
           <a:xfrm>
-            <a:off x="31409640" y="1752480"/>
-            <a:ext cx="9463680" cy="27896400"/>
+            <a:off x="3023280" y="2194560"/>
+            <a:ext cx="14155200" cy="7680240"/>
           </a:xfrm>
           <a:prstGeom prst="rect">
             <a:avLst/>
@@ -2392,7 +2650,7 @@
           </a:ln>
         </p:spPr>
         <p:txBody>
-          <a:bodyPr lIns="91440" rIns="91440" tIns="45720" bIns="45720" anchor="ctr" vert="eaVert">
+          <a:bodyPr lIns="91440" rIns="91440" tIns="45720" bIns="45720" anchor="b">
             <a:noAutofit/>
           </a:bodyPr>
           <a:p>
@@ -2401,9 +2659,12 @@
                 <a:spcPct val="90000"/>
               </a:lnSpc>
               <a:buNone/>
+              <a:tabLst>
+                <a:tab algn="l" pos="0"/>
+              </a:tabLst>
             </a:pPr>
             <a:r>
-              <a:rPr b="0" lang="en-US" sz="21120" strike="noStrike" u="none">
+              <a:rPr b="0" lang="en-US" sz="15360" strike="noStrike" u="none">
                 <a:solidFill>
                   <a:schemeClr val="dk1"/>
                 </a:solidFill>
@@ -2413,13 +2674,13 @@
               </a:rPr>
               <a:t>Click to edit Master title style</a:t>
             </a:r>
-            <a:endParaRPr b="0" lang="en-US" sz="21120" strike="noStrike" u="none">
-              <a:solidFill>
-                <a:schemeClr val="dk1"/>
-              </a:solidFill>
-              <a:effectLst/>
-              <a:uFillTx/>
-              <a:latin typeface="Aptos"/>
+            <a:endParaRPr b="0" lang="en-US" sz="15360" strike="noStrike" u="none">
+              <a:solidFill>
+                <a:srgbClr val="000000"/>
+              </a:solidFill>
+              <a:effectLst/>
+              <a:uFillTx/>
+              <a:latin typeface="Arial"/>
             </a:endParaRPr>
           </a:p>
         </p:txBody>
@@ -2436,8 +2697,8 @@
         </p:nvSpPr>
         <p:spPr>
           <a:xfrm>
-            <a:off x="3017520" y="1752480"/>
-            <a:ext cx="27843120" cy="27896400"/>
+            <a:off x="18659520" y="4739760"/>
+            <a:ext cx="22219200" cy="23392800"/>
           </a:xfrm>
           <a:prstGeom prst="rect">
             <a:avLst/>
@@ -2448,25 +2709,21 @@
           </a:ln>
         </p:spPr>
         <p:txBody>
-          <a:bodyPr lIns="91440" rIns="91440" tIns="45720" bIns="45720" anchor="t" vert="eaVert">
+          <a:bodyPr lIns="90000" rIns="90000" tIns="45000" bIns="45000" anchor="t">
             <a:noAutofit/>
           </a:bodyPr>
           <a:p>
-            <a:pPr marL="1097280" indent="-1097280" defTabSz="4389120">
-              <a:lnSpc>
-                <a:spcPct val="90000"/>
-              </a:lnSpc>
-              <a:spcBef>
-                <a:spcPts val="4799"/>
-              </a:spcBef>
-              <a:buClr>
-                <a:srgbClr val="000000"/>
-              </a:buClr>
-              <a:buFont typeface="Arial"/>
-              <a:buChar char="•"/>
+            <a:pPr indent="0" defTabSz="457200">
+              <a:lnSpc>
+                <a:spcPct val="100000"/>
+              </a:lnSpc>
+              <a:buNone/>
+              <a:tabLst>
+                <a:tab algn="l" pos="0"/>
+              </a:tabLst>
             </a:pPr>
             <a:r>
-              <a:rPr b="0" lang="en-US" sz="13439" strike="noStrike" u="none">
+              <a:rPr b="0" lang="en-US" sz="15360" strike="noStrike" u="none">
                 <a:solidFill>
                   <a:schemeClr val="dk1"/>
                 </a:solidFill>
@@ -2474,151 +2731,15 @@
                 <a:uFillTx/>
                 <a:latin typeface="Aptos"/>
               </a:rPr>
-              <a:t>Click to edit Master text styles</a:t>
+              <a:t>Click icon to add picture</a:t>
             </a:r>
-            <a:endParaRPr b="0" lang="en-US" sz="13439" strike="noStrike" u="none">
-              <a:solidFill>
-                <a:schemeClr val="dk1"/>
-              </a:solidFill>
-              <a:effectLst/>
-              <a:uFillTx/>
-              <a:latin typeface="Aptos"/>
-            </a:endParaRPr>
-          </a:p>
-          <a:p>
-            <a:pPr lvl="1" marL="3291840" indent="-1097280" defTabSz="4389120">
-              <a:lnSpc>
-                <a:spcPct val="90000"/>
-              </a:lnSpc>
-              <a:spcBef>
-                <a:spcPts val="2401"/>
-              </a:spcBef>
-              <a:buClr>
-                <a:srgbClr val="000000"/>
-              </a:buClr>
-              <a:buFont typeface="Arial"/>
-              <a:buChar char="•"/>
-            </a:pPr>
-            <a:r>
-              <a:rPr b="0" lang="en-US" sz="11520" strike="noStrike" u="none">
-                <a:solidFill>
-                  <a:schemeClr val="dk1"/>
-                </a:solidFill>
-                <a:effectLst/>
-                <a:uFillTx/>
-                <a:latin typeface="Aptos"/>
-              </a:rPr>
-              <a:t>Second level</a:t>
-            </a:r>
-            <a:endParaRPr b="0" lang="en-US" sz="11520" strike="noStrike" u="none">
-              <a:solidFill>
-                <a:schemeClr val="dk1"/>
-              </a:solidFill>
-              <a:effectLst/>
-              <a:uFillTx/>
-              <a:latin typeface="Aptos"/>
-            </a:endParaRPr>
-          </a:p>
-          <a:p>
-            <a:pPr lvl="2" marL="5486400" indent="-1097280" defTabSz="4389120">
-              <a:lnSpc>
-                <a:spcPct val="90000"/>
-              </a:lnSpc>
-              <a:spcBef>
-                <a:spcPts val="2401"/>
-              </a:spcBef>
-              <a:buClr>
-                <a:srgbClr val="000000"/>
-              </a:buClr>
-              <a:buFont typeface="Arial"/>
-              <a:buChar char="•"/>
-            </a:pPr>
-            <a:r>
-              <a:rPr b="0" lang="en-US" sz="9600" strike="noStrike" u="none">
-                <a:solidFill>
-                  <a:schemeClr val="dk1"/>
-                </a:solidFill>
-                <a:effectLst/>
-                <a:uFillTx/>
-                <a:latin typeface="Aptos"/>
-              </a:rPr>
-              <a:t>Third level</a:t>
-            </a:r>
-            <a:endParaRPr b="0" lang="en-US" sz="9600" strike="noStrike" u="none">
-              <a:solidFill>
-                <a:schemeClr val="dk1"/>
-              </a:solidFill>
-              <a:effectLst/>
-              <a:uFillTx/>
-              <a:latin typeface="Aptos"/>
-            </a:endParaRPr>
-          </a:p>
-          <a:p>
-            <a:pPr lvl="3" marL="7680960" indent="-1097280" defTabSz="4389120">
-              <a:lnSpc>
-                <a:spcPct val="90000"/>
-              </a:lnSpc>
-              <a:spcBef>
-                <a:spcPts val="2401"/>
-              </a:spcBef>
-              <a:buClr>
-                <a:srgbClr val="000000"/>
-              </a:buClr>
-              <a:buFont typeface="Arial"/>
-              <a:buChar char="•"/>
-            </a:pPr>
-            <a:r>
-              <a:rPr b="0" lang="en-US" sz="8640" strike="noStrike" u="none">
-                <a:solidFill>
-                  <a:schemeClr val="dk1"/>
-                </a:solidFill>
-                <a:effectLst/>
-                <a:uFillTx/>
-                <a:latin typeface="Aptos"/>
-              </a:rPr>
-              <a:t>Fourth level</a:t>
-            </a:r>
-            <a:endParaRPr b="0" lang="en-US" sz="8640" strike="noStrike" u="none">
-              <a:solidFill>
-                <a:schemeClr val="dk1"/>
-              </a:solidFill>
-              <a:effectLst/>
-              <a:uFillTx/>
-              <a:latin typeface="Aptos"/>
-            </a:endParaRPr>
-          </a:p>
-          <a:p>
-            <a:pPr lvl="4" marL="9875520" indent="-1097280" defTabSz="4389120">
-              <a:lnSpc>
-                <a:spcPct val="90000"/>
-              </a:lnSpc>
-              <a:spcBef>
-                <a:spcPts val="2401"/>
-              </a:spcBef>
-              <a:buClr>
-                <a:srgbClr val="000000"/>
-              </a:buClr>
-              <a:buFont typeface="Arial"/>
-              <a:buChar char="•"/>
-            </a:pPr>
-            <a:r>
-              <a:rPr b="0" lang="en-US" sz="8640" strike="noStrike" u="none">
-                <a:solidFill>
-                  <a:schemeClr val="dk1"/>
-                </a:solidFill>
-                <a:effectLst/>
-                <a:uFillTx/>
-                <a:latin typeface="Aptos"/>
-              </a:rPr>
-              <a:t>Fifth level</a:t>
-            </a:r>
-            <a:endParaRPr b="0" lang="en-US" sz="8640" strike="noStrike" u="none">
-              <a:solidFill>
-                <a:schemeClr val="dk1"/>
-              </a:solidFill>
-              <a:effectLst/>
-              <a:uFillTx/>
-              <a:latin typeface="Aptos"/>
+            <a:endParaRPr b="0" lang="en-US" sz="15360" strike="noStrike" u="none">
+              <a:solidFill>
+                <a:srgbClr val="000000"/>
+              </a:solidFill>
+              <a:effectLst/>
+              <a:uFillTx/>
+              <a:latin typeface="Arial"/>
             </a:endParaRPr>
           </a:p>
         </p:txBody>
@@ -2626,6 +2747,68 @@
       <p:sp>
         <p:nvSpPr>
           <p:cNvPr id="11" name="PlaceHolder 3"/>
+          <p:cNvSpPr>
+            <a:spLocks noGrp="1"/>
+          </p:cNvSpPr>
+          <p:nvPr>
+            <p:ph type="body"/>
+          </p:nvPr>
+        </p:nvSpPr>
+        <p:spPr>
+          <a:xfrm>
+            <a:off x="3023280" y="9875520"/>
+            <a:ext cx="14155200" cy="18294840"/>
+          </a:xfrm>
+          <a:prstGeom prst="rect">
+            <a:avLst/>
+          </a:prstGeom>
+          <a:noFill/>
+          <a:ln w="0">
+            <a:noFill/>
+          </a:ln>
+        </p:spPr>
+        <p:txBody>
+          <a:bodyPr lIns="91440" rIns="91440" tIns="45720" bIns="45720" anchor="t">
+            <a:noAutofit/>
+          </a:bodyPr>
+          <a:p>
+            <a:pPr indent="0" defTabSz="4389120">
+              <a:lnSpc>
+                <a:spcPct val="90000"/>
+              </a:lnSpc>
+              <a:spcBef>
+                <a:spcPts val="4799"/>
+              </a:spcBef>
+              <a:buNone/>
+              <a:tabLst>
+                <a:tab algn="l" pos="0"/>
+              </a:tabLst>
+            </a:pPr>
+            <a:r>
+              <a:rPr b="0" lang="en-US" sz="7680" strike="noStrike" u="none">
+                <a:solidFill>
+                  <a:schemeClr val="dk1"/>
+                </a:solidFill>
+                <a:effectLst/>
+                <a:uFillTx/>
+                <a:latin typeface="Aptos"/>
+              </a:rPr>
+              <a:t>Click to edit Master text styles</a:t>
+            </a:r>
+            <a:endParaRPr b="0" lang="en-US" sz="7680" strike="noStrike" u="none">
+              <a:solidFill>
+                <a:srgbClr val="000000"/>
+              </a:solidFill>
+              <a:effectLst/>
+              <a:uFillTx/>
+              <a:latin typeface="Arial"/>
+            </a:endParaRPr>
+          </a:p>
+        </p:txBody>
+      </p:sp>
+      <p:sp>
+        <p:nvSpPr>
+          <p:cNvPr id="12" name="PlaceHolder 4"/>
           <p:cNvSpPr>
             <a:spLocks noGrp="1"/>
           </p:cNvSpPr>
@@ -2636,7 +2819,7 @@
         <p:spPr>
           <a:xfrm>
             <a:off x="3017520" y="30510360"/>
-            <a:ext cx="9875160" cy="1752120"/>
+            <a:ext cx="9874800" cy="1751760"/>
           </a:xfrm>
           <a:prstGeom prst="rect">
             <a:avLst/>
@@ -2656,6 +2839,9 @@
                 <a:spcPct val="100000"/>
               </a:lnSpc>
               <a:buNone/>
+              <a:tabLst>
+                <a:tab algn="l" pos="0"/>
+              </a:tabLst>
               <a:defRPr b="0" lang="en-US" sz="5760" strike="noStrike" u="none">
                 <a:solidFill>
                   <a:schemeClr val="dk1">
@@ -2674,6 +2860,9 @@
                 <a:spcPct val="100000"/>
               </a:lnSpc>
               <a:buNone/>
+              <a:tabLst>
+                <a:tab algn="l" pos="0"/>
+              </a:tabLst>
             </a:pPr>
             <a:r>
               <a:rPr b="0" lang="en-US" sz="5760" strike="noStrike" u="none">
@@ -2701,7 +2890,7 @@
       </p:sp>
       <p:sp>
         <p:nvSpPr>
-          <p:cNvPr id="12" name="PlaceHolder 4"/>
+          <p:cNvPr id="13" name="PlaceHolder 5"/>
           <p:cNvSpPr>
             <a:spLocks noGrp="1"/>
           </p:cNvSpPr>
@@ -2712,7 +2901,7 @@
         <p:spPr>
           <a:xfrm>
             <a:off x="14538960" y="30510360"/>
-            <a:ext cx="14812920" cy="1752120"/>
+            <a:ext cx="14812560" cy="1751760"/>
           </a:xfrm>
           <a:prstGeom prst="rect">
             <a:avLst/>
@@ -2728,7 +2917,13 @@
           </a:bodyPr>
           <a:lstStyle>
             <a:lvl1pPr indent="0" algn="ctr">
-              <a:buNone/>
+              <a:lnSpc>
+                <a:spcPct val="100000"/>
+              </a:lnSpc>
+              <a:buNone/>
+              <a:tabLst>
+                <a:tab algn="l" pos="0"/>
+              </a:tabLst>
               <a:defRPr b="0" lang="en-US" sz="1400" strike="noStrike" u="none">
                 <a:solidFill>
                   <a:srgbClr val="000000"/>
@@ -2741,7 +2936,13 @@
           </a:lstStyle>
           <a:p>
             <a:pPr indent="0" algn="ctr">
-              <a:buNone/>
+              <a:lnSpc>
+                <a:spcPct val="100000"/>
+              </a:lnSpc>
+              <a:buNone/>
+              <a:tabLst>
+                <a:tab algn="l" pos="0"/>
+              </a:tabLst>
             </a:pPr>
             <a:r>
               <a:rPr b="0" lang="en-US" sz="1400" strike="noStrike" u="none">
@@ -2767,7 +2968,7 @@
       </p:sp>
       <p:sp>
         <p:nvSpPr>
-          <p:cNvPr id="13" name="PlaceHolder 5"/>
+          <p:cNvPr id="14" name="PlaceHolder 6"/>
           <p:cNvSpPr>
             <a:spLocks noGrp="1"/>
           </p:cNvSpPr>
@@ -2778,7 +2979,7 @@
         <p:spPr>
           <a:xfrm>
             <a:off x="30998160" y="30510360"/>
-            <a:ext cx="9875160" cy="1752120"/>
+            <a:ext cx="9874800" cy="1751760"/>
           </a:xfrm>
           <a:prstGeom prst="rect">
             <a:avLst/>
@@ -2798,6 +2999,9 @@
                 <a:spcPct val="100000"/>
               </a:lnSpc>
               <a:buNone/>
+              <a:tabLst>
+                <a:tab algn="l" pos="0"/>
+              </a:tabLst>
               <a:defRPr b="0" lang="en-US" sz="5760" strike="noStrike" u="none">
                 <a:solidFill>
                   <a:schemeClr val="dk1">
@@ -2816,8 +3020,11 @@
                 <a:spcPct val="100000"/>
               </a:lnSpc>
               <a:buNone/>
-            </a:pPr>
-            <a:fld id="{E1B5E55C-387F-4CE1-85C2-940ABF66B04C}" type="slidenum">
+              <a:tabLst>
+                <a:tab algn="l" pos="0"/>
+              </a:tabLst>
+            </a:pPr>
+            <a:fld id="{FC13A1E1-239A-434B-ADA6-807E6BF75777}" type="slidenum">
               <a:rPr b="0" lang="en-US" sz="5760" strike="noStrike" u="none">
                 <a:solidFill>
                   <a:schemeClr val="dk1">
@@ -2847,8 +3054,8 @@
 </file>
 
 <file path=ppt/slideLayouts/slideLayout4.xml><?xml version="1.0" encoding="utf-8"?>
-<p:sldLayout xmlns:a="http://schemas.openxmlformats.org/drawingml/2006/main" xmlns:p="http://schemas.openxmlformats.org/presentationml/2006/main" xmlns:r="http://schemas.openxmlformats.org/officeDocument/2006/relationships" xmlns:p14="http://schemas.microsoft.com/office/powerpoint/2010/main" xmlns:p15="http://schemas.microsoft.com/office/powerpoint/2012/main" xmlns:mc="http://schemas.openxmlformats.org/markup-compatibility/2006" type="obj" preserve="1">
-  <p:cSld name="Title and Content">
+<p:sldLayout xmlns:a="http://schemas.openxmlformats.org/drawingml/2006/main" xmlns:p="http://schemas.openxmlformats.org/presentationml/2006/main" xmlns:r="http://schemas.openxmlformats.org/officeDocument/2006/relationships" xmlns:p14="http://schemas.microsoft.com/office/powerpoint/2010/main" xmlns:p15="http://schemas.microsoft.com/office/powerpoint/2012/main" xmlns:mc="http://schemas.openxmlformats.org/markup-compatibility/2006" type="title" preserve="1">
+  <p:cSld name="Title Slide">
     <p:bg>
       <p:bgPr>
         <a:solidFill>
@@ -2872,7 +3079,7 @@
       </p:grpSpPr>
       <p:sp>
         <p:nvSpPr>
-          <p:cNvPr id="14" name="PlaceHolder 1"/>
+          <p:cNvPr id="15" name="PlaceHolder 1"/>
           <p:cNvSpPr>
             <a:spLocks noGrp="1"/>
           </p:cNvSpPr>
@@ -2882,8 +3089,8 @@
         </p:nvSpPr>
         <p:spPr>
           <a:xfrm>
-            <a:off x="3017520" y="1752480"/>
-            <a:ext cx="37855800" cy="6362280"/>
+            <a:off x="3291840" y="5387400"/>
+            <a:ext cx="37306800" cy="11459880"/>
           </a:xfrm>
           <a:prstGeom prst="rect">
             <a:avLst/>
@@ -2894,18 +3101,21 @@
           </a:ln>
         </p:spPr>
         <p:txBody>
-          <a:bodyPr lIns="91440" rIns="91440" tIns="45720" bIns="45720" anchor="ctr">
+          <a:bodyPr lIns="91440" rIns="91440" tIns="45720" bIns="45720" anchor="b">
             <a:noAutofit/>
           </a:bodyPr>
           <a:p>
-            <a:pPr indent="0" defTabSz="4389120">
+            <a:pPr indent="0" algn="ctr" defTabSz="4389120">
               <a:lnSpc>
                 <a:spcPct val="90000"/>
               </a:lnSpc>
               <a:buNone/>
+              <a:tabLst>
+                <a:tab algn="l" pos="0"/>
+              </a:tabLst>
             </a:pPr>
             <a:r>
-              <a:rPr b="0" lang="en-US" sz="21120" strike="noStrike" u="none">
+              <a:rPr b="0" lang="en-US" sz="28800" strike="noStrike" u="none">
                 <a:solidFill>
                   <a:schemeClr val="dk1"/>
                 </a:solidFill>
@@ -2915,219 +3125,20 @@
               </a:rPr>
               <a:t>Click to edit Master title style</a:t>
             </a:r>
-            <a:endParaRPr b="0" lang="en-US" sz="21120" strike="noStrike" u="none">
-              <a:solidFill>
-                <a:schemeClr val="dk1"/>
-              </a:solidFill>
-              <a:effectLst/>
-              <a:uFillTx/>
-              <a:latin typeface="Aptos"/>
+            <a:endParaRPr b="0" lang="en-US" sz="28800" strike="noStrike" u="none">
+              <a:solidFill>
+                <a:srgbClr val="000000"/>
+              </a:solidFill>
+              <a:effectLst/>
+              <a:uFillTx/>
+              <a:latin typeface="Arial"/>
             </a:endParaRPr>
           </a:p>
         </p:txBody>
       </p:sp>
       <p:sp>
         <p:nvSpPr>
-          <p:cNvPr id="15" name="PlaceHolder 2"/>
-          <p:cNvSpPr>
-            <a:spLocks noGrp="1"/>
-          </p:cNvSpPr>
-          <p:nvPr>
-            <p:ph type="body"/>
-          </p:nvPr>
-        </p:nvSpPr>
-        <p:spPr>
-          <a:xfrm>
-            <a:off x="3017520" y="8763120"/>
-            <a:ext cx="37855800" cy="20886120"/>
-          </a:xfrm>
-          <a:prstGeom prst="rect">
-            <a:avLst/>
-          </a:prstGeom>
-          <a:noFill/>
-          <a:ln w="0">
-            <a:noFill/>
-          </a:ln>
-        </p:spPr>
-        <p:txBody>
-          <a:bodyPr lIns="91440" rIns="91440" tIns="45720" bIns="45720" anchor="t">
-            <a:noAutofit/>
-          </a:bodyPr>
-          <a:p>
-            <a:pPr marL="1097280" indent="-1097280" defTabSz="4389120">
-              <a:lnSpc>
-                <a:spcPct val="90000"/>
-              </a:lnSpc>
-              <a:spcBef>
-                <a:spcPts val="4799"/>
-              </a:spcBef>
-              <a:buClr>
-                <a:srgbClr val="000000"/>
-              </a:buClr>
-              <a:buFont typeface="Arial"/>
-              <a:buChar char="•"/>
-            </a:pPr>
-            <a:r>
-              <a:rPr b="0" lang="en-US" sz="13439" strike="noStrike" u="none">
-                <a:solidFill>
-                  <a:schemeClr val="dk1"/>
-                </a:solidFill>
-                <a:effectLst/>
-                <a:uFillTx/>
-                <a:latin typeface="Aptos"/>
-              </a:rPr>
-              <a:t>Click to edit Master text styles</a:t>
-            </a:r>
-            <a:endParaRPr b="0" lang="en-US" sz="13439" strike="noStrike" u="none">
-              <a:solidFill>
-                <a:schemeClr val="dk1"/>
-              </a:solidFill>
-              <a:effectLst/>
-              <a:uFillTx/>
-              <a:latin typeface="Aptos"/>
-            </a:endParaRPr>
-          </a:p>
-          <a:p>
-            <a:pPr lvl="1" marL="3291840" indent="-1097280" defTabSz="4389120">
-              <a:lnSpc>
-                <a:spcPct val="90000"/>
-              </a:lnSpc>
-              <a:spcBef>
-                <a:spcPts val="2401"/>
-              </a:spcBef>
-              <a:buClr>
-                <a:srgbClr val="000000"/>
-              </a:buClr>
-              <a:buFont typeface="Arial"/>
-              <a:buChar char="•"/>
-            </a:pPr>
-            <a:r>
-              <a:rPr b="0" lang="en-US" sz="11520" strike="noStrike" u="none">
-                <a:solidFill>
-                  <a:schemeClr val="dk1"/>
-                </a:solidFill>
-                <a:effectLst/>
-                <a:uFillTx/>
-                <a:latin typeface="Aptos"/>
-              </a:rPr>
-              <a:t>Second level</a:t>
-            </a:r>
-            <a:endParaRPr b="0" lang="en-US" sz="11520" strike="noStrike" u="none">
-              <a:solidFill>
-                <a:schemeClr val="dk1"/>
-              </a:solidFill>
-              <a:effectLst/>
-              <a:uFillTx/>
-              <a:latin typeface="Aptos"/>
-            </a:endParaRPr>
-          </a:p>
-          <a:p>
-            <a:pPr lvl="2" marL="5486400" indent="-1097280" defTabSz="4389120">
-              <a:lnSpc>
-                <a:spcPct val="90000"/>
-              </a:lnSpc>
-              <a:spcBef>
-                <a:spcPts val="2401"/>
-              </a:spcBef>
-              <a:buClr>
-                <a:srgbClr val="000000"/>
-              </a:buClr>
-              <a:buFont typeface="Arial"/>
-              <a:buChar char="•"/>
-            </a:pPr>
-            <a:r>
-              <a:rPr b="0" lang="en-US" sz="9600" strike="noStrike" u="none">
-                <a:solidFill>
-                  <a:schemeClr val="dk1"/>
-                </a:solidFill>
-                <a:effectLst/>
-                <a:uFillTx/>
-                <a:latin typeface="Aptos"/>
-              </a:rPr>
-              <a:t>Third level</a:t>
-            </a:r>
-            <a:endParaRPr b="0" lang="en-US" sz="9600" strike="noStrike" u="none">
-              <a:solidFill>
-                <a:schemeClr val="dk1"/>
-              </a:solidFill>
-              <a:effectLst/>
-              <a:uFillTx/>
-              <a:latin typeface="Aptos"/>
-            </a:endParaRPr>
-          </a:p>
-          <a:p>
-            <a:pPr lvl="3" marL="7680960" indent="-1097280" defTabSz="4389120">
-              <a:lnSpc>
-                <a:spcPct val="90000"/>
-              </a:lnSpc>
-              <a:spcBef>
-                <a:spcPts val="2401"/>
-              </a:spcBef>
-              <a:buClr>
-                <a:srgbClr val="000000"/>
-              </a:buClr>
-              <a:buFont typeface="Arial"/>
-              <a:buChar char="•"/>
-            </a:pPr>
-            <a:r>
-              <a:rPr b="0" lang="en-US" sz="8640" strike="noStrike" u="none">
-                <a:solidFill>
-                  <a:schemeClr val="dk1"/>
-                </a:solidFill>
-                <a:effectLst/>
-                <a:uFillTx/>
-                <a:latin typeface="Aptos"/>
-              </a:rPr>
-              <a:t>Fourth level</a:t>
-            </a:r>
-            <a:endParaRPr b="0" lang="en-US" sz="8640" strike="noStrike" u="none">
-              <a:solidFill>
-                <a:schemeClr val="dk1"/>
-              </a:solidFill>
-              <a:effectLst/>
-              <a:uFillTx/>
-              <a:latin typeface="Aptos"/>
-            </a:endParaRPr>
-          </a:p>
-          <a:p>
-            <a:pPr lvl="4" marL="9875520" indent="-1097280" defTabSz="4389120">
-              <a:lnSpc>
-                <a:spcPct val="90000"/>
-              </a:lnSpc>
-              <a:spcBef>
-                <a:spcPts val="2401"/>
-              </a:spcBef>
-              <a:buClr>
-                <a:srgbClr val="000000"/>
-              </a:buClr>
-              <a:buFont typeface="Arial"/>
-              <a:buChar char="•"/>
-            </a:pPr>
-            <a:r>
-              <a:rPr b="0" lang="en-US" sz="8640" strike="noStrike" u="none">
-                <a:solidFill>
-                  <a:schemeClr val="dk1"/>
-                </a:solidFill>
-                <a:effectLst/>
-                <a:uFillTx/>
-                <a:latin typeface="Aptos"/>
-              </a:rPr>
-              <a:t>Fifth level</a:t>
-            </a:r>
-            <a:endParaRPr b="0" lang="en-US" sz="8640" strike="noStrike" u="none">
-              <a:solidFill>
-                <a:schemeClr val="dk1"/>
-              </a:solidFill>
-              <a:effectLst/>
-              <a:uFillTx/>
-              <a:latin typeface="Aptos"/>
-            </a:endParaRPr>
-          </a:p>
-        </p:txBody>
-      </p:sp>
-      <p:sp>
-        <p:nvSpPr>
-          <p:cNvPr id="16" name="PlaceHolder 3"/>
+          <p:cNvPr id="16" name="PlaceHolder 2"/>
           <p:cNvSpPr>
             <a:spLocks noGrp="1"/>
           </p:cNvSpPr>
@@ -3138,7 +3149,7 @@
         <p:spPr>
           <a:xfrm>
             <a:off x="3017520" y="30510360"/>
-            <a:ext cx="9875160" cy="1752120"/>
+            <a:ext cx="9874800" cy="1751760"/>
           </a:xfrm>
           <a:prstGeom prst="rect">
             <a:avLst/>
@@ -3158,6 +3169,9 @@
                 <a:spcPct val="100000"/>
               </a:lnSpc>
               <a:buNone/>
+              <a:tabLst>
+                <a:tab algn="l" pos="0"/>
+              </a:tabLst>
               <a:defRPr b="0" lang="en-US" sz="5760" strike="noStrike" u="none">
                 <a:solidFill>
                   <a:schemeClr val="dk1">
@@ -3176,6 +3190,9 @@
                 <a:spcPct val="100000"/>
               </a:lnSpc>
               <a:buNone/>
+              <a:tabLst>
+                <a:tab algn="l" pos="0"/>
+              </a:tabLst>
             </a:pPr>
             <a:r>
               <a:rPr b="0" lang="en-US" sz="5760" strike="noStrike" u="none">
@@ -3203,7 +3220,7 @@
       </p:sp>
       <p:sp>
         <p:nvSpPr>
-          <p:cNvPr id="17" name="PlaceHolder 4"/>
+          <p:cNvPr id="17" name="PlaceHolder 3"/>
           <p:cNvSpPr>
             <a:spLocks noGrp="1"/>
           </p:cNvSpPr>
@@ -3214,7 +3231,7 @@
         <p:spPr>
           <a:xfrm>
             <a:off x="14538960" y="30510360"/>
-            <a:ext cx="14812920" cy="1752120"/>
+            <a:ext cx="14812560" cy="1751760"/>
           </a:xfrm>
           <a:prstGeom prst="rect">
             <a:avLst/>
@@ -3230,7 +3247,13 @@
           </a:bodyPr>
           <a:lstStyle>
             <a:lvl1pPr indent="0" algn="ctr">
-              <a:buNone/>
+              <a:lnSpc>
+                <a:spcPct val="100000"/>
+              </a:lnSpc>
+              <a:buNone/>
+              <a:tabLst>
+                <a:tab algn="l" pos="0"/>
+              </a:tabLst>
               <a:defRPr b="0" lang="en-US" sz="1400" strike="noStrike" u="none">
                 <a:solidFill>
                   <a:srgbClr val="000000"/>
@@ -3243,7 +3266,13 @@
           </a:lstStyle>
           <a:p>
             <a:pPr indent="0" algn="ctr">
-              <a:buNone/>
+              <a:lnSpc>
+                <a:spcPct val="100000"/>
+              </a:lnSpc>
+              <a:buNone/>
+              <a:tabLst>
+                <a:tab algn="l" pos="0"/>
+              </a:tabLst>
             </a:pPr>
             <a:r>
               <a:rPr b="0" lang="en-US" sz="1400" strike="noStrike" u="none">
@@ -3269,7 +3298,7 @@
       </p:sp>
       <p:sp>
         <p:nvSpPr>
-          <p:cNvPr id="18" name="PlaceHolder 5"/>
+          <p:cNvPr id="18" name="PlaceHolder 4"/>
           <p:cNvSpPr>
             <a:spLocks noGrp="1"/>
           </p:cNvSpPr>
@@ -3280,7 +3309,7 @@
         <p:spPr>
           <a:xfrm>
             <a:off x="30998160" y="30510360"/>
-            <a:ext cx="9875160" cy="1752120"/>
+            <a:ext cx="9874800" cy="1751760"/>
           </a:xfrm>
           <a:prstGeom prst="rect">
             <a:avLst/>
@@ -3300,6 +3329,9 @@
                 <a:spcPct val="100000"/>
               </a:lnSpc>
               <a:buNone/>
+              <a:tabLst>
+                <a:tab algn="l" pos="0"/>
+              </a:tabLst>
               <a:defRPr b="0" lang="en-US" sz="5760" strike="noStrike" u="none">
                 <a:solidFill>
                   <a:schemeClr val="dk1">
@@ -3318,8 +3350,11 @@
                 <a:spcPct val="100000"/>
               </a:lnSpc>
               <a:buNone/>
-            </a:pPr>
-            <a:fld id="{F7D6E7B8-A84C-4CC2-B553-B8ABE56B21A9}" type="slidenum">
+              <a:tabLst>
+                <a:tab algn="l" pos="0"/>
+              </a:tabLst>
+            </a:pPr>
+            <a:fld id="{A1A6F47C-C8E6-4299-8F51-576CB23A0AE7}" type="slidenum">
               <a:rPr b="0" lang="en-US" sz="5760" strike="noStrike" u="none">
                 <a:solidFill>
                   <a:schemeClr val="dk1">
@@ -3349,8 +3384,8 @@
 </file>
 
 <file path=ppt/slideLayouts/slideLayout5.xml><?xml version="1.0" encoding="utf-8"?>
-<p:sldLayout xmlns:a="http://schemas.openxmlformats.org/drawingml/2006/main" xmlns:p="http://schemas.openxmlformats.org/presentationml/2006/main" xmlns:r="http://schemas.openxmlformats.org/officeDocument/2006/relationships" xmlns:p14="http://schemas.microsoft.com/office/powerpoint/2010/main" xmlns:p15="http://schemas.microsoft.com/office/powerpoint/2012/main" xmlns:mc="http://schemas.openxmlformats.org/markup-compatibility/2006" type="blank" preserve="1">
-  <p:cSld name="Section Header">
+<p:sldLayout xmlns:a="http://schemas.openxmlformats.org/drawingml/2006/main" xmlns:p="http://schemas.openxmlformats.org/presentationml/2006/main" xmlns:r="http://schemas.openxmlformats.org/officeDocument/2006/relationships" xmlns:p14="http://schemas.microsoft.com/office/powerpoint/2010/main" xmlns:p15="http://schemas.microsoft.com/office/powerpoint/2012/main" xmlns:mc="http://schemas.openxmlformats.org/markup-compatibility/2006" type="vertTx" preserve="1">
+  <p:cSld name="Title and Vertical Text">
     <p:bg>
       <p:bgPr>
         <a:solidFill>
@@ -3384,8 +3419,8 @@
         </p:nvSpPr>
         <p:spPr>
           <a:xfrm>
-            <a:off x="2994840" y="8206920"/>
-            <a:ext cx="37855800" cy="13692600"/>
+            <a:off x="3017520" y="1752480"/>
+            <a:ext cx="37855440" cy="6361920"/>
           </a:xfrm>
           <a:prstGeom prst="rect">
             <a:avLst/>
@@ -3396,7 +3431,7 @@
           </a:ln>
         </p:spPr>
         <p:txBody>
-          <a:bodyPr lIns="91440" rIns="91440" tIns="45720" bIns="45720" anchor="b">
+          <a:bodyPr lIns="91440" rIns="91440" tIns="45720" bIns="45720" anchor="ctr">
             <a:noAutofit/>
           </a:bodyPr>
           <a:p>
@@ -3405,9 +3440,12 @@
                 <a:spcPct val="90000"/>
               </a:lnSpc>
               <a:buNone/>
+              <a:tabLst>
+                <a:tab algn="l" pos="0"/>
+              </a:tabLst>
             </a:pPr>
             <a:r>
-              <a:rPr b="0" lang="en-US" sz="28800" strike="noStrike" u="none">
+              <a:rPr b="0" lang="en-US" sz="21120" strike="noStrike" u="none">
                 <a:solidFill>
                   <a:schemeClr val="dk1"/>
                 </a:solidFill>
@@ -3417,13 +3455,13 @@
               </a:rPr>
               <a:t>Click to edit Master title style</a:t>
             </a:r>
-            <a:endParaRPr b="0" lang="en-US" sz="28800" strike="noStrike" u="none">
-              <a:solidFill>
-                <a:schemeClr val="dk1"/>
-              </a:solidFill>
-              <a:effectLst/>
-              <a:uFillTx/>
-              <a:latin typeface="Aptos"/>
+            <a:endParaRPr b="0" lang="en-US" sz="21120" strike="noStrike" u="none">
+              <a:solidFill>
+                <a:srgbClr val="000000"/>
+              </a:solidFill>
+              <a:effectLst/>
+              <a:uFillTx/>
+              <a:latin typeface="Arial"/>
             </a:endParaRPr>
           </a:p>
         </p:txBody>
@@ -3440,8 +3478,8 @@
         </p:nvSpPr>
         <p:spPr>
           <a:xfrm>
-            <a:off x="2994840" y="22029480"/>
-            <a:ext cx="37855800" cy="7200360"/>
+            <a:off x="3017520" y="8763120"/>
+            <a:ext cx="37855440" cy="20885760"/>
           </a:xfrm>
           <a:prstGeom prst="rect">
             <a:avLst/>
@@ -3452,42 +3490,177 @@
           </a:ln>
         </p:spPr>
         <p:txBody>
-          <a:bodyPr lIns="91440" rIns="91440" tIns="45720" bIns="45720" anchor="t">
+          <a:bodyPr lIns="91440" rIns="91440" tIns="45720" bIns="45720" anchor="t" vert="eaVert">
             <a:noAutofit/>
           </a:bodyPr>
           <a:p>
-            <a:pPr indent="0" defTabSz="4389120">
+            <a:pPr marL="1097280" indent="-1097280" defTabSz="4389120">
               <a:lnSpc>
                 <a:spcPct val="90000"/>
               </a:lnSpc>
               <a:spcBef>
                 <a:spcPts val="4799"/>
               </a:spcBef>
-              <a:buNone/>
-              <a:tabLst>
-                <a:tab algn="l" pos="0"/>
-              </a:tabLst>
+              <a:buClr>
+                <a:srgbClr val="000000"/>
+              </a:buClr>
+              <a:buFont typeface="Arial"/>
+              <a:buChar char="•"/>
+            </a:pPr>
+            <a:r>
+              <a:rPr b="0" lang="en-US" sz="13439" strike="noStrike" u="none">
+                <a:solidFill>
+                  <a:schemeClr val="dk1"/>
+                </a:solidFill>
+                <a:effectLst/>
+                <a:uFillTx/>
+                <a:latin typeface="Aptos"/>
+              </a:rPr>
+              <a:t>Click to edit Master text styles</a:t>
+            </a:r>
+            <a:endParaRPr b="0" lang="en-US" sz="13439" strike="noStrike" u="none">
+              <a:solidFill>
+                <a:srgbClr val="000000"/>
+              </a:solidFill>
+              <a:effectLst/>
+              <a:uFillTx/>
+              <a:latin typeface="Arial"/>
+            </a:endParaRPr>
+          </a:p>
+          <a:p>
+            <a:pPr lvl="1" marL="3291840" indent="-1097280" defTabSz="4389120">
+              <a:lnSpc>
+                <a:spcPct val="90000"/>
+              </a:lnSpc>
+              <a:spcBef>
+                <a:spcPts val="2401"/>
+              </a:spcBef>
+              <a:buClr>
+                <a:srgbClr val="000000"/>
+              </a:buClr>
+              <a:buFont typeface="Arial"/>
+              <a:buChar char="•"/>
             </a:pPr>
             <a:r>
               <a:rPr b="0" lang="en-US" sz="11520" strike="noStrike" u="none">
                 <a:solidFill>
-                  <a:schemeClr val="dk1">
-                    <a:tint val="82000"/>
-                  </a:schemeClr>
-                </a:solidFill>
-                <a:effectLst/>
-                <a:uFillTx/>
-                <a:latin typeface="Aptos"/>
-              </a:rPr>
-              <a:t>Click to edit Master text styles</a:t>
+                  <a:schemeClr val="dk1"/>
+                </a:solidFill>
+                <a:effectLst/>
+                <a:uFillTx/>
+                <a:latin typeface="Aptos"/>
+              </a:rPr>
+              <a:t>Second level</a:t>
             </a:r>
             <a:endParaRPr b="0" lang="en-US" sz="11520" strike="noStrike" u="none">
               <a:solidFill>
-                <a:schemeClr val="dk1"/>
-              </a:solidFill>
-              <a:effectLst/>
-              <a:uFillTx/>
-              <a:latin typeface="Aptos"/>
+                <a:srgbClr val="000000"/>
+              </a:solidFill>
+              <a:effectLst/>
+              <a:uFillTx/>
+              <a:latin typeface="Arial"/>
+            </a:endParaRPr>
+          </a:p>
+          <a:p>
+            <a:pPr lvl="2" marL="5486400" indent="-1097280" defTabSz="4389120">
+              <a:lnSpc>
+                <a:spcPct val="90000"/>
+              </a:lnSpc>
+              <a:spcBef>
+                <a:spcPts val="2401"/>
+              </a:spcBef>
+              <a:buClr>
+                <a:srgbClr val="000000"/>
+              </a:buClr>
+              <a:buFont typeface="Arial"/>
+              <a:buChar char="•"/>
+            </a:pPr>
+            <a:r>
+              <a:rPr b="0" lang="en-US" sz="9600" strike="noStrike" u="none">
+                <a:solidFill>
+                  <a:schemeClr val="dk1"/>
+                </a:solidFill>
+                <a:effectLst/>
+                <a:uFillTx/>
+                <a:latin typeface="Aptos"/>
+              </a:rPr>
+              <a:t>Third level</a:t>
+            </a:r>
+            <a:endParaRPr b="0" lang="en-US" sz="9600" strike="noStrike" u="none">
+              <a:solidFill>
+                <a:srgbClr val="000000"/>
+              </a:solidFill>
+              <a:effectLst/>
+              <a:uFillTx/>
+              <a:latin typeface="Arial"/>
+            </a:endParaRPr>
+          </a:p>
+          <a:p>
+            <a:pPr lvl="3" marL="7680960" indent="-1097280" defTabSz="4389120">
+              <a:lnSpc>
+                <a:spcPct val="90000"/>
+              </a:lnSpc>
+              <a:spcBef>
+                <a:spcPts val="2401"/>
+              </a:spcBef>
+              <a:buClr>
+                <a:srgbClr val="000000"/>
+              </a:buClr>
+              <a:buFont typeface="Arial"/>
+              <a:buChar char="•"/>
+            </a:pPr>
+            <a:r>
+              <a:rPr b="0" lang="en-US" sz="8640" strike="noStrike" u="none">
+                <a:solidFill>
+                  <a:schemeClr val="dk1"/>
+                </a:solidFill>
+                <a:effectLst/>
+                <a:uFillTx/>
+                <a:latin typeface="Aptos"/>
+              </a:rPr>
+              <a:t>Fourth level</a:t>
+            </a:r>
+            <a:endParaRPr b="0" lang="en-US" sz="8640" strike="noStrike" u="none">
+              <a:solidFill>
+                <a:srgbClr val="000000"/>
+              </a:solidFill>
+              <a:effectLst/>
+              <a:uFillTx/>
+              <a:latin typeface="Arial"/>
+            </a:endParaRPr>
+          </a:p>
+          <a:p>
+            <a:pPr lvl="4" marL="9875520" indent="-1097280" defTabSz="4389120">
+              <a:lnSpc>
+                <a:spcPct val="90000"/>
+              </a:lnSpc>
+              <a:spcBef>
+                <a:spcPts val="2401"/>
+              </a:spcBef>
+              <a:buClr>
+                <a:srgbClr val="000000"/>
+              </a:buClr>
+              <a:buFont typeface="Arial"/>
+              <a:buChar char="•"/>
+            </a:pPr>
+            <a:r>
+              <a:rPr b="0" lang="en-US" sz="8640" strike="noStrike" u="none">
+                <a:solidFill>
+                  <a:schemeClr val="dk1"/>
+                </a:solidFill>
+                <a:effectLst/>
+                <a:uFillTx/>
+                <a:latin typeface="Aptos"/>
+              </a:rPr>
+              <a:t>Fifth level</a:t>
+            </a:r>
+            <a:endParaRPr b="0" lang="en-US" sz="8640" strike="noStrike" u="none">
+              <a:solidFill>
+                <a:srgbClr val="000000"/>
+              </a:solidFill>
+              <a:effectLst/>
+              <a:uFillTx/>
+              <a:latin typeface="Arial"/>
             </a:endParaRPr>
           </a:p>
         </p:txBody>
@@ -3505,7 +3678,7 @@
         <p:spPr>
           <a:xfrm>
             <a:off x="3017520" y="30510360"/>
-            <a:ext cx="9875160" cy="1752120"/>
+            <a:ext cx="9874800" cy="1751760"/>
           </a:xfrm>
           <a:prstGeom prst="rect">
             <a:avLst/>
@@ -3525,6 +3698,9 @@
                 <a:spcPct val="100000"/>
               </a:lnSpc>
               <a:buNone/>
+              <a:tabLst>
+                <a:tab algn="l" pos="0"/>
+              </a:tabLst>
               <a:defRPr b="0" lang="en-US" sz="5760" strike="noStrike" u="none">
                 <a:solidFill>
                   <a:schemeClr val="dk1">
@@ -3543,6 +3719,9 @@
                 <a:spcPct val="100000"/>
               </a:lnSpc>
               <a:buNone/>
+              <a:tabLst>
+                <a:tab algn="l" pos="0"/>
+              </a:tabLst>
             </a:pPr>
             <a:r>
               <a:rPr b="0" lang="en-US" sz="5760" strike="noStrike" u="none">
@@ -3581,7 +3760,7 @@
         <p:spPr>
           <a:xfrm>
             <a:off x="14538960" y="30510360"/>
-            <a:ext cx="14812920" cy="1752120"/>
+            <a:ext cx="14812560" cy="1751760"/>
           </a:xfrm>
           <a:prstGeom prst="rect">
             <a:avLst/>
@@ -3597,7 +3776,13 @@
           </a:bodyPr>
           <a:lstStyle>
             <a:lvl1pPr indent="0" algn="ctr">
-              <a:buNone/>
+              <a:lnSpc>
+                <a:spcPct val="100000"/>
+              </a:lnSpc>
+              <a:buNone/>
+              <a:tabLst>
+                <a:tab algn="l" pos="0"/>
+              </a:tabLst>
               <a:defRPr b="0" lang="en-US" sz="1400" strike="noStrike" u="none">
                 <a:solidFill>
                   <a:srgbClr val="000000"/>
@@ -3610,7 +3795,13 @@
           </a:lstStyle>
           <a:p>
             <a:pPr indent="0" algn="ctr">
-              <a:buNone/>
+              <a:lnSpc>
+                <a:spcPct val="100000"/>
+              </a:lnSpc>
+              <a:buNone/>
+              <a:tabLst>
+                <a:tab algn="l" pos="0"/>
+              </a:tabLst>
             </a:pPr>
             <a:r>
               <a:rPr b="0" lang="en-US" sz="1400" strike="noStrike" u="none">
@@ -3647,7 +3838,7 @@
         <p:spPr>
           <a:xfrm>
             <a:off x="30998160" y="30510360"/>
-            <a:ext cx="9875160" cy="1752120"/>
+            <a:ext cx="9874800" cy="1751760"/>
           </a:xfrm>
           <a:prstGeom prst="rect">
             <a:avLst/>
@@ -3667,6 +3858,9 @@
                 <a:spcPct val="100000"/>
               </a:lnSpc>
               <a:buNone/>
+              <a:tabLst>
+                <a:tab algn="l" pos="0"/>
+              </a:tabLst>
               <a:defRPr b="0" lang="en-US" sz="5760" strike="noStrike" u="none">
                 <a:solidFill>
                   <a:schemeClr val="dk1">
@@ -3685,8 +3879,11 @@
                 <a:spcPct val="100000"/>
               </a:lnSpc>
               <a:buNone/>
-            </a:pPr>
-            <a:fld id="{B25B2F00-F995-45F8-82C0-6D8EAC9D2219}" type="slidenum">
+              <a:tabLst>
+                <a:tab algn="l" pos="0"/>
+              </a:tabLst>
+            </a:pPr>
+            <a:fld id="{A52BB3BB-E590-42E3-8F00-D12C3266BA10}" type="slidenum">
               <a:rPr b="0" lang="en-US" sz="5760" strike="noStrike" u="none">
                 <a:solidFill>
                   <a:schemeClr val="dk1">
@@ -3716,8 +3913,8 @@
 </file>
 
 <file path=ppt/slideLayouts/slideLayout6.xml><?xml version="1.0" encoding="utf-8"?>
-<p:sldLayout xmlns:a="http://schemas.openxmlformats.org/drawingml/2006/main" xmlns:p="http://schemas.openxmlformats.org/presentationml/2006/main" xmlns:r="http://schemas.openxmlformats.org/officeDocument/2006/relationships" xmlns:p14="http://schemas.microsoft.com/office/powerpoint/2010/main" xmlns:p15="http://schemas.microsoft.com/office/powerpoint/2012/main" xmlns:mc="http://schemas.openxmlformats.org/markup-compatibility/2006" type="twoObj" preserve="1">
-  <p:cSld name="Two Content">
+<p:sldLayout xmlns:a="http://schemas.openxmlformats.org/drawingml/2006/main" xmlns:p="http://schemas.openxmlformats.org/presentationml/2006/main" xmlns:r="http://schemas.openxmlformats.org/officeDocument/2006/relationships" xmlns:p14="http://schemas.microsoft.com/office/powerpoint/2010/main" xmlns:p15="http://schemas.microsoft.com/office/powerpoint/2012/main" xmlns:mc="http://schemas.openxmlformats.org/markup-compatibility/2006" type="vertTitleAndTx" preserve="1">
+  <p:cSld name="Vertical Title and Text">
     <p:bg>
       <p:bgPr>
         <a:solidFill>
@@ -3751,8 +3948,8 @@
         </p:nvSpPr>
         <p:spPr>
           <a:xfrm>
-            <a:off x="3017520" y="1752480"/>
-            <a:ext cx="37855800" cy="6362280"/>
+            <a:off x="31409640" y="1752480"/>
+            <a:ext cx="9463320" cy="27896040"/>
           </a:xfrm>
           <a:prstGeom prst="rect">
             <a:avLst/>
@@ -3763,7 +3960,7 @@
           </a:ln>
         </p:spPr>
         <p:txBody>
-          <a:bodyPr lIns="91440" rIns="91440" tIns="45720" bIns="45720" anchor="ctr">
+          <a:bodyPr lIns="91440" rIns="91440" tIns="45720" bIns="45720" anchor="ctr" vert="eaVert">
             <a:noAutofit/>
           </a:bodyPr>
           <a:p>
@@ -3772,6 +3969,9 @@
                 <a:spcPct val="90000"/>
               </a:lnSpc>
               <a:buNone/>
+              <a:tabLst>
+                <a:tab algn="l" pos="0"/>
+              </a:tabLst>
             </a:pPr>
             <a:r>
               <a:rPr b="0" lang="en-US" sz="21120" strike="noStrike" u="none">
@@ -3786,11 +3986,11 @@
             </a:r>
             <a:endParaRPr b="0" lang="en-US" sz="21120" strike="noStrike" u="none">
               <a:solidFill>
-                <a:schemeClr val="dk1"/>
-              </a:solidFill>
-              <a:effectLst/>
-              <a:uFillTx/>
-              <a:latin typeface="Aptos"/>
+                <a:srgbClr val="000000"/>
+              </a:solidFill>
+              <a:effectLst/>
+              <a:uFillTx/>
+              <a:latin typeface="Arial"/>
             </a:endParaRPr>
           </a:p>
         </p:txBody>
@@ -3807,8 +4007,8 @@
         </p:nvSpPr>
         <p:spPr>
           <a:xfrm>
-            <a:off x="3017520" y="8763120"/>
-            <a:ext cx="18653400" cy="20886120"/>
+            <a:off x="3017520" y="1752480"/>
+            <a:ext cx="27842760" cy="27896040"/>
           </a:xfrm>
           <a:prstGeom prst="rect">
             <a:avLst/>
@@ -3819,7 +4019,7 @@
           </a:ln>
         </p:spPr>
         <p:txBody>
-          <a:bodyPr lIns="91440" rIns="91440" tIns="45720" bIns="45720" anchor="t">
+          <a:bodyPr lIns="91440" rIns="91440" tIns="45720" bIns="45720" anchor="t" vert="eaVert">
             <a:noAutofit/>
           </a:bodyPr>
           <a:p>
@@ -3849,11 +4049,11 @@
             </a:r>
             <a:endParaRPr b="0" lang="en-US" sz="13439" strike="noStrike" u="none">
               <a:solidFill>
-                <a:schemeClr val="dk1"/>
-              </a:solidFill>
-              <a:effectLst/>
-              <a:uFillTx/>
-              <a:latin typeface="Aptos"/>
+                <a:srgbClr val="000000"/>
+              </a:solidFill>
+              <a:effectLst/>
+              <a:uFillTx/>
+              <a:latin typeface="Arial"/>
             </a:endParaRPr>
           </a:p>
           <a:p>
@@ -3883,11 +4083,11 @@
             </a:r>
             <a:endParaRPr b="0" lang="en-US" sz="11520" strike="noStrike" u="none">
               <a:solidFill>
-                <a:schemeClr val="dk1"/>
-              </a:solidFill>
-              <a:effectLst/>
-              <a:uFillTx/>
-              <a:latin typeface="Aptos"/>
+                <a:srgbClr val="000000"/>
+              </a:solidFill>
+              <a:effectLst/>
+              <a:uFillTx/>
+              <a:latin typeface="Arial"/>
             </a:endParaRPr>
           </a:p>
           <a:p>
@@ -3917,11 +4117,11 @@
             </a:r>
             <a:endParaRPr b="0" lang="en-US" sz="9600" strike="noStrike" u="none">
               <a:solidFill>
-                <a:schemeClr val="dk1"/>
-              </a:solidFill>
-              <a:effectLst/>
-              <a:uFillTx/>
-              <a:latin typeface="Aptos"/>
+                <a:srgbClr val="000000"/>
+              </a:solidFill>
+              <a:effectLst/>
+              <a:uFillTx/>
+              <a:latin typeface="Arial"/>
             </a:endParaRPr>
           </a:p>
           <a:p>
@@ -3951,11 +4151,11 @@
             </a:r>
             <a:endParaRPr b="0" lang="en-US" sz="8640" strike="noStrike" u="none">
               <a:solidFill>
-                <a:schemeClr val="dk1"/>
-              </a:solidFill>
-              <a:effectLst/>
-              <a:uFillTx/>
-              <a:latin typeface="Aptos"/>
+                <a:srgbClr val="000000"/>
+              </a:solidFill>
+              <a:effectLst/>
+              <a:uFillTx/>
+              <a:latin typeface="Arial"/>
             </a:endParaRPr>
           </a:p>
           <a:p>
@@ -3985,11 +4185,11 @@
             </a:r>
             <a:endParaRPr b="0" lang="en-US" sz="8640" strike="noStrike" u="none">
               <a:solidFill>
-                <a:schemeClr val="dk1"/>
-              </a:solidFill>
-              <a:effectLst/>
-              <a:uFillTx/>
-              <a:latin typeface="Aptos"/>
+                <a:srgbClr val="000000"/>
+              </a:solidFill>
+              <a:effectLst/>
+              <a:uFillTx/>
+              <a:latin typeface="Arial"/>
             </a:endParaRPr>
           </a:p>
         </p:txBody>
@@ -3997,205 +4197,6 @@
       <p:sp>
         <p:nvSpPr>
           <p:cNvPr id="26" name="PlaceHolder 3"/>
-          <p:cNvSpPr>
-            <a:spLocks noGrp="1"/>
-          </p:cNvSpPr>
-          <p:nvPr>
-            <p:ph type="body"/>
-          </p:nvPr>
-        </p:nvSpPr>
-        <p:spPr>
-          <a:xfrm>
-            <a:off x="22219920" y="8763120"/>
-            <a:ext cx="18653400" cy="20886120"/>
-          </a:xfrm>
-          <a:prstGeom prst="rect">
-            <a:avLst/>
-          </a:prstGeom>
-          <a:noFill/>
-          <a:ln w="0">
-            <a:noFill/>
-          </a:ln>
-        </p:spPr>
-        <p:txBody>
-          <a:bodyPr lIns="91440" rIns="91440" tIns="45720" bIns="45720" anchor="t">
-            <a:noAutofit/>
-          </a:bodyPr>
-          <a:p>
-            <a:pPr marL="1097280" indent="-1097280" defTabSz="4389120">
-              <a:lnSpc>
-                <a:spcPct val="90000"/>
-              </a:lnSpc>
-              <a:spcBef>
-                <a:spcPts val="4799"/>
-              </a:spcBef>
-              <a:buClr>
-                <a:srgbClr val="000000"/>
-              </a:buClr>
-              <a:buFont typeface="Arial"/>
-              <a:buChar char="•"/>
-            </a:pPr>
-            <a:r>
-              <a:rPr b="0" lang="en-US" sz="13439" strike="noStrike" u="none">
-                <a:solidFill>
-                  <a:schemeClr val="dk1"/>
-                </a:solidFill>
-                <a:effectLst/>
-                <a:uFillTx/>
-                <a:latin typeface="Aptos"/>
-              </a:rPr>
-              <a:t>Click to edit Master text styles</a:t>
-            </a:r>
-            <a:endParaRPr b="0" lang="en-US" sz="13439" strike="noStrike" u="none">
-              <a:solidFill>
-                <a:schemeClr val="dk1"/>
-              </a:solidFill>
-              <a:effectLst/>
-              <a:uFillTx/>
-              <a:latin typeface="Aptos"/>
-            </a:endParaRPr>
-          </a:p>
-          <a:p>
-            <a:pPr lvl="1" marL="3291840" indent="-1097280" defTabSz="4389120">
-              <a:lnSpc>
-                <a:spcPct val="90000"/>
-              </a:lnSpc>
-              <a:spcBef>
-                <a:spcPts val="2401"/>
-              </a:spcBef>
-              <a:buClr>
-                <a:srgbClr val="000000"/>
-              </a:buClr>
-              <a:buFont typeface="Arial"/>
-              <a:buChar char="•"/>
-            </a:pPr>
-            <a:r>
-              <a:rPr b="0" lang="en-US" sz="11520" strike="noStrike" u="none">
-                <a:solidFill>
-                  <a:schemeClr val="dk1"/>
-                </a:solidFill>
-                <a:effectLst/>
-                <a:uFillTx/>
-                <a:latin typeface="Aptos"/>
-              </a:rPr>
-              <a:t>Second level</a:t>
-            </a:r>
-            <a:endParaRPr b="0" lang="en-US" sz="11520" strike="noStrike" u="none">
-              <a:solidFill>
-                <a:schemeClr val="dk1"/>
-              </a:solidFill>
-              <a:effectLst/>
-              <a:uFillTx/>
-              <a:latin typeface="Aptos"/>
-            </a:endParaRPr>
-          </a:p>
-          <a:p>
-            <a:pPr lvl="2" marL="5486400" indent="-1097280" defTabSz="4389120">
-              <a:lnSpc>
-                <a:spcPct val="90000"/>
-              </a:lnSpc>
-              <a:spcBef>
-                <a:spcPts val="2401"/>
-              </a:spcBef>
-              <a:buClr>
-                <a:srgbClr val="000000"/>
-              </a:buClr>
-              <a:buFont typeface="Arial"/>
-              <a:buChar char="•"/>
-            </a:pPr>
-            <a:r>
-              <a:rPr b="0" lang="en-US" sz="9600" strike="noStrike" u="none">
-                <a:solidFill>
-                  <a:schemeClr val="dk1"/>
-                </a:solidFill>
-                <a:effectLst/>
-                <a:uFillTx/>
-                <a:latin typeface="Aptos"/>
-              </a:rPr>
-              <a:t>Third level</a:t>
-            </a:r>
-            <a:endParaRPr b="0" lang="en-US" sz="9600" strike="noStrike" u="none">
-              <a:solidFill>
-                <a:schemeClr val="dk1"/>
-              </a:solidFill>
-              <a:effectLst/>
-              <a:uFillTx/>
-              <a:latin typeface="Aptos"/>
-            </a:endParaRPr>
-          </a:p>
-          <a:p>
-            <a:pPr lvl="3" marL="7680960" indent="-1097280" defTabSz="4389120">
-              <a:lnSpc>
-                <a:spcPct val="90000"/>
-              </a:lnSpc>
-              <a:spcBef>
-                <a:spcPts val="2401"/>
-              </a:spcBef>
-              <a:buClr>
-                <a:srgbClr val="000000"/>
-              </a:buClr>
-              <a:buFont typeface="Arial"/>
-              <a:buChar char="•"/>
-            </a:pPr>
-            <a:r>
-              <a:rPr b="0" lang="en-US" sz="8640" strike="noStrike" u="none">
-                <a:solidFill>
-                  <a:schemeClr val="dk1"/>
-                </a:solidFill>
-                <a:effectLst/>
-                <a:uFillTx/>
-                <a:latin typeface="Aptos"/>
-              </a:rPr>
-              <a:t>Fourth level</a:t>
-            </a:r>
-            <a:endParaRPr b="0" lang="en-US" sz="8640" strike="noStrike" u="none">
-              <a:solidFill>
-                <a:schemeClr val="dk1"/>
-              </a:solidFill>
-              <a:effectLst/>
-              <a:uFillTx/>
-              <a:latin typeface="Aptos"/>
-            </a:endParaRPr>
-          </a:p>
-          <a:p>
-            <a:pPr lvl="4" marL="9875520" indent="-1097280" defTabSz="4389120">
-              <a:lnSpc>
-                <a:spcPct val="90000"/>
-              </a:lnSpc>
-              <a:spcBef>
-                <a:spcPts val="2401"/>
-              </a:spcBef>
-              <a:buClr>
-                <a:srgbClr val="000000"/>
-              </a:buClr>
-              <a:buFont typeface="Arial"/>
-              <a:buChar char="•"/>
-            </a:pPr>
-            <a:r>
-              <a:rPr b="0" lang="en-US" sz="8640" strike="noStrike" u="none">
-                <a:solidFill>
-                  <a:schemeClr val="dk1"/>
-                </a:solidFill>
-                <a:effectLst/>
-                <a:uFillTx/>
-                <a:latin typeface="Aptos"/>
-              </a:rPr>
-              <a:t>Fifth level</a:t>
-            </a:r>
-            <a:endParaRPr b="0" lang="en-US" sz="8640" strike="noStrike" u="none">
-              <a:solidFill>
-                <a:schemeClr val="dk1"/>
-              </a:solidFill>
-              <a:effectLst/>
-              <a:uFillTx/>
-              <a:latin typeface="Aptos"/>
-            </a:endParaRPr>
-          </a:p>
-        </p:txBody>
-      </p:sp>
-      <p:sp>
-        <p:nvSpPr>
-          <p:cNvPr id="27" name="PlaceHolder 4"/>
           <p:cNvSpPr>
             <a:spLocks noGrp="1"/>
           </p:cNvSpPr>
@@ -4206,7 +4207,7 @@
         <p:spPr>
           <a:xfrm>
             <a:off x="3017520" y="30510360"/>
-            <a:ext cx="9875160" cy="1752120"/>
+            <a:ext cx="9874800" cy="1751760"/>
           </a:xfrm>
           <a:prstGeom prst="rect">
             <a:avLst/>
@@ -4226,6 +4227,9 @@
                 <a:spcPct val="100000"/>
               </a:lnSpc>
               <a:buNone/>
+              <a:tabLst>
+                <a:tab algn="l" pos="0"/>
+              </a:tabLst>
               <a:defRPr b="0" lang="en-US" sz="5760" strike="noStrike" u="none">
                 <a:solidFill>
                   <a:schemeClr val="dk1">
@@ -4244,6 +4248,9 @@
                 <a:spcPct val="100000"/>
               </a:lnSpc>
               <a:buNone/>
+              <a:tabLst>
+                <a:tab algn="l" pos="0"/>
+              </a:tabLst>
             </a:pPr>
             <a:r>
               <a:rPr b="0" lang="en-US" sz="5760" strike="noStrike" u="none">
@@ -4271,7 +4278,7 @@
       </p:sp>
       <p:sp>
         <p:nvSpPr>
-          <p:cNvPr id="28" name="PlaceHolder 5"/>
+          <p:cNvPr id="27" name="PlaceHolder 4"/>
           <p:cNvSpPr>
             <a:spLocks noGrp="1"/>
           </p:cNvSpPr>
@@ -4282,7 +4289,7 @@
         <p:spPr>
           <a:xfrm>
             <a:off x="14538960" y="30510360"/>
-            <a:ext cx="14812920" cy="1752120"/>
+            <a:ext cx="14812560" cy="1751760"/>
           </a:xfrm>
           <a:prstGeom prst="rect">
             <a:avLst/>
@@ -4298,7 +4305,13 @@
           </a:bodyPr>
           <a:lstStyle>
             <a:lvl1pPr indent="0" algn="ctr">
-              <a:buNone/>
+              <a:lnSpc>
+                <a:spcPct val="100000"/>
+              </a:lnSpc>
+              <a:buNone/>
+              <a:tabLst>
+                <a:tab algn="l" pos="0"/>
+              </a:tabLst>
               <a:defRPr b="0" lang="en-US" sz="1400" strike="noStrike" u="none">
                 <a:solidFill>
                   <a:srgbClr val="000000"/>
@@ -4311,7 +4324,13 @@
           </a:lstStyle>
           <a:p>
             <a:pPr indent="0" algn="ctr">
-              <a:buNone/>
+              <a:lnSpc>
+                <a:spcPct val="100000"/>
+              </a:lnSpc>
+              <a:buNone/>
+              <a:tabLst>
+                <a:tab algn="l" pos="0"/>
+              </a:tabLst>
             </a:pPr>
             <a:r>
               <a:rPr b="0" lang="en-US" sz="1400" strike="noStrike" u="none">
@@ -4337,7 +4356,7 @@
       </p:sp>
       <p:sp>
         <p:nvSpPr>
-          <p:cNvPr id="29" name="PlaceHolder 6"/>
+          <p:cNvPr id="28" name="PlaceHolder 5"/>
           <p:cNvSpPr>
             <a:spLocks noGrp="1"/>
           </p:cNvSpPr>
@@ -4348,7 +4367,7 @@
         <p:spPr>
           <a:xfrm>
             <a:off x="30998160" y="30510360"/>
-            <a:ext cx="9875160" cy="1752120"/>
+            <a:ext cx="9874800" cy="1751760"/>
           </a:xfrm>
           <a:prstGeom prst="rect">
             <a:avLst/>
@@ -4368,6 +4387,9 @@
                 <a:spcPct val="100000"/>
               </a:lnSpc>
               <a:buNone/>
+              <a:tabLst>
+                <a:tab algn="l" pos="0"/>
+              </a:tabLst>
               <a:defRPr b="0" lang="en-US" sz="5760" strike="noStrike" u="none">
                 <a:solidFill>
                   <a:schemeClr val="dk1">
@@ -4386,8 +4408,11 @@
                 <a:spcPct val="100000"/>
               </a:lnSpc>
               <a:buNone/>
-            </a:pPr>
-            <a:fld id="{5F1184D2-36A1-4F1D-83F1-10604451D0C1}" type="slidenum">
+              <a:tabLst>
+                <a:tab algn="l" pos="0"/>
+              </a:tabLst>
+            </a:pPr>
+            <a:fld id="{6DDA2445-86FE-4DAD-930C-0C9C628EA1E3}" type="slidenum">
               <a:rPr b="0" lang="en-US" sz="5760" strike="noStrike" u="none">
                 <a:solidFill>
                   <a:schemeClr val="dk1">
@@ -4417,8 +4442,8 @@
 </file>
 
 <file path=ppt/slideLayouts/slideLayout7.xml><?xml version="1.0" encoding="utf-8"?>
-<p:sldLayout xmlns:a="http://schemas.openxmlformats.org/drawingml/2006/main" xmlns:p="http://schemas.openxmlformats.org/presentationml/2006/main" xmlns:r="http://schemas.openxmlformats.org/officeDocument/2006/relationships" xmlns:p14="http://schemas.microsoft.com/office/powerpoint/2010/main" xmlns:p15="http://schemas.microsoft.com/office/powerpoint/2012/main" xmlns:mc="http://schemas.openxmlformats.org/markup-compatibility/2006" type="blank" preserve="1">
-  <p:cSld name="Comparison">
+<p:sldLayout xmlns:a="http://schemas.openxmlformats.org/drawingml/2006/main" xmlns:p="http://schemas.openxmlformats.org/presentationml/2006/main" xmlns:r="http://schemas.openxmlformats.org/officeDocument/2006/relationships" xmlns:p14="http://schemas.microsoft.com/office/powerpoint/2010/main" xmlns:p15="http://schemas.microsoft.com/office/powerpoint/2012/main" xmlns:mc="http://schemas.openxmlformats.org/markup-compatibility/2006" type="obj" preserve="1">
+  <p:cSld name="Title and Content">
     <p:bg>
       <p:bgPr>
         <a:solidFill>
@@ -4442,7 +4467,7 @@
       </p:grpSpPr>
       <p:sp>
         <p:nvSpPr>
-          <p:cNvPr id="30" name="PlaceHolder 1"/>
+          <p:cNvPr id="29" name="PlaceHolder 1"/>
           <p:cNvSpPr>
             <a:spLocks noGrp="1"/>
           </p:cNvSpPr>
@@ -4452,8 +4477,8 @@
         </p:nvSpPr>
         <p:spPr>
           <a:xfrm>
-            <a:off x="3023280" y="1752480"/>
-            <a:ext cx="37855800" cy="6362280"/>
+            <a:off x="3017520" y="1752480"/>
+            <a:ext cx="37855440" cy="6361920"/>
           </a:xfrm>
           <a:prstGeom prst="rect">
             <a:avLst/>
@@ -4473,6 +4498,9 @@
                 <a:spcPct val="90000"/>
               </a:lnSpc>
               <a:buNone/>
+              <a:tabLst>
+                <a:tab algn="l" pos="0"/>
+              </a:tabLst>
             </a:pPr>
             <a:r>
               <a:rPr b="0" lang="en-US" sz="21120" strike="noStrike" u="none">
@@ -4487,18 +4515,18 @@
             </a:r>
             <a:endParaRPr b="0" lang="en-US" sz="21120" strike="noStrike" u="none">
               <a:solidFill>
-                <a:schemeClr val="dk1"/>
-              </a:solidFill>
-              <a:effectLst/>
-              <a:uFillTx/>
-              <a:latin typeface="Aptos"/>
+                <a:srgbClr val="000000"/>
+              </a:solidFill>
+              <a:effectLst/>
+              <a:uFillTx/>
+              <a:latin typeface="Arial"/>
             </a:endParaRPr>
           </a:p>
         </p:txBody>
       </p:sp>
       <p:sp>
         <p:nvSpPr>
-          <p:cNvPr id="31" name="PlaceHolder 2"/>
+          <p:cNvPr id="30" name="PlaceHolder 2"/>
           <p:cNvSpPr>
             <a:spLocks noGrp="1"/>
           </p:cNvSpPr>
@@ -4508,70 +4536,8 @@
         </p:nvSpPr>
         <p:spPr>
           <a:xfrm>
-            <a:off x="3023280" y="8069760"/>
-            <a:ext cx="18567720" cy="3954240"/>
-          </a:xfrm>
-          <a:prstGeom prst="rect">
-            <a:avLst/>
-          </a:prstGeom>
-          <a:noFill/>
-          <a:ln w="0">
-            <a:noFill/>
-          </a:ln>
-        </p:spPr>
-        <p:txBody>
-          <a:bodyPr lIns="91440" rIns="91440" tIns="45720" bIns="45720" anchor="b">
-            <a:noAutofit/>
-          </a:bodyPr>
-          <a:p>
-            <a:pPr indent="0" defTabSz="4389120">
-              <a:lnSpc>
-                <a:spcPct val="90000"/>
-              </a:lnSpc>
-              <a:spcBef>
-                <a:spcPts val="4799"/>
-              </a:spcBef>
-              <a:buNone/>
-              <a:tabLst>
-                <a:tab algn="l" pos="0"/>
-              </a:tabLst>
-            </a:pPr>
-            <a:r>
-              <a:rPr b="1" lang="en-US" sz="11520" strike="noStrike" u="none">
-                <a:solidFill>
-                  <a:schemeClr val="dk1"/>
-                </a:solidFill>
-                <a:effectLst/>
-                <a:uFillTx/>
-                <a:latin typeface="Aptos"/>
-              </a:rPr>
-              <a:t>Click to edit Master text styles</a:t>
-            </a:r>
-            <a:endParaRPr b="0" lang="en-US" sz="11520" strike="noStrike" u="none">
-              <a:solidFill>
-                <a:schemeClr val="dk1"/>
-              </a:solidFill>
-              <a:effectLst/>
-              <a:uFillTx/>
-              <a:latin typeface="Aptos"/>
-            </a:endParaRPr>
-          </a:p>
-        </p:txBody>
-      </p:sp>
-      <p:sp>
-        <p:nvSpPr>
-          <p:cNvPr id="32" name="PlaceHolder 3"/>
-          <p:cNvSpPr>
-            <a:spLocks noGrp="1"/>
-          </p:cNvSpPr>
-          <p:nvPr>
-            <p:ph type="body"/>
-          </p:nvPr>
-        </p:nvSpPr>
-        <p:spPr>
-          <a:xfrm>
-            <a:off x="3023280" y="12024360"/>
-            <a:ext cx="18567720" cy="17685720"/>
+            <a:off x="3017520" y="8763120"/>
+            <a:ext cx="37855440" cy="20885760"/>
           </a:xfrm>
           <a:prstGeom prst="rect">
             <a:avLst/>
@@ -4612,11 +4578,11 @@
             </a:r>
             <a:endParaRPr b="0" lang="en-US" sz="13439" strike="noStrike" u="none">
               <a:solidFill>
-                <a:schemeClr val="dk1"/>
-              </a:solidFill>
-              <a:effectLst/>
-              <a:uFillTx/>
-              <a:latin typeface="Aptos"/>
+                <a:srgbClr val="000000"/>
+              </a:solidFill>
+              <a:effectLst/>
+              <a:uFillTx/>
+              <a:latin typeface="Arial"/>
             </a:endParaRPr>
           </a:p>
           <a:p>
@@ -4646,11 +4612,11 @@
             </a:r>
             <a:endParaRPr b="0" lang="en-US" sz="11520" strike="noStrike" u="none">
               <a:solidFill>
-                <a:schemeClr val="dk1"/>
-              </a:solidFill>
-              <a:effectLst/>
-              <a:uFillTx/>
-              <a:latin typeface="Aptos"/>
+                <a:srgbClr val="000000"/>
+              </a:solidFill>
+              <a:effectLst/>
+              <a:uFillTx/>
+              <a:latin typeface="Arial"/>
             </a:endParaRPr>
           </a:p>
           <a:p>
@@ -4680,11 +4646,11 @@
             </a:r>
             <a:endParaRPr b="0" lang="en-US" sz="9600" strike="noStrike" u="none">
               <a:solidFill>
-                <a:schemeClr val="dk1"/>
-              </a:solidFill>
-              <a:effectLst/>
-              <a:uFillTx/>
-              <a:latin typeface="Aptos"/>
+                <a:srgbClr val="000000"/>
+              </a:solidFill>
+              <a:effectLst/>
+              <a:uFillTx/>
+              <a:latin typeface="Arial"/>
             </a:endParaRPr>
           </a:p>
           <a:p>
@@ -4714,11 +4680,11 @@
             </a:r>
             <a:endParaRPr b="0" lang="en-US" sz="8640" strike="noStrike" u="none">
               <a:solidFill>
-                <a:schemeClr val="dk1"/>
-              </a:solidFill>
-              <a:effectLst/>
-              <a:uFillTx/>
-              <a:latin typeface="Aptos"/>
+                <a:srgbClr val="000000"/>
+              </a:solidFill>
+              <a:effectLst/>
+              <a:uFillTx/>
+              <a:latin typeface="Arial"/>
             </a:endParaRPr>
           </a:p>
           <a:p>
@@ -4748,279 +4714,18 @@
             </a:r>
             <a:endParaRPr b="0" lang="en-US" sz="8640" strike="noStrike" u="none">
               <a:solidFill>
-                <a:schemeClr val="dk1"/>
-              </a:solidFill>
-              <a:effectLst/>
-              <a:uFillTx/>
-              <a:latin typeface="Aptos"/>
+                <a:srgbClr val="000000"/>
+              </a:solidFill>
+              <a:effectLst/>
+              <a:uFillTx/>
+              <a:latin typeface="Arial"/>
             </a:endParaRPr>
           </a:p>
         </p:txBody>
       </p:sp>
       <p:sp>
         <p:nvSpPr>
-          <p:cNvPr id="33" name="PlaceHolder 4"/>
-          <p:cNvSpPr>
-            <a:spLocks noGrp="1"/>
-          </p:cNvSpPr>
-          <p:nvPr>
-            <p:ph type="body"/>
-          </p:nvPr>
-        </p:nvSpPr>
-        <p:spPr>
-          <a:xfrm>
-            <a:off x="22219920" y="8069760"/>
-            <a:ext cx="18659160" cy="3954240"/>
-          </a:xfrm>
-          <a:prstGeom prst="rect">
-            <a:avLst/>
-          </a:prstGeom>
-          <a:noFill/>
-          <a:ln w="0">
-            <a:noFill/>
-          </a:ln>
-        </p:spPr>
-        <p:txBody>
-          <a:bodyPr lIns="91440" rIns="91440" tIns="45720" bIns="45720" anchor="b">
-            <a:noAutofit/>
-          </a:bodyPr>
-          <a:p>
-            <a:pPr indent="0" defTabSz="4389120">
-              <a:lnSpc>
-                <a:spcPct val="90000"/>
-              </a:lnSpc>
-              <a:spcBef>
-                <a:spcPts val="4799"/>
-              </a:spcBef>
-              <a:buNone/>
-              <a:tabLst>
-                <a:tab algn="l" pos="0"/>
-              </a:tabLst>
-            </a:pPr>
-            <a:r>
-              <a:rPr b="1" lang="en-US" sz="11520" strike="noStrike" u="none">
-                <a:solidFill>
-                  <a:schemeClr val="dk1"/>
-                </a:solidFill>
-                <a:effectLst/>
-                <a:uFillTx/>
-                <a:latin typeface="Aptos"/>
-              </a:rPr>
-              <a:t>Click to edit Master text styles</a:t>
-            </a:r>
-            <a:endParaRPr b="0" lang="en-US" sz="11520" strike="noStrike" u="none">
-              <a:solidFill>
-                <a:schemeClr val="dk1"/>
-              </a:solidFill>
-              <a:effectLst/>
-              <a:uFillTx/>
-              <a:latin typeface="Aptos"/>
-            </a:endParaRPr>
-          </a:p>
-        </p:txBody>
-      </p:sp>
-      <p:sp>
-        <p:nvSpPr>
-          <p:cNvPr id="34" name="PlaceHolder 5"/>
-          <p:cNvSpPr>
-            <a:spLocks noGrp="1"/>
-          </p:cNvSpPr>
-          <p:nvPr>
-            <p:ph type="body"/>
-          </p:nvPr>
-        </p:nvSpPr>
-        <p:spPr>
-          <a:xfrm>
-            <a:off x="22219920" y="12024360"/>
-            <a:ext cx="18659160" cy="17685720"/>
-          </a:xfrm>
-          <a:prstGeom prst="rect">
-            <a:avLst/>
-          </a:prstGeom>
-          <a:noFill/>
-          <a:ln w="0">
-            <a:noFill/>
-          </a:ln>
-        </p:spPr>
-        <p:txBody>
-          <a:bodyPr lIns="91440" rIns="91440" tIns="45720" bIns="45720" anchor="t">
-            <a:noAutofit/>
-          </a:bodyPr>
-          <a:p>
-            <a:pPr marL="1097280" indent="-1097280" defTabSz="4389120">
-              <a:lnSpc>
-                <a:spcPct val="90000"/>
-              </a:lnSpc>
-              <a:spcBef>
-                <a:spcPts val="4799"/>
-              </a:spcBef>
-              <a:buClr>
-                <a:srgbClr val="000000"/>
-              </a:buClr>
-              <a:buFont typeface="Arial"/>
-              <a:buChar char="•"/>
-            </a:pPr>
-            <a:r>
-              <a:rPr b="0" lang="en-US" sz="13439" strike="noStrike" u="none">
-                <a:solidFill>
-                  <a:schemeClr val="dk1"/>
-                </a:solidFill>
-                <a:effectLst/>
-                <a:uFillTx/>
-                <a:latin typeface="Aptos"/>
-              </a:rPr>
-              <a:t>Click to edit Master text styles</a:t>
-            </a:r>
-            <a:endParaRPr b="0" lang="en-US" sz="13439" strike="noStrike" u="none">
-              <a:solidFill>
-                <a:schemeClr val="dk1"/>
-              </a:solidFill>
-              <a:effectLst/>
-              <a:uFillTx/>
-              <a:latin typeface="Aptos"/>
-            </a:endParaRPr>
-          </a:p>
-          <a:p>
-            <a:pPr lvl="1" marL="3291840" indent="-1097280" defTabSz="4389120">
-              <a:lnSpc>
-                <a:spcPct val="90000"/>
-              </a:lnSpc>
-              <a:spcBef>
-                <a:spcPts val="2401"/>
-              </a:spcBef>
-              <a:buClr>
-                <a:srgbClr val="000000"/>
-              </a:buClr>
-              <a:buFont typeface="Arial"/>
-              <a:buChar char="•"/>
-            </a:pPr>
-            <a:r>
-              <a:rPr b="0" lang="en-US" sz="11520" strike="noStrike" u="none">
-                <a:solidFill>
-                  <a:schemeClr val="dk1"/>
-                </a:solidFill>
-                <a:effectLst/>
-                <a:uFillTx/>
-                <a:latin typeface="Aptos"/>
-              </a:rPr>
-              <a:t>Second level</a:t>
-            </a:r>
-            <a:endParaRPr b="0" lang="en-US" sz="11520" strike="noStrike" u="none">
-              <a:solidFill>
-                <a:schemeClr val="dk1"/>
-              </a:solidFill>
-              <a:effectLst/>
-              <a:uFillTx/>
-              <a:latin typeface="Aptos"/>
-            </a:endParaRPr>
-          </a:p>
-          <a:p>
-            <a:pPr lvl="2" marL="5486400" indent="-1097280" defTabSz="4389120">
-              <a:lnSpc>
-                <a:spcPct val="90000"/>
-              </a:lnSpc>
-              <a:spcBef>
-                <a:spcPts val="2401"/>
-              </a:spcBef>
-              <a:buClr>
-                <a:srgbClr val="000000"/>
-              </a:buClr>
-              <a:buFont typeface="Arial"/>
-              <a:buChar char="•"/>
-            </a:pPr>
-            <a:r>
-              <a:rPr b="0" lang="en-US" sz="9600" strike="noStrike" u="none">
-                <a:solidFill>
-                  <a:schemeClr val="dk1"/>
-                </a:solidFill>
-                <a:effectLst/>
-                <a:uFillTx/>
-                <a:latin typeface="Aptos"/>
-              </a:rPr>
-              <a:t>Third level</a:t>
-            </a:r>
-            <a:endParaRPr b="0" lang="en-US" sz="9600" strike="noStrike" u="none">
-              <a:solidFill>
-                <a:schemeClr val="dk1"/>
-              </a:solidFill>
-              <a:effectLst/>
-              <a:uFillTx/>
-              <a:latin typeface="Aptos"/>
-            </a:endParaRPr>
-          </a:p>
-          <a:p>
-            <a:pPr lvl="3" marL="7680960" indent="-1097280" defTabSz="4389120">
-              <a:lnSpc>
-                <a:spcPct val="90000"/>
-              </a:lnSpc>
-              <a:spcBef>
-                <a:spcPts val="2401"/>
-              </a:spcBef>
-              <a:buClr>
-                <a:srgbClr val="000000"/>
-              </a:buClr>
-              <a:buFont typeface="Arial"/>
-              <a:buChar char="•"/>
-            </a:pPr>
-            <a:r>
-              <a:rPr b="0" lang="en-US" sz="8640" strike="noStrike" u="none">
-                <a:solidFill>
-                  <a:schemeClr val="dk1"/>
-                </a:solidFill>
-                <a:effectLst/>
-                <a:uFillTx/>
-                <a:latin typeface="Aptos"/>
-              </a:rPr>
-              <a:t>Fourth level</a:t>
-            </a:r>
-            <a:endParaRPr b="0" lang="en-US" sz="8640" strike="noStrike" u="none">
-              <a:solidFill>
-                <a:schemeClr val="dk1"/>
-              </a:solidFill>
-              <a:effectLst/>
-              <a:uFillTx/>
-              <a:latin typeface="Aptos"/>
-            </a:endParaRPr>
-          </a:p>
-          <a:p>
-            <a:pPr lvl="4" marL="9875520" indent="-1097280" defTabSz="4389120">
-              <a:lnSpc>
-                <a:spcPct val="90000"/>
-              </a:lnSpc>
-              <a:spcBef>
-                <a:spcPts val="2401"/>
-              </a:spcBef>
-              <a:buClr>
-                <a:srgbClr val="000000"/>
-              </a:buClr>
-              <a:buFont typeface="Arial"/>
-              <a:buChar char="•"/>
-            </a:pPr>
-            <a:r>
-              <a:rPr b="0" lang="en-US" sz="8640" strike="noStrike" u="none">
-                <a:solidFill>
-                  <a:schemeClr val="dk1"/>
-                </a:solidFill>
-                <a:effectLst/>
-                <a:uFillTx/>
-                <a:latin typeface="Aptos"/>
-              </a:rPr>
-              <a:t>Fifth level</a:t>
-            </a:r>
-            <a:endParaRPr b="0" lang="en-US" sz="8640" strike="noStrike" u="none">
-              <a:solidFill>
-                <a:schemeClr val="dk1"/>
-              </a:solidFill>
-              <a:effectLst/>
-              <a:uFillTx/>
-              <a:latin typeface="Aptos"/>
-            </a:endParaRPr>
-          </a:p>
-        </p:txBody>
-      </p:sp>
-      <p:sp>
-        <p:nvSpPr>
-          <p:cNvPr id="35" name="PlaceHolder 6"/>
+          <p:cNvPr id="31" name="PlaceHolder 3"/>
           <p:cNvSpPr>
             <a:spLocks noGrp="1"/>
           </p:cNvSpPr>
@@ -5031,7 +4736,7 @@
         <p:spPr>
           <a:xfrm>
             <a:off x="3017520" y="30510360"/>
-            <a:ext cx="9875160" cy="1752120"/>
+            <a:ext cx="9874800" cy="1751760"/>
           </a:xfrm>
           <a:prstGeom prst="rect">
             <a:avLst/>
@@ -5051,6 +4756,9 @@
                 <a:spcPct val="100000"/>
               </a:lnSpc>
               <a:buNone/>
+              <a:tabLst>
+                <a:tab algn="l" pos="0"/>
+              </a:tabLst>
               <a:defRPr b="0" lang="en-US" sz="5760" strike="noStrike" u="none">
                 <a:solidFill>
                   <a:schemeClr val="dk1">
@@ -5069,6 +4777,9 @@
                 <a:spcPct val="100000"/>
               </a:lnSpc>
               <a:buNone/>
+              <a:tabLst>
+                <a:tab algn="l" pos="0"/>
+              </a:tabLst>
             </a:pPr>
             <a:r>
               <a:rPr b="0" lang="en-US" sz="5760" strike="noStrike" u="none">
@@ -5096,7 +4807,7 @@
       </p:sp>
       <p:sp>
         <p:nvSpPr>
-          <p:cNvPr id="36" name="PlaceHolder 7"/>
+          <p:cNvPr id="32" name="PlaceHolder 4"/>
           <p:cNvSpPr>
             <a:spLocks noGrp="1"/>
           </p:cNvSpPr>
@@ -5107,7 +4818,7 @@
         <p:spPr>
           <a:xfrm>
             <a:off x="14538960" y="30510360"/>
-            <a:ext cx="14812920" cy="1752120"/>
+            <a:ext cx="14812560" cy="1751760"/>
           </a:xfrm>
           <a:prstGeom prst="rect">
             <a:avLst/>
@@ -5123,7 +4834,13 @@
           </a:bodyPr>
           <a:lstStyle>
             <a:lvl1pPr indent="0" algn="ctr">
-              <a:buNone/>
+              <a:lnSpc>
+                <a:spcPct val="100000"/>
+              </a:lnSpc>
+              <a:buNone/>
+              <a:tabLst>
+                <a:tab algn="l" pos="0"/>
+              </a:tabLst>
               <a:defRPr b="0" lang="en-US" sz="1400" strike="noStrike" u="none">
                 <a:solidFill>
                   <a:srgbClr val="000000"/>
@@ -5136,7 +4853,13 @@
           </a:lstStyle>
           <a:p>
             <a:pPr indent="0" algn="ctr">
-              <a:buNone/>
+              <a:lnSpc>
+                <a:spcPct val="100000"/>
+              </a:lnSpc>
+              <a:buNone/>
+              <a:tabLst>
+                <a:tab algn="l" pos="0"/>
+              </a:tabLst>
             </a:pPr>
             <a:r>
               <a:rPr b="0" lang="en-US" sz="1400" strike="noStrike" u="none">
@@ -5162,7 +4885,7 @@
       </p:sp>
       <p:sp>
         <p:nvSpPr>
-          <p:cNvPr id="37" name="PlaceHolder 8"/>
+          <p:cNvPr id="33" name="PlaceHolder 5"/>
           <p:cNvSpPr>
             <a:spLocks noGrp="1"/>
           </p:cNvSpPr>
@@ -5173,7 +4896,7 @@
         <p:spPr>
           <a:xfrm>
             <a:off x="30998160" y="30510360"/>
-            <a:ext cx="9875160" cy="1752120"/>
+            <a:ext cx="9874800" cy="1751760"/>
           </a:xfrm>
           <a:prstGeom prst="rect">
             <a:avLst/>
@@ -5193,6 +4916,9 @@
                 <a:spcPct val="100000"/>
               </a:lnSpc>
               <a:buNone/>
+              <a:tabLst>
+                <a:tab algn="l" pos="0"/>
+              </a:tabLst>
               <a:defRPr b="0" lang="en-US" sz="5760" strike="noStrike" u="none">
                 <a:solidFill>
                   <a:schemeClr val="dk1">
@@ -5211,8 +4937,11 @@
                 <a:spcPct val="100000"/>
               </a:lnSpc>
               <a:buNone/>
-            </a:pPr>
-            <a:fld id="{C8EF88A8-4BFA-488A-A4D6-A5A4AB0D7275}" type="slidenum">
+              <a:tabLst>
+                <a:tab algn="l" pos="0"/>
+              </a:tabLst>
+            </a:pPr>
+            <a:fld id="{A57C6B06-8462-4428-B249-59C10A8D04F5}" type="slidenum">
               <a:rPr b="0" lang="en-US" sz="5760" strike="noStrike" u="none">
                 <a:solidFill>
                   <a:schemeClr val="dk1">
@@ -5242,8 +4971,8 @@
 </file>
 
 <file path=ppt/slideLayouts/slideLayout8.xml><?xml version="1.0" encoding="utf-8"?>
-<p:sldLayout xmlns:a="http://schemas.openxmlformats.org/drawingml/2006/main" xmlns:p="http://schemas.openxmlformats.org/presentationml/2006/main" xmlns:r="http://schemas.openxmlformats.org/officeDocument/2006/relationships" xmlns:p14="http://schemas.microsoft.com/office/powerpoint/2010/main" xmlns:p15="http://schemas.microsoft.com/office/powerpoint/2012/main" xmlns:mc="http://schemas.openxmlformats.org/markup-compatibility/2006" type="titleOnly" preserve="1">
-  <p:cSld name="Title Only">
+<p:sldLayout xmlns:a="http://schemas.openxmlformats.org/drawingml/2006/main" xmlns:p="http://schemas.openxmlformats.org/presentationml/2006/main" xmlns:r="http://schemas.openxmlformats.org/officeDocument/2006/relationships" xmlns:p14="http://schemas.microsoft.com/office/powerpoint/2010/main" xmlns:p15="http://schemas.microsoft.com/office/powerpoint/2012/main" xmlns:mc="http://schemas.openxmlformats.org/markup-compatibility/2006" type="blank" preserve="1">
+  <p:cSld name="Section Header">
     <p:bg>
       <p:bgPr>
         <a:solidFill>
@@ -5267,7 +4996,7 @@
       </p:grpSpPr>
       <p:sp>
         <p:nvSpPr>
-          <p:cNvPr id="38" name="PlaceHolder 1"/>
+          <p:cNvPr id="34" name="PlaceHolder 1"/>
           <p:cNvSpPr>
             <a:spLocks noGrp="1"/>
           </p:cNvSpPr>
@@ -5277,8 +5006,8 @@
         </p:nvSpPr>
         <p:spPr>
           <a:xfrm>
-            <a:off x="3017520" y="1752480"/>
-            <a:ext cx="37855800" cy="6362280"/>
+            <a:off x="2994840" y="8206920"/>
+            <a:ext cx="37855440" cy="13692240"/>
           </a:xfrm>
           <a:prstGeom prst="rect">
             <a:avLst/>
@@ -5289,7 +5018,7 @@
           </a:ln>
         </p:spPr>
         <p:txBody>
-          <a:bodyPr lIns="91440" rIns="91440" tIns="45720" bIns="45720" anchor="ctr">
+          <a:bodyPr lIns="91440" rIns="91440" tIns="45720" bIns="45720" anchor="b">
             <a:noAutofit/>
           </a:bodyPr>
           <a:p>
@@ -5298,9 +5027,12 @@
                 <a:spcPct val="90000"/>
               </a:lnSpc>
               <a:buNone/>
+              <a:tabLst>
+                <a:tab algn="l" pos="0"/>
+              </a:tabLst>
             </a:pPr>
             <a:r>
-              <a:rPr b="0" lang="en-US" sz="21120" strike="noStrike" u="none">
+              <a:rPr b="0" lang="en-US" sz="28800" strike="noStrike" u="none">
                 <a:solidFill>
                   <a:schemeClr val="dk1"/>
                 </a:solidFill>
@@ -5310,20 +5042,84 @@
               </a:rPr>
               <a:t>Click to edit Master title style</a:t>
             </a:r>
-            <a:endParaRPr b="0" lang="en-US" sz="21120" strike="noStrike" u="none">
-              <a:solidFill>
-                <a:schemeClr val="dk1"/>
-              </a:solidFill>
-              <a:effectLst/>
-              <a:uFillTx/>
-              <a:latin typeface="Aptos"/>
+            <a:endParaRPr b="0" lang="en-US" sz="28800" strike="noStrike" u="none">
+              <a:solidFill>
+                <a:srgbClr val="000000"/>
+              </a:solidFill>
+              <a:effectLst/>
+              <a:uFillTx/>
+              <a:latin typeface="Arial"/>
             </a:endParaRPr>
           </a:p>
         </p:txBody>
       </p:sp>
       <p:sp>
         <p:nvSpPr>
-          <p:cNvPr id="39" name="PlaceHolder 2"/>
+          <p:cNvPr id="35" name="PlaceHolder 2"/>
+          <p:cNvSpPr>
+            <a:spLocks noGrp="1"/>
+          </p:cNvSpPr>
+          <p:nvPr>
+            <p:ph type="body"/>
+          </p:nvPr>
+        </p:nvSpPr>
+        <p:spPr>
+          <a:xfrm>
+            <a:off x="2994840" y="22029480"/>
+            <a:ext cx="37855440" cy="7200000"/>
+          </a:xfrm>
+          <a:prstGeom prst="rect">
+            <a:avLst/>
+          </a:prstGeom>
+          <a:noFill/>
+          <a:ln w="0">
+            <a:noFill/>
+          </a:ln>
+        </p:spPr>
+        <p:txBody>
+          <a:bodyPr lIns="91440" rIns="91440" tIns="45720" bIns="45720" anchor="t">
+            <a:noAutofit/>
+          </a:bodyPr>
+          <a:p>
+            <a:pPr indent="0" defTabSz="4389120">
+              <a:lnSpc>
+                <a:spcPct val="90000"/>
+              </a:lnSpc>
+              <a:spcBef>
+                <a:spcPts val="4799"/>
+              </a:spcBef>
+              <a:buNone/>
+              <a:tabLst>
+                <a:tab algn="l" pos="0"/>
+              </a:tabLst>
+            </a:pPr>
+            <a:r>
+              <a:rPr b="0" lang="en-US" sz="11520" strike="noStrike" u="none">
+                <a:solidFill>
+                  <a:schemeClr val="dk1">
+                    <a:tint val="82000"/>
+                  </a:schemeClr>
+                </a:solidFill>
+                <a:effectLst/>
+                <a:uFillTx/>
+                <a:latin typeface="Aptos"/>
+              </a:rPr>
+              <a:t>Click to edit Master text styles</a:t>
+            </a:r>
+            <a:endParaRPr b="0" lang="en-US" sz="11520" strike="noStrike" u="none">
+              <a:solidFill>
+                <a:srgbClr val="000000"/>
+              </a:solidFill>
+              <a:effectLst/>
+              <a:uFillTx/>
+              <a:latin typeface="Arial"/>
+            </a:endParaRPr>
+          </a:p>
+        </p:txBody>
+      </p:sp>
+      <p:sp>
+        <p:nvSpPr>
+          <p:cNvPr id="36" name="PlaceHolder 3"/>
           <p:cNvSpPr>
             <a:spLocks noGrp="1"/>
           </p:cNvSpPr>
@@ -5334,7 +5130,7 @@
         <p:spPr>
           <a:xfrm>
             <a:off x="3017520" y="30510360"/>
-            <a:ext cx="9875160" cy="1752120"/>
+            <a:ext cx="9874800" cy="1751760"/>
           </a:xfrm>
           <a:prstGeom prst="rect">
             <a:avLst/>
@@ -5354,6 +5150,9 @@
                 <a:spcPct val="100000"/>
               </a:lnSpc>
               <a:buNone/>
+              <a:tabLst>
+                <a:tab algn="l" pos="0"/>
+              </a:tabLst>
               <a:defRPr b="0" lang="en-US" sz="5760" strike="noStrike" u="none">
                 <a:solidFill>
                   <a:schemeClr val="dk1">
@@ -5372,6 +5171,9 @@
                 <a:spcPct val="100000"/>
               </a:lnSpc>
               <a:buNone/>
+              <a:tabLst>
+                <a:tab algn="l" pos="0"/>
+              </a:tabLst>
             </a:pPr>
             <a:r>
               <a:rPr b="0" lang="en-US" sz="5760" strike="noStrike" u="none">
@@ -5399,7 +5201,7 @@
       </p:sp>
       <p:sp>
         <p:nvSpPr>
-          <p:cNvPr id="40" name="PlaceHolder 3"/>
+          <p:cNvPr id="37" name="PlaceHolder 4"/>
           <p:cNvSpPr>
             <a:spLocks noGrp="1"/>
           </p:cNvSpPr>
@@ -5410,7 +5212,7 @@
         <p:spPr>
           <a:xfrm>
             <a:off x="14538960" y="30510360"/>
-            <a:ext cx="14812920" cy="1752120"/>
+            <a:ext cx="14812560" cy="1751760"/>
           </a:xfrm>
           <a:prstGeom prst="rect">
             <a:avLst/>
@@ -5426,7 +5228,13 @@
           </a:bodyPr>
           <a:lstStyle>
             <a:lvl1pPr indent="0" algn="ctr">
-              <a:buNone/>
+              <a:lnSpc>
+                <a:spcPct val="100000"/>
+              </a:lnSpc>
+              <a:buNone/>
+              <a:tabLst>
+                <a:tab algn="l" pos="0"/>
+              </a:tabLst>
               <a:defRPr b="0" lang="en-US" sz="1400" strike="noStrike" u="none">
                 <a:solidFill>
                   <a:srgbClr val="000000"/>
@@ -5439,7 +5247,13 @@
           </a:lstStyle>
           <a:p>
             <a:pPr indent="0" algn="ctr">
-              <a:buNone/>
+              <a:lnSpc>
+                <a:spcPct val="100000"/>
+              </a:lnSpc>
+              <a:buNone/>
+              <a:tabLst>
+                <a:tab algn="l" pos="0"/>
+              </a:tabLst>
             </a:pPr>
             <a:r>
               <a:rPr b="0" lang="en-US" sz="1400" strike="noStrike" u="none">
@@ -5465,7 +5279,7 @@
       </p:sp>
       <p:sp>
         <p:nvSpPr>
-          <p:cNvPr id="41" name="PlaceHolder 4"/>
+          <p:cNvPr id="38" name="PlaceHolder 5"/>
           <p:cNvSpPr>
             <a:spLocks noGrp="1"/>
           </p:cNvSpPr>
@@ -5476,7 +5290,7 @@
         <p:spPr>
           <a:xfrm>
             <a:off x="30998160" y="30510360"/>
-            <a:ext cx="9875160" cy="1752120"/>
+            <a:ext cx="9874800" cy="1751760"/>
           </a:xfrm>
           <a:prstGeom prst="rect">
             <a:avLst/>
@@ -5496,6 +5310,9 @@
                 <a:spcPct val="100000"/>
               </a:lnSpc>
               <a:buNone/>
+              <a:tabLst>
+                <a:tab algn="l" pos="0"/>
+              </a:tabLst>
               <a:defRPr b="0" lang="en-US" sz="5760" strike="noStrike" u="none">
                 <a:solidFill>
                   <a:schemeClr val="dk1">
@@ -5514,8 +5331,11 @@
                 <a:spcPct val="100000"/>
               </a:lnSpc>
               <a:buNone/>
-            </a:pPr>
-            <a:fld id="{33D3D253-808E-4154-B802-A5C602F47E8A}" type="slidenum">
+              <a:tabLst>
+                <a:tab algn="l" pos="0"/>
+              </a:tabLst>
+            </a:pPr>
+            <a:fld id="{815275C7-8FBF-4290-B9BB-5257993B04C6}" type="slidenum">
               <a:rPr b="0" lang="en-US" sz="5760" strike="noStrike" u="none">
                 <a:solidFill>
                   <a:schemeClr val="dk1">
@@ -5545,8 +5365,8 @@
 </file>
 
 <file path=ppt/slideLayouts/slideLayout9.xml><?xml version="1.0" encoding="utf-8"?>
-<p:sldLayout xmlns:a="http://schemas.openxmlformats.org/drawingml/2006/main" xmlns:p="http://schemas.openxmlformats.org/presentationml/2006/main" xmlns:r="http://schemas.openxmlformats.org/officeDocument/2006/relationships" xmlns:p14="http://schemas.microsoft.com/office/powerpoint/2010/main" xmlns:p15="http://schemas.microsoft.com/office/powerpoint/2012/main" xmlns:mc="http://schemas.openxmlformats.org/markup-compatibility/2006" type="blank" preserve="1">
-  <p:cSld name="Blank">
+<p:sldLayout xmlns:a="http://schemas.openxmlformats.org/drawingml/2006/main" xmlns:p="http://schemas.openxmlformats.org/presentationml/2006/main" xmlns:r="http://schemas.openxmlformats.org/officeDocument/2006/relationships" xmlns:p14="http://schemas.microsoft.com/office/powerpoint/2010/main" xmlns:p15="http://schemas.microsoft.com/office/powerpoint/2012/main" xmlns:mc="http://schemas.openxmlformats.org/markup-compatibility/2006" type="twoObj" preserve="1">
+  <p:cSld name="Two Content">
     <p:bg>
       <p:bgPr>
         <a:solidFill>
@@ -5570,7 +5390,464 @@
       </p:grpSpPr>
       <p:sp>
         <p:nvSpPr>
-          <p:cNvPr id="42" name="PlaceHolder 1"/>
+          <p:cNvPr id="39" name="PlaceHolder 1"/>
+          <p:cNvSpPr>
+            <a:spLocks noGrp="1"/>
+          </p:cNvSpPr>
+          <p:nvPr>
+            <p:ph type="title"/>
+          </p:nvPr>
+        </p:nvSpPr>
+        <p:spPr>
+          <a:xfrm>
+            <a:off x="3017520" y="1752480"/>
+            <a:ext cx="37855440" cy="6361920"/>
+          </a:xfrm>
+          <a:prstGeom prst="rect">
+            <a:avLst/>
+          </a:prstGeom>
+          <a:noFill/>
+          <a:ln w="0">
+            <a:noFill/>
+          </a:ln>
+        </p:spPr>
+        <p:txBody>
+          <a:bodyPr lIns="91440" rIns="91440" tIns="45720" bIns="45720" anchor="ctr">
+            <a:noAutofit/>
+          </a:bodyPr>
+          <a:p>
+            <a:pPr indent="0" defTabSz="4389120">
+              <a:lnSpc>
+                <a:spcPct val="90000"/>
+              </a:lnSpc>
+              <a:buNone/>
+              <a:tabLst>
+                <a:tab algn="l" pos="0"/>
+              </a:tabLst>
+            </a:pPr>
+            <a:r>
+              <a:rPr b="0" lang="en-US" sz="21120" strike="noStrike" u="none">
+                <a:solidFill>
+                  <a:schemeClr val="dk1"/>
+                </a:solidFill>
+                <a:effectLst/>
+                <a:uFillTx/>
+                <a:latin typeface="Aptos Display"/>
+              </a:rPr>
+              <a:t>Click to edit Master title style</a:t>
+            </a:r>
+            <a:endParaRPr b="0" lang="en-US" sz="21120" strike="noStrike" u="none">
+              <a:solidFill>
+                <a:srgbClr val="000000"/>
+              </a:solidFill>
+              <a:effectLst/>
+              <a:uFillTx/>
+              <a:latin typeface="Arial"/>
+            </a:endParaRPr>
+          </a:p>
+        </p:txBody>
+      </p:sp>
+      <p:sp>
+        <p:nvSpPr>
+          <p:cNvPr id="40" name="PlaceHolder 2"/>
+          <p:cNvSpPr>
+            <a:spLocks noGrp="1"/>
+          </p:cNvSpPr>
+          <p:nvPr>
+            <p:ph type="body"/>
+          </p:nvPr>
+        </p:nvSpPr>
+        <p:spPr>
+          <a:xfrm>
+            <a:off x="3017520" y="8763120"/>
+            <a:ext cx="18653040" cy="20885760"/>
+          </a:xfrm>
+          <a:prstGeom prst="rect">
+            <a:avLst/>
+          </a:prstGeom>
+          <a:noFill/>
+          <a:ln w="0">
+            <a:noFill/>
+          </a:ln>
+        </p:spPr>
+        <p:txBody>
+          <a:bodyPr lIns="91440" rIns="91440" tIns="45720" bIns="45720" anchor="t">
+            <a:noAutofit/>
+          </a:bodyPr>
+          <a:p>
+            <a:pPr marL="1097280" indent="-1097280" defTabSz="4389120">
+              <a:lnSpc>
+                <a:spcPct val="90000"/>
+              </a:lnSpc>
+              <a:spcBef>
+                <a:spcPts val="4799"/>
+              </a:spcBef>
+              <a:buClr>
+                <a:srgbClr val="000000"/>
+              </a:buClr>
+              <a:buFont typeface="Arial"/>
+              <a:buChar char="•"/>
+            </a:pPr>
+            <a:r>
+              <a:rPr b="0" lang="en-US" sz="13439" strike="noStrike" u="none">
+                <a:solidFill>
+                  <a:schemeClr val="dk1"/>
+                </a:solidFill>
+                <a:effectLst/>
+                <a:uFillTx/>
+                <a:latin typeface="Aptos"/>
+              </a:rPr>
+              <a:t>Click to edit Master text styles</a:t>
+            </a:r>
+            <a:endParaRPr b="0" lang="en-US" sz="13439" strike="noStrike" u="none">
+              <a:solidFill>
+                <a:srgbClr val="000000"/>
+              </a:solidFill>
+              <a:effectLst/>
+              <a:uFillTx/>
+              <a:latin typeface="Arial"/>
+            </a:endParaRPr>
+          </a:p>
+          <a:p>
+            <a:pPr lvl="1" marL="3291840" indent="-1097280" defTabSz="4389120">
+              <a:lnSpc>
+                <a:spcPct val="90000"/>
+              </a:lnSpc>
+              <a:spcBef>
+                <a:spcPts val="2401"/>
+              </a:spcBef>
+              <a:buClr>
+                <a:srgbClr val="000000"/>
+              </a:buClr>
+              <a:buFont typeface="Arial"/>
+              <a:buChar char="•"/>
+            </a:pPr>
+            <a:r>
+              <a:rPr b="0" lang="en-US" sz="11520" strike="noStrike" u="none">
+                <a:solidFill>
+                  <a:schemeClr val="dk1"/>
+                </a:solidFill>
+                <a:effectLst/>
+                <a:uFillTx/>
+                <a:latin typeface="Aptos"/>
+              </a:rPr>
+              <a:t>Second level</a:t>
+            </a:r>
+            <a:endParaRPr b="0" lang="en-US" sz="11520" strike="noStrike" u="none">
+              <a:solidFill>
+                <a:srgbClr val="000000"/>
+              </a:solidFill>
+              <a:effectLst/>
+              <a:uFillTx/>
+              <a:latin typeface="Arial"/>
+            </a:endParaRPr>
+          </a:p>
+          <a:p>
+            <a:pPr lvl="2" marL="5486400" indent="-1097280" defTabSz="4389120">
+              <a:lnSpc>
+                <a:spcPct val="90000"/>
+              </a:lnSpc>
+              <a:spcBef>
+                <a:spcPts val="2401"/>
+              </a:spcBef>
+              <a:buClr>
+                <a:srgbClr val="000000"/>
+              </a:buClr>
+              <a:buFont typeface="Arial"/>
+              <a:buChar char="•"/>
+            </a:pPr>
+            <a:r>
+              <a:rPr b="0" lang="en-US" sz="9600" strike="noStrike" u="none">
+                <a:solidFill>
+                  <a:schemeClr val="dk1"/>
+                </a:solidFill>
+                <a:effectLst/>
+                <a:uFillTx/>
+                <a:latin typeface="Aptos"/>
+              </a:rPr>
+              <a:t>Third level</a:t>
+            </a:r>
+            <a:endParaRPr b="0" lang="en-US" sz="9600" strike="noStrike" u="none">
+              <a:solidFill>
+                <a:srgbClr val="000000"/>
+              </a:solidFill>
+              <a:effectLst/>
+              <a:uFillTx/>
+              <a:latin typeface="Arial"/>
+            </a:endParaRPr>
+          </a:p>
+          <a:p>
+            <a:pPr lvl="3" marL="7680960" indent="-1097280" defTabSz="4389120">
+              <a:lnSpc>
+                <a:spcPct val="90000"/>
+              </a:lnSpc>
+              <a:spcBef>
+                <a:spcPts val="2401"/>
+              </a:spcBef>
+              <a:buClr>
+                <a:srgbClr val="000000"/>
+              </a:buClr>
+              <a:buFont typeface="Arial"/>
+              <a:buChar char="•"/>
+            </a:pPr>
+            <a:r>
+              <a:rPr b="0" lang="en-US" sz="8640" strike="noStrike" u="none">
+                <a:solidFill>
+                  <a:schemeClr val="dk1"/>
+                </a:solidFill>
+                <a:effectLst/>
+                <a:uFillTx/>
+                <a:latin typeface="Aptos"/>
+              </a:rPr>
+              <a:t>Fourth level</a:t>
+            </a:r>
+            <a:endParaRPr b="0" lang="en-US" sz="8640" strike="noStrike" u="none">
+              <a:solidFill>
+                <a:srgbClr val="000000"/>
+              </a:solidFill>
+              <a:effectLst/>
+              <a:uFillTx/>
+              <a:latin typeface="Arial"/>
+            </a:endParaRPr>
+          </a:p>
+          <a:p>
+            <a:pPr lvl="4" marL="9875520" indent="-1097280" defTabSz="4389120">
+              <a:lnSpc>
+                <a:spcPct val="90000"/>
+              </a:lnSpc>
+              <a:spcBef>
+                <a:spcPts val="2401"/>
+              </a:spcBef>
+              <a:buClr>
+                <a:srgbClr val="000000"/>
+              </a:buClr>
+              <a:buFont typeface="Arial"/>
+              <a:buChar char="•"/>
+            </a:pPr>
+            <a:r>
+              <a:rPr b="0" lang="en-US" sz="8640" strike="noStrike" u="none">
+                <a:solidFill>
+                  <a:schemeClr val="dk1"/>
+                </a:solidFill>
+                <a:effectLst/>
+                <a:uFillTx/>
+                <a:latin typeface="Aptos"/>
+              </a:rPr>
+              <a:t>Fifth level</a:t>
+            </a:r>
+            <a:endParaRPr b="0" lang="en-US" sz="8640" strike="noStrike" u="none">
+              <a:solidFill>
+                <a:srgbClr val="000000"/>
+              </a:solidFill>
+              <a:effectLst/>
+              <a:uFillTx/>
+              <a:latin typeface="Arial"/>
+            </a:endParaRPr>
+          </a:p>
+        </p:txBody>
+      </p:sp>
+      <p:sp>
+        <p:nvSpPr>
+          <p:cNvPr id="41" name="PlaceHolder 3"/>
+          <p:cNvSpPr>
+            <a:spLocks noGrp="1"/>
+          </p:cNvSpPr>
+          <p:nvPr>
+            <p:ph type="body"/>
+          </p:nvPr>
+        </p:nvSpPr>
+        <p:spPr>
+          <a:xfrm>
+            <a:off x="22219920" y="8763120"/>
+            <a:ext cx="18653040" cy="20885760"/>
+          </a:xfrm>
+          <a:prstGeom prst="rect">
+            <a:avLst/>
+          </a:prstGeom>
+          <a:noFill/>
+          <a:ln w="0">
+            <a:noFill/>
+          </a:ln>
+        </p:spPr>
+        <p:txBody>
+          <a:bodyPr lIns="91440" rIns="91440" tIns="45720" bIns="45720" anchor="t">
+            <a:noAutofit/>
+          </a:bodyPr>
+          <a:p>
+            <a:pPr marL="1097280" indent="-1097280" defTabSz="4389120">
+              <a:lnSpc>
+                <a:spcPct val="90000"/>
+              </a:lnSpc>
+              <a:spcBef>
+                <a:spcPts val="4799"/>
+              </a:spcBef>
+              <a:buClr>
+                <a:srgbClr val="000000"/>
+              </a:buClr>
+              <a:buFont typeface="Arial"/>
+              <a:buChar char="•"/>
+            </a:pPr>
+            <a:r>
+              <a:rPr b="0" lang="en-US" sz="13439" strike="noStrike" u="none">
+                <a:solidFill>
+                  <a:schemeClr val="dk1"/>
+                </a:solidFill>
+                <a:effectLst/>
+                <a:uFillTx/>
+                <a:latin typeface="Aptos"/>
+              </a:rPr>
+              <a:t>Click to edit Master text styles</a:t>
+            </a:r>
+            <a:endParaRPr b="0" lang="en-US" sz="13439" strike="noStrike" u="none">
+              <a:solidFill>
+                <a:srgbClr val="000000"/>
+              </a:solidFill>
+              <a:effectLst/>
+              <a:uFillTx/>
+              <a:latin typeface="Arial"/>
+            </a:endParaRPr>
+          </a:p>
+          <a:p>
+            <a:pPr lvl="1" marL="3291840" indent="-1097280" defTabSz="4389120">
+              <a:lnSpc>
+                <a:spcPct val="90000"/>
+              </a:lnSpc>
+              <a:spcBef>
+                <a:spcPts val="2401"/>
+              </a:spcBef>
+              <a:buClr>
+                <a:srgbClr val="000000"/>
+              </a:buClr>
+              <a:buFont typeface="Arial"/>
+              <a:buChar char="•"/>
+            </a:pPr>
+            <a:r>
+              <a:rPr b="0" lang="en-US" sz="11520" strike="noStrike" u="none">
+                <a:solidFill>
+                  <a:schemeClr val="dk1"/>
+                </a:solidFill>
+                <a:effectLst/>
+                <a:uFillTx/>
+                <a:latin typeface="Aptos"/>
+              </a:rPr>
+              <a:t>Second level</a:t>
+            </a:r>
+            <a:endParaRPr b="0" lang="en-US" sz="11520" strike="noStrike" u="none">
+              <a:solidFill>
+                <a:srgbClr val="000000"/>
+              </a:solidFill>
+              <a:effectLst/>
+              <a:uFillTx/>
+              <a:latin typeface="Arial"/>
+            </a:endParaRPr>
+          </a:p>
+          <a:p>
+            <a:pPr lvl="2" marL="5486400" indent="-1097280" defTabSz="4389120">
+              <a:lnSpc>
+                <a:spcPct val="90000"/>
+              </a:lnSpc>
+              <a:spcBef>
+                <a:spcPts val="2401"/>
+              </a:spcBef>
+              <a:buClr>
+                <a:srgbClr val="000000"/>
+              </a:buClr>
+              <a:buFont typeface="Arial"/>
+              <a:buChar char="•"/>
+            </a:pPr>
+            <a:r>
+              <a:rPr b="0" lang="en-US" sz="9600" strike="noStrike" u="none">
+                <a:solidFill>
+                  <a:schemeClr val="dk1"/>
+                </a:solidFill>
+                <a:effectLst/>
+                <a:uFillTx/>
+                <a:latin typeface="Aptos"/>
+              </a:rPr>
+              <a:t>Third level</a:t>
+            </a:r>
+            <a:endParaRPr b="0" lang="en-US" sz="9600" strike="noStrike" u="none">
+              <a:solidFill>
+                <a:srgbClr val="000000"/>
+              </a:solidFill>
+              <a:effectLst/>
+              <a:uFillTx/>
+              <a:latin typeface="Arial"/>
+            </a:endParaRPr>
+          </a:p>
+          <a:p>
+            <a:pPr lvl="3" marL="7680960" indent="-1097280" defTabSz="4389120">
+              <a:lnSpc>
+                <a:spcPct val="90000"/>
+              </a:lnSpc>
+              <a:spcBef>
+                <a:spcPts val="2401"/>
+              </a:spcBef>
+              <a:buClr>
+                <a:srgbClr val="000000"/>
+              </a:buClr>
+              <a:buFont typeface="Arial"/>
+              <a:buChar char="•"/>
+            </a:pPr>
+            <a:r>
+              <a:rPr b="0" lang="en-US" sz="8640" strike="noStrike" u="none">
+                <a:solidFill>
+                  <a:schemeClr val="dk1"/>
+                </a:solidFill>
+                <a:effectLst/>
+                <a:uFillTx/>
+                <a:latin typeface="Aptos"/>
+              </a:rPr>
+              <a:t>Fourth level</a:t>
+            </a:r>
+            <a:endParaRPr b="0" lang="en-US" sz="8640" strike="noStrike" u="none">
+              <a:solidFill>
+                <a:srgbClr val="000000"/>
+              </a:solidFill>
+              <a:effectLst/>
+              <a:uFillTx/>
+              <a:latin typeface="Arial"/>
+            </a:endParaRPr>
+          </a:p>
+          <a:p>
+            <a:pPr lvl="4" marL="9875520" indent="-1097280" defTabSz="4389120">
+              <a:lnSpc>
+                <a:spcPct val="90000"/>
+              </a:lnSpc>
+              <a:spcBef>
+                <a:spcPts val="2401"/>
+              </a:spcBef>
+              <a:buClr>
+                <a:srgbClr val="000000"/>
+              </a:buClr>
+              <a:buFont typeface="Arial"/>
+              <a:buChar char="•"/>
+            </a:pPr>
+            <a:r>
+              <a:rPr b="0" lang="en-US" sz="8640" strike="noStrike" u="none">
+                <a:solidFill>
+                  <a:schemeClr val="dk1"/>
+                </a:solidFill>
+                <a:effectLst/>
+                <a:uFillTx/>
+                <a:latin typeface="Aptos"/>
+              </a:rPr>
+              <a:t>Fifth level</a:t>
+            </a:r>
+            <a:endParaRPr b="0" lang="en-US" sz="8640" strike="noStrike" u="none">
+              <a:solidFill>
+                <a:srgbClr val="000000"/>
+              </a:solidFill>
+              <a:effectLst/>
+              <a:uFillTx/>
+              <a:latin typeface="Arial"/>
+            </a:endParaRPr>
+          </a:p>
+        </p:txBody>
+      </p:sp>
+      <p:sp>
+        <p:nvSpPr>
+          <p:cNvPr id="42" name="PlaceHolder 4"/>
           <p:cNvSpPr>
             <a:spLocks noGrp="1"/>
           </p:cNvSpPr>
@@ -5581,7 +5858,7 @@
         <p:spPr>
           <a:xfrm>
             <a:off x="3017520" y="30510360"/>
-            <a:ext cx="9875160" cy="1752120"/>
+            <a:ext cx="9874800" cy="1751760"/>
           </a:xfrm>
           <a:prstGeom prst="rect">
             <a:avLst/>
@@ -5601,6 +5878,9 @@
                 <a:spcPct val="100000"/>
               </a:lnSpc>
               <a:buNone/>
+              <a:tabLst>
+                <a:tab algn="l" pos="0"/>
+              </a:tabLst>
               <a:defRPr b="0" lang="en-US" sz="5760" strike="noStrike" u="none">
                 <a:solidFill>
                   <a:schemeClr val="dk1">
@@ -5619,6 +5899,9 @@
                 <a:spcPct val="100000"/>
               </a:lnSpc>
               <a:buNone/>
+              <a:tabLst>
+                <a:tab algn="l" pos="0"/>
+              </a:tabLst>
             </a:pPr>
             <a:r>
               <a:rPr b="0" lang="en-US" sz="5760" strike="noStrike" u="none">
@@ -5646,7 +5929,7 @@
       </p:sp>
       <p:sp>
         <p:nvSpPr>
-          <p:cNvPr id="43" name="PlaceHolder 2"/>
+          <p:cNvPr id="43" name="PlaceHolder 5"/>
           <p:cNvSpPr>
             <a:spLocks noGrp="1"/>
           </p:cNvSpPr>
@@ -5657,7 +5940,7 @@
         <p:spPr>
           <a:xfrm>
             <a:off x="14538960" y="30510360"/>
-            <a:ext cx="14812920" cy="1752120"/>
+            <a:ext cx="14812560" cy="1751760"/>
           </a:xfrm>
           <a:prstGeom prst="rect">
             <a:avLst/>
@@ -5673,7 +5956,13 @@
           </a:bodyPr>
           <a:lstStyle>
             <a:lvl1pPr indent="0" algn="ctr">
-              <a:buNone/>
+              <a:lnSpc>
+                <a:spcPct val="100000"/>
+              </a:lnSpc>
+              <a:buNone/>
+              <a:tabLst>
+                <a:tab algn="l" pos="0"/>
+              </a:tabLst>
               <a:defRPr b="0" lang="en-US" sz="1400" strike="noStrike" u="none">
                 <a:solidFill>
                   <a:srgbClr val="000000"/>
@@ -5686,7 +5975,13 @@
           </a:lstStyle>
           <a:p>
             <a:pPr indent="0" algn="ctr">
-              <a:buNone/>
+              <a:lnSpc>
+                <a:spcPct val="100000"/>
+              </a:lnSpc>
+              <a:buNone/>
+              <a:tabLst>
+                <a:tab algn="l" pos="0"/>
+              </a:tabLst>
             </a:pPr>
             <a:r>
               <a:rPr b="0" lang="en-US" sz="1400" strike="noStrike" u="none">
@@ -5712,7 +6007,7 @@
       </p:sp>
       <p:sp>
         <p:nvSpPr>
-          <p:cNvPr id="44" name="PlaceHolder 3"/>
+          <p:cNvPr id="44" name="PlaceHolder 6"/>
           <p:cNvSpPr>
             <a:spLocks noGrp="1"/>
           </p:cNvSpPr>
@@ -5723,7 +6018,7 @@
         <p:spPr>
           <a:xfrm>
             <a:off x="30998160" y="30510360"/>
-            <a:ext cx="9875160" cy="1752120"/>
+            <a:ext cx="9874800" cy="1751760"/>
           </a:xfrm>
           <a:prstGeom prst="rect">
             <a:avLst/>
@@ -5743,6 +6038,9 @@
                 <a:spcPct val="100000"/>
               </a:lnSpc>
               <a:buNone/>
+              <a:tabLst>
+                <a:tab algn="l" pos="0"/>
+              </a:tabLst>
               <a:defRPr b="0" lang="en-US" sz="5760" strike="noStrike" u="none">
                 <a:solidFill>
                   <a:schemeClr val="dk1">
@@ -5761,8 +6059,11 @@
                 <a:spcPct val="100000"/>
               </a:lnSpc>
               <a:buNone/>
-            </a:pPr>
-            <a:fld id="{8078F7CA-40B9-4B01-BCB3-817B34711815}" type="slidenum">
+              <a:tabLst>
+                <a:tab algn="l" pos="0"/>
+              </a:tabLst>
+            </a:pPr>
+            <a:fld id="{47501F5A-AABD-4B90-8346-39ED45519DB8}" type="slidenum">
               <a:rPr b="0" lang="en-US" sz="5760" strike="noStrike" u="none">
                 <a:solidFill>
                   <a:schemeClr val="dk1">
@@ -5853,7 +6154,7 @@
         <p:spPr>
           <a:xfrm>
             <a:off x="0" y="0"/>
-            <a:ext cx="43890840" cy="7314840"/>
+            <a:ext cx="43890480" cy="7314480"/>
           </a:xfrm>
           <a:prstGeom prst="rect">
             <a:avLst/>
@@ -5913,7 +6214,7 @@
         <p:spPr>
           <a:xfrm>
             <a:off x="612360" y="1510920"/>
-            <a:ext cx="4997880" cy="3441600"/>
+            <a:ext cx="4997520" cy="3441240"/>
           </a:xfrm>
           <a:prstGeom prst="rect">
             <a:avLst/>
@@ -5933,9 +6234,9 @@
         <p:grpSpPr>
           <a:xfrm>
             <a:off x="6222960" y="914400"/>
-            <a:ext cx="33832440" cy="5486040"/>
+            <a:ext cx="33832080" cy="5485680"/>
             <a:chOff x="6222960" y="914400"/>
-            <a:chExt cx="33832440" cy="5486040"/>
+            <a:chExt cx="33832080" cy="5485680"/>
           </a:xfrm>
         </p:grpSpPr>
         <p:sp>
@@ -5947,7 +6248,7 @@
           <p:spPr>
             <a:xfrm>
               <a:off x="6222960" y="914400"/>
-              <a:ext cx="33832440" cy="3084480"/>
+              <a:ext cx="33832080" cy="3084120"/>
             </a:xfrm>
             <a:prstGeom prst="rect">
               <a:avLst/>
@@ -6004,7 +6305,7 @@
           <p:spPr>
             <a:xfrm>
               <a:off x="7769520" y="4437720"/>
-              <a:ext cx="28292760" cy="1962720"/>
+              <a:ext cx="28292400" cy="1962360"/>
             </a:xfrm>
             <a:prstGeom prst="rect">
               <a:avLst/>
@@ -6088,9 +6389,9 @@
         <p:grpSpPr>
           <a:xfrm>
             <a:off x="914400" y="8229600"/>
-            <a:ext cx="11886840" cy="22631400"/>
+            <a:ext cx="11886480" cy="22631040"/>
             <a:chOff x="914400" y="8229600"/>
-            <a:chExt cx="11886840" cy="22631400"/>
+            <a:chExt cx="11886480" cy="22631040"/>
           </a:xfrm>
         </p:grpSpPr>
         <p:sp>
@@ -6102,7 +6403,7 @@
           <p:spPr>
             <a:xfrm>
               <a:off x="914400" y="10286280"/>
-              <a:ext cx="11886840" cy="20574720"/>
+              <a:ext cx="11886480" cy="20574360"/>
             </a:xfrm>
             <a:prstGeom prst="round2SameRect">
               <a:avLst>
@@ -6576,7 +6877,7 @@
           <p:spPr>
             <a:xfrm>
               <a:off x="914400" y="8229600"/>
-              <a:ext cx="11886840" cy="2056320"/>
+              <a:ext cx="11886480" cy="2055960"/>
             </a:xfrm>
             <a:prstGeom prst="round2SameRect">
               <a:avLst>
@@ -6649,9 +6950,9 @@
         <p:grpSpPr>
           <a:xfrm>
             <a:off x="14124600" y="8229600"/>
-            <a:ext cx="11886840" cy="19202040"/>
+            <a:ext cx="11886480" cy="19201680"/>
             <a:chOff x="14124600" y="8229600"/>
-            <a:chExt cx="11886840" cy="19202040"/>
+            <a:chExt cx="11886480" cy="19201680"/>
           </a:xfrm>
         </p:grpSpPr>
         <p:sp>
@@ -6663,7 +6964,7 @@
           <p:spPr>
             <a:xfrm>
               <a:off x="14124600" y="9974520"/>
-              <a:ext cx="11886840" cy="17457120"/>
+              <a:ext cx="11886480" cy="17456760"/>
             </a:xfrm>
             <a:prstGeom prst="round2SameRect">
               <a:avLst>
@@ -7122,7 +7423,7 @@
           <p:spPr>
             <a:xfrm>
               <a:off x="14124600" y="8229600"/>
-              <a:ext cx="11886840" cy="1744560"/>
+              <a:ext cx="11886480" cy="1744200"/>
             </a:xfrm>
             <a:prstGeom prst="round2SameRect">
               <a:avLst>
@@ -7195,9 +7496,9 @@
         <p:grpSpPr>
           <a:xfrm>
             <a:off x="28346400" y="8229600"/>
-            <a:ext cx="11886840" cy="19202040"/>
+            <a:ext cx="11886480" cy="22402800"/>
             <a:chOff x="28346400" y="8229600"/>
-            <a:chExt cx="11886840" cy="19202040"/>
+            <a:chExt cx="11886480" cy="22402800"/>
           </a:xfrm>
         </p:grpSpPr>
         <p:sp>
@@ -7208,8 +7509,8 @@
           </p:nvSpPr>
           <p:spPr>
             <a:xfrm>
-              <a:off x="28346400" y="9974520"/>
-              <a:ext cx="11886840" cy="17457120"/>
+              <a:off x="28346400" y="10265400"/>
+              <a:ext cx="11886480" cy="20367000"/>
             </a:xfrm>
             <a:prstGeom prst="round2SameRect">
               <a:avLst>
@@ -7668,7 +7969,7 @@
           <p:spPr>
             <a:xfrm>
               <a:off x="28346400" y="8229600"/>
-              <a:ext cx="11886840" cy="1744560"/>
+              <a:ext cx="11886480" cy="2035080"/>
             </a:xfrm>
             <a:prstGeom prst="round2SameRect">
               <a:avLst>

--- a/Poster.pptx
+++ b/Poster.pptx
@@ -1,23 +1,123 @@
 
 <file path=ppt/presentation.xml><?xml version="1.0" encoding="utf-8"?>
-<p:presentation xmlns:a="http://schemas.openxmlformats.org/drawingml/2006/main" xmlns:p="http://schemas.openxmlformats.org/presentationml/2006/main" xmlns:r="http://schemas.openxmlformats.org/officeDocument/2006/relationships" xmlns:p14="http://schemas.microsoft.com/office/powerpoint/2010/main" xmlns:p15="http://schemas.microsoft.com/office/powerpoint/2012/main" xmlns:mc="http://schemas.openxmlformats.org/markup-compatibility/2006">
+<p:presentation xmlns:a="http://schemas.openxmlformats.org/drawingml/2006/main" xmlns:r="http://schemas.openxmlformats.org/officeDocument/2006/relationships" xmlns:p="http://schemas.openxmlformats.org/presentationml/2006/main">
   <p:sldMasterIdLst>
-    <p:sldMasterId id="2147483648" r:id="rId2"/>
+    <p:sldMasterId id="2147483648" r:id="rId1"/>
   </p:sldMasterIdLst>
   <p:notesMasterIdLst>
     <p:notesMasterId r:id="rId3"/>
   </p:notesMasterIdLst>
   <p:sldIdLst>
-    <p:sldId id="256" r:id="rId4"/>
+    <p:sldId id="256" r:id="rId2"/>
   </p:sldIdLst>
   <p:sldSz cx="43891200" cy="32918400"/>
   <p:notesSz cx="6858000" cy="9144000"/>
+  <p:defaultTextStyle>
+    <a:defPPr>
+      <a:defRPr lang="en-US"/>
+    </a:defPPr>
+    <a:lvl1pPr marL="0" algn="l" defTabSz="914400" rtl="0" eaLnBrk="1" latinLnBrk="0" hangingPunct="1">
+      <a:defRPr sz="1800" kern="1200">
+        <a:solidFill>
+          <a:schemeClr val="tx1"/>
+        </a:solidFill>
+        <a:latin typeface="+mn-lt"/>
+        <a:ea typeface="+mn-ea"/>
+        <a:cs typeface="+mn-cs"/>
+      </a:defRPr>
+    </a:lvl1pPr>
+    <a:lvl2pPr marL="457200" algn="l" defTabSz="914400" rtl="0" eaLnBrk="1" latinLnBrk="0" hangingPunct="1">
+      <a:defRPr sz="1800" kern="1200">
+        <a:solidFill>
+          <a:schemeClr val="tx1"/>
+        </a:solidFill>
+        <a:latin typeface="+mn-lt"/>
+        <a:ea typeface="+mn-ea"/>
+        <a:cs typeface="+mn-cs"/>
+      </a:defRPr>
+    </a:lvl2pPr>
+    <a:lvl3pPr marL="914400" algn="l" defTabSz="914400" rtl="0" eaLnBrk="1" latinLnBrk="0" hangingPunct="1">
+      <a:defRPr sz="1800" kern="1200">
+        <a:solidFill>
+          <a:schemeClr val="tx1"/>
+        </a:solidFill>
+        <a:latin typeface="+mn-lt"/>
+        <a:ea typeface="+mn-ea"/>
+        <a:cs typeface="+mn-cs"/>
+      </a:defRPr>
+    </a:lvl3pPr>
+    <a:lvl4pPr marL="1371600" algn="l" defTabSz="914400" rtl="0" eaLnBrk="1" latinLnBrk="0" hangingPunct="1">
+      <a:defRPr sz="1800" kern="1200">
+        <a:solidFill>
+          <a:schemeClr val="tx1"/>
+        </a:solidFill>
+        <a:latin typeface="+mn-lt"/>
+        <a:ea typeface="+mn-ea"/>
+        <a:cs typeface="+mn-cs"/>
+      </a:defRPr>
+    </a:lvl4pPr>
+    <a:lvl5pPr marL="1828800" algn="l" defTabSz="914400" rtl="0" eaLnBrk="1" latinLnBrk="0" hangingPunct="1">
+      <a:defRPr sz="1800" kern="1200">
+        <a:solidFill>
+          <a:schemeClr val="tx1"/>
+        </a:solidFill>
+        <a:latin typeface="+mn-lt"/>
+        <a:ea typeface="+mn-ea"/>
+        <a:cs typeface="+mn-cs"/>
+      </a:defRPr>
+    </a:lvl5pPr>
+    <a:lvl6pPr marL="2286000" algn="l" defTabSz="914400" rtl="0" eaLnBrk="1" latinLnBrk="0" hangingPunct="1">
+      <a:defRPr sz="1800" kern="1200">
+        <a:solidFill>
+          <a:schemeClr val="tx1"/>
+        </a:solidFill>
+        <a:latin typeface="+mn-lt"/>
+        <a:ea typeface="+mn-ea"/>
+        <a:cs typeface="+mn-cs"/>
+      </a:defRPr>
+    </a:lvl6pPr>
+    <a:lvl7pPr marL="2743200" algn="l" defTabSz="914400" rtl="0" eaLnBrk="1" latinLnBrk="0" hangingPunct="1">
+      <a:defRPr sz="1800" kern="1200">
+        <a:solidFill>
+          <a:schemeClr val="tx1"/>
+        </a:solidFill>
+        <a:latin typeface="+mn-lt"/>
+        <a:ea typeface="+mn-ea"/>
+        <a:cs typeface="+mn-cs"/>
+      </a:defRPr>
+    </a:lvl7pPr>
+    <a:lvl8pPr marL="3200400" algn="l" defTabSz="914400" rtl="0" eaLnBrk="1" latinLnBrk="0" hangingPunct="1">
+      <a:defRPr sz="1800" kern="1200">
+        <a:solidFill>
+          <a:schemeClr val="tx1"/>
+        </a:solidFill>
+        <a:latin typeface="+mn-lt"/>
+        <a:ea typeface="+mn-ea"/>
+        <a:cs typeface="+mn-cs"/>
+      </a:defRPr>
+    </a:lvl8pPr>
+    <a:lvl9pPr marL="3657600" algn="l" defTabSz="914400" rtl="0" eaLnBrk="1" latinLnBrk="0" hangingPunct="1">
+      <a:defRPr sz="1800" kern="1200">
+        <a:solidFill>
+          <a:schemeClr val="tx1"/>
+        </a:solidFill>
+        <a:latin typeface="+mn-lt"/>
+        <a:ea typeface="+mn-ea"/>
+        <a:cs typeface="+mn-cs"/>
+      </a:defRPr>
+    </a:lvl9pPr>
+  </p:defaultTextStyle>
 </p:presentation>
 </file>
 
 <file path=ppt/notesMasters/notesMaster1.xml><?xml version="1.0" encoding="utf-8"?>
-<p:notesMaster xmlns:a="http://schemas.openxmlformats.org/drawingml/2006/main" xmlns:p="http://schemas.openxmlformats.org/presentationml/2006/main" xmlns:r="http://schemas.openxmlformats.org/officeDocument/2006/relationships" xmlns:p14="http://schemas.microsoft.com/office/powerpoint/2010/main" xmlns:p15="http://schemas.microsoft.com/office/powerpoint/2012/main" xmlns:mc="http://schemas.openxmlformats.org/markup-compatibility/2006">
+<p:notesMaster xmlns:a="http://schemas.openxmlformats.org/drawingml/2006/main" xmlns:r="http://schemas.openxmlformats.org/officeDocument/2006/relationships" xmlns:p="http://schemas.openxmlformats.org/presentationml/2006/main">
   <p:cSld>
+    <p:bg>
+      <p:bgRef idx="1001">
+        <a:schemeClr val="bg1"/>
+      </p:bgRef>
+    </p:bg>
     <p:spTree>
       <p:nvGrpSpPr>
         <p:cNvPr id="1" name=""/>
@@ -36,7 +136,7 @@
         <p:nvSpPr>
           <p:cNvPr id="57" name="PlaceHolder 1"/>
           <p:cNvSpPr>
-            <a:spLocks noGrp="1"/>
+            <a:spLocks noGrp="1" noRot="1" noChangeAspect="1"/>
           </p:cNvSpPr>
           <p:nvPr>
             <p:ph type="sldImg"/>
@@ -56,13 +156,14 @@
           </a:ln>
         </p:spPr>
         <p:txBody>
-          <a:bodyPr lIns="0" rIns="0" tIns="0" bIns="0" anchor="ctr">
+          <a:bodyPr lIns="0" tIns="0" rIns="0" bIns="0" anchor="ctr">
             <a:noAutofit/>
           </a:bodyPr>
+          <a:lstStyle/>
           <a:p>
             <a:pPr algn="ctr"/>
             <a:r>
-              <a:rPr b="0" lang="en-US" sz="4400" strike="noStrike" u="none">
+              <a:rPr lang="en-US" sz="4400" b="0" u="none" strike="noStrike">
                 <a:solidFill>
                   <a:srgbClr val="000000"/>
                 </a:solidFill>
@@ -72,14 +173,6 @@
               </a:rPr>
               <a:t>Click to move the slide</a:t>
             </a:r>
-            <a:endParaRPr b="0" lang="en-US" sz="4400" strike="noStrike" u="none">
-              <a:solidFill>
-                <a:srgbClr val="000000"/>
-              </a:solidFill>
-              <a:effectLst/>
-              <a:uFillTx/>
-              <a:latin typeface="Arial"/>
-            </a:endParaRPr>
           </a:p>
         </p:txBody>
       </p:sp>
@@ -107,15 +200,16 @@
           </a:ln>
         </p:spPr>
         <p:txBody>
-          <a:bodyPr lIns="0" rIns="0" tIns="0" bIns="0" anchor="t">
+          <a:bodyPr lIns="0" tIns="0" rIns="0" bIns="0" anchor="t">
             <a:noAutofit/>
           </a:bodyPr>
+          <a:lstStyle/>
           <a:p>
             <a:pPr indent="0">
               <a:buNone/>
             </a:pPr>
             <a:r>
-              <a:rPr b="0" lang="en-US" sz="2000" strike="noStrike" u="none">
+              <a:rPr lang="en-US" sz="2000" b="0" u="none" strike="noStrike">
                 <a:solidFill>
                   <a:srgbClr val="000000"/>
                 </a:solidFill>
@@ -125,14 +219,6 @@
               </a:rPr>
               <a:t>Click to edit the notes format</a:t>
             </a:r>
-            <a:endParaRPr b="0" lang="en-US" sz="2000" strike="noStrike" u="none">
-              <a:solidFill>
-                <a:srgbClr val="000000"/>
-              </a:solidFill>
-              <a:effectLst/>
-              <a:uFillTx/>
-              <a:latin typeface="Arial"/>
-            </a:endParaRPr>
           </a:p>
         </p:txBody>
       </p:sp>
@@ -160,15 +246,16 @@
           </a:ln>
         </p:spPr>
         <p:txBody>
-          <a:bodyPr lIns="0" rIns="0" tIns="0" bIns="0" anchor="t">
+          <a:bodyPr lIns="0" tIns="0" rIns="0" bIns="0" anchor="t">
             <a:noAutofit/>
           </a:bodyPr>
+          <a:lstStyle/>
           <a:p>
             <a:pPr indent="0">
               <a:buNone/>
             </a:pPr>
             <a:r>
-              <a:rPr b="0" lang="en-US" sz="1400" strike="noStrike" u="none">
+              <a:rPr lang="en-US" sz="1400" b="0" u="none" strike="noStrike">
                 <a:solidFill>
                   <a:srgbClr val="000000"/>
                 </a:solidFill>
@@ -178,14 +265,6 @@
               </a:rPr>
               <a:t>&lt;header&gt;</a:t>
             </a:r>
-            <a:endParaRPr b="0" lang="en-US" sz="1400" strike="noStrike" u="none">
-              <a:solidFill>
-                <a:srgbClr val="000000"/>
-              </a:solidFill>
-              <a:effectLst/>
-              <a:uFillTx/>
-              <a:latin typeface="Times New Roman"/>
-            </a:endParaRPr>
           </a:p>
         </p:txBody>
       </p:sp>
@@ -213,13 +292,13 @@
           </a:ln>
         </p:spPr>
         <p:txBody>
-          <a:bodyPr lIns="0" rIns="0" tIns="0" bIns="0" anchor="t">
+          <a:bodyPr lIns="0" tIns="0" rIns="0" bIns="0" anchor="t">
             <a:noAutofit/>
           </a:bodyPr>
           <a:lstStyle>
             <a:lvl1pPr indent="0" algn="r">
               <a:buNone/>
-              <a:defRPr b="0" lang="en-US" sz="1400" strike="noStrike" u="none">
+              <a:defRPr lang="en-US" sz="1400" b="0" u="none" strike="noStrike">
                 <a:solidFill>
                   <a:srgbClr val="000000"/>
                 </a:solidFill>
@@ -234,7 +313,7 @@
               <a:buNone/>
             </a:pPr>
             <a:r>
-              <a:rPr b="0" lang="en-US" sz="1400" strike="noStrike" u="none">
+              <a:rPr lang="en-US" sz="1400" b="0" u="none" strike="noStrike">
                 <a:solidFill>
                   <a:srgbClr val="000000"/>
                 </a:solidFill>
@@ -244,14 +323,6 @@
               </a:rPr>
               <a:t>&lt;date/time&gt;</a:t>
             </a:r>
-            <a:endParaRPr b="0" lang="en-US" sz="1400" strike="noStrike" u="none">
-              <a:solidFill>
-                <a:srgbClr val="000000"/>
-              </a:solidFill>
-              <a:effectLst/>
-              <a:uFillTx/>
-              <a:latin typeface="Times New Roman"/>
-            </a:endParaRPr>
           </a:p>
         </p:txBody>
       </p:sp>
@@ -279,13 +350,13 @@
           </a:ln>
         </p:spPr>
         <p:txBody>
-          <a:bodyPr lIns="0" rIns="0" tIns="0" bIns="0" anchor="b">
+          <a:bodyPr lIns="0" tIns="0" rIns="0" bIns="0" anchor="b">
             <a:noAutofit/>
           </a:bodyPr>
           <a:lstStyle>
             <a:lvl1pPr indent="0">
               <a:buNone/>
-              <a:defRPr b="0" lang="en-US" sz="1400" strike="noStrike" u="none">
+              <a:defRPr lang="en-US" sz="1400" b="0" u="none" strike="noStrike">
                 <a:solidFill>
                   <a:srgbClr val="000000"/>
                 </a:solidFill>
@@ -300,7 +371,7 @@
               <a:buNone/>
             </a:pPr>
             <a:r>
-              <a:rPr b="0" lang="en-US" sz="1400" strike="noStrike" u="none">
+              <a:rPr lang="en-US" sz="1400" b="0" u="none" strike="noStrike">
                 <a:solidFill>
                   <a:srgbClr val="000000"/>
                 </a:solidFill>
@@ -310,14 +381,6 @@
               </a:rPr>
               <a:t>&lt;footer&gt;</a:t>
             </a:r>
-            <a:endParaRPr b="0" lang="en-US" sz="1400" strike="noStrike" u="none">
-              <a:solidFill>
-                <a:srgbClr val="000000"/>
-              </a:solidFill>
-              <a:effectLst/>
-              <a:uFillTx/>
-              <a:latin typeface="Times New Roman"/>
-            </a:endParaRPr>
           </a:p>
         </p:txBody>
       </p:sp>
@@ -345,13 +408,13 @@
           </a:ln>
         </p:spPr>
         <p:txBody>
-          <a:bodyPr lIns="0" rIns="0" tIns="0" bIns="0" anchor="b">
+          <a:bodyPr lIns="0" tIns="0" rIns="0" bIns="0" anchor="b">
             <a:noAutofit/>
           </a:bodyPr>
           <a:lstStyle>
             <a:lvl1pPr indent="0" algn="r">
               <a:buNone/>
-              <a:defRPr b="0" lang="en-US" sz="1400" strike="noStrike" u="none">
+              <a:defRPr lang="en-US" sz="1400" b="0" u="none" strike="noStrike">
                 <a:solidFill>
                   <a:srgbClr val="000000"/>
                 </a:solidFill>
@@ -366,7 +429,7 @@
               <a:buNone/>
             </a:pPr>
             <a:fld id="{B46140A9-32DD-4EB2-8ADA-9F502FE5939C}" type="slidenum">
-              <a:rPr b="0" lang="en-US" sz="1400" strike="noStrike" u="none">
+              <a:rPr lang="en-US" sz="1400" b="0" u="none" strike="noStrike">
                 <a:solidFill>
                   <a:srgbClr val="000000"/>
                 </a:solidFill>
@@ -374,9 +437,9 @@
                 <a:uFillTx/>
                 <a:latin typeface="Times New Roman"/>
               </a:rPr>
-              <a:t>&lt;number&gt;</a:t>
+              <a:t>‹#›</a:t>
             </a:fld>
-            <a:endParaRPr b="0" lang="en-US" sz="1400" strike="noStrike" u="none">
+            <a:endParaRPr lang="en-US" sz="1400" b="0" u="none" strike="noStrike">
               <a:solidFill>
                 <a:srgbClr val="000000"/>
               </a:solidFill>
@@ -389,12 +452,104 @@
       </p:sp>
     </p:spTree>
   </p:cSld>
-  <p:clrMap bg1="lt1" bg2="lt2" tx1="dk1" tx2="dk2" accent1="accent1" accent2="accent2" accent3="accent3" accent4="accent4" accent5="accent5" accent6="accent6" hlink="hlink" folHlink="folHlink"/>
+  <p:clrMap bg1="lt1" tx1="dk1" bg2="lt2" tx2="dk2" accent1="accent1" accent2="accent2" accent3="accent3" accent4="accent4" accent5="accent5" accent6="accent6" hlink="hlink" folHlink="folHlink"/>
+  <p:notesStyle>
+    <a:lvl1pPr marL="0" algn="l" defTabSz="914400" rtl="0" eaLnBrk="1" latinLnBrk="0" hangingPunct="1">
+      <a:defRPr sz="1200" kern="1200">
+        <a:solidFill>
+          <a:schemeClr val="tx1"/>
+        </a:solidFill>
+        <a:latin typeface="+mn-lt"/>
+        <a:ea typeface="+mn-ea"/>
+        <a:cs typeface="+mn-cs"/>
+      </a:defRPr>
+    </a:lvl1pPr>
+    <a:lvl2pPr marL="457200" algn="l" defTabSz="914400" rtl="0" eaLnBrk="1" latinLnBrk="0" hangingPunct="1">
+      <a:defRPr sz="1200" kern="1200">
+        <a:solidFill>
+          <a:schemeClr val="tx1"/>
+        </a:solidFill>
+        <a:latin typeface="+mn-lt"/>
+        <a:ea typeface="+mn-ea"/>
+        <a:cs typeface="+mn-cs"/>
+      </a:defRPr>
+    </a:lvl2pPr>
+    <a:lvl3pPr marL="914400" algn="l" defTabSz="914400" rtl="0" eaLnBrk="1" latinLnBrk="0" hangingPunct="1">
+      <a:defRPr sz="1200" kern="1200">
+        <a:solidFill>
+          <a:schemeClr val="tx1"/>
+        </a:solidFill>
+        <a:latin typeface="+mn-lt"/>
+        <a:ea typeface="+mn-ea"/>
+        <a:cs typeface="+mn-cs"/>
+      </a:defRPr>
+    </a:lvl3pPr>
+    <a:lvl4pPr marL="1371600" algn="l" defTabSz="914400" rtl="0" eaLnBrk="1" latinLnBrk="0" hangingPunct="1">
+      <a:defRPr sz="1200" kern="1200">
+        <a:solidFill>
+          <a:schemeClr val="tx1"/>
+        </a:solidFill>
+        <a:latin typeface="+mn-lt"/>
+        <a:ea typeface="+mn-ea"/>
+        <a:cs typeface="+mn-cs"/>
+      </a:defRPr>
+    </a:lvl4pPr>
+    <a:lvl5pPr marL="1828800" algn="l" defTabSz="914400" rtl="0" eaLnBrk="1" latinLnBrk="0" hangingPunct="1">
+      <a:defRPr sz="1200" kern="1200">
+        <a:solidFill>
+          <a:schemeClr val="tx1"/>
+        </a:solidFill>
+        <a:latin typeface="+mn-lt"/>
+        <a:ea typeface="+mn-ea"/>
+        <a:cs typeface="+mn-cs"/>
+      </a:defRPr>
+    </a:lvl5pPr>
+    <a:lvl6pPr marL="2286000" algn="l" defTabSz="914400" rtl="0" eaLnBrk="1" latinLnBrk="0" hangingPunct="1">
+      <a:defRPr sz="1200" kern="1200">
+        <a:solidFill>
+          <a:schemeClr val="tx1"/>
+        </a:solidFill>
+        <a:latin typeface="+mn-lt"/>
+        <a:ea typeface="+mn-ea"/>
+        <a:cs typeface="+mn-cs"/>
+      </a:defRPr>
+    </a:lvl6pPr>
+    <a:lvl7pPr marL="2743200" algn="l" defTabSz="914400" rtl="0" eaLnBrk="1" latinLnBrk="0" hangingPunct="1">
+      <a:defRPr sz="1200" kern="1200">
+        <a:solidFill>
+          <a:schemeClr val="tx1"/>
+        </a:solidFill>
+        <a:latin typeface="+mn-lt"/>
+        <a:ea typeface="+mn-ea"/>
+        <a:cs typeface="+mn-cs"/>
+      </a:defRPr>
+    </a:lvl7pPr>
+    <a:lvl8pPr marL="3200400" algn="l" defTabSz="914400" rtl="0" eaLnBrk="1" latinLnBrk="0" hangingPunct="1">
+      <a:defRPr sz="1200" kern="1200">
+        <a:solidFill>
+          <a:schemeClr val="tx1"/>
+        </a:solidFill>
+        <a:latin typeface="+mn-lt"/>
+        <a:ea typeface="+mn-ea"/>
+        <a:cs typeface="+mn-cs"/>
+      </a:defRPr>
+    </a:lvl8pPr>
+    <a:lvl9pPr marL="3657600" algn="l" defTabSz="914400" rtl="0" eaLnBrk="1" latinLnBrk="0" hangingPunct="1">
+      <a:defRPr sz="1200" kern="1200">
+        <a:solidFill>
+          <a:schemeClr val="tx1"/>
+        </a:solidFill>
+        <a:latin typeface="+mn-lt"/>
+        <a:ea typeface="+mn-ea"/>
+        <a:cs typeface="+mn-cs"/>
+      </a:defRPr>
+    </a:lvl9pPr>
+  </p:notesStyle>
 </p:notesMaster>
 </file>
 
 <file path=ppt/notesSlides/notesSlide1.xml><?xml version="1.0" encoding="utf-8"?>
-<p:notes xmlns:a="http://schemas.openxmlformats.org/drawingml/2006/main" xmlns:p="http://schemas.openxmlformats.org/presentationml/2006/main" xmlns:r="http://schemas.openxmlformats.org/officeDocument/2006/relationships" xmlns:p14="http://schemas.microsoft.com/office/powerpoint/2010/main" xmlns:p15="http://schemas.microsoft.com/office/powerpoint/2012/main" xmlns:mc="http://schemas.openxmlformats.org/markup-compatibility/2006">
+<p:notes xmlns:a="http://schemas.openxmlformats.org/drawingml/2006/main" xmlns:r="http://schemas.openxmlformats.org/officeDocument/2006/relationships" xmlns:p="http://schemas.openxmlformats.org/presentationml/2006/main">
   <p:cSld>
     <p:spTree>
       <p:nvGrpSpPr>
@@ -414,7 +569,7 @@
         <p:nvSpPr>
           <p:cNvPr id="77" name="PlaceHolder 1"/>
           <p:cNvSpPr>
-            <a:spLocks noGrp="1"/>
+            <a:spLocks noGrp="1" noRot="1" noChangeAspect="1"/>
           </p:cNvSpPr>
           <p:nvPr>
             <p:ph type="sldImg"/>
@@ -423,7 +578,7 @@
         <p:spPr>
           <a:xfrm>
             <a:off x="1371600" y="1143000"/>
-            <a:ext cx="4114080" cy="3085560"/>
+            <a:ext cx="4114800" cy="3086100"/>
           </a:xfrm>
           <a:prstGeom prst="rect">
             <a:avLst/>
@@ -457,14 +612,15 @@
           </a:ln>
         </p:spPr>
         <p:txBody>
-          <a:bodyPr lIns="91440" rIns="91440" tIns="45720" bIns="45720" anchor="t">
+          <a:bodyPr lIns="91440" tIns="45720" rIns="91440" bIns="45720" anchor="t">
             <a:noAutofit/>
           </a:bodyPr>
+          <a:lstStyle/>
           <a:p>
             <a:pPr indent="0">
               <a:buNone/>
             </a:pPr>
-            <a:endParaRPr b="0" lang="en-US" sz="1800" strike="noStrike" u="none">
+            <a:endParaRPr lang="en-US" sz="1800" b="0" u="none" strike="noStrike">
               <a:solidFill>
                 <a:srgbClr val="000000"/>
               </a:solidFill>
@@ -499,7 +655,7 @@
           </a:ln>
         </p:spPr>
         <p:txBody>
-          <a:bodyPr lIns="91440" rIns="91440" tIns="45720" bIns="45720" anchor="b">
+          <a:bodyPr lIns="91440" tIns="45720" rIns="91440" bIns="45720" anchor="b">
             <a:noAutofit/>
           </a:bodyPr>
           <a:lstStyle>
@@ -509,9 +665,9 @@
               </a:lnSpc>
               <a:buNone/>
               <a:tabLst>
-                <a:tab algn="l" pos="0"/>
+                <a:tab pos="0" algn="l"/>
               </a:tabLst>
-              <a:defRPr b="0" lang="en-US" sz="1200" strike="noStrike" u="none">
+              <a:defRPr lang="en-US" sz="1200" b="0" u="none" strike="noStrike">
                 <a:solidFill>
                   <a:srgbClr val="000000"/>
                 </a:solidFill>
@@ -528,11 +684,11 @@
               </a:lnSpc>
               <a:buNone/>
               <a:tabLst>
-                <a:tab algn="l" pos="0"/>
+                <a:tab pos="0" algn="l"/>
               </a:tabLst>
             </a:pPr>
             <a:fld id="{34064405-1677-4CA5-B8EF-7CF2C335ACD6}" type="slidenum">
-              <a:rPr b="0" lang="en-US" sz="1200" strike="noStrike" u="none">
+              <a:rPr lang="en-US" sz="1200" b="0" u="none" strike="noStrike">
                 <a:solidFill>
                   <a:srgbClr val="000000"/>
                 </a:solidFill>
@@ -540,9 +696,9 @@
                 <a:uFillTx/>
                 <a:latin typeface="Times New Roman"/>
               </a:rPr>
-              <a:t>&lt;number&gt;</a:t>
+              <a:t>1</a:t>
             </a:fld>
-            <a:endParaRPr b="0" lang="en-US" sz="1200" strike="noStrike" u="none">
+            <a:endParaRPr lang="en-US" sz="1200" b="0" u="none" strike="noStrike">
               <a:solidFill>
                 <a:srgbClr val="000000"/>
               </a:solidFill>
@@ -555,17 +711,21 @@
       </p:sp>
     </p:spTree>
   </p:cSld>
+  <p:clrMapOvr>
+    <a:masterClrMapping/>
+  </p:clrMapOvr>
 </p:notes>
 </file>
 
 <file path=ppt/slideLayouts/slideLayout1.xml><?xml version="1.0" encoding="utf-8"?>
-<p:sldLayout xmlns:a="http://schemas.openxmlformats.org/drawingml/2006/main" xmlns:p="http://schemas.openxmlformats.org/presentationml/2006/main" xmlns:r="http://schemas.openxmlformats.org/officeDocument/2006/relationships" xmlns:p14="http://schemas.microsoft.com/office/powerpoint/2010/main" xmlns:p15="http://schemas.microsoft.com/office/powerpoint/2012/main" xmlns:mc="http://schemas.openxmlformats.org/markup-compatibility/2006" type="blank" preserve="1">
+<p:sldLayout xmlns:a="http://schemas.openxmlformats.org/drawingml/2006/main" xmlns:r="http://schemas.openxmlformats.org/officeDocument/2006/relationships" xmlns:p="http://schemas.openxmlformats.org/presentationml/2006/main" type="blank" preserve="1">
   <p:cSld name="Blank">
     <p:bg>
       <p:bgPr>
         <a:solidFill>
-          <a:srgbClr val="ffffff"/>
+          <a:srgbClr val="FFFFFF"/>
         </a:solidFill>
+        <a:effectLst/>
       </p:bgPr>
     </p:bg>
     <p:spTree>
@@ -584,7 +744,7 @@
       </p:grpSpPr>
       <p:sp>
         <p:nvSpPr>
-          <p:cNvPr id="0" name="PlaceHolder 1"/>
+          <p:cNvPr id="3" name="PlaceHolder 1"/>
           <p:cNvSpPr>
             <a:spLocks noGrp="1"/>
           </p:cNvSpPr>
@@ -606,7 +766,7 @@
           </a:ln>
         </p:spPr>
         <p:txBody>
-          <a:bodyPr lIns="91440" rIns="91440" tIns="45720" bIns="45720" anchor="ctr">
+          <a:bodyPr lIns="91440" tIns="45720" rIns="91440" bIns="45720" anchor="ctr">
             <a:noAutofit/>
           </a:bodyPr>
           <a:lstStyle>
@@ -616,9 +776,9 @@
               </a:lnSpc>
               <a:buNone/>
               <a:tabLst>
-                <a:tab algn="l" pos="0"/>
+                <a:tab pos="0" algn="l"/>
               </a:tabLst>
-              <a:defRPr b="0" lang="en-US" sz="5760" strike="noStrike" u="none">
+              <a:defRPr lang="en-US" sz="5760" b="0" u="none" strike="noStrike">
                 <a:solidFill>
                   <a:schemeClr val="dk1">
                     <a:tint val="82000"/>
@@ -637,11 +797,11 @@
               </a:lnSpc>
               <a:buNone/>
               <a:tabLst>
-                <a:tab algn="l" pos="0"/>
+                <a:tab pos="0" algn="l"/>
               </a:tabLst>
             </a:pPr>
             <a:r>
-              <a:rPr b="0" lang="en-US" sz="5760" strike="noStrike" u="none">
+              <a:rPr lang="en-US" sz="5760" b="0" u="none" strike="noStrike">
                 <a:solidFill>
                   <a:schemeClr val="dk1">
                     <a:tint val="82000"/>
@@ -653,7 +813,7 @@
               </a:rPr>
               <a:t>&lt;date/time&gt;</a:t>
             </a:r>
-            <a:endParaRPr b="0" lang="en-US" sz="5760" strike="noStrike" u="none">
+            <a:endParaRPr lang="en-US" sz="5760" b="0" u="none" strike="noStrike">
               <a:solidFill>
                 <a:srgbClr val="000000"/>
               </a:solidFill>
@@ -666,7 +826,7 @@
       </p:sp>
       <p:sp>
         <p:nvSpPr>
-          <p:cNvPr id="1" name="PlaceHolder 2"/>
+          <p:cNvPr id="4" name="PlaceHolder 2"/>
           <p:cNvSpPr>
             <a:spLocks noGrp="1"/>
           </p:cNvSpPr>
@@ -688,7 +848,7 @@
           </a:ln>
         </p:spPr>
         <p:txBody>
-          <a:bodyPr lIns="91440" rIns="91440" tIns="45720" bIns="45720" anchor="ctr">
+          <a:bodyPr lIns="91440" tIns="45720" rIns="91440" bIns="45720" anchor="ctr">
             <a:noAutofit/>
           </a:bodyPr>
           <a:lstStyle>
@@ -698,9 +858,9 @@
               </a:lnSpc>
               <a:buNone/>
               <a:tabLst>
-                <a:tab algn="l" pos="0"/>
+                <a:tab pos="0" algn="l"/>
               </a:tabLst>
-              <a:defRPr b="0" lang="en-US" sz="1400" strike="noStrike" u="none">
+              <a:defRPr lang="en-US" sz="1400" b="0" u="none" strike="noStrike">
                 <a:solidFill>
                   <a:srgbClr val="000000"/>
                 </a:solidFill>
@@ -717,11 +877,11 @@
               </a:lnSpc>
               <a:buNone/>
               <a:tabLst>
-                <a:tab algn="l" pos="0"/>
+                <a:tab pos="0" algn="l"/>
               </a:tabLst>
             </a:pPr>
             <a:r>
-              <a:rPr b="0" lang="en-US" sz="1400" strike="noStrike" u="none">
+              <a:rPr lang="en-US" sz="1400" b="0" u="none" strike="noStrike">
                 <a:solidFill>
                   <a:srgbClr val="000000"/>
                 </a:solidFill>
@@ -731,14 +891,6 @@
               </a:rPr>
               <a:t>&lt;footer&gt;</a:t>
             </a:r>
-            <a:endParaRPr b="0" lang="en-US" sz="1400" strike="noStrike" u="none">
-              <a:solidFill>
-                <a:srgbClr val="000000"/>
-              </a:solidFill>
-              <a:effectLst/>
-              <a:uFillTx/>
-              <a:latin typeface="Times New Roman"/>
-            </a:endParaRPr>
           </a:p>
         </p:txBody>
       </p:sp>
@@ -766,7 +918,7 @@
           </a:ln>
         </p:spPr>
         <p:txBody>
-          <a:bodyPr lIns="91440" rIns="91440" tIns="45720" bIns="45720" anchor="ctr">
+          <a:bodyPr lIns="91440" tIns="45720" rIns="91440" bIns="45720" anchor="ctr">
             <a:noAutofit/>
           </a:bodyPr>
           <a:lstStyle>
@@ -776,9 +928,9 @@
               </a:lnSpc>
               <a:buNone/>
               <a:tabLst>
-                <a:tab algn="l" pos="0"/>
+                <a:tab pos="0" algn="l"/>
               </a:tabLst>
-              <a:defRPr b="0" lang="en-US" sz="5760" strike="noStrike" u="none">
+              <a:defRPr lang="en-US" sz="5760" b="0" u="none" strike="noStrike">
                 <a:solidFill>
                   <a:schemeClr val="dk1">
                     <a:tint val="82000"/>
@@ -797,11 +949,11 @@
               </a:lnSpc>
               <a:buNone/>
               <a:tabLst>
-                <a:tab algn="l" pos="0"/>
+                <a:tab pos="0" algn="l"/>
               </a:tabLst>
             </a:pPr>
             <a:fld id="{51AA141D-342E-4F72-9A80-AA813862D42A}" type="slidenum">
-              <a:rPr b="0" lang="en-US" sz="5760" strike="noStrike" u="none">
+              <a:rPr lang="en-US" sz="5760" b="0" u="none" strike="noStrike">
                 <a:solidFill>
                   <a:schemeClr val="dk1">
                     <a:tint val="82000"/>
@@ -811,9 +963,9 @@
                 <a:uFillTx/>
                 <a:latin typeface="Aptos"/>
               </a:rPr>
-              <a:t>&lt;number&gt;</a:t>
+              <a:t>‹#›</a:t>
             </a:fld>
-            <a:endParaRPr b="0" lang="en-US" sz="5760" strike="noStrike" u="none">
+            <a:endParaRPr lang="en-US" sz="5760" b="0" u="none" strike="noStrike">
               <a:solidFill>
                 <a:srgbClr val="000000"/>
               </a:solidFill>
@@ -826,17 +978,21 @@
       </p:sp>
     </p:spTree>
   </p:cSld>
+  <p:clrMapOvr>
+    <a:masterClrMapping/>
+  </p:clrMapOvr>
 </p:sldLayout>
 </file>
 
 <file path=ppt/slideLayouts/slideLayout10.xml><?xml version="1.0" encoding="utf-8"?>
-<p:sldLayout xmlns:a="http://schemas.openxmlformats.org/drawingml/2006/main" xmlns:p="http://schemas.openxmlformats.org/presentationml/2006/main" xmlns:r="http://schemas.openxmlformats.org/officeDocument/2006/relationships" xmlns:p14="http://schemas.microsoft.com/office/powerpoint/2010/main" xmlns:p15="http://schemas.microsoft.com/office/powerpoint/2012/main" xmlns:mc="http://schemas.openxmlformats.org/markup-compatibility/2006" type="blank" preserve="1">
+<p:sldLayout xmlns:a="http://schemas.openxmlformats.org/drawingml/2006/main" xmlns:r="http://schemas.openxmlformats.org/officeDocument/2006/relationships" xmlns:p="http://schemas.openxmlformats.org/presentationml/2006/main" type="blank" preserve="1">
   <p:cSld name="Comparison">
     <p:bg>
       <p:bgPr>
         <a:solidFill>
-          <a:srgbClr val="ffffff"/>
+          <a:srgbClr val="FFFFFF"/>
         </a:solidFill>
+        <a:effectLst/>
       </p:bgPr>
     </p:bg>
     <p:spTree>
@@ -877,9 +1033,10 @@
           </a:ln>
         </p:spPr>
         <p:txBody>
-          <a:bodyPr lIns="91440" rIns="91440" tIns="45720" bIns="45720" anchor="ctr">
+          <a:bodyPr lIns="91440" tIns="45720" rIns="91440" bIns="45720" anchor="ctr">
             <a:noAutofit/>
           </a:bodyPr>
+          <a:lstStyle/>
           <a:p>
             <a:pPr indent="0" defTabSz="4389120">
               <a:lnSpc>
@@ -887,11 +1044,11 @@
               </a:lnSpc>
               <a:buNone/>
               <a:tabLst>
-                <a:tab algn="l" pos="0"/>
+                <a:tab pos="0" algn="l"/>
               </a:tabLst>
             </a:pPr>
             <a:r>
-              <a:rPr b="0" lang="en-US" sz="21120" strike="noStrike" u="none">
+              <a:rPr lang="en-US" sz="21120" b="0" u="none" strike="noStrike">
                 <a:solidFill>
                   <a:schemeClr val="dk1"/>
                 </a:solidFill>
@@ -901,7 +1058,7 @@
               </a:rPr>
               <a:t>Click to edit Master title style</a:t>
             </a:r>
-            <a:endParaRPr b="0" lang="en-US" sz="21120" strike="noStrike" u="none">
+            <a:endParaRPr lang="en-US" sz="21120" b="0" u="none" strike="noStrike">
               <a:solidFill>
                 <a:srgbClr val="000000"/>
               </a:solidFill>
@@ -936,9 +1093,10 @@
           </a:ln>
         </p:spPr>
         <p:txBody>
-          <a:bodyPr lIns="91440" rIns="91440" tIns="45720" bIns="45720" anchor="b">
+          <a:bodyPr lIns="91440" tIns="45720" rIns="91440" bIns="45720" anchor="b">
             <a:noAutofit/>
           </a:bodyPr>
+          <a:lstStyle/>
           <a:p>
             <a:pPr indent="0" defTabSz="4389120">
               <a:lnSpc>
@@ -949,11 +1107,11 @@
               </a:spcBef>
               <a:buNone/>
               <a:tabLst>
-                <a:tab algn="l" pos="0"/>
+                <a:tab pos="0" algn="l"/>
               </a:tabLst>
             </a:pPr>
             <a:r>
-              <a:rPr b="1" lang="en-US" sz="11520" strike="noStrike" u="none">
+              <a:rPr lang="en-US" sz="11520" b="1" u="none" strike="noStrike">
                 <a:solidFill>
                   <a:schemeClr val="dk1"/>
                 </a:solidFill>
@@ -963,7 +1121,7 @@
               </a:rPr>
               <a:t>Click to edit Master text styles</a:t>
             </a:r>
-            <a:endParaRPr b="0" lang="en-US" sz="11520" strike="noStrike" u="none">
+            <a:endParaRPr lang="en-US" sz="11520" b="0" u="none" strike="noStrike">
               <a:solidFill>
                 <a:srgbClr val="000000"/>
               </a:solidFill>
@@ -998,9 +1156,10 @@
           </a:ln>
         </p:spPr>
         <p:txBody>
-          <a:bodyPr lIns="91440" rIns="91440" tIns="45720" bIns="45720" anchor="t">
+          <a:bodyPr lIns="91440" tIns="45720" rIns="91440" bIns="45720" anchor="t">
             <a:noAutofit/>
           </a:bodyPr>
+          <a:lstStyle/>
           <a:p>
             <a:pPr marL="1097280" indent="-1097280" defTabSz="4389120">
               <a:lnSpc>
@@ -1016,7 +1175,7 @@
               <a:buChar char="•"/>
             </a:pPr>
             <a:r>
-              <a:rPr b="0" lang="en-US" sz="13439" strike="noStrike" u="none">
+              <a:rPr lang="en-US" sz="13439" b="0" u="none" strike="noStrike">
                 <a:solidFill>
                   <a:schemeClr val="dk1"/>
                 </a:solidFill>
@@ -1026,7 +1185,7 @@
               </a:rPr>
               <a:t>Click to edit Master text styles</a:t>
             </a:r>
-            <a:endParaRPr b="0" lang="en-US" sz="13439" strike="noStrike" u="none">
+            <a:endParaRPr lang="en-US" sz="13439" b="0" u="none" strike="noStrike">
               <a:solidFill>
                 <a:srgbClr val="000000"/>
               </a:solidFill>
@@ -1036,7 +1195,7 @@
             </a:endParaRPr>
           </a:p>
           <a:p>
-            <a:pPr lvl="1" marL="3291840" indent="-1097280" defTabSz="4389120">
+            <a:pPr marL="3291840" lvl="1" indent="-1097280" defTabSz="4389120">
               <a:lnSpc>
                 <a:spcPct val="90000"/>
               </a:lnSpc>
@@ -1050,7 +1209,7 @@
               <a:buChar char="•"/>
             </a:pPr>
             <a:r>
-              <a:rPr b="0" lang="en-US" sz="11520" strike="noStrike" u="none">
+              <a:rPr lang="en-US" sz="11520" b="0" u="none" strike="noStrike">
                 <a:solidFill>
                   <a:schemeClr val="dk1"/>
                 </a:solidFill>
@@ -1060,7 +1219,7 @@
               </a:rPr>
               <a:t>Second level</a:t>
             </a:r>
-            <a:endParaRPr b="0" lang="en-US" sz="11520" strike="noStrike" u="none">
+            <a:endParaRPr lang="en-US" sz="11520" b="0" u="none" strike="noStrike">
               <a:solidFill>
                 <a:srgbClr val="000000"/>
               </a:solidFill>
@@ -1070,7 +1229,7 @@
             </a:endParaRPr>
           </a:p>
           <a:p>
-            <a:pPr lvl="2" marL="5486400" indent="-1097280" defTabSz="4389120">
+            <a:pPr marL="5486400" lvl="2" indent="-1097280" defTabSz="4389120">
               <a:lnSpc>
                 <a:spcPct val="90000"/>
               </a:lnSpc>
@@ -1084,7 +1243,7 @@
               <a:buChar char="•"/>
             </a:pPr>
             <a:r>
-              <a:rPr b="0" lang="en-US" sz="9600" strike="noStrike" u="none">
+              <a:rPr lang="en-US" sz="9600" b="0" u="none" strike="noStrike">
                 <a:solidFill>
                   <a:schemeClr val="dk1"/>
                 </a:solidFill>
@@ -1094,7 +1253,7 @@
               </a:rPr>
               <a:t>Third level</a:t>
             </a:r>
-            <a:endParaRPr b="0" lang="en-US" sz="9600" strike="noStrike" u="none">
+            <a:endParaRPr lang="en-US" sz="9600" b="0" u="none" strike="noStrike">
               <a:solidFill>
                 <a:srgbClr val="000000"/>
               </a:solidFill>
@@ -1104,7 +1263,7 @@
             </a:endParaRPr>
           </a:p>
           <a:p>
-            <a:pPr lvl="3" marL="7680960" indent="-1097280" defTabSz="4389120">
+            <a:pPr marL="7680960" lvl="3" indent="-1097280" defTabSz="4389120">
               <a:lnSpc>
                 <a:spcPct val="90000"/>
               </a:lnSpc>
@@ -1118,7 +1277,7 @@
               <a:buChar char="•"/>
             </a:pPr>
             <a:r>
-              <a:rPr b="0" lang="en-US" sz="8640" strike="noStrike" u="none">
+              <a:rPr lang="en-US" sz="8640" b="0" u="none" strike="noStrike">
                 <a:solidFill>
                   <a:schemeClr val="dk1"/>
                 </a:solidFill>
@@ -1128,7 +1287,7 @@
               </a:rPr>
               <a:t>Fourth level</a:t>
             </a:r>
-            <a:endParaRPr b="0" lang="en-US" sz="8640" strike="noStrike" u="none">
+            <a:endParaRPr lang="en-US" sz="8640" b="0" u="none" strike="noStrike">
               <a:solidFill>
                 <a:srgbClr val="000000"/>
               </a:solidFill>
@@ -1138,7 +1297,7 @@
             </a:endParaRPr>
           </a:p>
           <a:p>
-            <a:pPr lvl="4" marL="9875520" indent="-1097280" defTabSz="4389120">
+            <a:pPr marL="9875520" lvl="4" indent="-1097280" defTabSz="4389120">
               <a:lnSpc>
                 <a:spcPct val="90000"/>
               </a:lnSpc>
@@ -1152,7 +1311,7 @@
               <a:buChar char="•"/>
             </a:pPr>
             <a:r>
-              <a:rPr b="0" lang="en-US" sz="8640" strike="noStrike" u="none">
+              <a:rPr lang="en-US" sz="8640" b="0" u="none" strike="noStrike">
                 <a:solidFill>
                   <a:schemeClr val="dk1"/>
                 </a:solidFill>
@@ -1162,7 +1321,7 @@
               </a:rPr>
               <a:t>Fifth level</a:t>
             </a:r>
-            <a:endParaRPr b="0" lang="en-US" sz="8640" strike="noStrike" u="none">
+            <a:endParaRPr lang="en-US" sz="8640" b="0" u="none" strike="noStrike">
               <a:solidFill>
                 <a:srgbClr val="000000"/>
               </a:solidFill>
@@ -1197,9 +1356,10 @@
           </a:ln>
         </p:spPr>
         <p:txBody>
-          <a:bodyPr lIns="91440" rIns="91440" tIns="45720" bIns="45720" anchor="b">
+          <a:bodyPr lIns="91440" tIns="45720" rIns="91440" bIns="45720" anchor="b">
             <a:noAutofit/>
           </a:bodyPr>
+          <a:lstStyle/>
           <a:p>
             <a:pPr indent="0" defTabSz="4389120">
               <a:lnSpc>
@@ -1210,11 +1370,11 @@
               </a:spcBef>
               <a:buNone/>
               <a:tabLst>
-                <a:tab algn="l" pos="0"/>
+                <a:tab pos="0" algn="l"/>
               </a:tabLst>
             </a:pPr>
             <a:r>
-              <a:rPr b="1" lang="en-US" sz="11520" strike="noStrike" u="none">
+              <a:rPr lang="en-US" sz="11520" b="1" u="none" strike="noStrike">
                 <a:solidFill>
                   <a:schemeClr val="dk1"/>
                 </a:solidFill>
@@ -1224,7 +1384,7 @@
               </a:rPr>
               <a:t>Click to edit Master text styles</a:t>
             </a:r>
-            <a:endParaRPr b="0" lang="en-US" sz="11520" strike="noStrike" u="none">
+            <a:endParaRPr lang="en-US" sz="11520" b="0" u="none" strike="noStrike">
               <a:solidFill>
                 <a:srgbClr val="000000"/>
               </a:solidFill>
@@ -1259,9 +1419,10 @@
           </a:ln>
         </p:spPr>
         <p:txBody>
-          <a:bodyPr lIns="91440" rIns="91440" tIns="45720" bIns="45720" anchor="t">
+          <a:bodyPr lIns="91440" tIns="45720" rIns="91440" bIns="45720" anchor="t">
             <a:noAutofit/>
           </a:bodyPr>
+          <a:lstStyle/>
           <a:p>
             <a:pPr marL="1097280" indent="-1097280" defTabSz="4389120">
               <a:lnSpc>
@@ -1277,7 +1438,7 @@
               <a:buChar char="•"/>
             </a:pPr>
             <a:r>
-              <a:rPr b="0" lang="en-US" sz="13439" strike="noStrike" u="none">
+              <a:rPr lang="en-US" sz="13439" b="0" u="none" strike="noStrike">
                 <a:solidFill>
                   <a:schemeClr val="dk1"/>
                 </a:solidFill>
@@ -1287,7 +1448,7 @@
               </a:rPr>
               <a:t>Click to edit Master text styles</a:t>
             </a:r>
-            <a:endParaRPr b="0" lang="en-US" sz="13439" strike="noStrike" u="none">
+            <a:endParaRPr lang="en-US" sz="13439" b="0" u="none" strike="noStrike">
               <a:solidFill>
                 <a:srgbClr val="000000"/>
               </a:solidFill>
@@ -1297,7 +1458,7 @@
             </a:endParaRPr>
           </a:p>
           <a:p>
-            <a:pPr lvl="1" marL="3291840" indent="-1097280" defTabSz="4389120">
+            <a:pPr marL="3291840" lvl="1" indent="-1097280" defTabSz="4389120">
               <a:lnSpc>
                 <a:spcPct val="90000"/>
               </a:lnSpc>
@@ -1311,7 +1472,7 @@
               <a:buChar char="•"/>
             </a:pPr>
             <a:r>
-              <a:rPr b="0" lang="en-US" sz="11520" strike="noStrike" u="none">
+              <a:rPr lang="en-US" sz="11520" b="0" u="none" strike="noStrike">
                 <a:solidFill>
                   <a:schemeClr val="dk1"/>
                 </a:solidFill>
@@ -1321,7 +1482,7 @@
               </a:rPr>
               <a:t>Second level</a:t>
             </a:r>
-            <a:endParaRPr b="0" lang="en-US" sz="11520" strike="noStrike" u="none">
+            <a:endParaRPr lang="en-US" sz="11520" b="0" u="none" strike="noStrike">
               <a:solidFill>
                 <a:srgbClr val="000000"/>
               </a:solidFill>
@@ -1331,7 +1492,7 @@
             </a:endParaRPr>
           </a:p>
           <a:p>
-            <a:pPr lvl="2" marL="5486400" indent="-1097280" defTabSz="4389120">
+            <a:pPr marL="5486400" lvl="2" indent="-1097280" defTabSz="4389120">
               <a:lnSpc>
                 <a:spcPct val="90000"/>
               </a:lnSpc>
@@ -1345,7 +1506,7 @@
               <a:buChar char="•"/>
             </a:pPr>
             <a:r>
-              <a:rPr b="0" lang="en-US" sz="9600" strike="noStrike" u="none">
+              <a:rPr lang="en-US" sz="9600" b="0" u="none" strike="noStrike">
                 <a:solidFill>
                   <a:schemeClr val="dk1"/>
                 </a:solidFill>
@@ -1355,7 +1516,7 @@
               </a:rPr>
               <a:t>Third level</a:t>
             </a:r>
-            <a:endParaRPr b="0" lang="en-US" sz="9600" strike="noStrike" u="none">
+            <a:endParaRPr lang="en-US" sz="9600" b="0" u="none" strike="noStrike">
               <a:solidFill>
                 <a:srgbClr val="000000"/>
               </a:solidFill>
@@ -1365,7 +1526,7 @@
             </a:endParaRPr>
           </a:p>
           <a:p>
-            <a:pPr lvl="3" marL="7680960" indent="-1097280" defTabSz="4389120">
+            <a:pPr marL="7680960" lvl="3" indent="-1097280" defTabSz="4389120">
               <a:lnSpc>
                 <a:spcPct val="90000"/>
               </a:lnSpc>
@@ -1379,7 +1540,7 @@
               <a:buChar char="•"/>
             </a:pPr>
             <a:r>
-              <a:rPr b="0" lang="en-US" sz="8640" strike="noStrike" u="none">
+              <a:rPr lang="en-US" sz="8640" b="0" u="none" strike="noStrike">
                 <a:solidFill>
                   <a:schemeClr val="dk1"/>
                 </a:solidFill>
@@ -1389,7 +1550,7 @@
               </a:rPr>
               <a:t>Fourth level</a:t>
             </a:r>
-            <a:endParaRPr b="0" lang="en-US" sz="8640" strike="noStrike" u="none">
+            <a:endParaRPr lang="en-US" sz="8640" b="0" u="none" strike="noStrike">
               <a:solidFill>
                 <a:srgbClr val="000000"/>
               </a:solidFill>
@@ -1399,7 +1560,7 @@
             </a:endParaRPr>
           </a:p>
           <a:p>
-            <a:pPr lvl="4" marL="9875520" indent="-1097280" defTabSz="4389120">
+            <a:pPr marL="9875520" lvl="4" indent="-1097280" defTabSz="4389120">
               <a:lnSpc>
                 <a:spcPct val="90000"/>
               </a:lnSpc>
@@ -1413,7 +1574,7 @@
               <a:buChar char="•"/>
             </a:pPr>
             <a:r>
-              <a:rPr b="0" lang="en-US" sz="8640" strike="noStrike" u="none">
+              <a:rPr lang="en-US" sz="8640" b="0" u="none" strike="noStrike">
                 <a:solidFill>
                   <a:schemeClr val="dk1"/>
                 </a:solidFill>
@@ -1423,7 +1584,7 @@
               </a:rPr>
               <a:t>Fifth level</a:t>
             </a:r>
-            <a:endParaRPr b="0" lang="en-US" sz="8640" strike="noStrike" u="none">
+            <a:endParaRPr lang="en-US" sz="8640" b="0" u="none" strike="noStrike">
               <a:solidFill>
                 <a:srgbClr val="000000"/>
               </a:solidFill>
@@ -1458,7 +1619,7 @@
           </a:ln>
         </p:spPr>
         <p:txBody>
-          <a:bodyPr lIns="91440" rIns="91440" tIns="45720" bIns="45720" anchor="ctr">
+          <a:bodyPr lIns="91440" tIns="45720" rIns="91440" bIns="45720" anchor="ctr">
             <a:noAutofit/>
           </a:bodyPr>
           <a:lstStyle>
@@ -1468,9 +1629,9 @@
               </a:lnSpc>
               <a:buNone/>
               <a:tabLst>
-                <a:tab algn="l" pos="0"/>
+                <a:tab pos="0" algn="l"/>
               </a:tabLst>
-              <a:defRPr b="0" lang="en-US" sz="5760" strike="noStrike" u="none">
+              <a:defRPr lang="en-US" sz="5760" b="0" u="none" strike="noStrike">
                 <a:solidFill>
                   <a:schemeClr val="dk1">
                     <a:tint val="82000"/>
@@ -1489,11 +1650,11 @@
               </a:lnSpc>
               <a:buNone/>
               <a:tabLst>
-                <a:tab algn="l" pos="0"/>
+                <a:tab pos="0" algn="l"/>
               </a:tabLst>
             </a:pPr>
             <a:r>
-              <a:rPr b="0" lang="en-US" sz="5760" strike="noStrike" u="none">
+              <a:rPr lang="en-US" sz="5760" b="0" u="none" strike="noStrike">
                 <a:solidFill>
                   <a:schemeClr val="dk1">
                     <a:tint val="82000"/>
@@ -1505,7 +1666,7 @@
               </a:rPr>
               <a:t>&lt;date/time&gt;</a:t>
             </a:r>
-            <a:endParaRPr b="0" lang="en-US" sz="5760" strike="noStrike" u="none">
+            <a:endParaRPr lang="en-US" sz="5760" b="0" u="none" strike="noStrike">
               <a:solidFill>
                 <a:srgbClr val="000000"/>
               </a:solidFill>
@@ -1540,7 +1701,7 @@
           </a:ln>
         </p:spPr>
         <p:txBody>
-          <a:bodyPr lIns="91440" rIns="91440" tIns="45720" bIns="45720" anchor="ctr">
+          <a:bodyPr lIns="91440" tIns="45720" rIns="91440" bIns="45720" anchor="ctr">
             <a:noAutofit/>
           </a:bodyPr>
           <a:lstStyle>
@@ -1550,9 +1711,9 @@
               </a:lnSpc>
               <a:buNone/>
               <a:tabLst>
-                <a:tab algn="l" pos="0"/>
+                <a:tab pos="0" algn="l"/>
               </a:tabLst>
-              <a:defRPr b="0" lang="en-US" sz="1400" strike="noStrike" u="none">
+              <a:defRPr lang="en-US" sz="1400" b="0" u="none" strike="noStrike">
                 <a:solidFill>
                   <a:srgbClr val="000000"/>
                 </a:solidFill>
@@ -1569,11 +1730,11 @@
               </a:lnSpc>
               <a:buNone/>
               <a:tabLst>
-                <a:tab algn="l" pos="0"/>
+                <a:tab pos="0" algn="l"/>
               </a:tabLst>
             </a:pPr>
             <a:r>
-              <a:rPr b="0" lang="en-US" sz="1400" strike="noStrike" u="none">
+              <a:rPr lang="en-US" sz="1400" b="0" u="none" strike="noStrike">
                 <a:solidFill>
                   <a:srgbClr val="000000"/>
                 </a:solidFill>
@@ -1583,14 +1744,6 @@
               </a:rPr>
               <a:t>&lt;footer&gt;</a:t>
             </a:r>
-            <a:endParaRPr b="0" lang="en-US" sz="1400" strike="noStrike" u="none">
-              <a:solidFill>
-                <a:srgbClr val="000000"/>
-              </a:solidFill>
-              <a:effectLst/>
-              <a:uFillTx/>
-              <a:latin typeface="Times New Roman"/>
-            </a:endParaRPr>
           </a:p>
         </p:txBody>
       </p:sp>
@@ -1618,7 +1771,7 @@
           </a:ln>
         </p:spPr>
         <p:txBody>
-          <a:bodyPr lIns="91440" rIns="91440" tIns="45720" bIns="45720" anchor="ctr">
+          <a:bodyPr lIns="91440" tIns="45720" rIns="91440" bIns="45720" anchor="ctr">
             <a:noAutofit/>
           </a:bodyPr>
           <a:lstStyle>
@@ -1628,9 +1781,9 @@
               </a:lnSpc>
               <a:buNone/>
               <a:tabLst>
-                <a:tab algn="l" pos="0"/>
+                <a:tab pos="0" algn="l"/>
               </a:tabLst>
-              <a:defRPr b="0" lang="en-US" sz="5760" strike="noStrike" u="none">
+              <a:defRPr lang="en-US" sz="5760" b="0" u="none" strike="noStrike">
                 <a:solidFill>
                   <a:schemeClr val="dk1">
                     <a:tint val="82000"/>
@@ -1649,11 +1802,11 @@
               </a:lnSpc>
               <a:buNone/>
               <a:tabLst>
-                <a:tab algn="l" pos="0"/>
+                <a:tab pos="0" algn="l"/>
               </a:tabLst>
             </a:pPr>
             <a:fld id="{027556E5-9DC8-4EB8-98A6-7E6FDB9E6604}" type="slidenum">
-              <a:rPr b="0" lang="en-US" sz="5760" strike="noStrike" u="none">
+              <a:rPr lang="en-US" sz="5760" b="0" u="none" strike="noStrike">
                 <a:solidFill>
                   <a:schemeClr val="dk1">
                     <a:tint val="82000"/>
@@ -1663,9 +1816,9 @@
                 <a:uFillTx/>
                 <a:latin typeface="Aptos"/>
               </a:rPr>
-              <a:t>&lt;number&gt;</a:t>
+              <a:t>‹#›</a:t>
             </a:fld>
-            <a:endParaRPr b="0" lang="en-US" sz="5760" strike="noStrike" u="none">
+            <a:endParaRPr lang="en-US" sz="5760" b="0" u="none" strike="noStrike">
               <a:solidFill>
                 <a:srgbClr val="000000"/>
               </a:solidFill>
@@ -1678,17 +1831,21 @@
       </p:sp>
     </p:spTree>
   </p:cSld>
+  <p:clrMapOvr>
+    <a:masterClrMapping/>
+  </p:clrMapOvr>
 </p:sldLayout>
 </file>
 
 <file path=ppt/slideLayouts/slideLayout11.xml><?xml version="1.0" encoding="utf-8"?>
-<p:sldLayout xmlns:a="http://schemas.openxmlformats.org/drawingml/2006/main" xmlns:p="http://schemas.openxmlformats.org/presentationml/2006/main" xmlns:r="http://schemas.openxmlformats.org/officeDocument/2006/relationships" xmlns:p14="http://schemas.microsoft.com/office/powerpoint/2010/main" xmlns:p15="http://schemas.microsoft.com/office/powerpoint/2012/main" xmlns:mc="http://schemas.openxmlformats.org/markup-compatibility/2006" type="titleOnly" preserve="1">
+<p:sldLayout xmlns:a="http://schemas.openxmlformats.org/drawingml/2006/main" xmlns:r="http://schemas.openxmlformats.org/officeDocument/2006/relationships" xmlns:p="http://schemas.openxmlformats.org/presentationml/2006/main" type="titleOnly" preserve="1">
   <p:cSld name="Title Only">
     <p:bg>
       <p:bgPr>
         <a:solidFill>
-          <a:srgbClr val="ffffff"/>
+          <a:srgbClr val="FFFFFF"/>
         </a:solidFill>
+        <a:effectLst/>
       </p:bgPr>
     </p:bg>
     <p:spTree>
@@ -1729,9 +1886,10 @@
           </a:ln>
         </p:spPr>
         <p:txBody>
-          <a:bodyPr lIns="91440" rIns="91440" tIns="45720" bIns="45720" anchor="ctr">
+          <a:bodyPr lIns="91440" tIns="45720" rIns="91440" bIns="45720" anchor="ctr">
             <a:noAutofit/>
           </a:bodyPr>
+          <a:lstStyle/>
           <a:p>
             <a:pPr indent="0" defTabSz="4389120">
               <a:lnSpc>
@@ -1739,11 +1897,11 @@
               </a:lnSpc>
               <a:buNone/>
               <a:tabLst>
-                <a:tab algn="l" pos="0"/>
+                <a:tab pos="0" algn="l"/>
               </a:tabLst>
             </a:pPr>
             <a:r>
-              <a:rPr b="0" lang="en-US" sz="21120" strike="noStrike" u="none">
+              <a:rPr lang="en-US" sz="21120" b="0" u="none" strike="noStrike">
                 <a:solidFill>
                   <a:schemeClr val="dk1"/>
                 </a:solidFill>
@@ -1753,7 +1911,7 @@
               </a:rPr>
               <a:t>Click to edit Master title style</a:t>
             </a:r>
-            <a:endParaRPr b="0" lang="en-US" sz="21120" strike="noStrike" u="none">
+            <a:endParaRPr lang="en-US" sz="21120" b="0" u="none" strike="noStrike">
               <a:solidFill>
                 <a:srgbClr val="000000"/>
               </a:solidFill>
@@ -1788,7 +1946,7 @@
           </a:ln>
         </p:spPr>
         <p:txBody>
-          <a:bodyPr lIns="91440" rIns="91440" tIns="45720" bIns="45720" anchor="ctr">
+          <a:bodyPr lIns="91440" tIns="45720" rIns="91440" bIns="45720" anchor="ctr">
             <a:noAutofit/>
           </a:bodyPr>
           <a:lstStyle>
@@ -1798,9 +1956,9 @@
               </a:lnSpc>
               <a:buNone/>
               <a:tabLst>
-                <a:tab algn="l" pos="0"/>
+                <a:tab pos="0" algn="l"/>
               </a:tabLst>
-              <a:defRPr b="0" lang="en-US" sz="5760" strike="noStrike" u="none">
+              <a:defRPr lang="en-US" sz="5760" b="0" u="none" strike="noStrike">
                 <a:solidFill>
                   <a:schemeClr val="dk1">
                     <a:tint val="82000"/>
@@ -1819,11 +1977,11 @@
               </a:lnSpc>
               <a:buNone/>
               <a:tabLst>
-                <a:tab algn="l" pos="0"/>
+                <a:tab pos="0" algn="l"/>
               </a:tabLst>
             </a:pPr>
             <a:r>
-              <a:rPr b="0" lang="en-US" sz="5760" strike="noStrike" u="none">
+              <a:rPr lang="en-US" sz="5760" b="0" u="none" strike="noStrike">
                 <a:solidFill>
                   <a:schemeClr val="dk1">
                     <a:tint val="82000"/>
@@ -1835,7 +1993,7 @@
               </a:rPr>
               <a:t>&lt;date/time&gt;</a:t>
             </a:r>
-            <a:endParaRPr b="0" lang="en-US" sz="5760" strike="noStrike" u="none">
+            <a:endParaRPr lang="en-US" sz="5760" b="0" u="none" strike="noStrike">
               <a:solidFill>
                 <a:srgbClr val="000000"/>
               </a:solidFill>
@@ -1870,7 +2028,7 @@
           </a:ln>
         </p:spPr>
         <p:txBody>
-          <a:bodyPr lIns="91440" rIns="91440" tIns="45720" bIns="45720" anchor="ctr">
+          <a:bodyPr lIns="91440" tIns="45720" rIns="91440" bIns="45720" anchor="ctr">
             <a:noAutofit/>
           </a:bodyPr>
           <a:lstStyle>
@@ -1880,9 +2038,9 @@
               </a:lnSpc>
               <a:buNone/>
               <a:tabLst>
-                <a:tab algn="l" pos="0"/>
+                <a:tab pos="0" algn="l"/>
               </a:tabLst>
-              <a:defRPr b="0" lang="en-US" sz="1400" strike="noStrike" u="none">
+              <a:defRPr lang="en-US" sz="1400" b="0" u="none" strike="noStrike">
                 <a:solidFill>
                   <a:srgbClr val="000000"/>
                 </a:solidFill>
@@ -1899,11 +2057,11 @@
               </a:lnSpc>
               <a:buNone/>
               <a:tabLst>
-                <a:tab algn="l" pos="0"/>
+                <a:tab pos="0" algn="l"/>
               </a:tabLst>
             </a:pPr>
             <a:r>
-              <a:rPr b="0" lang="en-US" sz="1400" strike="noStrike" u="none">
+              <a:rPr lang="en-US" sz="1400" b="0" u="none" strike="noStrike">
                 <a:solidFill>
                   <a:srgbClr val="000000"/>
                 </a:solidFill>
@@ -1913,14 +2071,6 @@
               </a:rPr>
               <a:t>&lt;footer&gt;</a:t>
             </a:r>
-            <a:endParaRPr b="0" lang="en-US" sz="1400" strike="noStrike" u="none">
-              <a:solidFill>
-                <a:srgbClr val="000000"/>
-              </a:solidFill>
-              <a:effectLst/>
-              <a:uFillTx/>
-              <a:latin typeface="Times New Roman"/>
-            </a:endParaRPr>
           </a:p>
         </p:txBody>
       </p:sp>
@@ -1948,7 +2098,7 @@
           </a:ln>
         </p:spPr>
         <p:txBody>
-          <a:bodyPr lIns="91440" rIns="91440" tIns="45720" bIns="45720" anchor="ctr">
+          <a:bodyPr lIns="91440" tIns="45720" rIns="91440" bIns="45720" anchor="ctr">
             <a:noAutofit/>
           </a:bodyPr>
           <a:lstStyle>
@@ -1958,9 +2108,9 @@
               </a:lnSpc>
               <a:buNone/>
               <a:tabLst>
-                <a:tab algn="l" pos="0"/>
+                <a:tab pos="0" algn="l"/>
               </a:tabLst>
-              <a:defRPr b="0" lang="en-US" sz="5760" strike="noStrike" u="none">
+              <a:defRPr lang="en-US" sz="5760" b="0" u="none" strike="noStrike">
                 <a:solidFill>
                   <a:schemeClr val="dk1">
                     <a:tint val="82000"/>
@@ -1979,11 +2129,11 @@
               </a:lnSpc>
               <a:buNone/>
               <a:tabLst>
-                <a:tab algn="l" pos="0"/>
+                <a:tab pos="0" algn="l"/>
               </a:tabLst>
             </a:pPr>
             <a:fld id="{37D4D1ED-396B-4F51-8D3D-18566AD71EC9}" type="slidenum">
-              <a:rPr b="0" lang="en-US" sz="5760" strike="noStrike" u="none">
+              <a:rPr lang="en-US" sz="5760" b="0" u="none" strike="noStrike">
                 <a:solidFill>
                   <a:schemeClr val="dk1">
                     <a:tint val="82000"/>
@@ -1993,9 +2143,9 @@
                 <a:uFillTx/>
                 <a:latin typeface="Aptos"/>
               </a:rPr>
-              <a:t>&lt;number&gt;</a:t>
+              <a:t>‹#›</a:t>
             </a:fld>
-            <a:endParaRPr b="0" lang="en-US" sz="5760" strike="noStrike" u="none">
+            <a:endParaRPr lang="en-US" sz="5760" b="0" u="none" strike="noStrike">
               <a:solidFill>
                 <a:srgbClr val="000000"/>
               </a:solidFill>
@@ -2008,17 +2158,21 @@
       </p:sp>
     </p:spTree>
   </p:cSld>
+  <p:clrMapOvr>
+    <a:masterClrMapping/>
+  </p:clrMapOvr>
 </p:sldLayout>
 </file>
 
 <file path=ppt/slideLayouts/slideLayout2.xml><?xml version="1.0" encoding="utf-8"?>
-<p:sldLayout xmlns:a="http://schemas.openxmlformats.org/drawingml/2006/main" xmlns:p="http://schemas.openxmlformats.org/presentationml/2006/main" xmlns:r="http://schemas.openxmlformats.org/officeDocument/2006/relationships" xmlns:p14="http://schemas.microsoft.com/office/powerpoint/2010/main" xmlns:p15="http://schemas.microsoft.com/office/powerpoint/2012/main" xmlns:mc="http://schemas.openxmlformats.org/markup-compatibility/2006" type="blank" preserve="1">
+<p:sldLayout xmlns:a="http://schemas.openxmlformats.org/drawingml/2006/main" xmlns:r="http://schemas.openxmlformats.org/officeDocument/2006/relationships" xmlns:p="http://schemas.openxmlformats.org/presentationml/2006/main" type="blank" preserve="1">
   <p:cSld name="Content with Caption">
     <p:bg>
       <p:bgPr>
         <a:solidFill>
-          <a:srgbClr val="ffffff"/>
+          <a:srgbClr val="FFFFFF"/>
         </a:solidFill>
+        <a:effectLst/>
       </p:bgPr>
     </p:bg>
     <p:spTree>
@@ -2059,9 +2213,10 @@
           </a:ln>
         </p:spPr>
         <p:txBody>
-          <a:bodyPr lIns="91440" rIns="91440" tIns="45720" bIns="45720" anchor="b">
+          <a:bodyPr lIns="91440" tIns="45720" rIns="91440" bIns="45720" anchor="b">
             <a:noAutofit/>
           </a:bodyPr>
+          <a:lstStyle/>
           <a:p>
             <a:pPr indent="0" defTabSz="4389120">
               <a:lnSpc>
@@ -2069,11 +2224,11 @@
               </a:lnSpc>
               <a:buNone/>
               <a:tabLst>
-                <a:tab algn="l" pos="0"/>
+                <a:tab pos="0" algn="l"/>
               </a:tabLst>
             </a:pPr>
             <a:r>
-              <a:rPr b="0" lang="en-US" sz="15360" strike="noStrike" u="none">
+              <a:rPr lang="en-US" sz="15360" b="0" u="none" strike="noStrike">
                 <a:solidFill>
                   <a:schemeClr val="dk1"/>
                 </a:solidFill>
@@ -2083,7 +2238,7 @@
               </a:rPr>
               <a:t>Click to edit Master title style</a:t>
             </a:r>
-            <a:endParaRPr b="0" lang="en-US" sz="15360" strike="noStrike" u="none">
+            <a:endParaRPr lang="en-US" sz="15360" b="0" u="none" strike="noStrike">
               <a:solidFill>
                 <a:srgbClr val="000000"/>
               </a:solidFill>
@@ -2118,9 +2273,10 @@
           </a:ln>
         </p:spPr>
         <p:txBody>
-          <a:bodyPr lIns="91440" rIns="91440" tIns="45720" bIns="45720" anchor="t">
+          <a:bodyPr lIns="91440" tIns="45720" rIns="91440" bIns="45720" anchor="t">
             <a:noAutofit/>
           </a:bodyPr>
+          <a:lstStyle/>
           <a:p>
             <a:pPr marL="1097280" indent="-1097280" defTabSz="4389120">
               <a:lnSpc>
@@ -2136,7 +2292,7 @@
               <a:buChar char="•"/>
             </a:pPr>
             <a:r>
-              <a:rPr b="0" lang="en-US" sz="15360" strike="noStrike" u="none">
+              <a:rPr lang="en-US" sz="15360" b="0" u="none" strike="noStrike">
                 <a:solidFill>
                   <a:schemeClr val="dk1"/>
                 </a:solidFill>
@@ -2146,7 +2302,7 @@
               </a:rPr>
               <a:t>Click to edit Master text styles</a:t>
             </a:r>
-            <a:endParaRPr b="0" lang="en-US" sz="15360" strike="noStrike" u="none">
+            <a:endParaRPr lang="en-US" sz="15360" b="0" u="none" strike="noStrike">
               <a:solidFill>
                 <a:srgbClr val="000000"/>
               </a:solidFill>
@@ -2156,7 +2312,7 @@
             </a:endParaRPr>
           </a:p>
           <a:p>
-            <a:pPr lvl="1" marL="3291840" indent="-1097280" defTabSz="4389120">
+            <a:pPr marL="3291840" lvl="1" indent="-1097280" defTabSz="4389120">
               <a:lnSpc>
                 <a:spcPct val="90000"/>
               </a:lnSpc>
@@ -2170,7 +2326,7 @@
               <a:buChar char="•"/>
             </a:pPr>
             <a:r>
-              <a:rPr b="0" lang="en-US" sz="13439" strike="noStrike" u="none">
+              <a:rPr lang="en-US" sz="13439" b="0" u="none" strike="noStrike">
                 <a:solidFill>
                   <a:schemeClr val="dk1"/>
                 </a:solidFill>
@@ -2180,7 +2336,7 @@
               </a:rPr>
               <a:t>Second level</a:t>
             </a:r>
-            <a:endParaRPr b="0" lang="en-US" sz="13439" strike="noStrike" u="none">
+            <a:endParaRPr lang="en-US" sz="13439" b="0" u="none" strike="noStrike">
               <a:solidFill>
                 <a:srgbClr val="000000"/>
               </a:solidFill>
@@ -2190,7 +2346,7 @@
             </a:endParaRPr>
           </a:p>
           <a:p>
-            <a:pPr lvl="2" marL="5486400" indent="-1097280" defTabSz="4389120">
+            <a:pPr marL="5486400" lvl="2" indent="-1097280" defTabSz="4389120">
               <a:lnSpc>
                 <a:spcPct val="90000"/>
               </a:lnSpc>
@@ -2204,7 +2360,7 @@
               <a:buChar char="•"/>
             </a:pPr>
             <a:r>
-              <a:rPr b="0" lang="en-US" sz="11520" strike="noStrike" u="none">
+              <a:rPr lang="en-US" sz="11520" b="0" u="none" strike="noStrike">
                 <a:solidFill>
                   <a:schemeClr val="dk1"/>
                 </a:solidFill>
@@ -2214,7 +2370,7 @@
               </a:rPr>
               <a:t>Third level</a:t>
             </a:r>
-            <a:endParaRPr b="0" lang="en-US" sz="11520" strike="noStrike" u="none">
+            <a:endParaRPr lang="en-US" sz="11520" b="0" u="none" strike="noStrike">
               <a:solidFill>
                 <a:srgbClr val="000000"/>
               </a:solidFill>
@@ -2224,7 +2380,7 @@
             </a:endParaRPr>
           </a:p>
           <a:p>
-            <a:pPr lvl="3" marL="7680960" indent="-1097280" defTabSz="4389120">
+            <a:pPr marL="7680960" lvl="3" indent="-1097280" defTabSz="4389120">
               <a:lnSpc>
                 <a:spcPct val="90000"/>
               </a:lnSpc>
@@ -2238,7 +2394,7 @@
               <a:buChar char="•"/>
             </a:pPr>
             <a:r>
-              <a:rPr b="0" lang="en-US" sz="9600" strike="noStrike" u="none">
+              <a:rPr lang="en-US" sz="9600" b="0" u="none" strike="noStrike">
                 <a:solidFill>
                   <a:schemeClr val="dk1"/>
                 </a:solidFill>
@@ -2248,7 +2404,7 @@
               </a:rPr>
               <a:t>Fourth level</a:t>
             </a:r>
-            <a:endParaRPr b="0" lang="en-US" sz="9600" strike="noStrike" u="none">
+            <a:endParaRPr lang="en-US" sz="9600" b="0" u="none" strike="noStrike">
               <a:solidFill>
                 <a:srgbClr val="000000"/>
               </a:solidFill>
@@ -2258,7 +2414,7 @@
             </a:endParaRPr>
           </a:p>
           <a:p>
-            <a:pPr lvl="4" marL="9875520" indent="-1097280" defTabSz="4389120">
+            <a:pPr marL="9875520" lvl="4" indent="-1097280" defTabSz="4389120">
               <a:lnSpc>
                 <a:spcPct val="90000"/>
               </a:lnSpc>
@@ -2272,7 +2428,7 @@
               <a:buChar char="•"/>
             </a:pPr>
             <a:r>
-              <a:rPr b="0" lang="en-US" sz="9600" strike="noStrike" u="none">
+              <a:rPr lang="en-US" sz="9600" b="0" u="none" strike="noStrike">
                 <a:solidFill>
                   <a:schemeClr val="dk1"/>
                 </a:solidFill>
@@ -2282,7 +2438,7 @@
               </a:rPr>
               <a:t>Fifth level</a:t>
             </a:r>
-            <a:endParaRPr b="0" lang="en-US" sz="9600" strike="noStrike" u="none">
+            <a:endParaRPr lang="en-US" sz="9600" b="0" u="none" strike="noStrike">
               <a:solidFill>
                 <a:srgbClr val="000000"/>
               </a:solidFill>
@@ -2317,9 +2473,10 @@
           </a:ln>
         </p:spPr>
         <p:txBody>
-          <a:bodyPr lIns="91440" rIns="91440" tIns="45720" bIns="45720" anchor="t">
+          <a:bodyPr lIns="91440" tIns="45720" rIns="91440" bIns="45720" anchor="t">
             <a:noAutofit/>
           </a:bodyPr>
+          <a:lstStyle/>
           <a:p>
             <a:pPr indent="0" defTabSz="4389120">
               <a:lnSpc>
@@ -2330,11 +2487,11 @@
               </a:spcBef>
               <a:buNone/>
               <a:tabLst>
-                <a:tab algn="l" pos="0"/>
+                <a:tab pos="0" algn="l"/>
               </a:tabLst>
             </a:pPr>
             <a:r>
-              <a:rPr b="0" lang="en-US" sz="7680" strike="noStrike" u="none">
+              <a:rPr lang="en-US" sz="7680" b="0" u="none" strike="noStrike">
                 <a:solidFill>
                   <a:schemeClr val="dk1"/>
                 </a:solidFill>
@@ -2344,7 +2501,7 @@
               </a:rPr>
               <a:t>Click to edit Master text styles</a:t>
             </a:r>
-            <a:endParaRPr b="0" lang="en-US" sz="7680" strike="noStrike" u="none">
+            <a:endParaRPr lang="en-US" sz="7680" b="0" u="none" strike="noStrike">
               <a:solidFill>
                 <a:srgbClr val="000000"/>
               </a:solidFill>
@@ -2379,7 +2536,7 @@
           </a:ln>
         </p:spPr>
         <p:txBody>
-          <a:bodyPr lIns="91440" rIns="91440" tIns="45720" bIns="45720" anchor="ctr">
+          <a:bodyPr lIns="91440" tIns="45720" rIns="91440" bIns="45720" anchor="ctr">
             <a:noAutofit/>
           </a:bodyPr>
           <a:lstStyle>
@@ -2389,9 +2546,9 @@
               </a:lnSpc>
               <a:buNone/>
               <a:tabLst>
-                <a:tab algn="l" pos="0"/>
+                <a:tab pos="0" algn="l"/>
               </a:tabLst>
-              <a:defRPr b="0" lang="en-US" sz="5760" strike="noStrike" u="none">
+              <a:defRPr lang="en-US" sz="5760" b="0" u="none" strike="noStrike">
                 <a:solidFill>
                   <a:schemeClr val="dk1">
                     <a:tint val="82000"/>
@@ -2410,11 +2567,11 @@
               </a:lnSpc>
               <a:buNone/>
               <a:tabLst>
-                <a:tab algn="l" pos="0"/>
+                <a:tab pos="0" algn="l"/>
               </a:tabLst>
             </a:pPr>
             <a:r>
-              <a:rPr b="0" lang="en-US" sz="5760" strike="noStrike" u="none">
+              <a:rPr lang="en-US" sz="5760" b="0" u="none" strike="noStrike">
                 <a:solidFill>
                   <a:schemeClr val="dk1">
                     <a:tint val="82000"/>
@@ -2426,7 +2583,7 @@
               </a:rPr>
               <a:t>&lt;date/time&gt;</a:t>
             </a:r>
-            <a:endParaRPr b="0" lang="en-US" sz="5760" strike="noStrike" u="none">
+            <a:endParaRPr lang="en-US" sz="5760" b="0" u="none" strike="noStrike">
               <a:solidFill>
                 <a:srgbClr val="000000"/>
               </a:solidFill>
@@ -2461,7 +2618,7 @@
           </a:ln>
         </p:spPr>
         <p:txBody>
-          <a:bodyPr lIns="91440" rIns="91440" tIns="45720" bIns="45720" anchor="ctr">
+          <a:bodyPr lIns="91440" tIns="45720" rIns="91440" bIns="45720" anchor="ctr">
             <a:noAutofit/>
           </a:bodyPr>
           <a:lstStyle>
@@ -2471,9 +2628,9 @@
               </a:lnSpc>
               <a:buNone/>
               <a:tabLst>
-                <a:tab algn="l" pos="0"/>
+                <a:tab pos="0" algn="l"/>
               </a:tabLst>
-              <a:defRPr b="0" lang="en-US" sz="1400" strike="noStrike" u="none">
+              <a:defRPr lang="en-US" sz="1400" b="0" u="none" strike="noStrike">
                 <a:solidFill>
                   <a:srgbClr val="000000"/>
                 </a:solidFill>
@@ -2490,11 +2647,11 @@
               </a:lnSpc>
               <a:buNone/>
               <a:tabLst>
-                <a:tab algn="l" pos="0"/>
+                <a:tab pos="0" algn="l"/>
               </a:tabLst>
             </a:pPr>
             <a:r>
-              <a:rPr b="0" lang="en-US" sz="1400" strike="noStrike" u="none">
+              <a:rPr lang="en-US" sz="1400" b="0" u="none" strike="noStrike">
                 <a:solidFill>
                   <a:srgbClr val="000000"/>
                 </a:solidFill>
@@ -2504,14 +2661,6 @@
               </a:rPr>
               <a:t>&lt;footer&gt;</a:t>
             </a:r>
-            <a:endParaRPr b="0" lang="en-US" sz="1400" strike="noStrike" u="none">
-              <a:solidFill>
-                <a:srgbClr val="000000"/>
-              </a:solidFill>
-              <a:effectLst/>
-              <a:uFillTx/>
-              <a:latin typeface="Times New Roman"/>
-            </a:endParaRPr>
           </a:p>
         </p:txBody>
       </p:sp>
@@ -2539,7 +2688,7 @@
           </a:ln>
         </p:spPr>
         <p:txBody>
-          <a:bodyPr lIns="91440" rIns="91440" tIns="45720" bIns="45720" anchor="ctr">
+          <a:bodyPr lIns="91440" tIns="45720" rIns="91440" bIns="45720" anchor="ctr">
             <a:noAutofit/>
           </a:bodyPr>
           <a:lstStyle>
@@ -2549,9 +2698,9 @@
               </a:lnSpc>
               <a:buNone/>
               <a:tabLst>
-                <a:tab algn="l" pos="0"/>
+                <a:tab pos="0" algn="l"/>
               </a:tabLst>
-              <a:defRPr b="0" lang="en-US" sz="5760" strike="noStrike" u="none">
+              <a:defRPr lang="en-US" sz="5760" b="0" u="none" strike="noStrike">
                 <a:solidFill>
                   <a:schemeClr val="dk1">
                     <a:tint val="82000"/>
@@ -2570,11 +2719,11 @@
               </a:lnSpc>
               <a:buNone/>
               <a:tabLst>
-                <a:tab algn="l" pos="0"/>
+                <a:tab pos="0" algn="l"/>
               </a:tabLst>
             </a:pPr>
             <a:fld id="{E57463F7-55A8-4F34-A9C0-749F27514277}" type="slidenum">
-              <a:rPr b="0" lang="en-US" sz="5760" strike="noStrike" u="none">
+              <a:rPr lang="en-US" sz="5760" b="0" u="none" strike="noStrike">
                 <a:solidFill>
                   <a:schemeClr val="dk1">
                     <a:tint val="82000"/>
@@ -2584,9 +2733,9 @@
                 <a:uFillTx/>
                 <a:latin typeface="Aptos"/>
               </a:rPr>
-              <a:t>&lt;number&gt;</a:t>
+              <a:t>‹#›</a:t>
             </a:fld>
-            <a:endParaRPr b="0" lang="en-US" sz="5760" strike="noStrike" u="none">
+            <a:endParaRPr lang="en-US" sz="5760" b="0" u="none" strike="noStrike">
               <a:solidFill>
                 <a:srgbClr val="000000"/>
               </a:solidFill>
@@ -2599,17 +2748,21 @@
       </p:sp>
     </p:spTree>
   </p:cSld>
+  <p:clrMapOvr>
+    <a:masterClrMapping/>
+  </p:clrMapOvr>
 </p:sldLayout>
 </file>
 
 <file path=ppt/slideLayouts/slideLayout3.xml><?xml version="1.0" encoding="utf-8"?>
-<p:sldLayout xmlns:a="http://schemas.openxmlformats.org/drawingml/2006/main" xmlns:p="http://schemas.openxmlformats.org/presentationml/2006/main" xmlns:r="http://schemas.openxmlformats.org/officeDocument/2006/relationships" xmlns:p14="http://schemas.microsoft.com/office/powerpoint/2010/main" xmlns:p15="http://schemas.microsoft.com/office/powerpoint/2012/main" xmlns:mc="http://schemas.openxmlformats.org/markup-compatibility/2006" type="blank" preserve="1">
+<p:sldLayout xmlns:a="http://schemas.openxmlformats.org/drawingml/2006/main" xmlns:r="http://schemas.openxmlformats.org/officeDocument/2006/relationships" xmlns:p="http://schemas.openxmlformats.org/presentationml/2006/main" type="blank" preserve="1">
   <p:cSld name="Picture with Caption">
     <p:bg>
       <p:bgPr>
         <a:solidFill>
-          <a:srgbClr val="ffffff"/>
+          <a:srgbClr val="FFFFFF"/>
         </a:solidFill>
+        <a:effectLst/>
       </p:bgPr>
     </p:bg>
     <p:spTree>
@@ -2650,9 +2803,10 @@
           </a:ln>
         </p:spPr>
         <p:txBody>
-          <a:bodyPr lIns="91440" rIns="91440" tIns="45720" bIns="45720" anchor="b">
+          <a:bodyPr lIns="91440" tIns="45720" rIns="91440" bIns="45720" anchor="b">
             <a:noAutofit/>
           </a:bodyPr>
+          <a:lstStyle/>
           <a:p>
             <a:pPr indent="0" defTabSz="4389120">
               <a:lnSpc>
@@ -2660,11 +2814,11 @@
               </a:lnSpc>
               <a:buNone/>
               <a:tabLst>
-                <a:tab algn="l" pos="0"/>
+                <a:tab pos="0" algn="l"/>
               </a:tabLst>
             </a:pPr>
             <a:r>
-              <a:rPr b="0" lang="en-US" sz="15360" strike="noStrike" u="none">
+              <a:rPr lang="en-US" sz="15360" b="0" u="none" strike="noStrike">
                 <a:solidFill>
                   <a:schemeClr val="dk1"/>
                 </a:solidFill>
@@ -2674,7 +2828,7 @@
               </a:rPr>
               <a:t>Click to edit Master title style</a:t>
             </a:r>
-            <a:endParaRPr b="0" lang="en-US" sz="15360" strike="noStrike" u="none">
+            <a:endParaRPr lang="en-US" sz="15360" b="0" u="none" strike="noStrike">
               <a:solidFill>
                 <a:srgbClr val="000000"/>
               </a:solidFill>
@@ -2709,9 +2863,10 @@
           </a:ln>
         </p:spPr>
         <p:txBody>
-          <a:bodyPr lIns="90000" rIns="90000" tIns="45000" bIns="45000" anchor="t">
+          <a:bodyPr lIns="90000" tIns="45000" rIns="90000" bIns="45000" anchor="t">
             <a:noAutofit/>
           </a:bodyPr>
+          <a:lstStyle/>
           <a:p>
             <a:pPr indent="0" defTabSz="457200">
               <a:lnSpc>
@@ -2719,11 +2874,11 @@
               </a:lnSpc>
               <a:buNone/>
               <a:tabLst>
-                <a:tab algn="l" pos="0"/>
+                <a:tab pos="0" algn="l"/>
               </a:tabLst>
             </a:pPr>
             <a:r>
-              <a:rPr b="0" lang="en-US" sz="15360" strike="noStrike" u="none">
+              <a:rPr lang="en-US" sz="15360" b="0" u="none" strike="noStrike">
                 <a:solidFill>
                   <a:schemeClr val="dk1"/>
                 </a:solidFill>
@@ -2733,7 +2888,7 @@
               </a:rPr>
               <a:t>Click icon to add picture</a:t>
             </a:r>
-            <a:endParaRPr b="0" lang="en-US" sz="15360" strike="noStrike" u="none">
+            <a:endParaRPr lang="en-US" sz="15360" b="0" u="none" strike="noStrike">
               <a:solidFill>
                 <a:srgbClr val="000000"/>
               </a:solidFill>
@@ -2768,9 +2923,10 @@
           </a:ln>
         </p:spPr>
         <p:txBody>
-          <a:bodyPr lIns="91440" rIns="91440" tIns="45720" bIns="45720" anchor="t">
+          <a:bodyPr lIns="91440" tIns="45720" rIns="91440" bIns="45720" anchor="t">
             <a:noAutofit/>
           </a:bodyPr>
+          <a:lstStyle/>
           <a:p>
             <a:pPr indent="0" defTabSz="4389120">
               <a:lnSpc>
@@ -2781,11 +2937,11 @@
               </a:spcBef>
               <a:buNone/>
               <a:tabLst>
-                <a:tab algn="l" pos="0"/>
+                <a:tab pos="0" algn="l"/>
               </a:tabLst>
             </a:pPr>
             <a:r>
-              <a:rPr b="0" lang="en-US" sz="7680" strike="noStrike" u="none">
+              <a:rPr lang="en-US" sz="7680" b="0" u="none" strike="noStrike">
                 <a:solidFill>
                   <a:schemeClr val="dk1"/>
                 </a:solidFill>
@@ -2795,7 +2951,7 @@
               </a:rPr>
               <a:t>Click to edit Master text styles</a:t>
             </a:r>
-            <a:endParaRPr b="0" lang="en-US" sz="7680" strike="noStrike" u="none">
+            <a:endParaRPr lang="en-US" sz="7680" b="0" u="none" strike="noStrike">
               <a:solidFill>
                 <a:srgbClr val="000000"/>
               </a:solidFill>
@@ -2830,7 +2986,7 @@
           </a:ln>
         </p:spPr>
         <p:txBody>
-          <a:bodyPr lIns="91440" rIns="91440" tIns="45720" bIns="45720" anchor="ctr">
+          <a:bodyPr lIns="91440" tIns="45720" rIns="91440" bIns="45720" anchor="ctr">
             <a:noAutofit/>
           </a:bodyPr>
           <a:lstStyle>
@@ -2840,9 +2996,9 @@
               </a:lnSpc>
               <a:buNone/>
               <a:tabLst>
-                <a:tab algn="l" pos="0"/>
+                <a:tab pos="0" algn="l"/>
               </a:tabLst>
-              <a:defRPr b="0" lang="en-US" sz="5760" strike="noStrike" u="none">
+              <a:defRPr lang="en-US" sz="5760" b="0" u="none" strike="noStrike">
                 <a:solidFill>
                   <a:schemeClr val="dk1">
                     <a:tint val="82000"/>
@@ -2861,11 +3017,11 @@
               </a:lnSpc>
               <a:buNone/>
               <a:tabLst>
-                <a:tab algn="l" pos="0"/>
+                <a:tab pos="0" algn="l"/>
               </a:tabLst>
             </a:pPr>
             <a:r>
-              <a:rPr b="0" lang="en-US" sz="5760" strike="noStrike" u="none">
+              <a:rPr lang="en-US" sz="5760" b="0" u="none" strike="noStrike">
                 <a:solidFill>
                   <a:schemeClr val="dk1">
                     <a:tint val="82000"/>
@@ -2877,7 +3033,7 @@
               </a:rPr>
               <a:t>&lt;date/time&gt;</a:t>
             </a:r>
-            <a:endParaRPr b="0" lang="en-US" sz="5760" strike="noStrike" u="none">
+            <a:endParaRPr lang="en-US" sz="5760" b="0" u="none" strike="noStrike">
               <a:solidFill>
                 <a:srgbClr val="000000"/>
               </a:solidFill>
@@ -2912,7 +3068,7 @@
           </a:ln>
         </p:spPr>
         <p:txBody>
-          <a:bodyPr lIns="91440" rIns="91440" tIns="45720" bIns="45720" anchor="ctr">
+          <a:bodyPr lIns="91440" tIns="45720" rIns="91440" bIns="45720" anchor="ctr">
             <a:noAutofit/>
           </a:bodyPr>
           <a:lstStyle>
@@ -2922,9 +3078,9 @@
               </a:lnSpc>
               <a:buNone/>
               <a:tabLst>
-                <a:tab algn="l" pos="0"/>
+                <a:tab pos="0" algn="l"/>
               </a:tabLst>
-              <a:defRPr b="0" lang="en-US" sz="1400" strike="noStrike" u="none">
+              <a:defRPr lang="en-US" sz="1400" b="0" u="none" strike="noStrike">
                 <a:solidFill>
                   <a:srgbClr val="000000"/>
                 </a:solidFill>
@@ -2941,11 +3097,11 @@
               </a:lnSpc>
               <a:buNone/>
               <a:tabLst>
-                <a:tab algn="l" pos="0"/>
+                <a:tab pos="0" algn="l"/>
               </a:tabLst>
             </a:pPr>
             <a:r>
-              <a:rPr b="0" lang="en-US" sz="1400" strike="noStrike" u="none">
+              <a:rPr lang="en-US" sz="1400" b="0" u="none" strike="noStrike">
                 <a:solidFill>
                   <a:srgbClr val="000000"/>
                 </a:solidFill>
@@ -2955,14 +3111,6 @@
               </a:rPr>
               <a:t>&lt;footer&gt;</a:t>
             </a:r>
-            <a:endParaRPr b="0" lang="en-US" sz="1400" strike="noStrike" u="none">
-              <a:solidFill>
-                <a:srgbClr val="000000"/>
-              </a:solidFill>
-              <a:effectLst/>
-              <a:uFillTx/>
-              <a:latin typeface="Times New Roman"/>
-            </a:endParaRPr>
           </a:p>
         </p:txBody>
       </p:sp>
@@ -2990,7 +3138,7 @@
           </a:ln>
         </p:spPr>
         <p:txBody>
-          <a:bodyPr lIns="91440" rIns="91440" tIns="45720" bIns="45720" anchor="ctr">
+          <a:bodyPr lIns="91440" tIns="45720" rIns="91440" bIns="45720" anchor="ctr">
             <a:noAutofit/>
           </a:bodyPr>
           <a:lstStyle>
@@ -3000,9 +3148,9 @@
               </a:lnSpc>
               <a:buNone/>
               <a:tabLst>
-                <a:tab algn="l" pos="0"/>
+                <a:tab pos="0" algn="l"/>
               </a:tabLst>
-              <a:defRPr b="0" lang="en-US" sz="5760" strike="noStrike" u="none">
+              <a:defRPr lang="en-US" sz="5760" b="0" u="none" strike="noStrike">
                 <a:solidFill>
                   <a:schemeClr val="dk1">
                     <a:tint val="82000"/>
@@ -3021,11 +3169,11 @@
               </a:lnSpc>
               <a:buNone/>
               <a:tabLst>
-                <a:tab algn="l" pos="0"/>
+                <a:tab pos="0" algn="l"/>
               </a:tabLst>
             </a:pPr>
             <a:fld id="{FC13A1E1-239A-434B-ADA6-807E6BF75777}" type="slidenum">
-              <a:rPr b="0" lang="en-US" sz="5760" strike="noStrike" u="none">
+              <a:rPr lang="en-US" sz="5760" b="0" u="none" strike="noStrike">
                 <a:solidFill>
                   <a:schemeClr val="dk1">
                     <a:tint val="82000"/>
@@ -3035,9 +3183,9 @@
                 <a:uFillTx/>
                 <a:latin typeface="Aptos"/>
               </a:rPr>
-              <a:t>&lt;number&gt;</a:t>
+              <a:t>‹#›</a:t>
             </a:fld>
-            <a:endParaRPr b="0" lang="en-US" sz="5760" strike="noStrike" u="none">
+            <a:endParaRPr lang="en-US" sz="5760" b="0" u="none" strike="noStrike">
               <a:solidFill>
                 <a:srgbClr val="000000"/>
               </a:solidFill>
@@ -3050,17 +3198,21 @@
       </p:sp>
     </p:spTree>
   </p:cSld>
+  <p:clrMapOvr>
+    <a:masterClrMapping/>
+  </p:clrMapOvr>
 </p:sldLayout>
 </file>
 
 <file path=ppt/slideLayouts/slideLayout4.xml><?xml version="1.0" encoding="utf-8"?>
-<p:sldLayout xmlns:a="http://schemas.openxmlformats.org/drawingml/2006/main" xmlns:p="http://schemas.openxmlformats.org/presentationml/2006/main" xmlns:r="http://schemas.openxmlformats.org/officeDocument/2006/relationships" xmlns:p14="http://schemas.microsoft.com/office/powerpoint/2010/main" xmlns:p15="http://schemas.microsoft.com/office/powerpoint/2012/main" xmlns:mc="http://schemas.openxmlformats.org/markup-compatibility/2006" type="title" preserve="1">
+<p:sldLayout xmlns:a="http://schemas.openxmlformats.org/drawingml/2006/main" xmlns:r="http://schemas.openxmlformats.org/officeDocument/2006/relationships" xmlns:p="http://schemas.openxmlformats.org/presentationml/2006/main" type="title" preserve="1">
   <p:cSld name="Title Slide">
     <p:bg>
       <p:bgPr>
         <a:solidFill>
-          <a:srgbClr val="ffffff"/>
+          <a:srgbClr val="FFFFFF"/>
         </a:solidFill>
+        <a:effectLst/>
       </p:bgPr>
     </p:bg>
     <p:spTree>
@@ -3101,9 +3253,10 @@
           </a:ln>
         </p:spPr>
         <p:txBody>
-          <a:bodyPr lIns="91440" rIns="91440" tIns="45720" bIns="45720" anchor="b">
+          <a:bodyPr lIns="91440" tIns="45720" rIns="91440" bIns="45720" anchor="b">
             <a:noAutofit/>
           </a:bodyPr>
+          <a:lstStyle/>
           <a:p>
             <a:pPr indent="0" algn="ctr" defTabSz="4389120">
               <a:lnSpc>
@@ -3111,11 +3264,11 @@
               </a:lnSpc>
               <a:buNone/>
               <a:tabLst>
-                <a:tab algn="l" pos="0"/>
+                <a:tab pos="0" algn="l"/>
               </a:tabLst>
             </a:pPr>
             <a:r>
-              <a:rPr b="0" lang="en-US" sz="28800" strike="noStrike" u="none">
+              <a:rPr lang="en-US" sz="28800" b="0" u="none" strike="noStrike">
                 <a:solidFill>
                   <a:schemeClr val="dk1"/>
                 </a:solidFill>
@@ -3125,7 +3278,7 @@
               </a:rPr>
               <a:t>Click to edit Master title style</a:t>
             </a:r>
-            <a:endParaRPr b="0" lang="en-US" sz="28800" strike="noStrike" u="none">
+            <a:endParaRPr lang="en-US" sz="28800" b="0" u="none" strike="noStrike">
               <a:solidFill>
                 <a:srgbClr val="000000"/>
               </a:solidFill>
@@ -3160,7 +3313,7 @@
           </a:ln>
         </p:spPr>
         <p:txBody>
-          <a:bodyPr lIns="91440" rIns="91440" tIns="45720" bIns="45720" anchor="ctr">
+          <a:bodyPr lIns="91440" tIns="45720" rIns="91440" bIns="45720" anchor="ctr">
             <a:noAutofit/>
           </a:bodyPr>
           <a:lstStyle>
@@ -3170,9 +3323,9 @@
               </a:lnSpc>
               <a:buNone/>
               <a:tabLst>
-                <a:tab algn="l" pos="0"/>
+                <a:tab pos="0" algn="l"/>
               </a:tabLst>
-              <a:defRPr b="0" lang="en-US" sz="5760" strike="noStrike" u="none">
+              <a:defRPr lang="en-US" sz="5760" b="0" u="none" strike="noStrike">
                 <a:solidFill>
                   <a:schemeClr val="dk1">
                     <a:tint val="82000"/>
@@ -3191,11 +3344,11 @@
               </a:lnSpc>
               <a:buNone/>
               <a:tabLst>
-                <a:tab algn="l" pos="0"/>
+                <a:tab pos="0" algn="l"/>
               </a:tabLst>
             </a:pPr>
             <a:r>
-              <a:rPr b="0" lang="en-US" sz="5760" strike="noStrike" u="none">
+              <a:rPr lang="en-US" sz="5760" b="0" u="none" strike="noStrike">
                 <a:solidFill>
                   <a:schemeClr val="dk1">
                     <a:tint val="82000"/>
@@ -3207,7 +3360,7 @@
               </a:rPr>
               <a:t>&lt;date/time&gt;</a:t>
             </a:r>
-            <a:endParaRPr b="0" lang="en-US" sz="5760" strike="noStrike" u="none">
+            <a:endParaRPr lang="en-US" sz="5760" b="0" u="none" strike="noStrike">
               <a:solidFill>
                 <a:srgbClr val="000000"/>
               </a:solidFill>
@@ -3242,7 +3395,7 @@
           </a:ln>
         </p:spPr>
         <p:txBody>
-          <a:bodyPr lIns="91440" rIns="91440" tIns="45720" bIns="45720" anchor="ctr">
+          <a:bodyPr lIns="91440" tIns="45720" rIns="91440" bIns="45720" anchor="ctr">
             <a:noAutofit/>
           </a:bodyPr>
           <a:lstStyle>
@@ -3252,9 +3405,9 @@
               </a:lnSpc>
               <a:buNone/>
               <a:tabLst>
-                <a:tab algn="l" pos="0"/>
+                <a:tab pos="0" algn="l"/>
               </a:tabLst>
-              <a:defRPr b="0" lang="en-US" sz="1400" strike="noStrike" u="none">
+              <a:defRPr lang="en-US" sz="1400" b="0" u="none" strike="noStrike">
                 <a:solidFill>
                   <a:srgbClr val="000000"/>
                 </a:solidFill>
@@ -3271,11 +3424,11 @@
               </a:lnSpc>
               <a:buNone/>
               <a:tabLst>
-                <a:tab algn="l" pos="0"/>
+                <a:tab pos="0" algn="l"/>
               </a:tabLst>
             </a:pPr>
             <a:r>
-              <a:rPr b="0" lang="en-US" sz="1400" strike="noStrike" u="none">
+              <a:rPr lang="en-US" sz="1400" b="0" u="none" strike="noStrike">
                 <a:solidFill>
                   <a:srgbClr val="000000"/>
                 </a:solidFill>
@@ -3285,14 +3438,6 @@
               </a:rPr>
               <a:t>&lt;footer&gt;</a:t>
             </a:r>
-            <a:endParaRPr b="0" lang="en-US" sz="1400" strike="noStrike" u="none">
-              <a:solidFill>
-                <a:srgbClr val="000000"/>
-              </a:solidFill>
-              <a:effectLst/>
-              <a:uFillTx/>
-              <a:latin typeface="Times New Roman"/>
-            </a:endParaRPr>
           </a:p>
         </p:txBody>
       </p:sp>
@@ -3320,7 +3465,7 @@
           </a:ln>
         </p:spPr>
         <p:txBody>
-          <a:bodyPr lIns="91440" rIns="91440" tIns="45720" bIns="45720" anchor="ctr">
+          <a:bodyPr lIns="91440" tIns="45720" rIns="91440" bIns="45720" anchor="ctr">
             <a:noAutofit/>
           </a:bodyPr>
           <a:lstStyle>
@@ -3330,9 +3475,9 @@
               </a:lnSpc>
               <a:buNone/>
               <a:tabLst>
-                <a:tab algn="l" pos="0"/>
+                <a:tab pos="0" algn="l"/>
               </a:tabLst>
-              <a:defRPr b="0" lang="en-US" sz="5760" strike="noStrike" u="none">
+              <a:defRPr lang="en-US" sz="5760" b="0" u="none" strike="noStrike">
                 <a:solidFill>
                   <a:schemeClr val="dk1">
                     <a:tint val="82000"/>
@@ -3351,11 +3496,11 @@
               </a:lnSpc>
               <a:buNone/>
               <a:tabLst>
-                <a:tab algn="l" pos="0"/>
+                <a:tab pos="0" algn="l"/>
               </a:tabLst>
             </a:pPr>
             <a:fld id="{A1A6F47C-C8E6-4299-8F51-576CB23A0AE7}" type="slidenum">
-              <a:rPr b="0" lang="en-US" sz="5760" strike="noStrike" u="none">
+              <a:rPr lang="en-US" sz="5760" b="0" u="none" strike="noStrike">
                 <a:solidFill>
                   <a:schemeClr val="dk1">
                     <a:tint val="82000"/>
@@ -3365,9 +3510,9 @@
                 <a:uFillTx/>
                 <a:latin typeface="Aptos"/>
               </a:rPr>
-              <a:t>&lt;number&gt;</a:t>
+              <a:t>‹#›</a:t>
             </a:fld>
-            <a:endParaRPr b="0" lang="en-US" sz="5760" strike="noStrike" u="none">
+            <a:endParaRPr lang="en-US" sz="5760" b="0" u="none" strike="noStrike">
               <a:solidFill>
                 <a:srgbClr val="000000"/>
               </a:solidFill>
@@ -3380,17 +3525,21 @@
       </p:sp>
     </p:spTree>
   </p:cSld>
+  <p:clrMapOvr>
+    <a:masterClrMapping/>
+  </p:clrMapOvr>
 </p:sldLayout>
 </file>
 
 <file path=ppt/slideLayouts/slideLayout5.xml><?xml version="1.0" encoding="utf-8"?>
-<p:sldLayout xmlns:a="http://schemas.openxmlformats.org/drawingml/2006/main" xmlns:p="http://schemas.openxmlformats.org/presentationml/2006/main" xmlns:r="http://schemas.openxmlformats.org/officeDocument/2006/relationships" xmlns:p14="http://schemas.microsoft.com/office/powerpoint/2010/main" xmlns:p15="http://schemas.microsoft.com/office/powerpoint/2012/main" xmlns:mc="http://schemas.openxmlformats.org/markup-compatibility/2006" type="vertTx" preserve="1">
+<p:sldLayout xmlns:a="http://schemas.openxmlformats.org/drawingml/2006/main" xmlns:r="http://schemas.openxmlformats.org/officeDocument/2006/relationships" xmlns:p="http://schemas.openxmlformats.org/presentationml/2006/main" type="vertTx" preserve="1">
   <p:cSld name="Title and Vertical Text">
     <p:bg>
       <p:bgPr>
         <a:solidFill>
-          <a:srgbClr val="ffffff"/>
+          <a:srgbClr val="FFFFFF"/>
         </a:solidFill>
+        <a:effectLst/>
       </p:bgPr>
     </p:bg>
     <p:spTree>
@@ -3431,9 +3580,10 @@
           </a:ln>
         </p:spPr>
         <p:txBody>
-          <a:bodyPr lIns="91440" rIns="91440" tIns="45720" bIns="45720" anchor="ctr">
+          <a:bodyPr lIns="91440" tIns="45720" rIns="91440" bIns="45720" anchor="ctr">
             <a:noAutofit/>
           </a:bodyPr>
+          <a:lstStyle/>
           <a:p>
             <a:pPr indent="0" defTabSz="4389120">
               <a:lnSpc>
@@ -3441,11 +3591,11 @@
               </a:lnSpc>
               <a:buNone/>
               <a:tabLst>
-                <a:tab algn="l" pos="0"/>
+                <a:tab pos="0" algn="l"/>
               </a:tabLst>
             </a:pPr>
             <a:r>
-              <a:rPr b="0" lang="en-US" sz="21120" strike="noStrike" u="none">
+              <a:rPr lang="en-US" sz="21120" b="0" u="none" strike="noStrike">
                 <a:solidFill>
                   <a:schemeClr val="dk1"/>
                 </a:solidFill>
@@ -3455,7 +3605,7 @@
               </a:rPr>
               <a:t>Click to edit Master title style</a:t>
             </a:r>
-            <a:endParaRPr b="0" lang="en-US" sz="21120" strike="noStrike" u="none">
+            <a:endParaRPr lang="en-US" sz="21120" b="0" u="none" strike="noStrike">
               <a:solidFill>
                 <a:srgbClr val="000000"/>
               </a:solidFill>
@@ -3490,9 +3640,10 @@
           </a:ln>
         </p:spPr>
         <p:txBody>
-          <a:bodyPr lIns="91440" rIns="91440" tIns="45720" bIns="45720" anchor="t" vert="eaVert">
+          <a:bodyPr vert="eaVert" lIns="91440" tIns="45720" rIns="91440" bIns="45720" anchor="t">
             <a:noAutofit/>
           </a:bodyPr>
+          <a:lstStyle/>
           <a:p>
             <a:pPr marL="1097280" indent="-1097280" defTabSz="4389120">
               <a:lnSpc>
@@ -3508,7 +3659,7 @@
               <a:buChar char="•"/>
             </a:pPr>
             <a:r>
-              <a:rPr b="0" lang="en-US" sz="13439" strike="noStrike" u="none">
+              <a:rPr lang="en-US" sz="13439" b="0" u="none" strike="noStrike">
                 <a:solidFill>
                   <a:schemeClr val="dk1"/>
                 </a:solidFill>
@@ -3518,7 +3669,7 @@
               </a:rPr>
               <a:t>Click to edit Master text styles</a:t>
             </a:r>
-            <a:endParaRPr b="0" lang="en-US" sz="13439" strike="noStrike" u="none">
+            <a:endParaRPr lang="en-US" sz="13439" b="0" u="none" strike="noStrike">
               <a:solidFill>
                 <a:srgbClr val="000000"/>
               </a:solidFill>
@@ -3528,7 +3679,7 @@
             </a:endParaRPr>
           </a:p>
           <a:p>
-            <a:pPr lvl="1" marL="3291840" indent="-1097280" defTabSz="4389120">
+            <a:pPr marL="3291840" lvl="1" indent="-1097280" defTabSz="4389120">
               <a:lnSpc>
                 <a:spcPct val="90000"/>
               </a:lnSpc>
@@ -3542,7 +3693,7 @@
               <a:buChar char="•"/>
             </a:pPr>
             <a:r>
-              <a:rPr b="0" lang="en-US" sz="11520" strike="noStrike" u="none">
+              <a:rPr lang="en-US" sz="11520" b="0" u="none" strike="noStrike">
                 <a:solidFill>
                   <a:schemeClr val="dk1"/>
                 </a:solidFill>
@@ -3552,7 +3703,7 @@
               </a:rPr>
               <a:t>Second level</a:t>
             </a:r>
-            <a:endParaRPr b="0" lang="en-US" sz="11520" strike="noStrike" u="none">
+            <a:endParaRPr lang="en-US" sz="11520" b="0" u="none" strike="noStrike">
               <a:solidFill>
                 <a:srgbClr val="000000"/>
               </a:solidFill>
@@ -3562,7 +3713,7 @@
             </a:endParaRPr>
           </a:p>
           <a:p>
-            <a:pPr lvl="2" marL="5486400" indent="-1097280" defTabSz="4389120">
+            <a:pPr marL="5486400" lvl="2" indent="-1097280" defTabSz="4389120">
               <a:lnSpc>
                 <a:spcPct val="90000"/>
               </a:lnSpc>
@@ -3576,7 +3727,7 @@
               <a:buChar char="•"/>
             </a:pPr>
             <a:r>
-              <a:rPr b="0" lang="en-US" sz="9600" strike="noStrike" u="none">
+              <a:rPr lang="en-US" sz="9600" b="0" u="none" strike="noStrike">
                 <a:solidFill>
                   <a:schemeClr val="dk1"/>
                 </a:solidFill>
@@ -3586,7 +3737,7 @@
               </a:rPr>
               <a:t>Third level</a:t>
             </a:r>
-            <a:endParaRPr b="0" lang="en-US" sz="9600" strike="noStrike" u="none">
+            <a:endParaRPr lang="en-US" sz="9600" b="0" u="none" strike="noStrike">
               <a:solidFill>
                 <a:srgbClr val="000000"/>
               </a:solidFill>
@@ -3596,7 +3747,7 @@
             </a:endParaRPr>
           </a:p>
           <a:p>
-            <a:pPr lvl="3" marL="7680960" indent="-1097280" defTabSz="4389120">
+            <a:pPr marL="7680960" lvl="3" indent="-1097280" defTabSz="4389120">
               <a:lnSpc>
                 <a:spcPct val="90000"/>
               </a:lnSpc>
@@ -3610,7 +3761,7 @@
               <a:buChar char="•"/>
             </a:pPr>
             <a:r>
-              <a:rPr b="0" lang="en-US" sz="8640" strike="noStrike" u="none">
+              <a:rPr lang="en-US" sz="8640" b="0" u="none" strike="noStrike">
                 <a:solidFill>
                   <a:schemeClr val="dk1"/>
                 </a:solidFill>
@@ -3620,7 +3771,7 @@
               </a:rPr>
               <a:t>Fourth level</a:t>
             </a:r>
-            <a:endParaRPr b="0" lang="en-US" sz="8640" strike="noStrike" u="none">
+            <a:endParaRPr lang="en-US" sz="8640" b="0" u="none" strike="noStrike">
               <a:solidFill>
                 <a:srgbClr val="000000"/>
               </a:solidFill>
@@ -3630,7 +3781,7 @@
             </a:endParaRPr>
           </a:p>
           <a:p>
-            <a:pPr lvl="4" marL="9875520" indent="-1097280" defTabSz="4389120">
+            <a:pPr marL="9875520" lvl="4" indent="-1097280" defTabSz="4389120">
               <a:lnSpc>
                 <a:spcPct val="90000"/>
               </a:lnSpc>
@@ -3644,7 +3795,7 @@
               <a:buChar char="•"/>
             </a:pPr>
             <a:r>
-              <a:rPr b="0" lang="en-US" sz="8640" strike="noStrike" u="none">
+              <a:rPr lang="en-US" sz="8640" b="0" u="none" strike="noStrike">
                 <a:solidFill>
                   <a:schemeClr val="dk1"/>
                 </a:solidFill>
@@ -3654,7 +3805,7 @@
               </a:rPr>
               <a:t>Fifth level</a:t>
             </a:r>
-            <a:endParaRPr b="0" lang="en-US" sz="8640" strike="noStrike" u="none">
+            <a:endParaRPr lang="en-US" sz="8640" b="0" u="none" strike="noStrike">
               <a:solidFill>
                 <a:srgbClr val="000000"/>
               </a:solidFill>
@@ -3689,7 +3840,7 @@
           </a:ln>
         </p:spPr>
         <p:txBody>
-          <a:bodyPr lIns="91440" rIns="91440" tIns="45720" bIns="45720" anchor="ctr">
+          <a:bodyPr lIns="91440" tIns="45720" rIns="91440" bIns="45720" anchor="ctr">
             <a:noAutofit/>
           </a:bodyPr>
           <a:lstStyle>
@@ -3699,9 +3850,9 @@
               </a:lnSpc>
               <a:buNone/>
               <a:tabLst>
-                <a:tab algn="l" pos="0"/>
+                <a:tab pos="0" algn="l"/>
               </a:tabLst>
-              <a:defRPr b="0" lang="en-US" sz="5760" strike="noStrike" u="none">
+              <a:defRPr lang="en-US" sz="5760" b="0" u="none" strike="noStrike">
                 <a:solidFill>
                   <a:schemeClr val="dk1">
                     <a:tint val="82000"/>
@@ -3720,11 +3871,11 @@
               </a:lnSpc>
               <a:buNone/>
               <a:tabLst>
-                <a:tab algn="l" pos="0"/>
+                <a:tab pos="0" algn="l"/>
               </a:tabLst>
             </a:pPr>
             <a:r>
-              <a:rPr b="0" lang="en-US" sz="5760" strike="noStrike" u="none">
+              <a:rPr lang="en-US" sz="5760" b="0" u="none" strike="noStrike">
                 <a:solidFill>
                   <a:schemeClr val="dk1">
                     <a:tint val="82000"/>
@@ -3736,7 +3887,7 @@
               </a:rPr>
               <a:t>&lt;date/time&gt;</a:t>
             </a:r>
-            <a:endParaRPr b="0" lang="en-US" sz="5760" strike="noStrike" u="none">
+            <a:endParaRPr lang="en-US" sz="5760" b="0" u="none" strike="noStrike">
               <a:solidFill>
                 <a:srgbClr val="000000"/>
               </a:solidFill>
@@ -3771,7 +3922,7 @@
           </a:ln>
         </p:spPr>
         <p:txBody>
-          <a:bodyPr lIns="91440" rIns="91440" tIns="45720" bIns="45720" anchor="ctr">
+          <a:bodyPr lIns="91440" tIns="45720" rIns="91440" bIns="45720" anchor="ctr">
             <a:noAutofit/>
           </a:bodyPr>
           <a:lstStyle>
@@ -3781,9 +3932,9 @@
               </a:lnSpc>
               <a:buNone/>
               <a:tabLst>
-                <a:tab algn="l" pos="0"/>
+                <a:tab pos="0" algn="l"/>
               </a:tabLst>
-              <a:defRPr b="0" lang="en-US" sz="1400" strike="noStrike" u="none">
+              <a:defRPr lang="en-US" sz="1400" b="0" u="none" strike="noStrike">
                 <a:solidFill>
                   <a:srgbClr val="000000"/>
                 </a:solidFill>
@@ -3800,11 +3951,11 @@
               </a:lnSpc>
               <a:buNone/>
               <a:tabLst>
-                <a:tab algn="l" pos="0"/>
+                <a:tab pos="0" algn="l"/>
               </a:tabLst>
             </a:pPr>
             <a:r>
-              <a:rPr b="0" lang="en-US" sz="1400" strike="noStrike" u="none">
+              <a:rPr lang="en-US" sz="1400" b="0" u="none" strike="noStrike">
                 <a:solidFill>
                   <a:srgbClr val="000000"/>
                 </a:solidFill>
@@ -3814,14 +3965,6 @@
               </a:rPr>
               <a:t>&lt;footer&gt;</a:t>
             </a:r>
-            <a:endParaRPr b="0" lang="en-US" sz="1400" strike="noStrike" u="none">
-              <a:solidFill>
-                <a:srgbClr val="000000"/>
-              </a:solidFill>
-              <a:effectLst/>
-              <a:uFillTx/>
-              <a:latin typeface="Times New Roman"/>
-            </a:endParaRPr>
           </a:p>
         </p:txBody>
       </p:sp>
@@ -3849,7 +3992,7 @@
           </a:ln>
         </p:spPr>
         <p:txBody>
-          <a:bodyPr lIns="91440" rIns="91440" tIns="45720" bIns="45720" anchor="ctr">
+          <a:bodyPr lIns="91440" tIns="45720" rIns="91440" bIns="45720" anchor="ctr">
             <a:noAutofit/>
           </a:bodyPr>
           <a:lstStyle>
@@ -3859,9 +4002,9 @@
               </a:lnSpc>
               <a:buNone/>
               <a:tabLst>
-                <a:tab algn="l" pos="0"/>
+                <a:tab pos="0" algn="l"/>
               </a:tabLst>
-              <a:defRPr b="0" lang="en-US" sz="5760" strike="noStrike" u="none">
+              <a:defRPr lang="en-US" sz="5760" b="0" u="none" strike="noStrike">
                 <a:solidFill>
                   <a:schemeClr val="dk1">
                     <a:tint val="82000"/>
@@ -3880,11 +4023,11 @@
               </a:lnSpc>
               <a:buNone/>
               <a:tabLst>
-                <a:tab algn="l" pos="0"/>
+                <a:tab pos="0" algn="l"/>
               </a:tabLst>
             </a:pPr>
             <a:fld id="{A52BB3BB-E590-42E3-8F00-D12C3266BA10}" type="slidenum">
-              <a:rPr b="0" lang="en-US" sz="5760" strike="noStrike" u="none">
+              <a:rPr lang="en-US" sz="5760" b="0" u="none" strike="noStrike">
                 <a:solidFill>
                   <a:schemeClr val="dk1">
                     <a:tint val="82000"/>
@@ -3894,9 +4037,9 @@
                 <a:uFillTx/>
                 <a:latin typeface="Aptos"/>
               </a:rPr>
-              <a:t>&lt;number&gt;</a:t>
+              <a:t>‹#›</a:t>
             </a:fld>
-            <a:endParaRPr b="0" lang="en-US" sz="5760" strike="noStrike" u="none">
+            <a:endParaRPr lang="en-US" sz="5760" b="0" u="none" strike="noStrike">
               <a:solidFill>
                 <a:srgbClr val="000000"/>
               </a:solidFill>
@@ -3909,17 +4052,21 @@
       </p:sp>
     </p:spTree>
   </p:cSld>
+  <p:clrMapOvr>
+    <a:masterClrMapping/>
+  </p:clrMapOvr>
 </p:sldLayout>
 </file>
 
 <file path=ppt/slideLayouts/slideLayout6.xml><?xml version="1.0" encoding="utf-8"?>
-<p:sldLayout xmlns:a="http://schemas.openxmlformats.org/drawingml/2006/main" xmlns:p="http://schemas.openxmlformats.org/presentationml/2006/main" xmlns:r="http://schemas.openxmlformats.org/officeDocument/2006/relationships" xmlns:p14="http://schemas.microsoft.com/office/powerpoint/2010/main" xmlns:p15="http://schemas.microsoft.com/office/powerpoint/2012/main" xmlns:mc="http://schemas.openxmlformats.org/markup-compatibility/2006" type="vertTitleAndTx" preserve="1">
+<p:sldLayout xmlns:a="http://schemas.openxmlformats.org/drawingml/2006/main" xmlns:r="http://schemas.openxmlformats.org/officeDocument/2006/relationships" xmlns:p="http://schemas.openxmlformats.org/presentationml/2006/main" type="vertTitleAndTx" preserve="1">
   <p:cSld name="Vertical Title and Text">
     <p:bg>
       <p:bgPr>
         <a:solidFill>
-          <a:srgbClr val="ffffff"/>
+          <a:srgbClr val="FFFFFF"/>
         </a:solidFill>
+        <a:effectLst/>
       </p:bgPr>
     </p:bg>
     <p:spTree>
@@ -3960,9 +4107,10 @@
           </a:ln>
         </p:spPr>
         <p:txBody>
-          <a:bodyPr lIns="91440" rIns="91440" tIns="45720" bIns="45720" anchor="ctr" vert="eaVert">
+          <a:bodyPr vert="eaVert" lIns="91440" tIns="45720" rIns="91440" bIns="45720" anchor="ctr">
             <a:noAutofit/>
           </a:bodyPr>
+          <a:lstStyle/>
           <a:p>
             <a:pPr indent="0" defTabSz="4389120">
               <a:lnSpc>
@@ -3970,11 +4118,11 @@
               </a:lnSpc>
               <a:buNone/>
               <a:tabLst>
-                <a:tab algn="l" pos="0"/>
+                <a:tab pos="0" algn="l"/>
               </a:tabLst>
             </a:pPr>
             <a:r>
-              <a:rPr b="0" lang="en-US" sz="21120" strike="noStrike" u="none">
+              <a:rPr lang="en-US" sz="21120" b="0" u="none" strike="noStrike">
                 <a:solidFill>
                   <a:schemeClr val="dk1"/>
                 </a:solidFill>
@@ -3984,7 +4132,7 @@
               </a:rPr>
               <a:t>Click to edit Master title style</a:t>
             </a:r>
-            <a:endParaRPr b="0" lang="en-US" sz="21120" strike="noStrike" u="none">
+            <a:endParaRPr lang="en-US" sz="21120" b="0" u="none" strike="noStrike">
               <a:solidFill>
                 <a:srgbClr val="000000"/>
               </a:solidFill>
@@ -4019,9 +4167,10 @@
           </a:ln>
         </p:spPr>
         <p:txBody>
-          <a:bodyPr lIns="91440" rIns="91440" tIns="45720" bIns="45720" anchor="t" vert="eaVert">
+          <a:bodyPr vert="eaVert" lIns="91440" tIns="45720" rIns="91440" bIns="45720" anchor="t">
             <a:noAutofit/>
           </a:bodyPr>
+          <a:lstStyle/>
           <a:p>
             <a:pPr marL="1097280" indent="-1097280" defTabSz="4389120">
               <a:lnSpc>
@@ -4037,7 +4186,7 @@
               <a:buChar char="•"/>
             </a:pPr>
             <a:r>
-              <a:rPr b="0" lang="en-US" sz="13439" strike="noStrike" u="none">
+              <a:rPr lang="en-US" sz="13439" b="0" u="none" strike="noStrike">
                 <a:solidFill>
                   <a:schemeClr val="dk1"/>
                 </a:solidFill>
@@ -4047,7 +4196,7 @@
               </a:rPr>
               <a:t>Click to edit Master text styles</a:t>
             </a:r>
-            <a:endParaRPr b="0" lang="en-US" sz="13439" strike="noStrike" u="none">
+            <a:endParaRPr lang="en-US" sz="13439" b="0" u="none" strike="noStrike">
               <a:solidFill>
                 <a:srgbClr val="000000"/>
               </a:solidFill>
@@ -4057,7 +4206,7 @@
             </a:endParaRPr>
           </a:p>
           <a:p>
-            <a:pPr lvl="1" marL="3291840" indent="-1097280" defTabSz="4389120">
+            <a:pPr marL="3291840" lvl="1" indent="-1097280" defTabSz="4389120">
               <a:lnSpc>
                 <a:spcPct val="90000"/>
               </a:lnSpc>
@@ -4071,7 +4220,7 @@
               <a:buChar char="•"/>
             </a:pPr>
             <a:r>
-              <a:rPr b="0" lang="en-US" sz="11520" strike="noStrike" u="none">
+              <a:rPr lang="en-US" sz="11520" b="0" u="none" strike="noStrike">
                 <a:solidFill>
                   <a:schemeClr val="dk1"/>
                 </a:solidFill>
@@ -4081,7 +4230,7 @@
               </a:rPr>
               <a:t>Second level</a:t>
             </a:r>
-            <a:endParaRPr b="0" lang="en-US" sz="11520" strike="noStrike" u="none">
+            <a:endParaRPr lang="en-US" sz="11520" b="0" u="none" strike="noStrike">
               <a:solidFill>
                 <a:srgbClr val="000000"/>
               </a:solidFill>
@@ -4091,7 +4240,7 @@
             </a:endParaRPr>
           </a:p>
           <a:p>
-            <a:pPr lvl="2" marL="5486400" indent="-1097280" defTabSz="4389120">
+            <a:pPr marL="5486400" lvl="2" indent="-1097280" defTabSz="4389120">
               <a:lnSpc>
                 <a:spcPct val="90000"/>
               </a:lnSpc>
@@ -4105,7 +4254,7 @@
               <a:buChar char="•"/>
             </a:pPr>
             <a:r>
-              <a:rPr b="0" lang="en-US" sz="9600" strike="noStrike" u="none">
+              <a:rPr lang="en-US" sz="9600" b="0" u="none" strike="noStrike">
                 <a:solidFill>
                   <a:schemeClr val="dk1"/>
                 </a:solidFill>
@@ -4115,7 +4264,7 @@
               </a:rPr>
               <a:t>Third level</a:t>
             </a:r>
-            <a:endParaRPr b="0" lang="en-US" sz="9600" strike="noStrike" u="none">
+            <a:endParaRPr lang="en-US" sz="9600" b="0" u="none" strike="noStrike">
               <a:solidFill>
                 <a:srgbClr val="000000"/>
               </a:solidFill>
@@ -4125,7 +4274,7 @@
             </a:endParaRPr>
           </a:p>
           <a:p>
-            <a:pPr lvl="3" marL="7680960" indent="-1097280" defTabSz="4389120">
+            <a:pPr marL="7680960" lvl="3" indent="-1097280" defTabSz="4389120">
               <a:lnSpc>
                 <a:spcPct val="90000"/>
               </a:lnSpc>
@@ -4139,7 +4288,7 @@
               <a:buChar char="•"/>
             </a:pPr>
             <a:r>
-              <a:rPr b="0" lang="en-US" sz="8640" strike="noStrike" u="none">
+              <a:rPr lang="en-US" sz="8640" b="0" u="none" strike="noStrike">
                 <a:solidFill>
                   <a:schemeClr val="dk1"/>
                 </a:solidFill>
@@ -4149,7 +4298,7 @@
               </a:rPr>
               <a:t>Fourth level</a:t>
             </a:r>
-            <a:endParaRPr b="0" lang="en-US" sz="8640" strike="noStrike" u="none">
+            <a:endParaRPr lang="en-US" sz="8640" b="0" u="none" strike="noStrike">
               <a:solidFill>
                 <a:srgbClr val="000000"/>
               </a:solidFill>
@@ -4159,7 +4308,7 @@
             </a:endParaRPr>
           </a:p>
           <a:p>
-            <a:pPr lvl="4" marL="9875520" indent="-1097280" defTabSz="4389120">
+            <a:pPr marL="9875520" lvl="4" indent="-1097280" defTabSz="4389120">
               <a:lnSpc>
                 <a:spcPct val="90000"/>
               </a:lnSpc>
@@ -4173,7 +4322,7 @@
               <a:buChar char="•"/>
             </a:pPr>
             <a:r>
-              <a:rPr b="0" lang="en-US" sz="8640" strike="noStrike" u="none">
+              <a:rPr lang="en-US" sz="8640" b="0" u="none" strike="noStrike">
                 <a:solidFill>
                   <a:schemeClr val="dk1"/>
                 </a:solidFill>
@@ -4183,7 +4332,7 @@
               </a:rPr>
               <a:t>Fifth level</a:t>
             </a:r>
-            <a:endParaRPr b="0" lang="en-US" sz="8640" strike="noStrike" u="none">
+            <a:endParaRPr lang="en-US" sz="8640" b="0" u="none" strike="noStrike">
               <a:solidFill>
                 <a:srgbClr val="000000"/>
               </a:solidFill>
@@ -4218,7 +4367,7 @@
           </a:ln>
         </p:spPr>
         <p:txBody>
-          <a:bodyPr lIns="91440" rIns="91440" tIns="45720" bIns="45720" anchor="ctr">
+          <a:bodyPr lIns="91440" tIns="45720" rIns="91440" bIns="45720" anchor="ctr">
             <a:noAutofit/>
           </a:bodyPr>
           <a:lstStyle>
@@ -4228,9 +4377,9 @@
               </a:lnSpc>
               <a:buNone/>
               <a:tabLst>
-                <a:tab algn="l" pos="0"/>
+                <a:tab pos="0" algn="l"/>
               </a:tabLst>
-              <a:defRPr b="0" lang="en-US" sz="5760" strike="noStrike" u="none">
+              <a:defRPr lang="en-US" sz="5760" b="0" u="none" strike="noStrike">
                 <a:solidFill>
                   <a:schemeClr val="dk1">
                     <a:tint val="82000"/>
@@ -4249,11 +4398,11 @@
               </a:lnSpc>
               <a:buNone/>
               <a:tabLst>
-                <a:tab algn="l" pos="0"/>
+                <a:tab pos="0" algn="l"/>
               </a:tabLst>
             </a:pPr>
             <a:r>
-              <a:rPr b="0" lang="en-US" sz="5760" strike="noStrike" u="none">
+              <a:rPr lang="en-US" sz="5760" b="0" u="none" strike="noStrike">
                 <a:solidFill>
                   <a:schemeClr val="dk1">
                     <a:tint val="82000"/>
@@ -4265,7 +4414,7 @@
               </a:rPr>
               <a:t>&lt;date/time&gt;</a:t>
             </a:r>
-            <a:endParaRPr b="0" lang="en-US" sz="5760" strike="noStrike" u="none">
+            <a:endParaRPr lang="en-US" sz="5760" b="0" u="none" strike="noStrike">
               <a:solidFill>
                 <a:srgbClr val="000000"/>
               </a:solidFill>
@@ -4300,7 +4449,7 @@
           </a:ln>
         </p:spPr>
         <p:txBody>
-          <a:bodyPr lIns="91440" rIns="91440" tIns="45720" bIns="45720" anchor="ctr">
+          <a:bodyPr lIns="91440" tIns="45720" rIns="91440" bIns="45720" anchor="ctr">
             <a:noAutofit/>
           </a:bodyPr>
           <a:lstStyle>
@@ -4310,9 +4459,9 @@
               </a:lnSpc>
               <a:buNone/>
               <a:tabLst>
-                <a:tab algn="l" pos="0"/>
+                <a:tab pos="0" algn="l"/>
               </a:tabLst>
-              <a:defRPr b="0" lang="en-US" sz="1400" strike="noStrike" u="none">
+              <a:defRPr lang="en-US" sz="1400" b="0" u="none" strike="noStrike">
                 <a:solidFill>
                   <a:srgbClr val="000000"/>
                 </a:solidFill>
@@ -4329,11 +4478,11 @@
               </a:lnSpc>
               <a:buNone/>
               <a:tabLst>
-                <a:tab algn="l" pos="0"/>
+                <a:tab pos="0" algn="l"/>
               </a:tabLst>
             </a:pPr>
             <a:r>
-              <a:rPr b="0" lang="en-US" sz="1400" strike="noStrike" u="none">
+              <a:rPr lang="en-US" sz="1400" b="0" u="none" strike="noStrike">
                 <a:solidFill>
                   <a:srgbClr val="000000"/>
                 </a:solidFill>
@@ -4343,14 +4492,6 @@
               </a:rPr>
               <a:t>&lt;footer&gt;</a:t>
             </a:r>
-            <a:endParaRPr b="0" lang="en-US" sz="1400" strike="noStrike" u="none">
-              <a:solidFill>
-                <a:srgbClr val="000000"/>
-              </a:solidFill>
-              <a:effectLst/>
-              <a:uFillTx/>
-              <a:latin typeface="Times New Roman"/>
-            </a:endParaRPr>
           </a:p>
         </p:txBody>
       </p:sp>
@@ -4378,7 +4519,7 @@
           </a:ln>
         </p:spPr>
         <p:txBody>
-          <a:bodyPr lIns="91440" rIns="91440" tIns="45720" bIns="45720" anchor="ctr">
+          <a:bodyPr lIns="91440" tIns="45720" rIns="91440" bIns="45720" anchor="ctr">
             <a:noAutofit/>
           </a:bodyPr>
           <a:lstStyle>
@@ -4388,9 +4529,9 @@
               </a:lnSpc>
               <a:buNone/>
               <a:tabLst>
-                <a:tab algn="l" pos="0"/>
+                <a:tab pos="0" algn="l"/>
               </a:tabLst>
-              <a:defRPr b="0" lang="en-US" sz="5760" strike="noStrike" u="none">
+              <a:defRPr lang="en-US" sz="5760" b="0" u="none" strike="noStrike">
                 <a:solidFill>
                   <a:schemeClr val="dk1">
                     <a:tint val="82000"/>
@@ -4409,11 +4550,11 @@
               </a:lnSpc>
               <a:buNone/>
               <a:tabLst>
-                <a:tab algn="l" pos="0"/>
+                <a:tab pos="0" algn="l"/>
               </a:tabLst>
             </a:pPr>
             <a:fld id="{6DDA2445-86FE-4DAD-930C-0C9C628EA1E3}" type="slidenum">
-              <a:rPr b="0" lang="en-US" sz="5760" strike="noStrike" u="none">
+              <a:rPr lang="en-US" sz="5760" b="0" u="none" strike="noStrike">
                 <a:solidFill>
                   <a:schemeClr val="dk1">
                     <a:tint val="82000"/>
@@ -4423,9 +4564,9 @@
                 <a:uFillTx/>
                 <a:latin typeface="Aptos"/>
               </a:rPr>
-              <a:t>&lt;number&gt;</a:t>
+              <a:t>‹#›</a:t>
             </a:fld>
-            <a:endParaRPr b="0" lang="en-US" sz="5760" strike="noStrike" u="none">
+            <a:endParaRPr lang="en-US" sz="5760" b="0" u="none" strike="noStrike">
               <a:solidFill>
                 <a:srgbClr val="000000"/>
               </a:solidFill>
@@ -4438,17 +4579,21 @@
       </p:sp>
     </p:spTree>
   </p:cSld>
+  <p:clrMapOvr>
+    <a:masterClrMapping/>
+  </p:clrMapOvr>
 </p:sldLayout>
 </file>
 
 <file path=ppt/slideLayouts/slideLayout7.xml><?xml version="1.0" encoding="utf-8"?>
-<p:sldLayout xmlns:a="http://schemas.openxmlformats.org/drawingml/2006/main" xmlns:p="http://schemas.openxmlformats.org/presentationml/2006/main" xmlns:r="http://schemas.openxmlformats.org/officeDocument/2006/relationships" xmlns:p14="http://schemas.microsoft.com/office/powerpoint/2010/main" xmlns:p15="http://schemas.microsoft.com/office/powerpoint/2012/main" xmlns:mc="http://schemas.openxmlformats.org/markup-compatibility/2006" type="obj" preserve="1">
+<p:sldLayout xmlns:a="http://schemas.openxmlformats.org/drawingml/2006/main" xmlns:r="http://schemas.openxmlformats.org/officeDocument/2006/relationships" xmlns:p="http://schemas.openxmlformats.org/presentationml/2006/main" type="obj" preserve="1">
   <p:cSld name="Title and Content">
     <p:bg>
       <p:bgPr>
         <a:solidFill>
-          <a:srgbClr val="ffffff"/>
+          <a:srgbClr val="FFFFFF"/>
         </a:solidFill>
+        <a:effectLst/>
       </p:bgPr>
     </p:bg>
     <p:spTree>
@@ -4489,9 +4634,10 @@
           </a:ln>
         </p:spPr>
         <p:txBody>
-          <a:bodyPr lIns="91440" rIns="91440" tIns="45720" bIns="45720" anchor="ctr">
+          <a:bodyPr lIns="91440" tIns="45720" rIns="91440" bIns="45720" anchor="ctr">
             <a:noAutofit/>
           </a:bodyPr>
+          <a:lstStyle/>
           <a:p>
             <a:pPr indent="0" defTabSz="4389120">
               <a:lnSpc>
@@ -4499,11 +4645,11 @@
               </a:lnSpc>
               <a:buNone/>
               <a:tabLst>
-                <a:tab algn="l" pos="0"/>
+                <a:tab pos="0" algn="l"/>
               </a:tabLst>
             </a:pPr>
             <a:r>
-              <a:rPr b="0" lang="en-US" sz="21120" strike="noStrike" u="none">
+              <a:rPr lang="en-US" sz="21120" b="0" u="none" strike="noStrike">
                 <a:solidFill>
                   <a:schemeClr val="dk1"/>
                 </a:solidFill>
@@ -4513,7 +4659,7 @@
               </a:rPr>
               <a:t>Click to edit Master title style</a:t>
             </a:r>
-            <a:endParaRPr b="0" lang="en-US" sz="21120" strike="noStrike" u="none">
+            <a:endParaRPr lang="en-US" sz="21120" b="0" u="none" strike="noStrike">
               <a:solidFill>
                 <a:srgbClr val="000000"/>
               </a:solidFill>
@@ -4548,9 +4694,10 @@
           </a:ln>
         </p:spPr>
         <p:txBody>
-          <a:bodyPr lIns="91440" rIns="91440" tIns="45720" bIns="45720" anchor="t">
+          <a:bodyPr lIns="91440" tIns="45720" rIns="91440" bIns="45720" anchor="t">
             <a:noAutofit/>
           </a:bodyPr>
+          <a:lstStyle/>
           <a:p>
             <a:pPr marL="1097280" indent="-1097280" defTabSz="4389120">
               <a:lnSpc>
@@ -4566,7 +4713,7 @@
               <a:buChar char="•"/>
             </a:pPr>
             <a:r>
-              <a:rPr b="0" lang="en-US" sz="13439" strike="noStrike" u="none">
+              <a:rPr lang="en-US" sz="13439" b="0" u="none" strike="noStrike">
                 <a:solidFill>
                   <a:schemeClr val="dk1"/>
                 </a:solidFill>
@@ -4576,7 +4723,7 @@
               </a:rPr>
               <a:t>Click to edit Master text styles</a:t>
             </a:r>
-            <a:endParaRPr b="0" lang="en-US" sz="13439" strike="noStrike" u="none">
+            <a:endParaRPr lang="en-US" sz="13439" b="0" u="none" strike="noStrike">
               <a:solidFill>
                 <a:srgbClr val="000000"/>
               </a:solidFill>
@@ -4586,7 +4733,7 @@
             </a:endParaRPr>
           </a:p>
           <a:p>
-            <a:pPr lvl="1" marL="3291840" indent="-1097280" defTabSz="4389120">
+            <a:pPr marL="3291840" lvl="1" indent="-1097280" defTabSz="4389120">
               <a:lnSpc>
                 <a:spcPct val="90000"/>
               </a:lnSpc>
@@ -4600,7 +4747,7 @@
               <a:buChar char="•"/>
             </a:pPr>
             <a:r>
-              <a:rPr b="0" lang="en-US" sz="11520" strike="noStrike" u="none">
+              <a:rPr lang="en-US" sz="11520" b="0" u="none" strike="noStrike">
                 <a:solidFill>
                   <a:schemeClr val="dk1"/>
                 </a:solidFill>
@@ -4610,7 +4757,7 @@
               </a:rPr>
               <a:t>Second level</a:t>
             </a:r>
-            <a:endParaRPr b="0" lang="en-US" sz="11520" strike="noStrike" u="none">
+            <a:endParaRPr lang="en-US" sz="11520" b="0" u="none" strike="noStrike">
               <a:solidFill>
                 <a:srgbClr val="000000"/>
               </a:solidFill>
@@ -4620,7 +4767,7 @@
             </a:endParaRPr>
           </a:p>
           <a:p>
-            <a:pPr lvl="2" marL="5486400" indent="-1097280" defTabSz="4389120">
+            <a:pPr marL="5486400" lvl="2" indent="-1097280" defTabSz="4389120">
               <a:lnSpc>
                 <a:spcPct val="90000"/>
               </a:lnSpc>
@@ -4634,7 +4781,7 @@
               <a:buChar char="•"/>
             </a:pPr>
             <a:r>
-              <a:rPr b="0" lang="en-US" sz="9600" strike="noStrike" u="none">
+              <a:rPr lang="en-US" sz="9600" b="0" u="none" strike="noStrike">
                 <a:solidFill>
                   <a:schemeClr val="dk1"/>
                 </a:solidFill>
@@ -4644,7 +4791,7 @@
               </a:rPr>
               <a:t>Third level</a:t>
             </a:r>
-            <a:endParaRPr b="0" lang="en-US" sz="9600" strike="noStrike" u="none">
+            <a:endParaRPr lang="en-US" sz="9600" b="0" u="none" strike="noStrike">
               <a:solidFill>
                 <a:srgbClr val="000000"/>
               </a:solidFill>
@@ -4654,7 +4801,7 @@
             </a:endParaRPr>
           </a:p>
           <a:p>
-            <a:pPr lvl="3" marL="7680960" indent="-1097280" defTabSz="4389120">
+            <a:pPr marL="7680960" lvl="3" indent="-1097280" defTabSz="4389120">
               <a:lnSpc>
                 <a:spcPct val="90000"/>
               </a:lnSpc>
@@ -4668,7 +4815,7 @@
               <a:buChar char="•"/>
             </a:pPr>
             <a:r>
-              <a:rPr b="0" lang="en-US" sz="8640" strike="noStrike" u="none">
+              <a:rPr lang="en-US" sz="8640" b="0" u="none" strike="noStrike">
                 <a:solidFill>
                   <a:schemeClr val="dk1"/>
                 </a:solidFill>
@@ -4678,7 +4825,7 @@
               </a:rPr>
               <a:t>Fourth level</a:t>
             </a:r>
-            <a:endParaRPr b="0" lang="en-US" sz="8640" strike="noStrike" u="none">
+            <a:endParaRPr lang="en-US" sz="8640" b="0" u="none" strike="noStrike">
               <a:solidFill>
                 <a:srgbClr val="000000"/>
               </a:solidFill>
@@ -4688,7 +4835,7 @@
             </a:endParaRPr>
           </a:p>
           <a:p>
-            <a:pPr lvl="4" marL="9875520" indent="-1097280" defTabSz="4389120">
+            <a:pPr marL="9875520" lvl="4" indent="-1097280" defTabSz="4389120">
               <a:lnSpc>
                 <a:spcPct val="90000"/>
               </a:lnSpc>
@@ -4702,7 +4849,7 @@
               <a:buChar char="•"/>
             </a:pPr>
             <a:r>
-              <a:rPr b="0" lang="en-US" sz="8640" strike="noStrike" u="none">
+              <a:rPr lang="en-US" sz="8640" b="0" u="none" strike="noStrike">
                 <a:solidFill>
                   <a:schemeClr val="dk1"/>
                 </a:solidFill>
@@ -4712,7 +4859,7 @@
               </a:rPr>
               <a:t>Fifth level</a:t>
             </a:r>
-            <a:endParaRPr b="0" lang="en-US" sz="8640" strike="noStrike" u="none">
+            <a:endParaRPr lang="en-US" sz="8640" b="0" u="none" strike="noStrike">
               <a:solidFill>
                 <a:srgbClr val="000000"/>
               </a:solidFill>
@@ -4747,7 +4894,7 @@
           </a:ln>
         </p:spPr>
         <p:txBody>
-          <a:bodyPr lIns="91440" rIns="91440" tIns="45720" bIns="45720" anchor="ctr">
+          <a:bodyPr lIns="91440" tIns="45720" rIns="91440" bIns="45720" anchor="ctr">
             <a:noAutofit/>
           </a:bodyPr>
           <a:lstStyle>
@@ -4757,9 +4904,9 @@
               </a:lnSpc>
               <a:buNone/>
               <a:tabLst>
-                <a:tab algn="l" pos="0"/>
+                <a:tab pos="0" algn="l"/>
               </a:tabLst>
-              <a:defRPr b="0" lang="en-US" sz="5760" strike="noStrike" u="none">
+              <a:defRPr lang="en-US" sz="5760" b="0" u="none" strike="noStrike">
                 <a:solidFill>
                   <a:schemeClr val="dk1">
                     <a:tint val="82000"/>
@@ -4778,11 +4925,11 @@
               </a:lnSpc>
               <a:buNone/>
               <a:tabLst>
-                <a:tab algn="l" pos="0"/>
+                <a:tab pos="0" algn="l"/>
               </a:tabLst>
             </a:pPr>
             <a:r>
-              <a:rPr b="0" lang="en-US" sz="5760" strike="noStrike" u="none">
+              <a:rPr lang="en-US" sz="5760" b="0" u="none" strike="noStrike">
                 <a:solidFill>
                   <a:schemeClr val="dk1">
                     <a:tint val="82000"/>
@@ -4794,7 +4941,7 @@
               </a:rPr>
               <a:t>&lt;date/time&gt;</a:t>
             </a:r>
-            <a:endParaRPr b="0" lang="en-US" sz="5760" strike="noStrike" u="none">
+            <a:endParaRPr lang="en-US" sz="5760" b="0" u="none" strike="noStrike">
               <a:solidFill>
                 <a:srgbClr val="000000"/>
               </a:solidFill>
@@ -4829,7 +4976,7 @@
           </a:ln>
         </p:spPr>
         <p:txBody>
-          <a:bodyPr lIns="91440" rIns="91440" tIns="45720" bIns="45720" anchor="ctr">
+          <a:bodyPr lIns="91440" tIns="45720" rIns="91440" bIns="45720" anchor="ctr">
             <a:noAutofit/>
           </a:bodyPr>
           <a:lstStyle>
@@ -4839,9 +4986,9 @@
               </a:lnSpc>
               <a:buNone/>
               <a:tabLst>
-                <a:tab algn="l" pos="0"/>
+                <a:tab pos="0" algn="l"/>
               </a:tabLst>
-              <a:defRPr b="0" lang="en-US" sz="1400" strike="noStrike" u="none">
+              <a:defRPr lang="en-US" sz="1400" b="0" u="none" strike="noStrike">
                 <a:solidFill>
                   <a:srgbClr val="000000"/>
                 </a:solidFill>
@@ -4858,11 +5005,11 @@
               </a:lnSpc>
               <a:buNone/>
               <a:tabLst>
-                <a:tab algn="l" pos="0"/>
+                <a:tab pos="0" algn="l"/>
               </a:tabLst>
             </a:pPr>
             <a:r>
-              <a:rPr b="0" lang="en-US" sz="1400" strike="noStrike" u="none">
+              <a:rPr lang="en-US" sz="1400" b="0" u="none" strike="noStrike">
                 <a:solidFill>
                   <a:srgbClr val="000000"/>
                 </a:solidFill>
@@ -4872,14 +5019,6 @@
               </a:rPr>
               <a:t>&lt;footer&gt;</a:t>
             </a:r>
-            <a:endParaRPr b="0" lang="en-US" sz="1400" strike="noStrike" u="none">
-              <a:solidFill>
-                <a:srgbClr val="000000"/>
-              </a:solidFill>
-              <a:effectLst/>
-              <a:uFillTx/>
-              <a:latin typeface="Times New Roman"/>
-            </a:endParaRPr>
           </a:p>
         </p:txBody>
       </p:sp>
@@ -4907,7 +5046,7 @@
           </a:ln>
         </p:spPr>
         <p:txBody>
-          <a:bodyPr lIns="91440" rIns="91440" tIns="45720" bIns="45720" anchor="ctr">
+          <a:bodyPr lIns="91440" tIns="45720" rIns="91440" bIns="45720" anchor="ctr">
             <a:noAutofit/>
           </a:bodyPr>
           <a:lstStyle>
@@ -4917,9 +5056,9 @@
               </a:lnSpc>
               <a:buNone/>
               <a:tabLst>
-                <a:tab algn="l" pos="0"/>
+                <a:tab pos="0" algn="l"/>
               </a:tabLst>
-              <a:defRPr b="0" lang="en-US" sz="5760" strike="noStrike" u="none">
+              <a:defRPr lang="en-US" sz="5760" b="0" u="none" strike="noStrike">
                 <a:solidFill>
                   <a:schemeClr val="dk1">
                     <a:tint val="82000"/>
@@ -4938,11 +5077,11 @@
               </a:lnSpc>
               <a:buNone/>
               <a:tabLst>
-                <a:tab algn="l" pos="0"/>
+                <a:tab pos="0" algn="l"/>
               </a:tabLst>
             </a:pPr>
             <a:fld id="{A57C6B06-8462-4428-B249-59C10A8D04F5}" type="slidenum">
-              <a:rPr b="0" lang="en-US" sz="5760" strike="noStrike" u="none">
+              <a:rPr lang="en-US" sz="5760" b="0" u="none" strike="noStrike">
                 <a:solidFill>
                   <a:schemeClr val="dk1">
                     <a:tint val="82000"/>
@@ -4952,9 +5091,9 @@
                 <a:uFillTx/>
                 <a:latin typeface="Aptos"/>
               </a:rPr>
-              <a:t>&lt;number&gt;</a:t>
+              <a:t>‹#›</a:t>
             </a:fld>
-            <a:endParaRPr b="0" lang="en-US" sz="5760" strike="noStrike" u="none">
+            <a:endParaRPr lang="en-US" sz="5760" b="0" u="none" strike="noStrike">
               <a:solidFill>
                 <a:srgbClr val="000000"/>
               </a:solidFill>
@@ -4967,17 +5106,21 @@
       </p:sp>
     </p:spTree>
   </p:cSld>
+  <p:clrMapOvr>
+    <a:masterClrMapping/>
+  </p:clrMapOvr>
 </p:sldLayout>
 </file>
 
 <file path=ppt/slideLayouts/slideLayout8.xml><?xml version="1.0" encoding="utf-8"?>
-<p:sldLayout xmlns:a="http://schemas.openxmlformats.org/drawingml/2006/main" xmlns:p="http://schemas.openxmlformats.org/presentationml/2006/main" xmlns:r="http://schemas.openxmlformats.org/officeDocument/2006/relationships" xmlns:p14="http://schemas.microsoft.com/office/powerpoint/2010/main" xmlns:p15="http://schemas.microsoft.com/office/powerpoint/2012/main" xmlns:mc="http://schemas.openxmlformats.org/markup-compatibility/2006" type="blank" preserve="1">
+<p:sldLayout xmlns:a="http://schemas.openxmlformats.org/drawingml/2006/main" xmlns:r="http://schemas.openxmlformats.org/officeDocument/2006/relationships" xmlns:p="http://schemas.openxmlformats.org/presentationml/2006/main" type="blank" preserve="1">
   <p:cSld name="Section Header">
     <p:bg>
       <p:bgPr>
         <a:solidFill>
-          <a:srgbClr val="ffffff"/>
+          <a:srgbClr val="FFFFFF"/>
         </a:solidFill>
+        <a:effectLst/>
       </p:bgPr>
     </p:bg>
     <p:spTree>
@@ -5018,9 +5161,10 @@
           </a:ln>
         </p:spPr>
         <p:txBody>
-          <a:bodyPr lIns="91440" rIns="91440" tIns="45720" bIns="45720" anchor="b">
+          <a:bodyPr lIns="91440" tIns="45720" rIns="91440" bIns="45720" anchor="b">
             <a:noAutofit/>
           </a:bodyPr>
+          <a:lstStyle/>
           <a:p>
             <a:pPr indent="0" defTabSz="4389120">
               <a:lnSpc>
@@ -5028,11 +5172,11 @@
               </a:lnSpc>
               <a:buNone/>
               <a:tabLst>
-                <a:tab algn="l" pos="0"/>
+                <a:tab pos="0" algn="l"/>
               </a:tabLst>
             </a:pPr>
             <a:r>
-              <a:rPr b="0" lang="en-US" sz="28800" strike="noStrike" u="none">
+              <a:rPr lang="en-US" sz="28800" b="0" u="none" strike="noStrike">
                 <a:solidFill>
                   <a:schemeClr val="dk1"/>
                 </a:solidFill>
@@ -5042,7 +5186,7 @@
               </a:rPr>
               <a:t>Click to edit Master title style</a:t>
             </a:r>
-            <a:endParaRPr b="0" lang="en-US" sz="28800" strike="noStrike" u="none">
+            <a:endParaRPr lang="en-US" sz="28800" b="0" u="none" strike="noStrike">
               <a:solidFill>
                 <a:srgbClr val="000000"/>
               </a:solidFill>
@@ -5077,9 +5221,10 @@
           </a:ln>
         </p:spPr>
         <p:txBody>
-          <a:bodyPr lIns="91440" rIns="91440" tIns="45720" bIns="45720" anchor="t">
+          <a:bodyPr lIns="91440" tIns="45720" rIns="91440" bIns="45720" anchor="t">
             <a:noAutofit/>
           </a:bodyPr>
+          <a:lstStyle/>
           <a:p>
             <a:pPr indent="0" defTabSz="4389120">
               <a:lnSpc>
@@ -5090,11 +5235,11 @@
               </a:spcBef>
               <a:buNone/>
               <a:tabLst>
-                <a:tab algn="l" pos="0"/>
+                <a:tab pos="0" algn="l"/>
               </a:tabLst>
             </a:pPr>
             <a:r>
-              <a:rPr b="0" lang="en-US" sz="11520" strike="noStrike" u="none">
+              <a:rPr lang="en-US" sz="11520" b="0" u="none" strike="noStrike">
                 <a:solidFill>
                   <a:schemeClr val="dk1">
                     <a:tint val="82000"/>
@@ -5106,7 +5251,7 @@
               </a:rPr>
               <a:t>Click to edit Master text styles</a:t>
             </a:r>
-            <a:endParaRPr b="0" lang="en-US" sz="11520" strike="noStrike" u="none">
+            <a:endParaRPr lang="en-US" sz="11520" b="0" u="none" strike="noStrike">
               <a:solidFill>
                 <a:srgbClr val="000000"/>
               </a:solidFill>
@@ -5141,7 +5286,7 @@
           </a:ln>
         </p:spPr>
         <p:txBody>
-          <a:bodyPr lIns="91440" rIns="91440" tIns="45720" bIns="45720" anchor="ctr">
+          <a:bodyPr lIns="91440" tIns="45720" rIns="91440" bIns="45720" anchor="ctr">
             <a:noAutofit/>
           </a:bodyPr>
           <a:lstStyle>
@@ -5151,9 +5296,9 @@
               </a:lnSpc>
               <a:buNone/>
               <a:tabLst>
-                <a:tab algn="l" pos="0"/>
+                <a:tab pos="0" algn="l"/>
               </a:tabLst>
-              <a:defRPr b="0" lang="en-US" sz="5760" strike="noStrike" u="none">
+              <a:defRPr lang="en-US" sz="5760" b="0" u="none" strike="noStrike">
                 <a:solidFill>
                   <a:schemeClr val="dk1">
                     <a:tint val="82000"/>
@@ -5172,11 +5317,11 @@
               </a:lnSpc>
               <a:buNone/>
               <a:tabLst>
-                <a:tab algn="l" pos="0"/>
+                <a:tab pos="0" algn="l"/>
               </a:tabLst>
             </a:pPr>
             <a:r>
-              <a:rPr b="0" lang="en-US" sz="5760" strike="noStrike" u="none">
+              <a:rPr lang="en-US" sz="5760" b="0" u="none" strike="noStrike">
                 <a:solidFill>
                   <a:schemeClr val="dk1">
                     <a:tint val="82000"/>
@@ -5188,7 +5333,7 @@
               </a:rPr>
               <a:t>&lt;date/time&gt;</a:t>
             </a:r>
-            <a:endParaRPr b="0" lang="en-US" sz="5760" strike="noStrike" u="none">
+            <a:endParaRPr lang="en-US" sz="5760" b="0" u="none" strike="noStrike">
               <a:solidFill>
                 <a:srgbClr val="000000"/>
               </a:solidFill>
@@ -5223,7 +5368,7 @@
           </a:ln>
         </p:spPr>
         <p:txBody>
-          <a:bodyPr lIns="91440" rIns="91440" tIns="45720" bIns="45720" anchor="ctr">
+          <a:bodyPr lIns="91440" tIns="45720" rIns="91440" bIns="45720" anchor="ctr">
             <a:noAutofit/>
           </a:bodyPr>
           <a:lstStyle>
@@ -5233,9 +5378,9 @@
               </a:lnSpc>
               <a:buNone/>
               <a:tabLst>
-                <a:tab algn="l" pos="0"/>
+                <a:tab pos="0" algn="l"/>
               </a:tabLst>
-              <a:defRPr b="0" lang="en-US" sz="1400" strike="noStrike" u="none">
+              <a:defRPr lang="en-US" sz="1400" b="0" u="none" strike="noStrike">
                 <a:solidFill>
                   <a:srgbClr val="000000"/>
                 </a:solidFill>
@@ -5252,11 +5397,11 @@
               </a:lnSpc>
               <a:buNone/>
               <a:tabLst>
-                <a:tab algn="l" pos="0"/>
+                <a:tab pos="0" algn="l"/>
               </a:tabLst>
             </a:pPr>
             <a:r>
-              <a:rPr b="0" lang="en-US" sz="1400" strike="noStrike" u="none">
+              <a:rPr lang="en-US" sz="1400" b="0" u="none" strike="noStrike">
                 <a:solidFill>
                   <a:srgbClr val="000000"/>
                 </a:solidFill>
@@ -5266,14 +5411,6 @@
               </a:rPr>
               <a:t>&lt;footer&gt;</a:t>
             </a:r>
-            <a:endParaRPr b="0" lang="en-US" sz="1400" strike="noStrike" u="none">
-              <a:solidFill>
-                <a:srgbClr val="000000"/>
-              </a:solidFill>
-              <a:effectLst/>
-              <a:uFillTx/>
-              <a:latin typeface="Times New Roman"/>
-            </a:endParaRPr>
           </a:p>
         </p:txBody>
       </p:sp>
@@ -5301,7 +5438,7 @@
           </a:ln>
         </p:spPr>
         <p:txBody>
-          <a:bodyPr lIns="91440" rIns="91440" tIns="45720" bIns="45720" anchor="ctr">
+          <a:bodyPr lIns="91440" tIns="45720" rIns="91440" bIns="45720" anchor="ctr">
             <a:noAutofit/>
           </a:bodyPr>
           <a:lstStyle>
@@ -5311,9 +5448,9 @@
               </a:lnSpc>
               <a:buNone/>
               <a:tabLst>
-                <a:tab algn="l" pos="0"/>
+                <a:tab pos="0" algn="l"/>
               </a:tabLst>
-              <a:defRPr b="0" lang="en-US" sz="5760" strike="noStrike" u="none">
+              <a:defRPr lang="en-US" sz="5760" b="0" u="none" strike="noStrike">
                 <a:solidFill>
                   <a:schemeClr val="dk1">
                     <a:tint val="82000"/>
@@ -5332,11 +5469,11 @@
               </a:lnSpc>
               <a:buNone/>
               <a:tabLst>
-                <a:tab algn="l" pos="0"/>
+                <a:tab pos="0" algn="l"/>
               </a:tabLst>
             </a:pPr>
             <a:fld id="{815275C7-8FBF-4290-B9BB-5257993B04C6}" type="slidenum">
-              <a:rPr b="0" lang="en-US" sz="5760" strike="noStrike" u="none">
+              <a:rPr lang="en-US" sz="5760" b="0" u="none" strike="noStrike">
                 <a:solidFill>
                   <a:schemeClr val="dk1">
                     <a:tint val="82000"/>
@@ -5346,9 +5483,9 @@
                 <a:uFillTx/>
                 <a:latin typeface="Aptos"/>
               </a:rPr>
-              <a:t>&lt;number&gt;</a:t>
+              <a:t>‹#›</a:t>
             </a:fld>
-            <a:endParaRPr b="0" lang="en-US" sz="5760" strike="noStrike" u="none">
+            <a:endParaRPr lang="en-US" sz="5760" b="0" u="none" strike="noStrike">
               <a:solidFill>
                 <a:srgbClr val="000000"/>
               </a:solidFill>
@@ -5361,17 +5498,21 @@
       </p:sp>
     </p:spTree>
   </p:cSld>
+  <p:clrMapOvr>
+    <a:masterClrMapping/>
+  </p:clrMapOvr>
 </p:sldLayout>
 </file>
 
 <file path=ppt/slideLayouts/slideLayout9.xml><?xml version="1.0" encoding="utf-8"?>
-<p:sldLayout xmlns:a="http://schemas.openxmlformats.org/drawingml/2006/main" xmlns:p="http://schemas.openxmlformats.org/presentationml/2006/main" xmlns:r="http://schemas.openxmlformats.org/officeDocument/2006/relationships" xmlns:p14="http://schemas.microsoft.com/office/powerpoint/2010/main" xmlns:p15="http://schemas.microsoft.com/office/powerpoint/2012/main" xmlns:mc="http://schemas.openxmlformats.org/markup-compatibility/2006" type="twoObj" preserve="1">
+<p:sldLayout xmlns:a="http://schemas.openxmlformats.org/drawingml/2006/main" xmlns:r="http://schemas.openxmlformats.org/officeDocument/2006/relationships" xmlns:p="http://schemas.openxmlformats.org/presentationml/2006/main" type="twoObj" preserve="1">
   <p:cSld name="Two Content">
     <p:bg>
       <p:bgPr>
         <a:solidFill>
-          <a:srgbClr val="ffffff"/>
+          <a:srgbClr val="FFFFFF"/>
         </a:solidFill>
+        <a:effectLst/>
       </p:bgPr>
     </p:bg>
     <p:spTree>
@@ -5412,9 +5553,10 @@
           </a:ln>
         </p:spPr>
         <p:txBody>
-          <a:bodyPr lIns="91440" rIns="91440" tIns="45720" bIns="45720" anchor="ctr">
+          <a:bodyPr lIns="91440" tIns="45720" rIns="91440" bIns="45720" anchor="ctr">
             <a:noAutofit/>
           </a:bodyPr>
+          <a:lstStyle/>
           <a:p>
             <a:pPr indent="0" defTabSz="4389120">
               <a:lnSpc>
@@ -5422,11 +5564,11 @@
               </a:lnSpc>
               <a:buNone/>
               <a:tabLst>
-                <a:tab algn="l" pos="0"/>
+                <a:tab pos="0" algn="l"/>
               </a:tabLst>
             </a:pPr>
             <a:r>
-              <a:rPr b="0" lang="en-US" sz="21120" strike="noStrike" u="none">
+              <a:rPr lang="en-US" sz="21120" b="0" u="none" strike="noStrike">
                 <a:solidFill>
                   <a:schemeClr val="dk1"/>
                 </a:solidFill>
@@ -5436,7 +5578,7 @@
               </a:rPr>
               <a:t>Click to edit Master title style</a:t>
             </a:r>
-            <a:endParaRPr b="0" lang="en-US" sz="21120" strike="noStrike" u="none">
+            <a:endParaRPr lang="en-US" sz="21120" b="0" u="none" strike="noStrike">
               <a:solidFill>
                 <a:srgbClr val="000000"/>
               </a:solidFill>
@@ -5471,9 +5613,10 @@
           </a:ln>
         </p:spPr>
         <p:txBody>
-          <a:bodyPr lIns="91440" rIns="91440" tIns="45720" bIns="45720" anchor="t">
+          <a:bodyPr lIns="91440" tIns="45720" rIns="91440" bIns="45720" anchor="t">
             <a:noAutofit/>
           </a:bodyPr>
+          <a:lstStyle/>
           <a:p>
             <a:pPr marL="1097280" indent="-1097280" defTabSz="4389120">
               <a:lnSpc>
@@ -5489,7 +5632,7 @@
               <a:buChar char="•"/>
             </a:pPr>
             <a:r>
-              <a:rPr b="0" lang="en-US" sz="13439" strike="noStrike" u="none">
+              <a:rPr lang="en-US" sz="13439" b="0" u="none" strike="noStrike">
                 <a:solidFill>
                   <a:schemeClr val="dk1"/>
                 </a:solidFill>
@@ -5499,7 +5642,7 @@
               </a:rPr>
               <a:t>Click to edit Master text styles</a:t>
             </a:r>
-            <a:endParaRPr b="0" lang="en-US" sz="13439" strike="noStrike" u="none">
+            <a:endParaRPr lang="en-US" sz="13439" b="0" u="none" strike="noStrike">
               <a:solidFill>
                 <a:srgbClr val="000000"/>
               </a:solidFill>
@@ -5509,7 +5652,7 @@
             </a:endParaRPr>
           </a:p>
           <a:p>
-            <a:pPr lvl="1" marL="3291840" indent="-1097280" defTabSz="4389120">
+            <a:pPr marL="3291840" lvl="1" indent="-1097280" defTabSz="4389120">
               <a:lnSpc>
                 <a:spcPct val="90000"/>
               </a:lnSpc>
@@ -5523,7 +5666,7 @@
               <a:buChar char="•"/>
             </a:pPr>
             <a:r>
-              <a:rPr b="0" lang="en-US" sz="11520" strike="noStrike" u="none">
+              <a:rPr lang="en-US" sz="11520" b="0" u="none" strike="noStrike">
                 <a:solidFill>
                   <a:schemeClr val="dk1"/>
                 </a:solidFill>
@@ -5533,7 +5676,7 @@
               </a:rPr>
               <a:t>Second level</a:t>
             </a:r>
-            <a:endParaRPr b="0" lang="en-US" sz="11520" strike="noStrike" u="none">
+            <a:endParaRPr lang="en-US" sz="11520" b="0" u="none" strike="noStrike">
               <a:solidFill>
                 <a:srgbClr val="000000"/>
               </a:solidFill>
@@ -5543,7 +5686,7 @@
             </a:endParaRPr>
           </a:p>
           <a:p>
-            <a:pPr lvl="2" marL="5486400" indent="-1097280" defTabSz="4389120">
+            <a:pPr marL="5486400" lvl="2" indent="-1097280" defTabSz="4389120">
               <a:lnSpc>
                 <a:spcPct val="90000"/>
               </a:lnSpc>
@@ -5557,7 +5700,7 @@
               <a:buChar char="•"/>
             </a:pPr>
             <a:r>
-              <a:rPr b="0" lang="en-US" sz="9600" strike="noStrike" u="none">
+              <a:rPr lang="en-US" sz="9600" b="0" u="none" strike="noStrike">
                 <a:solidFill>
                   <a:schemeClr val="dk1"/>
                 </a:solidFill>
@@ -5567,7 +5710,7 @@
               </a:rPr>
               <a:t>Third level</a:t>
             </a:r>
-            <a:endParaRPr b="0" lang="en-US" sz="9600" strike="noStrike" u="none">
+            <a:endParaRPr lang="en-US" sz="9600" b="0" u="none" strike="noStrike">
               <a:solidFill>
                 <a:srgbClr val="000000"/>
               </a:solidFill>
@@ -5577,7 +5720,7 @@
             </a:endParaRPr>
           </a:p>
           <a:p>
-            <a:pPr lvl="3" marL="7680960" indent="-1097280" defTabSz="4389120">
+            <a:pPr marL="7680960" lvl="3" indent="-1097280" defTabSz="4389120">
               <a:lnSpc>
                 <a:spcPct val="90000"/>
               </a:lnSpc>
@@ -5591,7 +5734,7 @@
               <a:buChar char="•"/>
             </a:pPr>
             <a:r>
-              <a:rPr b="0" lang="en-US" sz="8640" strike="noStrike" u="none">
+              <a:rPr lang="en-US" sz="8640" b="0" u="none" strike="noStrike">
                 <a:solidFill>
                   <a:schemeClr val="dk1"/>
                 </a:solidFill>
@@ -5601,7 +5744,7 @@
               </a:rPr>
               <a:t>Fourth level</a:t>
             </a:r>
-            <a:endParaRPr b="0" lang="en-US" sz="8640" strike="noStrike" u="none">
+            <a:endParaRPr lang="en-US" sz="8640" b="0" u="none" strike="noStrike">
               <a:solidFill>
                 <a:srgbClr val="000000"/>
               </a:solidFill>
@@ -5611,7 +5754,7 @@
             </a:endParaRPr>
           </a:p>
           <a:p>
-            <a:pPr lvl="4" marL="9875520" indent="-1097280" defTabSz="4389120">
+            <a:pPr marL="9875520" lvl="4" indent="-1097280" defTabSz="4389120">
               <a:lnSpc>
                 <a:spcPct val="90000"/>
               </a:lnSpc>
@@ -5625,7 +5768,7 @@
               <a:buChar char="•"/>
             </a:pPr>
             <a:r>
-              <a:rPr b="0" lang="en-US" sz="8640" strike="noStrike" u="none">
+              <a:rPr lang="en-US" sz="8640" b="0" u="none" strike="noStrike">
                 <a:solidFill>
                   <a:schemeClr val="dk1"/>
                 </a:solidFill>
@@ -5635,7 +5778,7 @@
               </a:rPr>
               <a:t>Fifth level</a:t>
             </a:r>
-            <a:endParaRPr b="0" lang="en-US" sz="8640" strike="noStrike" u="none">
+            <a:endParaRPr lang="en-US" sz="8640" b="0" u="none" strike="noStrike">
               <a:solidFill>
                 <a:srgbClr val="000000"/>
               </a:solidFill>
@@ -5670,9 +5813,10 @@
           </a:ln>
         </p:spPr>
         <p:txBody>
-          <a:bodyPr lIns="91440" rIns="91440" tIns="45720" bIns="45720" anchor="t">
+          <a:bodyPr lIns="91440" tIns="45720" rIns="91440" bIns="45720" anchor="t">
             <a:noAutofit/>
           </a:bodyPr>
+          <a:lstStyle/>
           <a:p>
             <a:pPr marL="1097280" indent="-1097280" defTabSz="4389120">
               <a:lnSpc>
@@ -5688,7 +5832,7 @@
               <a:buChar char="•"/>
             </a:pPr>
             <a:r>
-              <a:rPr b="0" lang="en-US" sz="13439" strike="noStrike" u="none">
+              <a:rPr lang="en-US" sz="13439" b="0" u="none" strike="noStrike">
                 <a:solidFill>
                   <a:schemeClr val="dk1"/>
                 </a:solidFill>
@@ -5698,7 +5842,7 @@
               </a:rPr>
               <a:t>Click to edit Master text styles</a:t>
             </a:r>
-            <a:endParaRPr b="0" lang="en-US" sz="13439" strike="noStrike" u="none">
+            <a:endParaRPr lang="en-US" sz="13439" b="0" u="none" strike="noStrike">
               <a:solidFill>
                 <a:srgbClr val="000000"/>
               </a:solidFill>
@@ -5708,7 +5852,7 @@
             </a:endParaRPr>
           </a:p>
           <a:p>
-            <a:pPr lvl="1" marL="3291840" indent="-1097280" defTabSz="4389120">
+            <a:pPr marL="3291840" lvl="1" indent="-1097280" defTabSz="4389120">
               <a:lnSpc>
                 <a:spcPct val="90000"/>
               </a:lnSpc>
@@ -5722,7 +5866,7 @@
               <a:buChar char="•"/>
             </a:pPr>
             <a:r>
-              <a:rPr b="0" lang="en-US" sz="11520" strike="noStrike" u="none">
+              <a:rPr lang="en-US" sz="11520" b="0" u="none" strike="noStrike">
                 <a:solidFill>
                   <a:schemeClr val="dk1"/>
                 </a:solidFill>
@@ -5732,7 +5876,7 @@
               </a:rPr>
               <a:t>Second level</a:t>
             </a:r>
-            <a:endParaRPr b="0" lang="en-US" sz="11520" strike="noStrike" u="none">
+            <a:endParaRPr lang="en-US" sz="11520" b="0" u="none" strike="noStrike">
               <a:solidFill>
                 <a:srgbClr val="000000"/>
               </a:solidFill>
@@ -5742,7 +5886,7 @@
             </a:endParaRPr>
           </a:p>
           <a:p>
-            <a:pPr lvl="2" marL="5486400" indent="-1097280" defTabSz="4389120">
+            <a:pPr marL="5486400" lvl="2" indent="-1097280" defTabSz="4389120">
               <a:lnSpc>
                 <a:spcPct val="90000"/>
               </a:lnSpc>
@@ -5756,7 +5900,7 @@
               <a:buChar char="•"/>
             </a:pPr>
             <a:r>
-              <a:rPr b="0" lang="en-US" sz="9600" strike="noStrike" u="none">
+              <a:rPr lang="en-US" sz="9600" b="0" u="none" strike="noStrike">
                 <a:solidFill>
                   <a:schemeClr val="dk1"/>
                 </a:solidFill>
@@ -5766,7 +5910,7 @@
               </a:rPr>
               <a:t>Third level</a:t>
             </a:r>
-            <a:endParaRPr b="0" lang="en-US" sz="9600" strike="noStrike" u="none">
+            <a:endParaRPr lang="en-US" sz="9600" b="0" u="none" strike="noStrike">
               <a:solidFill>
                 <a:srgbClr val="000000"/>
               </a:solidFill>
@@ -5776,7 +5920,7 @@
             </a:endParaRPr>
           </a:p>
           <a:p>
-            <a:pPr lvl="3" marL="7680960" indent="-1097280" defTabSz="4389120">
+            <a:pPr marL="7680960" lvl="3" indent="-1097280" defTabSz="4389120">
               <a:lnSpc>
                 <a:spcPct val="90000"/>
               </a:lnSpc>
@@ -5790,7 +5934,7 @@
               <a:buChar char="•"/>
             </a:pPr>
             <a:r>
-              <a:rPr b="0" lang="en-US" sz="8640" strike="noStrike" u="none">
+              <a:rPr lang="en-US" sz="8640" b="0" u="none" strike="noStrike">
                 <a:solidFill>
                   <a:schemeClr val="dk1"/>
                 </a:solidFill>
@@ -5800,7 +5944,7 @@
               </a:rPr>
               <a:t>Fourth level</a:t>
             </a:r>
-            <a:endParaRPr b="0" lang="en-US" sz="8640" strike="noStrike" u="none">
+            <a:endParaRPr lang="en-US" sz="8640" b="0" u="none" strike="noStrike">
               <a:solidFill>
                 <a:srgbClr val="000000"/>
               </a:solidFill>
@@ -5810,7 +5954,7 @@
             </a:endParaRPr>
           </a:p>
           <a:p>
-            <a:pPr lvl="4" marL="9875520" indent="-1097280" defTabSz="4389120">
+            <a:pPr marL="9875520" lvl="4" indent="-1097280" defTabSz="4389120">
               <a:lnSpc>
                 <a:spcPct val="90000"/>
               </a:lnSpc>
@@ -5824,7 +5968,7 @@
               <a:buChar char="•"/>
             </a:pPr>
             <a:r>
-              <a:rPr b="0" lang="en-US" sz="8640" strike="noStrike" u="none">
+              <a:rPr lang="en-US" sz="8640" b="0" u="none" strike="noStrike">
                 <a:solidFill>
                   <a:schemeClr val="dk1"/>
                 </a:solidFill>
@@ -5834,7 +5978,7 @@
               </a:rPr>
               <a:t>Fifth level</a:t>
             </a:r>
-            <a:endParaRPr b="0" lang="en-US" sz="8640" strike="noStrike" u="none">
+            <a:endParaRPr lang="en-US" sz="8640" b="0" u="none" strike="noStrike">
               <a:solidFill>
                 <a:srgbClr val="000000"/>
               </a:solidFill>
@@ -5869,7 +6013,7 @@
           </a:ln>
         </p:spPr>
         <p:txBody>
-          <a:bodyPr lIns="91440" rIns="91440" tIns="45720" bIns="45720" anchor="ctr">
+          <a:bodyPr lIns="91440" tIns="45720" rIns="91440" bIns="45720" anchor="ctr">
             <a:noAutofit/>
           </a:bodyPr>
           <a:lstStyle>
@@ -5879,9 +6023,9 @@
               </a:lnSpc>
               <a:buNone/>
               <a:tabLst>
-                <a:tab algn="l" pos="0"/>
+                <a:tab pos="0" algn="l"/>
               </a:tabLst>
-              <a:defRPr b="0" lang="en-US" sz="5760" strike="noStrike" u="none">
+              <a:defRPr lang="en-US" sz="5760" b="0" u="none" strike="noStrike">
                 <a:solidFill>
                   <a:schemeClr val="dk1">
                     <a:tint val="82000"/>
@@ -5900,11 +6044,11 @@
               </a:lnSpc>
               <a:buNone/>
               <a:tabLst>
-                <a:tab algn="l" pos="0"/>
+                <a:tab pos="0" algn="l"/>
               </a:tabLst>
             </a:pPr>
             <a:r>
-              <a:rPr b="0" lang="en-US" sz="5760" strike="noStrike" u="none">
+              <a:rPr lang="en-US" sz="5760" b="0" u="none" strike="noStrike">
                 <a:solidFill>
                   <a:schemeClr val="dk1">
                     <a:tint val="82000"/>
@@ -5916,7 +6060,7 @@
               </a:rPr>
               <a:t>&lt;date/time&gt;</a:t>
             </a:r>
-            <a:endParaRPr b="0" lang="en-US" sz="5760" strike="noStrike" u="none">
+            <a:endParaRPr lang="en-US" sz="5760" b="0" u="none" strike="noStrike">
               <a:solidFill>
                 <a:srgbClr val="000000"/>
               </a:solidFill>
@@ -5951,7 +6095,7 @@
           </a:ln>
         </p:spPr>
         <p:txBody>
-          <a:bodyPr lIns="91440" rIns="91440" tIns="45720" bIns="45720" anchor="ctr">
+          <a:bodyPr lIns="91440" tIns="45720" rIns="91440" bIns="45720" anchor="ctr">
             <a:noAutofit/>
           </a:bodyPr>
           <a:lstStyle>
@@ -5961,9 +6105,9 @@
               </a:lnSpc>
               <a:buNone/>
               <a:tabLst>
-                <a:tab algn="l" pos="0"/>
+                <a:tab pos="0" algn="l"/>
               </a:tabLst>
-              <a:defRPr b="0" lang="en-US" sz="1400" strike="noStrike" u="none">
+              <a:defRPr lang="en-US" sz="1400" b="0" u="none" strike="noStrike">
                 <a:solidFill>
                   <a:srgbClr val="000000"/>
                 </a:solidFill>
@@ -5980,11 +6124,11 @@
               </a:lnSpc>
               <a:buNone/>
               <a:tabLst>
-                <a:tab algn="l" pos="0"/>
+                <a:tab pos="0" algn="l"/>
               </a:tabLst>
             </a:pPr>
             <a:r>
-              <a:rPr b="0" lang="en-US" sz="1400" strike="noStrike" u="none">
+              <a:rPr lang="en-US" sz="1400" b="0" u="none" strike="noStrike">
                 <a:solidFill>
                   <a:srgbClr val="000000"/>
                 </a:solidFill>
@@ -5994,14 +6138,6 @@
               </a:rPr>
               <a:t>&lt;footer&gt;</a:t>
             </a:r>
-            <a:endParaRPr b="0" lang="en-US" sz="1400" strike="noStrike" u="none">
-              <a:solidFill>
-                <a:srgbClr val="000000"/>
-              </a:solidFill>
-              <a:effectLst/>
-              <a:uFillTx/>
-              <a:latin typeface="Times New Roman"/>
-            </a:endParaRPr>
           </a:p>
         </p:txBody>
       </p:sp>
@@ -6029,7 +6165,7 @@
           </a:ln>
         </p:spPr>
         <p:txBody>
-          <a:bodyPr lIns="91440" rIns="91440" tIns="45720" bIns="45720" anchor="ctr">
+          <a:bodyPr lIns="91440" tIns="45720" rIns="91440" bIns="45720" anchor="ctr">
             <a:noAutofit/>
           </a:bodyPr>
           <a:lstStyle>
@@ -6039,9 +6175,9 @@
               </a:lnSpc>
               <a:buNone/>
               <a:tabLst>
-                <a:tab algn="l" pos="0"/>
+                <a:tab pos="0" algn="l"/>
               </a:tabLst>
-              <a:defRPr b="0" lang="en-US" sz="5760" strike="noStrike" u="none">
+              <a:defRPr lang="en-US" sz="5760" b="0" u="none" strike="noStrike">
                 <a:solidFill>
                   <a:schemeClr val="dk1">
                     <a:tint val="82000"/>
@@ -6060,11 +6196,11 @@
               </a:lnSpc>
               <a:buNone/>
               <a:tabLst>
-                <a:tab algn="l" pos="0"/>
+                <a:tab pos="0" algn="l"/>
               </a:tabLst>
             </a:pPr>
             <a:fld id="{47501F5A-AABD-4B90-8346-39ED45519DB8}" type="slidenum">
-              <a:rPr b="0" lang="en-US" sz="5760" strike="noStrike" u="none">
+              <a:rPr lang="en-US" sz="5760" b="0" u="none" strike="noStrike">
                 <a:solidFill>
                   <a:schemeClr val="dk1">
                     <a:tint val="82000"/>
@@ -6074,9 +6210,9 @@
                 <a:uFillTx/>
                 <a:latin typeface="Aptos"/>
               </a:rPr>
-              <a:t>&lt;number&gt;</a:t>
+              <a:t>‹#›</a:t>
             </a:fld>
-            <a:endParaRPr b="0" lang="en-US" sz="5760" strike="noStrike" u="none">
+            <a:endParaRPr lang="en-US" sz="5760" b="0" u="none" strike="noStrike">
               <a:solidFill>
                 <a:srgbClr val="000000"/>
               </a:solidFill>
@@ -6089,12 +6225,20 @@
       </p:sp>
     </p:spTree>
   </p:cSld>
+  <p:clrMapOvr>
+    <a:masterClrMapping/>
+  </p:clrMapOvr>
 </p:sldLayout>
 </file>
 
 <file path=ppt/slideMasters/slideMaster1.xml><?xml version="1.0" encoding="utf-8"?>
-<p:sldMaster xmlns:a="http://schemas.openxmlformats.org/drawingml/2006/main" xmlns:p="http://schemas.openxmlformats.org/presentationml/2006/main" xmlns:r="http://schemas.openxmlformats.org/officeDocument/2006/relationships" xmlns:p14="http://schemas.microsoft.com/office/powerpoint/2010/main" xmlns:p15="http://schemas.microsoft.com/office/powerpoint/2012/main" xmlns:mc="http://schemas.openxmlformats.org/markup-compatibility/2006">
+<p:sldMaster xmlns:a="http://schemas.openxmlformats.org/drawingml/2006/main" xmlns:r="http://schemas.openxmlformats.org/officeDocument/2006/relationships" xmlns:p="http://schemas.openxmlformats.org/presentationml/2006/main">
   <p:cSld>
+    <p:bg>
+      <p:bgRef idx="1001">
+        <a:schemeClr val="bg1"/>
+      </p:bgRef>
+    </p:bg>
     <p:spTree>
       <p:nvGrpSpPr>
         <p:cNvPr id="1" name=""/>
@@ -6113,23 +6257,303 @@
   </p:cSld>
   <p:clrMap bg1="lt1" tx1="dk1" bg2="lt2" tx2="dk2" accent1="accent1" accent2="accent2" accent3="accent3" accent4="accent4" accent5="accent5" accent6="accent6" hlink="hlink" folHlink="folHlink"/>
   <p:sldLayoutIdLst>
-    <p:sldLayoutId id="2147483649" r:id="rId2"/>
-    <p:sldLayoutId id="2147483650" r:id="rId3"/>
-    <p:sldLayoutId id="2147483651" r:id="rId4"/>
-    <p:sldLayoutId id="2147483652" r:id="rId5"/>
-    <p:sldLayoutId id="2147483653" r:id="rId6"/>
-    <p:sldLayoutId id="2147483654" r:id="rId7"/>
-    <p:sldLayoutId id="2147483655" r:id="rId8"/>
-    <p:sldLayoutId id="2147483656" r:id="rId9"/>
-    <p:sldLayoutId id="2147483657" r:id="rId10"/>
-    <p:sldLayoutId id="2147483658" r:id="rId11"/>
-    <p:sldLayoutId id="2147483659" r:id="rId12"/>
+    <p:sldLayoutId id="2147483649" r:id="rId1"/>
+    <p:sldLayoutId id="2147483650" r:id="rId2"/>
+    <p:sldLayoutId id="2147483651" r:id="rId3"/>
+    <p:sldLayoutId id="2147483652" r:id="rId4"/>
+    <p:sldLayoutId id="2147483653" r:id="rId5"/>
+    <p:sldLayoutId id="2147483654" r:id="rId6"/>
+    <p:sldLayoutId id="2147483655" r:id="rId7"/>
+    <p:sldLayoutId id="2147483656" r:id="rId8"/>
+    <p:sldLayoutId id="2147483657" r:id="rId9"/>
+    <p:sldLayoutId id="2147483658" r:id="rId10"/>
+    <p:sldLayoutId id="2147483659" r:id="rId11"/>
   </p:sldLayoutIdLst>
+  <p:txStyles>
+    <p:titleStyle>
+      <a:lvl1pPr algn="l" defTabSz="914400" rtl="0" eaLnBrk="1" latinLnBrk="0" hangingPunct="1">
+        <a:lnSpc>
+          <a:spcPct val="90000"/>
+        </a:lnSpc>
+        <a:spcBef>
+          <a:spcPct val="0"/>
+        </a:spcBef>
+        <a:buNone/>
+        <a:defRPr sz="4400" kern="1200">
+          <a:solidFill>
+            <a:schemeClr val="tx1"/>
+          </a:solidFill>
+          <a:latin typeface="+mj-lt"/>
+          <a:ea typeface="+mj-ea"/>
+          <a:cs typeface="+mj-cs"/>
+        </a:defRPr>
+      </a:lvl1pPr>
+    </p:titleStyle>
+    <p:bodyStyle>
+      <a:lvl1pPr marL="228600" indent="-228600" algn="l" defTabSz="914400" rtl="0" eaLnBrk="1" latinLnBrk="0" hangingPunct="1">
+        <a:lnSpc>
+          <a:spcPct val="90000"/>
+        </a:lnSpc>
+        <a:spcBef>
+          <a:spcPts val="1000"/>
+        </a:spcBef>
+        <a:buFont typeface="Arial" panose="020B0604020202020204" pitchFamily="34" charset="0"/>
+        <a:buChar char="•"/>
+        <a:defRPr sz="2800" kern="1200">
+          <a:solidFill>
+            <a:schemeClr val="tx1"/>
+          </a:solidFill>
+          <a:latin typeface="+mn-lt"/>
+          <a:ea typeface="+mn-ea"/>
+          <a:cs typeface="+mn-cs"/>
+        </a:defRPr>
+      </a:lvl1pPr>
+      <a:lvl2pPr marL="685800" indent="-228600" algn="l" defTabSz="914400" rtl="0" eaLnBrk="1" latinLnBrk="0" hangingPunct="1">
+        <a:lnSpc>
+          <a:spcPct val="90000"/>
+        </a:lnSpc>
+        <a:spcBef>
+          <a:spcPts val="500"/>
+        </a:spcBef>
+        <a:buFont typeface="Arial" panose="020B0604020202020204" pitchFamily="34" charset="0"/>
+        <a:buChar char="•"/>
+        <a:defRPr sz="2400" kern="1200">
+          <a:solidFill>
+            <a:schemeClr val="tx1"/>
+          </a:solidFill>
+          <a:latin typeface="+mn-lt"/>
+          <a:ea typeface="+mn-ea"/>
+          <a:cs typeface="+mn-cs"/>
+        </a:defRPr>
+      </a:lvl2pPr>
+      <a:lvl3pPr marL="1143000" indent="-228600" algn="l" defTabSz="914400" rtl="0" eaLnBrk="1" latinLnBrk="0" hangingPunct="1">
+        <a:lnSpc>
+          <a:spcPct val="90000"/>
+        </a:lnSpc>
+        <a:spcBef>
+          <a:spcPts val="500"/>
+        </a:spcBef>
+        <a:buFont typeface="Arial" panose="020B0604020202020204" pitchFamily="34" charset="0"/>
+        <a:buChar char="•"/>
+        <a:defRPr sz="2000" kern="1200">
+          <a:solidFill>
+            <a:schemeClr val="tx1"/>
+          </a:solidFill>
+          <a:latin typeface="+mn-lt"/>
+          <a:ea typeface="+mn-ea"/>
+          <a:cs typeface="+mn-cs"/>
+        </a:defRPr>
+      </a:lvl3pPr>
+      <a:lvl4pPr marL="1600200" indent="-228600" algn="l" defTabSz="914400" rtl="0" eaLnBrk="1" latinLnBrk="0" hangingPunct="1">
+        <a:lnSpc>
+          <a:spcPct val="90000"/>
+        </a:lnSpc>
+        <a:spcBef>
+          <a:spcPts val="500"/>
+        </a:spcBef>
+        <a:buFont typeface="Arial" panose="020B0604020202020204" pitchFamily="34" charset="0"/>
+        <a:buChar char="•"/>
+        <a:defRPr sz="1800" kern="1200">
+          <a:solidFill>
+            <a:schemeClr val="tx1"/>
+          </a:solidFill>
+          <a:latin typeface="+mn-lt"/>
+          <a:ea typeface="+mn-ea"/>
+          <a:cs typeface="+mn-cs"/>
+        </a:defRPr>
+      </a:lvl4pPr>
+      <a:lvl5pPr marL="2057400" indent="-228600" algn="l" defTabSz="914400" rtl="0" eaLnBrk="1" latinLnBrk="0" hangingPunct="1">
+        <a:lnSpc>
+          <a:spcPct val="90000"/>
+        </a:lnSpc>
+        <a:spcBef>
+          <a:spcPts val="500"/>
+        </a:spcBef>
+        <a:buFont typeface="Arial" panose="020B0604020202020204" pitchFamily="34" charset="0"/>
+        <a:buChar char="•"/>
+        <a:defRPr sz="1800" kern="1200">
+          <a:solidFill>
+            <a:schemeClr val="tx1"/>
+          </a:solidFill>
+          <a:latin typeface="+mn-lt"/>
+          <a:ea typeface="+mn-ea"/>
+          <a:cs typeface="+mn-cs"/>
+        </a:defRPr>
+      </a:lvl5pPr>
+      <a:lvl6pPr marL="2514600" indent="-228600" algn="l" defTabSz="914400" rtl="0" eaLnBrk="1" latinLnBrk="0" hangingPunct="1">
+        <a:lnSpc>
+          <a:spcPct val="90000"/>
+        </a:lnSpc>
+        <a:spcBef>
+          <a:spcPts val="500"/>
+        </a:spcBef>
+        <a:buFont typeface="Arial" panose="020B0604020202020204" pitchFamily="34" charset="0"/>
+        <a:buChar char="•"/>
+        <a:defRPr sz="1800" kern="1200">
+          <a:solidFill>
+            <a:schemeClr val="tx1"/>
+          </a:solidFill>
+          <a:latin typeface="+mn-lt"/>
+          <a:ea typeface="+mn-ea"/>
+          <a:cs typeface="+mn-cs"/>
+        </a:defRPr>
+      </a:lvl6pPr>
+      <a:lvl7pPr marL="2971800" indent="-228600" algn="l" defTabSz="914400" rtl="0" eaLnBrk="1" latinLnBrk="0" hangingPunct="1">
+        <a:lnSpc>
+          <a:spcPct val="90000"/>
+        </a:lnSpc>
+        <a:spcBef>
+          <a:spcPts val="500"/>
+        </a:spcBef>
+        <a:buFont typeface="Arial" panose="020B0604020202020204" pitchFamily="34" charset="0"/>
+        <a:buChar char="•"/>
+        <a:defRPr sz="1800" kern="1200">
+          <a:solidFill>
+            <a:schemeClr val="tx1"/>
+          </a:solidFill>
+          <a:latin typeface="+mn-lt"/>
+          <a:ea typeface="+mn-ea"/>
+          <a:cs typeface="+mn-cs"/>
+        </a:defRPr>
+      </a:lvl7pPr>
+      <a:lvl8pPr marL="3429000" indent="-228600" algn="l" defTabSz="914400" rtl="0" eaLnBrk="1" latinLnBrk="0" hangingPunct="1">
+        <a:lnSpc>
+          <a:spcPct val="90000"/>
+        </a:lnSpc>
+        <a:spcBef>
+          <a:spcPts val="500"/>
+        </a:spcBef>
+        <a:buFont typeface="Arial" panose="020B0604020202020204" pitchFamily="34" charset="0"/>
+        <a:buChar char="•"/>
+        <a:defRPr sz="1800" kern="1200">
+          <a:solidFill>
+            <a:schemeClr val="tx1"/>
+          </a:solidFill>
+          <a:latin typeface="+mn-lt"/>
+          <a:ea typeface="+mn-ea"/>
+          <a:cs typeface="+mn-cs"/>
+        </a:defRPr>
+      </a:lvl8pPr>
+      <a:lvl9pPr marL="3886200" indent="-228600" algn="l" defTabSz="914400" rtl="0" eaLnBrk="1" latinLnBrk="0" hangingPunct="1">
+        <a:lnSpc>
+          <a:spcPct val="90000"/>
+        </a:lnSpc>
+        <a:spcBef>
+          <a:spcPts val="500"/>
+        </a:spcBef>
+        <a:buFont typeface="Arial" panose="020B0604020202020204" pitchFamily="34" charset="0"/>
+        <a:buChar char="•"/>
+        <a:defRPr sz="1800" kern="1200">
+          <a:solidFill>
+            <a:schemeClr val="tx1"/>
+          </a:solidFill>
+          <a:latin typeface="+mn-lt"/>
+          <a:ea typeface="+mn-ea"/>
+          <a:cs typeface="+mn-cs"/>
+        </a:defRPr>
+      </a:lvl9pPr>
+    </p:bodyStyle>
+    <p:otherStyle>
+      <a:defPPr>
+        <a:defRPr lang="en-US"/>
+      </a:defPPr>
+      <a:lvl1pPr marL="0" algn="l" defTabSz="914400" rtl="0" eaLnBrk="1" latinLnBrk="0" hangingPunct="1">
+        <a:defRPr sz="1800" kern="1200">
+          <a:solidFill>
+            <a:schemeClr val="tx1"/>
+          </a:solidFill>
+          <a:latin typeface="+mn-lt"/>
+          <a:ea typeface="+mn-ea"/>
+          <a:cs typeface="+mn-cs"/>
+        </a:defRPr>
+      </a:lvl1pPr>
+      <a:lvl2pPr marL="457200" algn="l" defTabSz="914400" rtl="0" eaLnBrk="1" latinLnBrk="0" hangingPunct="1">
+        <a:defRPr sz="1800" kern="1200">
+          <a:solidFill>
+            <a:schemeClr val="tx1"/>
+          </a:solidFill>
+          <a:latin typeface="+mn-lt"/>
+          <a:ea typeface="+mn-ea"/>
+          <a:cs typeface="+mn-cs"/>
+        </a:defRPr>
+      </a:lvl2pPr>
+      <a:lvl3pPr marL="914400" algn="l" defTabSz="914400" rtl="0" eaLnBrk="1" latinLnBrk="0" hangingPunct="1">
+        <a:defRPr sz="1800" kern="1200">
+          <a:solidFill>
+            <a:schemeClr val="tx1"/>
+          </a:solidFill>
+          <a:latin typeface="+mn-lt"/>
+          <a:ea typeface="+mn-ea"/>
+          <a:cs typeface="+mn-cs"/>
+        </a:defRPr>
+      </a:lvl3pPr>
+      <a:lvl4pPr marL="1371600" algn="l" defTabSz="914400" rtl="0" eaLnBrk="1" latinLnBrk="0" hangingPunct="1">
+        <a:defRPr sz="1800" kern="1200">
+          <a:solidFill>
+            <a:schemeClr val="tx1"/>
+          </a:solidFill>
+          <a:latin typeface="+mn-lt"/>
+          <a:ea typeface="+mn-ea"/>
+          <a:cs typeface="+mn-cs"/>
+        </a:defRPr>
+      </a:lvl4pPr>
+      <a:lvl5pPr marL="1828800" algn="l" defTabSz="914400" rtl="0" eaLnBrk="1" latinLnBrk="0" hangingPunct="1">
+        <a:defRPr sz="1800" kern="1200">
+          <a:solidFill>
+            <a:schemeClr val="tx1"/>
+          </a:solidFill>
+          <a:latin typeface="+mn-lt"/>
+          <a:ea typeface="+mn-ea"/>
+          <a:cs typeface="+mn-cs"/>
+        </a:defRPr>
+      </a:lvl5pPr>
+      <a:lvl6pPr marL="2286000" algn="l" defTabSz="914400" rtl="0" eaLnBrk="1" latinLnBrk="0" hangingPunct="1">
+        <a:defRPr sz="1800" kern="1200">
+          <a:solidFill>
+            <a:schemeClr val="tx1"/>
+          </a:solidFill>
+          <a:latin typeface="+mn-lt"/>
+          <a:ea typeface="+mn-ea"/>
+          <a:cs typeface="+mn-cs"/>
+        </a:defRPr>
+      </a:lvl6pPr>
+      <a:lvl7pPr marL="2743200" algn="l" defTabSz="914400" rtl="0" eaLnBrk="1" latinLnBrk="0" hangingPunct="1">
+        <a:defRPr sz="1800" kern="1200">
+          <a:solidFill>
+            <a:schemeClr val="tx1"/>
+          </a:solidFill>
+          <a:latin typeface="+mn-lt"/>
+          <a:ea typeface="+mn-ea"/>
+          <a:cs typeface="+mn-cs"/>
+        </a:defRPr>
+      </a:lvl7pPr>
+      <a:lvl8pPr marL="3200400" algn="l" defTabSz="914400" rtl="0" eaLnBrk="1" latinLnBrk="0" hangingPunct="1">
+        <a:defRPr sz="1800" kern="1200">
+          <a:solidFill>
+            <a:schemeClr val="tx1"/>
+          </a:solidFill>
+          <a:latin typeface="+mn-lt"/>
+          <a:ea typeface="+mn-ea"/>
+          <a:cs typeface="+mn-cs"/>
+        </a:defRPr>
+      </a:lvl8pPr>
+      <a:lvl9pPr marL="3657600" algn="l" defTabSz="914400" rtl="0" eaLnBrk="1" latinLnBrk="0" hangingPunct="1">
+        <a:defRPr sz="1800" kern="1200">
+          <a:solidFill>
+            <a:schemeClr val="tx1"/>
+          </a:solidFill>
+          <a:latin typeface="+mn-lt"/>
+          <a:ea typeface="+mn-ea"/>
+          <a:cs typeface="+mn-cs"/>
+        </a:defRPr>
+      </a:lvl9pPr>
+    </p:otherStyle>
+  </p:txStyles>
 </p:sldMaster>
 </file>
 
 <file path=ppt/slides/slide1.xml><?xml version="1.0" encoding="utf-8"?>
-<p:sld xmlns:a="http://schemas.openxmlformats.org/drawingml/2006/main" xmlns:p="http://schemas.openxmlformats.org/presentationml/2006/main" xmlns:r="http://schemas.openxmlformats.org/officeDocument/2006/relationships" xmlns:p14="http://schemas.microsoft.com/office/powerpoint/2010/main" xmlns:p15="http://schemas.microsoft.com/office/powerpoint/2012/main" xmlns:mc="http://schemas.openxmlformats.org/markup-compatibility/2006">
+<p:sld xmlns:a="http://schemas.openxmlformats.org/drawingml/2006/main" xmlns:r="http://schemas.openxmlformats.org/officeDocument/2006/relationships" xmlns:p="http://schemas.openxmlformats.org/presentationml/2006/main">
   <p:cSld>
     <p:spTree>
       <p:nvGrpSpPr>
@@ -6148,19 +6572,21 @@
       <p:sp>
         <p:nvSpPr>
           <p:cNvPr id="63" name="Rectangle 3"/>
-          <p:cNvSpPr/>
+          <p:cNvSpPr>
+            <a:spLocks/>
+          </p:cNvSpPr>
           <p:nvPr/>
         </p:nvSpPr>
         <p:spPr>
           <a:xfrm>
             <a:off x="0" y="0"/>
-            <a:ext cx="43890480" cy="7314480"/>
+            <a:ext cx="43890480" cy="5486400"/>
           </a:xfrm>
           <a:prstGeom prst="rect">
             <a:avLst/>
           </a:prstGeom>
           <a:solidFill>
-            <a:srgbClr val="c8102e"/>
+            <a:srgbClr val="C8102E"/>
           </a:solidFill>
           <a:ln>
             <a:noFill/>
@@ -6181,16 +6607,17 @@
           <a:fontRef idx="minor"/>
         </p:style>
         <p:txBody>
-          <a:bodyPr lIns="90000" rIns="90000" tIns="45000" bIns="45000" anchor="ctr">
+          <a:bodyPr lIns="90000" tIns="45000" rIns="90000" bIns="45000" anchor="ctr">
             <a:noAutofit/>
           </a:bodyPr>
+          <a:lstStyle/>
           <a:p>
             <a:pPr algn="ctr" defTabSz="457200">
               <a:lnSpc>
                 <a:spcPct val="100000"/>
               </a:lnSpc>
             </a:pPr>
-            <a:endParaRPr b="0" lang="en-US" sz="1800" strike="noStrike" u="none">
+            <a:endParaRPr lang="en-US" sz="1800" b="0" u="none" strike="noStrike">
               <a:solidFill>
                 <a:schemeClr val="lt1"/>
               </a:solidFill>
@@ -6203,17 +6630,17 @@
       </p:sp>
       <p:pic>
         <p:nvPicPr>
-          <p:cNvPr id="64" name="Picture 2" descr=""/>
+          <p:cNvPr id="64" name="Picture 2"/>
           <p:cNvPicPr/>
           <p:nvPr/>
         </p:nvPicPr>
         <p:blipFill>
-          <a:blip r:embed="rId1"/>
+          <a:blip r:embed="rId3"/>
           <a:stretch/>
         </p:blipFill>
         <p:spPr>
           <a:xfrm>
-            <a:off x="612360" y="1510920"/>
+            <a:off x="707832" y="972057"/>
             <a:ext cx="4997520" cy="3441240"/>
           </a:xfrm>
           <a:prstGeom prst="rect">
@@ -6233,10 +6660,10 @@
         </p:nvGrpSpPr>
         <p:grpSpPr>
           <a:xfrm>
-            <a:off x="6222960" y="914400"/>
-            <a:ext cx="33832080" cy="5485680"/>
-            <a:chOff x="6222960" y="914400"/>
-            <a:chExt cx="33832080" cy="5485680"/>
+            <a:off x="6514848" y="159660"/>
+            <a:ext cx="33832080" cy="5046480"/>
+            <a:chOff x="6222240" y="439920"/>
+            <a:chExt cx="33832080" cy="5046480"/>
           </a:xfrm>
         </p:grpSpPr>
         <p:sp>
@@ -6247,7 +6674,7 @@
           </p:nvSpPr>
           <p:spPr>
             <a:xfrm>
-              <a:off x="6222960" y="914400"/>
+              <a:off x="6222240" y="439920"/>
               <a:ext cx="33832080" cy="3084120"/>
             </a:xfrm>
             <a:prstGeom prst="rect">
@@ -6259,15 +6686,22 @@
             </a:ln>
           </p:spPr>
           <p:style>
-            <a:lnRef idx="0"/>
-            <a:fillRef idx="0"/>
-            <a:effectRef idx="0"/>
+            <a:lnRef idx="0">
+              <a:scrgbClr r="0" g="0" b="0"/>
+            </a:lnRef>
+            <a:fillRef idx="0">
+              <a:scrgbClr r="0" g="0" b="0"/>
+            </a:fillRef>
+            <a:effectRef idx="0">
+              <a:scrgbClr r="0" g="0" b="0"/>
+            </a:effectRef>
             <a:fontRef idx="minor"/>
           </p:style>
           <p:txBody>
-            <a:bodyPr lIns="90000" rIns="90000" tIns="45000" bIns="45000" anchor="t">
+            <a:bodyPr lIns="90000" tIns="45000" rIns="90000" bIns="45000" anchor="t">
               <a:spAutoFit/>
             </a:bodyPr>
+            <a:lstStyle/>
             <a:p>
               <a:pPr algn="ctr" defTabSz="457200">
                 <a:lnSpc>
@@ -6275,7 +6709,7 @@
                 </a:lnSpc>
               </a:pPr>
               <a:r>
-                <a:rPr b="1" lang="en-US" sz="9600" strike="noStrike" u="none">
+                <a:rPr lang="en-US" sz="9600" b="1" u="none" strike="noStrike" dirty="0">
                   <a:solidFill>
                     <a:schemeClr val="lt1"/>
                   </a:solidFill>
@@ -6285,7 +6719,7 @@
                 </a:rPr>
                 <a:t>From Demonstrations to Adaptation: Assessing Imitation Learning Robustness and Learned Reward Transferability</a:t>
               </a:r>
-              <a:endParaRPr b="0" lang="en-US" sz="9600" strike="noStrike" u="none">
+              <a:endParaRPr lang="en-US" sz="9600" b="0" u="none" strike="noStrike" dirty="0">
                 <a:solidFill>
                   <a:srgbClr val="000000"/>
                 </a:solidFill>
@@ -6304,7 +6738,7 @@
           </p:nvSpPr>
           <p:spPr>
             <a:xfrm>
-              <a:off x="7769520" y="4437720"/>
+              <a:off x="7772400" y="3524040"/>
               <a:ext cx="28292400" cy="1962360"/>
             </a:xfrm>
             <a:prstGeom prst="rect">
@@ -6316,15 +6750,22 @@
             </a:ln>
           </p:spPr>
           <p:style>
-            <a:lnRef idx="0"/>
-            <a:fillRef idx="0"/>
-            <a:effectRef idx="0"/>
+            <a:lnRef idx="0">
+              <a:scrgbClr r="0" g="0" b="0"/>
+            </a:lnRef>
+            <a:fillRef idx="0">
+              <a:scrgbClr r="0" g="0" b="0"/>
+            </a:fillRef>
+            <a:effectRef idx="0">
+              <a:scrgbClr r="0" g="0" b="0"/>
+            </a:effectRef>
             <a:fontRef idx="minor"/>
           </p:style>
           <p:txBody>
-            <a:bodyPr lIns="90000" rIns="90000" tIns="45000" bIns="45000" anchor="t">
+            <a:bodyPr lIns="90000" tIns="45000" rIns="90000" bIns="45000" anchor="t">
               <a:spAutoFit/>
             </a:bodyPr>
+            <a:lstStyle/>
             <a:p>
               <a:pPr algn="ctr" defTabSz="457200">
                 <a:lnSpc>
@@ -6332,7 +6773,7 @@
                 </a:lnSpc>
               </a:pPr>
               <a:r>
-                <a:rPr b="0" lang="en-US" sz="6000" strike="noStrike" u="none">
+                <a:rPr lang="en-US" sz="6000" b="0" u="none" strike="noStrike" dirty="0">
                   <a:solidFill>
                     <a:schemeClr val="lt1"/>
                   </a:solidFill>
@@ -6342,7 +6783,7 @@
                 </a:rPr>
                 <a:t>Nathan Van Utrecht</a:t>
               </a:r>
-              <a:endParaRPr b="0" lang="en-US" sz="6000" strike="noStrike" u="none">
+              <a:endParaRPr lang="en-US" sz="6000" b="0" u="none" strike="noStrike" dirty="0">
                 <a:solidFill>
                   <a:srgbClr val="000000"/>
                 </a:solidFill>
@@ -6358,7 +6799,7 @@
                 </a:lnSpc>
               </a:pPr>
               <a:r>
-                <a:rPr b="0" i="1" lang="en-US" sz="6000" strike="noStrike" u="none">
+                <a:rPr lang="en-US" sz="6000" b="0" i="1" u="none" strike="noStrike" dirty="0">
                   <a:solidFill>
                     <a:schemeClr val="lt1"/>
                   </a:solidFill>
@@ -6368,7 +6809,7 @@
                 </a:rPr>
                 <a:t>Department of Mechanical Engineering, Iowa State University</a:t>
               </a:r>
-              <a:endParaRPr b="0" lang="en-US" sz="6000" strike="noStrike" u="none">
+              <a:endParaRPr lang="en-US" sz="6000" b="0" u="none" strike="noStrike" dirty="0">
                 <a:solidFill>
                   <a:srgbClr val="000000"/>
                 </a:solidFill>
@@ -6388,10 +6829,10 @@
         </p:nvGrpSpPr>
         <p:grpSpPr>
           <a:xfrm>
-            <a:off x="914400" y="8229600"/>
-            <a:ext cx="11886480" cy="22631040"/>
+            <a:off x="914400" y="6400800"/>
+            <a:ext cx="12801600" cy="9144000"/>
             <a:chOff x="914400" y="8229600"/>
-            <a:chExt cx="11886480" cy="22631040"/>
+            <a:chExt cx="11886480" cy="9295628"/>
           </a:xfrm>
         </p:grpSpPr>
         <p:sp>
@@ -6402,8 +6843,8 @@
           </p:nvSpPr>
           <p:spPr>
             <a:xfrm>
-              <a:off x="914400" y="10286280"/>
-              <a:ext cx="11886480" cy="20574360"/>
+              <a:off x="914400" y="9601177"/>
+              <a:ext cx="11886480" cy="7924051"/>
             </a:xfrm>
             <a:prstGeom prst="round2SameRect">
               <a:avLst>
@@ -6412,11 +6853,11 @@
               </a:avLst>
             </a:prstGeom>
             <a:solidFill>
-              <a:srgbClr val="c9c7aa"/>
+              <a:srgbClr val="C9C7AA"/>
             </a:solidFill>
             <a:ln>
               <a:solidFill>
-                <a:srgbClr val="092a38"/>
+                <a:srgbClr val="092A38"/>
               </a:solidFill>
             </a:ln>
           </p:spPr>
@@ -6435,22 +6876,111 @@
             <a:fontRef idx="minor"/>
           </p:style>
           <p:txBody>
-            <a:bodyPr lIns="90000" rIns="90000" tIns="45000" bIns="45000" anchor="t">
+            <a:bodyPr lIns="457200" tIns="457200" rIns="457200" bIns="457200" anchor="t">
               <a:noAutofit/>
             </a:bodyPr>
+            <a:lstStyle/>
+            <a:p>
+              <a:pPr marL="457200" indent="-457200" defTabSz="457200">
+                <a:lnSpc>
+                  <a:spcPct val="100000"/>
+                </a:lnSpc>
+                <a:buClr>
+                  <a:srgbClr val="000000"/>
+                </a:buClr>
+                <a:buFont typeface="Arial" panose="020B0604020202020204" pitchFamily="34" charset="0"/>
+                <a:buChar char="•"/>
+              </a:pPr>
+              <a:r>
+                <a:rPr lang="en-US" sz="3000" b="1" u="none" strike="noStrike" dirty="0">
+                  <a:solidFill>
+                    <a:schemeClr val="dk1"/>
+                  </a:solidFill>
+                  <a:effectLst/>
+                  <a:uFillTx/>
+                  <a:latin typeface="Segoe UI" panose="020B0502040204020203" pitchFamily="34" charset="0"/>
+                  <a:cs typeface="Segoe UI" panose="020B0502040204020203" pitchFamily="34" charset="0"/>
+                </a:rPr>
+                <a:t>What is Reinforcement Learning (RL)?:</a:t>
+              </a:r>
+              <a:r>
+                <a:rPr lang="en-US" sz="3000" b="0" u="none" strike="noStrike" dirty="0">
+                  <a:solidFill>
+                    <a:schemeClr val="dk1"/>
+                  </a:solidFill>
+                  <a:effectLst/>
+                  <a:uFillTx/>
+                  <a:latin typeface="Segoe UI" panose="020B0502040204020203" pitchFamily="34" charset="0"/>
+                  <a:cs typeface="Segoe UI" panose="020B0502040204020203" pitchFamily="34" charset="0"/>
+                </a:rPr>
+                <a:t> This is a common way to train AI agents (like robots or game characters) to learn complex tasks. The AI learns through </a:t>
+              </a:r>
+              <a:r>
+                <a:rPr lang="en-US" sz="3000" b="1" u="none" strike="noStrike" dirty="0">
+                  <a:solidFill>
+                    <a:schemeClr val="dk1"/>
+                  </a:solidFill>
+                  <a:effectLst/>
+                  <a:uFillTx/>
+                  <a:latin typeface="Segoe UI" panose="020B0502040204020203" pitchFamily="34" charset="0"/>
+                  <a:cs typeface="Segoe UI" panose="020B0502040204020203" pitchFamily="34" charset="0"/>
+                </a:rPr>
+                <a:t>guided trial and error</a:t>
+              </a:r>
+              <a:r>
+                <a:rPr lang="en-US" sz="3000" b="0" u="none" strike="noStrike" dirty="0">
+                  <a:solidFill>
+                    <a:schemeClr val="dk1"/>
+                  </a:solidFill>
+                  <a:effectLst/>
+                  <a:uFillTx/>
+                  <a:latin typeface="Segoe UI" panose="020B0502040204020203" pitchFamily="34" charset="0"/>
+                  <a:cs typeface="Segoe UI" panose="020B0502040204020203" pitchFamily="34" charset="0"/>
+                </a:rPr>
+                <a:t>, receiving </a:t>
+              </a:r>
+              <a:r>
+                <a:rPr lang="en-US" sz="3000" b="1" u="none" strike="noStrike" dirty="0">
+                  <a:solidFill>
+                    <a:schemeClr val="dk1"/>
+                  </a:solidFill>
+                  <a:effectLst/>
+                  <a:uFillTx/>
+                  <a:latin typeface="Segoe UI" panose="020B0502040204020203" pitchFamily="34" charset="0"/>
+                  <a:cs typeface="Segoe UI" panose="020B0502040204020203" pitchFamily="34" charset="0"/>
+                </a:rPr>
+                <a:t>rewards </a:t>
+              </a:r>
+              <a:r>
+                <a:rPr lang="en-US" sz="3000" b="0" u="none" strike="noStrike" dirty="0">
+                  <a:solidFill>
+                    <a:schemeClr val="dk1"/>
+                  </a:solidFill>
+                  <a:effectLst/>
+                  <a:uFillTx/>
+                  <a:latin typeface="Segoe UI" panose="020B0502040204020203" pitchFamily="34" charset="0"/>
+                  <a:cs typeface="Segoe UI" panose="020B0502040204020203" pitchFamily="34" charset="0"/>
+                </a:rPr>
+                <a:t>for good actions and penalties for bad ones. The AI’s goal is to maximize its total rewards over time.</a:t>
+              </a:r>
+            </a:p>
             <a:p>
               <a:pPr defTabSz="457200">
                 <a:lnSpc>
                   <a:spcPct val="100000"/>
                 </a:lnSpc>
+                <a:buClr>
+                  <a:srgbClr val="000000"/>
+                </a:buClr>
               </a:pPr>
-              <a:endParaRPr b="0" lang="en-US" sz="3600" strike="noStrike" u="none">
+              <a:endParaRPr lang="en-US" sz="3000" b="0" u="none" strike="noStrike" dirty="0">
                 <a:solidFill>
                   <a:srgbClr val="000000"/>
                 </a:solidFill>
                 <a:effectLst/>
                 <a:uFillTx/>
-                <a:latin typeface="Arial"/>
+                <a:latin typeface="Segoe UI" panose="020B0502040204020203" pitchFamily="34" charset="0"/>
+                <a:cs typeface="Segoe UI" panose="020B0502040204020203" pitchFamily="34" charset="0"/>
               </a:endParaRPr>
             </a:p>
             <a:p>
@@ -6465,93 +6995,59 @@
                 <a:buChar char="•"/>
               </a:pPr>
               <a:r>
-                <a:rPr b="1" lang="en-US" sz="3600" strike="noStrike" u="none">
+                <a:rPr lang="en-US" sz="3000" b="1" u="none" strike="noStrike" dirty="0">
                   <a:solidFill>
                     <a:schemeClr val="dk1"/>
                   </a:solidFill>
                   <a:effectLst/>
                   <a:uFillTx/>
-                  <a:latin typeface="Segoe UI"/>
+                  <a:latin typeface="Segoe UI" panose="020B0502040204020203" pitchFamily="34" charset="0"/>
+                  <a:cs typeface="Segoe UI" panose="020B0502040204020203" pitchFamily="34" charset="0"/>
                 </a:rPr>
-                <a:t>What is Reinforcement Learning (RL)?:</a:t>
+                <a:t>The Reward Design Problem:</a:t>
               </a:r>
               <a:r>
-                <a:rPr b="0" lang="en-US" sz="3600" strike="noStrike" u="none">
+                <a:rPr lang="en-US" sz="3000" b="0" i="1" u="none" strike="noStrike" dirty="0">
                   <a:solidFill>
                     <a:schemeClr val="dk1"/>
                   </a:solidFill>
                   <a:effectLst/>
                   <a:uFillTx/>
-                  <a:latin typeface="Segoe UI"/>
+                  <a:latin typeface="Segoe UI" panose="020B0502040204020203" pitchFamily="34" charset="0"/>
+                  <a:cs typeface="Segoe UI" panose="020B0502040204020203" pitchFamily="34" charset="0"/>
                 </a:rPr>
-                <a:t> This is a common way to train AI agents (like robots or game characters) to learn complex tasks. The AI learns through </a:t>
+                <a:t> </a:t>
               </a:r>
               <a:r>
-                <a:rPr b="1" lang="en-US" sz="3600" strike="noStrike" u="none">
+                <a:rPr lang="en-US" sz="3000" b="0" u="none" strike="noStrike" dirty="0">
                   <a:solidFill>
                     <a:schemeClr val="dk1"/>
                   </a:solidFill>
                   <a:effectLst/>
                   <a:uFillTx/>
-                  <a:latin typeface="Segoe UI"/>
+                  <a:latin typeface="Segoe UI" panose="020B0502040204020203" pitchFamily="34" charset="0"/>
+                  <a:cs typeface="Segoe UI" panose="020B0502040204020203" pitchFamily="34" charset="0"/>
                 </a:rPr>
-                <a:t>trial and error</a:t>
+                <a:t>For many real-world tasks (like driving safely or performing surgery), manually designing the reward function is difficult. </a:t>
               </a:r>
-              <a:r>
-                <a:rPr b="0" lang="en-US" sz="3600" strike="noStrike" u="none">
-                  <a:solidFill>
-                    <a:schemeClr val="dk1"/>
-                  </a:solidFill>
-                  <a:effectLst/>
-                  <a:uFillTx/>
-                  <a:latin typeface="Segoe UI"/>
-                </a:rPr>
-                <a:t>, receiving </a:t>
-              </a:r>
-              <a:r>
-                <a:rPr b="1" lang="en-US" sz="3600" strike="noStrike" u="none">
-                  <a:solidFill>
-                    <a:schemeClr val="dk1"/>
-                  </a:solidFill>
-                  <a:effectLst/>
-                  <a:uFillTx/>
-                  <a:latin typeface="Segoe UI"/>
-                </a:rPr>
-                <a:t>rewards </a:t>
-              </a:r>
-              <a:r>
-                <a:rPr b="0" lang="en-US" sz="3600" strike="noStrike" u="none">
-                  <a:solidFill>
-                    <a:schemeClr val="dk1"/>
-                  </a:solidFill>
-                  <a:effectLst/>
-                  <a:uFillTx/>
-                  <a:latin typeface="Segoe UI"/>
-                </a:rPr>
-                <a:t>for good actions and penalties for bad ones. The AI’s goal is to maximize its total rewards over time.</a:t>
-              </a:r>
-              <a:endParaRPr b="0" lang="en-US" sz="3600" strike="noStrike" u="none">
-                <a:solidFill>
-                  <a:srgbClr val="000000"/>
-                </a:solidFill>
-                <a:effectLst/>
-                <a:uFillTx/>
-                <a:latin typeface="Arial"/>
-              </a:endParaRPr>
             </a:p>
             <a:p>
               <a:pPr defTabSz="457200">
                 <a:lnSpc>
                   <a:spcPct val="100000"/>
                 </a:lnSpc>
+                <a:buClr>
+                  <a:srgbClr val="000000"/>
+                </a:buClr>
               </a:pPr>
-              <a:endParaRPr b="0" lang="en-US" sz="3600" strike="noStrike" u="none">
-                <a:solidFill>
-                  <a:srgbClr val="000000"/>
-                </a:solidFill>
-                <a:effectLst/>
-                <a:uFillTx/>
-                <a:latin typeface="Arial"/>
+              <a:endParaRPr lang="en-US" sz="3000" b="0" u="none" strike="noStrike" dirty="0">
+                <a:solidFill>
+                  <a:schemeClr val="dk1"/>
+                </a:solidFill>
+                <a:effectLst/>
+                <a:uFillTx/>
+                <a:latin typeface="Segoe UI" panose="020B0502040204020203" pitchFamily="34" charset="0"/>
+                <a:cs typeface="Segoe UI" panose="020B0502040204020203" pitchFamily="34" charset="0"/>
               </a:endParaRPr>
             </a:p>
             <a:p>
@@ -6566,304 +7062,123 @@
                 <a:buChar char="•"/>
               </a:pPr>
               <a:r>
-                <a:rPr b="1" lang="en-US" sz="3600" strike="noStrike" u="none">
+                <a:rPr lang="en-US" sz="3000" b="1" dirty="0">
+                  <a:solidFill>
+                    <a:schemeClr val="dk1"/>
+                  </a:solidFill>
+                  <a:latin typeface="Segoe UI" panose="020B0502040204020203" pitchFamily="34" charset="0"/>
+                  <a:cs typeface="Segoe UI" panose="020B0502040204020203" pitchFamily="34" charset="0"/>
+                </a:rPr>
+                <a:t>Learning from Examples</a:t>
+              </a:r>
+              <a:r>
+                <a:rPr lang="en-US" sz="3000" b="1" u="none" strike="noStrike" dirty="0">
                   <a:solidFill>
                     <a:schemeClr val="dk1"/>
                   </a:solidFill>
                   <a:effectLst/>
                   <a:uFillTx/>
-                  <a:latin typeface="Segoe UI"/>
+                  <a:latin typeface="Segoe UI" panose="020B0502040204020203" pitchFamily="34" charset="0"/>
+                  <a:cs typeface="Segoe UI" panose="020B0502040204020203" pitchFamily="34" charset="0"/>
                 </a:rPr>
-                <a:t>The Reward Design Problem:</a:t>
+                <a:t>:</a:t>
               </a:r>
               <a:r>
-                <a:rPr b="0" i="1" lang="en-US" sz="3600" strike="noStrike" u="none">
+                <a:rPr lang="en-US" sz="3000" b="0" u="none" strike="noStrike" dirty="0">
                   <a:solidFill>
                     <a:schemeClr val="dk1"/>
                   </a:solidFill>
                   <a:effectLst/>
                   <a:uFillTx/>
-                  <a:latin typeface="Segoe UI"/>
+                  <a:latin typeface="Segoe UI" panose="020B0502040204020203" pitchFamily="34" charset="0"/>
+                  <a:cs typeface="Segoe UI" panose="020B0502040204020203" pitchFamily="34" charset="0"/>
                 </a:rPr>
-                <a:t> </a:t>
+                <a:t> An alternative is to </a:t>
               </a:r>
               <a:r>
-                <a:rPr b="0" lang="en-US" sz="3600" strike="noStrike" u="none">
+                <a:rPr lang="en-US" sz="3000" b="0" i="1" u="none" strike="noStrike" dirty="0">
                   <a:solidFill>
                     <a:schemeClr val="dk1"/>
                   </a:solidFill>
                   <a:effectLst/>
                   <a:uFillTx/>
-                  <a:latin typeface="Segoe UI"/>
+                  <a:latin typeface="Segoe UI" panose="020B0502040204020203" pitchFamily="34" charset="0"/>
+                  <a:cs typeface="Segoe UI" panose="020B0502040204020203" pitchFamily="34" charset="0"/>
                 </a:rPr>
-                <a:t>For many real-world tasks (like driving safely or performing surgery), manually creating a precise system of rewards that tells the AI exactly what to do in every situation is incredibly difficult, sometimes impossible.</a:t>
+                <a:t>show</a:t>
               </a:r>
-              <a:endParaRPr b="0" lang="en-US" sz="3600" strike="noStrike" u="none">
-                <a:solidFill>
-                  <a:srgbClr val="000000"/>
-                </a:solidFill>
-                <a:effectLst/>
-                <a:uFillTx/>
-                <a:latin typeface="Arial"/>
-              </a:endParaRPr>
-            </a:p>
-            <a:p>
-              <a:pPr defTabSz="457200">
-                <a:lnSpc>
-                  <a:spcPct val="100000"/>
-                </a:lnSpc>
-              </a:pPr>
-              <a:endParaRPr b="0" lang="en-US" sz="3600" strike="noStrike" u="none">
-                <a:solidFill>
-                  <a:srgbClr val="000000"/>
-                </a:solidFill>
-                <a:effectLst/>
-                <a:uFillTx/>
-                <a:latin typeface="Arial"/>
-              </a:endParaRPr>
-            </a:p>
-            <a:p>
-              <a:pPr marL="571680" indent="-571680" defTabSz="457200">
-                <a:lnSpc>
-                  <a:spcPct val="100000"/>
-                </a:lnSpc>
-                <a:buClr>
-                  <a:srgbClr val="000000"/>
-                </a:buClr>
-                <a:buFont typeface="Arial"/>
-                <a:buChar char="•"/>
-              </a:pPr>
               <a:r>
-                <a:rPr b="1" lang="en-US" sz="3600" strike="noStrike" u="none">
+                <a:rPr lang="en-US" sz="3000" b="0" u="none" strike="noStrike" dirty="0">
                   <a:solidFill>
                     <a:schemeClr val="dk1"/>
                   </a:solidFill>
                   <a:effectLst/>
                   <a:uFillTx/>
-                  <a:latin typeface="Segoe UI"/>
+                  <a:latin typeface="Segoe UI" panose="020B0502040204020203" pitchFamily="34" charset="0"/>
+                  <a:cs typeface="Segoe UI" panose="020B0502040204020203" pitchFamily="34" charset="0"/>
                 </a:rPr>
-                <a:t>Learning from Examples:</a:t>
+                <a:t> the AI what a human expert does instead of giving it a reward. </a:t>
               </a:r>
               <a:r>
-                <a:rPr b="0" lang="en-US" sz="3600" strike="noStrike" u="none">
+                <a:rPr lang="en-US" sz="3000" b="1" u="none" strike="noStrike" dirty="0">
                   <a:solidFill>
                     <a:schemeClr val="dk1"/>
                   </a:solidFill>
                   <a:effectLst/>
                   <a:uFillTx/>
-                  <a:latin typeface="Segoe UI"/>
+                  <a:latin typeface="Segoe UI" panose="020B0502040204020203" pitchFamily="34" charset="0"/>
+                  <a:cs typeface="Segoe UI" panose="020B0502040204020203" pitchFamily="34" charset="0"/>
                 </a:rPr>
-                <a:t> If we can’t easily give the AI rewards, what if we just </a:t>
+                <a:t>Imitation Learnin</a:t>
               </a:r>
               <a:r>
-                <a:rPr b="0" i="1" lang="en-US" sz="3600" strike="noStrike" u="none">
+                <a:rPr lang="en-US" sz="3000" b="1" dirty="0">
                   <a:solidFill>
                     <a:schemeClr val="dk1"/>
                   </a:solidFill>
-                  <a:effectLst/>
-                  <a:uFillTx/>
-                  <a:latin typeface="Segoe UI"/>
+                  <a:latin typeface="Segoe UI" panose="020B0502040204020203" pitchFamily="34" charset="0"/>
+                  <a:cs typeface="Segoe UI" panose="020B0502040204020203" pitchFamily="34" charset="0"/>
                 </a:rPr>
-                <a:t>show</a:t>
+                <a:t>g (IL)</a:t>
               </a:r>
               <a:r>
-                <a:rPr b="0" lang="en-US" sz="3600" strike="noStrike" u="none">
+                <a:rPr lang="en-US" sz="3000" dirty="0">
                   <a:solidFill>
                     <a:schemeClr val="dk1"/>
                   </a:solidFill>
-                  <a:effectLst/>
-                  <a:uFillTx/>
-                  <a:latin typeface="Segoe UI"/>
+                  <a:latin typeface="Segoe UI" panose="020B0502040204020203" pitchFamily="34" charset="0"/>
+                  <a:cs typeface="Segoe UI" panose="020B0502040204020203" pitchFamily="34" charset="0"/>
                 </a:rPr>
-                <a:t> it what a human expert does? This is the core idea behind learning from demonstrations.</a:t>
+                <a:t> is where the AI learns to copy the expert’s actions. </a:t>
               </a:r>
-              <a:endParaRPr b="0" lang="en-US" sz="3600" strike="noStrike" u="none">
-                <a:solidFill>
-                  <a:srgbClr val="000000"/>
-                </a:solidFill>
-                <a:effectLst/>
-                <a:uFillTx/>
-                <a:latin typeface="Arial"/>
-              </a:endParaRPr>
-            </a:p>
-            <a:p>
-              <a:pPr defTabSz="457200">
-                <a:lnSpc>
-                  <a:spcPct val="100000"/>
-                </a:lnSpc>
-              </a:pPr>
-              <a:endParaRPr b="0" lang="en-US" sz="3600" strike="noStrike" u="none">
-                <a:solidFill>
-                  <a:srgbClr val="000000"/>
-                </a:solidFill>
-                <a:effectLst/>
-                <a:uFillTx/>
-                <a:latin typeface="Arial"/>
-              </a:endParaRPr>
-            </a:p>
-            <a:p>
-              <a:pPr marL="571680" indent="-571680" defTabSz="457200">
-                <a:lnSpc>
-                  <a:spcPct val="100000"/>
-                </a:lnSpc>
-                <a:buClr>
-                  <a:srgbClr val="000000"/>
-                </a:buClr>
-                <a:buFont typeface="Arial"/>
-                <a:buChar char="•"/>
-              </a:pPr>
               <a:r>
-                <a:rPr b="1" lang="en-US" sz="3600" strike="noStrike" u="none">
+                <a:rPr lang="en-US" sz="3000" b="1" dirty="0">
                   <a:solidFill>
                     <a:schemeClr val="dk1"/>
                   </a:solidFill>
-                  <a:effectLst/>
-                  <a:uFillTx/>
-                  <a:latin typeface="Segoe UI"/>
+                  <a:latin typeface="Segoe UI" panose="020B0502040204020203" pitchFamily="34" charset="0"/>
+                  <a:cs typeface="Segoe UI" panose="020B0502040204020203" pitchFamily="34" charset="0"/>
                 </a:rPr>
-                <a:t>Imitation Learning (IL):</a:t>
+                <a:t>Inverse Reinforcement Learning (IRL)</a:t>
               </a:r>
               <a:r>
-                <a:rPr b="0" lang="en-US" sz="3600" strike="noStrike" u="none">
+                <a:rPr lang="en-US" sz="3000" dirty="0">
                   <a:solidFill>
                     <a:schemeClr val="dk1"/>
                   </a:solidFill>
-                  <a:effectLst/>
-                  <a:uFillTx/>
-                  <a:latin typeface="Segoe UI"/>
+                  <a:latin typeface="Segoe UI" panose="020B0502040204020203" pitchFamily="34" charset="0"/>
+                  <a:cs typeface="Segoe UI" panose="020B0502040204020203" pitchFamily="34" charset="0"/>
                 </a:rPr>
-                <a:t> One approach to learning from examples is imitation learning. The AI watches expert examples and learns to simply </a:t>
+                <a:t> tries to learn the reward function that best explains the expert’s actions.</a:t>
               </a:r>
-              <a:r>
-                <a:rPr b="1" lang="en-US" sz="3600" strike="noStrike" u="none">
-                  <a:solidFill>
-                    <a:schemeClr val="dk1"/>
-                  </a:solidFill>
-                  <a:effectLst/>
-                  <a:uFillTx/>
-                  <a:latin typeface="Segoe UI"/>
-                </a:rPr>
-                <a:t>copy</a:t>
-              </a:r>
-              <a:r>
-                <a:rPr b="0" lang="en-US" sz="3600" strike="noStrike" u="none">
-                  <a:solidFill>
-                    <a:schemeClr val="dk1"/>
-                  </a:solidFill>
-                  <a:effectLst/>
-                  <a:uFillTx/>
-                  <a:latin typeface="Segoe UI"/>
-                </a:rPr>
-                <a:t> the expert’s actions in similar situations. However, this approach often fails if the environment changes as the AI hasn’t learned </a:t>
-              </a:r>
-              <a:r>
-                <a:rPr b="0" i="1" lang="en-US" sz="3600" strike="noStrike" u="none">
-                  <a:solidFill>
-                    <a:schemeClr val="dk1"/>
-                  </a:solidFill>
-                  <a:effectLst/>
-                  <a:uFillTx/>
-                  <a:latin typeface="Segoe UI"/>
-                </a:rPr>
-                <a:t>why</a:t>
-              </a:r>
-              <a:r>
-                <a:rPr b="0" lang="en-US" sz="3600" strike="noStrike" u="none">
-                  <a:solidFill>
-                    <a:schemeClr val="dk1"/>
-                  </a:solidFill>
-                  <a:effectLst/>
-                  <a:uFillTx/>
-                  <a:latin typeface="Segoe UI"/>
-                </a:rPr>
-                <a:t> the expert that way.</a:t>
-              </a:r>
-              <a:endParaRPr b="0" lang="en-US" sz="3600" strike="noStrike" u="none">
+              <a:endParaRPr lang="en-US" sz="3000" b="0" u="none" strike="noStrike" dirty="0">
                 <a:solidFill>
                   <a:srgbClr val="000000"/>
                 </a:solidFill>
                 <a:effectLst/>
                 <a:uFillTx/>
-                <a:latin typeface="Arial"/>
-              </a:endParaRPr>
-            </a:p>
-            <a:p>
-              <a:pPr defTabSz="457200">
-                <a:lnSpc>
-                  <a:spcPct val="100000"/>
-                </a:lnSpc>
-              </a:pPr>
-              <a:endParaRPr b="0" lang="en-US" sz="3600" strike="noStrike" u="none">
-                <a:solidFill>
-                  <a:srgbClr val="000000"/>
-                </a:solidFill>
-                <a:effectLst/>
-                <a:uFillTx/>
-                <a:latin typeface="Arial"/>
-              </a:endParaRPr>
-            </a:p>
-            <a:p>
-              <a:pPr marL="571680" indent="-571680" defTabSz="457200">
-                <a:lnSpc>
-                  <a:spcPct val="100000"/>
-                </a:lnSpc>
-                <a:buClr>
-                  <a:srgbClr val="000000"/>
-                </a:buClr>
-                <a:buFont typeface="Arial"/>
-                <a:buChar char="•"/>
-              </a:pPr>
-              <a:r>
-                <a:rPr b="1" lang="en-US" sz="3600" strike="noStrike" u="none">
-                  <a:solidFill>
-                    <a:schemeClr val="dk1"/>
-                  </a:solidFill>
-                  <a:effectLst/>
-                  <a:uFillTx/>
-                  <a:latin typeface="Segoe UI"/>
-                </a:rPr>
-                <a:t>Inverse Reinforcement Learning (IRL):</a:t>
-              </a:r>
-              <a:r>
-                <a:rPr b="0" lang="en-US" sz="3600" strike="noStrike" u="none">
-                  <a:solidFill>
-                    <a:schemeClr val="dk1"/>
-                  </a:solidFill>
-                  <a:effectLst/>
-                  <a:uFillTx/>
-                  <a:latin typeface="Segoe UI"/>
-                </a:rPr>
-                <a:t> Another approach is IRL. Instead of just copying, IRL tries to figure out the expert’s underlying goal or objective – it tries to discover the </a:t>
-              </a:r>
-              <a:r>
-                <a:rPr b="1" lang="en-US" sz="3600" strike="noStrike" u="none">
-                  <a:solidFill>
-                    <a:schemeClr val="dk1"/>
-                  </a:solidFill>
-                  <a:effectLst/>
-                  <a:uFillTx/>
-                  <a:latin typeface="Segoe UI"/>
-                </a:rPr>
-                <a:t>reward function</a:t>
-              </a:r>
-              <a:r>
-                <a:rPr b="0" lang="en-US" sz="3600" strike="noStrike" u="none">
-                  <a:solidFill>
-                    <a:schemeClr val="dk1"/>
-                  </a:solidFill>
-                  <a:effectLst/>
-                  <a:uFillTx/>
-                  <a:latin typeface="Segoe UI"/>
-                </a:rPr>
-                <a:t> that explains the expert’s behavior.</a:t>
-              </a:r>
-              <a:endParaRPr b="0" lang="en-US" sz="3600" strike="noStrike" u="none">
-                <a:solidFill>
-                  <a:srgbClr val="000000"/>
-                </a:solidFill>
-                <a:effectLst/>
-                <a:uFillTx/>
-                <a:latin typeface="Arial"/>
+                <a:latin typeface="Segoe UI" panose="020B0502040204020203" pitchFamily="34" charset="0"/>
+                <a:cs typeface="Segoe UI" panose="020B0502040204020203" pitchFamily="34" charset="0"/>
               </a:endParaRPr>
             </a:p>
           </p:txBody>
@@ -6877,7 +7192,7 @@
           <p:spPr>
             <a:xfrm>
               <a:off x="914400" y="8229600"/>
-              <a:ext cx="11886480" cy="2055960"/>
+              <a:ext cx="11886480" cy="1371578"/>
             </a:xfrm>
             <a:prstGeom prst="round2SameRect">
               <a:avLst>
@@ -6886,11 +7201,11 @@
               </a:avLst>
             </a:prstGeom>
             <a:solidFill>
-              <a:srgbClr val="c8102e"/>
+              <a:srgbClr val="C8102E"/>
             </a:solidFill>
             <a:ln>
               <a:solidFill>
-                <a:srgbClr val="092a38"/>
+                <a:srgbClr val="092A38"/>
               </a:solidFill>
             </a:ln>
           </p:spPr>
@@ -6909,9 +7224,10 @@
             <a:fontRef idx="minor"/>
           </p:style>
           <p:txBody>
-            <a:bodyPr lIns="90000" rIns="90000" tIns="45000" bIns="45000" anchor="ctr">
+            <a:bodyPr lIns="90000" tIns="45000" rIns="90000" bIns="45000" anchor="ctr">
               <a:noAutofit/>
             </a:bodyPr>
+            <a:lstStyle/>
             <a:p>
               <a:pPr algn="ctr" defTabSz="457200">
                 <a:lnSpc>
@@ -6919,7 +7235,7 @@
                 </a:lnSpc>
               </a:pPr>
               <a:r>
-                <a:rPr b="1" lang="en-US" sz="6600" strike="noStrike" u="none">
+                <a:rPr lang="en-US" sz="6600" b="1" u="none" strike="noStrike" dirty="0">
                   <a:solidFill>
                     <a:schemeClr val="lt1"/>
                   </a:solidFill>
@@ -6929,9 +7245,9 @@
                 </a:rPr>
                 <a:t>Introduction</a:t>
               </a:r>
-              <a:endParaRPr b="0" lang="en-US" sz="6600" strike="noStrike" u="none">
-                <a:solidFill>
-                  <a:srgbClr val="ffffff"/>
+              <a:endParaRPr lang="en-US" sz="6600" b="0" u="none" strike="noStrike" dirty="0">
+                <a:solidFill>
+                  <a:srgbClr val="FFFFFF"/>
                 </a:solidFill>
                 <a:effectLst/>
                 <a:uFillTx/>
@@ -6943,41 +7259,47 @@
       </p:grpSp>
       <p:grpSp>
         <p:nvGrpSpPr>
-          <p:cNvPr id="71" name="Group 18"/>
+          <p:cNvPr id="21" name="Group 20">
+            <a:extLst>
+              <a:ext uri="{FF2B5EF4-FFF2-40B4-BE49-F238E27FC236}">
+                <a16:creationId xmlns:a16="http://schemas.microsoft.com/office/drawing/2014/main" id="{4D5F9E23-93A8-CA0C-2FD7-1CC90B5CFF13}"/>
+              </a:ext>
+            </a:extLst>
+          </p:cNvPr>
           <p:cNvGrpSpPr/>
           <p:nvPr/>
         </p:nvGrpSpPr>
         <p:grpSpPr>
           <a:xfrm>
-            <a:off x="14124600" y="8229600"/>
-            <a:ext cx="11886480" cy="19201680"/>
-            <a:chOff x="14124600" y="8229600"/>
-            <a:chExt cx="11886480" cy="19201680"/>
+            <a:off x="914400" y="16459200"/>
+            <a:ext cx="12801600" cy="16041000"/>
+            <a:chOff x="914400" y="16459200"/>
+            <a:chExt cx="12801600" cy="16041000"/>
           </a:xfrm>
         </p:grpSpPr>
         <p:sp>
           <p:nvSpPr>
-            <p:cNvPr id="72" name="Round Same Side Corner Rectangle 19"/>
+            <p:cNvPr id="73" name="Round Same Side Corner Rectangle 20"/>
             <p:cNvSpPr/>
             <p:nvPr/>
           </p:nvSpPr>
           <p:spPr>
             <a:xfrm>
-              <a:off x="14124600" y="9974520"/>
-              <a:ext cx="11886480" cy="17456760"/>
+              <a:off x="914400" y="16459200"/>
+              <a:ext cx="12801600" cy="1371600"/>
             </a:xfrm>
             <a:prstGeom prst="round2SameRect">
               <a:avLst>
-                <a:gd name="adj1" fmla="val 0"/>
-                <a:gd name="adj2" fmla="val 3682"/>
+                <a:gd name="adj1" fmla="val 16667"/>
+                <a:gd name="adj2" fmla="val 0"/>
               </a:avLst>
             </a:prstGeom>
             <a:solidFill>
-              <a:srgbClr val="c9c7aa"/>
+              <a:srgbClr val="C8102E"/>
             </a:solidFill>
             <a:ln>
               <a:solidFill>
-                <a:srgbClr val="092a38"/>
+                <a:srgbClr val="092A38"/>
               </a:solidFill>
             </a:ln>
           </p:spPr>
@@ -6996,416 +7318,30 @@
             <a:fontRef idx="minor"/>
           </p:style>
           <p:txBody>
-            <a:bodyPr lIns="90000" rIns="90000" tIns="45000" bIns="45000" anchor="ctr">
+            <a:bodyPr lIns="457200" tIns="457200" rIns="457200" bIns="457200" anchor="ctr">
               <a:noAutofit/>
             </a:bodyPr>
+            <a:lstStyle/>
             <a:p>
-              <a:pPr marL="571680" indent="-571680" defTabSz="457200">
+              <a:pPr algn="ctr" defTabSz="457200">
                 <a:lnSpc>
                   <a:spcPct val="100000"/>
                 </a:lnSpc>
-                <a:buClr>
-                  <a:srgbClr val="000000"/>
-                </a:buClr>
-                <a:buFont typeface="Arial"/>
-                <a:buChar char="•"/>
               </a:pPr>
               <a:r>
-                <a:rPr b="1" lang="en-US" sz="3600" strike="noStrike" u="none">
+                <a:rPr lang="en-US" sz="6600" b="1" u="none" strike="noStrike" dirty="0">
                   <a:solidFill>
-                    <a:schemeClr val="dk1"/>
+                    <a:schemeClr val="lt1"/>
                   </a:solidFill>
                   <a:effectLst/>
                   <a:uFillTx/>
                   <a:latin typeface="Segoe UI"/>
                 </a:rPr>
-                <a:t>What is Reinforcement Learning (RL)?:</a:t>
+                <a:t>Methods</a:t>
               </a:r>
-              <a:r>
-                <a:rPr b="0" lang="en-US" sz="3600" strike="noStrike" u="none">
-                  <a:solidFill>
-                    <a:schemeClr val="dk1"/>
-                  </a:solidFill>
-                  <a:effectLst/>
-                  <a:uFillTx/>
-                  <a:latin typeface="Segoe UI"/>
-                </a:rPr>
-                <a:t> This is a common way to train AI agents (like robots or game characters) to learn complex tasks. The AI learns through </a:t>
-              </a:r>
-              <a:r>
-                <a:rPr b="1" lang="en-US" sz="3600" strike="noStrike" u="none">
-                  <a:solidFill>
-                    <a:schemeClr val="dk1"/>
-                  </a:solidFill>
-                  <a:effectLst/>
-                  <a:uFillTx/>
-                  <a:latin typeface="Segoe UI"/>
-                </a:rPr>
-                <a:t>trial and error</a:t>
-              </a:r>
-              <a:r>
-                <a:rPr b="0" lang="en-US" sz="3600" strike="noStrike" u="none">
-                  <a:solidFill>
-                    <a:schemeClr val="dk1"/>
-                  </a:solidFill>
-                  <a:effectLst/>
-                  <a:uFillTx/>
-                  <a:latin typeface="Segoe UI"/>
-                </a:rPr>
-                <a:t>, receiving </a:t>
-              </a:r>
-              <a:r>
-                <a:rPr b="1" lang="en-US" sz="3600" strike="noStrike" u="none">
-                  <a:solidFill>
-                    <a:schemeClr val="dk1"/>
-                  </a:solidFill>
-                  <a:effectLst/>
-                  <a:uFillTx/>
-                  <a:latin typeface="Segoe UI"/>
-                </a:rPr>
-                <a:t>rewards </a:t>
-              </a:r>
-              <a:r>
-                <a:rPr b="0" lang="en-US" sz="3600" strike="noStrike" u="none">
-                  <a:solidFill>
-                    <a:schemeClr val="dk1"/>
-                  </a:solidFill>
-                  <a:effectLst/>
-                  <a:uFillTx/>
-                  <a:latin typeface="Segoe UI"/>
-                </a:rPr>
-                <a:t>for good actions and penalties for bad ones. The AI’s goal is to maximize its total rewards over time.</a:t>
-              </a:r>
-              <a:endParaRPr b="0" lang="en-US" sz="3600" strike="noStrike" u="none">
-                <a:solidFill>
-                  <a:srgbClr val="000000"/>
-                </a:solidFill>
-                <a:effectLst/>
-                <a:uFillTx/>
-                <a:latin typeface="Arial"/>
-              </a:endParaRPr>
-            </a:p>
-            <a:p>
-              <a:pPr defTabSz="457200">
-                <a:lnSpc>
-                  <a:spcPct val="100000"/>
-                </a:lnSpc>
-              </a:pPr>
-              <a:endParaRPr b="0" lang="en-US" sz="3600" strike="noStrike" u="none">
-                <a:solidFill>
-                  <a:srgbClr val="000000"/>
-                </a:solidFill>
-                <a:effectLst/>
-                <a:uFillTx/>
-                <a:latin typeface="Arial"/>
-              </a:endParaRPr>
-            </a:p>
-            <a:p>
-              <a:pPr marL="571680" indent="-571680" defTabSz="457200">
-                <a:lnSpc>
-                  <a:spcPct val="100000"/>
-                </a:lnSpc>
-                <a:buClr>
-                  <a:srgbClr val="000000"/>
-                </a:buClr>
-                <a:buFont typeface="Arial"/>
-                <a:buChar char="•"/>
-              </a:pPr>
-              <a:r>
-                <a:rPr b="1" lang="en-US" sz="3600" strike="noStrike" u="none">
-                  <a:solidFill>
-                    <a:schemeClr val="dk1"/>
-                  </a:solidFill>
-                  <a:effectLst/>
-                  <a:uFillTx/>
-                  <a:latin typeface="Segoe UI"/>
-                </a:rPr>
-                <a:t>The Reward Design Problem:</a:t>
-              </a:r>
-              <a:r>
-                <a:rPr b="0" i="1" lang="en-US" sz="3600" strike="noStrike" u="none">
-                  <a:solidFill>
-                    <a:schemeClr val="dk1"/>
-                  </a:solidFill>
-                  <a:effectLst/>
-                  <a:uFillTx/>
-                  <a:latin typeface="Segoe UI"/>
-                </a:rPr>
-                <a:t> </a:t>
-              </a:r>
-              <a:r>
-                <a:rPr b="0" lang="en-US" sz="3600" strike="noStrike" u="none">
-                  <a:solidFill>
-                    <a:schemeClr val="dk1"/>
-                  </a:solidFill>
-                  <a:effectLst/>
-                  <a:uFillTx/>
-                  <a:latin typeface="Segoe UI"/>
-                </a:rPr>
-                <a:t>For many real-world tasks (like driving safely or performing surgery), manually creating a precise system of rewards that tells the AI exactly what to do in every situation is incredibly difficult, sometimes impossible.</a:t>
-              </a:r>
-              <a:endParaRPr b="0" lang="en-US" sz="3600" strike="noStrike" u="none">
-                <a:solidFill>
-                  <a:srgbClr val="000000"/>
-                </a:solidFill>
-                <a:effectLst/>
-                <a:uFillTx/>
-                <a:latin typeface="Arial"/>
-              </a:endParaRPr>
-            </a:p>
-            <a:p>
-              <a:pPr defTabSz="457200">
-                <a:lnSpc>
-                  <a:spcPct val="100000"/>
-                </a:lnSpc>
-              </a:pPr>
-              <a:endParaRPr b="0" lang="en-US" sz="3600" strike="noStrike" u="none">
-                <a:solidFill>
-                  <a:srgbClr val="000000"/>
-                </a:solidFill>
-                <a:effectLst/>
-                <a:uFillTx/>
-                <a:latin typeface="Arial"/>
-              </a:endParaRPr>
-            </a:p>
-            <a:p>
-              <a:pPr marL="571680" indent="-571680" defTabSz="457200">
-                <a:lnSpc>
-                  <a:spcPct val="100000"/>
-                </a:lnSpc>
-                <a:buClr>
-                  <a:srgbClr val="000000"/>
-                </a:buClr>
-                <a:buFont typeface="Arial"/>
-                <a:buChar char="•"/>
-              </a:pPr>
-              <a:r>
-                <a:rPr b="1" lang="en-US" sz="3600" strike="noStrike" u="none">
-                  <a:solidFill>
-                    <a:schemeClr val="dk1"/>
-                  </a:solidFill>
-                  <a:effectLst/>
-                  <a:uFillTx/>
-                  <a:latin typeface="Segoe UI"/>
-                </a:rPr>
-                <a:t>Learning from Examples:</a:t>
-              </a:r>
-              <a:r>
-                <a:rPr b="0" lang="en-US" sz="3600" strike="noStrike" u="none">
-                  <a:solidFill>
-                    <a:schemeClr val="dk1"/>
-                  </a:solidFill>
-                  <a:effectLst/>
-                  <a:uFillTx/>
-                  <a:latin typeface="Segoe UI"/>
-                </a:rPr>
-                <a:t> If we can’t easily give the AI rewards, what if we just </a:t>
-              </a:r>
-              <a:r>
-                <a:rPr b="0" i="1" lang="en-US" sz="3600" strike="noStrike" u="none">
-                  <a:solidFill>
-                    <a:schemeClr val="dk1"/>
-                  </a:solidFill>
-                  <a:effectLst/>
-                  <a:uFillTx/>
-                  <a:latin typeface="Segoe UI"/>
-                </a:rPr>
-                <a:t>show</a:t>
-              </a:r>
-              <a:r>
-                <a:rPr b="0" lang="en-US" sz="3600" strike="noStrike" u="none">
-                  <a:solidFill>
-                    <a:schemeClr val="dk1"/>
-                  </a:solidFill>
-                  <a:effectLst/>
-                  <a:uFillTx/>
-                  <a:latin typeface="Segoe UI"/>
-                </a:rPr>
-                <a:t> it what a human expert does? This is the core idea behind learning from demonstrations.</a:t>
-              </a:r>
-              <a:endParaRPr b="0" lang="en-US" sz="3600" strike="noStrike" u="none">
-                <a:solidFill>
-                  <a:srgbClr val="000000"/>
-                </a:solidFill>
-                <a:effectLst/>
-                <a:uFillTx/>
-                <a:latin typeface="Arial"/>
-              </a:endParaRPr>
-            </a:p>
-            <a:p>
-              <a:pPr defTabSz="457200">
-                <a:lnSpc>
-                  <a:spcPct val="100000"/>
-                </a:lnSpc>
-              </a:pPr>
-              <a:endParaRPr b="0" lang="en-US" sz="3600" strike="noStrike" u="none">
-                <a:solidFill>
-                  <a:srgbClr val="000000"/>
-                </a:solidFill>
-                <a:effectLst/>
-                <a:uFillTx/>
-                <a:latin typeface="Arial"/>
-              </a:endParaRPr>
-            </a:p>
-            <a:p>
-              <a:pPr marL="571680" indent="-571680" defTabSz="457200">
-                <a:lnSpc>
-                  <a:spcPct val="100000"/>
-                </a:lnSpc>
-                <a:buClr>
-                  <a:srgbClr val="000000"/>
-                </a:buClr>
-                <a:buFont typeface="Arial"/>
-                <a:buChar char="•"/>
-              </a:pPr>
-              <a:r>
-                <a:rPr b="1" lang="en-US" sz="3600" strike="noStrike" u="none">
-                  <a:solidFill>
-                    <a:schemeClr val="dk1"/>
-                  </a:solidFill>
-                  <a:effectLst/>
-                  <a:uFillTx/>
-                  <a:latin typeface="Segoe UI"/>
-                </a:rPr>
-                <a:t>Imitation Learning (IL):</a:t>
-              </a:r>
-              <a:r>
-                <a:rPr b="0" lang="en-US" sz="3600" strike="noStrike" u="none">
-                  <a:solidFill>
-                    <a:schemeClr val="dk1"/>
-                  </a:solidFill>
-                  <a:effectLst/>
-                  <a:uFillTx/>
-                  <a:latin typeface="Segoe UI"/>
-                </a:rPr>
-                <a:t> One approach to learning from examples is imitation learning. The AI watches expert examples and learns to simply </a:t>
-              </a:r>
-              <a:r>
-                <a:rPr b="1" lang="en-US" sz="3600" strike="noStrike" u="none">
-                  <a:solidFill>
-                    <a:schemeClr val="dk1"/>
-                  </a:solidFill>
-                  <a:effectLst/>
-                  <a:uFillTx/>
-                  <a:latin typeface="Segoe UI"/>
-                </a:rPr>
-                <a:t>copy</a:t>
-              </a:r>
-              <a:r>
-                <a:rPr b="0" lang="en-US" sz="3600" strike="noStrike" u="none">
-                  <a:solidFill>
-                    <a:schemeClr val="dk1"/>
-                  </a:solidFill>
-                  <a:effectLst/>
-                  <a:uFillTx/>
-                  <a:latin typeface="Segoe UI"/>
-                </a:rPr>
-                <a:t> the expert’s actions in similar situations. However, this approach often fails if the environment changes as the AI hasn’t learned </a:t>
-              </a:r>
-              <a:r>
-                <a:rPr b="0" i="1" lang="en-US" sz="3600" strike="noStrike" u="none">
-                  <a:solidFill>
-                    <a:schemeClr val="dk1"/>
-                  </a:solidFill>
-                  <a:effectLst/>
-                  <a:uFillTx/>
-                  <a:latin typeface="Segoe UI"/>
-                </a:rPr>
-                <a:t>why</a:t>
-              </a:r>
-              <a:r>
-                <a:rPr b="0" lang="en-US" sz="3600" strike="noStrike" u="none">
-                  <a:solidFill>
-                    <a:schemeClr val="dk1"/>
-                  </a:solidFill>
-                  <a:effectLst/>
-                  <a:uFillTx/>
-                  <a:latin typeface="Segoe UI"/>
-                </a:rPr>
-                <a:t> the expert that way.</a:t>
-              </a:r>
-              <a:endParaRPr b="0" lang="en-US" sz="3600" strike="noStrike" u="none">
-                <a:solidFill>
-                  <a:srgbClr val="000000"/>
-                </a:solidFill>
-                <a:effectLst/>
-                <a:uFillTx/>
-                <a:latin typeface="Arial"/>
-              </a:endParaRPr>
-            </a:p>
-            <a:p>
-              <a:pPr defTabSz="457200">
-                <a:lnSpc>
-                  <a:spcPct val="100000"/>
-                </a:lnSpc>
-              </a:pPr>
-              <a:endParaRPr b="0" lang="en-US" sz="3600" strike="noStrike" u="none">
-                <a:solidFill>
-                  <a:srgbClr val="000000"/>
-                </a:solidFill>
-                <a:effectLst/>
-                <a:uFillTx/>
-                <a:latin typeface="Arial"/>
-              </a:endParaRPr>
-            </a:p>
-            <a:p>
-              <a:pPr marL="571680" indent="-571680" defTabSz="457200">
-                <a:lnSpc>
-                  <a:spcPct val="100000"/>
-                </a:lnSpc>
-                <a:buClr>
-                  <a:srgbClr val="000000"/>
-                </a:buClr>
-                <a:buFont typeface="Arial"/>
-                <a:buChar char="•"/>
-              </a:pPr>
-              <a:r>
-                <a:rPr b="1" lang="en-US" sz="3600" strike="noStrike" u="none">
-                  <a:solidFill>
-                    <a:schemeClr val="dk1"/>
-                  </a:solidFill>
-                  <a:effectLst/>
-                  <a:uFillTx/>
-                  <a:latin typeface="Segoe UI"/>
-                </a:rPr>
-                <a:t>Inverse Reinforcement Learning (IRL):</a:t>
-              </a:r>
-              <a:r>
-                <a:rPr b="0" lang="en-US" sz="3600" strike="noStrike" u="none">
-                  <a:solidFill>
-                    <a:schemeClr val="dk1"/>
-                  </a:solidFill>
-                  <a:effectLst/>
-                  <a:uFillTx/>
-                  <a:latin typeface="Segoe UI"/>
-                </a:rPr>
-                <a:t> Another approach is IRL. Instead of just copying, IRL tries to figure out the expert’s underlying goal or objective – it tries to discover the </a:t>
-              </a:r>
-              <a:r>
-                <a:rPr b="1" lang="en-US" sz="3600" strike="noStrike" u="none">
-                  <a:solidFill>
-                    <a:schemeClr val="dk1"/>
-                  </a:solidFill>
-                  <a:effectLst/>
-                  <a:uFillTx/>
-                  <a:latin typeface="Segoe UI"/>
-                </a:rPr>
-                <a:t>reward function</a:t>
-              </a:r>
-              <a:r>
-                <a:rPr b="0" lang="en-US" sz="3600" strike="noStrike" u="none">
-                  <a:solidFill>
-                    <a:schemeClr val="dk1"/>
-                  </a:solidFill>
-                  <a:effectLst/>
-                  <a:uFillTx/>
-                  <a:latin typeface="Segoe UI"/>
-                </a:rPr>
-                <a:t> that explains the expert’s behavior.</a:t>
-              </a:r>
-              <a:endParaRPr b="0" lang="en-US" sz="3600" strike="noStrike" u="none">
-                <a:solidFill>
-                  <a:srgbClr val="000000"/>
+              <a:endParaRPr lang="en-US" sz="6600" b="0" u="none" strike="noStrike" dirty="0">
+                <a:solidFill>
+                  <a:srgbClr val="FFFFFF"/>
                 </a:solidFill>
                 <a:effectLst/>
                 <a:uFillTx/>
@@ -7416,27 +7352,27 @@
         </p:sp>
         <p:sp>
           <p:nvSpPr>
-            <p:cNvPr id="73" name="Round Same Side Corner Rectangle 20"/>
+            <p:cNvPr id="72" name="Round Same Side Corner Rectangle 19"/>
             <p:cNvSpPr/>
             <p:nvPr/>
           </p:nvSpPr>
           <p:spPr>
             <a:xfrm>
-              <a:off x="14124600" y="8229600"/>
-              <a:ext cx="11886480" cy="1744200"/>
+              <a:off x="914400" y="17830800"/>
+              <a:ext cx="12801600" cy="14669400"/>
             </a:xfrm>
             <a:prstGeom prst="round2SameRect">
               <a:avLst>
-                <a:gd name="adj1" fmla="val 16667"/>
-                <a:gd name="adj2" fmla="val 0"/>
+                <a:gd name="adj1" fmla="val 0"/>
+                <a:gd name="adj2" fmla="val 3682"/>
               </a:avLst>
             </a:prstGeom>
             <a:solidFill>
-              <a:srgbClr val="c8102e"/>
+              <a:srgbClr val="C9C7AA"/>
             </a:solidFill>
             <a:ln>
               <a:solidFill>
-                <a:srgbClr val="092a38"/>
+                <a:srgbClr val="092A38"/>
               </a:solidFill>
             </a:ln>
           </p:spPr>
@@ -7455,62 +7391,587 @@
             <a:fontRef idx="minor"/>
           </p:style>
           <p:txBody>
-            <a:bodyPr lIns="90000" rIns="90000" tIns="45000" bIns="45000" anchor="ctr">
+            <a:bodyPr lIns="457200" tIns="457200" rIns="457200" bIns="457200" anchor="t">
               <a:noAutofit/>
             </a:bodyPr>
+            <a:lstStyle/>
             <a:p>
-              <a:pPr algn="ctr" defTabSz="457200">
+              <a:pPr defTabSz="457200">
                 <a:lnSpc>
                   <a:spcPct val="100000"/>
                 </a:lnSpc>
+                <a:buClr>
+                  <a:srgbClr val="000000"/>
+                </a:buClr>
               </a:pPr>
               <a:r>
-                <a:rPr b="1" lang="en-US" sz="6600" strike="noStrike" u="none">
+                <a:rPr lang="en-US" sz="3000" b="1" u="none" strike="noStrike" dirty="0">
                   <a:solidFill>
-                    <a:schemeClr val="lt1"/>
+                    <a:srgbClr val="000000"/>
                   </a:solidFill>
                   <a:effectLst/>
                   <a:uFillTx/>
-                  <a:latin typeface="Segoe UI"/>
+                  <a:latin typeface="Segoe UI" panose="020B0502040204020203" pitchFamily="34" charset="0"/>
+                  <a:cs typeface="Segoe UI" panose="020B0502040204020203" pitchFamily="34" charset="0"/>
                 </a:rPr>
-                <a:t>Introduction</a:t>
+                <a:t>Algorithms</a:t>
               </a:r>
-              <a:endParaRPr b="0" lang="en-US" sz="6600" strike="noStrike" u="none">
-                <a:solidFill>
-                  <a:srgbClr val="ffffff"/>
-                </a:solidFill>
-                <a:effectLst/>
-                <a:uFillTx/>
-                <a:latin typeface="Arial"/>
+            </a:p>
+            <a:p>
+              <a:pPr marL="571500" indent="-571500" defTabSz="457200">
+                <a:lnSpc>
+                  <a:spcPct val="100000"/>
+                </a:lnSpc>
+                <a:buClr>
+                  <a:srgbClr val="000000"/>
+                </a:buClr>
+                <a:buFont typeface="Arial" panose="020B0604020202020204" pitchFamily="34" charset="0"/>
+                <a:buChar char="•"/>
+              </a:pPr>
+              <a:r>
+                <a:rPr lang="en-US" sz="3000" b="1" dirty="0">
+                  <a:solidFill>
+                    <a:srgbClr val="000000"/>
+                  </a:solidFill>
+                  <a:latin typeface="Segoe UI" panose="020B0502040204020203" pitchFamily="34" charset="0"/>
+                  <a:cs typeface="Segoe UI" panose="020B0502040204020203" pitchFamily="34" charset="0"/>
+                </a:rPr>
+                <a:t>Behavioral Cloning (BC):</a:t>
+              </a:r>
+              <a:r>
+                <a:rPr lang="en-US" sz="3000" dirty="0">
+                  <a:solidFill>
+                    <a:srgbClr val="000000"/>
+                  </a:solidFill>
+                  <a:latin typeface="Segoe UI" panose="020B0502040204020203" pitchFamily="34" charset="0"/>
+                  <a:cs typeface="Segoe UI" panose="020B0502040204020203" pitchFamily="34" charset="0"/>
+                </a:rPr>
+                <a:t> Direct supervised learning of state-action pairs. It’s an easy, naïve baseline for IL.</a:t>
+              </a:r>
+            </a:p>
+            <a:p>
+              <a:pPr marL="571500" indent="-571500" defTabSz="457200">
+                <a:lnSpc>
+                  <a:spcPct val="100000"/>
+                </a:lnSpc>
+                <a:buClr>
+                  <a:srgbClr val="000000"/>
+                </a:buClr>
+                <a:buFont typeface="Arial" panose="020B0604020202020204" pitchFamily="34" charset="0"/>
+                <a:buChar char="•"/>
+              </a:pPr>
+              <a:r>
+                <a:rPr lang="en-US" sz="3000" b="1" dirty="0">
+                  <a:solidFill>
+                    <a:srgbClr val="000000"/>
+                  </a:solidFill>
+                  <a:latin typeface="Segoe UI" panose="020B0502040204020203" pitchFamily="34" charset="0"/>
+                  <a:cs typeface="Segoe UI" panose="020B0502040204020203" pitchFamily="34" charset="0"/>
+                </a:rPr>
+                <a:t>Generative Adversarial Imitation Learning (GAIL): </a:t>
+              </a:r>
+              <a:r>
+                <a:rPr lang="en-US" sz="3000" dirty="0">
+                  <a:solidFill>
+                    <a:srgbClr val="000000"/>
+                  </a:solidFill>
+                  <a:latin typeface="Segoe UI" panose="020B0502040204020203" pitchFamily="34" charset="0"/>
+                  <a:cs typeface="Segoe UI" panose="020B0502040204020203" pitchFamily="34" charset="0"/>
+                </a:rPr>
+                <a:t>State of the art IL approach which trains an agent to discriminate between the expert trajectories and GAIL’s policy’s trajectories.</a:t>
+              </a:r>
+            </a:p>
+            <a:p>
+              <a:pPr marL="571500" indent="-571500" defTabSz="457200">
+                <a:lnSpc>
+                  <a:spcPct val="100000"/>
+                </a:lnSpc>
+                <a:buClr>
+                  <a:srgbClr val="000000"/>
+                </a:buClr>
+                <a:buFont typeface="Arial" panose="020B0604020202020204" pitchFamily="34" charset="0"/>
+                <a:buChar char="•"/>
+              </a:pPr>
+              <a:r>
+                <a:rPr lang="en-US" sz="3000" b="1" dirty="0">
+                  <a:solidFill>
+                    <a:srgbClr val="000000"/>
+                  </a:solidFill>
+                  <a:latin typeface="Segoe UI" panose="020B0502040204020203" pitchFamily="34" charset="0"/>
+                  <a:cs typeface="Segoe UI" panose="020B0502040204020203" pitchFamily="34" charset="0"/>
+                </a:rPr>
+                <a:t>Adversarial Inverse Reinforcement Learning (AIRL):</a:t>
+              </a:r>
+              <a:r>
+                <a:rPr lang="en-US" sz="3000" dirty="0">
+                  <a:solidFill>
+                    <a:srgbClr val="000000"/>
+                  </a:solidFill>
+                  <a:latin typeface="Segoe UI" panose="020B0502040204020203" pitchFamily="34" charset="0"/>
+                  <a:cs typeface="Segoe UI" panose="020B0502040204020203" pitchFamily="34" charset="0"/>
+                </a:rPr>
+                <a:t> State of the art IRL approach which learns a policy </a:t>
+              </a:r>
+              <a:r>
+                <a:rPr lang="en-US" sz="3000" i="1" dirty="0">
+                  <a:solidFill>
+                    <a:srgbClr val="000000"/>
+                  </a:solidFill>
+                  <a:latin typeface="Segoe UI" panose="020B0502040204020203" pitchFamily="34" charset="0"/>
+                  <a:cs typeface="Segoe UI" panose="020B0502040204020203" pitchFamily="34" charset="0"/>
+                </a:rPr>
+                <a:t>and </a:t>
+              </a:r>
+              <a:r>
+                <a:rPr lang="en-US" sz="3000" dirty="0">
+                  <a:solidFill>
+                    <a:srgbClr val="000000"/>
+                  </a:solidFill>
+                  <a:latin typeface="Segoe UI" panose="020B0502040204020203" pitchFamily="34" charset="0"/>
+                  <a:cs typeface="Segoe UI" panose="020B0502040204020203" pitchFamily="34" charset="0"/>
+                </a:rPr>
+                <a:t>attempts to learn a reward function</a:t>
+              </a:r>
+              <a:endParaRPr lang="en-US" sz="3000" b="1" u="none" strike="noStrike" dirty="0">
+                <a:solidFill>
+                  <a:srgbClr val="000000"/>
+                </a:solidFill>
+                <a:effectLst/>
+                <a:uFillTx/>
+                <a:latin typeface="Segoe UI" panose="020B0502040204020203" pitchFamily="34" charset="0"/>
+                <a:cs typeface="Segoe UI" panose="020B0502040204020203" pitchFamily="34" charset="0"/>
               </a:endParaRPr>
+            </a:p>
+            <a:p>
+              <a:pPr defTabSz="457200">
+                <a:lnSpc>
+                  <a:spcPct val="100000"/>
+                </a:lnSpc>
+                <a:buClr>
+                  <a:srgbClr val="000000"/>
+                </a:buClr>
+              </a:pPr>
+              <a:endParaRPr lang="en-US" sz="3000" b="0" u="none" strike="noStrike" dirty="0">
+                <a:solidFill>
+                  <a:srgbClr val="000000"/>
+                </a:solidFill>
+                <a:effectLst/>
+                <a:uFillTx/>
+                <a:latin typeface="Segoe UI" panose="020B0502040204020203" pitchFamily="34" charset="0"/>
+                <a:cs typeface="Segoe UI" panose="020B0502040204020203" pitchFamily="34" charset="0"/>
+              </a:endParaRPr>
+            </a:p>
+            <a:p>
+              <a:pPr defTabSz="457200">
+                <a:lnSpc>
+                  <a:spcPct val="100000"/>
+                </a:lnSpc>
+                <a:buClr>
+                  <a:srgbClr val="000000"/>
+                </a:buClr>
+              </a:pPr>
+              <a:r>
+                <a:rPr lang="en-US" sz="3000" b="1" dirty="0">
+                  <a:solidFill>
+                    <a:srgbClr val="000000"/>
+                  </a:solidFill>
+                  <a:latin typeface="Segoe UI" panose="020B0502040204020203" pitchFamily="34" charset="0"/>
+                  <a:cs typeface="Segoe UI" panose="020B0502040204020203" pitchFamily="34" charset="0"/>
+                </a:rPr>
+                <a:t>Training Data</a:t>
+              </a:r>
+            </a:p>
+            <a:p>
+              <a:pPr defTabSz="457200">
+                <a:lnSpc>
+                  <a:spcPct val="100000"/>
+                </a:lnSpc>
+                <a:buClr>
+                  <a:srgbClr val="000000"/>
+                </a:buClr>
+              </a:pPr>
+              <a:r>
+                <a:rPr lang="en-US" sz="3000" dirty="0">
+                  <a:solidFill>
+                    <a:srgbClr val="000000"/>
+                  </a:solidFill>
+                  <a:latin typeface="Segoe UI" panose="020B0502040204020203" pitchFamily="34" charset="0"/>
+                  <a:cs typeface="Segoe UI" panose="020B0502040204020203" pitchFamily="34" charset="0"/>
+                </a:rPr>
+                <a:t>The training data was collected by training a Soft Actor-Critic agent until it reached expert level performance. Then one million timesteps of data was collected with deterministic actions and no added noise.</a:t>
+              </a:r>
+            </a:p>
+            <a:p>
+              <a:pPr defTabSz="457200">
+                <a:lnSpc>
+                  <a:spcPct val="100000"/>
+                </a:lnSpc>
+                <a:buClr>
+                  <a:srgbClr val="000000"/>
+                </a:buClr>
+              </a:pPr>
+              <a:endParaRPr lang="en-US" sz="3000" dirty="0">
+                <a:solidFill>
+                  <a:srgbClr val="000000"/>
+                </a:solidFill>
+                <a:latin typeface="Segoe UI" panose="020B0502040204020203" pitchFamily="34" charset="0"/>
+                <a:cs typeface="Segoe UI" panose="020B0502040204020203" pitchFamily="34" charset="0"/>
+              </a:endParaRPr>
+            </a:p>
+            <a:p>
+              <a:pPr defTabSz="457200">
+                <a:lnSpc>
+                  <a:spcPct val="100000"/>
+                </a:lnSpc>
+                <a:buClr>
+                  <a:srgbClr val="000000"/>
+                </a:buClr>
+              </a:pPr>
+              <a:r>
+                <a:rPr lang="en-US" sz="3000" b="1" dirty="0">
+                  <a:solidFill>
+                    <a:srgbClr val="000000"/>
+                  </a:solidFill>
+                  <a:latin typeface="Segoe UI" panose="020B0502040204020203" pitchFamily="34" charset="0"/>
+                  <a:cs typeface="Segoe UI" panose="020B0502040204020203" pitchFamily="34" charset="0"/>
+                </a:rPr>
+                <a:t>Testing Environments</a:t>
+              </a:r>
+            </a:p>
+            <a:p>
+              <a:pPr defTabSz="457200">
+                <a:lnSpc>
+                  <a:spcPct val="100000"/>
+                </a:lnSpc>
+                <a:buClr>
+                  <a:srgbClr val="000000"/>
+                </a:buClr>
+              </a:pPr>
+              <a:r>
+                <a:rPr lang="en-US" sz="3000" dirty="0">
+                  <a:solidFill>
+                    <a:srgbClr val="000000"/>
+                  </a:solidFill>
+                  <a:latin typeface="Segoe UI" panose="020B0502040204020203" pitchFamily="34" charset="0"/>
+                  <a:cs typeface="Segoe UI" panose="020B0502040204020203" pitchFamily="34" charset="0"/>
+                </a:rPr>
+                <a:t>Each algorithm was trained on the original environments in Figure 1, and then they were evaluated on altered versions. These alterations included changing physical parameters (gravity, friction, etc.) and goal changes (disabling joints, shifting the goal location, etc.).</a:t>
+              </a:r>
             </a:p>
           </p:txBody>
         </p:sp>
+        <p:grpSp>
+          <p:nvGrpSpPr>
+            <p:cNvPr id="17" name="Group 16">
+              <a:extLst>
+                <a:ext uri="{FF2B5EF4-FFF2-40B4-BE49-F238E27FC236}">
+                  <a16:creationId xmlns:a16="http://schemas.microsoft.com/office/drawing/2014/main" id="{8A151187-8FCE-417D-A8E0-660674BD2241}"/>
+                </a:ext>
+              </a:extLst>
+            </p:cNvPr>
+            <p:cNvGrpSpPr/>
+            <p:nvPr/>
+          </p:nvGrpSpPr>
+          <p:grpSpPr>
+            <a:xfrm>
+              <a:off x="1371398" y="27803561"/>
+              <a:ext cx="11887604" cy="4269712"/>
+              <a:chOff x="15516964" y="18264241"/>
+              <a:chExt cx="11887604" cy="4269712"/>
+            </a:xfrm>
+          </p:grpSpPr>
+          <p:sp>
+            <p:nvSpPr>
+              <p:cNvPr id="16" name="Rounded Rectangle 15">
+                <a:extLst>
+                  <a:ext uri="{FF2B5EF4-FFF2-40B4-BE49-F238E27FC236}">
+                    <a16:creationId xmlns:a16="http://schemas.microsoft.com/office/drawing/2014/main" id="{20903236-2CAB-1AC6-1EB5-58B546293AD5}"/>
+                  </a:ext>
+                </a:extLst>
+              </p:cNvPr>
+              <p:cNvSpPr/>
+              <p:nvPr/>
+            </p:nvSpPr>
+            <p:spPr>
+              <a:xfrm>
+                <a:off x="15517368" y="18264241"/>
+                <a:ext cx="11887200" cy="4269712"/>
+              </a:xfrm>
+              <a:prstGeom prst="roundRect">
+                <a:avLst>
+                  <a:gd name="adj" fmla="val 7875"/>
+                </a:avLst>
+              </a:prstGeom>
+              <a:solidFill>
+                <a:schemeClr val="bg1">
+                  <a:lumMod val="85000"/>
+                </a:schemeClr>
+              </a:solidFill>
+            </p:spPr>
+            <p:style>
+              <a:lnRef idx="2">
+                <a:schemeClr val="accent1">
+                  <a:shade val="15000"/>
+                </a:schemeClr>
+              </a:lnRef>
+              <a:fillRef idx="1">
+                <a:schemeClr val="accent1"/>
+              </a:fillRef>
+              <a:effectRef idx="0">
+                <a:schemeClr val="accent1"/>
+              </a:effectRef>
+              <a:fontRef idx="minor">
+                <a:schemeClr val="lt1"/>
+              </a:fontRef>
+            </p:style>
+            <p:txBody>
+              <a:bodyPr rtlCol="0" anchor="ctr"/>
+              <a:lstStyle/>
+              <a:p>
+                <a:pPr algn="ctr"/>
+                <a:endParaRPr lang="en-US" dirty="0"/>
+              </a:p>
+            </p:txBody>
+          </p:sp>
+          <p:grpSp>
+            <p:nvGrpSpPr>
+              <p:cNvPr id="15" name="Group 14">
+                <a:extLst>
+                  <a:ext uri="{FF2B5EF4-FFF2-40B4-BE49-F238E27FC236}">
+                    <a16:creationId xmlns:a16="http://schemas.microsoft.com/office/drawing/2014/main" id="{D28C87E4-9CC5-5F75-4CBA-B4FCCF0F9B7B}"/>
+                  </a:ext>
+                </a:extLst>
+              </p:cNvPr>
+              <p:cNvGrpSpPr/>
+              <p:nvPr/>
+            </p:nvGrpSpPr>
+            <p:grpSpPr>
+              <a:xfrm>
+                <a:off x="15516964" y="18721440"/>
+                <a:ext cx="11887200" cy="3692940"/>
+                <a:chOff x="10542221" y="24024960"/>
+                <a:chExt cx="11887200" cy="3692940"/>
+              </a:xfrm>
+            </p:grpSpPr>
+            <p:pic>
+              <p:nvPicPr>
+                <p:cNvPr id="3" name="Picture 2">
+                  <a:extLst>
+                    <a:ext uri="{FF2B5EF4-FFF2-40B4-BE49-F238E27FC236}">
+                      <a16:creationId xmlns:a16="http://schemas.microsoft.com/office/drawing/2014/main" id="{F30A7166-5391-1883-CDAC-6BFD5A9FDFA7}"/>
+                    </a:ext>
+                  </a:extLst>
+                </p:cNvPr>
+                <p:cNvPicPr>
+                  <a:picLocks noChangeAspect="1"/>
+                </p:cNvPicPr>
+                <p:nvPr/>
+              </p:nvPicPr>
+              <p:blipFill>
+                <a:blip r:embed="rId4">
+                  <a:extLst>
+                    <a:ext uri="{28A0092B-C50C-407E-A947-70E740481C1C}">
+                      <a14:useLocalDpi xmlns:a14="http://schemas.microsoft.com/office/drawing/2010/main" val="0"/>
+                    </a:ext>
+                  </a:extLst>
+                </a:blip>
+                <a:stretch>
+                  <a:fillRect/>
+                </a:stretch>
+              </p:blipFill>
+              <p:spPr>
+                <a:xfrm>
+                  <a:off x="19228819" y="24026332"/>
+                  <a:ext cx="2743200" cy="2743200"/>
+                </a:xfrm>
+                <a:prstGeom prst="rect">
+                  <a:avLst/>
+                </a:prstGeom>
+              </p:spPr>
+            </p:pic>
+            <p:pic>
+              <p:nvPicPr>
+                <p:cNvPr id="5" name="Picture 4">
+                  <a:extLst>
+                    <a:ext uri="{FF2B5EF4-FFF2-40B4-BE49-F238E27FC236}">
+                      <a16:creationId xmlns:a16="http://schemas.microsoft.com/office/drawing/2014/main" id="{56E03022-FC5A-B428-0419-3F7D62D13EBD}"/>
+                    </a:ext>
+                  </a:extLst>
+                </p:cNvPr>
+                <p:cNvPicPr>
+                  <a:picLocks noChangeAspect="1"/>
+                </p:cNvPicPr>
+                <p:nvPr/>
+              </p:nvPicPr>
+              <p:blipFill>
+                <a:blip r:embed="rId5">
+                  <a:extLst>
+                    <a:ext uri="{28A0092B-C50C-407E-A947-70E740481C1C}">
+                      <a14:useLocalDpi xmlns:a14="http://schemas.microsoft.com/office/drawing/2010/main" val="0"/>
+                    </a:ext>
+                  </a:extLst>
+                </a:blip>
+                <a:stretch>
+                  <a:fillRect/>
+                </a:stretch>
+              </p:blipFill>
+              <p:spPr>
+                <a:xfrm>
+                  <a:off x="13742722" y="24024960"/>
+                  <a:ext cx="2743200" cy="2743200"/>
+                </a:xfrm>
+                <a:prstGeom prst="rect">
+                  <a:avLst/>
+                </a:prstGeom>
+              </p:spPr>
+            </p:pic>
+            <p:pic>
+              <p:nvPicPr>
+                <p:cNvPr id="7" name="Picture 6">
+                  <a:extLst>
+                    <a:ext uri="{FF2B5EF4-FFF2-40B4-BE49-F238E27FC236}">
+                      <a16:creationId xmlns:a16="http://schemas.microsoft.com/office/drawing/2014/main" id="{3FFFF1EE-9E61-6634-1441-3D7866C180BB}"/>
+                    </a:ext>
+                  </a:extLst>
+                </p:cNvPr>
+                <p:cNvPicPr>
+                  <a:picLocks noChangeAspect="1"/>
+                </p:cNvPicPr>
+                <p:nvPr/>
+              </p:nvPicPr>
+              <p:blipFill>
+                <a:blip r:embed="rId6">
+                  <a:extLst>
+                    <a:ext uri="{28A0092B-C50C-407E-A947-70E740481C1C}">
+                      <a14:useLocalDpi xmlns:a14="http://schemas.microsoft.com/office/drawing/2010/main" val="0"/>
+                    </a:ext>
+                  </a:extLst>
+                </a:blip>
+                <a:stretch>
+                  <a:fillRect/>
+                </a:stretch>
+              </p:blipFill>
+              <p:spPr>
+                <a:xfrm>
+                  <a:off x="10999623" y="24024960"/>
+                  <a:ext cx="2743200" cy="2743200"/>
+                </a:xfrm>
+                <a:prstGeom prst="rect">
+                  <a:avLst/>
+                </a:prstGeom>
+              </p:spPr>
+            </p:pic>
+            <p:pic>
+              <p:nvPicPr>
+                <p:cNvPr id="9" name="Picture 8">
+                  <a:extLst>
+                    <a:ext uri="{FF2B5EF4-FFF2-40B4-BE49-F238E27FC236}">
+                      <a16:creationId xmlns:a16="http://schemas.microsoft.com/office/drawing/2014/main" id="{C6B8A733-C70C-72B9-CA1B-2B0A748BFD96}"/>
+                    </a:ext>
+                  </a:extLst>
+                </p:cNvPr>
+                <p:cNvPicPr>
+                  <a:picLocks noChangeAspect="1"/>
+                </p:cNvPicPr>
+                <p:nvPr/>
+              </p:nvPicPr>
+              <p:blipFill>
+                <a:blip r:embed="rId7">
+                  <a:extLst>
+                    <a:ext uri="{28A0092B-C50C-407E-A947-70E740481C1C}">
+                      <a14:useLocalDpi xmlns:a14="http://schemas.microsoft.com/office/drawing/2010/main" val="0"/>
+                    </a:ext>
+                  </a:extLst>
+                </a:blip>
+                <a:stretch>
+                  <a:fillRect/>
+                </a:stretch>
+              </p:blipFill>
+              <p:spPr>
+                <a:xfrm>
+                  <a:off x="16485821" y="24026332"/>
+                  <a:ext cx="2743200" cy="2743200"/>
+                </a:xfrm>
+                <a:prstGeom prst="rect">
+                  <a:avLst/>
+                </a:prstGeom>
+              </p:spPr>
+            </p:pic>
+            <p:sp>
+              <p:nvSpPr>
+                <p:cNvPr id="12" name="TextBox 11">
+                  <a:extLst>
+                    <a:ext uri="{FF2B5EF4-FFF2-40B4-BE49-F238E27FC236}">
+                      <a16:creationId xmlns:a16="http://schemas.microsoft.com/office/drawing/2014/main" id="{8DBC7EED-DA0F-C54F-4712-E26DA23C908A}"/>
+                    </a:ext>
+                  </a:extLst>
+                </p:cNvPr>
+                <p:cNvSpPr txBox="1"/>
+                <p:nvPr/>
+              </p:nvSpPr>
+              <p:spPr>
+                <a:xfrm>
+                  <a:off x="10542221" y="26763793"/>
+                  <a:ext cx="11887200" cy="954107"/>
+                </a:xfrm>
+                <a:prstGeom prst="rect">
+                  <a:avLst/>
+                </a:prstGeom>
+                <a:noFill/>
+              </p:spPr>
+              <p:txBody>
+                <a:bodyPr wrap="square" rtlCol="0">
+                  <a:spAutoFit/>
+                </a:bodyPr>
+                <a:lstStyle/>
+                <a:p>
+                  <a:pPr algn="ctr"/>
+                  <a:r>
+                    <a:rPr lang="en-US" sz="2800" i="1" dirty="0"/>
+                    <a:t>Figure 1: Environment names from left to right in ascending difficulty: Hopper, Pusher, Ant, Inverted Pendulum </a:t>
+                  </a:r>
+                </a:p>
+              </p:txBody>
+            </p:sp>
+          </p:grpSp>
+        </p:grpSp>
       </p:grpSp>
       <p:grpSp>
         <p:nvGrpSpPr>
-          <p:cNvPr id="74" name="Group 1"/>
+          <p:cNvPr id="22" name="Group 14">
+            <a:extLst>
+              <a:ext uri="{FF2B5EF4-FFF2-40B4-BE49-F238E27FC236}">
+                <a16:creationId xmlns:a16="http://schemas.microsoft.com/office/drawing/2014/main" id="{A0C80934-94DB-C1A9-97FB-7EB04BBC8193}"/>
+              </a:ext>
+            </a:extLst>
+          </p:cNvPr>
           <p:cNvGrpSpPr/>
           <p:nvPr/>
         </p:nvGrpSpPr>
         <p:grpSpPr>
           <a:xfrm>
-            <a:off x="28346400" y="8229600"/>
-            <a:ext cx="11886480" cy="22402800"/>
-            <a:chOff x="28346400" y="8229600"/>
-            <a:chExt cx="11886480" cy="22402800"/>
+            <a:off x="15544440" y="6400800"/>
+            <a:ext cx="12801600" cy="9144000"/>
+            <a:chOff x="914400" y="8229600"/>
+            <a:chExt cx="11886480" cy="9295628"/>
           </a:xfrm>
         </p:grpSpPr>
         <p:sp>
           <p:nvSpPr>
-            <p:cNvPr id="75" name="Round Same Side Corner Rectangle 1"/>
+            <p:cNvPr id="23" name="Round Same Side Corner Rectangle 16">
+              <a:extLst>
+                <a:ext uri="{FF2B5EF4-FFF2-40B4-BE49-F238E27FC236}">
+                  <a16:creationId xmlns:a16="http://schemas.microsoft.com/office/drawing/2014/main" id="{A0F47A95-CB57-EEA5-23E3-F4E03D175528}"/>
+                </a:ext>
+              </a:extLst>
+            </p:cNvPr>
             <p:cNvSpPr/>
             <p:nvPr/>
           </p:nvSpPr>
           <p:spPr>
             <a:xfrm>
-              <a:off x="28346400" y="10265400"/>
-              <a:ext cx="11886480" cy="20367000"/>
+              <a:off x="914400" y="9601177"/>
+              <a:ext cx="11886480" cy="7924051"/>
             </a:xfrm>
             <a:prstGeom prst="round2SameRect">
               <a:avLst>
@@ -7519,11 +7980,11 @@
               </a:avLst>
             </a:prstGeom>
             <a:solidFill>
-              <a:srgbClr val="c9c7aa"/>
+              <a:srgbClr val="C9C7AA"/>
             </a:solidFill>
             <a:ln>
               <a:solidFill>
-                <a:srgbClr val="092a38"/>
+                <a:srgbClr val="092A38"/>
               </a:solidFill>
             </a:ln>
           </p:spPr>
@@ -7542,434 +8003,61 @@
             <a:fontRef idx="minor"/>
           </p:style>
           <p:txBody>
-            <a:bodyPr lIns="90000" rIns="90000" tIns="45000" bIns="45000" anchor="ctr">
+            <a:bodyPr lIns="457200" tIns="457200" rIns="457200" bIns="457200" anchor="t">
               <a:noAutofit/>
             </a:bodyPr>
+            <a:lstStyle/>
             <a:p>
-              <a:pPr marL="571680" indent="-571680" defTabSz="457200">
+              <a:pPr marL="457200" indent="-457200" defTabSz="457200">
                 <a:lnSpc>
                   <a:spcPct val="100000"/>
                 </a:lnSpc>
                 <a:buClr>
                   <a:srgbClr val="000000"/>
                 </a:buClr>
-                <a:buFont typeface="Arial"/>
+                <a:buFont typeface="Arial" panose="020B0604020202020204" pitchFamily="34" charset="0"/>
                 <a:buChar char="•"/>
               </a:pPr>
               <a:r>
-                <a:rPr b="1" lang="en-US" sz="3600" strike="noStrike" u="none">
+                <a:rPr lang="en-US" sz="3000" b="1" u="none" strike="noStrike" dirty="0">
                   <a:solidFill>
                     <a:schemeClr val="dk1"/>
                   </a:solidFill>
                   <a:effectLst/>
                   <a:uFillTx/>
-                  <a:latin typeface="Segoe UI"/>
+                  <a:latin typeface="Segoe UI" panose="020B0502040204020203" pitchFamily="34" charset="0"/>
+                  <a:cs typeface="Segoe UI" panose="020B0502040204020203" pitchFamily="34" charset="0"/>
                 </a:rPr>
-                <a:t>What is Reinforcement Learning (RL)?:</a:t>
+                <a:t>Put results here</a:t>
               </a:r>
-              <a:r>
-                <a:rPr b="0" lang="en-US" sz="3600" strike="noStrike" u="none">
-                  <a:solidFill>
-                    <a:schemeClr val="dk1"/>
-                  </a:solidFill>
-                  <a:effectLst/>
-                  <a:uFillTx/>
-                  <a:latin typeface="Segoe UI"/>
-                </a:rPr>
-                <a:t> This is a common way to train AI agents (like robots or game characters) to learn complex tasks. The AI learns through </a:t>
-              </a:r>
-              <a:r>
-                <a:rPr b="1" lang="en-US" sz="3600" strike="noStrike" u="none">
-                  <a:solidFill>
-                    <a:schemeClr val="dk1"/>
-                  </a:solidFill>
-                  <a:effectLst/>
-                  <a:uFillTx/>
-                  <a:latin typeface="Segoe UI"/>
-                </a:rPr>
-                <a:t>trial and error</a:t>
-              </a:r>
-              <a:r>
-                <a:rPr b="0" lang="en-US" sz="3600" strike="noStrike" u="none">
-                  <a:solidFill>
-                    <a:schemeClr val="dk1"/>
-                  </a:solidFill>
-                  <a:effectLst/>
-                  <a:uFillTx/>
-                  <a:latin typeface="Segoe UI"/>
-                </a:rPr>
-                <a:t>, receiving </a:t>
-              </a:r>
-              <a:r>
-                <a:rPr b="1" lang="en-US" sz="3600" strike="noStrike" u="none">
-                  <a:solidFill>
-                    <a:schemeClr val="dk1"/>
-                  </a:solidFill>
-                  <a:effectLst/>
-                  <a:uFillTx/>
-                  <a:latin typeface="Segoe UI"/>
-                </a:rPr>
-                <a:t>rewards </a:t>
-              </a:r>
-              <a:r>
-                <a:rPr b="0" lang="en-US" sz="3600" strike="noStrike" u="none">
-                  <a:solidFill>
-                    <a:schemeClr val="dk1"/>
-                  </a:solidFill>
-                  <a:effectLst/>
-                  <a:uFillTx/>
-                  <a:latin typeface="Segoe UI"/>
-                </a:rPr>
-                <a:t>for good actions and penalties for bad ones. The AI’s goal is to maximize its total rewards over time.</a:t>
-              </a:r>
-              <a:endParaRPr b="0" lang="en-US" sz="3600" strike="noStrike" u="none">
+              <a:endParaRPr lang="en-US" sz="3000" b="0" u="none" strike="noStrike" dirty="0">
                 <a:solidFill>
                   <a:srgbClr val="000000"/>
                 </a:solidFill>
                 <a:effectLst/>
                 <a:uFillTx/>
-                <a:latin typeface="Arial"/>
-              </a:endParaRPr>
-            </a:p>
-            <a:p>
-              <a:pPr defTabSz="457200">
-                <a:lnSpc>
-                  <a:spcPct val="100000"/>
-                </a:lnSpc>
-              </a:pPr>
-              <a:endParaRPr b="0" lang="en-US" sz="3600" strike="noStrike" u="none">
-                <a:solidFill>
-                  <a:srgbClr val="000000"/>
-                </a:solidFill>
-                <a:effectLst/>
-                <a:uFillTx/>
-                <a:latin typeface="Arial"/>
-              </a:endParaRPr>
-            </a:p>
-            <a:p>
-              <a:pPr marL="571680" indent="-571680" defTabSz="457200">
-                <a:lnSpc>
-                  <a:spcPct val="100000"/>
-                </a:lnSpc>
-                <a:buClr>
-                  <a:srgbClr val="000000"/>
-                </a:buClr>
-                <a:buFont typeface="Arial"/>
-                <a:buChar char="•"/>
-              </a:pPr>
-              <a:r>
-                <a:rPr b="1" lang="en-US" sz="3600" strike="noStrike" u="none">
-                  <a:solidFill>
-                    <a:schemeClr val="dk1"/>
-                  </a:solidFill>
-                  <a:effectLst/>
-                  <a:uFillTx/>
-                  <a:latin typeface="Segoe UI"/>
-                </a:rPr>
-                <a:t>The Reward Design Problem:</a:t>
-              </a:r>
-              <a:r>
-                <a:rPr b="0" i="1" lang="en-US" sz="3600" strike="noStrike" u="none">
-                  <a:solidFill>
-                    <a:schemeClr val="dk1"/>
-                  </a:solidFill>
-                  <a:effectLst/>
-                  <a:uFillTx/>
-                  <a:latin typeface="Segoe UI"/>
-                </a:rPr>
-                <a:t> </a:t>
-              </a:r>
-              <a:r>
-                <a:rPr b="0" lang="en-US" sz="3600" strike="noStrike" u="none">
-                  <a:solidFill>
-                    <a:schemeClr val="dk1"/>
-                  </a:solidFill>
-                  <a:effectLst/>
-                  <a:uFillTx/>
-                  <a:latin typeface="Segoe UI"/>
-                </a:rPr>
-                <a:t>For many real-world tasks (like driving safely or performing surgery), manually creating a precise system of rewards that tells the AI exactly what to do in every situation is incredibly difficult, sometimes impossible.</a:t>
-              </a:r>
-              <a:endParaRPr b="0" lang="en-US" sz="3600" strike="noStrike" u="none">
-                <a:solidFill>
-                  <a:srgbClr val="000000"/>
-                </a:solidFill>
-                <a:effectLst/>
-                <a:uFillTx/>
-                <a:latin typeface="Arial"/>
-              </a:endParaRPr>
-            </a:p>
-            <a:p>
-              <a:pPr defTabSz="457200">
-                <a:lnSpc>
-                  <a:spcPct val="100000"/>
-                </a:lnSpc>
-              </a:pPr>
-              <a:endParaRPr b="0" lang="en-US" sz="3600" strike="noStrike" u="none">
-                <a:solidFill>
-                  <a:srgbClr val="000000"/>
-                </a:solidFill>
-                <a:effectLst/>
-                <a:uFillTx/>
-                <a:latin typeface="Arial"/>
-              </a:endParaRPr>
-            </a:p>
-            <a:p>
-              <a:pPr marL="571680" indent="-571680" defTabSz="457200">
-                <a:lnSpc>
-                  <a:spcPct val="100000"/>
-                </a:lnSpc>
-                <a:buClr>
-                  <a:srgbClr val="000000"/>
-                </a:buClr>
-                <a:buFont typeface="Arial"/>
-                <a:buChar char="•"/>
-              </a:pPr>
-              <a:r>
-                <a:rPr b="1" lang="en-US" sz="3600" strike="noStrike" u="none">
-                  <a:solidFill>
-                    <a:schemeClr val="dk1"/>
-                  </a:solidFill>
-                  <a:effectLst/>
-                  <a:uFillTx/>
-                  <a:latin typeface="Segoe UI"/>
-                </a:rPr>
-                <a:t>Learning from Examples:</a:t>
-              </a:r>
-              <a:r>
-                <a:rPr b="0" lang="en-US" sz="3600" strike="noStrike" u="none">
-                  <a:solidFill>
-                    <a:schemeClr val="dk1"/>
-                  </a:solidFill>
-                  <a:effectLst/>
-                  <a:uFillTx/>
-                  <a:latin typeface="Segoe UI"/>
-                </a:rPr>
-                <a:t> If we can’t easily give the AI rewards, what if we just </a:t>
-              </a:r>
-              <a:r>
-                <a:rPr b="0" i="1" lang="en-US" sz="3600" strike="noStrike" u="none">
-                  <a:solidFill>
-                    <a:schemeClr val="dk1"/>
-                  </a:solidFill>
-                  <a:effectLst/>
-                  <a:uFillTx/>
-                  <a:latin typeface="Segoe UI"/>
-                </a:rPr>
-                <a:t>show</a:t>
-              </a:r>
-              <a:r>
-                <a:rPr b="0" lang="en-US" sz="3600" strike="noStrike" u="none">
-                  <a:solidFill>
-                    <a:schemeClr val="dk1"/>
-                  </a:solidFill>
-                  <a:effectLst/>
-                  <a:uFillTx/>
-                  <a:latin typeface="Segoe UI"/>
-                </a:rPr>
-                <a:t> it what a human expert does? This is the core idea behind learning from demonstrations.</a:t>
-              </a:r>
-              <a:endParaRPr b="0" lang="en-US" sz="3600" strike="noStrike" u="none">
-                <a:solidFill>
-                  <a:srgbClr val="000000"/>
-                </a:solidFill>
-                <a:effectLst/>
-                <a:uFillTx/>
-                <a:latin typeface="Arial"/>
-              </a:endParaRPr>
-            </a:p>
-            <a:p>
-              <a:pPr defTabSz="457200">
-                <a:lnSpc>
-                  <a:spcPct val="100000"/>
-                </a:lnSpc>
-              </a:pPr>
-              <a:endParaRPr b="0" lang="en-US" sz="3600" strike="noStrike" u="none">
-                <a:solidFill>
-                  <a:srgbClr val="000000"/>
-                </a:solidFill>
-                <a:effectLst/>
-                <a:uFillTx/>
-                <a:latin typeface="Arial"/>
-              </a:endParaRPr>
-            </a:p>
-            <a:p>
-              <a:pPr marL="571680" indent="-571680" defTabSz="457200">
-                <a:lnSpc>
-                  <a:spcPct val="100000"/>
-                </a:lnSpc>
-                <a:buClr>
-                  <a:srgbClr val="000000"/>
-                </a:buClr>
-                <a:buFont typeface="Arial"/>
-                <a:buChar char="•"/>
-              </a:pPr>
-              <a:r>
-                <a:rPr b="1" lang="en-US" sz="3600" strike="noStrike" u="none">
-                  <a:solidFill>
-                    <a:schemeClr val="dk1"/>
-                  </a:solidFill>
-                  <a:effectLst/>
-                  <a:uFillTx/>
-                  <a:latin typeface="Segoe UI"/>
-                </a:rPr>
-                <a:t>Imitation Learning (IL):</a:t>
-              </a:r>
-              <a:r>
-                <a:rPr b="0" lang="en-US" sz="3600" strike="noStrike" u="none">
-                  <a:solidFill>
-                    <a:schemeClr val="dk1"/>
-                  </a:solidFill>
-                  <a:effectLst/>
-                  <a:uFillTx/>
-                  <a:latin typeface="Segoe UI"/>
-                </a:rPr>
-                <a:t> One approach to learning from examples is imitation learning. The AI watches expert examples and learns to simply </a:t>
-              </a:r>
-              <a:r>
-                <a:rPr b="1" lang="en-US" sz="3600" strike="noStrike" u="none">
-                  <a:solidFill>
-                    <a:schemeClr val="dk1"/>
-                  </a:solidFill>
-                  <a:effectLst/>
-                  <a:uFillTx/>
-                  <a:latin typeface="Segoe UI"/>
-                </a:rPr>
-                <a:t>copy</a:t>
-              </a:r>
-              <a:r>
-                <a:rPr b="0" lang="en-US" sz="3600" strike="noStrike" u="none">
-                  <a:solidFill>
-                    <a:schemeClr val="dk1"/>
-                  </a:solidFill>
-                  <a:effectLst/>
-                  <a:uFillTx/>
-                  <a:latin typeface="Segoe UI"/>
-                </a:rPr>
-                <a:t> the expert’s actions in similar situations. However, this approach often fails if the environment changes as the AI hasn’t learned </a:t>
-              </a:r>
-              <a:r>
-                <a:rPr b="0" i="1" lang="en-US" sz="3600" strike="noStrike" u="none">
-                  <a:solidFill>
-                    <a:schemeClr val="dk1"/>
-                  </a:solidFill>
-                  <a:effectLst/>
-                  <a:uFillTx/>
-                  <a:latin typeface="Segoe UI"/>
-                </a:rPr>
-                <a:t>why</a:t>
-              </a:r>
-              <a:r>
-                <a:rPr b="0" lang="en-US" sz="3600" strike="noStrike" u="none">
-                  <a:solidFill>
-                    <a:schemeClr val="dk1"/>
-                  </a:solidFill>
-                  <a:effectLst/>
-                  <a:uFillTx/>
-                  <a:latin typeface="Segoe UI"/>
-                </a:rPr>
-                <a:t> the expert that way.</a:t>
-              </a:r>
-              <a:endParaRPr b="0" lang="en-US" sz="3600" strike="noStrike" u="none">
-                <a:solidFill>
-                  <a:srgbClr val="000000"/>
-                </a:solidFill>
-                <a:effectLst/>
-                <a:uFillTx/>
-                <a:latin typeface="Arial"/>
-              </a:endParaRPr>
-            </a:p>
-            <a:p>
-              <a:pPr defTabSz="457200">
-                <a:lnSpc>
-                  <a:spcPct val="100000"/>
-                </a:lnSpc>
-              </a:pPr>
-              <a:endParaRPr b="0" lang="en-US" sz="3600" strike="noStrike" u="none">
-                <a:solidFill>
-                  <a:srgbClr val="000000"/>
-                </a:solidFill>
-                <a:effectLst/>
-                <a:uFillTx/>
-                <a:latin typeface="Arial"/>
-              </a:endParaRPr>
-            </a:p>
-            <a:p>
-              <a:pPr marL="571680" indent="-571680" defTabSz="457200">
-                <a:lnSpc>
-                  <a:spcPct val="100000"/>
-                </a:lnSpc>
-                <a:buClr>
-                  <a:srgbClr val="000000"/>
-                </a:buClr>
-                <a:buFont typeface="Arial"/>
-                <a:buChar char="•"/>
-              </a:pPr>
-              <a:r>
-                <a:rPr b="1" lang="en-US" sz="3600" strike="noStrike" u="none">
-                  <a:solidFill>
-                    <a:schemeClr val="dk1"/>
-                  </a:solidFill>
-                  <a:effectLst/>
-                  <a:uFillTx/>
-                  <a:latin typeface="Segoe UI"/>
-                </a:rPr>
-                <a:t>Inverse Reinforcement Learning (IRL):</a:t>
-              </a:r>
-              <a:r>
-                <a:rPr b="0" lang="en-US" sz="3600" strike="noStrike" u="none">
-                  <a:solidFill>
-                    <a:schemeClr val="dk1"/>
-                  </a:solidFill>
-                  <a:effectLst/>
-                  <a:uFillTx/>
-                  <a:latin typeface="Segoe UI"/>
-                </a:rPr>
-                <a:t> Another approach is IRL. Instead of just copying, IRL tries to figure out the expert’s underlying goal or objective – it tries to discover the </a:t>
-              </a:r>
-              <a:r>
-                <a:rPr b="1" lang="en-US" sz="3600" strike="noStrike" u="none">
-                  <a:solidFill>
-                    <a:schemeClr val="dk1"/>
-                  </a:solidFill>
-                  <a:effectLst/>
-                  <a:uFillTx/>
-                  <a:latin typeface="Segoe UI"/>
-                </a:rPr>
-                <a:t>reward function</a:t>
-              </a:r>
-              <a:r>
-                <a:rPr b="0" lang="en-US" sz="3600" strike="noStrike" u="none">
-                  <a:solidFill>
-                    <a:schemeClr val="dk1"/>
-                  </a:solidFill>
-                  <a:effectLst/>
-                  <a:uFillTx/>
-                  <a:latin typeface="Segoe UI"/>
-                </a:rPr>
-                <a:t> that explains the expert’s behavior.</a:t>
-              </a:r>
-              <a:endParaRPr b="0" lang="en-US" sz="3600" strike="noStrike" u="none">
-                <a:solidFill>
-                  <a:srgbClr val="000000"/>
-                </a:solidFill>
-                <a:effectLst/>
-                <a:uFillTx/>
-                <a:latin typeface="Arial"/>
+                <a:latin typeface="Segoe UI" panose="020B0502040204020203" pitchFamily="34" charset="0"/>
+                <a:cs typeface="Segoe UI" panose="020B0502040204020203" pitchFamily="34" charset="0"/>
               </a:endParaRPr>
             </a:p>
           </p:txBody>
         </p:sp>
         <p:sp>
           <p:nvSpPr>
-            <p:cNvPr id="76" name="Round Same Side Corner Rectangle 2"/>
+            <p:cNvPr id="24" name="Round Same Side Corner Rectangle 15">
+              <a:extLst>
+                <a:ext uri="{FF2B5EF4-FFF2-40B4-BE49-F238E27FC236}">
+                  <a16:creationId xmlns:a16="http://schemas.microsoft.com/office/drawing/2014/main" id="{FEC11480-2711-0601-937E-FEFF6B63124F}"/>
+                </a:ext>
+              </a:extLst>
+            </p:cNvPr>
             <p:cNvSpPr/>
             <p:nvPr/>
           </p:nvSpPr>
           <p:spPr>
             <a:xfrm>
-              <a:off x="28346400" y="8229600"/>
-              <a:ext cx="11886480" cy="2035080"/>
+              <a:off x="914400" y="8229600"/>
+              <a:ext cx="11886480" cy="1371578"/>
             </a:xfrm>
             <a:prstGeom prst="round2SameRect">
               <a:avLst>
@@ -7978,11 +8066,11 @@
               </a:avLst>
             </a:prstGeom>
             <a:solidFill>
-              <a:srgbClr val="c8102e"/>
+              <a:srgbClr val="C8102E"/>
             </a:solidFill>
             <a:ln>
               <a:solidFill>
-                <a:srgbClr val="092a38"/>
+                <a:srgbClr val="092A38"/>
               </a:solidFill>
             </a:ln>
           </p:spPr>
@@ -8001,9 +8089,10 @@
             <a:fontRef idx="minor"/>
           </p:style>
           <p:txBody>
-            <a:bodyPr lIns="90000" rIns="90000" tIns="45000" bIns="45000" anchor="ctr">
+            <a:bodyPr lIns="90000" tIns="45000" rIns="90000" bIns="45000" anchor="ctr">
               <a:noAutofit/>
             </a:bodyPr>
+            <a:lstStyle/>
             <a:p>
               <a:pPr algn="ctr" defTabSz="457200">
                 <a:lnSpc>
@@ -8011,7 +8100,7 @@
                 </a:lnSpc>
               </a:pPr>
               <a:r>
-                <a:rPr b="1" lang="en-US" sz="6600" strike="noStrike" u="none">
+                <a:rPr lang="en-US" sz="6600" b="1" u="none" strike="noStrike" dirty="0">
                   <a:solidFill>
                     <a:schemeClr val="lt1"/>
                   </a:solidFill>
@@ -8019,82 +8108,425 @@
                   <a:uFillTx/>
                   <a:latin typeface="Segoe UI"/>
                 </a:rPr>
-                <a:t>Introduction</a:t>
+                <a:t>Results</a:t>
               </a:r>
-              <a:endParaRPr b="0" lang="en-US" sz="6600" strike="noStrike" u="none">
-                <a:solidFill>
-                  <a:srgbClr val="ffffff"/>
-                </a:solidFill>
-                <a:effectLst/>
-                <a:uFillTx/>
-                <a:latin typeface="Arial"/>
+            </a:p>
+          </p:txBody>
+        </p:sp>
+      </p:grpSp>
+      <p:grpSp>
+        <p:nvGrpSpPr>
+          <p:cNvPr id="25" name="Group 14">
+            <a:extLst>
+              <a:ext uri="{FF2B5EF4-FFF2-40B4-BE49-F238E27FC236}">
+                <a16:creationId xmlns:a16="http://schemas.microsoft.com/office/drawing/2014/main" id="{9758483F-0F65-00E5-5738-EC4A993BBDED}"/>
+              </a:ext>
+            </a:extLst>
+          </p:cNvPr>
+          <p:cNvGrpSpPr/>
+          <p:nvPr/>
+        </p:nvGrpSpPr>
+        <p:grpSpPr>
+          <a:xfrm>
+            <a:off x="30175200" y="6400800"/>
+            <a:ext cx="12801600" cy="9144000"/>
+            <a:chOff x="914400" y="8229600"/>
+            <a:chExt cx="11886480" cy="9295628"/>
+          </a:xfrm>
+        </p:grpSpPr>
+        <p:sp>
+          <p:nvSpPr>
+            <p:cNvPr id="26" name="Round Same Side Corner Rectangle 16">
+              <a:extLst>
+                <a:ext uri="{FF2B5EF4-FFF2-40B4-BE49-F238E27FC236}">
+                  <a16:creationId xmlns:a16="http://schemas.microsoft.com/office/drawing/2014/main" id="{BE905EA8-1208-81C8-BEF1-10679D6DAA81}"/>
+                </a:ext>
+              </a:extLst>
+            </p:cNvPr>
+            <p:cNvSpPr/>
+            <p:nvPr/>
+          </p:nvSpPr>
+          <p:spPr>
+            <a:xfrm>
+              <a:off x="914400" y="9601177"/>
+              <a:ext cx="11886480" cy="7924051"/>
+            </a:xfrm>
+            <a:prstGeom prst="round2SameRect">
+              <a:avLst>
+                <a:gd name="adj1" fmla="val 0"/>
+                <a:gd name="adj2" fmla="val 3682"/>
+              </a:avLst>
+            </a:prstGeom>
+            <a:solidFill>
+              <a:srgbClr val="C9C7AA"/>
+            </a:solidFill>
+            <a:ln>
+              <a:solidFill>
+                <a:srgbClr val="092A38"/>
+              </a:solidFill>
+            </a:ln>
+          </p:spPr>
+          <p:style>
+            <a:lnRef idx="2">
+              <a:schemeClr val="accent1">
+                <a:shade val="15000"/>
+              </a:schemeClr>
+            </a:lnRef>
+            <a:fillRef idx="1">
+              <a:schemeClr val="accent1"/>
+            </a:fillRef>
+            <a:effectRef idx="0">
+              <a:schemeClr val="accent1"/>
+            </a:effectRef>
+            <a:fontRef idx="minor"/>
+          </p:style>
+          <p:txBody>
+            <a:bodyPr lIns="457200" tIns="457200" rIns="457200" bIns="457200" anchor="t">
+              <a:noAutofit/>
+            </a:bodyPr>
+            <a:lstStyle/>
+            <a:p>
+              <a:pPr marL="457200" indent="-457200" defTabSz="457200">
+                <a:lnSpc>
+                  <a:spcPct val="100000"/>
+                </a:lnSpc>
+                <a:buClr>
+                  <a:srgbClr val="000000"/>
+                </a:buClr>
+                <a:buFont typeface="Arial" panose="020B0604020202020204" pitchFamily="34" charset="0"/>
+                <a:buChar char="•"/>
+              </a:pPr>
+              <a:r>
+                <a:rPr lang="en-US" sz="3000" b="1" u="none" strike="noStrike" dirty="0">
+                  <a:solidFill>
+                    <a:schemeClr val="dk1"/>
+                  </a:solidFill>
+                  <a:effectLst/>
+                  <a:uFillTx/>
+                  <a:latin typeface="Segoe UI" panose="020B0502040204020203" pitchFamily="34" charset="0"/>
+                  <a:cs typeface="Segoe UI" panose="020B0502040204020203" pitchFamily="34" charset="0"/>
+                </a:rPr>
+                <a:t>Put results here</a:t>
+              </a:r>
+              <a:endParaRPr lang="en-US" sz="3000" b="0" u="none" strike="noStrike" dirty="0">
+                <a:solidFill>
+                  <a:srgbClr val="000000"/>
+                </a:solidFill>
+                <a:effectLst/>
+                <a:uFillTx/>
+                <a:latin typeface="Segoe UI" panose="020B0502040204020203" pitchFamily="34" charset="0"/>
+                <a:cs typeface="Segoe UI" panose="020B0502040204020203" pitchFamily="34" charset="0"/>
               </a:endParaRPr>
+            </a:p>
+          </p:txBody>
+        </p:sp>
+        <p:sp>
+          <p:nvSpPr>
+            <p:cNvPr id="27" name="Round Same Side Corner Rectangle 15">
+              <a:extLst>
+                <a:ext uri="{FF2B5EF4-FFF2-40B4-BE49-F238E27FC236}">
+                  <a16:creationId xmlns:a16="http://schemas.microsoft.com/office/drawing/2014/main" id="{08DB518B-65FD-B97A-C3EC-B9A388976102}"/>
+                </a:ext>
+              </a:extLst>
+            </p:cNvPr>
+            <p:cNvSpPr/>
+            <p:nvPr/>
+          </p:nvSpPr>
+          <p:spPr>
+            <a:xfrm>
+              <a:off x="914400" y="8229600"/>
+              <a:ext cx="11886480" cy="1371578"/>
+            </a:xfrm>
+            <a:prstGeom prst="round2SameRect">
+              <a:avLst>
+                <a:gd name="adj1" fmla="val 16667"/>
+                <a:gd name="adj2" fmla="val 0"/>
+              </a:avLst>
+            </a:prstGeom>
+            <a:solidFill>
+              <a:srgbClr val="C8102E"/>
+            </a:solidFill>
+            <a:ln>
+              <a:solidFill>
+                <a:srgbClr val="092A38"/>
+              </a:solidFill>
+            </a:ln>
+          </p:spPr>
+          <p:style>
+            <a:lnRef idx="2">
+              <a:schemeClr val="accent1">
+                <a:shade val="15000"/>
+              </a:schemeClr>
+            </a:lnRef>
+            <a:fillRef idx="1">
+              <a:schemeClr val="accent1"/>
+            </a:fillRef>
+            <a:effectRef idx="0">
+              <a:schemeClr val="accent1"/>
+            </a:effectRef>
+            <a:fontRef idx="minor"/>
+          </p:style>
+          <p:txBody>
+            <a:bodyPr lIns="90000" tIns="45000" rIns="90000" bIns="45000" anchor="ctr">
+              <a:noAutofit/>
+            </a:bodyPr>
+            <a:lstStyle/>
+            <a:p>
+              <a:pPr algn="ctr" defTabSz="457200">
+                <a:lnSpc>
+                  <a:spcPct val="100000"/>
+                </a:lnSpc>
+              </a:pPr>
+              <a:r>
+                <a:rPr lang="en-US" sz="6600" b="1" u="none" strike="noStrike" dirty="0">
+                  <a:solidFill>
+                    <a:schemeClr val="lt1"/>
+                  </a:solidFill>
+                  <a:effectLst/>
+                  <a:uFillTx/>
+                  <a:latin typeface="Segoe UI"/>
+                </a:rPr>
+                <a:t>Conclusions</a:t>
+              </a:r>
+            </a:p>
+          </p:txBody>
+        </p:sp>
+      </p:grpSp>
+      <p:grpSp>
+        <p:nvGrpSpPr>
+          <p:cNvPr id="28" name="Group 14">
+            <a:extLst>
+              <a:ext uri="{FF2B5EF4-FFF2-40B4-BE49-F238E27FC236}">
+                <a16:creationId xmlns:a16="http://schemas.microsoft.com/office/drawing/2014/main" id="{9AEB9C6E-A38D-D8A8-EA97-D4D5F004647D}"/>
+              </a:ext>
+            </a:extLst>
+          </p:cNvPr>
+          <p:cNvGrpSpPr/>
+          <p:nvPr/>
+        </p:nvGrpSpPr>
+        <p:grpSpPr>
+          <a:xfrm>
+            <a:off x="30175200" y="16459200"/>
+            <a:ext cx="12801600" cy="9144000"/>
+            <a:chOff x="914400" y="8229600"/>
+            <a:chExt cx="11886480" cy="9295628"/>
+          </a:xfrm>
+        </p:grpSpPr>
+        <p:sp>
+          <p:nvSpPr>
+            <p:cNvPr id="29" name="Round Same Side Corner Rectangle 16">
+              <a:extLst>
+                <a:ext uri="{FF2B5EF4-FFF2-40B4-BE49-F238E27FC236}">
+                  <a16:creationId xmlns:a16="http://schemas.microsoft.com/office/drawing/2014/main" id="{DC32D6F7-F996-4107-D41B-3164799CC6D7}"/>
+                </a:ext>
+              </a:extLst>
+            </p:cNvPr>
+            <p:cNvSpPr/>
+            <p:nvPr/>
+          </p:nvSpPr>
+          <p:spPr>
+            <a:xfrm>
+              <a:off x="914400" y="9601177"/>
+              <a:ext cx="11886480" cy="7924051"/>
+            </a:xfrm>
+            <a:prstGeom prst="round2SameRect">
+              <a:avLst>
+                <a:gd name="adj1" fmla="val 0"/>
+                <a:gd name="adj2" fmla="val 3682"/>
+              </a:avLst>
+            </a:prstGeom>
+            <a:solidFill>
+              <a:srgbClr val="C9C7AA"/>
+            </a:solidFill>
+            <a:ln>
+              <a:solidFill>
+                <a:srgbClr val="092A38"/>
+              </a:solidFill>
+            </a:ln>
+          </p:spPr>
+          <p:style>
+            <a:lnRef idx="2">
+              <a:schemeClr val="accent1">
+                <a:shade val="15000"/>
+              </a:schemeClr>
+            </a:lnRef>
+            <a:fillRef idx="1">
+              <a:schemeClr val="accent1"/>
+            </a:fillRef>
+            <a:effectRef idx="0">
+              <a:schemeClr val="accent1"/>
+            </a:effectRef>
+            <a:fontRef idx="minor"/>
+          </p:style>
+          <p:txBody>
+            <a:bodyPr lIns="457200" tIns="457200" rIns="457200" bIns="457200" anchor="t">
+              <a:noAutofit/>
+            </a:bodyPr>
+            <a:lstStyle/>
+            <a:p>
+              <a:pPr marL="457200" indent="-457200" defTabSz="457200">
+                <a:lnSpc>
+                  <a:spcPct val="100000"/>
+                </a:lnSpc>
+                <a:buClr>
+                  <a:srgbClr val="000000"/>
+                </a:buClr>
+                <a:buFont typeface="Arial" panose="020B0604020202020204" pitchFamily="34" charset="0"/>
+                <a:buChar char="•"/>
+              </a:pPr>
+              <a:r>
+                <a:rPr lang="en-US" sz="3000" b="1" u="none" strike="noStrike" dirty="0">
+                  <a:solidFill>
+                    <a:schemeClr val="dk1"/>
+                  </a:solidFill>
+                  <a:effectLst/>
+                  <a:uFillTx/>
+                  <a:latin typeface="Segoe UI" panose="020B0502040204020203" pitchFamily="34" charset="0"/>
+                  <a:cs typeface="Segoe UI" panose="020B0502040204020203" pitchFamily="34" charset="0"/>
+                </a:rPr>
+                <a:t>Put results here</a:t>
+              </a:r>
+              <a:endParaRPr lang="en-US" sz="3000" b="0" u="none" strike="noStrike" dirty="0">
+                <a:solidFill>
+                  <a:srgbClr val="000000"/>
+                </a:solidFill>
+                <a:effectLst/>
+                <a:uFillTx/>
+                <a:latin typeface="Segoe UI" panose="020B0502040204020203" pitchFamily="34" charset="0"/>
+                <a:cs typeface="Segoe UI" panose="020B0502040204020203" pitchFamily="34" charset="0"/>
+              </a:endParaRPr>
+            </a:p>
+          </p:txBody>
+        </p:sp>
+        <p:sp>
+          <p:nvSpPr>
+            <p:cNvPr id="30" name="Round Same Side Corner Rectangle 15">
+              <a:extLst>
+                <a:ext uri="{FF2B5EF4-FFF2-40B4-BE49-F238E27FC236}">
+                  <a16:creationId xmlns:a16="http://schemas.microsoft.com/office/drawing/2014/main" id="{BD330268-2686-2A02-60A3-AB5C2F209076}"/>
+                </a:ext>
+              </a:extLst>
+            </p:cNvPr>
+            <p:cNvSpPr/>
+            <p:nvPr/>
+          </p:nvSpPr>
+          <p:spPr>
+            <a:xfrm>
+              <a:off x="914400" y="8229600"/>
+              <a:ext cx="11886480" cy="1371578"/>
+            </a:xfrm>
+            <a:prstGeom prst="round2SameRect">
+              <a:avLst>
+                <a:gd name="adj1" fmla="val 16667"/>
+                <a:gd name="adj2" fmla="val 0"/>
+              </a:avLst>
+            </a:prstGeom>
+            <a:solidFill>
+              <a:srgbClr val="C8102E"/>
+            </a:solidFill>
+            <a:ln>
+              <a:solidFill>
+                <a:srgbClr val="092A38"/>
+              </a:solidFill>
+            </a:ln>
+          </p:spPr>
+          <p:style>
+            <a:lnRef idx="2">
+              <a:schemeClr val="accent1">
+                <a:shade val="15000"/>
+              </a:schemeClr>
+            </a:lnRef>
+            <a:fillRef idx="1">
+              <a:schemeClr val="accent1"/>
+            </a:fillRef>
+            <a:effectRef idx="0">
+              <a:schemeClr val="accent1"/>
+            </a:effectRef>
+            <a:fontRef idx="minor"/>
+          </p:style>
+          <p:txBody>
+            <a:bodyPr lIns="90000" tIns="45000" rIns="90000" bIns="45000" anchor="ctr">
+              <a:noAutofit/>
+            </a:bodyPr>
+            <a:lstStyle/>
+            <a:p>
+              <a:pPr algn="ctr" defTabSz="457200">
+                <a:lnSpc>
+                  <a:spcPct val="100000"/>
+                </a:lnSpc>
+              </a:pPr>
+              <a:r>
+                <a:rPr lang="en-US" sz="6600" b="1" u="none" strike="noStrike" dirty="0">
+                  <a:solidFill>
+                    <a:schemeClr val="lt1"/>
+                  </a:solidFill>
+                  <a:effectLst/>
+                  <a:uFillTx/>
+                  <a:latin typeface="Segoe UI"/>
+                </a:rPr>
+                <a:t>Future Work</a:t>
+              </a:r>
             </a:p>
           </p:txBody>
         </p:sp>
       </p:grpSp>
     </p:spTree>
   </p:cSld>
-  <mc:AlternateContent>
-    <mc:Choice Requires="p14">
-      <p:transition spd="slow" p14:dur="2000"/>
-    </mc:Choice>
-    <mc:Fallback>
-      <p:transition spd="slow"/>
-    </mc:Fallback>
-  </mc:AlternateContent>
+  <p:clrMapOvr>
+    <a:masterClrMapping/>
+  </p:clrMapOvr>
 </p:sld>
 </file>
 
 <file path=ppt/theme/theme1.xml><?xml version="1.0" encoding="utf-8"?>
-<a:theme xmlns:a="http://schemas.openxmlformats.org/drawingml/2006/main" xmlns:r="http://schemas.openxmlformats.org/officeDocument/2006/relationships" name="Office Theme">
+<a:theme xmlns:a="http://schemas.openxmlformats.org/drawingml/2006/main" name="Office Theme">
   <a:themeElements>
     <a:clrScheme name="Office Theme">
       <a:dk1>
         <a:srgbClr val="000000"/>
       </a:dk1>
       <a:lt1>
-        <a:srgbClr val="ffffff"/>
+        <a:srgbClr val="FFFFFF"/>
       </a:lt1>
       <a:dk2>
-        <a:srgbClr val="0e2841"/>
+        <a:srgbClr val="0E2841"/>
       </a:dk2>
       <a:lt2>
-        <a:srgbClr val="e8e8e8"/>
+        <a:srgbClr val="E8E8E8"/>
       </a:lt2>
       <a:accent1>
         <a:srgbClr val="156082"/>
       </a:accent1>
       <a:accent2>
-        <a:srgbClr val="e97132"/>
+        <a:srgbClr val="E97132"/>
       </a:accent2>
       <a:accent3>
-        <a:srgbClr val="196b24"/>
+        <a:srgbClr val="196B24"/>
       </a:accent3>
       <a:accent4>
-        <a:srgbClr val="0f9ed5"/>
+        <a:srgbClr val="0F9ED5"/>
       </a:accent4>
       <a:accent5>
-        <a:srgbClr val="a02b93"/>
+        <a:srgbClr val="A02B93"/>
       </a:accent5>
       <a:accent6>
-        <a:srgbClr val="4ea72e"/>
+        <a:srgbClr val="4EA72E"/>
       </a:accent6>
       <a:hlink>
         <a:srgbClr val="467886"/>
       </a:hlink>
       <a:folHlink>
-        <a:srgbClr val="96607d"/>
+        <a:srgbClr val="96607D"/>
       </a:folHlink>
     </a:clrScheme>
     <a:fontScheme name="Office Theme">
       <a:majorFont>
-        <a:latin typeface="Aptos Display" panose="02110004020202020204" pitchFamily="0" charset="1"/>
+        <a:latin typeface="Aptos Display" panose="02110004020202020204"/>
         <a:ea typeface=""/>
         <a:cs typeface=""/>
       </a:majorFont>
       <a:minorFont>
-        <a:latin typeface="Aptos" panose="02110004020202020204" pitchFamily="0" charset="1"/>
+        <a:latin typeface="Aptos" panose="02110004020202020204"/>
         <a:ea typeface=""/>
         <a:cs typeface=""/>
       </a:minorFont>
@@ -8126,7 +8558,7 @@
             </a:gs>
           </a:gsLst>
           <a:lin ang="5400000" scaled="0"/>
-          <a:tileRect l="0" t="0" r="0" b="0"/>
+          <a:tileRect/>
         </a:gradFill>
         <a:gradFill>
           <a:gsLst>
@@ -8150,7 +8582,7 @@
             </a:gs>
           </a:gsLst>
           <a:lin ang="5400000" scaled="0"/>
-          <a:tileRect l="0" t="0" r="0" b="0"/>
+          <a:tileRect/>
         </a:gradFill>
       </a:fillStyleLst>
       <a:lnStyleLst>
@@ -8210,65 +8642,67 @@
             </a:gs>
           </a:gsLst>
           <a:lin ang="5400000" scaled="0"/>
-          <a:tileRect l="0" t="0" r="0" b="0"/>
+          <a:tileRect/>
         </a:gradFill>
       </a:bgFillStyleLst>
     </a:fmtScheme>
   </a:themeElements>
+  <a:objectDefaults/>
+  <a:extraClrSchemeLst/>
 </a:theme>
 </file>
 
-<file path=ppt/theme/theme12.xml><?xml version="1.0" encoding="utf-8"?>
-<a:theme xmlns:a="http://schemas.openxmlformats.org/drawingml/2006/main" xmlns:r="http://schemas.openxmlformats.org/officeDocument/2006/relationships" name="Office Theme">
+<file path=ppt/theme/theme2.xml><?xml version="1.0" encoding="utf-8"?>
+<a:theme xmlns:a="http://schemas.openxmlformats.org/drawingml/2006/main" name="Office Theme">
   <a:themeElements>
     <a:clrScheme name="LibreOffice">
       <a:dk1>
         <a:srgbClr val="000000"/>
       </a:dk1>
       <a:lt1>
-        <a:srgbClr val="ffffff"/>
+        <a:srgbClr val="FFFFFF"/>
       </a:lt1>
       <a:dk2>
         <a:srgbClr val="000000"/>
       </a:dk2>
       <a:lt2>
-        <a:srgbClr val="ffffff"/>
+        <a:srgbClr val="FFFFFF"/>
       </a:lt2>
       <a:accent1>
-        <a:srgbClr val="18a303"/>
+        <a:srgbClr val="18A303"/>
       </a:accent1>
       <a:accent2>
-        <a:srgbClr val="0369a3"/>
+        <a:srgbClr val="0369A3"/>
       </a:accent2>
       <a:accent3>
-        <a:srgbClr val="a33e03"/>
+        <a:srgbClr val="A33E03"/>
       </a:accent3>
       <a:accent4>
-        <a:srgbClr val="8e03a3"/>
+        <a:srgbClr val="8E03A3"/>
       </a:accent4>
       <a:accent5>
-        <a:srgbClr val="c99c00"/>
+        <a:srgbClr val="C99C00"/>
       </a:accent5>
       <a:accent6>
-        <a:srgbClr val="c9211e"/>
+        <a:srgbClr val="C9211E"/>
       </a:accent6>
       <a:hlink>
-        <a:srgbClr val="0000ee"/>
+        <a:srgbClr val="0000EE"/>
       </a:hlink>
       <a:folHlink>
-        <a:srgbClr val="551a8b"/>
+        <a:srgbClr val="551A8B"/>
       </a:folHlink>
     </a:clrScheme>
     <a:fontScheme name="Office">
       <a:majorFont>
-        <a:latin typeface="Arial" pitchFamily="0" charset="1"/>
-        <a:ea typeface="DejaVu Sans" pitchFamily="0" charset="1"/>
-        <a:cs typeface="DejaVu Sans" pitchFamily="0" charset="1"/>
+        <a:latin typeface="Arial"/>
+        <a:ea typeface="DejaVu Sans"/>
+        <a:cs typeface="DejaVu Sans"/>
       </a:majorFont>
       <a:minorFont>
-        <a:latin typeface="Arial" pitchFamily="0" charset="1"/>
-        <a:ea typeface="DejaVu Sans" pitchFamily="0" charset="1"/>
-        <a:cs typeface="DejaVu Sans" pitchFamily="0" charset="1"/>
+        <a:latin typeface="Arial"/>
+        <a:ea typeface="DejaVu Sans"/>
+        <a:cs typeface="DejaVu Sans"/>
       </a:minorFont>
     </a:fontScheme>
     <a:fmtScheme>
@@ -8321,5 +8755,7 @@
       </a:bgFillStyleLst>
     </a:fmtScheme>
   </a:themeElements>
+  <a:objectDefaults/>
+  <a:extraClrSchemeLst/>
 </a:theme>
 </file>
--- a/Poster.pptx
+++ b/Poster.pptx
@@ -34,7 +34,7 @@
       </p:grpSpPr>
       <p:sp>
         <p:nvSpPr>
-          <p:cNvPr id="57" name="PlaceHolder 1"/>
+          <p:cNvPr id="63" name="PlaceHolder 1"/>
           <p:cNvSpPr>
             <a:spLocks noGrp="1"/>
           </p:cNvSpPr>
@@ -60,31 +60,32 @@
             <a:noAutofit/>
           </a:bodyPr>
           <a:p>
-            <a:r>
-              <a:rPr b="0" lang="en-US" sz="1800" strike="noStrike" u="none">
-                <a:solidFill>
-                  <a:schemeClr val="dk1"/>
-                </a:solidFill>
-                <a:effectLst/>
-                <a:uFillTx/>
-                <a:latin typeface="Aptos"/>
+            <a:pPr algn="ctr"/>
+            <a:r>
+              <a:rPr b="0" lang="en-US" sz="4400" strike="noStrike" u="none">
+                <a:solidFill>
+                  <a:srgbClr val="000000"/>
+                </a:solidFill>
+                <a:effectLst/>
+                <a:uFillTx/>
+                <a:latin typeface="Nimbus Roman"/>
               </a:rPr>
               <a:t>Click to move the slide</a:t>
             </a:r>
-            <a:endParaRPr b="0" lang="en-US" sz="1800" strike="noStrike" u="none">
-              <a:solidFill>
-                <a:schemeClr val="dk1"/>
-              </a:solidFill>
-              <a:effectLst/>
-              <a:uFillTx/>
-              <a:latin typeface="Aptos"/>
+            <a:endParaRPr b="0" lang="en-US" sz="4400" strike="noStrike" u="none">
+              <a:solidFill>
+                <a:srgbClr val="000000"/>
+              </a:solidFill>
+              <a:effectLst/>
+              <a:uFillTx/>
+              <a:latin typeface="Nimbus Roman"/>
             </a:endParaRPr>
           </a:p>
         </p:txBody>
       </p:sp>
       <p:sp>
         <p:nvSpPr>
-          <p:cNvPr id="58" name="PlaceHolder 2"/>
+          <p:cNvPr id="64" name="PlaceHolder 2"/>
           <p:cNvSpPr>
             <a:spLocks noGrp="1"/>
           </p:cNvSpPr>
@@ -137,7 +138,7 @@
       </p:sp>
       <p:sp>
         <p:nvSpPr>
-          <p:cNvPr id="59" name="PlaceHolder 3"/>
+          <p:cNvPr id="65" name="PlaceHolder 3"/>
           <p:cNvSpPr>
             <a:spLocks noGrp="1"/>
           </p:cNvSpPr>
@@ -190,12 +191,12 @@
       </p:sp>
       <p:sp>
         <p:nvSpPr>
-          <p:cNvPr id="60" name="PlaceHolder 4"/>
+          <p:cNvPr id="66" name="PlaceHolder 4"/>
           <p:cNvSpPr>
             <a:spLocks noGrp="1"/>
           </p:cNvSpPr>
           <p:nvPr>
-            <p:ph type="dt" idx="34"/>
+            <p:ph type="dt" idx="37"/>
           </p:nvPr>
         </p:nvSpPr>
         <p:spPr>
@@ -256,12 +257,12 @@
       </p:sp>
       <p:sp>
         <p:nvSpPr>
-          <p:cNvPr id="61" name="PlaceHolder 5"/>
+          <p:cNvPr id="67" name="PlaceHolder 5"/>
           <p:cNvSpPr>
             <a:spLocks noGrp="1"/>
           </p:cNvSpPr>
           <p:nvPr>
-            <p:ph type="ftr" idx="35"/>
+            <p:ph type="ftr" idx="38"/>
           </p:nvPr>
         </p:nvSpPr>
         <p:spPr>
@@ -322,12 +323,12 @@
       </p:sp>
       <p:sp>
         <p:nvSpPr>
-          <p:cNvPr id="62" name="PlaceHolder 6"/>
+          <p:cNvPr id="68" name="PlaceHolder 6"/>
           <p:cNvSpPr>
             <a:spLocks noGrp="1"/>
           </p:cNvSpPr>
           <p:nvPr>
-            <p:ph type="sldNum" idx="36"/>
+            <p:ph type="sldNum" idx="39"/>
           </p:nvPr>
         </p:nvSpPr>
         <p:spPr>
@@ -364,7 +365,7 @@
             <a:pPr indent="0" algn="r">
               <a:buNone/>
             </a:pPr>
-            <a:fld id="{114B4134-0517-47A1-86B9-83EB0DD6CF3C}" type="slidenum">
+            <a:fld id="{DA5B1700-76E4-479E-8E18-560BCA4B4FCA}" type="slidenum">
               <a:rPr b="0" lang="en-US" sz="1400" strike="noStrike" u="none">
                 <a:solidFill>
                   <a:srgbClr val="000000"/>
@@ -411,7 +412,7 @@
       </p:grpSpPr>
       <p:sp>
         <p:nvSpPr>
-          <p:cNvPr id="91" name="PlaceHolder 1"/>
+          <p:cNvPr id="108" name="PlaceHolder 1"/>
           <p:cNvSpPr>
             <a:spLocks noGrp="1"/>
           </p:cNvSpPr>
@@ -422,7 +423,7 @@
         <p:spPr>
           <a:xfrm>
             <a:off x="1371600" y="1143000"/>
-            <a:ext cx="4114440" cy="3085920"/>
+            <a:ext cx="4114080" cy="3085560"/>
           </a:xfrm>
           <a:prstGeom prst="rect">
             <a:avLst/>
@@ -434,7 +435,7 @@
       </p:sp>
       <p:sp>
         <p:nvSpPr>
-          <p:cNvPr id="92" name="PlaceHolder 2"/>
+          <p:cNvPr id="109" name="PlaceHolder 2"/>
           <p:cNvSpPr>
             <a:spLocks noGrp="1"/>
           </p:cNvSpPr>
@@ -445,7 +446,7 @@
         <p:spPr>
           <a:xfrm>
             <a:off x="685800" y="4400640"/>
-            <a:ext cx="5485320" cy="3599280"/>
+            <a:ext cx="5484960" cy="3598920"/>
           </a:xfrm>
           <a:prstGeom prst="rect">
             <a:avLst/>
@@ -476,18 +477,18 @@
       </p:sp>
       <p:sp>
         <p:nvSpPr>
-          <p:cNvPr id="93" name="PlaceHolder 3"/>
+          <p:cNvPr id="110" name="PlaceHolder 3"/>
           <p:cNvSpPr>
             <a:spLocks noGrp="1"/>
           </p:cNvSpPr>
           <p:nvPr>
-            <p:ph type="sldNum" idx="37"/>
+            <p:ph type="sldNum" idx="40"/>
           </p:nvPr>
         </p:nvSpPr>
         <p:spPr>
           <a:xfrm>
             <a:off x="3884760" y="8685360"/>
-            <a:ext cx="2970720" cy="457560"/>
+            <a:ext cx="2970360" cy="457200"/>
           </a:xfrm>
           <a:prstGeom prst="rect">
             <a:avLst/>
@@ -531,7 +532,7 @@
                 <a:tab algn="l" pos="0"/>
               </a:tabLst>
             </a:pPr>
-            <a:fld id="{368C41BE-B0DD-4ECB-85E2-C3A452AB1BEE}" type="slidenum">
+            <a:fld id="{92D0D90F-422F-401A-8554-00531B329AD1}" type="slidenum">
               <a:rPr b="0" lang="en-US" sz="1200" strike="noStrike" u="none">
                 <a:solidFill>
                   <a:srgbClr val="000000"/>
@@ -560,8 +561,8 @@
 </file>
 
 <file path=ppt/slideLayouts/slideLayout1.xml><?xml version="1.0" encoding="utf-8"?>
-<p:sldLayout xmlns:a="http://schemas.openxmlformats.org/drawingml/2006/main" xmlns:p="http://schemas.openxmlformats.org/presentationml/2006/main" xmlns:r="http://schemas.openxmlformats.org/officeDocument/2006/relationships" xmlns:p14="http://schemas.microsoft.com/office/powerpoint/2010/main" xmlns:p15="http://schemas.microsoft.com/office/powerpoint/2012/main" xmlns:mc="http://schemas.openxmlformats.org/markup-compatibility/2006" type="blank" preserve="1">
-  <p:cSld name="Blank">
+<p:sldLayout xmlns:a="http://schemas.openxmlformats.org/drawingml/2006/main" xmlns:p="http://schemas.openxmlformats.org/presentationml/2006/main" xmlns:r="http://schemas.openxmlformats.org/officeDocument/2006/relationships" xmlns:p14="http://schemas.microsoft.com/office/powerpoint/2010/main" xmlns:p15="http://schemas.microsoft.com/office/powerpoint/2012/main" xmlns:mc="http://schemas.openxmlformats.org/markup-compatibility/2006" type="obj" preserve="1">
+  <p:cSld name="Title and Content">
     <p:bg>
       <p:bgPr>
         <a:solidFill>
@@ -590,13 +591,271 @@
             <a:spLocks noGrp="1"/>
           </p:cNvSpPr>
           <p:nvPr>
+            <p:ph type="title"/>
+          </p:nvPr>
+        </p:nvSpPr>
+        <p:spPr>
+          <a:xfrm>
+            <a:off x="3017520" y="1752480"/>
+            <a:ext cx="37854720" cy="6361200"/>
+          </a:xfrm>
+          <a:prstGeom prst="rect">
+            <a:avLst/>
+          </a:prstGeom>
+          <a:noFill/>
+          <a:ln w="0">
+            <a:noFill/>
+          </a:ln>
+        </p:spPr>
+        <p:txBody>
+          <a:bodyPr lIns="91440" rIns="91440" tIns="45720" bIns="45720" anchor="ctr">
+            <a:noAutofit/>
+          </a:bodyPr>
+          <a:p>
+            <a:pPr indent="0" defTabSz="4389120">
+              <a:lnSpc>
+                <a:spcPct val="90000"/>
+              </a:lnSpc>
+              <a:buNone/>
+              <a:tabLst>
+                <a:tab algn="l" pos="0"/>
+              </a:tabLst>
+            </a:pPr>
+            <a:r>
+              <a:rPr b="0" lang="en-US" sz="21120" strike="noStrike" u="none">
+                <a:solidFill>
+                  <a:schemeClr val="dk1"/>
+                </a:solidFill>
+                <a:effectLst/>
+                <a:uFillTx/>
+                <a:latin typeface="Aptos Display"/>
+              </a:rPr>
+              <a:t>Click to edit Master title style</a:t>
+            </a:r>
+            <a:endParaRPr b="0" lang="en-US" sz="21120" strike="noStrike" u="none">
+              <a:solidFill>
+                <a:srgbClr val="000000"/>
+              </a:solidFill>
+              <a:effectLst/>
+              <a:uFillTx/>
+              <a:latin typeface="Nimbus Roman"/>
+            </a:endParaRPr>
+          </a:p>
+        </p:txBody>
+      </p:sp>
+      <p:sp>
+        <p:nvSpPr>
+          <p:cNvPr id="1" name="PlaceHolder 2"/>
+          <p:cNvSpPr>
+            <a:spLocks noGrp="1"/>
+          </p:cNvSpPr>
+          <p:nvPr>
+            <p:ph type="body"/>
+          </p:nvPr>
+        </p:nvSpPr>
+        <p:spPr>
+          <a:xfrm>
+            <a:off x="3017520" y="8763120"/>
+            <a:ext cx="37854720" cy="20885040"/>
+          </a:xfrm>
+          <a:prstGeom prst="rect">
+            <a:avLst/>
+          </a:prstGeom>
+          <a:noFill/>
+          <a:ln w="0">
+            <a:noFill/>
+          </a:ln>
+        </p:spPr>
+        <p:txBody>
+          <a:bodyPr lIns="91440" rIns="91440" tIns="45720" bIns="45720" anchor="t">
+            <a:noAutofit/>
+          </a:bodyPr>
+          <a:p>
+            <a:pPr marL="1097280" indent="-1097280" defTabSz="4389120">
+              <a:lnSpc>
+                <a:spcPct val="90000"/>
+              </a:lnSpc>
+              <a:spcBef>
+                <a:spcPts val="4799"/>
+              </a:spcBef>
+              <a:buClr>
+                <a:srgbClr val="000000"/>
+              </a:buClr>
+              <a:buFont typeface="Arial"/>
+              <a:buChar char="•"/>
+            </a:pPr>
+            <a:r>
+              <a:rPr b="0" lang="en-US" sz="13439" strike="noStrike" u="none">
+                <a:solidFill>
+                  <a:schemeClr val="dk1"/>
+                </a:solidFill>
+                <a:effectLst/>
+                <a:uFillTx/>
+                <a:latin typeface="Aptos"/>
+              </a:rPr>
+              <a:t>Click to edit Master text styles</a:t>
+            </a:r>
+            <a:endParaRPr b="0" lang="en-US" sz="13439" strike="noStrike" u="none">
+              <a:solidFill>
+                <a:srgbClr val="000000"/>
+              </a:solidFill>
+              <a:effectLst/>
+              <a:uFillTx/>
+              <a:latin typeface="Nimbus Roman"/>
+            </a:endParaRPr>
+          </a:p>
+          <a:p>
+            <a:pPr lvl="1" marL="3291840" indent="-1097280" defTabSz="4389120">
+              <a:lnSpc>
+                <a:spcPct val="90000"/>
+              </a:lnSpc>
+              <a:spcBef>
+                <a:spcPts val="2401"/>
+              </a:spcBef>
+              <a:buClr>
+                <a:srgbClr val="000000"/>
+              </a:buClr>
+              <a:buFont typeface="Arial"/>
+              <a:buChar char="•"/>
+            </a:pPr>
+            <a:r>
+              <a:rPr b="0" lang="en-US" sz="11520" strike="noStrike" u="none">
+                <a:solidFill>
+                  <a:schemeClr val="dk1"/>
+                </a:solidFill>
+                <a:effectLst/>
+                <a:uFillTx/>
+                <a:latin typeface="Aptos"/>
+              </a:rPr>
+              <a:t>Second level</a:t>
+            </a:r>
+            <a:endParaRPr b="0" lang="en-US" sz="11520" strike="noStrike" u="none">
+              <a:solidFill>
+                <a:srgbClr val="000000"/>
+              </a:solidFill>
+              <a:effectLst/>
+              <a:uFillTx/>
+              <a:latin typeface="Nimbus Roman"/>
+            </a:endParaRPr>
+          </a:p>
+          <a:p>
+            <a:pPr lvl="2" marL="5486400" indent="-1097280" defTabSz="4389120">
+              <a:lnSpc>
+                <a:spcPct val="90000"/>
+              </a:lnSpc>
+              <a:spcBef>
+                <a:spcPts val="2401"/>
+              </a:spcBef>
+              <a:buClr>
+                <a:srgbClr val="000000"/>
+              </a:buClr>
+              <a:buFont typeface="Arial"/>
+              <a:buChar char="•"/>
+            </a:pPr>
+            <a:r>
+              <a:rPr b="0" lang="en-US" sz="9600" strike="noStrike" u="none">
+                <a:solidFill>
+                  <a:schemeClr val="dk1"/>
+                </a:solidFill>
+                <a:effectLst/>
+                <a:uFillTx/>
+                <a:latin typeface="Aptos"/>
+              </a:rPr>
+              <a:t>Third level</a:t>
+            </a:r>
+            <a:endParaRPr b="0" lang="en-US" sz="9600" strike="noStrike" u="none">
+              <a:solidFill>
+                <a:srgbClr val="000000"/>
+              </a:solidFill>
+              <a:effectLst/>
+              <a:uFillTx/>
+              <a:latin typeface="Nimbus Roman"/>
+            </a:endParaRPr>
+          </a:p>
+          <a:p>
+            <a:pPr lvl="3" marL="7680960" indent="-1097280" defTabSz="4389120">
+              <a:lnSpc>
+                <a:spcPct val="90000"/>
+              </a:lnSpc>
+              <a:spcBef>
+                <a:spcPts val="2401"/>
+              </a:spcBef>
+              <a:buClr>
+                <a:srgbClr val="000000"/>
+              </a:buClr>
+              <a:buFont typeface="Arial"/>
+              <a:buChar char="•"/>
+            </a:pPr>
+            <a:r>
+              <a:rPr b="0" lang="en-US" sz="8640" strike="noStrike" u="none">
+                <a:solidFill>
+                  <a:schemeClr val="dk1"/>
+                </a:solidFill>
+                <a:effectLst/>
+                <a:uFillTx/>
+                <a:latin typeface="Aptos"/>
+              </a:rPr>
+              <a:t>Fourth level</a:t>
+            </a:r>
+            <a:endParaRPr b="0" lang="en-US" sz="8640" strike="noStrike" u="none">
+              <a:solidFill>
+                <a:srgbClr val="000000"/>
+              </a:solidFill>
+              <a:effectLst/>
+              <a:uFillTx/>
+              <a:latin typeface="Nimbus Roman"/>
+            </a:endParaRPr>
+          </a:p>
+          <a:p>
+            <a:pPr lvl="4" marL="9875520" indent="-1097280" defTabSz="4389120">
+              <a:lnSpc>
+                <a:spcPct val="90000"/>
+              </a:lnSpc>
+              <a:spcBef>
+                <a:spcPts val="2401"/>
+              </a:spcBef>
+              <a:buClr>
+                <a:srgbClr val="000000"/>
+              </a:buClr>
+              <a:buFont typeface="Arial"/>
+              <a:buChar char="•"/>
+            </a:pPr>
+            <a:r>
+              <a:rPr b="0" lang="en-US" sz="8640" strike="noStrike" u="none">
+                <a:solidFill>
+                  <a:schemeClr val="dk1"/>
+                </a:solidFill>
+                <a:effectLst/>
+                <a:uFillTx/>
+                <a:latin typeface="Aptos"/>
+              </a:rPr>
+              <a:t>Fifth level</a:t>
+            </a:r>
+            <a:endParaRPr b="0" lang="en-US" sz="8640" strike="noStrike" u="none">
+              <a:solidFill>
+                <a:srgbClr val="000000"/>
+              </a:solidFill>
+              <a:effectLst/>
+              <a:uFillTx/>
+              <a:latin typeface="Nimbus Roman"/>
+            </a:endParaRPr>
+          </a:p>
+        </p:txBody>
+      </p:sp>
+      <p:sp>
+        <p:nvSpPr>
+          <p:cNvPr id="2" name="PlaceHolder 3"/>
+          <p:cNvSpPr>
+            <a:spLocks noGrp="1"/>
+          </p:cNvSpPr>
+          <p:nvPr>
             <p:ph type="dt" idx="1"/>
           </p:nvPr>
         </p:nvSpPr>
         <p:spPr>
           <a:xfrm>
             <a:off x="3017520" y="30510360"/>
-            <a:ext cx="9874440" cy="1751400"/>
+            <a:ext cx="9874080" cy="1751040"/>
           </a:xfrm>
           <a:prstGeom prst="rect">
             <a:avLst/>
@@ -667,7 +926,7 @@
       </p:sp>
       <p:sp>
         <p:nvSpPr>
-          <p:cNvPr id="1" name="PlaceHolder 2"/>
+          <p:cNvPr id="3" name="PlaceHolder 4"/>
           <p:cNvSpPr>
             <a:spLocks noGrp="1"/>
           </p:cNvSpPr>
@@ -678,7 +937,7 @@
         <p:spPr>
           <a:xfrm>
             <a:off x="14538960" y="30510360"/>
-            <a:ext cx="14812200" cy="1751400"/>
+            <a:ext cx="14811840" cy="1751040"/>
           </a:xfrm>
           <a:prstGeom prst="rect">
             <a:avLst/>
@@ -745,7 +1004,7 @@
       </p:sp>
       <p:sp>
         <p:nvSpPr>
-          <p:cNvPr id="2" name="PlaceHolder 3"/>
+          <p:cNvPr id="4" name="PlaceHolder 5"/>
           <p:cNvSpPr>
             <a:spLocks noGrp="1"/>
           </p:cNvSpPr>
@@ -756,7 +1015,7 @@
         <p:spPr>
           <a:xfrm>
             <a:off x="30998160" y="30510360"/>
-            <a:ext cx="9874440" cy="1751400"/>
+            <a:ext cx="9874080" cy="1751040"/>
           </a:xfrm>
           <a:prstGeom prst="rect">
             <a:avLst/>
@@ -801,7 +1060,7 @@
                 <a:tab algn="l" pos="0"/>
               </a:tabLst>
             </a:pPr>
-            <a:fld id="{46300818-784F-48BE-8B57-B1F4EE130EFB}" type="slidenum">
+            <a:fld id="{FE6152D0-BCC3-4E2F-B102-CE05CDC0F62E}" type="slidenum">
               <a:rPr b="0" lang="en-US" sz="5760" strike="noStrike" u="none">
                 <a:solidFill>
                   <a:schemeClr val="dk1">
@@ -831,6 +1090,1658 @@
 </file>
 
 <file path=ppt/slideLayouts/slideLayout10.xml><?xml version="1.0" encoding="utf-8"?>
+<p:sldLayout xmlns:a="http://schemas.openxmlformats.org/drawingml/2006/main" xmlns:p="http://schemas.openxmlformats.org/presentationml/2006/main" xmlns:r="http://schemas.openxmlformats.org/officeDocument/2006/relationships" xmlns:p14="http://schemas.microsoft.com/office/powerpoint/2010/main" xmlns:p15="http://schemas.microsoft.com/office/powerpoint/2012/main" xmlns:mc="http://schemas.openxmlformats.org/markup-compatibility/2006" type="title" preserve="1">
+  <p:cSld name="Title Slide">
+    <p:bg>
+      <p:bgPr>
+        <a:solidFill>
+          <a:srgbClr val="ffffff"/>
+        </a:solidFill>
+      </p:bgPr>
+    </p:bg>
+    <p:spTree>
+      <p:nvGrpSpPr>
+        <p:cNvPr id="1" name=""/>
+        <p:cNvGrpSpPr/>
+        <p:nvPr/>
+      </p:nvGrpSpPr>
+      <p:grpSpPr>
+        <a:xfrm>
+          <a:off x="0" y="0"/>
+          <a:ext cx="0" cy="0"/>
+          <a:chOff x="0" y="0"/>
+          <a:chExt cx="0" cy="0"/>
+        </a:xfrm>
+      </p:grpSpPr>
+      <p:sp>
+        <p:nvSpPr>
+          <p:cNvPr id="43" name="PlaceHolder 1"/>
+          <p:cNvSpPr>
+            <a:spLocks noGrp="1"/>
+          </p:cNvSpPr>
+          <p:nvPr>
+            <p:ph type="title"/>
+          </p:nvPr>
+        </p:nvSpPr>
+        <p:spPr>
+          <a:xfrm>
+            <a:off x="3291840" y="5387400"/>
+            <a:ext cx="37306080" cy="11459160"/>
+          </a:xfrm>
+          <a:prstGeom prst="rect">
+            <a:avLst/>
+          </a:prstGeom>
+          <a:noFill/>
+          <a:ln w="0">
+            <a:noFill/>
+          </a:ln>
+        </p:spPr>
+        <p:txBody>
+          <a:bodyPr lIns="91440" rIns="91440" tIns="45720" bIns="45720" anchor="b">
+            <a:noAutofit/>
+          </a:bodyPr>
+          <a:p>
+            <a:pPr indent="0" algn="ctr" defTabSz="4389120">
+              <a:lnSpc>
+                <a:spcPct val="90000"/>
+              </a:lnSpc>
+              <a:buNone/>
+              <a:tabLst>
+                <a:tab algn="l" pos="0"/>
+              </a:tabLst>
+            </a:pPr>
+            <a:r>
+              <a:rPr b="0" lang="en-US" sz="28800" strike="noStrike" u="none">
+                <a:solidFill>
+                  <a:schemeClr val="dk1"/>
+                </a:solidFill>
+                <a:effectLst/>
+                <a:uFillTx/>
+                <a:latin typeface="Aptos Display"/>
+              </a:rPr>
+              <a:t>Click to edit Master title style</a:t>
+            </a:r>
+            <a:endParaRPr b="0" lang="en-US" sz="28800" strike="noStrike" u="none">
+              <a:solidFill>
+                <a:srgbClr val="000000"/>
+              </a:solidFill>
+              <a:effectLst/>
+              <a:uFillTx/>
+              <a:latin typeface="Nimbus Roman"/>
+            </a:endParaRPr>
+          </a:p>
+        </p:txBody>
+      </p:sp>
+      <p:sp>
+        <p:nvSpPr>
+          <p:cNvPr id="44" name="PlaceHolder 2"/>
+          <p:cNvSpPr>
+            <a:spLocks noGrp="1"/>
+          </p:cNvSpPr>
+          <p:nvPr>
+            <p:ph type="dt" idx="25"/>
+          </p:nvPr>
+        </p:nvSpPr>
+        <p:spPr>
+          <a:xfrm>
+            <a:off x="3017520" y="30510360"/>
+            <a:ext cx="9874080" cy="1751040"/>
+          </a:xfrm>
+          <a:prstGeom prst="rect">
+            <a:avLst/>
+          </a:prstGeom>
+          <a:noFill/>
+          <a:ln w="0">
+            <a:noFill/>
+          </a:ln>
+        </p:spPr>
+        <p:txBody>
+          <a:bodyPr lIns="91440" rIns="91440" tIns="45720" bIns="45720" anchor="ctr">
+            <a:noAutofit/>
+          </a:bodyPr>
+          <a:lstStyle>
+            <a:lvl1pPr indent="0" defTabSz="457200">
+              <a:lnSpc>
+                <a:spcPct val="100000"/>
+              </a:lnSpc>
+              <a:buNone/>
+              <a:tabLst>
+                <a:tab algn="l" pos="0"/>
+              </a:tabLst>
+              <a:defRPr b="0" lang="en-US" sz="5760" strike="noStrike" u="none">
+                <a:solidFill>
+                  <a:schemeClr val="dk1">
+                    <a:tint val="82000"/>
+                  </a:schemeClr>
+                </a:solidFill>
+                <a:effectLst/>
+                <a:uFillTx/>
+                <a:latin typeface="Aptos"/>
+              </a:defRPr>
+            </a:lvl1pPr>
+          </a:lstStyle>
+          <a:p>
+            <a:pPr indent="0" defTabSz="457200">
+              <a:lnSpc>
+                <a:spcPct val="100000"/>
+              </a:lnSpc>
+              <a:buNone/>
+              <a:tabLst>
+                <a:tab algn="l" pos="0"/>
+              </a:tabLst>
+            </a:pPr>
+            <a:r>
+              <a:rPr b="0" lang="en-US" sz="5760" strike="noStrike" u="none">
+                <a:solidFill>
+                  <a:schemeClr val="dk1">
+                    <a:tint val="82000"/>
+                  </a:schemeClr>
+                </a:solidFill>
+                <a:effectLst/>
+                <a:uFillTx/>
+                <a:latin typeface="Aptos"/>
+              </a:rPr>
+              <a:t>&lt;date/time&gt;</a:t>
+            </a:r>
+            <a:endParaRPr b="0" lang="en-US" sz="5760" strike="noStrike" u="none">
+              <a:solidFill>
+                <a:srgbClr val="000000"/>
+              </a:solidFill>
+              <a:effectLst/>
+              <a:uFillTx/>
+              <a:latin typeface="Nimbus Roman"/>
+            </a:endParaRPr>
+          </a:p>
+        </p:txBody>
+      </p:sp>
+      <p:sp>
+        <p:nvSpPr>
+          <p:cNvPr id="45" name="PlaceHolder 3"/>
+          <p:cNvSpPr>
+            <a:spLocks noGrp="1"/>
+          </p:cNvSpPr>
+          <p:nvPr>
+            <p:ph type="ftr" idx="26"/>
+          </p:nvPr>
+        </p:nvSpPr>
+        <p:spPr>
+          <a:xfrm>
+            <a:off x="14538960" y="30510360"/>
+            <a:ext cx="14811840" cy="1751040"/>
+          </a:xfrm>
+          <a:prstGeom prst="rect">
+            <a:avLst/>
+          </a:prstGeom>
+          <a:noFill/>
+          <a:ln w="0">
+            <a:noFill/>
+          </a:ln>
+        </p:spPr>
+        <p:txBody>
+          <a:bodyPr lIns="91440" rIns="91440" tIns="45720" bIns="45720" anchor="ctr">
+            <a:noAutofit/>
+          </a:bodyPr>
+          <a:lstStyle>
+            <a:lvl1pPr indent="0" algn="ctr" defTabSz="914400">
+              <a:lnSpc>
+                <a:spcPct val="100000"/>
+              </a:lnSpc>
+              <a:buNone/>
+              <a:tabLst>
+                <a:tab algn="l" pos="0"/>
+              </a:tabLst>
+              <a:defRPr b="0" lang="en-US" sz="1400" strike="noStrike" u="none">
+                <a:solidFill>
+                  <a:srgbClr val="000000"/>
+                </a:solidFill>
+                <a:effectLst/>
+                <a:uFillTx/>
+                <a:latin typeface="Times New Roman"/>
+              </a:defRPr>
+            </a:lvl1pPr>
+          </a:lstStyle>
+          <a:p>
+            <a:pPr indent="0" algn="ctr" defTabSz="914400">
+              <a:lnSpc>
+                <a:spcPct val="100000"/>
+              </a:lnSpc>
+              <a:buNone/>
+              <a:tabLst>
+                <a:tab algn="l" pos="0"/>
+              </a:tabLst>
+            </a:pPr>
+            <a:r>
+              <a:rPr b="0" lang="en-US" sz="1400" strike="noStrike" u="none">
+                <a:solidFill>
+                  <a:srgbClr val="000000"/>
+                </a:solidFill>
+                <a:effectLst/>
+                <a:uFillTx/>
+                <a:latin typeface="Times New Roman"/>
+              </a:rPr>
+              <a:t>&lt;footer&gt;</a:t>
+            </a:r>
+            <a:endParaRPr b="0" lang="en-US" sz="1400" strike="noStrike" u="none">
+              <a:solidFill>
+                <a:srgbClr val="000000"/>
+              </a:solidFill>
+              <a:effectLst/>
+              <a:uFillTx/>
+              <a:latin typeface="Nimbus Roman"/>
+            </a:endParaRPr>
+          </a:p>
+        </p:txBody>
+      </p:sp>
+      <p:sp>
+        <p:nvSpPr>
+          <p:cNvPr id="46" name="PlaceHolder 4"/>
+          <p:cNvSpPr>
+            <a:spLocks noGrp="1"/>
+          </p:cNvSpPr>
+          <p:nvPr>
+            <p:ph type="sldNum" idx="27"/>
+          </p:nvPr>
+        </p:nvSpPr>
+        <p:spPr>
+          <a:xfrm>
+            <a:off x="30998160" y="30510360"/>
+            <a:ext cx="9874080" cy="1751040"/>
+          </a:xfrm>
+          <a:prstGeom prst="rect">
+            <a:avLst/>
+          </a:prstGeom>
+          <a:noFill/>
+          <a:ln w="0">
+            <a:noFill/>
+          </a:ln>
+        </p:spPr>
+        <p:txBody>
+          <a:bodyPr lIns="91440" rIns="91440" tIns="45720" bIns="45720" anchor="ctr">
+            <a:noAutofit/>
+          </a:bodyPr>
+          <a:lstStyle>
+            <a:lvl1pPr indent="0" algn="r" defTabSz="457200">
+              <a:lnSpc>
+                <a:spcPct val="100000"/>
+              </a:lnSpc>
+              <a:buNone/>
+              <a:tabLst>
+                <a:tab algn="l" pos="0"/>
+              </a:tabLst>
+              <a:defRPr b="0" lang="en-US" sz="5760" strike="noStrike" u="none">
+                <a:solidFill>
+                  <a:schemeClr val="dk1">
+                    <a:tint val="82000"/>
+                  </a:schemeClr>
+                </a:solidFill>
+                <a:effectLst/>
+                <a:uFillTx/>
+                <a:latin typeface="Aptos"/>
+              </a:defRPr>
+            </a:lvl1pPr>
+          </a:lstStyle>
+          <a:p>
+            <a:pPr indent="0" algn="r" defTabSz="457200">
+              <a:lnSpc>
+                <a:spcPct val="100000"/>
+              </a:lnSpc>
+              <a:buNone/>
+              <a:tabLst>
+                <a:tab algn="l" pos="0"/>
+              </a:tabLst>
+            </a:pPr>
+            <a:fld id="{8ECA1E5A-0F4E-4FDB-8C87-F771E6203520}" type="slidenum">
+              <a:rPr b="0" lang="en-US" sz="5760" strike="noStrike" u="none">
+                <a:solidFill>
+                  <a:schemeClr val="dk1">
+                    <a:tint val="82000"/>
+                  </a:schemeClr>
+                </a:solidFill>
+                <a:effectLst/>
+                <a:uFillTx/>
+                <a:latin typeface="Aptos"/>
+              </a:rPr>
+              <a:t>&lt;number&gt;</a:t>
+            </a:fld>
+            <a:endParaRPr b="0" lang="en-US" sz="5760" strike="noStrike" u="none">
+              <a:solidFill>
+                <a:srgbClr val="000000"/>
+              </a:solidFill>
+              <a:effectLst/>
+              <a:uFillTx/>
+              <a:latin typeface="Nimbus Roman"/>
+            </a:endParaRPr>
+          </a:p>
+        </p:txBody>
+      </p:sp>
+      <p:sp>
+        <p:nvSpPr>
+          <p:cNvPr id="47" name="PlaceHolder 5"/>
+          <p:cNvSpPr>
+            <a:spLocks noGrp="1"/>
+          </p:cNvSpPr>
+          <p:nvPr>
+            <p:ph type="body"/>
+          </p:nvPr>
+        </p:nvSpPr>
+        <p:spPr>
+          <a:xfrm>
+            <a:off x="2194560" y="7702560"/>
+            <a:ext cx="39501720" cy="19092240"/>
+          </a:xfrm>
+          <a:prstGeom prst="rect">
+            <a:avLst/>
+          </a:prstGeom>
+          <a:noFill/>
+          <a:ln w="0">
+            <a:noFill/>
+          </a:ln>
+        </p:spPr>
+        <p:txBody>
+          <a:bodyPr lIns="0" rIns="0" tIns="0" bIns="0" anchor="t">
+            <a:normAutofit/>
+          </a:bodyPr>
+          <a:p>
+            <a:pPr marL="432000" indent="-324000">
+              <a:spcBef>
+                <a:spcPts val="1417"/>
+              </a:spcBef>
+              <a:buClr>
+                <a:srgbClr val="000000"/>
+              </a:buClr>
+              <a:buSzPct val="45000"/>
+              <a:buFont typeface="Wingdings" charset="2"/>
+              <a:buChar char=""/>
+            </a:pPr>
+            <a:r>
+              <a:rPr b="0" lang="en-US" sz="3200" strike="noStrike" u="none">
+                <a:solidFill>
+                  <a:srgbClr val="000000"/>
+                </a:solidFill>
+                <a:effectLst/>
+                <a:uFillTx/>
+                <a:latin typeface="Nimbus Roman"/>
+              </a:rPr>
+              <a:t>Click to edit the outline text format</a:t>
+            </a:r>
+            <a:endParaRPr b="0" lang="en-US" sz="3200" strike="noStrike" u="none">
+              <a:solidFill>
+                <a:srgbClr val="000000"/>
+              </a:solidFill>
+              <a:effectLst/>
+              <a:uFillTx/>
+              <a:latin typeface="Nimbus Roman"/>
+            </a:endParaRPr>
+          </a:p>
+          <a:p>
+            <a:pPr lvl="1" marL="864000" indent="-324000">
+              <a:spcBef>
+                <a:spcPts val="1134"/>
+              </a:spcBef>
+              <a:buClr>
+                <a:srgbClr val="000000"/>
+              </a:buClr>
+              <a:buSzPct val="75000"/>
+              <a:buFont typeface="Symbol" charset="2"/>
+              <a:buChar char=""/>
+            </a:pPr>
+            <a:r>
+              <a:rPr b="0" lang="en-US" sz="2800" strike="noStrike" u="none">
+                <a:solidFill>
+                  <a:srgbClr val="000000"/>
+                </a:solidFill>
+                <a:effectLst/>
+                <a:uFillTx/>
+                <a:latin typeface="Nimbus Roman"/>
+              </a:rPr>
+              <a:t>Second Outline Level</a:t>
+            </a:r>
+            <a:endParaRPr b="0" lang="en-US" sz="2800" strike="noStrike" u="none">
+              <a:solidFill>
+                <a:srgbClr val="000000"/>
+              </a:solidFill>
+              <a:effectLst/>
+              <a:uFillTx/>
+              <a:latin typeface="Nimbus Roman"/>
+            </a:endParaRPr>
+          </a:p>
+          <a:p>
+            <a:pPr lvl="2" marL="1296000" indent="-288000">
+              <a:spcBef>
+                <a:spcPts val="850"/>
+              </a:spcBef>
+              <a:buClr>
+                <a:srgbClr val="000000"/>
+              </a:buClr>
+              <a:buSzPct val="45000"/>
+              <a:buFont typeface="Wingdings" charset="2"/>
+              <a:buChar char=""/>
+            </a:pPr>
+            <a:r>
+              <a:rPr b="0" lang="en-US" sz="2400" strike="noStrike" u="none">
+                <a:solidFill>
+                  <a:srgbClr val="000000"/>
+                </a:solidFill>
+                <a:effectLst/>
+                <a:uFillTx/>
+                <a:latin typeface="Nimbus Roman"/>
+              </a:rPr>
+              <a:t>Third Outline Level</a:t>
+            </a:r>
+            <a:endParaRPr b="0" lang="en-US" sz="2400" strike="noStrike" u="none">
+              <a:solidFill>
+                <a:srgbClr val="000000"/>
+              </a:solidFill>
+              <a:effectLst/>
+              <a:uFillTx/>
+              <a:latin typeface="Nimbus Roman"/>
+            </a:endParaRPr>
+          </a:p>
+          <a:p>
+            <a:pPr lvl="3" marL="1728000" indent="-216000">
+              <a:spcBef>
+                <a:spcPts val="567"/>
+              </a:spcBef>
+              <a:buClr>
+                <a:srgbClr val="000000"/>
+              </a:buClr>
+              <a:buSzPct val="75000"/>
+              <a:buFont typeface="Symbol" charset="2"/>
+              <a:buChar char=""/>
+            </a:pPr>
+            <a:r>
+              <a:rPr b="0" lang="en-US" sz="2000" strike="noStrike" u="none">
+                <a:solidFill>
+                  <a:srgbClr val="000000"/>
+                </a:solidFill>
+                <a:effectLst/>
+                <a:uFillTx/>
+                <a:latin typeface="Nimbus Roman"/>
+              </a:rPr>
+              <a:t>Fourth Outline Level</a:t>
+            </a:r>
+            <a:endParaRPr b="0" lang="en-US" sz="2000" strike="noStrike" u="none">
+              <a:solidFill>
+                <a:srgbClr val="000000"/>
+              </a:solidFill>
+              <a:effectLst/>
+              <a:uFillTx/>
+              <a:latin typeface="Nimbus Roman"/>
+            </a:endParaRPr>
+          </a:p>
+          <a:p>
+            <a:pPr lvl="4" marL="2160000" indent="-216000">
+              <a:spcBef>
+                <a:spcPts val="283"/>
+              </a:spcBef>
+              <a:buClr>
+                <a:srgbClr val="000000"/>
+              </a:buClr>
+              <a:buSzPct val="45000"/>
+              <a:buFont typeface="Wingdings" charset="2"/>
+              <a:buChar char=""/>
+            </a:pPr>
+            <a:r>
+              <a:rPr b="0" lang="en-US" sz="2000" strike="noStrike" u="none">
+                <a:solidFill>
+                  <a:srgbClr val="000000"/>
+                </a:solidFill>
+                <a:effectLst/>
+                <a:uFillTx/>
+                <a:latin typeface="Nimbus Roman"/>
+              </a:rPr>
+              <a:t>Fifth Outline Level</a:t>
+            </a:r>
+            <a:endParaRPr b="0" lang="en-US" sz="2000" strike="noStrike" u="none">
+              <a:solidFill>
+                <a:srgbClr val="000000"/>
+              </a:solidFill>
+              <a:effectLst/>
+              <a:uFillTx/>
+              <a:latin typeface="Nimbus Roman"/>
+            </a:endParaRPr>
+          </a:p>
+          <a:p>
+            <a:pPr lvl="5" marL="2592000" indent="-216000">
+              <a:spcBef>
+                <a:spcPts val="283"/>
+              </a:spcBef>
+              <a:buClr>
+                <a:srgbClr val="000000"/>
+              </a:buClr>
+              <a:buSzPct val="45000"/>
+              <a:buFont typeface="Wingdings" charset="2"/>
+              <a:buChar char=""/>
+            </a:pPr>
+            <a:r>
+              <a:rPr b="0" lang="en-US" sz="2000" strike="noStrike" u="none">
+                <a:solidFill>
+                  <a:srgbClr val="000000"/>
+                </a:solidFill>
+                <a:effectLst/>
+                <a:uFillTx/>
+                <a:latin typeface="Nimbus Roman"/>
+              </a:rPr>
+              <a:t>Sixth Outline Level</a:t>
+            </a:r>
+            <a:endParaRPr b="0" lang="en-US" sz="2000" strike="noStrike" u="none">
+              <a:solidFill>
+                <a:srgbClr val="000000"/>
+              </a:solidFill>
+              <a:effectLst/>
+              <a:uFillTx/>
+              <a:latin typeface="Nimbus Roman"/>
+            </a:endParaRPr>
+          </a:p>
+          <a:p>
+            <a:pPr lvl="6" marL="3024000" indent="-216000">
+              <a:spcBef>
+                <a:spcPts val="283"/>
+              </a:spcBef>
+              <a:buClr>
+                <a:srgbClr val="000000"/>
+              </a:buClr>
+              <a:buSzPct val="45000"/>
+              <a:buFont typeface="Wingdings" charset="2"/>
+              <a:buChar char=""/>
+            </a:pPr>
+            <a:r>
+              <a:rPr b="0" lang="en-US" sz="2000" strike="noStrike" u="none">
+                <a:solidFill>
+                  <a:srgbClr val="000000"/>
+                </a:solidFill>
+                <a:effectLst/>
+                <a:uFillTx/>
+                <a:latin typeface="Nimbus Roman"/>
+              </a:rPr>
+              <a:t>Seventh Outline Level</a:t>
+            </a:r>
+            <a:endParaRPr b="0" lang="en-US" sz="2000" strike="noStrike" u="none">
+              <a:solidFill>
+                <a:srgbClr val="000000"/>
+              </a:solidFill>
+              <a:effectLst/>
+              <a:uFillTx/>
+              <a:latin typeface="Nimbus Roman"/>
+            </a:endParaRPr>
+          </a:p>
+        </p:txBody>
+      </p:sp>
+    </p:spTree>
+  </p:cSld>
+</p:sldLayout>
+</file>
+
+<file path=ppt/slideLayouts/slideLayout11.xml><?xml version="1.0" encoding="utf-8"?>
+<p:sldLayout xmlns:a="http://schemas.openxmlformats.org/drawingml/2006/main" xmlns:p="http://schemas.openxmlformats.org/presentationml/2006/main" xmlns:r="http://schemas.openxmlformats.org/officeDocument/2006/relationships" xmlns:p14="http://schemas.microsoft.com/office/powerpoint/2010/main" xmlns:p15="http://schemas.microsoft.com/office/powerpoint/2012/main" xmlns:mc="http://schemas.openxmlformats.org/markup-compatibility/2006" type="vertTx" preserve="1">
+  <p:cSld name="Title and Vertical Text">
+    <p:bg>
+      <p:bgPr>
+        <a:solidFill>
+          <a:srgbClr val="ffffff"/>
+        </a:solidFill>
+      </p:bgPr>
+    </p:bg>
+    <p:spTree>
+      <p:nvGrpSpPr>
+        <p:cNvPr id="1" name=""/>
+        <p:cNvGrpSpPr/>
+        <p:nvPr/>
+      </p:nvGrpSpPr>
+      <p:grpSpPr>
+        <a:xfrm>
+          <a:off x="0" y="0"/>
+          <a:ext cx="0" cy="0"/>
+          <a:chOff x="0" y="0"/>
+          <a:chExt cx="0" cy="0"/>
+        </a:xfrm>
+      </p:grpSpPr>
+      <p:sp>
+        <p:nvSpPr>
+          <p:cNvPr id="53" name="PlaceHolder 1"/>
+          <p:cNvSpPr>
+            <a:spLocks noGrp="1"/>
+          </p:cNvSpPr>
+          <p:nvPr>
+            <p:ph type="title"/>
+          </p:nvPr>
+        </p:nvSpPr>
+        <p:spPr>
+          <a:xfrm>
+            <a:off x="3017520" y="1752480"/>
+            <a:ext cx="37854720" cy="6361200"/>
+          </a:xfrm>
+          <a:prstGeom prst="rect">
+            <a:avLst/>
+          </a:prstGeom>
+          <a:noFill/>
+          <a:ln w="0">
+            <a:noFill/>
+          </a:ln>
+        </p:spPr>
+        <p:txBody>
+          <a:bodyPr lIns="91440" rIns="91440" tIns="45720" bIns="45720" anchor="ctr">
+            <a:noAutofit/>
+          </a:bodyPr>
+          <a:p>
+            <a:pPr indent="0" defTabSz="4389120">
+              <a:lnSpc>
+                <a:spcPct val="90000"/>
+              </a:lnSpc>
+              <a:buNone/>
+              <a:tabLst>
+                <a:tab algn="l" pos="0"/>
+              </a:tabLst>
+            </a:pPr>
+            <a:r>
+              <a:rPr b="0" lang="en-US" sz="21120" strike="noStrike" u="none">
+                <a:solidFill>
+                  <a:schemeClr val="dk1"/>
+                </a:solidFill>
+                <a:effectLst/>
+                <a:uFillTx/>
+                <a:latin typeface="Aptos Display"/>
+              </a:rPr>
+              <a:t>Click to edit Master title style</a:t>
+            </a:r>
+            <a:endParaRPr b="0" lang="en-US" sz="21120" strike="noStrike" u="none">
+              <a:solidFill>
+                <a:srgbClr val="000000"/>
+              </a:solidFill>
+              <a:effectLst/>
+              <a:uFillTx/>
+              <a:latin typeface="Nimbus Roman"/>
+            </a:endParaRPr>
+          </a:p>
+        </p:txBody>
+      </p:sp>
+      <p:sp>
+        <p:nvSpPr>
+          <p:cNvPr id="54" name="PlaceHolder 2"/>
+          <p:cNvSpPr>
+            <a:spLocks noGrp="1"/>
+          </p:cNvSpPr>
+          <p:nvPr>
+            <p:ph type="body"/>
+          </p:nvPr>
+        </p:nvSpPr>
+        <p:spPr>
+          <a:xfrm>
+            <a:off x="3017520" y="8763120"/>
+            <a:ext cx="37854720" cy="20885040"/>
+          </a:xfrm>
+          <a:prstGeom prst="rect">
+            <a:avLst/>
+          </a:prstGeom>
+          <a:noFill/>
+          <a:ln w="0">
+            <a:noFill/>
+          </a:ln>
+        </p:spPr>
+        <p:txBody>
+          <a:bodyPr lIns="91440" rIns="91440" tIns="45720" bIns="45720" anchor="t" vert="eaVert">
+            <a:noAutofit/>
+          </a:bodyPr>
+          <a:p>
+            <a:pPr marL="1097280" indent="-1097280" defTabSz="4389120">
+              <a:lnSpc>
+                <a:spcPct val="90000"/>
+              </a:lnSpc>
+              <a:spcBef>
+                <a:spcPts val="4799"/>
+              </a:spcBef>
+              <a:buClr>
+                <a:srgbClr val="000000"/>
+              </a:buClr>
+              <a:buFont typeface="Arial"/>
+              <a:buChar char="•"/>
+            </a:pPr>
+            <a:r>
+              <a:rPr b="0" lang="en-US" sz="13439" strike="noStrike" u="none">
+                <a:solidFill>
+                  <a:schemeClr val="dk1"/>
+                </a:solidFill>
+                <a:effectLst/>
+                <a:uFillTx/>
+                <a:latin typeface="Aptos"/>
+              </a:rPr>
+              <a:t>Click to edit Master text styles</a:t>
+            </a:r>
+            <a:endParaRPr b="0" lang="en-US" sz="13439" strike="noStrike" u="none">
+              <a:solidFill>
+                <a:srgbClr val="000000"/>
+              </a:solidFill>
+              <a:effectLst/>
+              <a:uFillTx/>
+              <a:latin typeface="Nimbus Roman"/>
+            </a:endParaRPr>
+          </a:p>
+          <a:p>
+            <a:pPr lvl="1" marL="3291840" indent="-1097280" defTabSz="4389120">
+              <a:lnSpc>
+                <a:spcPct val="90000"/>
+              </a:lnSpc>
+              <a:spcBef>
+                <a:spcPts val="2401"/>
+              </a:spcBef>
+              <a:buClr>
+                <a:srgbClr val="000000"/>
+              </a:buClr>
+              <a:buFont typeface="Arial"/>
+              <a:buChar char="•"/>
+            </a:pPr>
+            <a:r>
+              <a:rPr b="0" lang="en-US" sz="11520" strike="noStrike" u="none">
+                <a:solidFill>
+                  <a:schemeClr val="dk1"/>
+                </a:solidFill>
+                <a:effectLst/>
+                <a:uFillTx/>
+                <a:latin typeface="Aptos"/>
+              </a:rPr>
+              <a:t>Second level</a:t>
+            </a:r>
+            <a:endParaRPr b="0" lang="en-US" sz="11520" strike="noStrike" u="none">
+              <a:solidFill>
+                <a:srgbClr val="000000"/>
+              </a:solidFill>
+              <a:effectLst/>
+              <a:uFillTx/>
+              <a:latin typeface="Nimbus Roman"/>
+            </a:endParaRPr>
+          </a:p>
+          <a:p>
+            <a:pPr lvl="2" marL="5486400" indent="-1097280" defTabSz="4389120">
+              <a:lnSpc>
+                <a:spcPct val="90000"/>
+              </a:lnSpc>
+              <a:spcBef>
+                <a:spcPts val="2401"/>
+              </a:spcBef>
+              <a:buClr>
+                <a:srgbClr val="000000"/>
+              </a:buClr>
+              <a:buFont typeface="Arial"/>
+              <a:buChar char="•"/>
+            </a:pPr>
+            <a:r>
+              <a:rPr b="0" lang="en-US" sz="9600" strike="noStrike" u="none">
+                <a:solidFill>
+                  <a:schemeClr val="dk1"/>
+                </a:solidFill>
+                <a:effectLst/>
+                <a:uFillTx/>
+                <a:latin typeface="Aptos"/>
+              </a:rPr>
+              <a:t>Third level</a:t>
+            </a:r>
+            <a:endParaRPr b="0" lang="en-US" sz="9600" strike="noStrike" u="none">
+              <a:solidFill>
+                <a:srgbClr val="000000"/>
+              </a:solidFill>
+              <a:effectLst/>
+              <a:uFillTx/>
+              <a:latin typeface="Nimbus Roman"/>
+            </a:endParaRPr>
+          </a:p>
+          <a:p>
+            <a:pPr lvl="3" marL="7680960" indent="-1097280" defTabSz="4389120">
+              <a:lnSpc>
+                <a:spcPct val="90000"/>
+              </a:lnSpc>
+              <a:spcBef>
+                <a:spcPts val="2401"/>
+              </a:spcBef>
+              <a:buClr>
+                <a:srgbClr val="000000"/>
+              </a:buClr>
+              <a:buFont typeface="Arial"/>
+              <a:buChar char="•"/>
+            </a:pPr>
+            <a:r>
+              <a:rPr b="0" lang="en-US" sz="8640" strike="noStrike" u="none">
+                <a:solidFill>
+                  <a:schemeClr val="dk1"/>
+                </a:solidFill>
+                <a:effectLst/>
+                <a:uFillTx/>
+                <a:latin typeface="Aptos"/>
+              </a:rPr>
+              <a:t>Fourth level</a:t>
+            </a:r>
+            <a:endParaRPr b="0" lang="en-US" sz="8640" strike="noStrike" u="none">
+              <a:solidFill>
+                <a:srgbClr val="000000"/>
+              </a:solidFill>
+              <a:effectLst/>
+              <a:uFillTx/>
+              <a:latin typeface="Nimbus Roman"/>
+            </a:endParaRPr>
+          </a:p>
+          <a:p>
+            <a:pPr lvl="4" marL="9875520" indent="-1097280" defTabSz="4389120">
+              <a:lnSpc>
+                <a:spcPct val="90000"/>
+              </a:lnSpc>
+              <a:spcBef>
+                <a:spcPts val="2401"/>
+              </a:spcBef>
+              <a:buClr>
+                <a:srgbClr val="000000"/>
+              </a:buClr>
+              <a:buFont typeface="Arial"/>
+              <a:buChar char="•"/>
+            </a:pPr>
+            <a:r>
+              <a:rPr b="0" lang="en-US" sz="8640" strike="noStrike" u="none">
+                <a:solidFill>
+                  <a:schemeClr val="dk1"/>
+                </a:solidFill>
+                <a:effectLst/>
+                <a:uFillTx/>
+                <a:latin typeface="Aptos"/>
+              </a:rPr>
+              <a:t>Fifth level</a:t>
+            </a:r>
+            <a:endParaRPr b="0" lang="en-US" sz="8640" strike="noStrike" u="none">
+              <a:solidFill>
+                <a:srgbClr val="000000"/>
+              </a:solidFill>
+              <a:effectLst/>
+              <a:uFillTx/>
+              <a:latin typeface="Nimbus Roman"/>
+            </a:endParaRPr>
+          </a:p>
+        </p:txBody>
+      </p:sp>
+      <p:sp>
+        <p:nvSpPr>
+          <p:cNvPr id="55" name="PlaceHolder 3"/>
+          <p:cNvSpPr>
+            <a:spLocks noGrp="1"/>
+          </p:cNvSpPr>
+          <p:nvPr>
+            <p:ph type="dt" idx="31"/>
+          </p:nvPr>
+        </p:nvSpPr>
+        <p:spPr>
+          <a:xfrm>
+            <a:off x="3017520" y="30510360"/>
+            <a:ext cx="9874080" cy="1751040"/>
+          </a:xfrm>
+          <a:prstGeom prst="rect">
+            <a:avLst/>
+          </a:prstGeom>
+          <a:noFill/>
+          <a:ln w="0">
+            <a:noFill/>
+          </a:ln>
+        </p:spPr>
+        <p:txBody>
+          <a:bodyPr lIns="91440" rIns="91440" tIns="45720" bIns="45720" anchor="ctr">
+            <a:noAutofit/>
+          </a:bodyPr>
+          <a:lstStyle>
+            <a:lvl1pPr indent="0" defTabSz="457200">
+              <a:lnSpc>
+                <a:spcPct val="100000"/>
+              </a:lnSpc>
+              <a:buNone/>
+              <a:tabLst>
+                <a:tab algn="l" pos="0"/>
+              </a:tabLst>
+              <a:defRPr b="0" lang="en-US" sz="5760" strike="noStrike" u="none">
+                <a:solidFill>
+                  <a:schemeClr val="dk1">
+                    <a:tint val="82000"/>
+                  </a:schemeClr>
+                </a:solidFill>
+                <a:effectLst/>
+                <a:uFillTx/>
+                <a:latin typeface="Aptos"/>
+              </a:defRPr>
+            </a:lvl1pPr>
+          </a:lstStyle>
+          <a:p>
+            <a:pPr indent="0" defTabSz="457200">
+              <a:lnSpc>
+                <a:spcPct val="100000"/>
+              </a:lnSpc>
+              <a:buNone/>
+              <a:tabLst>
+                <a:tab algn="l" pos="0"/>
+              </a:tabLst>
+            </a:pPr>
+            <a:r>
+              <a:rPr b="0" lang="en-US" sz="5760" strike="noStrike" u="none">
+                <a:solidFill>
+                  <a:schemeClr val="dk1">
+                    <a:tint val="82000"/>
+                  </a:schemeClr>
+                </a:solidFill>
+                <a:effectLst/>
+                <a:uFillTx/>
+                <a:latin typeface="Aptos"/>
+              </a:rPr>
+              <a:t>&lt;date/time&gt;</a:t>
+            </a:r>
+            <a:endParaRPr b="0" lang="en-US" sz="5760" strike="noStrike" u="none">
+              <a:solidFill>
+                <a:srgbClr val="000000"/>
+              </a:solidFill>
+              <a:effectLst/>
+              <a:uFillTx/>
+              <a:latin typeface="Nimbus Roman"/>
+            </a:endParaRPr>
+          </a:p>
+        </p:txBody>
+      </p:sp>
+      <p:sp>
+        <p:nvSpPr>
+          <p:cNvPr id="56" name="PlaceHolder 4"/>
+          <p:cNvSpPr>
+            <a:spLocks noGrp="1"/>
+          </p:cNvSpPr>
+          <p:nvPr>
+            <p:ph type="ftr" idx="32"/>
+          </p:nvPr>
+        </p:nvSpPr>
+        <p:spPr>
+          <a:xfrm>
+            <a:off x="14538960" y="30510360"/>
+            <a:ext cx="14811840" cy="1751040"/>
+          </a:xfrm>
+          <a:prstGeom prst="rect">
+            <a:avLst/>
+          </a:prstGeom>
+          <a:noFill/>
+          <a:ln w="0">
+            <a:noFill/>
+          </a:ln>
+        </p:spPr>
+        <p:txBody>
+          <a:bodyPr lIns="91440" rIns="91440" tIns="45720" bIns="45720" anchor="ctr">
+            <a:noAutofit/>
+          </a:bodyPr>
+          <a:lstStyle>
+            <a:lvl1pPr indent="0" algn="ctr" defTabSz="914400">
+              <a:lnSpc>
+                <a:spcPct val="100000"/>
+              </a:lnSpc>
+              <a:buNone/>
+              <a:tabLst>
+                <a:tab algn="l" pos="0"/>
+              </a:tabLst>
+              <a:defRPr b="0" lang="en-US" sz="1400" strike="noStrike" u="none">
+                <a:solidFill>
+                  <a:srgbClr val="000000"/>
+                </a:solidFill>
+                <a:effectLst/>
+                <a:uFillTx/>
+                <a:latin typeface="Times New Roman"/>
+              </a:defRPr>
+            </a:lvl1pPr>
+          </a:lstStyle>
+          <a:p>
+            <a:pPr indent="0" algn="ctr" defTabSz="914400">
+              <a:lnSpc>
+                <a:spcPct val="100000"/>
+              </a:lnSpc>
+              <a:buNone/>
+              <a:tabLst>
+                <a:tab algn="l" pos="0"/>
+              </a:tabLst>
+            </a:pPr>
+            <a:r>
+              <a:rPr b="0" lang="en-US" sz="1400" strike="noStrike" u="none">
+                <a:solidFill>
+                  <a:srgbClr val="000000"/>
+                </a:solidFill>
+                <a:effectLst/>
+                <a:uFillTx/>
+                <a:latin typeface="Times New Roman"/>
+              </a:rPr>
+              <a:t>&lt;footer&gt;</a:t>
+            </a:r>
+            <a:endParaRPr b="0" lang="en-US" sz="1400" strike="noStrike" u="none">
+              <a:solidFill>
+                <a:srgbClr val="000000"/>
+              </a:solidFill>
+              <a:effectLst/>
+              <a:uFillTx/>
+              <a:latin typeface="Nimbus Roman"/>
+            </a:endParaRPr>
+          </a:p>
+        </p:txBody>
+      </p:sp>
+      <p:sp>
+        <p:nvSpPr>
+          <p:cNvPr id="57" name="PlaceHolder 5"/>
+          <p:cNvSpPr>
+            <a:spLocks noGrp="1"/>
+          </p:cNvSpPr>
+          <p:nvPr>
+            <p:ph type="sldNum" idx="33"/>
+          </p:nvPr>
+        </p:nvSpPr>
+        <p:spPr>
+          <a:xfrm>
+            <a:off x="30998160" y="30510360"/>
+            <a:ext cx="9874080" cy="1751040"/>
+          </a:xfrm>
+          <a:prstGeom prst="rect">
+            <a:avLst/>
+          </a:prstGeom>
+          <a:noFill/>
+          <a:ln w="0">
+            <a:noFill/>
+          </a:ln>
+        </p:spPr>
+        <p:txBody>
+          <a:bodyPr lIns="91440" rIns="91440" tIns="45720" bIns="45720" anchor="ctr">
+            <a:noAutofit/>
+          </a:bodyPr>
+          <a:lstStyle>
+            <a:lvl1pPr indent="0" algn="r" defTabSz="457200">
+              <a:lnSpc>
+                <a:spcPct val="100000"/>
+              </a:lnSpc>
+              <a:buNone/>
+              <a:tabLst>
+                <a:tab algn="l" pos="0"/>
+              </a:tabLst>
+              <a:defRPr b="0" lang="en-US" sz="5760" strike="noStrike" u="none">
+                <a:solidFill>
+                  <a:schemeClr val="dk1">
+                    <a:tint val="82000"/>
+                  </a:schemeClr>
+                </a:solidFill>
+                <a:effectLst/>
+                <a:uFillTx/>
+                <a:latin typeface="Aptos"/>
+              </a:defRPr>
+            </a:lvl1pPr>
+          </a:lstStyle>
+          <a:p>
+            <a:pPr indent="0" algn="r" defTabSz="457200">
+              <a:lnSpc>
+                <a:spcPct val="100000"/>
+              </a:lnSpc>
+              <a:buNone/>
+              <a:tabLst>
+                <a:tab algn="l" pos="0"/>
+              </a:tabLst>
+            </a:pPr>
+            <a:fld id="{A889DAC1-6E82-457C-94D2-5BB90DCE48B0}" type="slidenum">
+              <a:rPr b="0" lang="en-US" sz="5760" strike="noStrike" u="none">
+                <a:solidFill>
+                  <a:schemeClr val="dk1">
+                    <a:tint val="82000"/>
+                  </a:schemeClr>
+                </a:solidFill>
+                <a:effectLst/>
+                <a:uFillTx/>
+                <a:latin typeface="Aptos"/>
+              </a:rPr>
+              <a:t>&lt;number&gt;</a:t>
+            </a:fld>
+            <a:endParaRPr b="0" lang="en-US" sz="5760" strike="noStrike" u="none">
+              <a:solidFill>
+                <a:srgbClr val="000000"/>
+              </a:solidFill>
+              <a:effectLst/>
+              <a:uFillTx/>
+              <a:latin typeface="Nimbus Roman"/>
+            </a:endParaRPr>
+          </a:p>
+        </p:txBody>
+      </p:sp>
+    </p:spTree>
+  </p:cSld>
+</p:sldLayout>
+</file>
+
+<file path=ppt/slideLayouts/slideLayout12.xml><?xml version="1.0" encoding="utf-8"?>
+<p:sldLayout xmlns:a="http://schemas.openxmlformats.org/drawingml/2006/main" xmlns:p="http://schemas.openxmlformats.org/presentationml/2006/main" xmlns:r="http://schemas.openxmlformats.org/officeDocument/2006/relationships" xmlns:p14="http://schemas.microsoft.com/office/powerpoint/2010/main" xmlns:p15="http://schemas.microsoft.com/office/powerpoint/2012/main" xmlns:mc="http://schemas.openxmlformats.org/markup-compatibility/2006" type="vertTitleAndTx" preserve="1">
+  <p:cSld name="Vertical Title and Text">
+    <p:bg>
+      <p:bgPr>
+        <a:solidFill>
+          <a:srgbClr val="ffffff"/>
+        </a:solidFill>
+      </p:bgPr>
+    </p:bg>
+    <p:spTree>
+      <p:nvGrpSpPr>
+        <p:cNvPr id="1" name=""/>
+        <p:cNvGrpSpPr/>
+        <p:nvPr/>
+      </p:nvGrpSpPr>
+      <p:grpSpPr>
+        <a:xfrm>
+          <a:off x="0" y="0"/>
+          <a:ext cx="0" cy="0"/>
+          <a:chOff x="0" y="0"/>
+          <a:chExt cx="0" cy="0"/>
+        </a:xfrm>
+      </p:grpSpPr>
+      <p:sp>
+        <p:nvSpPr>
+          <p:cNvPr id="58" name="PlaceHolder 1"/>
+          <p:cNvSpPr>
+            <a:spLocks noGrp="1"/>
+          </p:cNvSpPr>
+          <p:nvPr>
+            <p:ph type="title"/>
+          </p:nvPr>
+        </p:nvSpPr>
+        <p:spPr>
+          <a:xfrm>
+            <a:off x="31409640" y="1752480"/>
+            <a:ext cx="9462600" cy="27895320"/>
+          </a:xfrm>
+          <a:prstGeom prst="rect">
+            <a:avLst/>
+          </a:prstGeom>
+          <a:noFill/>
+          <a:ln w="0">
+            <a:noFill/>
+          </a:ln>
+        </p:spPr>
+        <p:txBody>
+          <a:bodyPr lIns="91440" rIns="91440" tIns="45720" bIns="45720" anchor="ctr" vert="eaVert">
+            <a:noAutofit/>
+          </a:bodyPr>
+          <a:p>
+            <a:pPr indent="0" defTabSz="4389120">
+              <a:lnSpc>
+                <a:spcPct val="90000"/>
+              </a:lnSpc>
+              <a:buNone/>
+              <a:tabLst>
+                <a:tab algn="l" pos="0"/>
+              </a:tabLst>
+            </a:pPr>
+            <a:r>
+              <a:rPr b="0" lang="en-US" sz="21120" strike="noStrike" u="none">
+                <a:solidFill>
+                  <a:schemeClr val="dk1"/>
+                </a:solidFill>
+                <a:effectLst/>
+                <a:uFillTx/>
+                <a:latin typeface="Aptos Display"/>
+              </a:rPr>
+              <a:t>Click to edit Master title style</a:t>
+            </a:r>
+            <a:endParaRPr b="0" lang="en-US" sz="21120" strike="noStrike" u="none">
+              <a:solidFill>
+                <a:srgbClr val="000000"/>
+              </a:solidFill>
+              <a:effectLst/>
+              <a:uFillTx/>
+              <a:latin typeface="Nimbus Roman"/>
+            </a:endParaRPr>
+          </a:p>
+        </p:txBody>
+      </p:sp>
+      <p:sp>
+        <p:nvSpPr>
+          <p:cNvPr id="59" name="PlaceHolder 2"/>
+          <p:cNvSpPr>
+            <a:spLocks noGrp="1"/>
+          </p:cNvSpPr>
+          <p:nvPr>
+            <p:ph type="body"/>
+          </p:nvPr>
+        </p:nvSpPr>
+        <p:spPr>
+          <a:xfrm>
+            <a:off x="3017520" y="1752480"/>
+            <a:ext cx="27842040" cy="27895320"/>
+          </a:xfrm>
+          <a:prstGeom prst="rect">
+            <a:avLst/>
+          </a:prstGeom>
+          <a:noFill/>
+          <a:ln w="0">
+            <a:noFill/>
+          </a:ln>
+        </p:spPr>
+        <p:txBody>
+          <a:bodyPr lIns="91440" rIns="91440" tIns="45720" bIns="45720" anchor="t" vert="eaVert">
+            <a:noAutofit/>
+          </a:bodyPr>
+          <a:p>
+            <a:pPr marL="1097280" indent="-1097280" defTabSz="4389120">
+              <a:lnSpc>
+                <a:spcPct val="90000"/>
+              </a:lnSpc>
+              <a:spcBef>
+                <a:spcPts val="4799"/>
+              </a:spcBef>
+              <a:buClr>
+                <a:srgbClr val="000000"/>
+              </a:buClr>
+              <a:buFont typeface="Arial"/>
+              <a:buChar char="•"/>
+            </a:pPr>
+            <a:r>
+              <a:rPr b="0" lang="en-US" sz="13439" strike="noStrike" u="none">
+                <a:solidFill>
+                  <a:schemeClr val="dk1"/>
+                </a:solidFill>
+                <a:effectLst/>
+                <a:uFillTx/>
+                <a:latin typeface="Aptos"/>
+              </a:rPr>
+              <a:t>Click to edit Master text </a:t>
+            </a:r>
+            <a:r>
+              <a:rPr b="0" lang="en-US" sz="13439" strike="noStrike" u="none">
+                <a:solidFill>
+                  <a:schemeClr val="dk1"/>
+                </a:solidFill>
+                <a:effectLst/>
+                <a:uFillTx/>
+                <a:latin typeface="Aptos"/>
+              </a:rPr>
+              <a:t>styles</a:t>
+            </a:r>
+            <a:endParaRPr b="0" lang="en-US" sz="13439" strike="noStrike" u="none">
+              <a:solidFill>
+                <a:srgbClr val="000000"/>
+              </a:solidFill>
+              <a:effectLst/>
+              <a:uFillTx/>
+              <a:latin typeface="Nimbus Roman"/>
+            </a:endParaRPr>
+          </a:p>
+          <a:p>
+            <a:pPr lvl="1" marL="3291840" indent="-1097280" defTabSz="4389120">
+              <a:lnSpc>
+                <a:spcPct val="90000"/>
+              </a:lnSpc>
+              <a:spcBef>
+                <a:spcPts val="2401"/>
+              </a:spcBef>
+              <a:buClr>
+                <a:srgbClr val="000000"/>
+              </a:buClr>
+              <a:buFont typeface="Arial"/>
+              <a:buChar char="•"/>
+            </a:pPr>
+            <a:r>
+              <a:rPr b="0" lang="en-US" sz="11520" strike="noStrike" u="none">
+                <a:solidFill>
+                  <a:schemeClr val="dk1"/>
+                </a:solidFill>
+                <a:effectLst/>
+                <a:uFillTx/>
+                <a:latin typeface="Aptos"/>
+              </a:rPr>
+              <a:t>Second level</a:t>
+            </a:r>
+            <a:endParaRPr b="0" lang="en-US" sz="11520" strike="noStrike" u="none">
+              <a:solidFill>
+                <a:srgbClr val="000000"/>
+              </a:solidFill>
+              <a:effectLst/>
+              <a:uFillTx/>
+              <a:latin typeface="Nimbus Roman"/>
+            </a:endParaRPr>
+          </a:p>
+          <a:p>
+            <a:pPr lvl="2" marL="5486400" indent="-1097280" defTabSz="4389120">
+              <a:lnSpc>
+                <a:spcPct val="90000"/>
+              </a:lnSpc>
+              <a:spcBef>
+                <a:spcPts val="2401"/>
+              </a:spcBef>
+              <a:buClr>
+                <a:srgbClr val="000000"/>
+              </a:buClr>
+              <a:buFont typeface="Arial"/>
+              <a:buChar char="•"/>
+            </a:pPr>
+            <a:r>
+              <a:rPr b="0" lang="en-US" sz="9600" strike="noStrike" u="none">
+                <a:solidFill>
+                  <a:schemeClr val="dk1"/>
+                </a:solidFill>
+                <a:effectLst/>
+                <a:uFillTx/>
+                <a:latin typeface="Aptos"/>
+              </a:rPr>
+              <a:t>Third level</a:t>
+            </a:r>
+            <a:endParaRPr b="0" lang="en-US" sz="9600" strike="noStrike" u="none">
+              <a:solidFill>
+                <a:srgbClr val="000000"/>
+              </a:solidFill>
+              <a:effectLst/>
+              <a:uFillTx/>
+              <a:latin typeface="Nimbus Roman"/>
+            </a:endParaRPr>
+          </a:p>
+          <a:p>
+            <a:pPr lvl="3" marL="7680960" indent="-1097280" defTabSz="4389120">
+              <a:lnSpc>
+                <a:spcPct val="90000"/>
+              </a:lnSpc>
+              <a:spcBef>
+                <a:spcPts val="2401"/>
+              </a:spcBef>
+              <a:buClr>
+                <a:srgbClr val="000000"/>
+              </a:buClr>
+              <a:buFont typeface="Arial"/>
+              <a:buChar char="•"/>
+            </a:pPr>
+            <a:r>
+              <a:rPr b="0" lang="en-US" sz="8640" strike="noStrike" u="none">
+                <a:solidFill>
+                  <a:schemeClr val="dk1"/>
+                </a:solidFill>
+                <a:effectLst/>
+                <a:uFillTx/>
+                <a:latin typeface="Aptos"/>
+              </a:rPr>
+              <a:t>Fourth level</a:t>
+            </a:r>
+            <a:endParaRPr b="0" lang="en-US" sz="8640" strike="noStrike" u="none">
+              <a:solidFill>
+                <a:srgbClr val="000000"/>
+              </a:solidFill>
+              <a:effectLst/>
+              <a:uFillTx/>
+              <a:latin typeface="Nimbus Roman"/>
+            </a:endParaRPr>
+          </a:p>
+          <a:p>
+            <a:pPr lvl="4" marL="9875520" indent="-1097280" defTabSz="4389120">
+              <a:lnSpc>
+                <a:spcPct val="90000"/>
+              </a:lnSpc>
+              <a:spcBef>
+                <a:spcPts val="2401"/>
+              </a:spcBef>
+              <a:buClr>
+                <a:srgbClr val="000000"/>
+              </a:buClr>
+              <a:buFont typeface="Arial"/>
+              <a:buChar char="•"/>
+            </a:pPr>
+            <a:r>
+              <a:rPr b="0" lang="en-US" sz="8640" strike="noStrike" u="none">
+                <a:solidFill>
+                  <a:schemeClr val="dk1"/>
+                </a:solidFill>
+                <a:effectLst/>
+                <a:uFillTx/>
+                <a:latin typeface="Aptos"/>
+              </a:rPr>
+              <a:t>Fifth level</a:t>
+            </a:r>
+            <a:endParaRPr b="0" lang="en-US" sz="8640" strike="noStrike" u="none">
+              <a:solidFill>
+                <a:srgbClr val="000000"/>
+              </a:solidFill>
+              <a:effectLst/>
+              <a:uFillTx/>
+              <a:latin typeface="Nimbus Roman"/>
+            </a:endParaRPr>
+          </a:p>
+        </p:txBody>
+      </p:sp>
+      <p:sp>
+        <p:nvSpPr>
+          <p:cNvPr id="60" name="PlaceHolder 3"/>
+          <p:cNvSpPr>
+            <a:spLocks noGrp="1"/>
+          </p:cNvSpPr>
+          <p:nvPr>
+            <p:ph type="dt" idx="34"/>
+          </p:nvPr>
+        </p:nvSpPr>
+        <p:spPr>
+          <a:xfrm>
+            <a:off x="3017520" y="30510360"/>
+            <a:ext cx="9874080" cy="1751040"/>
+          </a:xfrm>
+          <a:prstGeom prst="rect">
+            <a:avLst/>
+          </a:prstGeom>
+          <a:noFill/>
+          <a:ln w="0">
+            <a:noFill/>
+          </a:ln>
+        </p:spPr>
+        <p:txBody>
+          <a:bodyPr lIns="91440" rIns="91440" tIns="45720" bIns="45720" anchor="ctr">
+            <a:noAutofit/>
+          </a:bodyPr>
+          <a:lstStyle>
+            <a:lvl1pPr indent="0" defTabSz="457200">
+              <a:lnSpc>
+                <a:spcPct val="100000"/>
+              </a:lnSpc>
+              <a:buNone/>
+              <a:tabLst>
+                <a:tab algn="l" pos="0"/>
+              </a:tabLst>
+              <a:defRPr b="0" lang="en-US" sz="5760" strike="noStrike" u="none">
+                <a:solidFill>
+                  <a:schemeClr val="dk1">
+                    <a:tint val="82000"/>
+                  </a:schemeClr>
+                </a:solidFill>
+                <a:effectLst/>
+                <a:uFillTx/>
+                <a:latin typeface="Aptos"/>
+              </a:defRPr>
+            </a:lvl1pPr>
+          </a:lstStyle>
+          <a:p>
+            <a:pPr indent="0" defTabSz="457200">
+              <a:lnSpc>
+                <a:spcPct val="100000"/>
+              </a:lnSpc>
+              <a:buNone/>
+              <a:tabLst>
+                <a:tab algn="l" pos="0"/>
+              </a:tabLst>
+            </a:pPr>
+            <a:r>
+              <a:rPr b="0" lang="en-US" sz="5760" strike="noStrike" u="none">
+                <a:solidFill>
+                  <a:schemeClr val="dk1">
+                    <a:tint val="82000"/>
+                  </a:schemeClr>
+                </a:solidFill>
+                <a:effectLst/>
+                <a:uFillTx/>
+                <a:latin typeface="Aptos"/>
+              </a:rPr>
+              <a:t>&lt;date/time&gt;</a:t>
+            </a:r>
+            <a:endParaRPr b="0" lang="en-US" sz="5760" strike="noStrike" u="none">
+              <a:solidFill>
+                <a:srgbClr val="000000"/>
+              </a:solidFill>
+              <a:effectLst/>
+              <a:uFillTx/>
+              <a:latin typeface="Nimbus Roman"/>
+            </a:endParaRPr>
+          </a:p>
+        </p:txBody>
+      </p:sp>
+      <p:sp>
+        <p:nvSpPr>
+          <p:cNvPr id="61" name="PlaceHolder 4"/>
+          <p:cNvSpPr>
+            <a:spLocks noGrp="1"/>
+          </p:cNvSpPr>
+          <p:nvPr>
+            <p:ph type="ftr" idx="35"/>
+          </p:nvPr>
+        </p:nvSpPr>
+        <p:spPr>
+          <a:xfrm>
+            <a:off x="14538960" y="30510360"/>
+            <a:ext cx="14811840" cy="1751040"/>
+          </a:xfrm>
+          <a:prstGeom prst="rect">
+            <a:avLst/>
+          </a:prstGeom>
+          <a:noFill/>
+          <a:ln w="0">
+            <a:noFill/>
+          </a:ln>
+        </p:spPr>
+        <p:txBody>
+          <a:bodyPr lIns="91440" rIns="91440" tIns="45720" bIns="45720" anchor="ctr">
+            <a:noAutofit/>
+          </a:bodyPr>
+          <a:lstStyle>
+            <a:lvl1pPr indent="0" algn="ctr" defTabSz="914400">
+              <a:lnSpc>
+                <a:spcPct val="100000"/>
+              </a:lnSpc>
+              <a:buNone/>
+              <a:tabLst>
+                <a:tab algn="l" pos="0"/>
+              </a:tabLst>
+              <a:defRPr b="0" lang="en-US" sz="1400" strike="noStrike" u="none">
+                <a:solidFill>
+                  <a:srgbClr val="000000"/>
+                </a:solidFill>
+                <a:effectLst/>
+                <a:uFillTx/>
+                <a:latin typeface="Times New Roman"/>
+              </a:defRPr>
+            </a:lvl1pPr>
+          </a:lstStyle>
+          <a:p>
+            <a:pPr indent="0" algn="ctr" defTabSz="914400">
+              <a:lnSpc>
+                <a:spcPct val="100000"/>
+              </a:lnSpc>
+              <a:buNone/>
+              <a:tabLst>
+                <a:tab algn="l" pos="0"/>
+              </a:tabLst>
+            </a:pPr>
+            <a:r>
+              <a:rPr b="0" lang="en-US" sz="1400" strike="noStrike" u="none">
+                <a:solidFill>
+                  <a:srgbClr val="000000"/>
+                </a:solidFill>
+                <a:effectLst/>
+                <a:uFillTx/>
+                <a:latin typeface="Times New Roman"/>
+              </a:rPr>
+              <a:t>&lt;footer&gt;</a:t>
+            </a:r>
+            <a:endParaRPr b="0" lang="en-US" sz="1400" strike="noStrike" u="none">
+              <a:solidFill>
+                <a:srgbClr val="000000"/>
+              </a:solidFill>
+              <a:effectLst/>
+              <a:uFillTx/>
+              <a:latin typeface="Nimbus Roman"/>
+            </a:endParaRPr>
+          </a:p>
+        </p:txBody>
+      </p:sp>
+      <p:sp>
+        <p:nvSpPr>
+          <p:cNvPr id="62" name="PlaceHolder 5"/>
+          <p:cNvSpPr>
+            <a:spLocks noGrp="1"/>
+          </p:cNvSpPr>
+          <p:nvPr>
+            <p:ph type="sldNum" idx="36"/>
+          </p:nvPr>
+        </p:nvSpPr>
+        <p:spPr>
+          <a:xfrm>
+            <a:off x="30998160" y="30510360"/>
+            <a:ext cx="9874080" cy="1751040"/>
+          </a:xfrm>
+          <a:prstGeom prst="rect">
+            <a:avLst/>
+          </a:prstGeom>
+          <a:noFill/>
+          <a:ln w="0">
+            <a:noFill/>
+          </a:ln>
+        </p:spPr>
+        <p:txBody>
+          <a:bodyPr lIns="91440" rIns="91440" tIns="45720" bIns="45720" anchor="ctr">
+            <a:noAutofit/>
+          </a:bodyPr>
+          <a:lstStyle>
+            <a:lvl1pPr indent="0" algn="r" defTabSz="457200">
+              <a:lnSpc>
+                <a:spcPct val="100000"/>
+              </a:lnSpc>
+              <a:buNone/>
+              <a:tabLst>
+                <a:tab algn="l" pos="0"/>
+              </a:tabLst>
+              <a:defRPr b="0" lang="en-US" sz="5760" strike="noStrike" u="none">
+                <a:solidFill>
+                  <a:schemeClr val="dk1">
+                    <a:tint val="82000"/>
+                  </a:schemeClr>
+                </a:solidFill>
+                <a:effectLst/>
+                <a:uFillTx/>
+                <a:latin typeface="Aptos"/>
+              </a:defRPr>
+            </a:lvl1pPr>
+          </a:lstStyle>
+          <a:p>
+            <a:pPr indent="0" algn="r" defTabSz="457200">
+              <a:lnSpc>
+                <a:spcPct val="100000"/>
+              </a:lnSpc>
+              <a:buNone/>
+              <a:tabLst>
+                <a:tab algn="l" pos="0"/>
+              </a:tabLst>
+            </a:pPr>
+            <a:fld id="{D44A5FD4-F8FC-4CEB-8C8D-C7DBEF250266}" type="slidenum">
+              <a:rPr b="0" lang="en-US" sz="5760" strike="noStrike" u="none">
+                <a:solidFill>
+                  <a:schemeClr val="dk1">
+                    <a:tint val="82000"/>
+                  </a:schemeClr>
+                </a:solidFill>
+                <a:effectLst/>
+                <a:uFillTx/>
+                <a:latin typeface="Aptos"/>
+              </a:rPr>
+              <a:t>&lt;number&gt;</a:t>
+            </a:fld>
+            <a:endParaRPr b="0" lang="en-US" sz="5760" strike="noStrike" u="none">
+              <a:solidFill>
+                <a:srgbClr val="000000"/>
+              </a:solidFill>
+              <a:effectLst/>
+              <a:uFillTx/>
+              <a:latin typeface="Nimbus Roman"/>
+            </a:endParaRPr>
+          </a:p>
+        </p:txBody>
+      </p:sp>
+    </p:spTree>
+  </p:cSld>
+</p:sldLayout>
+</file>
+
+<file path=ppt/slideLayouts/slideLayout2.xml><?xml version="1.0" encoding="utf-8"?>
 <p:sldLayout xmlns:a="http://schemas.openxmlformats.org/drawingml/2006/main" xmlns:p="http://schemas.openxmlformats.org/presentationml/2006/main" xmlns:r="http://schemas.openxmlformats.org/officeDocument/2006/relationships" xmlns:p14="http://schemas.microsoft.com/office/powerpoint/2010/main" xmlns:p15="http://schemas.microsoft.com/office/powerpoint/2012/main" xmlns:mc="http://schemas.openxmlformats.org/markup-compatibility/2006" type="blank" preserve="1">
   <p:cSld name="Section Header">
     <p:bg>
@@ -856,7 +2767,7 @@
       </p:grpSpPr>
       <p:sp>
         <p:nvSpPr>
-          <p:cNvPr id="46" name="PlaceHolder 1"/>
+          <p:cNvPr id="5" name="PlaceHolder 1"/>
           <p:cNvSpPr>
             <a:spLocks noGrp="1"/>
           </p:cNvSpPr>
@@ -867,7 +2778,7 @@
         <p:spPr>
           <a:xfrm>
             <a:off x="2994840" y="8206920"/>
-            <a:ext cx="37855080" cy="13691880"/>
+            <a:ext cx="37854720" cy="13691520"/>
           </a:xfrm>
           <a:prstGeom prst="rect">
             <a:avLst/>
@@ -904,18 +2815,18 @@
             </a:r>
             <a:endParaRPr b="0" lang="en-US" sz="28800" strike="noStrike" u="none">
               <a:solidFill>
-                <a:schemeClr val="dk1"/>
-              </a:solidFill>
-              <a:effectLst/>
-              <a:uFillTx/>
-              <a:latin typeface="Aptos"/>
+                <a:srgbClr val="000000"/>
+              </a:solidFill>
+              <a:effectLst/>
+              <a:uFillTx/>
+              <a:latin typeface="Nimbus Roman"/>
             </a:endParaRPr>
           </a:p>
         </p:txBody>
       </p:sp>
       <p:sp>
         <p:nvSpPr>
-          <p:cNvPr id="47" name="PlaceHolder 2"/>
+          <p:cNvPr id="6" name="PlaceHolder 2"/>
           <p:cNvSpPr>
             <a:spLocks noGrp="1"/>
           </p:cNvSpPr>
@@ -926,7 +2837,7 @@
         <p:spPr>
           <a:xfrm>
             <a:off x="2994840" y="22029480"/>
-            <a:ext cx="37855080" cy="7199640"/>
+            <a:ext cx="37854720" cy="7199280"/>
           </a:xfrm>
           <a:prstGeom prst="rect">
             <a:avLst/>
@@ -968,29 +2879,29 @@
             </a:r>
             <a:endParaRPr b="0" lang="en-US" sz="11520" strike="noStrike" u="none">
               <a:solidFill>
-                <a:schemeClr val="dk1"/>
-              </a:solidFill>
-              <a:effectLst/>
-              <a:uFillTx/>
-              <a:latin typeface="Aptos"/>
+                <a:srgbClr val="000000"/>
+              </a:solidFill>
+              <a:effectLst/>
+              <a:uFillTx/>
+              <a:latin typeface="Nimbus Roman"/>
             </a:endParaRPr>
           </a:p>
         </p:txBody>
       </p:sp>
       <p:sp>
         <p:nvSpPr>
-          <p:cNvPr id="48" name="PlaceHolder 3"/>
+          <p:cNvPr id="7" name="PlaceHolder 3"/>
           <p:cNvSpPr>
             <a:spLocks noGrp="1"/>
           </p:cNvSpPr>
           <p:nvPr>
-            <p:ph type="dt" idx="28"/>
+            <p:ph type="dt" idx="4"/>
           </p:nvPr>
         </p:nvSpPr>
         <p:spPr>
           <a:xfrm>
             <a:off x="3017520" y="30510360"/>
-            <a:ext cx="9874440" cy="1751400"/>
+            <a:ext cx="9874080" cy="1751040"/>
           </a:xfrm>
           <a:prstGeom prst="rect">
             <a:avLst/>
@@ -1061,18 +2972,18 @@
       </p:sp>
       <p:sp>
         <p:nvSpPr>
-          <p:cNvPr id="49" name="PlaceHolder 4"/>
+          <p:cNvPr id="8" name="PlaceHolder 4"/>
           <p:cNvSpPr>
             <a:spLocks noGrp="1"/>
           </p:cNvSpPr>
           <p:nvPr>
-            <p:ph type="ftr" idx="29"/>
+            <p:ph type="ftr" idx="5"/>
           </p:nvPr>
         </p:nvSpPr>
         <p:spPr>
           <a:xfrm>
             <a:off x="14538960" y="30510360"/>
-            <a:ext cx="14812200" cy="1751400"/>
+            <a:ext cx="14811840" cy="1751040"/>
           </a:xfrm>
           <a:prstGeom prst="rect">
             <a:avLst/>
@@ -1139,18 +3050,18 @@
       </p:sp>
       <p:sp>
         <p:nvSpPr>
-          <p:cNvPr id="50" name="PlaceHolder 5"/>
+          <p:cNvPr id="9" name="PlaceHolder 5"/>
           <p:cNvSpPr>
             <a:spLocks noGrp="1"/>
           </p:cNvSpPr>
           <p:nvPr>
-            <p:ph type="sldNum" idx="30"/>
+            <p:ph type="sldNum" idx="6"/>
           </p:nvPr>
         </p:nvSpPr>
         <p:spPr>
           <a:xfrm>
             <a:off x="30998160" y="30510360"/>
-            <a:ext cx="9874440" cy="1751400"/>
+            <a:ext cx="9874080" cy="1751040"/>
           </a:xfrm>
           <a:prstGeom prst="rect">
             <a:avLst/>
@@ -1195,7 +3106,7 @@
                 <a:tab algn="l" pos="0"/>
               </a:tabLst>
             </a:pPr>
-            <a:fld id="{11E841BA-36EF-4120-B009-1A3B282662A5}" type="slidenum">
+            <a:fld id="{0049F3FA-6A6C-47E9-818F-70C9CBFE01E9}" type="slidenum">
               <a:rPr b="0" lang="en-US" sz="5760" strike="noStrike" u="none">
                 <a:solidFill>
                   <a:schemeClr val="dk1">
@@ -1224,7 +3135,7 @@
 </p:sldLayout>
 </file>
 
-<file path=ppt/slideLayouts/slideLayout11.xml><?xml version="1.0" encoding="utf-8"?>
+<file path=ppt/slideLayouts/slideLayout3.xml><?xml version="1.0" encoding="utf-8"?>
 <p:sldLayout xmlns:a="http://schemas.openxmlformats.org/drawingml/2006/main" xmlns:p="http://schemas.openxmlformats.org/presentationml/2006/main" xmlns:r="http://schemas.openxmlformats.org/officeDocument/2006/relationships" xmlns:p14="http://schemas.microsoft.com/office/powerpoint/2010/main" xmlns:p15="http://schemas.microsoft.com/office/powerpoint/2012/main" xmlns:mc="http://schemas.openxmlformats.org/markup-compatibility/2006" type="twoObj" preserve="1">
   <p:cSld name="Two Content">
     <p:bg>
@@ -1250,7 +3161,7 @@
       </p:grpSpPr>
       <p:sp>
         <p:nvSpPr>
-          <p:cNvPr id="51" name="PlaceHolder 1"/>
+          <p:cNvPr id="10" name="PlaceHolder 1"/>
           <p:cNvSpPr>
             <a:spLocks noGrp="1"/>
           </p:cNvSpPr>
@@ -1261,7 +3172,7 @@
         <p:spPr>
           <a:xfrm>
             <a:off x="3017520" y="1752480"/>
-            <a:ext cx="37855080" cy="6361560"/>
+            <a:ext cx="37854720" cy="6361200"/>
           </a:xfrm>
           <a:prstGeom prst="rect">
             <a:avLst/>
@@ -1298,18 +3209,18 @@
             </a:r>
             <a:endParaRPr b="0" lang="en-US" sz="21120" strike="noStrike" u="none">
               <a:solidFill>
-                <a:schemeClr val="dk1"/>
-              </a:solidFill>
-              <a:effectLst/>
-              <a:uFillTx/>
-              <a:latin typeface="Aptos"/>
+                <a:srgbClr val="000000"/>
+              </a:solidFill>
+              <a:effectLst/>
+              <a:uFillTx/>
+              <a:latin typeface="Nimbus Roman"/>
             </a:endParaRPr>
           </a:p>
         </p:txBody>
       </p:sp>
       <p:sp>
         <p:nvSpPr>
-          <p:cNvPr id="52" name="PlaceHolder 2"/>
+          <p:cNvPr id="11" name="PlaceHolder 2"/>
           <p:cNvSpPr>
             <a:spLocks noGrp="1"/>
           </p:cNvSpPr>
@@ -1320,7 +3231,7 @@
         <p:spPr>
           <a:xfrm>
             <a:off x="3017520" y="8763120"/>
-            <a:ext cx="18652680" cy="20885400"/>
+            <a:ext cx="18652320" cy="20885040"/>
           </a:xfrm>
           <a:prstGeom prst="rect">
             <a:avLst/>
@@ -1361,11 +3272,11 @@
             </a:r>
             <a:endParaRPr b="0" lang="en-US" sz="13439" strike="noStrike" u="none">
               <a:solidFill>
-                <a:schemeClr val="dk1"/>
-              </a:solidFill>
-              <a:effectLst/>
-              <a:uFillTx/>
-              <a:latin typeface="Aptos"/>
+                <a:srgbClr val="000000"/>
+              </a:solidFill>
+              <a:effectLst/>
+              <a:uFillTx/>
+              <a:latin typeface="Nimbus Roman"/>
             </a:endParaRPr>
           </a:p>
           <a:p>
@@ -1395,11 +3306,11 @@
             </a:r>
             <a:endParaRPr b="0" lang="en-US" sz="11520" strike="noStrike" u="none">
               <a:solidFill>
-                <a:schemeClr val="dk1"/>
-              </a:solidFill>
-              <a:effectLst/>
-              <a:uFillTx/>
-              <a:latin typeface="Aptos"/>
+                <a:srgbClr val="000000"/>
+              </a:solidFill>
+              <a:effectLst/>
+              <a:uFillTx/>
+              <a:latin typeface="Nimbus Roman"/>
             </a:endParaRPr>
           </a:p>
           <a:p>
@@ -1429,11 +3340,11 @@
             </a:r>
             <a:endParaRPr b="0" lang="en-US" sz="9600" strike="noStrike" u="none">
               <a:solidFill>
-                <a:schemeClr val="dk1"/>
-              </a:solidFill>
-              <a:effectLst/>
-              <a:uFillTx/>
-              <a:latin typeface="Aptos"/>
+                <a:srgbClr val="000000"/>
+              </a:solidFill>
+              <a:effectLst/>
+              <a:uFillTx/>
+              <a:latin typeface="Nimbus Roman"/>
             </a:endParaRPr>
           </a:p>
           <a:p>
@@ -1463,11 +3374,11 @@
             </a:r>
             <a:endParaRPr b="0" lang="en-US" sz="8640" strike="noStrike" u="none">
               <a:solidFill>
-                <a:schemeClr val="dk1"/>
-              </a:solidFill>
-              <a:effectLst/>
-              <a:uFillTx/>
-              <a:latin typeface="Aptos"/>
+                <a:srgbClr val="000000"/>
+              </a:solidFill>
+              <a:effectLst/>
+              <a:uFillTx/>
+              <a:latin typeface="Nimbus Roman"/>
             </a:endParaRPr>
           </a:p>
           <a:p>
@@ -1497,18 +3408,18 @@
             </a:r>
             <a:endParaRPr b="0" lang="en-US" sz="8640" strike="noStrike" u="none">
               <a:solidFill>
-                <a:schemeClr val="dk1"/>
-              </a:solidFill>
-              <a:effectLst/>
-              <a:uFillTx/>
-              <a:latin typeface="Aptos"/>
+                <a:srgbClr val="000000"/>
+              </a:solidFill>
+              <a:effectLst/>
+              <a:uFillTx/>
+              <a:latin typeface="Nimbus Roman"/>
             </a:endParaRPr>
           </a:p>
         </p:txBody>
       </p:sp>
       <p:sp>
         <p:nvSpPr>
-          <p:cNvPr id="53" name="PlaceHolder 3"/>
+          <p:cNvPr id="12" name="PlaceHolder 3"/>
           <p:cNvSpPr>
             <a:spLocks noGrp="1"/>
           </p:cNvSpPr>
@@ -1519,7 +3430,7 @@
         <p:spPr>
           <a:xfrm>
             <a:off x="22219920" y="8763120"/>
-            <a:ext cx="18652680" cy="20885400"/>
+            <a:ext cx="18652320" cy="20885040"/>
           </a:xfrm>
           <a:prstGeom prst="rect">
             <a:avLst/>
@@ -1560,11 +3471,11 @@
             </a:r>
             <a:endParaRPr b="0" lang="en-US" sz="13439" strike="noStrike" u="none">
               <a:solidFill>
-                <a:schemeClr val="dk1"/>
-              </a:solidFill>
-              <a:effectLst/>
-              <a:uFillTx/>
-              <a:latin typeface="Aptos"/>
+                <a:srgbClr val="000000"/>
+              </a:solidFill>
+              <a:effectLst/>
+              <a:uFillTx/>
+              <a:latin typeface="Nimbus Roman"/>
             </a:endParaRPr>
           </a:p>
           <a:p>
@@ -1594,11 +3505,11 @@
             </a:r>
             <a:endParaRPr b="0" lang="en-US" sz="11520" strike="noStrike" u="none">
               <a:solidFill>
-                <a:schemeClr val="dk1"/>
-              </a:solidFill>
-              <a:effectLst/>
-              <a:uFillTx/>
-              <a:latin typeface="Aptos"/>
+                <a:srgbClr val="000000"/>
+              </a:solidFill>
+              <a:effectLst/>
+              <a:uFillTx/>
+              <a:latin typeface="Nimbus Roman"/>
             </a:endParaRPr>
           </a:p>
           <a:p>
@@ -1628,11 +3539,11 @@
             </a:r>
             <a:endParaRPr b="0" lang="en-US" sz="9600" strike="noStrike" u="none">
               <a:solidFill>
-                <a:schemeClr val="dk1"/>
-              </a:solidFill>
-              <a:effectLst/>
-              <a:uFillTx/>
-              <a:latin typeface="Aptos"/>
+                <a:srgbClr val="000000"/>
+              </a:solidFill>
+              <a:effectLst/>
+              <a:uFillTx/>
+              <a:latin typeface="Nimbus Roman"/>
             </a:endParaRPr>
           </a:p>
           <a:p>
@@ -1662,11 +3573,11 @@
             </a:r>
             <a:endParaRPr b="0" lang="en-US" sz="8640" strike="noStrike" u="none">
               <a:solidFill>
-                <a:schemeClr val="dk1"/>
-              </a:solidFill>
-              <a:effectLst/>
-              <a:uFillTx/>
-              <a:latin typeface="Aptos"/>
+                <a:srgbClr val="000000"/>
+              </a:solidFill>
+              <a:effectLst/>
+              <a:uFillTx/>
+              <a:latin typeface="Nimbus Roman"/>
             </a:endParaRPr>
           </a:p>
           <a:p>
@@ -1696,29 +3607,29 @@
             </a:r>
             <a:endParaRPr b="0" lang="en-US" sz="8640" strike="noStrike" u="none">
               <a:solidFill>
-                <a:schemeClr val="dk1"/>
-              </a:solidFill>
-              <a:effectLst/>
-              <a:uFillTx/>
-              <a:latin typeface="Aptos"/>
+                <a:srgbClr val="000000"/>
+              </a:solidFill>
+              <a:effectLst/>
+              <a:uFillTx/>
+              <a:latin typeface="Nimbus Roman"/>
             </a:endParaRPr>
           </a:p>
         </p:txBody>
       </p:sp>
       <p:sp>
         <p:nvSpPr>
-          <p:cNvPr id="54" name="PlaceHolder 4"/>
+          <p:cNvPr id="13" name="PlaceHolder 4"/>
           <p:cNvSpPr>
             <a:spLocks noGrp="1"/>
           </p:cNvSpPr>
           <p:nvPr>
-            <p:ph type="dt" idx="31"/>
+            <p:ph type="dt" idx="7"/>
           </p:nvPr>
         </p:nvSpPr>
         <p:spPr>
           <a:xfrm>
             <a:off x="3017520" y="30510360"/>
-            <a:ext cx="9874440" cy="1751400"/>
+            <a:ext cx="9874080" cy="1751040"/>
           </a:xfrm>
           <a:prstGeom prst="rect">
             <a:avLst/>
@@ -1789,18 +3700,18 @@
       </p:sp>
       <p:sp>
         <p:nvSpPr>
-          <p:cNvPr id="55" name="PlaceHolder 5"/>
+          <p:cNvPr id="14" name="PlaceHolder 5"/>
           <p:cNvSpPr>
             <a:spLocks noGrp="1"/>
           </p:cNvSpPr>
           <p:nvPr>
-            <p:ph type="ftr" idx="32"/>
+            <p:ph type="ftr" idx="8"/>
           </p:nvPr>
         </p:nvSpPr>
         <p:spPr>
           <a:xfrm>
             <a:off x="14538960" y="30510360"/>
-            <a:ext cx="14812200" cy="1751400"/>
+            <a:ext cx="14811840" cy="1751040"/>
           </a:xfrm>
           <a:prstGeom prst="rect">
             <a:avLst/>
@@ -1867,18 +3778,18 @@
       </p:sp>
       <p:sp>
         <p:nvSpPr>
-          <p:cNvPr id="56" name="PlaceHolder 6"/>
+          <p:cNvPr id="15" name="PlaceHolder 6"/>
           <p:cNvSpPr>
             <a:spLocks noGrp="1"/>
           </p:cNvSpPr>
           <p:nvPr>
-            <p:ph type="sldNum" idx="33"/>
+            <p:ph type="sldNum" idx="9"/>
           </p:nvPr>
         </p:nvSpPr>
         <p:spPr>
           <a:xfrm>
             <a:off x="30998160" y="30510360"/>
-            <a:ext cx="9874440" cy="1751400"/>
+            <a:ext cx="9874080" cy="1751040"/>
           </a:xfrm>
           <a:prstGeom prst="rect">
             <a:avLst/>
@@ -1923,7 +3834,7 @@
                 <a:tab algn="l" pos="0"/>
               </a:tabLst>
             </a:pPr>
-            <a:fld id="{CB52370C-3F2A-4CE1-8E1C-A311CA3366CF}" type="slidenum">
+            <a:fld id="{AAB453E1-DAAC-4297-A86A-F6FBB9A5734C}" type="slidenum">
               <a:rPr b="0" lang="en-US" sz="5760" strike="noStrike" u="none">
                 <a:solidFill>
                   <a:schemeClr val="dk1">
@@ -1952,7 +3863,278 @@
 </p:sldLayout>
 </file>
 
-<file path=ppt/slideLayouts/slideLayout2.xml><?xml version="1.0" encoding="utf-8"?>
+<file path=ppt/slideLayouts/slideLayout4.xml><?xml version="1.0" encoding="utf-8"?>
+<p:sldLayout xmlns:a="http://schemas.openxmlformats.org/drawingml/2006/main" xmlns:p="http://schemas.openxmlformats.org/presentationml/2006/main" xmlns:r="http://schemas.openxmlformats.org/officeDocument/2006/relationships" xmlns:p14="http://schemas.microsoft.com/office/powerpoint/2010/main" xmlns:p15="http://schemas.microsoft.com/office/powerpoint/2012/main" xmlns:mc="http://schemas.openxmlformats.org/markup-compatibility/2006" type="blank" preserve="1">
+  <p:cSld name="Blank">
+    <p:bg>
+      <p:bgPr>
+        <a:solidFill>
+          <a:srgbClr val="ffffff"/>
+        </a:solidFill>
+      </p:bgPr>
+    </p:bg>
+    <p:spTree>
+      <p:nvGrpSpPr>
+        <p:cNvPr id="1" name=""/>
+        <p:cNvGrpSpPr/>
+        <p:nvPr/>
+      </p:nvGrpSpPr>
+      <p:grpSpPr>
+        <a:xfrm>
+          <a:off x="0" y="0"/>
+          <a:ext cx="0" cy="0"/>
+          <a:chOff x="0" y="0"/>
+          <a:chExt cx="0" cy="0"/>
+        </a:xfrm>
+      </p:grpSpPr>
+      <p:sp>
+        <p:nvSpPr>
+          <p:cNvPr id="16" name="PlaceHolder 1"/>
+          <p:cNvSpPr>
+            <a:spLocks noGrp="1"/>
+          </p:cNvSpPr>
+          <p:nvPr>
+            <p:ph type="dt" idx="10"/>
+          </p:nvPr>
+        </p:nvSpPr>
+        <p:spPr>
+          <a:xfrm>
+            <a:off x="3017520" y="30510360"/>
+            <a:ext cx="9874080" cy="1751040"/>
+          </a:xfrm>
+          <a:prstGeom prst="rect">
+            <a:avLst/>
+          </a:prstGeom>
+          <a:noFill/>
+          <a:ln w="0">
+            <a:noFill/>
+          </a:ln>
+        </p:spPr>
+        <p:txBody>
+          <a:bodyPr lIns="91440" rIns="91440" tIns="45720" bIns="45720" anchor="ctr">
+            <a:noAutofit/>
+          </a:bodyPr>
+          <a:lstStyle>
+            <a:lvl1pPr indent="0" defTabSz="457200">
+              <a:lnSpc>
+                <a:spcPct val="100000"/>
+              </a:lnSpc>
+              <a:buNone/>
+              <a:tabLst>
+                <a:tab algn="l" pos="0"/>
+              </a:tabLst>
+              <a:defRPr b="0" lang="en-US" sz="5760" strike="noStrike" u="none">
+                <a:solidFill>
+                  <a:schemeClr val="dk1">
+                    <a:tint val="82000"/>
+                  </a:schemeClr>
+                </a:solidFill>
+                <a:effectLst/>
+                <a:uFillTx/>
+                <a:latin typeface="Aptos"/>
+              </a:defRPr>
+            </a:lvl1pPr>
+          </a:lstStyle>
+          <a:p>
+            <a:pPr indent="0" defTabSz="457200">
+              <a:lnSpc>
+                <a:spcPct val="100000"/>
+              </a:lnSpc>
+              <a:buNone/>
+              <a:tabLst>
+                <a:tab algn="l" pos="0"/>
+              </a:tabLst>
+            </a:pPr>
+            <a:r>
+              <a:rPr b="0" lang="en-US" sz="5760" strike="noStrike" u="none">
+                <a:solidFill>
+                  <a:schemeClr val="dk1">
+                    <a:tint val="82000"/>
+                  </a:schemeClr>
+                </a:solidFill>
+                <a:effectLst/>
+                <a:uFillTx/>
+                <a:latin typeface="Aptos"/>
+              </a:rPr>
+              <a:t>&lt;date/time&gt;</a:t>
+            </a:r>
+            <a:endParaRPr b="0" lang="en-US" sz="5760" strike="noStrike" u="none">
+              <a:solidFill>
+                <a:srgbClr val="000000"/>
+              </a:solidFill>
+              <a:effectLst/>
+              <a:uFillTx/>
+              <a:latin typeface="Nimbus Roman"/>
+            </a:endParaRPr>
+          </a:p>
+        </p:txBody>
+      </p:sp>
+      <p:sp>
+        <p:nvSpPr>
+          <p:cNvPr id="17" name="PlaceHolder 2"/>
+          <p:cNvSpPr>
+            <a:spLocks noGrp="1"/>
+          </p:cNvSpPr>
+          <p:nvPr>
+            <p:ph type="ftr" idx="11"/>
+          </p:nvPr>
+        </p:nvSpPr>
+        <p:spPr>
+          <a:xfrm>
+            <a:off x="14538960" y="30510360"/>
+            <a:ext cx="14811840" cy="1751040"/>
+          </a:xfrm>
+          <a:prstGeom prst="rect">
+            <a:avLst/>
+          </a:prstGeom>
+          <a:noFill/>
+          <a:ln w="0">
+            <a:noFill/>
+          </a:ln>
+        </p:spPr>
+        <p:txBody>
+          <a:bodyPr lIns="91440" rIns="91440" tIns="45720" bIns="45720" anchor="ctr">
+            <a:noAutofit/>
+          </a:bodyPr>
+          <a:lstStyle>
+            <a:lvl1pPr indent="0" algn="ctr" defTabSz="914400">
+              <a:lnSpc>
+                <a:spcPct val="100000"/>
+              </a:lnSpc>
+              <a:buNone/>
+              <a:tabLst>
+                <a:tab algn="l" pos="0"/>
+              </a:tabLst>
+              <a:defRPr b="0" lang="en-US" sz="1400" strike="noStrike" u="none">
+                <a:solidFill>
+                  <a:srgbClr val="000000"/>
+                </a:solidFill>
+                <a:effectLst/>
+                <a:uFillTx/>
+                <a:latin typeface="Times New Roman"/>
+              </a:defRPr>
+            </a:lvl1pPr>
+          </a:lstStyle>
+          <a:p>
+            <a:pPr indent="0" algn="ctr" defTabSz="914400">
+              <a:lnSpc>
+                <a:spcPct val="100000"/>
+              </a:lnSpc>
+              <a:buNone/>
+              <a:tabLst>
+                <a:tab algn="l" pos="0"/>
+              </a:tabLst>
+            </a:pPr>
+            <a:r>
+              <a:rPr b="0" lang="en-US" sz="1400" strike="noStrike" u="none">
+                <a:solidFill>
+                  <a:srgbClr val="000000"/>
+                </a:solidFill>
+                <a:effectLst/>
+                <a:uFillTx/>
+                <a:latin typeface="Times New Roman"/>
+              </a:rPr>
+              <a:t>&lt;footer&gt;</a:t>
+            </a:r>
+            <a:endParaRPr b="0" lang="en-US" sz="1400" strike="noStrike" u="none">
+              <a:solidFill>
+                <a:srgbClr val="000000"/>
+              </a:solidFill>
+              <a:effectLst/>
+              <a:uFillTx/>
+              <a:latin typeface="Nimbus Roman"/>
+            </a:endParaRPr>
+          </a:p>
+        </p:txBody>
+      </p:sp>
+      <p:sp>
+        <p:nvSpPr>
+          <p:cNvPr id="18" name="PlaceHolder 3"/>
+          <p:cNvSpPr>
+            <a:spLocks noGrp="1"/>
+          </p:cNvSpPr>
+          <p:nvPr>
+            <p:ph type="sldNum" idx="12"/>
+          </p:nvPr>
+        </p:nvSpPr>
+        <p:spPr>
+          <a:xfrm>
+            <a:off x="30998160" y="30510360"/>
+            <a:ext cx="9874080" cy="1751040"/>
+          </a:xfrm>
+          <a:prstGeom prst="rect">
+            <a:avLst/>
+          </a:prstGeom>
+          <a:noFill/>
+          <a:ln w="0">
+            <a:noFill/>
+          </a:ln>
+        </p:spPr>
+        <p:txBody>
+          <a:bodyPr lIns="91440" rIns="91440" tIns="45720" bIns="45720" anchor="ctr">
+            <a:noAutofit/>
+          </a:bodyPr>
+          <a:lstStyle>
+            <a:lvl1pPr indent="0" algn="r" defTabSz="457200">
+              <a:lnSpc>
+                <a:spcPct val="100000"/>
+              </a:lnSpc>
+              <a:buNone/>
+              <a:tabLst>
+                <a:tab algn="l" pos="0"/>
+              </a:tabLst>
+              <a:defRPr b="0" lang="en-US" sz="5760" strike="noStrike" u="none">
+                <a:solidFill>
+                  <a:schemeClr val="dk1">
+                    <a:tint val="82000"/>
+                  </a:schemeClr>
+                </a:solidFill>
+                <a:effectLst/>
+                <a:uFillTx/>
+                <a:latin typeface="Aptos"/>
+              </a:defRPr>
+            </a:lvl1pPr>
+          </a:lstStyle>
+          <a:p>
+            <a:pPr indent="0" algn="r" defTabSz="457200">
+              <a:lnSpc>
+                <a:spcPct val="100000"/>
+              </a:lnSpc>
+              <a:buNone/>
+              <a:tabLst>
+                <a:tab algn="l" pos="0"/>
+              </a:tabLst>
+            </a:pPr>
+            <a:fld id="{712F00A6-D0CE-45B9-84B1-6E40C28C8CE8}" type="slidenum">
+              <a:rPr b="0" lang="en-US" sz="5760" strike="noStrike" u="none">
+                <a:solidFill>
+                  <a:schemeClr val="dk1">
+                    <a:tint val="82000"/>
+                  </a:schemeClr>
+                </a:solidFill>
+                <a:effectLst/>
+                <a:uFillTx/>
+                <a:latin typeface="Aptos"/>
+              </a:rPr>
+              <a:t>&lt;number&gt;</a:t>
+            </a:fld>
+            <a:endParaRPr b="0" lang="en-US" sz="5760" strike="noStrike" u="none">
+              <a:solidFill>
+                <a:srgbClr val="000000"/>
+              </a:solidFill>
+              <a:effectLst/>
+              <a:uFillTx/>
+              <a:latin typeface="Nimbus Roman"/>
+            </a:endParaRPr>
+          </a:p>
+        </p:txBody>
+      </p:sp>
+    </p:spTree>
+  </p:cSld>
+</p:sldLayout>
+</file>
+
+<file path=ppt/slideLayouts/slideLayout5.xml><?xml version="1.0" encoding="utf-8"?>
 <p:sldLayout xmlns:a="http://schemas.openxmlformats.org/drawingml/2006/main" xmlns:p="http://schemas.openxmlformats.org/presentationml/2006/main" xmlns:r="http://schemas.openxmlformats.org/officeDocument/2006/relationships" xmlns:p14="http://schemas.microsoft.com/office/powerpoint/2010/main" xmlns:p15="http://schemas.microsoft.com/office/powerpoint/2012/main" xmlns:mc="http://schemas.openxmlformats.org/markup-compatibility/2006" type="blank" preserve="1">
   <p:cSld name="Comparison">
     <p:bg>
@@ -1978,7 +4160,7 @@
       </p:grpSpPr>
       <p:sp>
         <p:nvSpPr>
-          <p:cNvPr id="3" name="PlaceHolder 1"/>
+          <p:cNvPr id="19" name="PlaceHolder 1"/>
           <p:cNvSpPr>
             <a:spLocks noGrp="1"/>
           </p:cNvSpPr>
@@ -1989,7 +4171,7 @@
         <p:spPr>
           <a:xfrm>
             <a:off x="3023280" y="1752480"/>
-            <a:ext cx="37855080" cy="6361560"/>
+            <a:ext cx="37854720" cy="6361200"/>
           </a:xfrm>
           <a:prstGeom prst="rect">
             <a:avLst/>
@@ -2026,18 +4208,18 @@
             </a:r>
             <a:endParaRPr b="0" lang="en-US" sz="21120" strike="noStrike" u="none">
               <a:solidFill>
-                <a:schemeClr val="dk1"/>
-              </a:solidFill>
-              <a:effectLst/>
-              <a:uFillTx/>
-              <a:latin typeface="Aptos"/>
+                <a:srgbClr val="000000"/>
+              </a:solidFill>
+              <a:effectLst/>
+              <a:uFillTx/>
+              <a:latin typeface="Nimbus Roman"/>
             </a:endParaRPr>
           </a:p>
         </p:txBody>
       </p:sp>
       <p:sp>
         <p:nvSpPr>
-          <p:cNvPr id="4" name="PlaceHolder 2"/>
+          <p:cNvPr id="20" name="PlaceHolder 2"/>
           <p:cNvSpPr>
             <a:spLocks noGrp="1"/>
           </p:cNvSpPr>
@@ -2048,7 +4230,7 @@
         <p:spPr>
           <a:xfrm>
             <a:off x="3023280" y="8069760"/>
-            <a:ext cx="18567000" cy="3953520"/>
+            <a:ext cx="18566640" cy="3953160"/>
           </a:xfrm>
           <a:prstGeom prst="rect">
             <a:avLst/>
@@ -2088,18 +4270,18 @@
             </a:r>
             <a:endParaRPr b="0" lang="en-US" sz="11520" strike="noStrike" u="none">
               <a:solidFill>
-                <a:schemeClr val="dk1"/>
-              </a:solidFill>
-              <a:effectLst/>
-              <a:uFillTx/>
-              <a:latin typeface="Aptos"/>
+                <a:srgbClr val="000000"/>
+              </a:solidFill>
+              <a:effectLst/>
+              <a:uFillTx/>
+              <a:latin typeface="Nimbus Roman"/>
             </a:endParaRPr>
           </a:p>
         </p:txBody>
       </p:sp>
       <p:sp>
         <p:nvSpPr>
-          <p:cNvPr id="5" name="PlaceHolder 3"/>
+          <p:cNvPr id="21" name="PlaceHolder 3"/>
           <p:cNvSpPr>
             <a:spLocks noGrp="1"/>
           </p:cNvSpPr>
@@ -2110,7 +4292,7 @@
         <p:spPr>
           <a:xfrm>
             <a:off x="3023280" y="12024360"/>
-            <a:ext cx="18567000" cy="17685000"/>
+            <a:ext cx="18566640" cy="17684640"/>
           </a:xfrm>
           <a:prstGeom prst="rect">
             <a:avLst/>
@@ -2151,11 +4333,11 @@
             </a:r>
             <a:endParaRPr b="0" lang="en-US" sz="13439" strike="noStrike" u="none">
               <a:solidFill>
-                <a:schemeClr val="dk1"/>
-              </a:solidFill>
-              <a:effectLst/>
-              <a:uFillTx/>
-              <a:latin typeface="Aptos"/>
+                <a:srgbClr val="000000"/>
+              </a:solidFill>
+              <a:effectLst/>
+              <a:uFillTx/>
+              <a:latin typeface="Nimbus Roman"/>
             </a:endParaRPr>
           </a:p>
           <a:p>
@@ -2185,11 +4367,11 @@
             </a:r>
             <a:endParaRPr b="0" lang="en-US" sz="11520" strike="noStrike" u="none">
               <a:solidFill>
-                <a:schemeClr val="dk1"/>
-              </a:solidFill>
-              <a:effectLst/>
-              <a:uFillTx/>
-              <a:latin typeface="Aptos"/>
+                <a:srgbClr val="000000"/>
+              </a:solidFill>
+              <a:effectLst/>
+              <a:uFillTx/>
+              <a:latin typeface="Nimbus Roman"/>
             </a:endParaRPr>
           </a:p>
           <a:p>
@@ -2219,11 +4401,11 @@
             </a:r>
             <a:endParaRPr b="0" lang="en-US" sz="9600" strike="noStrike" u="none">
               <a:solidFill>
-                <a:schemeClr val="dk1"/>
-              </a:solidFill>
-              <a:effectLst/>
-              <a:uFillTx/>
-              <a:latin typeface="Aptos"/>
+                <a:srgbClr val="000000"/>
+              </a:solidFill>
+              <a:effectLst/>
+              <a:uFillTx/>
+              <a:latin typeface="Nimbus Roman"/>
             </a:endParaRPr>
           </a:p>
           <a:p>
@@ -2253,11 +4435,11 @@
             </a:r>
             <a:endParaRPr b="0" lang="en-US" sz="8640" strike="noStrike" u="none">
               <a:solidFill>
-                <a:schemeClr val="dk1"/>
-              </a:solidFill>
-              <a:effectLst/>
-              <a:uFillTx/>
-              <a:latin typeface="Aptos"/>
+                <a:srgbClr val="000000"/>
+              </a:solidFill>
+              <a:effectLst/>
+              <a:uFillTx/>
+              <a:latin typeface="Nimbus Roman"/>
             </a:endParaRPr>
           </a:p>
           <a:p>
@@ -2287,18 +4469,18 @@
             </a:r>
             <a:endParaRPr b="0" lang="en-US" sz="8640" strike="noStrike" u="none">
               <a:solidFill>
-                <a:schemeClr val="dk1"/>
-              </a:solidFill>
-              <a:effectLst/>
-              <a:uFillTx/>
-              <a:latin typeface="Aptos"/>
+                <a:srgbClr val="000000"/>
+              </a:solidFill>
+              <a:effectLst/>
+              <a:uFillTx/>
+              <a:latin typeface="Nimbus Roman"/>
             </a:endParaRPr>
           </a:p>
         </p:txBody>
       </p:sp>
       <p:sp>
         <p:nvSpPr>
-          <p:cNvPr id="6" name="PlaceHolder 4"/>
+          <p:cNvPr id="22" name="PlaceHolder 4"/>
           <p:cNvSpPr>
             <a:spLocks noGrp="1"/>
           </p:cNvSpPr>
@@ -2309,7 +4491,7 @@
         <p:spPr>
           <a:xfrm>
             <a:off x="22219920" y="8069760"/>
-            <a:ext cx="18658440" cy="3953520"/>
+            <a:ext cx="18658080" cy="3953160"/>
           </a:xfrm>
           <a:prstGeom prst="rect">
             <a:avLst/>
@@ -2349,18 +4531,18 @@
             </a:r>
             <a:endParaRPr b="0" lang="en-US" sz="11520" strike="noStrike" u="none">
               <a:solidFill>
-                <a:schemeClr val="dk1"/>
-              </a:solidFill>
-              <a:effectLst/>
-              <a:uFillTx/>
-              <a:latin typeface="Aptos"/>
+                <a:srgbClr val="000000"/>
+              </a:solidFill>
+              <a:effectLst/>
+              <a:uFillTx/>
+              <a:latin typeface="Nimbus Roman"/>
             </a:endParaRPr>
           </a:p>
         </p:txBody>
       </p:sp>
       <p:sp>
         <p:nvSpPr>
-          <p:cNvPr id="7" name="PlaceHolder 5"/>
+          <p:cNvPr id="23" name="PlaceHolder 5"/>
           <p:cNvSpPr>
             <a:spLocks noGrp="1"/>
           </p:cNvSpPr>
@@ -2371,7 +4553,7 @@
         <p:spPr>
           <a:xfrm>
             <a:off x="22219920" y="12024360"/>
-            <a:ext cx="18658440" cy="17685000"/>
+            <a:ext cx="18658080" cy="17684640"/>
           </a:xfrm>
           <a:prstGeom prst="rect">
             <a:avLst/>
@@ -2412,11 +4594,11 @@
             </a:r>
             <a:endParaRPr b="0" lang="en-US" sz="13439" strike="noStrike" u="none">
               <a:solidFill>
-                <a:schemeClr val="dk1"/>
-              </a:solidFill>
-              <a:effectLst/>
-              <a:uFillTx/>
-              <a:latin typeface="Aptos"/>
+                <a:srgbClr val="000000"/>
+              </a:solidFill>
+              <a:effectLst/>
+              <a:uFillTx/>
+              <a:latin typeface="Nimbus Roman"/>
             </a:endParaRPr>
           </a:p>
           <a:p>
@@ -2446,11 +4628,11 @@
             </a:r>
             <a:endParaRPr b="0" lang="en-US" sz="11520" strike="noStrike" u="none">
               <a:solidFill>
-                <a:schemeClr val="dk1"/>
-              </a:solidFill>
-              <a:effectLst/>
-              <a:uFillTx/>
-              <a:latin typeface="Aptos"/>
+                <a:srgbClr val="000000"/>
+              </a:solidFill>
+              <a:effectLst/>
+              <a:uFillTx/>
+              <a:latin typeface="Nimbus Roman"/>
             </a:endParaRPr>
           </a:p>
           <a:p>
@@ -2480,11 +4662,11 @@
             </a:r>
             <a:endParaRPr b="0" lang="en-US" sz="9600" strike="noStrike" u="none">
               <a:solidFill>
-                <a:schemeClr val="dk1"/>
-              </a:solidFill>
-              <a:effectLst/>
-              <a:uFillTx/>
-              <a:latin typeface="Aptos"/>
+                <a:srgbClr val="000000"/>
+              </a:solidFill>
+              <a:effectLst/>
+              <a:uFillTx/>
+              <a:latin typeface="Nimbus Roman"/>
             </a:endParaRPr>
           </a:p>
           <a:p>
@@ -2514,11 +4696,11 @@
             </a:r>
             <a:endParaRPr b="0" lang="en-US" sz="8640" strike="noStrike" u="none">
               <a:solidFill>
-                <a:schemeClr val="dk1"/>
-              </a:solidFill>
-              <a:effectLst/>
-              <a:uFillTx/>
-              <a:latin typeface="Aptos"/>
+                <a:srgbClr val="000000"/>
+              </a:solidFill>
+              <a:effectLst/>
+              <a:uFillTx/>
+              <a:latin typeface="Nimbus Roman"/>
             </a:endParaRPr>
           </a:p>
           <a:p>
@@ -2548,29 +4730,29 @@
             </a:r>
             <a:endParaRPr b="0" lang="en-US" sz="8640" strike="noStrike" u="none">
               <a:solidFill>
-                <a:schemeClr val="dk1"/>
-              </a:solidFill>
-              <a:effectLst/>
-              <a:uFillTx/>
-              <a:latin typeface="Aptos"/>
+                <a:srgbClr val="000000"/>
+              </a:solidFill>
+              <a:effectLst/>
+              <a:uFillTx/>
+              <a:latin typeface="Nimbus Roman"/>
             </a:endParaRPr>
           </a:p>
         </p:txBody>
       </p:sp>
       <p:sp>
         <p:nvSpPr>
-          <p:cNvPr id="8" name="PlaceHolder 6"/>
+          <p:cNvPr id="24" name="PlaceHolder 6"/>
           <p:cNvSpPr>
             <a:spLocks noGrp="1"/>
           </p:cNvSpPr>
           <p:nvPr>
-            <p:ph type="dt" idx="4"/>
+            <p:ph type="dt" idx="13"/>
           </p:nvPr>
         </p:nvSpPr>
         <p:spPr>
           <a:xfrm>
             <a:off x="3017520" y="30510360"/>
-            <a:ext cx="9874440" cy="1751400"/>
+            <a:ext cx="9874080" cy="1751040"/>
           </a:xfrm>
           <a:prstGeom prst="rect">
             <a:avLst/>
@@ -2641,18 +4823,18 @@
       </p:sp>
       <p:sp>
         <p:nvSpPr>
-          <p:cNvPr id="9" name="PlaceHolder 7"/>
+          <p:cNvPr id="25" name="PlaceHolder 7"/>
           <p:cNvSpPr>
             <a:spLocks noGrp="1"/>
           </p:cNvSpPr>
           <p:nvPr>
-            <p:ph type="ftr" idx="5"/>
+            <p:ph type="ftr" idx="14"/>
           </p:nvPr>
         </p:nvSpPr>
         <p:spPr>
           <a:xfrm>
             <a:off x="14538960" y="30510360"/>
-            <a:ext cx="14812200" cy="1751400"/>
+            <a:ext cx="14811840" cy="1751040"/>
           </a:xfrm>
           <a:prstGeom prst="rect">
             <a:avLst/>
@@ -2719,18 +4901,18 @@
       </p:sp>
       <p:sp>
         <p:nvSpPr>
-          <p:cNvPr id="10" name="PlaceHolder 8"/>
+          <p:cNvPr id="26" name="PlaceHolder 8"/>
           <p:cNvSpPr>
             <a:spLocks noGrp="1"/>
           </p:cNvSpPr>
           <p:nvPr>
-            <p:ph type="sldNum" idx="6"/>
+            <p:ph type="sldNum" idx="15"/>
           </p:nvPr>
         </p:nvSpPr>
         <p:spPr>
           <a:xfrm>
             <a:off x="30998160" y="30510360"/>
-            <a:ext cx="9874440" cy="1751400"/>
+            <a:ext cx="9874080" cy="1751040"/>
           </a:xfrm>
           <a:prstGeom prst="rect">
             <a:avLst/>
@@ -2775,1382 +4957,7 @@
                 <a:tab algn="l" pos="0"/>
               </a:tabLst>
             </a:pPr>
-            <a:fld id="{2EC6088E-3993-4380-995C-536C1CCC91DE}" type="slidenum">
-              <a:rPr b="0" lang="en-US" sz="5760" strike="noStrike" u="none">
-                <a:solidFill>
-                  <a:schemeClr val="dk1">
-                    <a:tint val="82000"/>
-                  </a:schemeClr>
-                </a:solidFill>
-                <a:effectLst/>
-                <a:uFillTx/>
-                <a:latin typeface="Aptos"/>
-              </a:rPr>
-              <a:t>&lt;number&gt;</a:t>
-            </a:fld>
-            <a:endParaRPr b="0" lang="en-US" sz="5760" strike="noStrike" u="none">
-              <a:solidFill>
-                <a:srgbClr val="000000"/>
-              </a:solidFill>
-              <a:effectLst/>
-              <a:uFillTx/>
-              <a:latin typeface="Nimbus Roman"/>
-            </a:endParaRPr>
-          </a:p>
-        </p:txBody>
-      </p:sp>
-    </p:spTree>
-  </p:cSld>
-</p:sldLayout>
-</file>
-
-<file path=ppt/slideLayouts/slideLayout3.xml><?xml version="1.0" encoding="utf-8"?>
-<p:sldLayout xmlns:a="http://schemas.openxmlformats.org/drawingml/2006/main" xmlns:p="http://schemas.openxmlformats.org/presentationml/2006/main" xmlns:r="http://schemas.openxmlformats.org/officeDocument/2006/relationships" xmlns:p14="http://schemas.microsoft.com/office/powerpoint/2010/main" xmlns:p15="http://schemas.microsoft.com/office/powerpoint/2012/main" xmlns:mc="http://schemas.openxmlformats.org/markup-compatibility/2006" type="titleOnly" preserve="1">
-  <p:cSld name="Title Only">
-    <p:bg>
-      <p:bgPr>
-        <a:solidFill>
-          <a:srgbClr val="ffffff"/>
-        </a:solidFill>
-      </p:bgPr>
-    </p:bg>
-    <p:spTree>
-      <p:nvGrpSpPr>
-        <p:cNvPr id="1" name=""/>
-        <p:cNvGrpSpPr/>
-        <p:nvPr/>
-      </p:nvGrpSpPr>
-      <p:grpSpPr>
-        <a:xfrm>
-          <a:off x="0" y="0"/>
-          <a:ext cx="0" cy="0"/>
-          <a:chOff x="0" y="0"/>
-          <a:chExt cx="0" cy="0"/>
-        </a:xfrm>
-      </p:grpSpPr>
-      <p:sp>
-        <p:nvSpPr>
-          <p:cNvPr id="11" name="PlaceHolder 1"/>
-          <p:cNvSpPr>
-            <a:spLocks noGrp="1"/>
-          </p:cNvSpPr>
-          <p:nvPr>
-            <p:ph type="title"/>
-          </p:nvPr>
-        </p:nvSpPr>
-        <p:spPr>
-          <a:xfrm>
-            <a:off x="3017520" y="1752480"/>
-            <a:ext cx="37855080" cy="6361560"/>
-          </a:xfrm>
-          <a:prstGeom prst="rect">
-            <a:avLst/>
-          </a:prstGeom>
-          <a:noFill/>
-          <a:ln w="0">
-            <a:noFill/>
-          </a:ln>
-        </p:spPr>
-        <p:txBody>
-          <a:bodyPr lIns="91440" rIns="91440" tIns="45720" bIns="45720" anchor="ctr">
-            <a:noAutofit/>
-          </a:bodyPr>
-          <a:p>
-            <a:pPr indent="0" defTabSz="4389120">
-              <a:lnSpc>
-                <a:spcPct val="90000"/>
-              </a:lnSpc>
-              <a:buNone/>
-              <a:tabLst>
-                <a:tab algn="l" pos="0"/>
-              </a:tabLst>
-            </a:pPr>
-            <a:r>
-              <a:rPr b="0" lang="en-US" sz="21120" strike="noStrike" u="none">
-                <a:solidFill>
-                  <a:schemeClr val="dk1"/>
-                </a:solidFill>
-                <a:effectLst/>
-                <a:uFillTx/>
-                <a:latin typeface="Aptos Display"/>
-              </a:rPr>
-              <a:t>Click to edit Master title style</a:t>
-            </a:r>
-            <a:endParaRPr b="0" lang="en-US" sz="21120" strike="noStrike" u="none">
-              <a:solidFill>
-                <a:schemeClr val="dk1"/>
-              </a:solidFill>
-              <a:effectLst/>
-              <a:uFillTx/>
-              <a:latin typeface="Aptos"/>
-            </a:endParaRPr>
-          </a:p>
-        </p:txBody>
-      </p:sp>
-      <p:sp>
-        <p:nvSpPr>
-          <p:cNvPr id="12" name="PlaceHolder 2"/>
-          <p:cNvSpPr>
-            <a:spLocks noGrp="1"/>
-          </p:cNvSpPr>
-          <p:nvPr>
-            <p:ph type="dt" idx="7"/>
-          </p:nvPr>
-        </p:nvSpPr>
-        <p:spPr>
-          <a:xfrm>
-            <a:off x="3017520" y="30510360"/>
-            <a:ext cx="9874440" cy="1751400"/>
-          </a:xfrm>
-          <a:prstGeom prst="rect">
-            <a:avLst/>
-          </a:prstGeom>
-          <a:noFill/>
-          <a:ln w="0">
-            <a:noFill/>
-          </a:ln>
-        </p:spPr>
-        <p:txBody>
-          <a:bodyPr lIns="91440" rIns="91440" tIns="45720" bIns="45720" anchor="ctr">
-            <a:noAutofit/>
-          </a:bodyPr>
-          <a:lstStyle>
-            <a:lvl1pPr indent="0" defTabSz="457200">
-              <a:lnSpc>
-                <a:spcPct val="100000"/>
-              </a:lnSpc>
-              <a:buNone/>
-              <a:tabLst>
-                <a:tab algn="l" pos="0"/>
-              </a:tabLst>
-              <a:defRPr b="0" lang="en-US" sz="5760" strike="noStrike" u="none">
-                <a:solidFill>
-                  <a:schemeClr val="dk1">
-                    <a:tint val="82000"/>
-                  </a:schemeClr>
-                </a:solidFill>
-                <a:effectLst/>
-                <a:uFillTx/>
-                <a:latin typeface="Aptos"/>
-              </a:defRPr>
-            </a:lvl1pPr>
-          </a:lstStyle>
-          <a:p>
-            <a:pPr indent="0" defTabSz="457200">
-              <a:lnSpc>
-                <a:spcPct val="100000"/>
-              </a:lnSpc>
-              <a:buNone/>
-              <a:tabLst>
-                <a:tab algn="l" pos="0"/>
-              </a:tabLst>
-            </a:pPr>
-            <a:r>
-              <a:rPr b="0" lang="en-US" sz="5760" strike="noStrike" u="none">
-                <a:solidFill>
-                  <a:schemeClr val="dk1">
-                    <a:tint val="82000"/>
-                  </a:schemeClr>
-                </a:solidFill>
-                <a:effectLst/>
-                <a:uFillTx/>
-                <a:latin typeface="Aptos"/>
-              </a:rPr>
-              <a:t>&lt;date/time&gt;</a:t>
-            </a:r>
-            <a:endParaRPr b="0" lang="en-US" sz="5760" strike="noStrike" u="none">
-              <a:solidFill>
-                <a:srgbClr val="000000"/>
-              </a:solidFill>
-              <a:effectLst/>
-              <a:uFillTx/>
-              <a:latin typeface="Nimbus Roman"/>
-            </a:endParaRPr>
-          </a:p>
-        </p:txBody>
-      </p:sp>
-      <p:sp>
-        <p:nvSpPr>
-          <p:cNvPr id="13" name="PlaceHolder 3"/>
-          <p:cNvSpPr>
-            <a:spLocks noGrp="1"/>
-          </p:cNvSpPr>
-          <p:nvPr>
-            <p:ph type="ftr" idx="8"/>
-          </p:nvPr>
-        </p:nvSpPr>
-        <p:spPr>
-          <a:xfrm>
-            <a:off x="14538960" y="30510360"/>
-            <a:ext cx="14812200" cy="1751400"/>
-          </a:xfrm>
-          <a:prstGeom prst="rect">
-            <a:avLst/>
-          </a:prstGeom>
-          <a:noFill/>
-          <a:ln w="0">
-            <a:noFill/>
-          </a:ln>
-        </p:spPr>
-        <p:txBody>
-          <a:bodyPr lIns="91440" rIns="91440" tIns="45720" bIns="45720" anchor="ctr">
-            <a:noAutofit/>
-          </a:bodyPr>
-          <a:lstStyle>
-            <a:lvl1pPr indent="0" algn="ctr" defTabSz="914400">
-              <a:lnSpc>
-                <a:spcPct val="100000"/>
-              </a:lnSpc>
-              <a:buNone/>
-              <a:tabLst>
-                <a:tab algn="l" pos="0"/>
-              </a:tabLst>
-              <a:defRPr b="0" lang="en-US" sz="1400" strike="noStrike" u="none">
-                <a:solidFill>
-                  <a:srgbClr val="000000"/>
-                </a:solidFill>
-                <a:effectLst/>
-                <a:uFillTx/>
-                <a:latin typeface="Times New Roman"/>
-              </a:defRPr>
-            </a:lvl1pPr>
-          </a:lstStyle>
-          <a:p>
-            <a:pPr indent="0" algn="ctr" defTabSz="914400">
-              <a:lnSpc>
-                <a:spcPct val="100000"/>
-              </a:lnSpc>
-              <a:buNone/>
-              <a:tabLst>
-                <a:tab algn="l" pos="0"/>
-              </a:tabLst>
-            </a:pPr>
-            <a:r>
-              <a:rPr b="0" lang="en-US" sz="1400" strike="noStrike" u="none">
-                <a:solidFill>
-                  <a:srgbClr val="000000"/>
-                </a:solidFill>
-                <a:effectLst/>
-                <a:uFillTx/>
-                <a:latin typeface="Times New Roman"/>
-              </a:rPr>
-              <a:t>&lt;footer&gt;</a:t>
-            </a:r>
-            <a:endParaRPr b="0" lang="en-US" sz="1400" strike="noStrike" u="none">
-              <a:solidFill>
-                <a:srgbClr val="000000"/>
-              </a:solidFill>
-              <a:effectLst/>
-              <a:uFillTx/>
-              <a:latin typeface="Nimbus Roman"/>
-            </a:endParaRPr>
-          </a:p>
-        </p:txBody>
-      </p:sp>
-      <p:sp>
-        <p:nvSpPr>
-          <p:cNvPr id="14" name="PlaceHolder 4"/>
-          <p:cNvSpPr>
-            <a:spLocks noGrp="1"/>
-          </p:cNvSpPr>
-          <p:nvPr>
-            <p:ph type="sldNum" idx="9"/>
-          </p:nvPr>
-        </p:nvSpPr>
-        <p:spPr>
-          <a:xfrm>
-            <a:off x="30998160" y="30510360"/>
-            <a:ext cx="9874440" cy="1751400"/>
-          </a:xfrm>
-          <a:prstGeom prst="rect">
-            <a:avLst/>
-          </a:prstGeom>
-          <a:noFill/>
-          <a:ln w="0">
-            <a:noFill/>
-          </a:ln>
-        </p:spPr>
-        <p:txBody>
-          <a:bodyPr lIns="91440" rIns="91440" tIns="45720" bIns="45720" anchor="ctr">
-            <a:noAutofit/>
-          </a:bodyPr>
-          <a:lstStyle>
-            <a:lvl1pPr indent="0" algn="r" defTabSz="457200">
-              <a:lnSpc>
-                <a:spcPct val="100000"/>
-              </a:lnSpc>
-              <a:buNone/>
-              <a:tabLst>
-                <a:tab algn="l" pos="0"/>
-              </a:tabLst>
-              <a:defRPr b="0" lang="en-US" sz="5760" strike="noStrike" u="none">
-                <a:solidFill>
-                  <a:schemeClr val="dk1">
-                    <a:tint val="82000"/>
-                  </a:schemeClr>
-                </a:solidFill>
-                <a:effectLst/>
-                <a:uFillTx/>
-                <a:latin typeface="Aptos"/>
-              </a:defRPr>
-            </a:lvl1pPr>
-          </a:lstStyle>
-          <a:p>
-            <a:pPr indent="0" algn="r" defTabSz="457200">
-              <a:lnSpc>
-                <a:spcPct val="100000"/>
-              </a:lnSpc>
-              <a:buNone/>
-              <a:tabLst>
-                <a:tab algn="l" pos="0"/>
-              </a:tabLst>
-            </a:pPr>
-            <a:fld id="{E32157C8-A1FD-4B61-8A1E-9738129BC331}" type="slidenum">
-              <a:rPr b="0" lang="en-US" sz="5760" strike="noStrike" u="none">
-                <a:solidFill>
-                  <a:schemeClr val="dk1">
-                    <a:tint val="82000"/>
-                  </a:schemeClr>
-                </a:solidFill>
-                <a:effectLst/>
-                <a:uFillTx/>
-                <a:latin typeface="Aptos"/>
-              </a:rPr>
-              <a:t>&lt;number&gt;</a:t>
-            </a:fld>
-            <a:endParaRPr b="0" lang="en-US" sz="5760" strike="noStrike" u="none">
-              <a:solidFill>
-                <a:srgbClr val="000000"/>
-              </a:solidFill>
-              <a:effectLst/>
-              <a:uFillTx/>
-              <a:latin typeface="Nimbus Roman"/>
-            </a:endParaRPr>
-          </a:p>
-        </p:txBody>
-      </p:sp>
-    </p:spTree>
-  </p:cSld>
-</p:sldLayout>
-</file>
-
-<file path=ppt/slideLayouts/slideLayout4.xml><?xml version="1.0" encoding="utf-8"?>
-<p:sldLayout xmlns:a="http://schemas.openxmlformats.org/drawingml/2006/main" xmlns:p="http://schemas.openxmlformats.org/presentationml/2006/main" xmlns:r="http://schemas.openxmlformats.org/officeDocument/2006/relationships" xmlns:p14="http://schemas.microsoft.com/office/powerpoint/2010/main" xmlns:p15="http://schemas.microsoft.com/office/powerpoint/2012/main" xmlns:mc="http://schemas.openxmlformats.org/markup-compatibility/2006" type="blank" preserve="1">
-  <p:cSld name="Content with Caption">
-    <p:bg>
-      <p:bgPr>
-        <a:solidFill>
-          <a:srgbClr val="ffffff"/>
-        </a:solidFill>
-      </p:bgPr>
-    </p:bg>
-    <p:spTree>
-      <p:nvGrpSpPr>
-        <p:cNvPr id="1" name=""/>
-        <p:cNvGrpSpPr/>
-        <p:nvPr/>
-      </p:nvGrpSpPr>
-      <p:grpSpPr>
-        <a:xfrm>
-          <a:off x="0" y="0"/>
-          <a:ext cx="0" cy="0"/>
-          <a:chOff x="0" y="0"/>
-          <a:chExt cx="0" cy="0"/>
-        </a:xfrm>
-      </p:grpSpPr>
-      <p:sp>
-        <p:nvSpPr>
-          <p:cNvPr id="15" name="PlaceHolder 1"/>
-          <p:cNvSpPr>
-            <a:spLocks noGrp="1"/>
-          </p:cNvSpPr>
-          <p:nvPr>
-            <p:ph type="title"/>
-          </p:nvPr>
-        </p:nvSpPr>
-        <p:spPr>
-          <a:xfrm>
-            <a:off x="3023280" y="2194560"/>
-            <a:ext cx="14154840" cy="7679880"/>
-          </a:xfrm>
-          <a:prstGeom prst="rect">
-            <a:avLst/>
-          </a:prstGeom>
-          <a:noFill/>
-          <a:ln w="0">
-            <a:noFill/>
-          </a:ln>
-        </p:spPr>
-        <p:txBody>
-          <a:bodyPr lIns="91440" rIns="91440" tIns="45720" bIns="45720" anchor="b">
-            <a:noAutofit/>
-          </a:bodyPr>
-          <a:p>
-            <a:pPr indent="0" defTabSz="4389120">
-              <a:lnSpc>
-                <a:spcPct val="90000"/>
-              </a:lnSpc>
-              <a:buNone/>
-              <a:tabLst>
-                <a:tab algn="l" pos="0"/>
-              </a:tabLst>
-            </a:pPr>
-            <a:r>
-              <a:rPr b="0" lang="en-US" sz="15360" strike="noStrike" u="none">
-                <a:solidFill>
-                  <a:schemeClr val="dk1"/>
-                </a:solidFill>
-                <a:effectLst/>
-                <a:uFillTx/>
-                <a:latin typeface="Aptos Display"/>
-              </a:rPr>
-              <a:t>Click to edit Master title style</a:t>
-            </a:r>
-            <a:endParaRPr b="0" lang="en-US" sz="15360" strike="noStrike" u="none">
-              <a:solidFill>
-                <a:schemeClr val="dk1"/>
-              </a:solidFill>
-              <a:effectLst/>
-              <a:uFillTx/>
-              <a:latin typeface="Aptos"/>
-            </a:endParaRPr>
-          </a:p>
-        </p:txBody>
-      </p:sp>
-      <p:sp>
-        <p:nvSpPr>
-          <p:cNvPr id="16" name="PlaceHolder 2"/>
-          <p:cNvSpPr>
-            <a:spLocks noGrp="1"/>
-          </p:cNvSpPr>
-          <p:nvPr>
-            <p:ph type="body"/>
-          </p:nvPr>
-        </p:nvSpPr>
-        <p:spPr>
-          <a:xfrm>
-            <a:off x="18659520" y="4739760"/>
-            <a:ext cx="22218840" cy="23392440"/>
-          </a:xfrm>
-          <a:prstGeom prst="rect">
-            <a:avLst/>
-          </a:prstGeom>
-          <a:noFill/>
-          <a:ln w="0">
-            <a:noFill/>
-          </a:ln>
-        </p:spPr>
-        <p:txBody>
-          <a:bodyPr lIns="91440" rIns="91440" tIns="45720" bIns="45720" anchor="t">
-            <a:noAutofit/>
-          </a:bodyPr>
-          <a:p>
-            <a:pPr marL="1097280" indent="-1097280" defTabSz="4389120">
-              <a:lnSpc>
-                <a:spcPct val="90000"/>
-              </a:lnSpc>
-              <a:spcBef>
-                <a:spcPts val="4799"/>
-              </a:spcBef>
-              <a:buClr>
-                <a:srgbClr val="000000"/>
-              </a:buClr>
-              <a:buFont typeface="Arial"/>
-              <a:buChar char="•"/>
-            </a:pPr>
-            <a:r>
-              <a:rPr b="0" lang="en-US" sz="15360" strike="noStrike" u="none">
-                <a:solidFill>
-                  <a:schemeClr val="dk1"/>
-                </a:solidFill>
-                <a:effectLst/>
-                <a:uFillTx/>
-                <a:latin typeface="Aptos"/>
-              </a:rPr>
-              <a:t>Click to edit Master text styles</a:t>
-            </a:r>
-            <a:endParaRPr b="0" lang="en-US" sz="15360" strike="noStrike" u="none">
-              <a:solidFill>
-                <a:schemeClr val="dk1"/>
-              </a:solidFill>
-              <a:effectLst/>
-              <a:uFillTx/>
-              <a:latin typeface="Aptos"/>
-            </a:endParaRPr>
-          </a:p>
-          <a:p>
-            <a:pPr lvl="1" marL="3291840" indent="-1097280" defTabSz="4389120">
-              <a:lnSpc>
-                <a:spcPct val="90000"/>
-              </a:lnSpc>
-              <a:spcBef>
-                <a:spcPts val="2401"/>
-              </a:spcBef>
-              <a:buClr>
-                <a:srgbClr val="000000"/>
-              </a:buClr>
-              <a:buFont typeface="Arial"/>
-              <a:buChar char="•"/>
-            </a:pPr>
-            <a:r>
-              <a:rPr b="0" lang="en-US" sz="13439" strike="noStrike" u="none">
-                <a:solidFill>
-                  <a:schemeClr val="dk1"/>
-                </a:solidFill>
-                <a:effectLst/>
-                <a:uFillTx/>
-                <a:latin typeface="Aptos"/>
-              </a:rPr>
-              <a:t>Second level</a:t>
-            </a:r>
-            <a:endParaRPr b="0" lang="en-US" sz="13439" strike="noStrike" u="none">
-              <a:solidFill>
-                <a:schemeClr val="dk1"/>
-              </a:solidFill>
-              <a:effectLst/>
-              <a:uFillTx/>
-              <a:latin typeface="Aptos"/>
-            </a:endParaRPr>
-          </a:p>
-          <a:p>
-            <a:pPr lvl="2" marL="5486400" indent="-1097280" defTabSz="4389120">
-              <a:lnSpc>
-                <a:spcPct val="90000"/>
-              </a:lnSpc>
-              <a:spcBef>
-                <a:spcPts val="2401"/>
-              </a:spcBef>
-              <a:buClr>
-                <a:srgbClr val="000000"/>
-              </a:buClr>
-              <a:buFont typeface="Arial"/>
-              <a:buChar char="•"/>
-            </a:pPr>
-            <a:r>
-              <a:rPr b="0" lang="en-US" sz="11520" strike="noStrike" u="none">
-                <a:solidFill>
-                  <a:schemeClr val="dk1"/>
-                </a:solidFill>
-                <a:effectLst/>
-                <a:uFillTx/>
-                <a:latin typeface="Aptos"/>
-              </a:rPr>
-              <a:t>Third level</a:t>
-            </a:r>
-            <a:endParaRPr b="0" lang="en-US" sz="11520" strike="noStrike" u="none">
-              <a:solidFill>
-                <a:schemeClr val="dk1"/>
-              </a:solidFill>
-              <a:effectLst/>
-              <a:uFillTx/>
-              <a:latin typeface="Aptos"/>
-            </a:endParaRPr>
-          </a:p>
-          <a:p>
-            <a:pPr lvl="3" marL="7680960" indent="-1097280" defTabSz="4389120">
-              <a:lnSpc>
-                <a:spcPct val="90000"/>
-              </a:lnSpc>
-              <a:spcBef>
-                <a:spcPts val="2401"/>
-              </a:spcBef>
-              <a:buClr>
-                <a:srgbClr val="000000"/>
-              </a:buClr>
-              <a:buFont typeface="Arial"/>
-              <a:buChar char="•"/>
-            </a:pPr>
-            <a:r>
-              <a:rPr b="0" lang="en-US" sz="9600" strike="noStrike" u="none">
-                <a:solidFill>
-                  <a:schemeClr val="dk1"/>
-                </a:solidFill>
-                <a:effectLst/>
-                <a:uFillTx/>
-                <a:latin typeface="Aptos"/>
-              </a:rPr>
-              <a:t>Fourth level</a:t>
-            </a:r>
-            <a:endParaRPr b="0" lang="en-US" sz="9600" strike="noStrike" u="none">
-              <a:solidFill>
-                <a:schemeClr val="dk1"/>
-              </a:solidFill>
-              <a:effectLst/>
-              <a:uFillTx/>
-              <a:latin typeface="Aptos"/>
-            </a:endParaRPr>
-          </a:p>
-          <a:p>
-            <a:pPr lvl="4" marL="9875520" indent="-1097280" defTabSz="4389120">
-              <a:lnSpc>
-                <a:spcPct val="90000"/>
-              </a:lnSpc>
-              <a:spcBef>
-                <a:spcPts val="2401"/>
-              </a:spcBef>
-              <a:buClr>
-                <a:srgbClr val="000000"/>
-              </a:buClr>
-              <a:buFont typeface="Arial"/>
-              <a:buChar char="•"/>
-            </a:pPr>
-            <a:r>
-              <a:rPr b="0" lang="en-US" sz="9600" strike="noStrike" u="none">
-                <a:solidFill>
-                  <a:schemeClr val="dk1"/>
-                </a:solidFill>
-                <a:effectLst/>
-                <a:uFillTx/>
-                <a:latin typeface="Aptos"/>
-              </a:rPr>
-              <a:t>Fifth level</a:t>
-            </a:r>
-            <a:endParaRPr b="0" lang="en-US" sz="9600" strike="noStrike" u="none">
-              <a:solidFill>
-                <a:schemeClr val="dk1"/>
-              </a:solidFill>
-              <a:effectLst/>
-              <a:uFillTx/>
-              <a:latin typeface="Aptos"/>
-            </a:endParaRPr>
-          </a:p>
-        </p:txBody>
-      </p:sp>
-      <p:sp>
-        <p:nvSpPr>
-          <p:cNvPr id="17" name="PlaceHolder 3"/>
-          <p:cNvSpPr>
-            <a:spLocks noGrp="1"/>
-          </p:cNvSpPr>
-          <p:nvPr>
-            <p:ph type="body"/>
-          </p:nvPr>
-        </p:nvSpPr>
-        <p:spPr>
-          <a:xfrm>
-            <a:off x="3023280" y="9875520"/>
-            <a:ext cx="14154840" cy="18294480"/>
-          </a:xfrm>
-          <a:prstGeom prst="rect">
-            <a:avLst/>
-          </a:prstGeom>
-          <a:noFill/>
-          <a:ln w="0">
-            <a:noFill/>
-          </a:ln>
-        </p:spPr>
-        <p:txBody>
-          <a:bodyPr lIns="91440" rIns="91440" tIns="45720" bIns="45720" anchor="t">
-            <a:noAutofit/>
-          </a:bodyPr>
-          <a:p>
-            <a:pPr marL="228600" indent="0" defTabSz="4389120">
-              <a:lnSpc>
-                <a:spcPct val="90000"/>
-              </a:lnSpc>
-              <a:spcBef>
-                <a:spcPts val="4799"/>
-              </a:spcBef>
-              <a:buNone/>
-              <a:tabLst>
-                <a:tab algn="l" pos="0"/>
-              </a:tabLst>
-            </a:pPr>
-            <a:r>
-              <a:rPr b="0" lang="en-US" sz="7680" strike="noStrike" u="none">
-                <a:solidFill>
-                  <a:schemeClr val="dk1"/>
-                </a:solidFill>
-                <a:effectLst/>
-                <a:uFillTx/>
-                <a:latin typeface="Aptos"/>
-              </a:rPr>
-              <a:t>Click to edit Master text styles</a:t>
-            </a:r>
-            <a:endParaRPr b="0" lang="en-US" sz="7680" strike="noStrike" u="none">
-              <a:solidFill>
-                <a:schemeClr val="dk1"/>
-              </a:solidFill>
-              <a:effectLst/>
-              <a:uFillTx/>
-              <a:latin typeface="Aptos"/>
-            </a:endParaRPr>
-          </a:p>
-        </p:txBody>
-      </p:sp>
-      <p:sp>
-        <p:nvSpPr>
-          <p:cNvPr id="18" name="PlaceHolder 4"/>
-          <p:cNvSpPr>
-            <a:spLocks noGrp="1"/>
-          </p:cNvSpPr>
-          <p:nvPr>
-            <p:ph type="dt" idx="10"/>
-          </p:nvPr>
-        </p:nvSpPr>
-        <p:spPr>
-          <a:xfrm>
-            <a:off x="3017520" y="30510360"/>
-            <a:ext cx="9874440" cy="1751400"/>
-          </a:xfrm>
-          <a:prstGeom prst="rect">
-            <a:avLst/>
-          </a:prstGeom>
-          <a:noFill/>
-          <a:ln w="0">
-            <a:noFill/>
-          </a:ln>
-        </p:spPr>
-        <p:txBody>
-          <a:bodyPr lIns="91440" rIns="91440" tIns="45720" bIns="45720" anchor="ctr">
-            <a:noAutofit/>
-          </a:bodyPr>
-          <a:lstStyle>
-            <a:lvl1pPr indent="0" defTabSz="457200">
-              <a:lnSpc>
-                <a:spcPct val="100000"/>
-              </a:lnSpc>
-              <a:buNone/>
-              <a:tabLst>
-                <a:tab algn="l" pos="0"/>
-              </a:tabLst>
-              <a:defRPr b="0" lang="en-US" sz="5760" strike="noStrike" u="none">
-                <a:solidFill>
-                  <a:schemeClr val="dk1">
-                    <a:tint val="82000"/>
-                  </a:schemeClr>
-                </a:solidFill>
-                <a:effectLst/>
-                <a:uFillTx/>
-                <a:latin typeface="Aptos"/>
-              </a:defRPr>
-            </a:lvl1pPr>
-          </a:lstStyle>
-          <a:p>
-            <a:pPr indent="0" defTabSz="457200">
-              <a:lnSpc>
-                <a:spcPct val="100000"/>
-              </a:lnSpc>
-              <a:buNone/>
-              <a:tabLst>
-                <a:tab algn="l" pos="0"/>
-              </a:tabLst>
-            </a:pPr>
-            <a:r>
-              <a:rPr b="0" lang="en-US" sz="5760" strike="noStrike" u="none">
-                <a:solidFill>
-                  <a:schemeClr val="dk1">
-                    <a:tint val="82000"/>
-                  </a:schemeClr>
-                </a:solidFill>
-                <a:effectLst/>
-                <a:uFillTx/>
-                <a:latin typeface="Aptos"/>
-              </a:rPr>
-              <a:t>&lt;date/time&gt;</a:t>
-            </a:r>
-            <a:endParaRPr b="0" lang="en-US" sz="5760" strike="noStrike" u="none">
-              <a:solidFill>
-                <a:srgbClr val="000000"/>
-              </a:solidFill>
-              <a:effectLst/>
-              <a:uFillTx/>
-              <a:latin typeface="Nimbus Roman"/>
-            </a:endParaRPr>
-          </a:p>
-        </p:txBody>
-      </p:sp>
-      <p:sp>
-        <p:nvSpPr>
-          <p:cNvPr id="19" name="PlaceHolder 5"/>
-          <p:cNvSpPr>
-            <a:spLocks noGrp="1"/>
-          </p:cNvSpPr>
-          <p:nvPr>
-            <p:ph type="ftr" idx="11"/>
-          </p:nvPr>
-        </p:nvSpPr>
-        <p:spPr>
-          <a:xfrm>
-            <a:off x="14538960" y="30510360"/>
-            <a:ext cx="14812200" cy="1751400"/>
-          </a:xfrm>
-          <a:prstGeom prst="rect">
-            <a:avLst/>
-          </a:prstGeom>
-          <a:noFill/>
-          <a:ln w="0">
-            <a:noFill/>
-          </a:ln>
-        </p:spPr>
-        <p:txBody>
-          <a:bodyPr lIns="91440" rIns="91440" tIns="45720" bIns="45720" anchor="ctr">
-            <a:noAutofit/>
-          </a:bodyPr>
-          <a:lstStyle>
-            <a:lvl1pPr indent="0" algn="ctr" defTabSz="914400">
-              <a:lnSpc>
-                <a:spcPct val="100000"/>
-              </a:lnSpc>
-              <a:buNone/>
-              <a:tabLst>
-                <a:tab algn="l" pos="0"/>
-              </a:tabLst>
-              <a:defRPr b="0" lang="en-US" sz="1400" strike="noStrike" u="none">
-                <a:solidFill>
-                  <a:srgbClr val="000000"/>
-                </a:solidFill>
-                <a:effectLst/>
-                <a:uFillTx/>
-                <a:latin typeface="Times New Roman"/>
-              </a:defRPr>
-            </a:lvl1pPr>
-          </a:lstStyle>
-          <a:p>
-            <a:pPr indent="0" algn="ctr" defTabSz="914400">
-              <a:lnSpc>
-                <a:spcPct val="100000"/>
-              </a:lnSpc>
-              <a:buNone/>
-              <a:tabLst>
-                <a:tab algn="l" pos="0"/>
-              </a:tabLst>
-            </a:pPr>
-            <a:r>
-              <a:rPr b="0" lang="en-US" sz="1400" strike="noStrike" u="none">
-                <a:solidFill>
-                  <a:srgbClr val="000000"/>
-                </a:solidFill>
-                <a:effectLst/>
-                <a:uFillTx/>
-                <a:latin typeface="Times New Roman"/>
-              </a:rPr>
-              <a:t>&lt;footer&gt;</a:t>
-            </a:r>
-            <a:endParaRPr b="0" lang="en-US" sz="1400" strike="noStrike" u="none">
-              <a:solidFill>
-                <a:srgbClr val="000000"/>
-              </a:solidFill>
-              <a:effectLst/>
-              <a:uFillTx/>
-              <a:latin typeface="Nimbus Roman"/>
-            </a:endParaRPr>
-          </a:p>
-        </p:txBody>
-      </p:sp>
-      <p:sp>
-        <p:nvSpPr>
-          <p:cNvPr id="20" name="PlaceHolder 6"/>
-          <p:cNvSpPr>
-            <a:spLocks noGrp="1"/>
-          </p:cNvSpPr>
-          <p:nvPr>
-            <p:ph type="sldNum" idx="12"/>
-          </p:nvPr>
-        </p:nvSpPr>
-        <p:spPr>
-          <a:xfrm>
-            <a:off x="30998160" y="30510360"/>
-            <a:ext cx="9874440" cy="1751400"/>
-          </a:xfrm>
-          <a:prstGeom prst="rect">
-            <a:avLst/>
-          </a:prstGeom>
-          <a:noFill/>
-          <a:ln w="0">
-            <a:noFill/>
-          </a:ln>
-        </p:spPr>
-        <p:txBody>
-          <a:bodyPr lIns="91440" rIns="91440" tIns="45720" bIns="45720" anchor="ctr">
-            <a:noAutofit/>
-          </a:bodyPr>
-          <a:lstStyle>
-            <a:lvl1pPr indent="0" algn="r" defTabSz="457200">
-              <a:lnSpc>
-                <a:spcPct val="100000"/>
-              </a:lnSpc>
-              <a:buNone/>
-              <a:tabLst>
-                <a:tab algn="l" pos="0"/>
-              </a:tabLst>
-              <a:defRPr b="0" lang="en-US" sz="5760" strike="noStrike" u="none">
-                <a:solidFill>
-                  <a:schemeClr val="dk1">
-                    <a:tint val="82000"/>
-                  </a:schemeClr>
-                </a:solidFill>
-                <a:effectLst/>
-                <a:uFillTx/>
-                <a:latin typeface="Aptos"/>
-              </a:defRPr>
-            </a:lvl1pPr>
-          </a:lstStyle>
-          <a:p>
-            <a:pPr indent="0" algn="r" defTabSz="457200">
-              <a:lnSpc>
-                <a:spcPct val="100000"/>
-              </a:lnSpc>
-              <a:buNone/>
-              <a:tabLst>
-                <a:tab algn="l" pos="0"/>
-              </a:tabLst>
-            </a:pPr>
-            <a:fld id="{9E877B35-F109-4E19-9BF7-AF3B32664DA3}" type="slidenum">
-              <a:rPr b="0" lang="en-US" sz="5760" strike="noStrike" u="none">
-                <a:solidFill>
-                  <a:schemeClr val="dk1">
-                    <a:tint val="82000"/>
-                  </a:schemeClr>
-                </a:solidFill>
-                <a:effectLst/>
-                <a:uFillTx/>
-                <a:latin typeface="Aptos"/>
-              </a:rPr>
-              <a:t>&lt;number&gt;</a:t>
-            </a:fld>
-            <a:endParaRPr b="0" lang="en-US" sz="5760" strike="noStrike" u="none">
-              <a:solidFill>
-                <a:srgbClr val="000000"/>
-              </a:solidFill>
-              <a:effectLst/>
-              <a:uFillTx/>
-              <a:latin typeface="Nimbus Roman"/>
-            </a:endParaRPr>
-          </a:p>
-        </p:txBody>
-      </p:sp>
-    </p:spTree>
-  </p:cSld>
-</p:sldLayout>
-</file>
-
-<file path=ppt/slideLayouts/slideLayout5.xml><?xml version="1.0" encoding="utf-8"?>
-<p:sldLayout xmlns:a="http://schemas.openxmlformats.org/drawingml/2006/main" xmlns:p="http://schemas.openxmlformats.org/presentationml/2006/main" xmlns:r="http://schemas.openxmlformats.org/officeDocument/2006/relationships" xmlns:p14="http://schemas.microsoft.com/office/powerpoint/2010/main" xmlns:p15="http://schemas.microsoft.com/office/powerpoint/2012/main" xmlns:mc="http://schemas.openxmlformats.org/markup-compatibility/2006" type="blank" preserve="1">
-  <p:cSld name="Picture with Caption">
-    <p:bg>
-      <p:bgPr>
-        <a:solidFill>
-          <a:srgbClr val="ffffff"/>
-        </a:solidFill>
-      </p:bgPr>
-    </p:bg>
-    <p:spTree>
-      <p:nvGrpSpPr>
-        <p:cNvPr id="1" name=""/>
-        <p:cNvGrpSpPr/>
-        <p:nvPr/>
-      </p:nvGrpSpPr>
-      <p:grpSpPr>
-        <a:xfrm>
-          <a:off x="0" y="0"/>
-          <a:ext cx="0" cy="0"/>
-          <a:chOff x="0" y="0"/>
-          <a:chExt cx="0" cy="0"/>
-        </a:xfrm>
-      </p:grpSpPr>
-      <p:sp>
-        <p:nvSpPr>
-          <p:cNvPr id="21" name="PlaceHolder 1"/>
-          <p:cNvSpPr>
-            <a:spLocks noGrp="1"/>
-          </p:cNvSpPr>
-          <p:nvPr>
-            <p:ph type="title"/>
-          </p:nvPr>
-        </p:nvSpPr>
-        <p:spPr>
-          <a:xfrm>
-            <a:off x="3023280" y="2194560"/>
-            <a:ext cx="14154840" cy="7679880"/>
-          </a:xfrm>
-          <a:prstGeom prst="rect">
-            <a:avLst/>
-          </a:prstGeom>
-          <a:noFill/>
-          <a:ln w="0">
-            <a:noFill/>
-          </a:ln>
-        </p:spPr>
-        <p:txBody>
-          <a:bodyPr lIns="91440" rIns="91440" tIns="45720" bIns="45720" anchor="b">
-            <a:noAutofit/>
-          </a:bodyPr>
-          <a:p>
-            <a:pPr indent="0" defTabSz="4389120">
-              <a:lnSpc>
-                <a:spcPct val="90000"/>
-              </a:lnSpc>
-              <a:buNone/>
-              <a:tabLst>
-                <a:tab algn="l" pos="0"/>
-              </a:tabLst>
-            </a:pPr>
-            <a:r>
-              <a:rPr b="0" lang="en-US" sz="15360" strike="noStrike" u="none">
-                <a:solidFill>
-                  <a:schemeClr val="dk1"/>
-                </a:solidFill>
-                <a:effectLst/>
-                <a:uFillTx/>
-                <a:latin typeface="Aptos Display"/>
-              </a:rPr>
-              <a:t>Click to edit Master title style</a:t>
-            </a:r>
-            <a:endParaRPr b="0" lang="en-US" sz="15360" strike="noStrike" u="none">
-              <a:solidFill>
-                <a:schemeClr val="dk1"/>
-              </a:solidFill>
-              <a:effectLst/>
-              <a:uFillTx/>
-              <a:latin typeface="Aptos"/>
-            </a:endParaRPr>
-          </a:p>
-        </p:txBody>
-      </p:sp>
-      <p:sp>
-        <p:nvSpPr>
-          <p:cNvPr id="22" name="PlaceHolder 2"/>
-          <p:cNvSpPr>
-            <a:spLocks noGrp="1"/>
-          </p:cNvSpPr>
-          <p:nvPr>
-            <p:ph type="body"/>
-          </p:nvPr>
-        </p:nvSpPr>
-        <p:spPr>
-          <a:xfrm>
-            <a:off x="18659520" y="4739760"/>
-            <a:ext cx="22218840" cy="23392440"/>
-          </a:xfrm>
-          <a:prstGeom prst="rect">
-            <a:avLst/>
-          </a:prstGeom>
-          <a:noFill/>
-          <a:ln w="0">
-            <a:noFill/>
-          </a:ln>
-        </p:spPr>
-        <p:txBody>
-          <a:bodyPr lIns="90000" rIns="90000" tIns="45000" bIns="45000" anchor="t">
-            <a:noAutofit/>
-          </a:bodyPr>
-          <a:p>
-            <a:pPr marL="228600" indent="0" defTabSz="457200">
-              <a:lnSpc>
-                <a:spcPct val="100000"/>
-              </a:lnSpc>
-              <a:spcBef>
-                <a:spcPts val="1001"/>
-              </a:spcBef>
-              <a:buNone/>
-              <a:tabLst>
-                <a:tab algn="l" pos="0"/>
-              </a:tabLst>
-            </a:pPr>
-            <a:r>
-              <a:rPr b="0" lang="en-US" sz="15360" strike="noStrike" u="none">
-                <a:solidFill>
-                  <a:schemeClr val="dk1"/>
-                </a:solidFill>
-                <a:effectLst/>
-                <a:uFillTx/>
-                <a:latin typeface="Aptos"/>
-              </a:rPr>
-              <a:t>Click icon to add picture</a:t>
-            </a:r>
-            <a:endParaRPr b="0" lang="en-US" sz="15360" strike="noStrike" u="none">
-              <a:solidFill>
-                <a:schemeClr val="dk1"/>
-              </a:solidFill>
-              <a:effectLst/>
-              <a:uFillTx/>
-              <a:latin typeface="Aptos"/>
-            </a:endParaRPr>
-          </a:p>
-        </p:txBody>
-      </p:sp>
-      <p:sp>
-        <p:nvSpPr>
-          <p:cNvPr id="23" name="PlaceHolder 3"/>
-          <p:cNvSpPr>
-            <a:spLocks noGrp="1"/>
-          </p:cNvSpPr>
-          <p:nvPr>
-            <p:ph type="body"/>
-          </p:nvPr>
-        </p:nvSpPr>
-        <p:spPr>
-          <a:xfrm>
-            <a:off x="3023280" y="9875520"/>
-            <a:ext cx="14154840" cy="18294480"/>
-          </a:xfrm>
-          <a:prstGeom prst="rect">
-            <a:avLst/>
-          </a:prstGeom>
-          <a:noFill/>
-          <a:ln w="0">
-            <a:noFill/>
-          </a:ln>
-        </p:spPr>
-        <p:txBody>
-          <a:bodyPr lIns="91440" rIns="91440" tIns="45720" bIns="45720" anchor="t">
-            <a:noAutofit/>
-          </a:bodyPr>
-          <a:p>
-            <a:pPr marL="228600" indent="0" defTabSz="4389120">
-              <a:lnSpc>
-                <a:spcPct val="90000"/>
-              </a:lnSpc>
-              <a:spcBef>
-                <a:spcPts val="4799"/>
-              </a:spcBef>
-              <a:buNone/>
-              <a:tabLst>
-                <a:tab algn="l" pos="0"/>
-              </a:tabLst>
-            </a:pPr>
-            <a:r>
-              <a:rPr b="0" lang="en-US" sz="7680" strike="noStrike" u="none">
-                <a:solidFill>
-                  <a:schemeClr val="dk1"/>
-                </a:solidFill>
-                <a:effectLst/>
-                <a:uFillTx/>
-                <a:latin typeface="Aptos"/>
-              </a:rPr>
-              <a:t>Click to edit Master text styles</a:t>
-            </a:r>
-            <a:endParaRPr b="0" lang="en-US" sz="7680" strike="noStrike" u="none">
-              <a:solidFill>
-                <a:schemeClr val="dk1"/>
-              </a:solidFill>
-              <a:effectLst/>
-              <a:uFillTx/>
-              <a:latin typeface="Aptos"/>
-            </a:endParaRPr>
-          </a:p>
-        </p:txBody>
-      </p:sp>
-      <p:sp>
-        <p:nvSpPr>
-          <p:cNvPr id="24" name="PlaceHolder 4"/>
-          <p:cNvSpPr>
-            <a:spLocks noGrp="1"/>
-          </p:cNvSpPr>
-          <p:nvPr>
-            <p:ph type="dt" idx="13"/>
-          </p:nvPr>
-        </p:nvSpPr>
-        <p:spPr>
-          <a:xfrm>
-            <a:off x="3017520" y="30510360"/>
-            <a:ext cx="9874440" cy="1751400"/>
-          </a:xfrm>
-          <a:prstGeom prst="rect">
-            <a:avLst/>
-          </a:prstGeom>
-          <a:noFill/>
-          <a:ln w="0">
-            <a:noFill/>
-          </a:ln>
-        </p:spPr>
-        <p:txBody>
-          <a:bodyPr lIns="91440" rIns="91440" tIns="45720" bIns="45720" anchor="ctr">
-            <a:noAutofit/>
-          </a:bodyPr>
-          <a:lstStyle>
-            <a:lvl1pPr indent="0" defTabSz="457200">
-              <a:lnSpc>
-                <a:spcPct val="100000"/>
-              </a:lnSpc>
-              <a:buNone/>
-              <a:tabLst>
-                <a:tab algn="l" pos="0"/>
-              </a:tabLst>
-              <a:defRPr b="0" lang="en-US" sz="5760" strike="noStrike" u="none">
-                <a:solidFill>
-                  <a:schemeClr val="dk1">
-                    <a:tint val="82000"/>
-                  </a:schemeClr>
-                </a:solidFill>
-                <a:effectLst/>
-                <a:uFillTx/>
-                <a:latin typeface="Aptos"/>
-              </a:defRPr>
-            </a:lvl1pPr>
-          </a:lstStyle>
-          <a:p>
-            <a:pPr indent="0" defTabSz="457200">
-              <a:lnSpc>
-                <a:spcPct val="100000"/>
-              </a:lnSpc>
-              <a:buNone/>
-              <a:tabLst>
-                <a:tab algn="l" pos="0"/>
-              </a:tabLst>
-            </a:pPr>
-            <a:r>
-              <a:rPr b="0" lang="en-US" sz="5760" strike="noStrike" u="none">
-                <a:solidFill>
-                  <a:schemeClr val="dk1">
-                    <a:tint val="82000"/>
-                  </a:schemeClr>
-                </a:solidFill>
-                <a:effectLst/>
-                <a:uFillTx/>
-                <a:latin typeface="Aptos"/>
-              </a:rPr>
-              <a:t>&lt;date/time&gt;</a:t>
-            </a:r>
-            <a:endParaRPr b="0" lang="en-US" sz="5760" strike="noStrike" u="none">
-              <a:solidFill>
-                <a:srgbClr val="000000"/>
-              </a:solidFill>
-              <a:effectLst/>
-              <a:uFillTx/>
-              <a:latin typeface="Nimbus Roman"/>
-            </a:endParaRPr>
-          </a:p>
-        </p:txBody>
-      </p:sp>
-      <p:sp>
-        <p:nvSpPr>
-          <p:cNvPr id="25" name="PlaceHolder 5"/>
-          <p:cNvSpPr>
-            <a:spLocks noGrp="1"/>
-          </p:cNvSpPr>
-          <p:nvPr>
-            <p:ph type="ftr" idx="14"/>
-          </p:nvPr>
-        </p:nvSpPr>
-        <p:spPr>
-          <a:xfrm>
-            <a:off x="14538960" y="30510360"/>
-            <a:ext cx="14812200" cy="1751400"/>
-          </a:xfrm>
-          <a:prstGeom prst="rect">
-            <a:avLst/>
-          </a:prstGeom>
-          <a:noFill/>
-          <a:ln w="0">
-            <a:noFill/>
-          </a:ln>
-        </p:spPr>
-        <p:txBody>
-          <a:bodyPr lIns="91440" rIns="91440" tIns="45720" bIns="45720" anchor="ctr">
-            <a:noAutofit/>
-          </a:bodyPr>
-          <a:lstStyle>
-            <a:lvl1pPr indent="0" algn="ctr" defTabSz="914400">
-              <a:lnSpc>
-                <a:spcPct val="100000"/>
-              </a:lnSpc>
-              <a:buNone/>
-              <a:tabLst>
-                <a:tab algn="l" pos="0"/>
-              </a:tabLst>
-              <a:defRPr b="0" lang="en-US" sz="1400" strike="noStrike" u="none">
-                <a:solidFill>
-                  <a:srgbClr val="000000"/>
-                </a:solidFill>
-                <a:effectLst/>
-                <a:uFillTx/>
-                <a:latin typeface="Times New Roman"/>
-              </a:defRPr>
-            </a:lvl1pPr>
-          </a:lstStyle>
-          <a:p>
-            <a:pPr indent="0" algn="ctr" defTabSz="914400">
-              <a:lnSpc>
-                <a:spcPct val="100000"/>
-              </a:lnSpc>
-              <a:buNone/>
-              <a:tabLst>
-                <a:tab algn="l" pos="0"/>
-              </a:tabLst>
-            </a:pPr>
-            <a:r>
-              <a:rPr b="0" lang="en-US" sz="1400" strike="noStrike" u="none">
-                <a:solidFill>
-                  <a:srgbClr val="000000"/>
-                </a:solidFill>
-                <a:effectLst/>
-                <a:uFillTx/>
-                <a:latin typeface="Times New Roman"/>
-              </a:rPr>
-              <a:t>&lt;footer&gt;</a:t>
-            </a:r>
-            <a:endParaRPr b="0" lang="en-US" sz="1400" strike="noStrike" u="none">
-              <a:solidFill>
-                <a:srgbClr val="000000"/>
-              </a:solidFill>
-              <a:effectLst/>
-              <a:uFillTx/>
-              <a:latin typeface="Nimbus Roman"/>
-            </a:endParaRPr>
-          </a:p>
-        </p:txBody>
-      </p:sp>
-      <p:sp>
-        <p:nvSpPr>
-          <p:cNvPr id="26" name="PlaceHolder 6"/>
-          <p:cNvSpPr>
-            <a:spLocks noGrp="1"/>
-          </p:cNvSpPr>
-          <p:nvPr>
-            <p:ph type="sldNum" idx="15"/>
-          </p:nvPr>
-        </p:nvSpPr>
-        <p:spPr>
-          <a:xfrm>
-            <a:off x="30998160" y="30510360"/>
-            <a:ext cx="9874440" cy="1751400"/>
-          </a:xfrm>
-          <a:prstGeom prst="rect">
-            <a:avLst/>
-          </a:prstGeom>
-          <a:noFill/>
-          <a:ln w="0">
-            <a:noFill/>
-          </a:ln>
-        </p:spPr>
-        <p:txBody>
-          <a:bodyPr lIns="91440" rIns="91440" tIns="45720" bIns="45720" anchor="ctr">
-            <a:noAutofit/>
-          </a:bodyPr>
-          <a:lstStyle>
-            <a:lvl1pPr indent="0" algn="r" defTabSz="457200">
-              <a:lnSpc>
-                <a:spcPct val="100000"/>
-              </a:lnSpc>
-              <a:buNone/>
-              <a:tabLst>
-                <a:tab algn="l" pos="0"/>
-              </a:tabLst>
-              <a:defRPr b="0" lang="en-US" sz="5760" strike="noStrike" u="none">
-                <a:solidFill>
-                  <a:schemeClr val="dk1">
-                    <a:tint val="82000"/>
-                  </a:schemeClr>
-                </a:solidFill>
-                <a:effectLst/>
-                <a:uFillTx/>
-                <a:latin typeface="Aptos"/>
-              </a:defRPr>
-            </a:lvl1pPr>
-          </a:lstStyle>
-          <a:p>
-            <a:pPr indent="0" algn="r" defTabSz="457200">
-              <a:lnSpc>
-                <a:spcPct val="100000"/>
-              </a:lnSpc>
-              <a:buNone/>
-              <a:tabLst>
-                <a:tab algn="l" pos="0"/>
-              </a:tabLst>
-            </a:pPr>
-            <a:fld id="{D154AF9E-27F5-487A-926C-7FF1298E09F0}" type="slidenum">
+            <a:fld id="{7251807F-0013-42FC-A490-AB0662CC7D89}" type="slidenum">
               <a:rPr b="0" lang="en-US" sz="5760" strike="noStrike" u="none">
                 <a:solidFill>
                   <a:schemeClr val="dk1">
@@ -4180,8 +4987,8 @@
 </file>
 
 <file path=ppt/slideLayouts/slideLayout6.xml><?xml version="1.0" encoding="utf-8"?>
-<p:sldLayout xmlns:a="http://schemas.openxmlformats.org/drawingml/2006/main" xmlns:p="http://schemas.openxmlformats.org/presentationml/2006/main" xmlns:r="http://schemas.openxmlformats.org/officeDocument/2006/relationships" xmlns:p14="http://schemas.microsoft.com/office/powerpoint/2010/main" xmlns:p15="http://schemas.microsoft.com/office/powerpoint/2012/main" xmlns:mc="http://schemas.openxmlformats.org/markup-compatibility/2006" type="title" preserve="1">
-  <p:cSld name="Title Slide">
+<p:sldLayout xmlns:a="http://schemas.openxmlformats.org/drawingml/2006/main" xmlns:p="http://schemas.openxmlformats.org/presentationml/2006/main" xmlns:r="http://schemas.openxmlformats.org/officeDocument/2006/relationships" xmlns:p14="http://schemas.microsoft.com/office/powerpoint/2010/main" xmlns:p15="http://schemas.microsoft.com/office/powerpoint/2012/main" xmlns:mc="http://schemas.openxmlformats.org/markup-compatibility/2006" type="titleOnly" preserve="1">
+  <p:cSld name="Title Only">
     <p:bg>
       <p:bgPr>
         <a:solidFill>
@@ -4215,8 +5022,8 @@
         </p:nvSpPr>
         <p:spPr>
           <a:xfrm>
-            <a:off x="3291840" y="5387400"/>
-            <a:ext cx="37306440" cy="11459520"/>
+            <a:off x="3017520" y="1752480"/>
+            <a:ext cx="37854720" cy="6361200"/>
           </a:xfrm>
           <a:prstGeom prst="rect">
             <a:avLst/>
@@ -4227,11 +5034,11 @@
           </a:ln>
         </p:spPr>
         <p:txBody>
-          <a:bodyPr lIns="91440" rIns="91440" tIns="45720" bIns="45720" anchor="b">
+          <a:bodyPr lIns="91440" rIns="91440" tIns="45720" bIns="45720" anchor="ctr">
             <a:noAutofit/>
           </a:bodyPr>
           <a:p>
-            <a:pPr indent="0" algn="ctr" defTabSz="4389120">
+            <a:pPr indent="0" defTabSz="4389120">
               <a:lnSpc>
                 <a:spcPct val="90000"/>
               </a:lnSpc>
@@ -4241,7 +5048,7 @@
               </a:tabLst>
             </a:pPr>
             <a:r>
-              <a:rPr b="0" lang="en-US" sz="28800" strike="noStrike" u="none">
+              <a:rPr b="0" lang="en-US" sz="21120" strike="noStrike" u="none">
                 <a:solidFill>
                   <a:schemeClr val="dk1"/>
                 </a:solidFill>
@@ -4251,13 +5058,13 @@
               </a:rPr>
               <a:t>Click to edit Master title style</a:t>
             </a:r>
-            <a:endParaRPr b="0" lang="en-US" sz="28800" strike="noStrike" u="none">
-              <a:solidFill>
-                <a:schemeClr val="dk1"/>
-              </a:solidFill>
-              <a:effectLst/>
-              <a:uFillTx/>
-              <a:latin typeface="Aptos"/>
+            <a:endParaRPr b="0" lang="en-US" sz="21120" strike="noStrike" u="none">
+              <a:solidFill>
+                <a:srgbClr val="000000"/>
+              </a:solidFill>
+              <a:effectLst/>
+              <a:uFillTx/>
+              <a:latin typeface="Nimbus Roman"/>
             </a:endParaRPr>
           </a:p>
         </p:txBody>
@@ -4275,7 +5082,7 @@
         <p:spPr>
           <a:xfrm>
             <a:off x="3017520" y="30510360"/>
-            <a:ext cx="9874440" cy="1751400"/>
+            <a:ext cx="9874080" cy="1751040"/>
           </a:xfrm>
           <a:prstGeom prst="rect">
             <a:avLst/>
@@ -4357,7 +5164,7 @@
         <p:spPr>
           <a:xfrm>
             <a:off x="14538960" y="30510360"/>
-            <a:ext cx="14812200" cy="1751400"/>
+            <a:ext cx="14811840" cy="1751040"/>
           </a:xfrm>
           <a:prstGeom prst="rect">
             <a:avLst/>
@@ -4435,7 +5242,7 @@
         <p:spPr>
           <a:xfrm>
             <a:off x="30998160" y="30510360"/>
-            <a:ext cx="9874440" cy="1751400"/>
+            <a:ext cx="9874080" cy="1751040"/>
           </a:xfrm>
           <a:prstGeom prst="rect">
             <a:avLst/>
@@ -4480,7 +5287,7 @@
                 <a:tab algn="l" pos="0"/>
               </a:tabLst>
             </a:pPr>
-            <a:fld id="{0C04B376-61AB-4BCA-9082-DF53BE0E9E1B}" type="slidenum">
+            <a:fld id="{69418236-327C-4CE3-B981-746ED0F6D361}" type="slidenum">
               <a:rPr b="0" lang="en-US" sz="5760" strike="noStrike" u="none">
                 <a:solidFill>
                   <a:schemeClr val="dk1">
@@ -4510,8 +5317,8 @@
 </file>
 
 <file path=ppt/slideLayouts/slideLayout7.xml><?xml version="1.0" encoding="utf-8"?>
-<p:sldLayout xmlns:a="http://schemas.openxmlformats.org/drawingml/2006/main" xmlns:p="http://schemas.openxmlformats.org/presentationml/2006/main" xmlns:r="http://schemas.openxmlformats.org/officeDocument/2006/relationships" xmlns:p14="http://schemas.microsoft.com/office/powerpoint/2010/main" xmlns:p15="http://schemas.microsoft.com/office/powerpoint/2012/main" xmlns:mc="http://schemas.openxmlformats.org/markup-compatibility/2006" type="vertTx" preserve="1">
-  <p:cSld name="Title and Vertical Text">
+<p:sldLayout xmlns:a="http://schemas.openxmlformats.org/drawingml/2006/main" xmlns:p="http://schemas.openxmlformats.org/presentationml/2006/main" xmlns:r="http://schemas.openxmlformats.org/officeDocument/2006/relationships" xmlns:p14="http://schemas.microsoft.com/office/powerpoint/2010/main" xmlns:p15="http://schemas.microsoft.com/office/powerpoint/2012/main" xmlns:mc="http://schemas.openxmlformats.org/markup-compatibility/2006" type="blank" preserve="1">
+  <p:cSld name="Content with Caption">
     <p:bg>
       <p:bgPr>
         <a:solidFill>
@@ -4545,8 +5352,8 @@
         </p:nvSpPr>
         <p:spPr>
           <a:xfrm>
-            <a:off x="3017520" y="1752480"/>
-            <a:ext cx="37855080" cy="6361560"/>
+            <a:off x="3023280" y="2194560"/>
+            <a:ext cx="14154480" cy="7679520"/>
           </a:xfrm>
           <a:prstGeom prst="rect">
             <a:avLst/>
@@ -4557,7 +5364,7 @@
           </a:ln>
         </p:spPr>
         <p:txBody>
-          <a:bodyPr lIns="91440" rIns="91440" tIns="45720" bIns="45720" anchor="ctr">
+          <a:bodyPr lIns="91440" rIns="91440" tIns="45720" bIns="45720" anchor="b">
             <a:noAutofit/>
           </a:bodyPr>
           <a:p>
@@ -4571,7 +5378,7 @@
               </a:tabLst>
             </a:pPr>
             <a:r>
-              <a:rPr b="0" lang="en-US" sz="21120" strike="noStrike" u="none">
+              <a:rPr b="0" lang="en-US" sz="15360" strike="noStrike" u="none">
                 <a:solidFill>
                   <a:schemeClr val="dk1"/>
                 </a:solidFill>
@@ -4581,13 +5388,13 @@
               </a:rPr>
               <a:t>Click to edit Master title style</a:t>
             </a:r>
-            <a:endParaRPr b="0" lang="en-US" sz="21120" strike="noStrike" u="none">
-              <a:solidFill>
-                <a:schemeClr val="dk1"/>
-              </a:solidFill>
-              <a:effectLst/>
-              <a:uFillTx/>
-              <a:latin typeface="Aptos"/>
+            <a:endParaRPr b="0" lang="en-US" sz="15360" strike="noStrike" u="none">
+              <a:solidFill>
+                <a:srgbClr val="000000"/>
+              </a:solidFill>
+              <a:effectLst/>
+              <a:uFillTx/>
+              <a:latin typeface="Nimbus Roman"/>
             </a:endParaRPr>
           </a:p>
         </p:txBody>
@@ -4604,8 +5411,8 @@
         </p:nvSpPr>
         <p:spPr>
           <a:xfrm>
-            <a:off x="3017520" y="8763120"/>
-            <a:ext cx="37855080" cy="20885400"/>
+            <a:off x="18659520" y="4739760"/>
+            <a:ext cx="22218480" cy="23392080"/>
           </a:xfrm>
           <a:prstGeom prst="rect">
             <a:avLst/>
@@ -4616,7 +5423,7 @@
           </a:ln>
         </p:spPr>
         <p:txBody>
-          <a:bodyPr lIns="91440" rIns="91440" tIns="45720" bIns="45720" anchor="t" vert="eaVert">
+          <a:bodyPr lIns="91440" rIns="91440" tIns="45720" bIns="45720" anchor="t">
             <a:noAutofit/>
           </a:bodyPr>
           <a:p>
@@ -4634,7 +5441,7 @@
               <a:buChar char="•"/>
             </a:pPr>
             <a:r>
-              <a:rPr b="0" lang="en-US" sz="13439" strike="noStrike" u="none">
+              <a:rPr b="0" lang="en-US" sz="15360" strike="noStrike" u="none">
                 <a:solidFill>
                   <a:schemeClr val="dk1"/>
                 </a:solidFill>
@@ -4644,13 +5451,13 @@
               </a:rPr>
               <a:t>Click to edit Master text styles</a:t>
             </a:r>
-            <a:endParaRPr b="0" lang="en-US" sz="13439" strike="noStrike" u="none">
-              <a:solidFill>
-                <a:schemeClr val="dk1"/>
-              </a:solidFill>
-              <a:effectLst/>
-              <a:uFillTx/>
-              <a:latin typeface="Aptos"/>
+            <a:endParaRPr b="0" lang="en-US" sz="15360" strike="noStrike" u="none">
+              <a:solidFill>
+                <a:srgbClr val="000000"/>
+              </a:solidFill>
+              <a:effectLst/>
+              <a:uFillTx/>
+              <a:latin typeface="Nimbus Roman"/>
             </a:endParaRPr>
           </a:p>
           <a:p>
@@ -4668,7 +5475,7 @@
               <a:buChar char="•"/>
             </a:pPr>
             <a:r>
-              <a:rPr b="0" lang="en-US" sz="11520" strike="noStrike" u="none">
+              <a:rPr b="0" lang="en-US" sz="13439" strike="noStrike" u="none">
                 <a:solidFill>
                   <a:schemeClr val="dk1"/>
                 </a:solidFill>
@@ -4678,13 +5485,13 @@
               </a:rPr>
               <a:t>Second level</a:t>
             </a:r>
-            <a:endParaRPr b="0" lang="en-US" sz="11520" strike="noStrike" u="none">
-              <a:solidFill>
-                <a:schemeClr val="dk1"/>
-              </a:solidFill>
-              <a:effectLst/>
-              <a:uFillTx/>
-              <a:latin typeface="Aptos"/>
+            <a:endParaRPr b="0" lang="en-US" sz="13439" strike="noStrike" u="none">
+              <a:solidFill>
+                <a:srgbClr val="000000"/>
+              </a:solidFill>
+              <a:effectLst/>
+              <a:uFillTx/>
+              <a:latin typeface="Nimbus Roman"/>
             </a:endParaRPr>
           </a:p>
           <a:p>
@@ -4702,7 +5509,7 @@
               <a:buChar char="•"/>
             </a:pPr>
             <a:r>
-              <a:rPr b="0" lang="en-US" sz="9600" strike="noStrike" u="none">
+              <a:rPr b="0" lang="en-US" sz="11520" strike="noStrike" u="none">
                 <a:solidFill>
                   <a:schemeClr val="dk1"/>
                 </a:solidFill>
@@ -4712,13 +5519,13 @@
               </a:rPr>
               <a:t>Third level</a:t>
             </a:r>
-            <a:endParaRPr b="0" lang="en-US" sz="9600" strike="noStrike" u="none">
-              <a:solidFill>
-                <a:schemeClr val="dk1"/>
-              </a:solidFill>
-              <a:effectLst/>
-              <a:uFillTx/>
-              <a:latin typeface="Aptos"/>
+            <a:endParaRPr b="0" lang="en-US" sz="11520" strike="noStrike" u="none">
+              <a:solidFill>
+                <a:srgbClr val="000000"/>
+              </a:solidFill>
+              <a:effectLst/>
+              <a:uFillTx/>
+              <a:latin typeface="Nimbus Roman"/>
             </a:endParaRPr>
           </a:p>
           <a:p>
@@ -4736,7 +5543,7 @@
               <a:buChar char="•"/>
             </a:pPr>
             <a:r>
-              <a:rPr b="0" lang="en-US" sz="8640" strike="noStrike" u="none">
+              <a:rPr b="0" lang="en-US" sz="9600" strike="noStrike" u="none">
                 <a:solidFill>
                   <a:schemeClr val="dk1"/>
                 </a:solidFill>
@@ -4746,13 +5553,13 @@
               </a:rPr>
               <a:t>Fourth level</a:t>
             </a:r>
-            <a:endParaRPr b="0" lang="en-US" sz="8640" strike="noStrike" u="none">
-              <a:solidFill>
-                <a:schemeClr val="dk1"/>
-              </a:solidFill>
-              <a:effectLst/>
-              <a:uFillTx/>
-              <a:latin typeface="Aptos"/>
+            <a:endParaRPr b="0" lang="en-US" sz="9600" strike="noStrike" u="none">
+              <a:solidFill>
+                <a:srgbClr val="000000"/>
+              </a:solidFill>
+              <a:effectLst/>
+              <a:uFillTx/>
+              <a:latin typeface="Nimbus Roman"/>
             </a:endParaRPr>
           </a:p>
           <a:p>
@@ -4770,7 +5577,7 @@
               <a:buChar char="•"/>
             </a:pPr>
             <a:r>
-              <a:rPr b="0" lang="en-US" sz="8640" strike="noStrike" u="none">
+              <a:rPr b="0" lang="en-US" sz="9600" strike="noStrike" u="none">
                 <a:solidFill>
                   <a:schemeClr val="dk1"/>
                 </a:solidFill>
@@ -4780,13 +5587,13 @@
               </a:rPr>
               <a:t>Fifth level</a:t>
             </a:r>
-            <a:endParaRPr b="0" lang="en-US" sz="8640" strike="noStrike" u="none">
-              <a:solidFill>
-                <a:schemeClr val="dk1"/>
-              </a:solidFill>
-              <a:effectLst/>
-              <a:uFillTx/>
-              <a:latin typeface="Aptos"/>
+            <a:endParaRPr b="0" lang="en-US" sz="9600" strike="noStrike" u="none">
+              <a:solidFill>
+                <a:srgbClr val="000000"/>
+              </a:solidFill>
+              <a:effectLst/>
+              <a:uFillTx/>
+              <a:latin typeface="Nimbus Roman"/>
             </a:endParaRPr>
           </a:p>
         </p:txBody>
@@ -4794,6 +5601,68 @@
       <p:sp>
         <p:nvSpPr>
           <p:cNvPr id="33" name="PlaceHolder 3"/>
+          <p:cNvSpPr>
+            <a:spLocks noGrp="1"/>
+          </p:cNvSpPr>
+          <p:nvPr>
+            <p:ph type="body"/>
+          </p:nvPr>
+        </p:nvSpPr>
+        <p:spPr>
+          <a:xfrm>
+            <a:off x="3023280" y="9875520"/>
+            <a:ext cx="14154480" cy="18294120"/>
+          </a:xfrm>
+          <a:prstGeom prst="rect">
+            <a:avLst/>
+          </a:prstGeom>
+          <a:noFill/>
+          <a:ln w="0">
+            <a:noFill/>
+          </a:ln>
+        </p:spPr>
+        <p:txBody>
+          <a:bodyPr lIns="91440" rIns="91440" tIns="45720" bIns="45720" anchor="t">
+            <a:noAutofit/>
+          </a:bodyPr>
+          <a:p>
+            <a:pPr marL="228600" indent="0" defTabSz="4389120">
+              <a:lnSpc>
+                <a:spcPct val="90000"/>
+              </a:lnSpc>
+              <a:spcBef>
+                <a:spcPts val="4799"/>
+              </a:spcBef>
+              <a:buNone/>
+              <a:tabLst>
+                <a:tab algn="l" pos="0"/>
+              </a:tabLst>
+            </a:pPr>
+            <a:r>
+              <a:rPr b="0" lang="en-US" sz="7680" strike="noStrike" u="none">
+                <a:solidFill>
+                  <a:schemeClr val="dk1"/>
+                </a:solidFill>
+                <a:effectLst/>
+                <a:uFillTx/>
+                <a:latin typeface="Aptos"/>
+              </a:rPr>
+              <a:t>Click to edit Master text styles</a:t>
+            </a:r>
+            <a:endParaRPr b="0" lang="en-US" sz="7680" strike="noStrike" u="none">
+              <a:solidFill>
+                <a:srgbClr val="000000"/>
+              </a:solidFill>
+              <a:effectLst/>
+              <a:uFillTx/>
+              <a:latin typeface="Nimbus Roman"/>
+            </a:endParaRPr>
+          </a:p>
+        </p:txBody>
+      </p:sp>
+      <p:sp>
+        <p:nvSpPr>
+          <p:cNvPr id="34" name="PlaceHolder 4"/>
           <p:cNvSpPr>
             <a:spLocks noGrp="1"/>
           </p:cNvSpPr>
@@ -4804,7 +5673,7 @@
         <p:spPr>
           <a:xfrm>
             <a:off x="3017520" y="30510360"/>
-            <a:ext cx="9874440" cy="1751400"/>
+            <a:ext cx="9874080" cy="1751040"/>
           </a:xfrm>
           <a:prstGeom prst="rect">
             <a:avLst/>
@@ -4875,7 +5744,7 @@
       </p:sp>
       <p:sp>
         <p:nvSpPr>
-          <p:cNvPr id="34" name="PlaceHolder 4"/>
+          <p:cNvPr id="35" name="PlaceHolder 5"/>
           <p:cNvSpPr>
             <a:spLocks noGrp="1"/>
           </p:cNvSpPr>
@@ -4886,7 +5755,7 @@
         <p:spPr>
           <a:xfrm>
             <a:off x="14538960" y="30510360"/>
-            <a:ext cx="14812200" cy="1751400"/>
+            <a:ext cx="14811840" cy="1751040"/>
           </a:xfrm>
           <a:prstGeom prst="rect">
             <a:avLst/>
@@ -4953,7 +5822,7 @@
       </p:sp>
       <p:sp>
         <p:nvSpPr>
-          <p:cNvPr id="35" name="PlaceHolder 5"/>
+          <p:cNvPr id="36" name="PlaceHolder 6"/>
           <p:cNvSpPr>
             <a:spLocks noGrp="1"/>
           </p:cNvSpPr>
@@ -4964,7 +5833,7 @@
         <p:spPr>
           <a:xfrm>
             <a:off x="30998160" y="30510360"/>
-            <a:ext cx="9874440" cy="1751400"/>
+            <a:ext cx="9874080" cy="1751040"/>
           </a:xfrm>
           <a:prstGeom prst="rect">
             <a:avLst/>
@@ -5009,7 +5878,7 @@
                 <a:tab algn="l" pos="0"/>
               </a:tabLst>
             </a:pPr>
-            <a:fld id="{063117D2-6691-4DFB-87DF-E7FB56CA0EE7}" type="slidenum">
+            <a:fld id="{204453FB-8A99-457A-9989-18F2D428D1AF}" type="slidenum">
               <a:rPr b="0" lang="en-US" sz="5760" strike="noStrike" u="none">
                 <a:solidFill>
                   <a:schemeClr val="dk1">
@@ -5039,8 +5908,8 @@
 </file>
 
 <file path=ppt/slideLayouts/slideLayout8.xml><?xml version="1.0" encoding="utf-8"?>
-<p:sldLayout xmlns:a="http://schemas.openxmlformats.org/drawingml/2006/main" xmlns:p="http://schemas.openxmlformats.org/presentationml/2006/main" xmlns:r="http://schemas.openxmlformats.org/officeDocument/2006/relationships" xmlns:p14="http://schemas.microsoft.com/office/powerpoint/2010/main" xmlns:p15="http://schemas.microsoft.com/office/powerpoint/2012/main" xmlns:mc="http://schemas.openxmlformats.org/markup-compatibility/2006" type="vertTitleAndTx" preserve="1">
-  <p:cSld name="Vertical Title and Text">
+<p:sldLayout xmlns:a="http://schemas.openxmlformats.org/drawingml/2006/main" xmlns:p="http://schemas.openxmlformats.org/presentationml/2006/main" xmlns:r="http://schemas.openxmlformats.org/officeDocument/2006/relationships" xmlns:p14="http://schemas.microsoft.com/office/powerpoint/2010/main" xmlns:p15="http://schemas.microsoft.com/office/powerpoint/2012/main" xmlns:mc="http://schemas.openxmlformats.org/markup-compatibility/2006" type="blank" preserve="1">
+  <p:cSld name="Picture with Caption">
     <p:bg>
       <p:bgPr>
         <a:solidFill>
@@ -5064,7 +5933,7 @@
       </p:grpSpPr>
       <p:sp>
         <p:nvSpPr>
-          <p:cNvPr id="36" name="PlaceHolder 1"/>
+          <p:cNvPr id="37" name="PlaceHolder 1"/>
           <p:cNvSpPr>
             <a:spLocks noGrp="1"/>
           </p:cNvSpPr>
@@ -5074,8 +5943,8 @@
         </p:nvSpPr>
         <p:spPr>
           <a:xfrm>
-            <a:off x="31409640" y="1752480"/>
-            <a:ext cx="9462960" cy="27895680"/>
+            <a:off x="3023280" y="2194560"/>
+            <a:ext cx="14154480" cy="7679520"/>
           </a:xfrm>
           <a:prstGeom prst="rect">
             <a:avLst/>
@@ -5086,7 +5955,7 @@
           </a:ln>
         </p:spPr>
         <p:txBody>
-          <a:bodyPr lIns="91440" rIns="91440" tIns="45720" bIns="45720" anchor="ctr" vert="eaVert">
+          <a:bodyPr lIns="91440" rIns="91440" tIns="45720" bIns="45720" anchor="b">
             <a:noAutofit/>
           </a:bodyPr>
           <a:p>
@@ -5100,7 +5969,7 @@
               </a:tabLst>
             </a:pPr>
             <a:r>
-              <a:rPr b="0" lang="en-US" sz="21120" strike="noStrike" u="none">
+              <a:rPr b="0" lang="en-US" sz="15360" strike="noStrike" u="none">
                 <a:solidFill>
                   <a:schemeClr val="dk1"/>
                 </a:solidFill>
@@ -5110,20 +5979,20 @@
               </a:rPr>
               <a:t>Click to edit Master title style</a:t>
             </a:r>
-            <a:endParaRPr b="0" lang="en-US" sz="21120" strike="noStrike" u="none">
-              <a:solidFill>
-                <a:schemeClr val="dk1"/>
-              </a:solidFill>
-              <a:effectLst/>
-              <a:uFillTx/>
-              <a:latin typeface="Aptos"/>
+            <a:endParaRPr b="0" lang="en-US" sz="15360" strike="noStrike" u="none">
+              <a:solidFill>
+                <a:srgbClr val="000000"/>
+              </a:solidFill>
+              <a:effectLst/>
+              <a:uFillTx/>
+              <a:latin typeface="Nimbus Roman"/>
             </a:endParaRPr>
           </a:p>
         </p:txBody>
       </p:sp>
       <p:sp>
         <p:nvSpPr>
-          <p:cNvPr id="37" name="PlaceHolder 2"/>
+          <p:cNvPr id="38" name="PlaceHolder 2"/>
           <p:cNvSpPr>
             <a:spLocks noGrp="1"/>
           </p:cNvSpPr>
@@ -5133,8 +6002,8 @@
         </p:nvSpPr>
         <p:spPr>
           <a:xfrm>
-            <a:off x="3017520" y="1752480"/>
-            <a:ext cx="27842400" cy="27895680"/>
+            <a:off x="18659520" y="4739760"/>
+            <a:ext cx="22218480" cy="23392080"/>
           </a:xfrm>
           <a:prstGeom prst="rect">
             <a:avLst/>
@@ -5145,25 +6014,24 @@
           </a:ln>
         </p:spPr>
         <p:txBody>
-          <a:bodyPr lIns="91440" rIns="91440" tIns="45720" bIns="45720" anchor="t" vert="eaVert">
+          <a:bodyPr lIns="90000" rIns="90000" tIns="45000" bIns="45000" anchor="t">
             <a:noAutofit/>
           </a:bodyPr>
           <a:p>
-            <a:pPr marL="1097280" indent="-1097280" defTabSz="4389120">
-              <a:lnSpc>
-                <a:spcPct val="90000"/>
+            <a:pPr marL="228600" indent="0" defTabSz="457200">
+              <a:lnSpc>
+                <a:spcPct val="100000"/>
               </a:lnSpc>
               <a:spcBef>
-                <a:spcPts val="4799"/>
+                <a:spcPts val="1001"/>
               </a:spcBef>
-              <a:buClr>
-                <a:srgbClr val="000000"/>
-              </a:buClr>
-              <a:buFont typeface="Arial"/>
-              <a:buChar char="•"/>
-            </a:pPr>
-            <a:r>
-              <a:rPr b="0" lang="en-US" sz="13439" strike="noStrike" u="none">
+              <a:buNone/>
+              <a:tabLst>
+                <a:tab algn="l" pos="0"/>
+              </a:tabLst>
+            </a:pPr>
+            <a:r>
+              <a:rPr b="0" lang="en-US" sz="15360" strike="noStrike" u="none">
                 <a:solidFill>
                   <a:schemeClr val="dk1"/>
                 </a:solidFill>
@@ -5171,158 +6039,84 @@
                 <a:uFillTx/>
                 <a:latin typeface="Aptos"/>
               </a:rPr>
-              <a:t>Click to edit Master text styles</a:t>
-            </a:r>
-            <a:endParaRPr b="0" lang="en-US" sz="13439" strike="noStrike" u="none">
-              <a:solidFill>
-                <a:schemeClr val="dk1"/>
-              </a:solidFill>
-              <a:effectLst/>
-              <a:uFillTx/>
-              <a:latin typeface="Aptos"/>
-            </a:endParaRPr>
-          </a:p>
-          <a:p>
-            <a:pPr lvl="1" marL="3291840" indent="-1097280" defTabSz="4389120">
-              <a:lnSpc>
-                <a:spcPct val="90000"/>
-              </a:lnSpc>
-              <a:spcBef>
-                <a:spcPts val="2401"/>
-              </a:spcBef>
-              <a:buClr>
-                <a:srgbClr val="000000"/>
-              </a:buClr>
-              <a:buFont typeface="Arial"/>
-              <a:buChar char="•"/>
-            </a:pPr>
-            <a:r>
-              <a:rPr b="0" lang="en-US" sz="11520" strike="noStrike" u="none">
-                <a:solidFill>
-                  <a:schemeClr val="dk1"/>
-                </a:solidFill>
-                <a:effectLst/>
-                <a:uFillTx/>
-                <a:latin typeface="Aptos"/>
-              </a:rPr>
-              <a:t>Second level</a:t>
-            </a:r>
-            <a:endParaRPr b="0" lang="en-US" sz="11520" strike="noStrike" u="none">
-              <a:solidFill>
-                <a:schemeClr val="dk1"/>
-              </a:solidFill>
-              <a:effectLst/>
-              <a:uFillTx/>
-              <a:latin typeface="Aptos"/>
-            </a:endParaRPr>
-          </a:p>
-          <a:p>
-            <a:pPr lvl="2" marL="5486400" indent="-1097280" defTabSz="4389120">
-              <a:lnSpc>
-                <a:spcPct val="90000"/>
-              </a:lnSpc>
-              <a:spcBef>
-                <a:spcPts val="2401"/>
-              </a:spcBef>
-              <a:buClr>
-                <a:srgbClr val="000000"/>
-              </a:buClr>
-              <a:buFont typeface="Arial"/>
-              <a:buChar char="•"/>
-            </a:pPr>
-            <a:r>
-              <a:rPr b="0" lang="en-US" sz="9600" strike="noStrike" u="none">
-                <a:solidFill>
-                  <a:schemeClr val="dk1"/>
-                </a:solidFill>
-                <a:effectLst/>
-                <a:uFillTx/>
-                <a:latin typeface="Aptos"/>
-              </a:rPr>
-              <a:t>Third level</a:t>
-            </a:r>
-            <a:endParaRPr b="0" lang="en-US" sz="9600" strike="noStrike" u="none">
-              <a:solidFill>
-                <a:schemeClr val="dk1"/>
-              </a:solidFill>
-              <a:effectLst/>
-              <a:uFillTx/>
-              <a:latin typeface="Aptos"/>
-            </a:endParaRPr>
-          </a:p>
-          <a:p>
-            <a:pPr lvl="3" marL="7680960" indent="-1097280" defTabSz="4389120">
-              <a:lnSpc>
-                <a:spcPct val="90000"/>
-              </a:lnSpc>
-              <a:spcBef>
-                <a:spcPts val="2401"/>
-              </a:spcBef>
-              <a:buClr>
-                <a:srgbClr val="000000"/>
-              </a:buClr>
-              <a:buFont typeface="Arial"/>
-              <a:buChar char="•"/>
-            </a:pPr>
-            <a:r>
-              <a:rPr b="0" lang="en-US" sz="8640" strike="noStrike" u="none">
-                <a:solidFill>
-                  <a:schemeClr val="dk1"/>
-                </a:solidFill>
-                <a:effectLst/>
-                <a:uFillTx/>
-                <a:latin typeface="Aptos"/>
-              </a:rPr>
-              <a:t>Fourth level</a:t>
-            </a:r>
-            <a:endParaRPr b="0" lang="en-US" sz="8640" strike="noStrike" u="none">
-              <a:solidFill>
-                <a:schemeClr val="dk1"/>
-              </a:solidFill>
-              <a:effectLst/>
-              <a:uFillTx/>
-              <a:latin typeface="Aptos"/>
-            </a:endParaRPr>
-          </a:p>
-          <a:p>
-            <a:pPr lvl="4" marL="9875520" indent="-1097280" defTabSz="4389120">
-              <a:lnSpc>
-                <a:spcPct val="90000"/>
-              </a:lnSpc>
-              <a:spcBef>
-                <a:spcPts val="2401"/>
-              </a:spcBef>
-              <a:buClr>
-                <a:srgbClr val="000000"/>
-              </a:buClr>
-              <a:buFont typeface="Arial"/>
-              <a:buChar char="•"/>
-            </a:pPr>
-            <a:r>
-              <a:rPr b="0" lang="en-US" sz="8640" strike="noStrike" u="none">
-                <a:solidFill>
-                  <a:schemeClr val="dk1"/>
-                </a:solidFill>
-                <a:effectLst/>
-                <a:uFillTx/>
-                <a:latin typeface="Aptos"/>
-              </a:rPr>
-              <a:t>Fifth level</a:t>
-            </a:r>
-            <a:endParaRPr b="0" lang="en-US" sz="8640" strike="noStrike" u="none">
-              <a:solidFill>
-                <a:schemeClr val="dk1"/>
-              </a:solidFill>
-              <a:effectLst/>
-              <a:uFillTx/>
-              <a:latin typeface="Aptos"/>
+              <a:t>Click icon to add picture</a:t>
+            </a:r>
+            <a:endParaRPr b="0" lang="en-US" sz="15360" strike="noStrike" u="none">
+              <a:solidFill>
+                <a:srgbClr val="000000"/>
+              </a:solidFill>
+              <a:effectLst/>
+              <a:uFillTx/>
+              <a:latin typeface="Nimbus Roman"/>
             </a:endParaRPr>
           </a:p>
         </p:txBody>
       </p:sp>
       <p:sp>
         <p:nvSpPr>
-          <p:cNvPr id="38" name="PlaceHolder 3"/>
+          <p:cNvPr id="39" name="PlaceHolder 3"/>
+          <p:cNvSpPr>
+            <a:spLocks noGrp="1"/>
+          </p:cNvSpPr>
+          <p:nvPr>
+            <p:ph type="body"/>
+          </p:nvPr>
+        </p:nvSpPr>
+        <p:spPr>
+          <a:xfrm>
+            <a:off x="3023280" y="9875520"/>
+            <a:ext cx="14154480" cy="18294120"/>
+          </a:xfrm>
+          <a:prstGeom prst="rect">
+            <a:avLst/>
+          </a:prstGeom>
+          <a:noFill/>
+          <a:ln w="0">
+            <a:noFill/>
+          </a:ln>
+        </p:spPr>
+        <p:txBody>
+          <a:bodyPr lIns="91440" rIns="91440" tIns="45720" bIns="45720" anchor="t">
+            <a:noAutofit/>
+          </a:bodyPr>
+          <a:p>
+            <a:pPr marL="228600" indent="0" defTabSz="4389120">
+              <a:lnSpc>
+                <a:spcPct val="90000"/>
+              </a:lnSpc>
+              <a:spcBef>
+                <a:spcPts val="4799"/>
+              </a:spcBef>
+              <a:buNone/>
+              <a:tabLst>
+                <a:tab algn="l" pos="0"/>
+              </a:tabLst>
+            </a:pPr>
+            <a:r>
+              <a:rPr b="0" lang="en-US" sz="7680" strike="noStrike" u="none">
+                <a:solidFill>
+                  <a:schemeClr val="dk1"/>
+                </a:solidFill>
+                <a:effectLst/>
+                <a:uFillTx/>
+                <a:latin typeface="Aptos"/>
+              </a:rPr>
+              <a:t>Click to edit Master text styles</a:t>
+            </a:r>
+            <a:endParaRPr b="0" lang="en-US" sz="7680" strike="noStrike" u="none">
+              <a:solidFill>
+                <a:srgbClr val="000000"/>
+              </a:solidFill>
+              <a:effectLst/>
+              <a:uFillTx/>
+              <a:latin typeface="Nimbus Roman"/>
+            </a:endParaRPr>
+          </a:p>
+        </p:txBody>
+      </p:sp>
+      <p:sp>
+        <p:nvSpPr>
+          <p:cNvPr id="40" name="PlaceHolder 4"/>
           <p:cNvSpPr>
             <a:spLocks noGrp="1"/>
           </p:cNvSpPr>
@@ -5333,7 +6127,7 @@
         <p:spPr>
           <a:xfrm>
             <a:off x="3017520" y="30510360"/>
-            <a:ext cx="9874440" cy="1751400"/>
+            <a:ext cx="9874080" cy="1751040"/>
           </a:xfrm>
           <a:prstGeom prst="rect">
             <a:avLst/>
@@ -5404,7 +6198,7 @@
       </p:sp>
       <p:sp>
         <p:nvSpPr>
-          <p:cNvPr id="39" name="PlaceHolder 4"/>
+          <p:cNvPr id="41" name="PlaceHolder 5"/>
           <p:cNvSpPr>
             <a:spLocks noGrp="1"/>
           </p:cNvSpPr>
@@ -5415,7 +6209,7 @@
         <p:spPr>
           <a:xfrm>
             <a:off x="14538960" y="30510360"/>
-            <a:ext cx="14812200" cy="1751400"/>
+            <a:ext cx="14811840" cy="1751040"/>
           </a:xfrm>
           <a:prstGeom prst="rect">
             <a:avLst/>
@@ -5482,7 +6276,7 @@
       </p:sp>
       <p:sp>
         <p:nvSpPr>
-          <p:cNvPr id="40" name="PlaceHolder 5"/>
+          <p:cNvPr id="42" name="PlaceHolder 6"/>
           <p:cNvSpPr>
             <a:spLocks noGrp="1"/>
           </p:cNvSpPr>
@@ -5493,7 +6287,7 @@
         <p:spPr>
           <a:xfrm>
             <a:off x="30998160" y="30510360"/>
-            <a:ext cx="9874440" cy="1751400"/>
+            <a:ext cx="9874080" cy="1751040"/>
           </a:xfrm>
           <a:prstGeom prst="rect">
             <a:avLst/>
@@ -5538,7 +6332,7 @@
                 <a:tab algn="l" pos="0"/>
               </a:tabLst>
             </a:pPr>
-            <a:fld id="{49A36007-07C4-4A37-BF9D-C01C88379767}" type="slidenum">
+            <a:fld id="{29ADF0B1-05E6-4145-93C0-DCF17F330001}" type="slidenum">
               <a:rPr b="0" lang="en-US" sz="5760" strike="noStrike" u="none">
                 <a:solidFill>
                   <a:schemeClr val="dk1">
@@ -5568,8 +6362,8 @@
 </file>
 
 <file path=ppt/slideLayouts/slideLayout9.xml><?xml version="1.0" encoding="utf-8"?>
-<p:sldLayout xmlns:a="http://schemas.openxmlformats.org/drawingml/2006/main" xmlns:p="http://schemas.openxmlformats.org/presentationml/2006/main" xmlns:r="http://schemas.openxmlformats.org/officeDocument/2006/relationships" xmlns:p14="http://schemas.microsoft.com/office/powerpoint/2010/main" xmlns:p15="http://schemas.microsoft.com/office/powerpoint/2012/main" xmlns:mc="http://schemas.openxmlformats.org/markup-compatibility/2006" type="obj" preserve="1">
-  <p:cSld name="Title and Content">
+<p:sldLayout xmlns:a="http://schemas.openxmlformats.org/drawingml/2006/main" xmlns:p="http://schemas.openxmlformats.org/presentationml/2006/main" xmlns:r="http://schemas.openxmlformats.org/officeDocument/2006/relationships" xmlns:p14="http://schemas.microsoft.com/office/powerpoint/2010/main" xmlns:p15="http://schemas.microsoft.com/office/powerpoint/2012/main" xmlns:mc="http://schemas.openxmlformats.org/markup-compatibility/2006" type="tx" preserve="1">
+  <p:cSld name="Title Slide">
     <p:bg>
       <p:bgPr>
         <a:solidFill>
@@ -5593,7 +6387,7 @@
       </p:grpSpPr>
       <p:sp>
         <p:nvSpPr>
-          <p:cNvPr id="41" name="PlaceHolder 1"/>
+          <p:cNvPr id="48" name="PlaceHolder 1"/>
           <p:cNvSpPr>
             <a:spLocks noGrp="1"/>
           </p:cNvSpPr>
@@ -5603,8 +6397,8 @@
         </p:nvSpPr>
         <p:spPr>
           <a:xfrm>
-            <a:off x="3017520" y="1752480"/>
-            <a:ext cx="37855080" cy="6361560"/>
+            <a:off x="3291840" y="5387400"/>
+            <a:ext cx="37306080" cy="11459160"/>
           </a:xfrm>
           <a:prstGeom prst="rect">
             <a:avLst/>
@@ -5615,11 +6409,11 @@
           </a:ln>
         </p:spPr>
         <p:txBody>
-          <a:bodyPr lIns="91440" rIns="91440" tIns="45720" bIns="45720" anchor="ctr">
+          <a:bodyPr lIns="91440" rIns="91440" tIns="45720" bIns="45720" anchor="b">
             <a:noAutofit/>
           </a:bodyPr>
           <a:p>
-            <a:pPr indent="0" defTabSz="4389120">
+            <a:pPr indent="0" algn="ctr" defTabSz="4389120">
               <a:lnSpc>
                 <a:spcPct val="90000"/>
               </a:lnSpc>
@@ -5629,7 +6423,7 @@
               </a:tabLst>
             </a:pPr>
             <a:r>
-              <a:rPr b="0" lang="en-US" sz="21120" strike="noStrike" u="none">
+              <a:rPr b="0" lang="en-US" sz="28800" strike="noStrike" u="none">
                 <a:solidFill>
                   <a:schemeClr val="dk1"/>
                 </a:solidFill>
@@ -5639,230 +6433,31 @@
               </a:rPr>
               <a:t>Click to edit Master title style</a:t>
             </a:r>
-            <a:endParaRPr b="0" lang="en-US" sz="21120" strike="noStrike" u="none">
-              <a:solidFill>
-                <a:schemeClr val="dk1"/>
-              </a:solidFill>
-              <a:effectLst/>
-              <a:uFillTx/>
-              <a:latin typeface="Aptos"/>
+            <a:endParaRPr b="0" lang="en-US" sz="28800" strike="noStrike" u="none">
+              <a:solidFill>
+                <a:srgbClr val="000000"/>
+              </a:solidFill>
+              <a:effectLst/>
+              <a:uFillTx/>
+              <a:latin typeface="Nimbus Roman"/>
             </a:endParaRPr>
           </a:p>
         </p:txBody>
       </p:sp>
       <p:sp>
         <p:nvSpPr>
-          <p:cNvPr id="42" name="PlaceHolder 2"/>
+          <p:cNvPr id="49" name="PlaceHolder 2"/>
           <p:cNvSpPr>
             <a:spLocks noGrp="1"/>
           </p:cNvSpPr>
           <p:nvPr>
-            <p:ph type="body"/>
-          </p:nvPr>
-        </p:nvSpPr>
-        <p:spPr>
-          <a:xfrm>
-            <a:off x="3017520" y="8763120"/>
-            <a:ext cx="37855080" cy="20885400"/>
-          </a:xfrm>
-          <a:prstGeom prst="rect">
-            <a:avLst/>
-          </a:prstGeom>
-          <a:noFill/>
-          <a:ln w="0">
-            <a:noFill/>
-          </a:ln>
-        </p:spPr>
-        <p:txBody>
-          <a:bodyPr lIns="91440" rIns="91440" tIns="45720" bIns="45720" anchor="t">
-            <a:noAutofit/>
-          </a:bodyPr>
-          <a:p>
-            <a:pPr marL="1097280" indent="-1097280" defTabSz="4389120">
-              <a:lnSpc>
-                <a:spcPct val="90000"/>
-              </a:lnSpc>
-              <a:spcBef>
-                <a:spcPts val="4799"/>
-              </a:spcBef>
-              <a:buClr>
-                <a:srgbClr val="000000"/>
-              </a:buClr>
-              <a:buFont typeface="Arial"/>
-              <a:buChar char="•"/>
-            </a:pPr>
-            <a:r>
-              <a:rPr b="0" lang="en-US" sz="13439" strike="noStrike" u="none">
-                <a:solidFill>
-                  <a:schemeClr val="dk1"/>
-                </a:solidFill>
-                <a:effectLst/>
-                <a:uFillTx/>
-                <a:latin typeface="Aptos"/>
-              </a:rPr>
-              <a:t>Click to edit Master text styles</a:t>
-            </a:r>
-            <a:endParaRPr b="0" lang="en-US" sz="13439" strike="noStrike" u="none">
-              <a:solidFill>
-                <a:schemeClr val="dk1"/>
-              </a:solidFill>
-              <a:effectLst/>
-              <a:uFillTx/>
-              <a:latin typeface="Aptos"/>
-            </a:endParaRPr>
-          </a:p>
-          <a:p>
-            <a:pPr lvl="1" marL="3291840" indent="-1097280" defTabSz="4389120">
-              <a:lnSpc>
-                <a:spcPct val="90000"/>
-              </a:lnSpc>
-              <a:spcBef>
-                <a:spcPts val="2401"/>
-              </a:spcBef>
-              <a:buClr>
-                <a:srgbClr val="000000"/>
-              </a:buClr>
-              <a:buFont typeface="Arial"/>
-              <a:buChar char="•"/>
-            </a:pPr>
-            <a:r>
-              <a:rPr b="0" lang="en-US" sz="11520" strike="noStrike" u="none">
-                <a:solidFill>
-                  <a:schemeClr val="dk1"/>
-                </a:solidFill>
-                <a:effectLst/>
-                <a:uFillTx/>
-                <a:latin typeface="Aptos"/>
-              </a:rPr>
-              <a:t>Second level</a:t>
-            </a:r>
-            <a:endParaRPr b="0" lang="en-US" sz="11520" strike="noStrike" u="none">
-              <a:solidFill>
-                <a:schemeClr val="dk1"/>
-              </a:solidFill>
-              <a:effectLst/>
-              <a:uFillTx/>
-              <a:latin typeface="Aptos"/>
-            </a:endParaRPr>
-          </a:p>
-          <a:p>
-            <a:pPr lvl="2" marL="5486400" indent="-1097280" defTabSz="4389120">
-              <a:lnSpc>
-                <a:spcPct val="90000"/>
-              </a:lnSpc>
-              <a:spcBef>
-                <a:spcPts val="2401"/>
-              </a:spcBef>
-              <a:buClr>
-                <a:srgbClr val="000000"/>
-              </a:buClr>
-              <a:buFont typeface="Arial"/>
-              <a:buChar char="•"/>
-            </a:pPr>
-            <a:r>
-              <a:rPr b="0" lang="en-US" sz="9600" strike="noStrike" u="none">
-                <a:solidFill>
-                  <a:schemeClr val="dk1"/>
-                </a:solidFill>
-                <a:effectLst/>
-                <a:uFillTx/>
-                <a:latin typeface="Aptos"/>
-              </a:rPr>
-              <a:t>Third level</a:t>
-            </a:r>
-            <a:endParaRPr b="0" lang="en-US" sz="9600" strike="noStrike" u="none">
-              <a:solidFill>
-                <a:schemeClr val="dk1"/>
-              </a:solidFill>
-              <a:effectLst/>
-              <a:uFillTx/>
-              <a:latin typeface="Aptos"/>
-            </a:endParaRPr>
-          </a:p>
-          <a:p>
-            <a:pPr lvl="3" marL="7680960" indent="-1097280" defTabSz="4389120">
-              <a:lnSpc>
-                <a:spcPct val="90000"/>
-              </a:lnSpc>
-              <a:spcBef>
-                <a:spcPts val="2401"/>
-              </a:spcBef>
-              <a:buClr>
-                <a:srgbClr val="000000"/>
-              </a:buClr>
-              <a:buFont typeface="Arial"/>
-              <a:buChar char="•"/>
-            </a:pPr>
-            <a:r>
-              <a:rPr b="0" lang="en-US" sz="8640" strike="noStrike" u="none">
-                <a:solidFill>
-                  <a:schemeClr val="dk1"/>
-                </a:solidFill>
-                <a:effectLst/>
-                <a:uFillTx/>
-                <a:latin typeface="Aptos"/>
-              </a:rPr>
-              <a:t>Fourth level</a:t>
-            </a:r>
-            <a:endParaRPr b="0" lang="en-US" sz="8640" strike="noStrike" u="none">
-              <a:solidFill>
-                <a:schemeClr val="dk1"/>
-              </a:solidFill>
-              <a:effectLst/>
-              <a:uFillTx/>
-              <a:latin typeface="Aptos"/>
-            </a:endParaRPr>
-          </a:p>
-          <a:p>
-            <a:pPr lvl="4" marL="9875520" indent="-1097280" defTabSz="4389120">
-              <a:lnSpc>
-                <a:spcPct val="90000"/>
-              </a:lnSpc>
-              <a:spcBef>
-                <a:spcPts val="2401"/>
-              </a:spcBef>
-              <a:buClr>
-                <a:srgbClr val="000000"/>
-              </a:buClr>
-              <a:buFont typeface="Arial"/>
-              <a:buChar char="•"/>
-            </a:pPr>
-            <a:r>
-              <a:rPr b="0" lang="en-US" sz="8640" strike="noStrike" u="none">
-                <a:solidFill>
-                  <a:schemeClr val="dk1"/>
-                </a:solidFill>
-                <a:effectLst/>
-                <a:uFillTx/>
-                <a:latin typeface="Aptos"/>
-              </a:rPr>
-              <a:t>Fifth level</a:t>
-            </a:r>
-            <a:endParaRPr b="0" lang="en-US" sz="8640" strike="noStrike" u="none">
-              <a:solidFill>
-                <a:schemeClr val="dk1"/>
-              </a:solidFill>
-              <a:effectLst/>
-              <a:uFillTx/>
-              <a:latin typeface="Aptos"/>
-            </a:endParaRPr>
-          </a:p>
-        </p:txBody>
-      </p:sp>
-      <p:sp>
-        <p:nvSpPr>
-          <p:cNvPr id="43" name="PlaceHolder 3"/>
-          <p:cNvSpPr>
-            <a:spLocks noGrp="1"/>
-          </p:cNvSpPr>
-          <p:nvPr>
-            <p:ph type="dt" idx="25"/>
+            <p:ph type="dt" idx="28"/>
           </p:nvPr>
         </p:nvSpPr>
         <p:spPr>
           <a:xfrm>
             <a:off x="3017520" y="30510360"/>
-            <a:ext cx="9874440" cy="1751400"/>
+            <a:ext cx="9874080" cy="1751040"/>
           </a:xfrm>
           <a:prstGeom prst="rect">
             <a:avLst/>
@@ -5933,18 +6528,18 @@
       </p:sp>
       <p:sp>
         <p:nvSpPr>
-          <p:cNvPr id="44" name="PlaceHolder 4"/>
+          <p:cNvPr id="50" name="PlaceHolder 3"/>
           <p:cNvSpPr>
             <a:spLocks noGrp="1"/>
           </p:cNvSpPr>
           <p:nvPr>
-            <p:ph type="ftr" idx="26"/>
+            <p:ph type="ftr" idx="29"/>
           </p:nvPr>
         </p:nvSpPr>
         <p:spPr>
           <a:xfrm>
             <a:off x="14538960" y="30510360"/>
-            <a:ext cx="14812200" cy="1751400"/>
+            <a:ext cx="14811840" cy="1751040"/>
           </a:xfrm>
           <a:prstGeom prst="rect">
             <a:avLst/>
@@ -6011,18 +6606,18 @@
       </p:sp>
       <p:sp>
         <p:nvSpPr>
-          <p:cNvPr id="45" name="PlaceHolder 5"/>
+          <p:cNvPr id="51" name="PlaceHolder 4"/>
           <p:cNvSpPr>
             <a:spLocks noGrp="1"/>
           </p:cNvSpPr>
           <p:nvPr>
-            <p:ph type="sldNum" idx="27"/>
+            <p:ph type="sldNum" idx="30"/>
           </p:nvPr>
         </p:nvSpPr>
         <p:spPr>
           <a:xfrm>
             <a:off x="30998160" y="30510360"/>
-            <a:ext cx="9874440" cy="1751400"/>
+            <a:ext cx="9874080" cy="1751040"/>
           </a:xfrm>
           <a:prstGeom prst="rect">
             <a:avLst/>
@@ -6067,7 +6662,7 @@
                 <a:tab algn="l" pos="0"/>
               </a:tabLst>
             </a:pPr>
-            <a:fld id="{6C7CDD0C-0693-4F9A-AA78-98D3AC999529}" type="slidenum">
+            <a:fld id="{672AE84A-F89E-4E52-864F-FE80BE67FF1E}" type="slidenum">
               <a:rPr b="0" lang="en-US" sz="5760" strike="noStrike" u="none">
                 <a:solidFill>
                   <a:schemeClr val="dk1">
@@ -6081,6 +6676,259 @@
               <a:t>&lt;number&gt;</a:t>
             </a:fld>
             <a:endParaRPr b="0" lang="en-US" sz="5760" strike="noStrike" u="none">
+              <a:solidFill>
+                <a:srgbClr val="000000"/>
+              </a:solidFill>
+              <a:effectLst/>
+              <a:uFillTx/>
+              <a:latin typeface="Nimbus Roman"/>
+            </a:endParaRPr>
+          </a:p>
+        </p:txBody>
+      </p:sp>
+      <p:sp>
+        <p:nvSpPr>
+          <p:cNvPr id="52" name="PlaceHolder 5"/>
+          <p:cNvSpPr>
+            <a:spLocks noGrp="1"/>
+          </p:cNvSpPr>
+          <p:nvPr>
+            <p:ph type="body"/>
+          </p:nvPr>
+        </p:nvSpPr>
+        <p:spPr>
+          <a:xfrm>
+            <a:off x="2194560" y="7702560"/>
+            <a:ext cx="39501720" cy="19092240"/>
+          </a:xfrm>
+          <a:prstGeom prst="rect">
+            <a:avLst/>
+          </a:prstGeom>
+          <a:noFill/>
+          <a:ln w="0">
+            <a:noFill/>
+          </a:ln>
+        </p:spPr>
+        <p:txBody>
+          <a:bodyPr lIns="0" rIns="0" tIns="0" bIns="0" anchor="t">
+            <a:normAutofit/>
+          </a:bodyPr>
+          <a:p>
+            <a:pPr marL="432000" indent="-324000">
+              <a:spcBef>
+                <a:spcPts val="1417"/>
+              </a:spcBef>
+              <a:buClr>
+                <a:srgbClr val="000000"/>
+              </a:buClr>
+              <a:buSzPct val="45000"/>
+              <a:buFont typeface="Wingdings" charset="2"/>
+              <a:buChar char=""/>
+            </a:pPr>
+            <a:r>
+              <a:rPr b="0" lang="en-US" sz="3200" strike="noStrike" u="none">
+                <a:solidFill>
+                  <a:srgbClr val="000000"/>
+                </a:solidFill>
+                <a:effectLst/>
+                <a:uFillTx/>
+                <a:latin typeface="Nimbus Roman"/>
+              </a:rPr>
+              <a:t>Click to edit the outline text format</a:t>
+            </a:r>
+            <a:endParaRPr b="0" lang="en-US" sz="3200" strike="noStrike" u="none">
+              <a:solidFill>
+                <a:srgbClr val="000000"/>
+              </a:solidFill>
+              <a:effectLst/>
+              <a:uFillTx/>
+              <a:latin typeface="Nimbus Roman"/>
+            </a:endParaRPr>
+          </a:p>
+          <a:p>
+            <a:pPr lvl="1" marL="864000" indent="-324000">
+              <a:spcBef>
+                <a:spcPts val="1134"/>
+              </a:spcBef>
+              <a:buClr>
+                <a:srgbClr val="000000"/>
+              </a:buClr>
+              <a:buSzPct val="75000"/>
+              <a:buFont typeface="Symbol" charset="2"/>
+              <a:buChar char=""/>
+            </a:pPr>
+            <a:r>
+              <a:rPr b="0" lang="en-US" sz="2800" strike="noStrike" u="none">
+                <a:solidFill>
+                  <a:srgbClr val="000000"/>
+                </a:solidFill>
+                <a:effectLst/>
+                <a:uFillTx/>
+                <a:latin typeface="Nimbus Roman"/>
+              </a:rPr>
+              <a:t>Second Outline Level</a:t>
+            </a:r>
+            <a:endParaRPr b="0" lang="en-US" sz="2800" strike="noStrike" u="none">
+              <a:solidFill>
+                <a:srgbClr val="000000"/>
+              </a:solidFill>
+              <a:effectLst/>
+              <a:uFillTx/>
+              <a:latin typeface="Nimbus Roman"/>
+            </a:endParaRPr>
+          </a:p>
+          <a:p>
+            <a:pPr lvl="2" marL="1296000" indent="-288000">
+              <a:spcBef>
+                <a:spcPts val="850"/>
+              </a:spcBef>
+              <a:buClr>
+                <a:srgbClr val="000000"/>
+              </a:buClr>
+              <a:buSzPct val="45000"/>
+              <a:buFont typeface="Wingdings" charset="2"/>
+              <a:buChar char=""/>
+            </a:pPr>
+            <a:r>
+              <a:rPr b="0" lang="en-US" sz="2400" strike="noStrike" u="none">
+                <a:solidFill>
+                  <a:srgbClr val="000000"/>
+                </a:solidFill>
+                <a:effectLst/>
+                <a:uFillTx/>
+                <a:latin typeface="Nimbus Roman"/>
+              </a:rPr>
+              <a:t>Third Outline Level</a:t>
+            </a:r>
+            <a:endParaRPr b="0" lang="en-US" sz="2400" strike="noStrike" u="none">
+              <a:solidFill>
+                <a:srgbClr val="000000"/>
+              </a:solidFill>
+              <a:effectLst/>
+              <a:uFillTx/>
+              <a:latin typeface="Nimbus Roman"/>
+            </a:endParaRPr>
+          </a:p>
+          <a:p>
+            <a:pPr lvl="3" marL="1728000" indent="-216000">
+              <a:spcBef>
+                <a:spcPts val="567"/>
+              </a:spcBef>
+              <a:buClr>
+                <a:srgbClr val="000000"/>
+              </a:buClr>
+              <a:buSzPct val="75000"/>
+              <a:buFont typeface="Symbol" charset="2"/>
+              <a:buChar char=""/>
+            </a:pPr>
+            <a:r>
+              <a:rPr b="0" lang="en-US" sz="2000" strike="noStrike" u="none">
+                <a:solidFill>
+                  <a:srgbClr val="000000"/>
+                </a:solidFill>
+                <a:effectLst/>
+                <a:uFillTx/>
+                <a:latin typeface="Nimbus Roman"/>
+              </a:rPr>
+              <a:t>Fourth Outline Level</a:t>
+            </a:r>
+            <a:endParaRPr b="0" lang="en-US" sz="2000" strike="noStrike" u="none">
+              <a:solidFill>
+                <a:srgbClr val="000000"/>
+              </a:solidFill>
+              <a:effectLst/>
+              <a:uFillTx/>
+              <a:latin typeface="Nimbus Roman"/>
+            </a:endParaRPr>
+          </a:p>
+          <a:p>
+            <a:pPr lvl="4" marL="2160000" indent="-216000">
+              <a:spcBef>
+                <a:spcPts val="283"/>
+              </a:spcBef>
+              <a:buClr>
+                <a:srgbClr val="000000"/>
+              </a:buClr>
+              <a:buSzPct val="45000"/>
+              <a:buFont typeface="Wingdings" charset="2"/>
+              <a:buChar char=""/>
+            </a:pPr>
+            <a:r>
+              <a:rPr b="0" lang="en-US" sz="2000" strike="noStrike" u="none">
+                <a:solidFill>
+                  <a:srgbClr val="000000"/>
+                </a:solidFill>
+                <a:effectLst/>
+                <a:uFillTx/>
+                <a:latin typeface="Nimbus Roman"/>
+              </a:rPr>
+              <a:t>Fifth Outline Level</a:t>
+            </a:r>
+            <a:endParaRPr b="0" lang="en-US" sz="2000" strike="noStrike" u="none">
+              <a:solidFill>
+                <a:srgbClr val="000000"/>
+              </a:solidFill>
+              <a:effectLst/>
+              <a:uFillTx/>
+              <a:latin typeface="Nimbus Roman"/>
+            </a:endParaRPr>
+          </a:p>
+          <a:p>
+            <a:pPr lvl="5" marL="2592000" indent="-216000">
+              <a:spcBef>
+                <a:spcPts val="283"/>
+              </a:spcBef>
+              <a:buClr>
+                <a:srgbClr val="000000"/>
+              </a:buClr>
+              <a:buSzPct val="45000"/>
+              <a:buFont typeface="Wingdings" charset="2"/>
+              <a:buChar char=""/>
+            </a:pPr>
+            <a:r>
+              <a:rPr b="0" lang="en-US" sz="2000" strike="noStrike" u="none">
+                <a:solidFill>
+                  <a:srgbClr val="000000"/>
+                </a:solidFill>
+                <a:effectLst/>
+                <a:uFillTx/>
+                <a:latin typeface="Nimbus Roman"/>
+              </a:rPr>
+              <a:t>Sixth Outline Level</a:t>
+            </a:r>
+            <a:endParaRPr b="0" lang="en-US" sz="2000" strike="noStrike" u="none">
+              <a:solidFill>
+                <a:srgbClr val="000000"/>
+              </a:solidFill>
+              <a:effectLst/>
+              <a:uFillTx/>
+              <a:latin typeface="Nimbus Roman"/>
+            </a:endParaRPr>
+          </a:p>
+          <a:p>
+            <a:pPr lvl="6" marL="3024000" indent="-216000">
+              <a:spcBef>
+                <a:spcPts val="283"/>
+              </a:spcBef>
+              <a:buClr>
+                <a:srgbClr val="000000"/>
+              </a:buClr>
+              <a:buSzPct val="45000"/>
+              <a:buFont typeface="Wingdings" charset="2"/>
+              <a:buChar char=""/>
+            </a:pPr>
+            <a:r>
+              <a:rPr b="0" lang="en-US" sz="2000" strike="noStrike" u="none">
+                <a:solidFill>
+                  <a:srgbClr val="000000"/>
+                </a:solidFill>
+                <a:effectLst/>
+                <a:uFillTx/>
+                <a:latin typeface="Nimbus Roman"/>
+              </a:rPr>
+              <a:t>Seventh Outline Level</a:t>
+            </a:r>
+            <a:endParaRPr b="0" lang="en-US" sz="2000" strike="noStrike" u="none">
               <a:solidFill>
                 <a:srgbClr val="000000"/>
               </a:solidFill>
@@ -6128,6 +6976,7 @@
     <p:sldLayoutId id="2147483657" r:id="rId10"/>
     <p:sldLayoutId id="2147483658" r:id="rId11"/>
     <p:sldLayoutId id="2147483659" r:id="rId12"/>
+    <p:sldLayoutId id="2147483660" r:id="rId13"/>
   </p:sldLayoutIdLst>
 </p:sldMaster>
 </file>
@@ -6151,14 +7000,14 @@
       </p:grpSpPr>
       <p:sp>
         <p:nvSpPr>
-          <p:cNvPr id="63" name="Rectangle 3"/>
+          <p:cNvPr id="69" name="Rectangle 3"/>
           <p:cNvSpPr/>
           <p:nvPr/>
         </p:nvSpPr>
         <p:spPr>
           <a:xfrm>
             <a:off x="0" y="0"/>
-            <a:ext cx="43890120" cy="5486040"/>
+            <a:ext cx="43889760" cy="5485680"/>
           </a:xfrm>
           <a:prstGeom prst="rect">
             <a:avLst/>
@@ -6207,7 +7056,7 @@
       </p:sp>
       <p:pic>
         <p:nvPicPr>
-          <p:cNvPr id="64" name="Picture 2" descr=""/>
+          <p:cNvPr id="70" name="Picture 2" descr=""/>
           <p:cNvPicPr/>
           <p:nvPr/>
         </p:nvPicPr>
@@ -6218,7 +7067,7 @@
         <p:spPr>
           <a:xfrm>
             <a:off x="707760" y="972000"/>
-            <a:ext cx="4997160" cy="3440880"/>
+            <a:ext cx="4996800" cy="3440520"/>
           </a:xfrm>
           <a:prstGeom prst="rect">
             <a:avLst/>
@@ -6231,28 +7080,28 @@
       </p:pic>
       <p:grpSp>
         <p:nvGrpSpPr>
-          <p:cNvPr id="65" name="Group 17"/>
+          <p:cNvPr id="71" name="Group 17"/>
           <p:cNvGrpSpPr/>
           <p:nvPr/>
         </p:nvGrpSpPr>
         <p:grpSpPr>
           <a:xfrm>
             <a:off x="6514920" y="159840"/>
-            <a:ext cx="34861680" cy="5003280"/>
+            <a:ext cx="34861320" cy="5002560"/>
             <a:chOff x="6514920" y="159840"/>
-            <a:chExt cx="34861680" cy="5003280"/>
+            <a:chExt cx="34861320" cy="5002560"/>
           </a:xfrm>
         </p:grpSpPr>
         <p:sp>
           <p:nvSpPr>
-            <p:cNvPr id="66" name="Text Box 16"/>
+            <p:cNvPr id="72" name="Text Box 16"/>
             <p:cNvSpPr/>
             <p:nvPr/>
           </p:nvSpPr>
           <p:spPr>
             <a:xfrm>
               <a:off x="6514920" y="159840"/>
-              <a:ext cx="34861680" cy="3016440"/>
+              <a:ext cx="34861320" cy="3015720"/>
             </a:xfrm>
             <a:prstGeom prst="rect">
               <a:avLst/>
@@ -6302,14 +7151,14 @@
         </p:sp>
         <p:sp>
           <p:nvSpPr>
-            <p:cNvPr id="67" name="Text Box 16"/>
+            <p:cNvPr id="73" name="Text Box 16"/>
             <p:cNvSpPr/>
             <p:nvPr/>
           </p:nvSpPr>
           <p:spPr>
             <a:xfrm>
               <a:off x="8112240" y="3243960"/>
-              <a:ext cx="29153520" cy="1919160"/>
+              <a:ext cx="29153160" cy="1918440"/>
             </a:xfrm>
             <a:prstGeom prst="rect">
               <a:avLst/>
@@ -6386,28 +7235,28 @@
       </p:grpSp>
       <p:grpSp>
         <p:nvGrpSpPr>
-          <p:cNvPr id="68" name="Group 14"/>
+          <p:cNvPr id="74" name="Group 14"/>
           <p:cNvGrpSpPr/>
           <p:nvPr/>
         </p:nvGrpSpPr>
         <p:grpSpPr>
           <a:xfrm>
             <a:off x="914400" y="6400800"/>
-            <a:ext cx="12801240" cy="9143640"/>
+            <a:ext cx="12800880" cy="9372600"/>
             <a:chOff x="914400" y="6400800"/>
-            <a:chExt cx="12801240" cy="9143640"/>
+            <a:chExt cx="12800880" cy="9372600"/>
           </a:xfrm>
         </p:grpSpPr>
         <p:sp>
           <p:nvSpPr>
-            <p:cNvPr id="69" name="Round Same Side Corner Rectangle 16"/>
+            <p:cNvPr id="75" name="Round Same Side Corner Rectangle 16"/>
             <p:cNvSpPr/>
             <p:nvPr/>
           </p:nvSpPr>
           <p:spPr>
             <a:xfrm>
-              <a:off x="914400" y="7750080"/>
-              <a:ext cx="12801240" cy="7794360"/>
+              <a:off x="914400" y="7783920"/>
+              <a:ext cx="12800880" cy="7989480"/>
             </a:xfrm>
             <a:prstGeom prst="round2SameRect">
               <a:avLst>
@@ -6723,14 +7572,14 @@
         </p:sp>
         <p:sp>
           <p:nvSpPr>
-            <p:cNvPr id="70" name="Round Same Side Corner Rectangle 15"/>
+            <p:cNvPr id="76" name="Round Same Side Corner Rectangle 15"/>
             <p:cNvSpPr/>
             <p:nvPr/>
           </p:nvSpPr>
           <p:spPr>
             <a:xfrm>
               <a:off x="914400" y="6400800"/>
-              <a:ext cx="12801240" cy="1348920"/>
+              <a:ext cx="12800880" cy="1382400"/>
             </a:xfrm>
             <a:prstGeom prst="round2SameRect">
               <a:avLst>
@@ -6796,28 +7645,28 @@
       </p:grpSp>
       <p:grpSp>
         <p:nvGrpSpPr>
-          <p:cNvPr id="71" name="Group 20"/>
+          <p:cNvPr id="77" name="Group 20"/>
           <p:cNvGrpSpPr/>
           <p:nvPr/>
         </p:nvGrpSpPr>
         <p:grpSpPr>
           <a:xfrm>
             <a:off x="914400" y="16459200"/>
-            <a:ext cx="12801240" cy="16040520"/>
+            <a:ext cx="12800880" cy="16040160"/>
             <a:chOff x="914400" y="16459200"/>
-            <a:chExt cx="12801240" cy="16040520"/>
+            <a:chExt cx="12800880" cy="16040160"/>
           </a:xfrm>
         </p:grpSpPr>
         <p:sp>
           <p:nvSpPr>
-            <p:cNvPr id="72" name="Round Same Side Corner Rectangle 20"/>
+            <p:cNvPr id="78" name="Round Same Side Corner Rectangle 20"/>
             <p:cNvSpPr/>
             <p:nvPr/>
           </p:nvSpPr>
           <p:spPr>
             <a:xfrm>
               <a:off x="914400" y="16459200"/>
-              <a:ext cx="12801240" cy="1371240"/>
+              <a:ext cx="12800880" cy="1370880"/>
             </a:xfrm>
             <a:prstGeom prst="round2SameRect">
               <a:avLst>
@@ -6882,14 +7731,14 @@
         </p:sp>
         <p:sp>
           <p:nvSpPr>
-            <p:cNvPr id="73" name="Round Same Side Corner Rectangle 19"/>
+            <p:cNvPr id="79" name="Round Same Side Corner Rectangle 19"/>
             <p:cNvSpPr/>
             <p:nvPr/>
           </p:nvSpPr>
           <p:spPr>
             <a:xfrm>
               <a:off x="914400" y="17830800"/>
-              <a:ext cx="12801240" cy="14668920"/>
+              <a:ext cx="12800880" cy="14668560"/>
             </a:xfrm>
             <a:prstGeom prst="round2SameRect">
               <a:avLst>
@@ -7236,28 +8085,28 @@
         </p:sp>
         <p:grpSp>
           <p:nvGrpSpPr>
-            <p:cNvPr id="74" name="Group 16"/>
+            <p:cNvPr id="80" name="Group 16"/>
             <p:cNvGrpSpPr/>
             <p:nvPr/>
           </p:nvGrpSpPr>
           <p:grpSpPr>
             <a:xfrm>
               <a:off x="1371240" y="27803520"/>
-              <a:ext cx="11887560" cy="4269240"/>
+              <a:ext cx="11887200" cy="4268880"/>
               <a:chOff x="1371240" y="27803520"/>
-              <a:chExt cx="11887560" cy="4269240"/>
+              <a:chExt cx="11887200" cy="4268880"/>
             </a:xfrm>
           </p:grpSpPr>
           <p:sp>
             <p:nvSpPr>
-              <p:cNvPr id="75" name="Rounded Rectangle 15"/>
+              <p:cNvPr id="81" name="Rounded Rectangle 15"/>
               <p:cNvSpPr/>
               <p:nvPr/>
             </p:nvSpPr>
             <p:spPr>
               <a:xfrm>
                 <a:off x="1371960" y="27803520"/>
-                <a:ext cx="11886840" cy="4269240"/>
+                <a:ext cx="11886480" cy="4268880"/>
               </a:xfrm>
               <a:prstGeom prst="roundRect">
                 <a:avLst>
@@ -7310,21 +8159,21 @@
           </p:sp>
           <p:grpSp>
             <p:nvGrpSpPr>
-              <p:cNvPr id="76" name="Group 14"/>
+              <p:cNvPr id="82" name="Group 14"/>
               <p:cNvGrpSpPr/>
               <p:nvPr/>
             </p:nvGrpSpPr>
             <p:grpSpPr>
               <a:xfrm>
                 <a:off x="1371240" y="28260720"/>
-                <a:ext cx="11886840" cy="3692520"/>
+                <a:ext cx="11886480" cy="3683160"/>
                 <a:chOff x="1371240" y="28260720"/>
-                <a:chExt cx="11886840" cy="3692520"/>
+                <a:chExt cx="11886480" cy="3683160"/>
               </a:xfrm>
             </p:grpSpPr>
             <p:pic>
               <p:nvPicPr>
-                <p:cNvPr id="77" name="Picture 2" descr=""/>
+                <p:cNvPr id="83" name="Picture 2" descr=""/>
                 <p:cNvPicPr/>
                 <p:nvPr/>
               </p:nvPicPr>
@@ -7335,7 +8184,7 @@
               <p:spPr>
                 <a:xfrm>
                   <a:off x="10058040" y="28262160"/>
-                  <a:ext cx="2742840" cy="2742840"/>
+                  <a:ext cx="2742480" cy="2742480"/>
                 </a:xfrm>
                 <a:prstGeom prst="rect">
                   <a:avLst/>
@@ -7348,7 +8197,7 @@
             </p:pic>
             <p:pic>
               <p:nvPicPr>
-                <p:cNvPr id="78" name="Picture 4" descr=""/>
+                <p:cNvPr id="84" name="Picture 4" descr=""/>
                 <p:cNvPicPr/>
                 <p:nvPr/>
               </p:nvPicPr>
@@ -7359,7 +8208,7 @@
               <p:spPr>
                 <a:xfrm>
                   <a:off x="4572000" y="28260720"/>
-                  <a:ext cx="2742840" cy="2742840"/>
+                  <a:ext cx="2742480" cy="2742480"/>
                 </a:xfrm>
                 <a:prstGeom prst="rect">
                   <a:avLst/>
@@ -7372,7 +8221,7 @@
             </p:pic>
             <p:pic>
               <p:nvPicPr>
-                <p:cNvPr id="79" name="Picture 6" descr=""/>
+                <p:cNvPr id="85" name="Picture 6" descr=""/>
                 <p:cNvPicPr/>
                 <p:nvPr/>
               </p:nvPicPr>
@@ -7383,7 +8232,7 @@
               <p:spPr>
                 <a:xfrm>
                   <a:off x="1828800" y="28260720"/>
-                  <a:ext cx="2742840" cy="2742840"/>
+                  <a:ext cx="2742480" cy="2742480"/>
                 </a:xfrm>
                 <a:prstGeom prst="rect">
                   <a:avLst/>
@@ -7396,7 +8245,7 @@
             </p:pic>
             <p:pic>
               <p:nvPicPr>
-                <p:cNvPr id="80" name="Picture 8" descr=""/>
+                <p:cNvPr id="86" name="Picture 8" descr=""/>
                 <p:cNvPicPr/>
                 <p:nvPr/>
               </p:nvPicPr>
@@ -7407,7 +8256,7 @@
               <p:spPr>
                 <a:xfrm>
                   <a:off x="7314840" y="28262160"/>
-                  <a:ext cx="2742840" cy="2742840"/>
+                  <a:ext cx="2742480" cy="2742480"/>
                 </a:xfrm>
                 <a:prstGeom prst="rect">
                   <a:avLst/>
@@ -7420,14 +8269,14 @@
             </p:pic>
             <p:sp>
               <p:nvSpPr>
-                <p:cNvPr id="81" name="TextBox 11"/>
+                <p:cNvPr id="87" name="TextBox 11"/>
                 <p:cNvSpPr/>
                 <p:nvPr/>
               </p:nvSpPr>
               <p:spPr>
                 <a:xfrm>
                   <a:off x="1371240" y="30999600"/>
-                  <a:ext cx="11886840" cy="953640"/>
+                  <a:ext cx="11886480" cy="944280"/>
                 </a:xfrm>
                 <a:prstGeom prst="rect">
                   <a:avLst/>
@@ -7480,28 +8329,192 @@
       </p:grpSp>
       <p:grpSp>
         <p:nvGrpSpPr>
-          <p:cNvPr id="82" name="Group 14"/>
+          <p:cNvPr id="88" name="Group 14"/>
           <p:cNvGrpSpPr/>
           <p:nvPr/>
         </p:nvGrpSpPr>
         <p:grpSpPr>
           <a:xfrm>
             <a:off x="15544440" y="6400800"/>
-            <a:ext cx="12801240" cy="9143640"/>
+            <a:ext cx="12800880" cy="26060400"/>
             <a:chOff x="15544440" y="6400800"/>
-            <a:chExt cx="12801240" cy="9143640"/>
+            <a:chExt cx="12800880" cy="26060400"/>
           </a:xfrm>
         </p:grpSpPr>
         <p:sp>
           <p:nvSpPr>
-            <p:cNvPr id="83" name="Round Same Side Corner Rectangle 16"/>
+            <p:cNvPr id="89" name="Round Same Side Corner Rectangle 16"/>
             <p:cNvSpPr/>
             <p:nvPr/>
           </p:nvSpPr>
           <p:spPr>
             <a:xfrm>
               <a:off x="15544440" y="7750080"/>
-              <a:ext cx="12801240" cy="7794360"/>
+              <a:ext cx="12800880" cy="24711120"/>
+            </a:xfrm>
+            <a:prstGeom prst="round2SameRect">
+              <a:avLst>
+                <a:gd name="adj1" fmla="val 0"/>
+                <a:gd name="adj2" fmla="val 3682"/>
+              </a:avLst>
+            </a:prstGeom>
+            <a:solidFill>
+              <a:srgbClr val="c9c7aa"/>
+            </a:solidFill>
+            <a:ln>
+              <a:solidFill>
+                <a:srgbClr val="092a38"/>
+              </a:solidFill>
+            </a:ln>
+          </p:spPr>
+          <p:style>
+            <a:lnRef idx="2">
+              <a:schemeClr val="accent1">
+                <a:shade val="15000"/>
+              </a:schemeClr>
+            </a:lnRef>
+            <a:fillRef idx="1">
+              <a:schemeClr val="accent1"/>
+            </a:fillRef>
+            <a:effectRef idx="0">
+              <a:schemeClr val="accent1"/>
+            </a:effectRef>
+            <a:fontRef idx="minor"/>
+          </p:style>
+          <p:txBody>
+            <a:bodyPr lIns="457200" rIns="457200" tIns="457200" bIns="457200" anchor="t">
+              <a:noAutofit/>
+            </a:bodyPr>
+            <a:p>
+              <a:pPr marL="457200" indent="-457200" defTabSz="457200">
+                <a:lnSpc>
+                  <a:spcPct val="100000"/>
+                </a:lnSpc>
+                <a:buClr>
+                  <a:srgbClr val="000000"/>
+                </a:buClr>
+                <a:buFont typeface="Arial"/>
+                <a:buChar char="•"/>
+              </a:pPr>
+              <a:r>
+                <a:rPr b="0" lang="en-US" sz="3000" strike="noStrike" u="none">
+                  <a:solidFill>
+                    <a:schemeClr val="dk1"/>
+                  </a:solidFill>
+                  <a:effectLst/>
+                  <a:uFillTx/>
+                  <a:latin typeface="Segoe UI"/>
+                </a:rPr>
+                <a:t>All results were averaged over 100 randomly generated seeds. The top  </a:t>
+              </a:r>
+              <a:endParaRPr b="0" lang="en-US" sz="3000" strike="noStrike" u="none">
+                <a:solidFill>
+                  <a:srgbClr val="000000"/>
+                </a:solidFill>
+                <a:effectLst/>
+                <a:uFillTx/>
+                <a:latin typeface="Nimbus Roman"/>
+              </a:endParaRPr>
+            </a:p>
+          </p:txBody>
+        </p:sp>
+        <p:sp>
+          <p:nvSpPr>
+            <p:cNvPr id="90" name="Round Same Side Corner Rectangle 15"/>
+            <p:cNvSpPr/>
+            <p:nvPr/>
+          </p:nvSpPr>
+          <p:spPr>
+            <a:xfrm>
+              <a:off x="15544440" y="6400800"/>
+              <a:ext cx="12800880" cy="1348560"/>
+            </a:xfrm>
+            <a:prstGeom prst="round2SameRect">
+              <a:avLst>
+                <a:gd name="adj1" fmla="val 16667"/>
+                <a:gd name="adj2" fmla="val 0"/>
+              </a:avLst>
+            </a:prstGeom>
+            <a:solidFill>
+              <a:srgbClr val="c8102e"/>
+            </a:solidFill>
+            <a:ln>
+              <a:solidFill>
+                <a:srgbClr val="092a38"/>
+              </a:solidFill>
+            </a:ln>
+          </p:spPr>
+          <p:style>
+            <a:lnRef idx="2">
+              <a:schemeClr val="accent1">
+                <a:shade val="15000"/>
+              </a:schemeClr>
+            </a:lnRef>
+            <a:fillRef idx="1">
+              <a:schemeClr val="accent1"/>
+            </a:fillRef>
+            <a:effectRef idx="0">
+              <a:schemeClr val="accent1"/>
+            </a:effectRef>
+            <a:fontRef idx="minor"/>
+          </p:style>
+          <p:txBody>
+            <a:bodyPr lIns="90000" rIns="90000" tIns="45000" bIns="45000" anchor="ctr">
+              <a:noAutofit/>
+            </a:bodyPr>
+            <a:p>
+              <a:pPr algn="ctr" defTabSz="457200">
+                <a:lnSpc>
+                  <a:spcPct val="100000"/>
+                </a:lnSpc>
+              </a:pPr>
+              <a:r>
+                <a:rPr b="1" lang="en-US" sz="6600" strike="noStrike" u="none">
+                  <a:solidFill>
+                    <a:schemeClr val="lt1"/>
+                  </a:solidFill>
+                  <a:effectLst/>
+                  <a:uFillTx/>
+                  <a:latin typeface="Segoe UI"/>
+                </a:rPr>
+                <a:t>Results</a:t>
+              </a:r>
+              <a:endParaRPr b="0" lang="en-US" sz="6600" strike="noStrike" u="none">
+                <a:solidFill>
+                  <a:srgbClr val="ffffff"/>
+                </a:solidFill>
+                <a:effectLst/>
+                <a:uFillTx/>
+                <a:latin typeface="Nimbus Roman"/>
+              </a:endParaRPr>
+            </a:p>
+          </p:txBody>
+        </p:sp>
+      </p:grpSp>
+      <p:grpSp>
+        <p:nvGrpSpPr>
+          <p:cNvPr id="91" name="Group 14"/>
+          <p:cNvGrpSpPr/>
+          <p:nvPr/>
+        </p:nvGrpSpPr>
+        <p:grpSpPr>
+          <a:xfrm>
+            <a:off x="30175200" y="6400800"/>
+            <a:ext cx="12800880" cy="9143280"/>
+            <a:chOff x="30175200" y="6400800"/>
+            <a:chExt cx="12800880" cy="9143280"/>
+          </a:xfrm>
+        </p:grpSpPr>
+        <p:sp>
+          <p:nvSpPr>
+            <p:cNvPr id="92" name="Round Same Side Corner Rectangle 16"/>
+            <p:cNvSpPr/>
+            <p:nvPr/>
+          </p:nvSpPr>
+          <p:spPr>
+            <a:xfrm>
+              <a:off x="30175200" y="7750080"/>
+              <a:ext cx="12800880" cy="7794000"/>
             </a:xfrm>
             <a:prstGeom prst="round2SameRect">
               <a:avLst>
@@ -7571,14 +8584,14 @@
         </p:sp>
         <p:sp>
           <p:nvSpPr>
-            <p:cNvPr id="84" name="Round Same Side Corner Rectangle 15"/>
+            <p:cNvPr id="93" name="Round Same Side Corner Rectangle 15"/>
             <p:cNvSpPr/>
             <p:nvPr/>
           </p:nvSpPr>
           <p:spPr>
             <a:xfrm>
-              <a:off x="15544440" y="6400800"/>
-              <a:ext cx="12801240" cy="1348920"/>
+              <a:off x="30175200" y="6400800"/>
+              <a:ext cx="12800880" cy="1348560"/>
             </a:xfrm>
             <a:prstGeom prst="round2SameRect">
               <a:avLst>
@@ -7628,7 +8641,7 @@
                   <a:uFillTx/>
                   <a:latin typeface="Segoe UI"/>
                 </a:rPr>
-                <a:t>Results</a:t>
+                <a:t>Conclusions</a:t>
               </a:r>
               <a:endParaRPr b="0" lang="en-US" sz="6600" strike="noStrike" u="none">
                 <a:solidFill>
@@ -7644,28 +8657,28 @@
       </p:grpSp>
       <p:grpSp>
         <p:nvGrpSpPr>
-          <p:cNvPr id="85" name="Group 14"/>
+          <p:cNvPr id="94" name="Group 14"/>
           <p:cNvGrpSpPr/>
           <p:nvPr/>
         </p:nvGrpSpPr>
         <p:grpSpPr>
           <a:xfrm>
-            <a:off x="30175200" y="6400800"/>
-            <a:ext cx="12801240" cy="9143640"/>
-            <a:chOff x="30175200" y="6400800"/>
-            <a:chExt cx="12801240" cy="9143640"/>
+            <a:off x="30175200" y="16459200"/>
+            <a:ext cx="12800880" cy="9143280"/>
+            <a:chOff x="30175200" y="16459200"/>
+            <a:chExt cx="12800880" cy="9143280"/>
           </a:xfrm>
         </p:grpSpPr>
         <p:sp>
           <p:nvSpPr>
-            <p:cNvPr id="86" name="Round Same Side Corner Rectangle 16"/>
+            <p:cNvPr id="95" name="Round Same Side Corner Rectangle 16"/>
             <p:cNvSpPr/>
             <p:nvPr/>
           </p:nvSpPr>
           <p:spPr>
             <a:xfrm>
-              <a:off x="30175200" y="7750080"/>
-              <a:ext cx="12801240" cy="7794360"/>
+              <a:off x="30175200" y="17808480"/>
+              <a:ext cx="12800880" cy="7794000"/>
             </a:xfrm>
             <a:prstGeom prst="round2SameRect">
               <a:avLst>
@@ -7735,178 +8748,14 @@
         </p:sp>
         <p:sp>
           <p:nvSpPr>
-            <p:cNvPr id="87" name="Round Same Side Corner Rectangle 15"/>
-            <p:cNvSpPr/>
-            <p:nvPr/>
-          </p:nvSpPr>
-          <p:spPr>
-            <a:xfrm>
-              <a:off x="30175200" y="6400800"/>
-              <a:ext cx="12801240" cy="1348920"/>
-            </a:xfrm>
-            <a:prstGeom prst="round2SameRect">
-              <a:avLst>
-                <a:gd name="adj1" fmla="val 16667"/>
-                <a:gd name="adj2" fmla="val 0"/>
-              </a:avLst>
-            </a:prstGeom>
-            <a:solidFill>
-              <a:srgbClr val="c8102e"/>
-            </a:solidFill>
-            <a:ln>
-              <a:solidFill>
-                <a:srgbClr val="092a38"/>
-              </a:solidFill>
-            </a:ln>
-          </p:spPr>
-          <p:style>
-            <a:lnRef idx="2">
-              <a:schemeClr val="accent1">
-                <a:shade val="15000"/>
-              </a:schemeClr>
-            </a:lnRef>
-            <a:fillRef idx="1">
-              <a:schemeClr val="accent1"/>
-            </a:fillRef>
-            <a:effectRef idx="0">
-              <a:schemeClr val="accent1"/>
-            </a:effectRef>
-            <a:fontRef idx="minor"/>
-          </p:style>
-          <p:txBody>
-            <a:bodyPr lIns="90000" rIns="90000" tIns="45000" bIns="45000" anchor="ctr">
-              <a:noAutofit/>
-            </a:bodyPr>
-            <a:p>
-              <a:pPr algn="ctr" defTabSz="457200">
-                <a:lnSpc>
-                  <a:spcPct val="100000"/>
-                </a:lnSpc>
-              </a:pPr>
-              <a:r>
-                <a:rPr b="1" lang="en-US" sz="6600" strike="noStrike" u="none">
-                  <a:solidFill>
-                    <a:schemeClr val="lt1"/>
-                  </a:solidFill>
-                  <a:effectLst/>
-                  <a:uFillTx/>
-                  <a:latin typeface="Segoe UI"/>
-                </a:rPr>
-                <a:t>Conclusions</a:t>
-              </a:r>
-              <a:endParaRPr b="0" lang="en-US" sz="6600" strike="noStrike" u="none">
-                <a:solidFill>
-                  <a:srgbClr val="ffffff"/>
-                </a:solidFill>
-                <a:effectLst/>
-                <a:uFillTx/>
-                <a:latin typeface="Nimbus Roman"/>
-              </a:endParaRPr>
-            </a:p>
-          </p:txBody>
-        </p:sp>
-      </p:grpSp>
-      <p:grpSp>
-        <p:nvGrpSpPr>
-          <p:cNvPr id="88" name="Group 14"/>
-          <p:cNvGrpSpPr/>
-          <p:nvPr/>
-        </p:nvGrpSpPr>
-        <p:grpSpPr>
-          <a:xfrm>
-            <a:off x="30175200" y="16459200"/>
-            <a:ext cx="12801240" cy="9143640"/>
-            <a:chOff x="30175200" y="16459200"/>
-            <a:chExt cx="12801240" cy="9143640"/>
-          </a:xfrm>
-        </p:grpSpPr>
-        <p:sp>
-          <p:nvSpPr>
-            <p:cNvPr id="89" name="Round Same Side Corner Rectangle 16"/>
-            <p:cNvSpPr/>
-            <p:nvPr/>
-          </p:nvSpPr>
-          <p:spPr>
-            <a:xfrm>
-              <a:off x="30175200" y="17808480"/>
-              <a:ext cx="12801240" cy="7794360"/>
-            </a:xfrm>
-            <a:prstGeom prst="round2SameRect">
-              <a:avLst>
-                <a:gd name="adj1" fmla="val 0"/>
-                <a:gd name="adj2" fmla="val 3682"/>
-              </a:avLst>
-            </a:prstGeom>
-            <a:solidFill>
-              <a:srgbClr val="c9c7aa"/>
-            </a:solidFill>
-            <a:ln>
-              <a:solidFill>
-                <a:srgbClr val="092a38"/>
-              </a:solidFill>
-            </a:ln>
-          </p:spPr>
-          <p:style>
-            <a:lnRef idx="2">
-              <a:schemeClr val="accent1">
-                <a:shade val="15000"/>
-              </a:schemeClr>
-            </a:lnRef>
-            <a:fillRef idx="1">
-              <a:schemeClr val="accent1"/>
-            </a:fillRef>
-            <a:effectRef idx="0">
-              <a:schemeClr val="accent1"/>
-            </a:effectRef>
-            <a:fontRef idx="minor"/>
-          </p:style>
-          <p:txBody>
-            <a:bodyPr lIns="457200" rIns="457200" tIns="457200" bIns="457200" anchor="t">
-              <a:noAutofit/>
-            </a:bodyPr>
-            <a:p>
-              <a:pPr marL="457200" indent="-457200" defTabSz="457200">
-                <a:lnSpc>
-                  <a:spcPct val="100000"/>
-                </a:lnSpc>
-                <a:buClr>
-                  <a:srgbClr val="000000"/>
-                </a:buClr>
-                <a:buFont typeface="Arial"/>
-                <a:buChar char="•"/>
-              </a:pPr>
-              <a:r>
-                <a:rPr b="1" lang="en-US" sz="3000" strike="noStrike" u="none">
-                  <a:solidFill>
-                    <a:schemeClr val="dk1"/>
-                  </a:solidFill>
-                  <a:effectLst/>
-                  <a:uFillTx/>
-                  <a:latin typeface="Segoe UI"/>
-                </a:rPr>
-                <a:t>Put results here</a:t>
-              </a:r>
-              <a:endParaRPr b="0" lang="en-US" sz="3000" strike="noStrike" u="none">
-                <a:solidFill>
-                  <a:srgbClr val="000000"/>
-                </a:solidFill>
-                <a:effectLst/>
-                <a:uFillTx/>
-                <a:latin typeface="Nimbus Roman"/>
-              </a:endParaRPr>
-            </a:p>
-          </p:txBody>
-        </p:sp>
-        <p:sp>
-          <p:nvSpPr>
-            <p:cNvPr id="90" name="Round Same Side Corner Rectangle 15"/>
+            <p:cNvPr id="96" name="Round Same Side Corner Rectangle 15"/>
             <p:cNvSpPr/>
             <p:nvPr/>
           </p:nvSpPr>
           <p:spPr>
             <a:xfrm>
               <a:off x="30175200" y="16459200"/>
-              <a:ext cx="12801240" cy="1348920"/>
+              <a:ext cx="12800880" cy="1348560"/>
             </a:xfrm>
             <a:prstGeom prst="round2SameRect">
               <a:avLst>
@@ -7970,6 +8819,306 @@
           </p:txBody>
         </p:sp>
       </p:grpSp>
+      <p:grpSp>
+        <p:nvGrpSpPr>
+          <p:cNvPr id="97" name=""/>
+          <p:cNvGrpSpPr/>
+          <p:nvPr/>
+        </p:nvGrpSpPr>
+        <p:grpSpPr>
+          <a:xfrm>
+            <a:off x="16002000" y="9144000"/>
+            <a:ext cx="11887200" cy="3429000"/>
+            <a:chOff x="16002000" y="9144000"/>
+            <a:chExt cx="11887200" cy="3429000"/>
+          </a:xfrm>
+        </p:grpSpPr>
+        <p:sp>
+          <p:nvSpPr>
+            <p:cNvPr id="98" name=""/>
+            <p:cNvSpPr/>
+            <p:nvPr/>
+          </p:nvSpPr>
+          <p:spPr>
+            <a:xfrm>
+              <a:off x="16002000" y="9144000"/>
+              <a:ext cx="11887200" cy="3429000"/>
+            </a:xfrm>
+            <a:prstGeom prst="rect">
+              <a:avLst/>
+            </a:prstGeom>
+            <a:solidFill>
+              <a:srgbClr val="ffffff"/>
+            </a:solidFill>
+            <a:ln w="0">
+              <a:solidFill>
+                <a:srgbClr val="3465a4"/>
+              </a:solidFill>
+            </a:ln>
+          </p:spPr>
+          <p:style>
+            <a:lnRef idx="0"/>
+            <a:fillRef idx="0"/>
+            <a:effectRef idx="0"/>
+            <a:fontRef idx="minor"/>
+          </p:style>
+          <p:txBody>
+            <a:bodyPr lIns="90000" rIns="90000" tIns="45000" bIns="45000" anchor="ctr">
+              <a:noAutofit/>
+            </a:bodyPr>
+            <a:p>
+              <a:endParaRPr b="0" lang="en-US" sz="1800" strike="noStrike" u="none">
+                <a:solidFill>
+                  <a:srgbClr val="000000"/>
+                </a:solidFill>
+                <a:effectLst/>
+                <a:uFillTx/>
+                <a:latin typeface="Nimbus Roman"/>
+              </a:endParaRPr>
+            </a:p>
+          </p:txBody>
+        </p:sp>
+      </p:grpSp>
+      <p:pic>
+        <p:nvPicPr>
+          <p:cNvPr id="99" name="" descr=""/>
+          <p:cNvPicPr/>
+          <p:nvPr/>
+        </p:nvPicPr>
+        <p:blipFill>
+          <a:blip r:embed="rId6"/>
+          <a:stretch/>
+        </p:blipFill>
+        <p:spPr>
+          <a:xfrm>
+            <a:off x="16459200" y="9528120"/>
+            <a:ext cx="10972800" cy="2587680"/>
+          </a:xfrm>
+          <a:prstGeom prst="rect">
+            <a:avLst/>
+          </a:prstGeom>
+          <a:noFill/>
+          <a:ln w="0">
+            <a:noFill/>
+          </a:ln>
+        </p:spPr>
+      </p:pic>
+      <p:grpSp>
+        <p:nvGrpSpPr>
+          <p:cNvPr id="100" name=""/>
+          <p:cNvGrpSpPr/>
+          <p:nvPr/>
+        </p:nvGrpSpPr>
+        <p:grpSpPr>
+          <a:xfrm>
+            <a:off x="16002000" y="13030200"/>
+            <a:ext cx="11887200" cy="3886200"/>
+            <a:chOff x="16002000" y="13030200"/>
+            <a:chExt cx="11887200" cy="3886200"/>
+          </a:xfrm>
+        </p:grpSpPr>
+        <p:sp>
+          <p:nvSpPr>
+            <p:cNvPr id="101" name=""/>
+            <p:cNvSpPr/>
+            <p:nvPr/>
+          </p:nvSpPr>
+          <p:spPr>
+            <a:xfrm>
+              <a:off x="16002000" y="13030200"/>
+              <a:ext cx="11887200" cy="3886200"/>
+            </a:xfrm>
+            <a:prstGeom prst="rect">
+              <a:avLst/>
+            </a:prstGeom>
+            <a:solidFill>
+              <a:srgbClr val="ffffff"/>
+            </a:solidFill>
+            <a:ln w="0">
+              <a:solidFill>
+                <a:srgbClr val="3465a4"/>
+              </a:solidFill>
+            </a:ln>
+          </p:spPr>
+          <p:style>
+            <a:lnRef idx="0"/>
+            <a:fillRef idx="0"/>
+            <a:effectRef idx="0"/>
+            <a:fontRef idx="minor"/>
+          </p:style>
+          <p:txBody>
+            <a:bodyPr lIns="90000" rIns="90000" tIns="45000" bIns="45000" anchor="ctr">
+              <a:noAutofit/>
+            </a:bodyPr>
+            <a:p>
+              <a:endParaRPr b="0" lang="en-US" sz="1800" strike="noStrike" u="none">
+                <a:solidFill>
+                  <a:srgbClr val="000000"/>
+                </a:solidFill>
+                <a:effectLst/>
+                <a:uFillTx/>
+                <a:latin typeface="Nimbus Roman"/>
+              </a:endParaRPr>
+            </a:p>
+          </p:txBody>
+        </p:sp>
+      </p:grpSp>
+      <p:grpSp>
+        <p:nvGrpSpPr>
+          <p:cNvPr id="102" name=""/>
+          <p:cNvGrpSpPr/>
+          <p:nvPr/>
+        </p:nvGrpSpPr>
+        <p:grpSpPr>
+          <a:xfrm>
+            <a:off x="15773400" y="17830800"/>
+            <a:ext cx="11887200" cy="3886200"/>
+            <a:chOff x="15773400" y="17830800"/>
+            <a:chExt cx="11887200" cy="3886200"/>
+          </a:xfrm>
+        </p:grpSpPr>
+        <p:sp>
+          <p:nvSpPr>
+            <p:cNvPr id="103" name=""/>
+            <p:cNvSpPr/>
+            <p:nvPr/>
+          </p:nvSpPr>
+          <p:spPr>
+            <a:xfrm>
+              <a:off x="15773400" y="17830800"/>
+              <a:ext cx="11887200" cy="3886200"/>
+            </a:xfrm>
+            <a:prstGeom prst="rect">
+              <a:avLst/>
+            </a:prstGeom>
+            <a:solidFill>
+              <a:srgbClr val="ffffff"/>
+            </a:solidFill>
+            <a:ln w="0">
+              <a:solidFill>
+                <a:srgbClr val="3465a4"/>
+              </a:solidFill>
+            </a:ln>
+          </p:spPr>
+          <p:style>
+            <a:lnRef idx="0"/>
+            <a:fillRef idx="0"/>
+            <a:effectRef idx="0"/>
+            <a:fontRef idx="minor"/>
+          </p:style>
+          <p:txBody>
+            <a:bodyPr lIns="90000" rIns="90000" tIns="45000" bIns="45000" anchor="ctr">
+              <a:noAutofit/>
+            </a:bodyPr>
+            <a:p>
+              <a:endParaRPr b="0" lang="en-US" sz="1800" strike="noStrike" u="none">
+                <a:solidFill>
+                  <a:srgbClr val="000000"/>
+                </a:solidFill>
+                <a:effectLst/>
+                <a:uFillTx/>
+                <a:latin typeface="Nimbus Roman"/>
+              </a:endParaRPr>
+            </a:p>
+          </p:txBody>
+        </p:sp>
+      </p:grpSp>
+      <p:pic>
+        <p:nvPicPr>
+          <p:cNvPr id="104" name="" descr=""/>
+          <p:cNvPicPr/>
+          <p:nvPr/>
+        </p:nvPicPr>
+        <p:blipFill>
+          <a:blip r:embed="rId7"/>
+          <a:stretch/>
+        </p:blipFill>
+        <p:spPr>
+          <a:xfrm>
+            <a:off x="16459200" y="13414320"/>
+            <a:ext cx="10972800" cy="3044880"/>
+          </a:xfrm>
+          <a:prstGeom prst="rect">
+            <a:avLst/>
+          </a:prstGeom>
+          <a:noFill/>
+          <a:ln w="0">
+            <a:noFill/>
+          </a:ln>
+        </p:spPr>
+      </p:pic>
+      <p:pic>
+        <p:nvPicPr>
+          <p:cNvPr id="105" name="" descr=""/>
+          <p:cNvPicPr/>
+          <p:nvPr/>
+        </p:nvPicPr>
+        <p:blipFill>
+          <a:blip r:embed="rId8"/>
+          <a:stretch/>
+        </p:blipFill>
+        <p:spPr>
+          <a:xfrm>
+            <a:off x="16230600" y="18288000"/>
+            <a:ext cx="10972800" cy="2935080"/>
+          </a:xfrm>
+          <a:prstGeom prst="rect">
+            <a:avLst/>
+          </a:prstGeom>
+          <a:noFill/>
+          <a:ln w="0">
+            <a:noFill/>
+          </a:ln>
+        </p:spPr>
+      </p:pic>
+      <p:pic>
+        <p:nvPicPr>
+          <p:cNvPr id="106" name="" descr=""/>
+          <p:cNvPicPr/>
+          <p:nvPr/>
+        </p:nvPicPr>
+        <p:blipFill>
+          <a:blip r:embed="rId9"/>
+          <a:stretch/>
+        </p:blipFill>
+        <p:spPr>
+          <a:xfrm>
+            <a:off x="18371520" y="27334440"/>
+            <a:ext cx="10972800" cy="2597040"/>
+          </a:xfrm>
+          <a:prstGeom prst="rect">
+            <a:avLst/>
+          </a:prstGeom>
+          <a:noFill/>
+          <a:ln w="0">
+            <a:noFill/>
+          </a:ln>
+        </p:spPr>
+      </p:pic>
+      <p:pic>
+        <p:nvPicPr>
+          <p:cNvPr id="107" name="" descr=""/>
+          <p:cNvPicPr/>
+          <p:nvPr/>
+        </p:nvPicPr>
+        <p:blipFill>
+          <a:blip r:embed="rId10"/>
+          <a:stretch/>
+        </p:blipFill>
+        <p:spPr>
+          <a:xfrm>
+            <a:off x="28518120" y="20288520"/>
+            <a:ext cx="10972800" cy="2587680"/>
+          </a:xfrm>
+          <a:prstGeom prst="rect">
+            <a:avLst/>
+          </a:prstGeom>
+          <a:noFill/>
+          <a:ln w="0">
+            <a:noFill/>
+          </a:ln>
+        </p:spPr>
+      </p:pic>
     </p:spTree>
   </p:cSld>
   <mc:AlternateContent>
